--- a/Documentation/Long-Mann 16-Bit RISC Processor.pptx
+++ b/Documentation/Long-Mann 16-Bit RISC Processor.pptx
@@ -5100,7 +5100,7 @@
           <a:p>
             <a:fld id="{FE5B4EDC-59C0-49C7-8ADA-5A781B329E02}" type="datetimeFigureOut">
               <a:rPr lang="en-US"/>
-              <a:t>3/26/2017</a:t>
+              <a:t>3/27/2017</a:t>
             </a:fld>
             <a:endParaRPr/>
           </a:p>
@@ -5265,7 +5265,7 @@
           <a:p>
             <a:fld id="{F2D8D46A-B586-417D-BFBD-8C8FE0AAF762}" type="datetimeFigureOut">
               <a:rPr lang="en-US"/>
-              <a:t>3/26/2017</a:t>
+              <a:t>3/27/2017</a:t>
             </a:fld>
             <a:endParaRPr/>
           </a:p>
@@ -6367,7 +6367,7 @@
           <a:p>
             <a:fld id="{F0DFD029-FB74-4578-B929-F66AA97659CA}" type="datetimeFigureOut">
               <a:rPr lang="en-US"/>
-              <a:t>3/26/2017</a:t>
+              <a:t>3/27/2017</a:t>
             </a:fld>
             <a:endParaRPr/>
           </a:p>
@@ -6565,7 +6565,7 @@
           <a:p>
             <a:fld id="{F0DFD029-FB74-4578-B929-F66AA97659CA}" type="datetimeFigureOut">
               <a:rPr lang="en-US"/>
-              <a:t>3/26/2017</a:t>
+              <a:t>3/27/2017</a:t>
             </a:fld>
             <a:endParaRPr/>
           </a:p>
@@ -6773,7 +6773,7 @@
           <a:p>
             <a:fld id="{F0DFD029-FB74-4578-B929-F66AA97659CA}" type="datetimeFigureOut">
               <a:rPr lang="en-US"/>
-              <a:t>3/26/2017</a:t>
+              <a:t>3/27/2017</a:t>
             </a:fld>
             <a:endParaRPr/>
           </a:p>
@@ -6971,7 +6971,7 @@
           <a:p>
             <a:fld id="{F0DFD029-FB74-4578-B929-F66AA97659CA}" type="datetimeFigureOut">
               <a:rPr lang="en-US"/>
-              <a:t>3/26/2017</a:t>
+              <a:t>3/27/2017</a:t>
             </a:fld>
             <a:endParaRPr/>
           </a:p>
@@ -7403,7 +7403,7 @@
           <a:p>
             <a:fld id="{F0DFD029-FB74-4578-B929-F66AA97659CA}" type="datetimeFigureOut">
               <a:rPr lang="en-US"/>
-              <a:t>3/26/2017</a:t>
+              <a:t>3/27/2017</a:t>
             </a:fld>
             <a:endParaRPr/>
           </a:p>
@@ -7707,7 +7707,7 @@
           <a:p>
             <a:fld id="{F0DFD029-FB74-4578-B929-F66AA97659CA}" type="datetimeFigureOut">
               <a:rPr lang="en-US"/>
-              <a:t>3/26/2017</a:t>
+              <a:t>3/27/2017</a:t>
             </a:fld>
             <a:endParaRPr/>
           </a:p>
@@ -8163,7 +8163,7 @@
           <a:p>
             <a:fld id="{F0DFD029-FB74-4578-B929-F66AA97659CA}" type="datetimeFigureOut">
               <a:rPr lang="en-US"/>
-              <a:t>3/26/2017</a:t>
+              <a:t>3/27/2017</a:t>
             </a:fld>
             <a:endParaRPr/>
           </a:p>
@@ -8293,7 +8293,7 @@
           <a:p>
             <a:fld id="{F0DFD029-FB74-4578-B929-F66AA97659CA}" type="datetimeFigureOut">
               <a:rPr lang="en-US"/>
-              <a:t>3/26/2017</a:t>
+              <a:t>3/27/2017</a:t>
             </a:fld>
             <a:endParaRPr/>
           </a:p>
@@ -8400,7 +8400,7 @@
           <a:p>
             <a:fld id="{F0DFD029-FB74-4578-B929-F66AA97659CA}" type="datetimeFigureOut">
               <a:rPr lang="en-US"/>
-              <a:t>3/26/2017</a:t>
+              <a:t>3/27/2017</a:t>
             </a:fld>
             <a:endParaRPr/>
           </a:p>
@@ -8699,7 +8699,7 @@
           <a:p>
             <a:fld id="{F0DFD029-FB74-4578-B929-F66AA97659CA}" type="datetimeFigureOut">
               <a:rPr lang="en-US"/>
-              <a:t>3/26/2017</a:t>
+              <a:t>3/27/2017</a:t>
             </a:fld>
             <a:endParaRPr/>
           </a:p>
@@ -8987,7 +8987,7 @@
           <a:p>
             <a:fld id="{F0DFD029-FB74-4578-B929-F66AA97659CA}" type="datetimeFigureOut">
               <a:rPr lang="en-US"/>
-              <a:t>3/26/2017</a:t>
+              <a:t>3/27/2017</a:t>
             </a:fld>
             <a:endParaRPr/>
           </a:p>
@@ -9610,7 +9610,7 @@
             <a:fld id="{F0DFD029-FB74-4578-B929-F66AA97659CA}" type="datetimeFigureOut">
               <a:rPr lang="en-US"/>
               <a:pPr/>
-              <a:t>3/26/2017</a:t>
+              <a:t>3/27/2017</a:t>
             </a:fld>
             <a:endParaRPr/>
           </a:p>
@@ -11054,7 +11054,12 @@
             <p:ph type="title"/>
           </p:nvPr>
         </p:nvSpPr>
-        <p:spPr/>
+        <p:spPr>
+          <a:xfrm>
+            <a:off x="1625176" y="-1752597"/>
+            <a:ext cx="8938472" cy="2764335"/>
+          </a:xfrm>
+        </p:spPr>
         <p:txBody>
           <a:bodyPr/>
           <a:lstStyle/>
@@ -11076,7 +11081,12 @@
             <p:ph type="body" idx="1"/>
           </p:nvPr>
         </p:nvSpPr>
-        <p:spPr/>
+        <p:spPr>
+          <a:xfrm>
+            <a:off x="1625176" y="1030273"/>
+            <a:ext cx="7069519" cy="1220933"/>
+          </a:xfrm>
+        </p:spPr>
         <p:txBody>
           <a:bodyPr/>
           <a:lstStyle/>
@@ -11088,6 +11098,64 @@
           </a:p>
         </p:txBody>
       </p:sp>
+      <p:pic>
+        <p:nvPicPr>
+          <p:cNvPr id="2" name="Picture 1"/>
+          <p:cNvPicPr>
+            <a:picLocks noChangeAspect="1"/>
+          </p:cNvPicPr>
+          <p:nvPr/>
+        </p:nvPicPr>
+        <p:blipFill>
+          <a:blip r:embed="rId2"/>
+          <a:stretch>
+            <a:fillRect/>
+          </a:stretch>
+        </p:blipFill>
+        <p:spPr>
+          <a:xfrm>
+            <a:off x="7313612" y="1030273"/>
+            <a:ext cx="4480504" cy="4809953"/>
+          </a:xfrm>
+          <a:prstGeom prst="rect">
+            <a:avLst/>
+          </a:prstGeom>
+          <a:ln>
+            <a:solidFill>
+              <a:schemeClr val="accent1"/>
+            </a:solidFill>
+          </a:ln>
+        </p:spPr>
+      </p:pic>
+      <p:pic>
+        <p:nvPicPr>
+          <p:cNvPr id="3" name="Picture 2"/>
+          <p:cNvPicPr>
+            <a:picLocks noChangeAspect="1"/>
+          </p:cNvPicPr>
+          <p:nvPr/>
+        </p:nvPicPr>
+        <p:blipFill>
+          <a:blip r:embed="rId3"/>
+          <a:stretch>
+            <a:fillRect/>
+          </a:stretch>
+        </p:blipFill>
+        <p:spPr>
+          <a:xfrm>
+            <a:off x="912812" y="1600924"/>
+            <a:ext cx="5896798" cy="4906060"/>
+          </a:xfrm>
+          <a:prstGeom prst="rect">
+            <a:avLst/>
+          </a:prstGeom>
+          <a:ln>
+            <a:solidFill>
+              <a:schemeClr val="accent1"/>
+            </a:solidFill>
+          </a:ln>
+        </p:spPr>
+      </p:pic>
     </p:spTree>
     <p:extLst>
       <p:ext uri="{BB962C8B-B14F-4D97-AF65-F5344CB8AC3E}">
@@ -11139,7 +11207,7 @@
         <p:spPr>
           <a:xfrm>
             <a:off x="1293812" y="457200"/>
-            <a:ext cx="10957359" cy="461665"/>
+            <a:ext cx="11754500" cy="461665"/>
           </a:xfrm>
           <a:prstGeom prst="rect">
             <a:avLst/>
@@ -11153,7 +11221,7 @@
           <a:p>
             <a:r>
               <a:rPr lang="en-US" dirty="0"/>
-              <a:t>Project Timeline – Note (will remove later): These times in reference to 9pm 3/26/2017</a:t>
+              <a:t>Development Timeline – Note (will remove later): These times in reference to 9pm 3/26/2017</a:t>
             </a:r>
           </a:p>
         </p:txBody>
@@ -11283,7 +11351,7 @@
         <p:spPr>
           <a:xfrm>
             <a:off x="1293812" y="457200"/>
-            <a:ext cx="2213939" cy="461665"/>
+            <a:ext cx="3017814" cy="461665"/>
           </a:xfrm>
           <a:prstGeom prst="rect">
             <a:avLst/>
@@ -11297,7 +11365,7 @@
           <a:p>
             <a:r>
               <a:rPr lang="en-US" dirty="0"/>
-              <a:t>Project Timeline</a:t>
+              <a:t>Development Timeline</a:t>
             </a:r>
           </a:p>
         </p:txBody>
@@ -11424,7 +11492,7 @@
         <p:spPr>
           <a:xfrm>
             <a:off x="1293812" y="457200"/>
-            <a:ext cx="2213939" cy="461665"/>
+            <a:ext cx="3017814" cy="461665"/>
           </a:xfrm>
           <a:prstGeom prst="rect">
             <a:avLst/>
@@ -11438,7 +11506,7 @@
           <a:p>
             <a:r>
               <a:rPr lang="en-US" dirty="0"/>
-              <a:t>Project Timeline</a:t>
+              <a:t>Development Timeline</a:t>
             </a:r>
           </a:p>
         </p:txBody>
@@ -11565,7 +11633,7 @@
         <p:spPr>
           <a:xfrm>
             <a:off x="1293812" y="457200"/>
-            <a:ext cx="2213939" cy="461665"/>
+            <a:ext cx="3017814" cy="461665"/>
           </a:xfrm>
           <a:prstGeom prst="rect">
             <a:avLst/>
@@ -11579,7 +11647,7 @@
           <a:p>
             <a:r>
               <a:rPr lang="en-US" dirty="0"/>
-              <a:t>Project Timeline</a:t>
+              <a:t>Development Timeline</a:t>
             </a:r>
           </a:p>
         </p:txBody>
@@ -11706,7 +11774,7 @@
         <p:spPr>
           <a:xfrm>
             <a:off x="1293812" y="457200"/>
-            <a:ext cx="2213939" cy="461665"/>
+            <a:ext cx="3017814" cy="461665"/>
           </a:xfrm>
           <a:prstGeom prst="rect">
             <a:avLst/>
@@ -11720,7 +11788,7 @@
           <a:p>
             <a:r>
               <a:rPr lang="en-US" dirty="0"/>
-              <a:t>Project Timeline</a:t>
+              <a:t>Development Timeline</a:t>
             </a:r>
           </a:p>
         </p:txBody>
@@ -11867,10 +11935,9 @@
           <a:lstStyle/>
           <a:p>
             <a:r>
-              <a:rPr lang="en-US"/>
-              <a:t>Title and Content Layout with List</a:t>
+              <a:rPr lang="en-US" dirty="0"/>
+              <a:t>Looking Back – All Goals Met</a:t>
             </a:r>
-            <a:endParaRPr lang="en-US" dirty="0"/>
           </a:p>
         </p:txBody>
       </p:sp>

--- a/Documentation/Long-Mann 16-Bit RISC Processor.pptx
+++ b/Documentation/Long-Mann 16-Bit RISC Processor.pptx
@@ -5,27 +5,33 @@
     <p:sldMasterId id="2147483660" r:id="rId4"/>
   </p:sldMasterIdLst>
   <p:notesMasterIdLst>
-    <p:notesMasterId r:id="rId20"/>
+    <p:notesMasterId r:id="rId26"/>
   </p:notesMasterIdLst>
   <p:handoutMasterIdLst>
-    <p:handoutMasterId r:id="rId21"/>
+    <p:handoutMasterId r:id="rId27"/>
   </p:handoutMasterIdLst>
   <p:sldIdLst>
     <p:sldId id="257" r:id="rId5"/>
     <p:sldId id="259" r:id="rId6"/>
     <p:sldId id="263" r:id="rId7"/>
-    <p:sldId id="272" r:id="rId8"/>
-    <p:sldId id="273" r:id="rId9"/>
-    <p:sldId id="274" r:id="rId10"/>
-    <p:sldId id="275" r:id="rId11"/>
-    <p:sldId id="268" r:id="rId12"/>
-    <p:sldId id="267" r:id="rId13"/>
-    <p:sldId id="269" r:id="rId14"/>
-    <p:sldId id="270" r:id="rId15"/>
-    <p:sldId id="261" r:id="rId16"/>
-    <p:sldId id="262" r:id="rId17"/>
-    <p:sldId id="271" r:id="rId18"/>
-    <p:sldId id="265" r:id="rId19"/>
+    <p:sldId id="271" r:id="rId8"/>
+    <p:sldId id="272" r:id="rId9"/>
+    <p:sldId id="265" r:id="rId10"/>
+    <p:sldId id="276" r:id="rId11"/>
+    <p:sldId id="277" r:id="rId12"/>
+    <p:sldId id="278" r:id="rId13"/>
+    <p:sldId id="279" r:id="rId14"/>
+    <p:sldId id="280" r:id="rId15"/>
+    <p:sldId id="273" r:id="rId16"/>
+    <p:sldId id="281" r:id="rId17"/>
+    <p:sldId id="274" r:id="rId18"/>
+    <p:sldId id="275" r:id="rId19"/>
+    <p:sldId id="268" r:id="rId20"/>
+    <p:sldId id="267" r:id="rId21"/>
+    <p:sldId id="269" r:id="rId22"/>
+    <p:sldId id="270" r:id="rId23"/>
+    <p:sldId id="261" r:id="rId24"/>
+    <p:sldId id="262" r:id="rId25"/>
   </p:sldIdLst>
   <p:sldSz cx="12188825" cy="6858000"/>
   <p:notesSz cx="6858000" cy="9144000"/>
@@ -2004,7 +2010,1332 @@
 </dgm:colorsDef>
 </file>
 
+<file path=ppt/diagrams/colors2.xml><?xml version="1.0" encoding="utf-8"?>
+<dgm:colorsDef xmlns:dgm="http://schemas.openxmlformats.org/drawingml/2006/diagram" xmlns:a="http://schemas.openxmlformats.org/drawingml/2006/main" uniqueId="urn:microsoft.com/office/officeart/2005/8/colors/colorful1">
+  <dgm:title val=""/>
+  <dgm:desc val=""/>
+  <dgm:catLst>
+    <dgm:cat type="colorful" pri="10100"/>
+  </dgm:catLst>
+  <dgm:styleLbl name="node0">
+    <dgm:fillClrLst meth="repeat">
+      <a:schemeClr val="accent1"/>
+    </dgm:fillClrLst>
+    <dgm:linClrLst meth="repeat">
+      <a:schemeClr val="lt1"/>
+    </dgm:linClrLst>
+    <dgm:effectClrLst/>
+    <dgm:txLinClrLst/>
+    <dgm:txFillClrLst/>
+    <dgm:txEffectClrLst/>
+  </dgm:styleLbl>
+  <dgm:styleLbl name="node1">
+    <dgm:fillClrLst meth="repeat">
+      <a:schemeClr val="accent2"/>
+      <a:schemeClr val="accent3"/>
+      <a:schemeClr val="accent4"/>
+      <a:schemeClr val="accent5"/>
+      <a:schemeClr val="accent6"/>
+    </dgm:fillClrLst>
+    <dgm:linClrLst meth="repeat">
+      <a:schemeClr val="lt1"/>
+    </dgm:linClrLst>
+    <dgm:effectClrLst/>
+    <dgm:txLinClrLst/>
+    <dgm:txFillClrLst/>
+    <dgm:txEffectClrLst/>
+  </dgm:styleLbl>
+  <dgm:styleLbl name="alignNode1">
+    <dgm:fillClrLst meth="repeat">
+      <a:schemeClr val="accent2"/>
+      <a:schemeClr val="accent3"/>
+      <a:schemeClr val="accent4"/>
+      <a:schemeClr val="accent5"/>
+      <a:schemeClr val="accent6"/>
+    </dgm:fillClrLst>
+    <dgm:linClrLst meth="repeat">
+      <a:schemeClr val="accent2"/>
+      <a:schemeClr val="accent3"/>
+      <a:schemeClr val="accent4"/>
+      <a:schemeClr val="accent5"/>
+      <a:schemeClr val="accent6"/>
+    </dgm:linClrLst>
+    <dgm:effectClrLst/>
+    <dgm:txLinClrLst/>
+    <dgm:txFillClrLst/>
+    <dgm:txEffectClrLst/>
+  </dgm:styleLbl>
+  <dgm:styleLbl name="lnNode1">
+    <dgm:fillClrLst meth="repeat">
+      <a:schemeClr val="accent2"/>
+      <a:schemeClr val="accent3"/>
+      <a:schemeClr val="accent4"/>
+      <a:schemeClr val="accent5"/>
+      <a:schemeClr val="accent6"/>
+    </dgm:fillClrLst>
+    <dgm:linClrLst meth="repeat">
+      <a:schemeClr val="lt1"/>
+    </dgm:linClrLst>
+    <dgm:effectClrLst/>
+    <dgm:txLinClrLst/>
+    <dgm:txFillClrLst/>
+    <dgm:txEffectClrLst/>
+  </dgm:styleLbl>
+  <dgm:styleLbl name="vennNode1">
+    <dgm:fillClrLst meth="repeat">
+      <a:schemeClr val="accent2">
+        <a:alpha val="50000"/>
+      </a:schemeClr>
+      <a:schemeClr val="accent3">
+        <a:alpha val="50000"/>
+      </a:schemeClr>
+      <a:schemeClr val="accent4">
+        <a:alpha val="50000"/>
+      </a:schemeClr>
+      <a:schemeClr val="accent5">
+        <a:alpha val="50000"/>
+      </a:schemeClr>
+      <a:schemeClr val="accent6">
+        <a:alpha val="50000"/>
+      </a:schemeClr>
+    </dgm:fillClrLst>
+    <dgm:linClrLst meth="repeat">
+      <a:schemeClr val="lt1"/>
+    </dgm:linClrLst>
+    <dgm:effectClrLst/>
+    <dgm:txLinClrLst/>
+    <dgm:txFillClrLst/>
+    <dgm:txEffectClrLst/>
+  </dgm:styleLbl>
+  <dgm:styleLbl name="node2">
+    <dgm:fillClrLst>
+      <a:schemeClr val="accent2"/>
+    </dgm:fillClrLst>
+    <dgm:linClrLst meth="repeat">
+      <a:schemeClr val="lt1"/>
+    </dgm:linClrLst>
+    <dgm:effectClrLst/>
+    <dgm:txLinClrLst/>
+    <dgm:txFillClrLst/>
+    <dgm:txEffectClrLst/>
+  </dgm:styleLbl>
+  <dgm:styleLbl name="node3">
+    <dgm:fillClrLst>
+      <a:schemeClr val="accent3"/>
+    </dgm:fillClrLst>
+    <dgm:linClrLst meth="repeat">
+      <a:schemeClr val="lt1"/>
+    </dgm:linClrLst>
+    <dgm:effectClrLst/>
+    <dgm:txLinClrLst/>
+    <dgm:txFillClrLst/>
+    <dgm:txEffectClrLst/>
+  </dgm:styleLbl>
+  <dgm:styleLbl name="node4">
+    <dgm:fillClrLst>
+      <a:schemeClr val="accent4"/>
+    </dgm:fillClrLst>
+    <dgm:linClrLst meth="repeat">
+      <a:schemeClr val="lt1"/>
+    </dgm:linClrLst>
+    <dgm:effectClrLst/>
+    <dgm:txLinClrLst/>
+    <dgm:txFillClrLst/>
+    <dgm:txEffectClrLst/>
+  </dgm:styleLbl>
+  <dgm:styleLbl name="fgImgPlace1">
+    <dgm:fillClrLst meth="repeat">
+      <a:schemeClr val="accent2">
+        <a:tint val="50000"/>
+      </a:schemeClr>
+      <a:schemeClr val="accent3">
+        <a:tint val="50000"/>
+      </a:schemeClr>
+      <a:schemeClr val="accent4">
+        <a:tint val="50000"/>
+      </a:schemeClr>
+      <a:schemeClr val="accent5">
+        <a:tint val="50000"/>
+      </a:schemeClr>
+      <a:schemeClr val="accent6">
+        <a:tint val="50000"/>
+      </a:schemeClr>
+    </dgm:fillClrLst>
+    <dgm:linClrLst meth="repeat">
+      <a:schemeClr val="lt1"/>
+    </dgm:linClrLst>
+    <dgm:effectClrLst/>
+    <dgm:txLinClrLst/>
+    <dgm:txFillClrLst meth="repeat">
+      <a:schemeClr val="lt1"/>
+    </dgm:txFillClrLst>
+    <dgm:txEffectClrLst/>
+  </dgm:styleLbl>
+  <dgm:styleLbl name="alignImgPlace1">
+    <dgm:fillClrLst>
+      <a:schemeClr val="accent1">
+        <a:tint val="50000"/>
+      </a:schemeClr>
+      <a:schemeClr val="accent2">
+        <a:tint val="20000"/>
+      </a:schemeClr>
+    </dgm:fillClrLst>
+    <dgm:linClrLst meth="repeat">
+      <a:schemeClr val="lt1"/>
+    </dgm:linClrLst>
+    <dgm:effectClrLst/>
+    <dgm:txLinClrLst/>
+    <dgm:txFillClrLst meth="repeat">
+      <a:schemeClr val="lt1"/>
+    </dgm:txFillClrLst>
+    <dgm:txEffectClrLst/>
+  </dgm:styleLbl>
+  <dgm:styleLbl name="bgImgPlace1">
+    <dgm:fillClrLst>
+      <a:schemeClr val="accent1">
+        <a:tint val="50000"/>
+      </a:schemeClr>
+      <a:schemeClr val="accent2">
+        <a:tint val="20000"/>
+      </a:schemeClr>
+    </dgm:fillClrLst>
+    <dgm:linClrLst meth="repeat">
+      <a:schemeClr val="lt1"/>
+    </dgm:linClrLst>
+    <dgm:effectClrLst/>
+    <dgm:txLinClrLst/>
+    <dgm:txFillClrLst meth="repeat">
+      <a:schemeClr val="lt1"/>
+    </dgm:txFillClrLst>
+    <dgm:txEffectClrLst/>
+  </dgm:styleLbl>
+  <dgm:styleLbl name="sibTrans2D1">
+    <dgm:fillClrLst meth="repeat">
+      <a:schemeClr val="accent2"/>
+      <a:schemeClr val="accent3"/>
+      <a:schemeClr val="accent4"/>
+      <a:schemeClr val="accent5"/>
+      <a:schemeClr val="accent6"/>
+    </dgm:fillClrLst>
+    <dgm:linClrLst meth="cycle">
+      <a:schemeClr val="lt1"/>
+    </dgm:linClrLst>
+    <dgm:effectClrLst/>
+    <dgm:txLinClrLst/>
+    <dgm:txFillClrLst/>
+    <dgm:txEffectClrLst/>
+  </dgm:styleLbl>
+  <dgm:styleLbl name="fgSibTrans2D1">
+    <dgm:fillClrLst meth="repeat">
+      <a:schemeClr val="accent2"/>
+      <a:schemeClr val="accent3"/>
+      <a:schemeClr val="accent4"/>
+      <a:schemeClr val="accent5"/>
+      <a:schemeClr val="accent6"/>
+    </dgm:fillClrLst>
+    <dgm:linClrLst meth="cycle">
+      <a:schemeClr val="lt1"/>
+    </dgm:linClrLst>
+    <dgm:effectClrLst/>
+    <dgm:txLinClrLst/>
+    <dgm:txFillClrLst meth="repeat">
+      <a:schemeClr val="lt1"/>
+    </dgm:txFillClrLst>
+    <dgm:txEffectClrLst/>
+  </dgm:styleLbl>
+  <dgm:styleLbl name="bgSibTrans2D1">
+    <dgm:fillClrLst meth="repeat">
+      <a:schemeClr val="accent2"/>
+      <a:schemeClr val="accent3"/>
+      <a:schemeClr val="accent4"/>
+      <a:schemeClr val="accent5"/>
+      <a:schemeClr val="accent6"/>
+    </dgm:fillClrLst>
+    <dgm:linClrLst meth="cycle">
+      <a:schemeClr val="lt1"/>
+    </dgm:linClrLst>
+    <dgm:effectClrLst/>
+    <dgm:txLinClrLst/>
+    <dgm:txFillClrLst meth="repeat">
+      <a:schemeClr val="lt1"/>
+    </dgm:txFillClrLst>
+    <dgm:txEffectClrLst/>
+  </dgm:styleLbl>
+  <dgm:styleLbl name="sibTrans1D1">
+    <dgm:fillClrLst meth="repeat">
+      <a:schemeClr val="accent2"/>
+      <a:schemeClr val="accent3"/>
+      <a:schemeClr val="accent4"/>
+      <a:schemeClr val="accent5"/>
+      <a:schemeClr val="accent6"/>
+    </dgm:fillClrLst>
+    <dgm:linClrLst meth="repeat">
+      <a:schemeClr val="accent2"/>
+      <a:schemeClr val="accent3"/>
+      <a:schemeClr val="accent4"/>
+      <a:schemeClr val="accent5"/>
+      <a:schemeClr val="accent6"/>
+    </dgm:linClrLst>
+    <dgm:effectClrLst/>
+    <dgm:txLinClrLst/>
+    <dgm:txFillClrLst meth="repeat">
+      <a:schemeClr val="tx1"/>
+    </dgm:txFillClrLst>
+    <dgm:txEffectClrLst/>
+  </dgm:styleLbl>
+  <dgm:styleLbl name="callout">
+    <dgm:fillClrLst meth="repeat">
+      <a:schemeClr val="accent2"/>
+    </dgm:fillClrLst>
+    <dgm:linClrLst meth="repeat">
+      <a:schemeClr val="accent2">
+        <a:tint val="50000"/>
+      </a:schemeClr>
+    </dgm:linClrLst>
+    <dgm:effectClrLst/>
+    <dgm:txLinClrLst/>
+    <dgm:txFillClrLst meth="repeat">
+      <a:schemeClr val="tx1"/>
+    </dgm:txFillClrLst>
+    <dgm:txEffectClrLst/>
+  </dgm:styleLbl>
+  <dgm:styleLbl name="asst0">
+    <dgm:fillClrLst meth="repeat">
+      <a:schemeClr val="accent1"/>
+    </dgm:fillClrLst>
+    <dgm:linClrLst meth="repeat">
+      <a:schemeClr val="lt1"/>
+    </dgm:linClrLst>
+    <dgm:effectClrLst/>
+    <dgm:txLinClrLst/>
+    <dgm:txFillClrLst/>
+    <dgm:txEffectClrLst/>
+  </dgm:styleLbl>
+  <dgm:styleLbl name="asst1">
+    <dgm:fillClrLst meth="repeat">
+      <a:schemeClr val="accent2"/>
+    </dgm:fillClrLst>
+    <dgm:linClrLst meth="repeat">
+      <a:schemeClr val="lt1"/>
+    </dgm:linClrLst>
+    <dgm:effectClrLst/>
+    <dgm:txLinClrLst/>
+    <dgm:txFillClrLst/>
+    <dgm:txEffectClrLst/>
+  </dgm:styleLbl>
+  <dgm:styleLbl name="asst2">
+    <dgm:fillClrLst>
+      <a:schemeClr val="accent3"/>
+    </dgm:fillClrLst>
+    <dgm:linClrLst meth="repeat">
+      <a:schemeClr val="lt1"/>
+    </dgm:linClrLst>
+    <dgm:effectClrLst/>
+    <dgm:txLinClrLst/>
+    <dgm:txFillClrLst/>
+    <dgm:txEffectClrLst/>
+  </dgm:styleLbl>
+  <dgm:styleLbl name="asst3">
+    <dgm:fillClrLst>
+      <a:schemeClr val="accent4"/>
+    </dgm:fillClrLst>
+    <dgm:linClrLst meth="repeat">
+      <a:schemeClr val="lt1"/>
+    </dgm:linClrLst>
+    <dgm:effectClrLst/>
+    <dgm:txLinClrLst/>
+    <dgm:txFillClrLst/>
+    <dgm:txEffectClrLst/>
+  </dgm:styleLbl>
+  <dgm:styleLbl name="asst4">
+    <dgm:fillClrLst>
+      <a:schemeClr val="accent5"/>
+    </dgm:fillClrLst>
+    <dgm:linClrLst meth="repeat">
+      <a:schemeClr val="lt1"/>
+    </dgm:linClrLst>
+    <dgm:effectClrLst/>
+    <dgm:txLinClrLst/>
+    <dgm:txFillClrLst/>
+    <dgm:txEffectClrLst/>
+  </dgm:styleLbl>
+  <dgm:styleLbl name="parChTrans2D1">
+    <dgm:fillClrLst meth="repeat">
+      <a:schemeClr val="accent2"/>
+    </dgm:fillClrLst>
+    <dgm:linClrLst meth="repeat">
+      <a:schemeClr val="lt1"/>
+    </dgm:linClrLst>
+    <dgm:effectClrLst/>
+    <dgm:txLinClrLst/>
+    <dgm:txFillClrLst meth="repeat">
+      <a:schemeClr val="lt1"/>
+    </dgm:txFillClrLst>
+    <dgm:txEffectClrLst/>
+  </dgm:styleLbl>
+  <dgm:styleLbl name="parChTrans2D2">
+    <dgm:fillClrLst meth="repeat">
+      <a:schemeClr val="accent3"/>
+    </dgm:fillClrLst>
+    <dgm:linClrLst meth="repeat">
+      <a:schemeClr val="lt1"/>
+    </dgm:linClrLst>
+    <dgm:effectClrLst/>
+    <dgm:txLinClrLst/>
+    <dgm:txFillClrLst/>
+    <dgm:txEffectClrLst/>
+  </dgm:styleLbl>
+  <dgm:styleLbl name="parChTrans2D3">
+    <dgm:fillClrLst meth="repeat">
+      <a:schemeClr val="accent4"/>
+    </dgm:fillClrLst>
+    <dgm:linClrLst meth="repeat">
+      <a:schemeClr val="lt1"/>
+    </dgm:linClrLst>
+    <dgm:effectClrLst/>
+    <dgm:txLinClrLst/>
+    <dgm:txFillClrLst/>
+    <dgm:txEffectClrLst/>
+  </dgm:styleLbl>
+  <dgm:styleLbl name="parChTrans2D4">
+    <dgm:fillClrLst meth="repeat">
+      <a:schemeClr val="accent5"/>
+    </dgm:fillClrLst>
+    <dgm:linClrLst meth="repeat">
+      <a:schemeClr val="lt1"/>
+    </dgm:linClrLst>
+    <dgm:effectClrLst/>
+    <dgm:txLinClrLst/>
+    <dgm:txFillClrLst meth="repeat">
+      <a:schemeClr val="lt1"/>
+    </dgm:txFillClrLst>
+    <dgm:txEffectClrLst/>
+  </dgm:styleLbl>
+  <dgm:styleLbl name="parChTrans1D1">
+    <dgm:fillClrLst meth="repeat">
+      <a:schemeClr val="accent2"/>
+    </dgm:fillClrLst>
+    <dgm:linClrLst meth="repeat">
+      <a:schemeClr val="accent1"/>
+    </dgm:linClrLst>
+    <dgm:effectClrLst/>
+    <dgm:txLinClrLst/>
+    <dgm:txFillClrLst meth="repeat">
+      <a:schemeClr val="tx1"/>
+    </dgm:txFillClrLst>
+    <dgm:txEffectClrLst/>
+  </dgm:styleLbl>
+  <dgm:styleLbl name="parChTrans1D2">
+    <dgm:fillClrLst meth="repeat">
+      <a:schemeClr val="accent3">
+        <a:tint val="90000"/>
+      </a:schemeClr>
+    </dgm:fillClrLst>
+    <dgm:linClrLst meth="repeat">
+      <a:schemeClr val="accent2"/>
+    </dgm:linClrLst>
+    <dgm:effectClrLst/>
+    <dgm:txLinClrLst/>
+    <dgm:txFillClrLst meth="repeat">
+      <a:schemeClr val="tx1"/>
+    </dgm:txFillClrLst>
+    <dgm:txEffectClrLst/>
+  </dgm:styleLbl>
+  <dgm:styleLbl name="parChTrans1D3">
+    <dgm:fillClrLst meth="repeat">
+      <a:schemeClr val="accent4">
+        <a:tint val="70000"/>
+      </a:schemeClr>
+    </dgm:fillClrLst>
+    <dgm:linClrLst meth="repeat">
+      <a:schemeClr val="accent3"/>
+    </dgm:linClrLst>
+    <dgm:effectClrLst/>
+    <dgm:txLinClrLst/>
+    <dgm:txFillClrLst meth="repeat">
+      <a:schemeClr val="tx1"/>
+    </dgm:txFillClrLst>
+    <dgm:txEffectClrLst/>
+  </dgm:styleLbl>
+  <dgm:styleLbl name="parChTrans1D4">
+    <dgm:fillClrLst meth="repeat">
+      <a:schemeClr val="accent5">
+        <a:tint val="50000"/>
+      </a:schemeClr>
+    </dgm:fillClrLst>
+    <dgm:linClrLst meth="repeat">
+      <a:schemeClr val="accent4"/>
+    </dgm:linClrLst>
+    <dgm:effectClrLst/>
+    <dgm:txLinClrLst/>
+    <dgm:txFillClrLst meth="repeat">
+      <a:schemeClr val="tx1"/>
+    </dgm:txFillClrLst>
+    <dgm:txEffectClrLst/>
+  </dgm:styleLbl>
+  <dgm:styleLbl name="fgAcc1">
+    <dgm:fillClrLst meth="repeat">
+      <a:schemeClr val="lt1">
+        <a:alpha val="90000"/>
+      </a:schemeClr>
+    </dgm:fillClrLst>
+    <dgm:linClrLst meth="repeat">
+      <a:schemeClr val="accent2"/>
+      <a:schemeClr val="accent3"/>
+      <a:schemeClr val="accent4"/>
+      <a:schemeClr val="accent5"/>
+      <a:schemeClr val="accent6"/>
+    </dgm:linClrLst>
+    <dgm:effectClrLst/>
+    <dgm:txLinClrLst/>
+    <dgm:txFillClrLst meth="repeat">
+      <a:schemeClr val="dk1"/>
+    </dgm:txFillClrLst>
+    <dgm:txEffectClrLst/>
+  </dgm:styleLbl>
+  <dgm:styleLbl name="conFgAcc1">
+    <dgm:fillClrLst meth="repeat">
+      <a:schemeClr val="lt1">
+        <a:alpha val="90000"/>
+      </a:schemeClr>
+    </dgm:fillClrLst>
+    <dgm:linClrLst meth="repeat">
+      <a:schemeClr val="accent2"/>
+      <a:schemeClr val="accent3"/>
+      <a:schemeClr val="accent4"/>
+      <a:schemeClr val="accent5"/>
+      <a:schemeClr val="accent6"/>
+    </dgm:linClrLst>
+    <dgm:effectClrLst/>
+    <dgm:txLinClrLst/>
+    <dgm:txFillClrLst meth="repeat">
+      <a:schemeClr val="dk1"/>
+    </dgm:txFillClrLst>
+    <dgm:txEffectClrLst/>
+  </dgm:styleLbl>
+  <dgm:styleLbl name="alignAcc1">
+    <dgm:fillClrLst meth="repeat">
+      <a:schemeClr val="lt1">
+        <a:alpha val="90000"/>
+      </a:schemeClr>
+    </dgm:fillClrLst>
+    <dgm:linClrLst meth="repeat">
+      <a:schemeClr val="accent2"/>
+      <a:schemeClr val="accent3"/>
+      <a:schemeClr val="accent4"/>
+      <a:schemeClr val="accent5"/>
+      <a:schemeClr val="accent6"/>
+    </dgm:linClrLst>
+    <dgm:effectClrLst/>
+    <dgm:txLinClrLst/>
+    <dgm:txFillClrLst meth="repeat">
+      <a:schemeClr val="dk1"/>
+    </dgm:txFillClrLst>
+    <dgm:txEffectClrLst/>
+  </dgm:styleLbl>
+  <dgm:styleLbl name="trAlignAcc1">
+    <dgm:fillClrLst meth="repeat">
+      <a:schemeClr val="lt1">
+        <a:alpha val="40000"/>
+      </a:schemeClr>
+    </dgm:fillClrLst>
+    <dgm:linClrLst meth="repeat">
+      <a:schemeClr val="accent1"/>
+    </dgm:linClrLst>
+    <dgm:effectClrLst/>
+    <dgm:txLinClrLst/>
+    <dgm:txFillClrLst meth="repeat">
+      <a:schemeClr val="dk1"/>
+    </dgm:txFillClrLst>
+    <dgm:txEffectClrLst/>
+  </dgm:styleLbl>
+  <dgm:styleLbl name="bgAcc1">
+    <dgm:fillClrLst meth="repeat">
+      <a:schemeClr val="lt1">
+        <a:alpha val="90000"/>
+      </a:schemeClr>
+    </dgm:fillClrLst>
+    <dgm:linClrLst meth="repeat">
+      <a:schemeClr val="accent2"/>
+      <a:schemeClr val="accent3"/>
+      <a:schemeClr val="accent4"/>
+      <a:schemeClr val="accent5"/>
+      <a:schemeClr val="accent6"/>
+    </dgm:linClrLst>
+    <dgm:effectClrLst/>
+    <dgm:txLinClrLst/>
+    <dgm:txFillClrLst meth="repeat">
+      <a:schemeClr val="dk1"/>
+    </dgm:txFillClrLst>
+    <dgm:txEffectClrLst/>
+  </dgm:styleLbl>
+  <dgm:styleLbl name="solidFgAcc1">
+    <dgm:fillClrLst meth="repeat">
+      <a:schemeClr val="lt1"/>
+    </dgm:fillClrLst>
+    <dgm:linClrLst meth="repeat">
+      <a:schemeClr val="accent2"/>
+      <a:schemeClr val="accent3"/>
+      <a:schemeClr val="accent4"/>
+      <a:schemeClr val="accent5"/>
+      <a:schemeClr val="accent6"/>
+    </dgm:linClrLst>
+    <dgm:effectClrLst/>
+    <dgm:txLinClrLst/>
+    <dgm:txFillClrLst meth="repeat">
+      <a:schemeClr val="dk1"/>
+    </dgm:txFillClrLst>
+    <dgm:txEffectClrLst/>
+  </dgm:styleLbl>
+  <dgm:styleLbl name="solidAlignAcc1">
+    <dgm:fillClrLst meth="repeat">
+      <a:schemeClr val="lt1"/>
+    </dgm:fillClrLst>
+    <dgm:linClrLst meth="repeat">
+      <a:schemeClr val="accent2"/>
+      <a:schemeClr val="accent3"/>
+      <a:schemeClr val="accent4"/>
+      <a:schemeClr val="accent5"/>
+      <a:schemeClr val="accent6"/>
+    </dgm:linClrLst>
+    <dgm:effectClrLst/>
+    <dgm:txLinClrLst/>
+    <dgm:txFillClrLst meth="repeat">
+      <a:schemeClr val="dk1"/>
+    </dgm:txFillClrLst>
+    <dgm:txEffectClrLst/>
+  </dgm:styleLbl>
+  <dgm:styleLbl name="solidBgAcc1">
+    <dgm:fillClrLst meth="repeat">
+      <a:schemeClr val="lt1"/>
+    </dgm:fillClrLst>
+    <dgm:linClrLst meth="repeat">
+      <a:schemeClr val="accent2"/>
+      <a:schemeClr val="accent3"/>
+      <a:schemeClr val="accent4"/>
+      <a:schemeClr val="accent5"/>
+      <a:schemeClr val="accent6"/>
+    </dgm:linClrLst>
+    <dgm:effectClrLst/>
+    <dgm:txLinClrLst/>
+    <dgm:txFillClrLst meth="repeat">
+      <a:schemeClr val="dk1"/>
+    </dgm:txFillClrLst>
+    <dgm:txEffectClrLst/>
+  </dgm:styleLbl>
+  <dgm:styleLbl name="fgAccFollowNode1">
+    <dgm:fillClrLst meth="repeat">
+      <a:schemeClr val="accent2">
+        <a:tint val="40000"/>
+        <a:alpha val="90000"/>
+      </a:schemeClr>
+      <a:schemeClr val="accent3">
+        <a:tint val="40000"/>
+        <a:alpha val="90000"/>
+      </a:schemeClr>
+      <a:schemeClr val="accent4">
+        <a:tint val="40000"/>
+        <a:alpha val="90000"/>
+      </a:schemeClr>
+      <a:schemeClr val="accent5">
+        <a:tint val="40000"/>
+        <a:alpha val="90000"/>
+      </a:schemeClr>
+      <a:schemeClr val="accent6">
+        <a:tint val="40000"/>
+        <a:alpha val="90000"/>
+      </a:schemeClr>
+    </dgm:fillClrLst>
+    <dgm:linClrLst meth="repeat">
+      <a:schemeClr val="accent2">
+        <a:tint val="40000"/>
+        <a:alpha val="90000"/>
+      </a:schemeClr>
+      <a:schemeClr val="accent3">
+        <a:tint val="40000"/>
+        <a:alpha val="90000"/>
+      </a:schemeClr>
+      <a:schemeClr val="accent4">
+        <a:tint val="40000"/>
+        <a:alpha val="90000"/>
+      </a:schemeClr>
+      <a:schemeClr val="accent5">
+        <a:tint val="40000"/>
+        <a:alpha val="90000"/>
+      </a:schemeClr>
+      <a:schemeClr val="accent6">
+        <a:tint val="40000"/>
+        <a:alpha val="90000"/>
+      </a:schemeClr>
+    </dgm:linClrLst>
+    <dgm:effectClrLst/>
+    <dgm:txLinClrLst/>
+    <dgm:txFillClrLst meth="repeat">
+      <a:schemeClr val="dk1"/>
+    </dgm:txFillClrLst>
+    <dgm:txEffectClrLst/>
+  </dgm:styleLbl>
+  <dgm:styleLbl name="alignAccFollowNode1">
+    <dgm:fillClrLst meth="repeat">
+      <a:schemeClr val="accent2">
+        <a:tint val="40000"/>
+        <a:alpha val="90000"/>
+      </a:schemeClr>
+      <a:schemeClr val="accent3">
+        <a:tint val="40000"/>
+        <a:alpha val="90000"/>
+      </a:schemeClr>
+      <a:schemeClr val="accent4">
+        <a:tint val="40000"/>
+        <a:alpha val="90000"/>
+      </a:schemeClr>
+      <a:schemeClr val="accent5">
+        <a:tint val="40000"/>
+        <a:alpha val="90000"/>
+      </a:schemeClr>
+      <a:schemeClr val="accent6">
+        <a:tint val="40000"/>
+        <a:alpha val="90000"/>
+      </a:schemeClr>
+    </dgm:fillClrLst>
+    <dgm:linClrLst meth="repeat">
+      <a:schemeClr val="accent2">
+        <a:tint val="40000"/>
+        <a:alpha val="90000"/>
+      </a:schemeClr>
+      <a:schemeClr val="accent3">
+        <a:tint val="40000"/>
+        <a:alpha val="90000"/>
+      </a:schemeClr>
+      <a:schemeClr val="accent4">
+        <a:tint val="40000"/>
+        <a:alpha val="90000"/>
+      </a:schemeClr>
+      <a:schemeClr val="accent5">
+        <a:tint val="40000"/>
+        <a:alpha val="90000"/>
+      </a:schemeClr>
+      <a:schemeClr val="accent6">
+        <a:tint val="40000"/>
+        <a:alpha val="90000"/>
+      </a:schemeClr>
+    </dgm:linClrLst>
+    <dgm:effectClrLst/>
+    <dgm:txLinClrLst/>
+    <dgm:txFillClrLst meth="repeat">
+      <a:schemeClr val="dk1"/>
+    </dgm:txFillClrLst>
+    <dgm:txEffectClrLst/>
+  </dgm:styleLbl>
+  <dgm:styleLbl name="bgAccFollowNode1">
+    <dgm:fillClrLst meth="repeat">
+      <a:schemeClr val="accent2">
+        <a:tint val="40000"/>
+        <a:alpha val="90000"/>
+      </a:schemeClr>
+      <a:schemeClr val="accent3">
+        <a:tint val="40000"/>
+        <a:alpha val="90000"/>
+      </a:schemeClr>
+      <a:schemeClr val="accent4">
+        <a:tint val="40000"/>
+        <a:alpha val="90000"/>
+      </a:schemeClr>
+      <a:schemeClr val="accent5">
+        <a:tint val="40000"/>
+        <a:alpha val="90000"/>
+      </a:schemeClr>
+      <a:schemeClr val="accent6">
+        <a:tint val="40000"/>
+        <a:alpha val="90000"/>
+      </a:schemeClr>
+    </dgm:fillClrLst>
+    <dgm:linClrLst meth="repeat">
+      <a:schemeClr val="accent2">
+        <a:tint val="40000"/>
+        <a:alpha val="90000"/>
+      </a:schemeClr>
+      <a:schemeClr val="accent3">
+        <a:tint val="40000"/>
+        <a:alpha val="90000"/>
+      </a:schemeClr>
+      <a:schemeClr val="accent4">
+        <a:tint val="40000"/>
+        <a:alpha val="90000"/>
+      </a:schemeClr>
+      <a:schemeClr val="accent5">
+        <a:tint val="40000"/>
+        <a:alpha val="90000"/>
+      </a:schemeClr>
+      <a:schemeClr val="accent6">
+        <a:tint val="40000"/>
+        <a:alpha val="90000"/>
+      </a:schemeClr>
+    </dgm:linClrLst>
+    <dgm:effectClrLst/>
+    <dgm:txLinClrLst/>
+    <dgm:txFillClrLst meth="repeat">
+      <a:schemeClr val="dk1"/>
+    </dgm:txFillClrLst>
+    <dgm:txEffectClrLst/>
+  </dgm:styleLbl>
+  <dgm:styleLbl name="fgAcc0">
+    <dgm:fillClrLst meth="repeat">
+      <a:schemeClr val="lt1">
+        <a:alpha val="90000"/>
+      </a:schemeClr>
+    </dgm:fillClrLst>
+    <dgm:linClrLst>
+      <a:schemeClr val="accent1"/>
+    </dgm:linClrLst>
+    <dgm:effectClrLst/>
+    <dgm:txLinClrLst/>
+    <dgm:txFillClrLst meth="repeat">
+      <a:schemeClr val="dk1"/>
+    </dgm:txFillClrLst>
+    <dgm:txEffectClrLst/>
+  </dgm:styleLbl>
+  <dgm:styleLbl name="fgAcc2">
+    <dgm:fillClrLst meth="repeat">
+      <a:schemeClr val="lt1">
+        <a:alpha val="90000"/>
+      </a:schemeClr>
+    </dgm:fillClrLst>
+    <dgm:linClrLst>
+      <a:schemeClr val="accent2"/>
+    </dgm:linClrLst>
+    <dgm:effectClrLst/>
+    <dgm:txLinClrLst/>
+    <dgm:txFillClrLst meth="repeat">
+      <a:schemeClr val="dk1"/>
+    </dgm:txFillClrLst>
+    <dgm:txEffectClrLst/>
+  </dgm:styleLbl>
+  <dgm:styleLbl name="fgAcc3">
+    <dgm:fillClrLst meth="repeat">
+      <a:schemeClr val="lt1">
+        <a:alpha val="90000"/>
+      </a:schemeClr>
+    </dgm:fillClrLst>
+    <dgm:linClrLst>
+      <a:schemeClr val="accent3"/>
+    </dgm:linClrLst>
+    <dgm:effectClrLst/>
+    <dgm:txLinClrLst/>
+    <dgm:txFillClrLst meth="repeat">
+      <a:schemeClr val="dk1"/>
+    </dgm:txFillClrLst>
+    <dgm:txEffectClrLst/>
+  </dgm:styleLbl>
+  <dgm:styleLbl name="fgAcc4">
+    <dgm:fillClrLst meth="repeat">
+      <a:schemeClr val="lt1">
+        <a:alpha val="90000"/>
+      </a:schemeClr>
+    </dgm:fillClrLst>
+    <dgm:linClrLst>
+      <a:schemeClr val="accent4"/>
+    </dgm:linClrLst>
+    <dgm:effectClrLst/>
+    <dgm:txLinClrLst/>
+    <dgm:txFillClrLst meth="repeat">
+      <a:schemeClr val="dk1"/>
+    </dgm:txFillClrLst>
+    <dgm:txEffectClrLst/>
+  </dgm:styleLbl>
+  <dgm:styleLbl name="bgShp">
+    <dgm:fillClrLst meth="repeat">
+      <a:schemeClr val="accent2">
+        <a:tint val="40000"/>
+      </a:schemeClr>
+    </dgm:fillClrLst>
+    <dgm:linClrLst meth="repeat">
+      <a:schemeClr val="dk1"/>
+    </dgm:linClrLst>
+    <dgm:effectClrLst/>
+    <dgm:txLinClrLst/>
+    <dgm:txFillClrLst meth="repeat">
+      <a:schemeClr val="dk1"/>
+    </dgm:txFillClrLst>
+    <dgm:txEffectClrLst/>
+  </dgm:styleLbl>
+  <dgm:styleLbl name="dkBgShp">
+    <dgm:fillClrLst meth="repeat">
+      <a:schemeClr val="accent2">
+        <a:shade val="90000"/>
+      </a:schemeClr>
+    </dgm:fillClrLst>
+    <dgm:linClrLst meth="repeat">
+      <a:schemeClr val="dk1"/>
+    </dgm:linClrLst>
+    <dgm:effectClrLst/>
+    <dgm:txLinClrLst/>
+    <dgm:txFillClrLst meth="repeat">
+      <a:schemeClr val="lt1"/>
+    </dgm:txFillClrLst>
+    <dgm:txEffectClrLst/>
+  </dgm:styleLbl>
+  <dgm:styleLbl name="trBgShp">
+    <dgm:fillClrLst meth="repeat">
+      <a:schemeClr val="accent1">
+        <a:tint val="50000"/>
+        <a:alpha val="40000"/>
+      </a:schemeClr>
+    </dgm:fillClrLst>
+    <dgm:linClrLst meth="repeat">
+      <a:schemeClr val="accent2"/>
+    </dgm:linClrLst>
+    <dgm:effectClrLst/>
+    <dgm:txLinClrLst/>
+    <dgm:txFillClrLst meth="repeat">
+      <a:schemeClr val="lt1"/>
+    </dgm:txFillClrLst>
+    <dgm:txEffectClrLst/>
+  </dgm:styleLbl>
+  <dgm:styleLbl name="fgShp">
+    <dgm:fillClrLst meth="repeat">
+      <a:schemeClr val="accent2">
+        <a:tint val="40000"/>
+      </a:schemeClr>
+    </dgm:fillClrLst>
+    <dgm:linClrLst meth="repeat">
+      <a:schemeClr val="lt1"/>
+    </dgm:linClrLst>
+    <dgm:effectClrLst/>
+    <dgm:txLinClrLst/>
+    <dgm:txFillClrLst meth="repeat">
+      <a:schemeClr val="dk1"/>
+    </dgm:txFillClrLst>
+    <dgm:txEffectClrLst/>
+  </dgm:styleLbl>
+  <dgm:styleLbl name="revTx">
+    <dgm:fillClrLst meth="repeat">
+      <a:schemeClr val="lt1">
+        <a:alpha val="0"/>
+      </a:schemeClr>
+    </dgm:fillClrLst>
+    <dgm:linClrLst meth="repeat">
+      <a:schemeClr val="dk1">
+        <a:alpha val="0"/>
+      </a:schemeClr>
+    </dgm:linClrLst>
+    <dgm:effectClrLst/>
+    <dgm:txLinClrLst/>
+    <dgm:txFillClrLst meth="repeat">
+      <a:schemeClr val="tx1"/>
+    </dgm:txFillClrLst>
+    <dgm:txEffectClrLst/>
+  </dgm:styleLbl>
+</dgm:colorsDef>
+</file>
+
 <file path=ppt/diagrams/data1.xml><?xml version="1.0" encoding="utf-8"?>
+<dgm:dataModel xmlns:dgm="http://schemas.openxmlformats.org/drawingml/2006/diagram" xmlns:a="http://schemas.openxmlformats.org/drawingml/2006/main">
+  <dgm:ptLst>
+    <dgm:pt modelId="{CD7942A0-B7D2-4B14-8FEA-55FC702F5BE7}" type="doc">
+      <dgm:prSet loTypeId="urn:microsoft.com/office/officeart/2005/8/layout/vProcess5" loCatId="process" qsTypeId="urn:microsoft.com/office/officeart/2005/8/quickstyle/simple4" qsCatId="simple" csTypeId="urn:microsoft.com/office/officeart/2005/8/colors/colorful1" csCatId="colorful" phldr="1"/>
+      <dgm:spPr/>
+      <dgm:t>
+        <a:bodyPr/>
+        <a:lstStyle/>
+        <a:p>
+          <a:endParaRPr lang="en-US"/>
+        </a:p>
+      </dgm:t>
+    </dgm:pt>
+    <dgm:pt modelId="{095A5E99-E976-4550-8F80-53CC813F2F5A}">
+      <dgm:prSet phldrT="[Text]">
+        <dgm:style>
+          <a:lnRef idx="0">
+            <a:scrgbClr r="0" g="0" b="0"/>
+          </a:lnRef>
+          <a:fillRef idx="0">
+            <a:scrgbClr r="0" g="0" b="0"/>
+          </a:fillRef>
+          <a:effectRef idx="0">
+            <a:scrgbClr r="0" g="0" b="0"/>
+          </a:effectRef>
+          <a:fontRef idx="minor">
+            <a:schemeClr val="lt1"/>
+          </a:fontRef>
+        </dgm:style>
+      </dgm:prSet>
+      <dgm:spPr>
+        <a:solidFill>
+          <a:schemeClr val="accent2"/>
+        </a:solidFill>
+        <a:ln>
+          <a:noFill/>
+        </a:ln>
+      </dgm:spPr>
+      <dgm:t>
+        <a:bodyPr/>
+        <a:lstStyle/>
+        <a:p>
+          <a:r>
+            <a:rPr lang="en-US" dirty="0"/>
+            <a:t>ID/EXE</a:t>
+          </a:r>
+        </a:p>
+      </dgm:t>
+      <dgm:extLst>
+        <a:ext uri="{E40237B7-FDA0-4F09-8148-C483321AD2D9}">
+          <dgm14:cNvPr xmlns:dgm14="http://schemas.microsoft.com/office/drawing/2010/diagram" id="0" name="" descr="Staggered process showing 3 tasks arranged one below the other and two downward pointing arrows are used to indicate progression from first task to second task and second task to third task."/>
+        </a:ext>
+      </dgm:extLst>
+    </dgm:pt>
+    <dgm:pt modelId="{03339A0D-5DC0-4B29-8353-C5AEBFD4DE86}" type="parTrans" cxnId="{D1A4D8E6-F04E-4AB1-8D0C-63DC7AB1E81F}">
+      <dgm:prSet/>
+      <dgm:spPr/>
+      <dgm:t>
+        <a:bodyPr/>
+        <a:lstStyle/>
+        <a:p>
+          <a:endParaRPr lang="en-US"/>
+        </a:p>
+      </dgm:t>
+    </dgm:pt>
+    <dgm:pt modelId="{8877691F-1B60-4485-9174-DDEC7EE68B70}" type="sibTrans" cxnId="{D1A4D8E6-F04E-4AB1-8D0C-63DC7AB1E81F}">
+      <dgm:prSet/>
+      <dgm:spPr/>
+      <dgm:t>
+        <a:bodyPr/>
+        <a:lstStyle/>
+        <a:p>
+          <a:endParaRPr lang="en-US"/>
+        </a:p>
+      </dgm:t>
+    </dgm:pt>
+    <dgm:pt modelId="{8EC937D8-BD76-4A12-A3E5-900D5C1E2E05}">
+      <dgm:prSet phldrT="[Text]">
+        <dgm:style>
+          <a:lnRef idx="0">
+            <a:scrgbClr r="0" g="0" b="0"/>
+          </a:lnRef>
+          <a:fillRef idx="0">
+            <a:scrgbClr r="0" g="0" b="0"/>
+          </a:fillRef>
+          <a:effectRef idx="0">
+            <a:scrgbClr r="0" g="0" b="0"/>
+          </a:effectRef>
+          <a:fontRef idx="minor">
+            <a:schemeClr val="lt1"/>
+          </a:fontRef>
+        </dgm:style>
+      </dgm:prSet>
+      <dgm:spPr>
+        <a:solidFill>
+          <a:schemeClr val="accent3"/>
+        </a:solidFill>
+        <a:ln>
+          <a:noFill/>
+        </a:ln>
+      </dgm:spPr>
+      <dgm:t>
+        <a:bodyPr/>
+        <a:lstStyle/>
+        <a:p>
+          <a:r>
+            <a:rPr lang="en-US" dirty="0"/>
+            <a:t>EXE/MEM</a:t>
+          </a:r>
+        </a:p>
+      </dgm:t>
+    </dgm:pt>
+    <dgm:pt modelId="{8265EE85-9851-494E-A6D3-1CDACE947DF3}" type="parTrans" cxnId="{43DC8383-AEE5-490C-A8E5-1F216F2B8FE6}">
+      <dgm:prSet/>
+      <dgm:spPr/>
+      <dgm:t>
+        <a:bodyPr/>
+        <a:lstStyle/>
+        <a:p>
+          <a:endParaRPr lang="en-US"/>
+        </a:p>
+      </dgm:t>
+    </dgm:pt>
+    <dgm:pt modelId="{B3EFD4A5-9FA1-4ABE-B722-05162509509B}" type="sibTrans" cxnId="{43DC8383-AEE5-490C-A8E5-1F216F2B8FE6}">
+      <dgm:prSet/>
+      <dgm:spPr/>
+      <dgm:t>
+        <a:bodyPr/>
+        <a:lstStyle/>
+        <a:p>
+          <a:endParaRPr lang="en-US"/>
+        </a:p>
+      </dgm:t>
+    </dgm:pt>
+    <dgm:pt modelId="{7133ECF5-4190-4604-AA2F-03C9A0A9210F}">
+      <dgm:prSet phldrT="[Text]">
+        <dgm:style>
+          <a:lnRef idx="0">
+            <a:scrgbClr r="0" g="0" b="0"/>
+          </a:lnRef>
+          <a:fillRef idx="0">
+            <a:scrgbClr r="0" g="0" b="0"/>
+          </a:fillRef>
+          <a:effectRef idx="0">
+            <a:scrgbClr r="0" g="0" b="0"/>
+          </a:effectRef>
+          <a:fontRef idx="minor">
+            <a:schemeClr val="lt1"/>
+          </a:fontRef>
+        </dgm:style>
+      </dgm:prSet>
+      <dgm:spPr>
+        <a:solidFill>
+          <a:schemeClr val="accent5"/>
+        </a:solidFill>
+        <a:ln>
+          <a:noFill/>
+        </a:ln>
+      </dgm:spPr>
+      <dgm:t>
+        <a:bodyPr/>
+        <a:lstStyle/>
+        <a:p>
+          <a:r>
+            <a:rPr lang="en-US" dirty="0"/>
+            <a:t>MEM/WB</a:t>
+          </a:r>
+        </a:p>
+      </dgm:t>
+      <dgm:extLst>
+        <a:ext uri="{E40237B7-FDA0-4F09-8148-C483321AD2D9}">
+          <dgm14:cNvPr xmlns:dgm14="http://schemas.microsoft.com/office/drawing/2010/diagram" id="0" name="" descr="Staggered process showing 3 tasks arranged one below the other and two downward pointing arrows are used to indicate progression from first task to second task and second task to third task."/>
+        </a:ext>
+      </dgm:extLst>
+    </dgm:pt>
+    <dgm:pt modelId="{7D1B29D7-21DD-436A-8F7C-E87DE53C1431}" type="parTrans" cxnId="{011A9761-E983-4C7D-AB1D-2038261D8FF8}">
+      <dgm:prSet/>
+      <dgm:spPr/>
+      <dgm:t>
+        <a:bodyPr/>
+        <a:lstStyle/>
+        <a:p>
+          <a:endParaRPr lang="en-US"/>
+        </a:p>
+      </dgm:t>
+    </dgm:pt>
+    <dgm:pt modelId="{46037378-034A-4662-877A-B53E1DA069A3}" type="sibTrans" cxnId="{011A9761-E983-4C7D-AB1D-2038261D8FF8}">
+      <dgm:prSet/>
+      <dgm:spPr/>
+      <dgm:t>
+        <a:bodyPr/>
+        <a:lstStyle/>
+        <a:p>
+          <a:endParaRPr lang="en-US"/>
+        </a:p>
+      </dgm:t>
+    </dgm:pt>
+    <dgm:pt modelId="{E3EB2CDB-023B-467A-A0BA-EA5C6D94224E}">
+      <dgm:prSet phldrT="[Text]">
+        <dgm:style>
+          <a:lnRef idx="0">
+            <a:scrgbClr r="0" g="0" b="0"/>
+          </a:lnRef>
+          <a:fillRef idx="0">
+            <a:scrgbClr r="0" g="0" b="0"/>
+          </a:fillRef>
+          <a:effectRef idx="0">
+            <a:scrgbClr r="0" g="0" b="0"/>
+          </a:effectRef>
+          <a:fontRef idx="minor">
+            <a:schemeClr val="lt1"/>
+          </a:fontRef>
+        </dgm:style>
+      </dgm:prSet>
+      <dgm:spPr>
+        <a:solidFill>
+          <a:schemeClr val="accent1"/>
+        </a:solidFill>
+        <a:ln>
+          <a:noFill/>
+        </a:ln>
+      </dgm:spPr>
+      <dgm:t>
+        <a:bodyPr/>
+        <a:lstStyle/>
+        <a:p>
+          <a:r>
+            <a:rPr lang="en-US" dirty="0"/>
+            <a:t>IF/ID</a:t>
+          </a:r>
+        </a:p>
+      </dgm:t>
+      <dgm:extLst>
+        <a:ext uri="{E40237B7-FDA0-4F09-8148-C483321AD2D9}">
+          <dgm14:cNvPr xmlns:dgm14="http://schemas.microsoft.com/office/drawing/2010/diagram" id="0" name="" descr="Staggered process showing 3 tasks arranged one below the other and two downward pointing arrows are used to indicate progression from first task to second task and second task to third task."/>
+        </a:ext>
+      </dgm:extLst>
+    </dgm:pt>
+    <dgm:pt modelId="{2C4E2FBB-9EB0-4C12-AD56-1F00B2BEBCC7}" type="parTrans" cxnId="{5D2C035D-6B1B-409B-BB45-E999B9C2C57D}">
+      <dgm:prSet/>
+      <dgm:spPr/>
+      <dgm:t>
+        <a:bodyPr/>
+        <a:lstStyle/>
+        <a:p>
+          <a:endParaRPr lang="en-US"/>
+        </a:p>
+      </dgm:t>
+    </dgm:pt>
+    <dgm:pt modelId="{E7B020CF-39E5-4055-8941-9A5C3C730AA5}" type="sibTrans" cxnId="{5D2C035D-6B1B-409B-BB45-E999B9C2C57D}">
+      <dgm:prSet/>
+      <dgm:spPr/>
+      <dgm:t>
+        <a:bodyPr/>
+        <a:lstStyle/>
+        <a:p>
+          <a:endParaRPr lang="en-US"/>
+        </a:p>
+      </dgm:t>
+    </dgm:pt>
+    <dgm:pt modelId="{1D84D8B6-AB32-4491-B5D2-EFE3D7668B88}" type="pres">
+      <dgm:prSet presAssocID="{CD7942A0-B7D2-4B14-8FEA-55FC702F5BE7}" presName="outerComposite" presStyleCnt="0">
+        <dgm:presLayoutVars>
+          <dgm:chMax val="5"/>
+          <dgm:dir/>
+          <dgm:resizeHandles val="exact"/>
+        </dgm:presLayoutVars>
+      </dgm:prSet>
+      <dgm:spPr/>
+    </dgm:pt>
+    <dgm:pt modelId="{3E0E8213-E460-4EB7-9A92-C2B1CC553F0D}" type="pres">
+      <dgm:prSet presAssocID="{CD7942A0-B7D2-4B14-8FEA-55FC702F5BE7}" presName="dummyMaxCanvas" presStyleCnt="0">
+        <dgm:presLayoutVars/>
+      </dgm:prSet>
+      <dgm:spPr/>
+    </dgm:pt>
+    <dgm:pt modelId="{1E96443D-EA71-4842-AAC1-E39709DC24F1}" type="pres">
+      <dgm:prSet presAssocID="{CD7942A0-B7D2-4B14-8FEA-55FC702F5BE7}" presName="FourNodes_1" presStyleLbl="node1" presStyleIdx="0" presStyleCnt="4">
+        <dgm:presLayoutVars>
+          <dgm:bulletEnabled val="1"/>
+        </dgm:presLayoutVars>
+      </dgm:prSet>
+      <dgm:spPr/>
+    </dgm:pt>
+    <dgm:pt modelId="{7693B563-2CC1-4AED-A93E-92E82A398B0C}" type="pres">
+      <dgm:prSet presAssocID="{CD7942A0-B7D2-4B14-8FEA-55FC702F5BE7}" presName="FourNodes_2" presStyleLbl="node1" presStyleIdx="1" presStyleCnt="4">
+        <dgm:presLayoutVars>
+          <dgm:bulletEnabled val="1"/>
+        </dgm:presLayoutVars>
+      </dgm:prSet>
+      <dgm:spPr/>
+    </dgm:pt>
+    <dgm:pt modelId="{51AF1933-C1FE-43BC-BAB4-1FDE9E29037C}" type="pres">
+      <dgm:prSet presAssocID="{CD7942A0-B7D2-4B14-8FEA-55FC702F5BE7}" presName="FourNodes_3" presStyleLbl="node1" presStyleIdx="2" presStyleCnt="4">
+        <dgm:presLayoutVars>
+          <dgm:bulletEnabled val="1"/>
+        </dgm:presLayoutVars>
+      </dgm:prSet>
+      <dgm:spPr/>
+    </dgm:pt>
+    <dgm:pt modelId="{27CCC5E1-2A78-4F55-846B-A18407DA0ADE}" type="pres">
+      <dgm:prSet presAssocID="{CD7942A0-B7D2-4B14-8FEA-55FC702F5BE7}" presName="FourNodes_4" presStyleLbl="node1" presStyleIdx="3" presStyleCnt="4">
+        <dgm:presLayoutVars>
+          <dgm:bulletEnabled val="1"/>
+        </dgm:presLayoutVars>
+      </dgm:prSet>
+      <dgm:spPr/>
+    </dgm:pt>
+    <dgm:pt modelId="{BFC9D07A-D193-434B-B970-04466651814F}" type="pres">
+      <dgm:prSet presAssocID="{CD7942A0-B7D2-4B14-8FEA-55FC702F5BE7}" presName="FourConn_1-2" presStyleLbl="fgAccFollowNode1" presStyleIdx="0" presStyleCnt="3">
+        <dgm:presLayoutVars>
+          <dgm:bulletEnabled val="1"/>
+        </dgm:presLayoutVars>
+      </dgm:prSet>
+      <dgm:spPr/>
+    </dgm:pt>
+    <dgm:pt modelId="{9EC24D08-1A6A-46FD-A24A-B5D2EECA89A0}" type="pres">
+      <dgm:prSet presAssocID="{CD7942A0-B7D2-4B14-8FEA-55FC702F5BE7}" presName="FourConn_2-3" presStyleLbl="fgAccFollowNode1" presStyleIdx="1" presStyleCnt="3">
+        <dgm:presLayoutVars>
+          <dgm:bulletEnabled val="1"/>
+        </dgm:presLayoutVars>
+      </dgm:prSet>
+      <dgm:spPr/>
+    </dgm:pt>
+    <dgm:pt modelId="{0074CB6E-2FCB-44E3-B8D5-A968C3F4958B}" type="pres">
+      <dgm:prSet presAssocID="{CD7942A0-B7D2-4B14-8FEA-55FC702F5BE7}" presName="FourConn_3-4" presStyleLbl="fgAccFollowNode1" presStyleIdx="2" presStyleCnt="3">
+        <dgm:presLayoutVars>
+          <dgm:bulletEnabled val="1"/>
+        </dgm:presLayoutVars>
+      </dgm:prSet>
+      <dgm:spPr/>
+    </dgm:pt>
+    <dgm:pt modelId="{13F2561C-81A8-4F1B-8554-1280508AA4AD}" type="pres">
+      <dgm:prSet presAssocID="{CD7942A0-B7D2-4B14-8FEA-55FC702F5BE7}" presName="FourNodes_1_text" presStyleLbl="node1" presStyleIdx="3" presStyleCnt="4">
+        <dgm:presLayoutVars>
+          <dgm:bulletEnabled val="1"/>
+        </dgm:presLayoutVars>
+      </dgm:prSet>
+      <dgm:spPr/>
+    </dgm:pt>
+    <dgm:pt modelId="{83E35678-EB88-4F16-982E-30BB26AE7EA2}" type="pres">
+      <dgm:prSet presAssocID="{CD7942A0-B7D2-4B14-8FEA-55FC702F5BE7}" presName="FourNodes_2_text" presStyleLbl="node1" presStyleIdx="3" presStyleCnt="4">
+        <dgm:presLayoutVars>
+          <dgm:bulletEnabled val="1"/>
+        </dgm:presLayoutVars>
+      </dgm:prSet>
+      <dgm:spPr/>
+    </dgm:pt>
+    <dgm:pt modelId="{01A23C6C-9A0D-45B6-9B7F-42F8E86CBA2C}" type="pres">
+      <dgm:prSet presAssocID="{CD7942A0-B7D2-4B14-8FEA-55FC702F5BE7}" presName="FourNodes_3_text" presStyleLbl="node1" presStyleIdx="3" presStyleCnt="4">
+        <dgm:presLayoutVars>
+          <dgm:bulletEnabled val="1"/>
+        </dgm:presLayoutVars>
+      </dgm:prSet>
+      <dgm:spPr/>
+    </dgm:pt>
+    <dgm:pt modelId="{E6B6CA78-758D-42BA-9284-2DCFCCFCF39A}" type="pres">
+      <dgm:prSet presAssocID="{CD7942A0-B7D2-4B14-8FEA-55FC702F5BE7}" presName="FourNodes_4_text" presStyleLbl="node1" presStyleIdx="3" presStyleCnt="4">
+        <dgm:presLayoutVars>
+          <dgm:bulletEnabled val="1"/>
+        </dgm:presLayoutVars>
+      </dgm:prSet>
+      <dgm:spPr/>
+    </dgm:pt>
+  </dgm:ptLst>
+  <dgm:cxnLst>
+    <dgm:cxn modelId="{6CC53A0C-5D84-4162-BD13-9A73544E69D2}" type="presOf" srcId="{7133ECF5-4190-4604-AA2F-03C9A0A9210F}" destId="{E6B6CA78-758D-42BA-9284-2DCFCCFCF39A}" srcOrd="1" destOrd="0" presId="urn:microsoft.com/office/officeart/2005/8/layout/vProcess5"/>
+    <dgm:cxn modelId="{9EDCDD19-2299-4419-B856-2ECC84115AEB}" type="presOf" srcId="{8EC937D8-BD76-4A12-A3E5-900D5C1E2E05}" destId="{51AF1933-C1FE-43BC-BAB4-1FDE9E29037C}" srcOrd="0" destOrd="0" presId="urn:microsoft.com/office/officeart/2005/8/layout/vProcess5"/>
+    <dgm:cxn modelId="{679FBA36-3469-4366-B626-6CA0F784814F}" type="presOf" srcId="{7133ECF5-4190-4604-AA2F-03C9A0A9210F}" destId="{27CCC5E1-2A78-4F55-846B-A18407DA0ADE}" srcOrd="0" destOrd="0" presId="urn:microsoft.com/office/officeart/2005/8/layout/vProcess5"/>
+    <dgm:cxn modelId="{5D2C035D-6B1B-409B-BB45-E999B9C2C57D}" srcId="{CD7942A0-B7D2-4B14-8FEA-55FC702F5BE7}" destId="{E3EB2CDB-023B-467A-A0BA-EA5C6D94224E}" srcOrd="0" destOrd="0" parTransId="{2C4E2FBB-9EB0-4C12-AD56-1F00B2BEBCC7}" sibTransId="{E7B020CF-39E5-4055-8941-9A5C3C730AA5}"/>
+    <dgm:cxn modelId="{011A9761-E983-4C7D-AB1D-2038261D8FF8}" srcId="{CD7942A0-B7D2-4B14-8FEA-55FC702F5BE7}" destId="{7133ECF5-4190-4604-AA2F-03C9A0A9210F}" srcOrd="3" destOrd="0" parTransId="{7D1B29D7-21DD-436A-8F7C-E87DE53C1431}" sibTransId="{46037378-034A-4662-877A-B53E1DA069A3}"/>
+    <dgm:cxn modelId="{4826CD6A-8037-4CA4-A37B-2C33AFD06A97}" type="presOf" srcId="{8EC937D8-BD76-4A12-A3E5-900D5C1E2E05}" destId="{01A23C6C-9A0D-45B6-9B7F-42F8E86CBA2C}" srcOrd="1" destOrd="0" presId="urn:microsoft.com/office/officeart/2005/8/layout/vProcess5"/>
+    <dgm:cxn modelId="{43DC8383-AEE5-490C-A8E5-1F216F2B8FE6}" srcId="{CD7942A0-B7D2-4B14-8FEA-55FC702F5BE7}" destId="{8EC937D8-BD76-4A12-A3E5-900D5C1E2E05}" srcOrd="2" destOrd="0" parTransId="{8265EE85-9851-494E-A6D3-1CDACE947DF3}" sibTransId="{B3EFD4A5-9FA1-4ABE-B722-05162509509B}"/>
+    <dgm:cxn modelId="{02517789-586D-4E73-8152-E0A37FA3133F}" type="presOf" srcId="{E3EB2CDB-023B-467A-A0BA-EA5C6D94224E}" destId="{1E96443D-EA71-4842-AAC1-E39709DC24F1}" srcOrd="0" destOrd="0" presId="urn:microsoft.com/office/officeart/2005/8/layout/vProcess5"/>
+    <dgm:cxn modelId="{4F56FC8D-5DD3-45ED-8354-D354305E3991}" type="presOf" srcId="{095A5E99-E976-4550-8F80-53CC813F2F5A}" destId="{83E35678-EB88-4F16-982E-30BB26AE7EA2}" srcOrd="1" destOrd="0" presId="urn:microsoft.com/office/officeart/2005/8/layout/vProcess5"/>
+    <dgm:cxn modelId="{C2D0E194-BD14-4AD2-9E3A-CE984C34B6CD}" type="presOf" srcId="{CD7942A0-B7D2-4B14-8FEA-55FC702F5BE7}" destId="{1D84D8B6-AB32-4491-B5D2-EFE3D7668B88}" srcOrd="0" destOrd="0" presId="urn:microsoft.com/office/officeart/2005/8/layout/vProcess5"/>
+    <dgm:cxn modelId="{DF3AC698-6782-4527-91C5-2C9B77928450}" type="presOf" srcId="{B3EFD4A5-9FA1-4ABE-B722-05162509509B}" destId="{0074CB6E-2FCB-44E3-B8D5-A968C3F4958B}" srcOrd="0" destOrd="0" presId="urn:microsoft.com/office/officeart/2005/8/layout/vProcess5"/>
+    <dgm:cxn modelId="{EC1BA8B2-487C-470F-A103-A75251F4C14F}" type="presOf" srcId="{8877691F-1B60-4485-9174-DDEC7EE68B70}" destId="{9EC24D08-1A6A-46FD-A24A-B5D2EECA89A0}" srcOrd="0" destOrd="0" presId="urn:microsoft.com/office/officeart/2005/8/layout/vProcess5"/>
+    <dgm:cxn modelId="{CAE52CB5-56F6-4141-AAC5-A92BAD6C7F98}" type="presOf" srcId="{095A5E99-E976-4550-8F80-53CC813F2F5A}" destId="{7693B563-2CC1-4AED-A93E-92E82A398B0C}" srcOrd="0" destOrd="0" presId="urn:microsoft.com/office/officeart/2005/8/layout/vProcess5"/>
+    <dgm:cxn modelId="{608DAFCE-4557-4482-A8B1-45FE138B070D}" type="presOf" srcId="{E7B020CF-39E5-4055-8941-9A5C3C730AA5}" destId="{BFC9D07A-D193-434B-B970-04466651814F}" srcOrd="0" destOrd="0" presId="urn:microsoft.com/office/officeart/2005/8/layout/vProcess5"/>
+    <dgm:cxn modelId="{50D478DE-7E4F-453A-91DA-A9E41C56A159}" type="presOf" srcId="{E3EB2CDB-023B-467A-A0BA-EA5C6D94224E}" destId="{13F2561C-81A8-4F1B-8554-1280508AA4AD}" srcOrd="1" destOrd="0" presId="urn:microsoft.com/office/officeart/2005/8/layout/vProcess5"/>
+    <dgm:cxn modelId="{D1A4D8E6-F04E-4AB1-8D0C-63DC7AB1E81F}" srcId="{CD7942A0-B7D2-4B14-8FEA-55FC702F5BE7}" destId="{095A5E99-E976-4550-8F80-53CC813F2F5A}" srcOrd="1" destOrd="0" parTransId="{03339A0D-5DC0-4B29-8353-C5AEBFD4DE86}" sibTransId="{8877691F-1B60-4485-9174-DDEC7EE68B70}"/>
+    <dgm:cxn modelId="{768DB908-A4BF-48A6-A740-5DD0CBAFBB11}" type="presParOf" srcId="{1D84D8B6-AB32-4491-B5D2-EFE3D7668B88}" destId="{3E0E8213-E460-4EB7-9A92-C2B1CC553F0D}" srcOrd="0" destOrd="0" presId="urn:microsoft.com/office/officeart/2005/8/layout/vProcess5"/>
+    <dgm:cxn modelId="{49885481-704C-4C91-910F-81472DBF19F1}" type="presParOf" srcId="{1D84D8B6-AB32-4491-B5D2-EFE3D7668B88}" destId="{1E96443D-EA71-4842-AAC1-E39709DC24F1}" srcOrd="1" destOrd="0" presId="urn:microsoft.com/office/officeart/2005/8/layout/vProcess5"/>
+    <dgm:cxn modelId="{C85D5E5D-E31B-47E5-AD8F-8174279E70B3}" type="presParOf" srcId="{1D84D8B6-AB32-4491-B5D2-EFE3D7668B88}" destId="{7693B563-2CC1-4AED-A93E-92E82A398B0C}" srcOrd="2" destOrd="0" presId="urn:microsoft.com/office/officeart/2005/8/layout/vProcess5"/>
+    <dgm:cxn modelId="{59302559-51DD-4D59-97AC-9E1453891456}" type="presParOf" srcId="{1D84D8B6-AB32-4491-B5D2-EFE3D7668B88}" destId="{51AF1933-C1FE-43BC-BAB4-1FDE9E29037C}" srcOrd="3" destOrd="0" presId="urn:microsoft.com/office/officeart/2005/8/layout/vProcess5"/>
+    <dgm:cxn modelId="{312128BF-B263-4290-AE40-9C0630D230BC}" type="presParOf" srcId="{1D84D8B6-AB32-4491-B5D2-EFE3D7668B88}" destId="{27CCC5E1-2A78-4F55-846B-A18407DA0ADE}" srcOrd="4" destOrd="0" presId="urn:microsoft.com/office/officeart/2005/8/layout/vProcess5"/>
+    <dgm:cxn modelId="{CAC81C33-D2C3-4E65-8682-79234E31F303}" type="presParOf" srcId="{1D84D8B6-AB32-4491-B5D2-EFE3D7668B88}" destId="{BFC9D07A-D193-434B-B970-04466651814F}" srcOrd="5" destOrd="0" presId="urn:microsoft.com/office/officeart/2005/8/layout/vProcess5"/>
+    <dgm:cxn modelId="{12EFF35F-E704-44B8-997C-1ACEC3AE903B}" type="presParOf" srcId="{1D84D8B6-AB32-4491-B5D2-EFE3D7668B88}" destId="{9EC24D08-1A6A-46FD-A24A-B5D2EECA89A0}" srcOrd="6" destOrd="0" presId="urn:microsoft.com/office/officeart/2005/8/layout/vProcess5"/>
+    <dgm:cxn modelId="{2793F1E5-E876-45A1-A1B6-76E498668F80}" type="presParOf" srcId="{1D84D8B6-AB32-4491-B5D2-EFE3D7668B88}" destId="{0074CB6E-2FCB-44E3-B8D5-A968C3F4958B}" srcOrd="7" destOrd="0" presId="urn:microsoft.com/office/officeart/2005/8/layout/vProcess5"/>
+    <dgm:cxn modelId="{D2A409F1-20FA-4820-AA88-01CFA1C2EDFD}" type="presParOf" srcId="{1D84D8B6-AB32-4491-B5D2-EFE3D7668B88}" destId="{13F2561C-81A8-4F1B-8554-1280508AA4AD}" srcOrd="8" destOrd="0" presId="urn:microsoft.com/office/officeart/2005/8/layout/vProcess5"/>
+    <dgm:cxn modelId="{56533C37-30C9-4B2D-9C71-714B696C76F7}" type="presParOf" srcId="{1D84D8B6-AB32-4491-B5D2-EFE3D7668B88}" destId="{83E35678-EB88-4F16-982E-30BB26AE7EA2}" srcOrd="9" destOrd="0" presId="urn:microsoft.com/office/officeart/2005/8/layout/vProcess5"/>
+    <dgm:cxn modelId="{AF5D35FB-4BEC-42E1-835A-50CDF1C962A2}" type="presParOf" srcId="{1D84D8B6-AB32-4491-B5D2-EFE3D7668B88}" destId="{01A23C6C-9A0D-45B6-9B7F-42F8E86CBA2C}" srcOrd="10" destOrd="0" presId="urn:microsoft.com/office/officeart/2005/8/layout/vProcess5"/>
+    <dgm:cxn modelId="{DB9246FE-274E-4794-A252-F876F5BADA25}" type="presParOf" srcId="{1D84D8B6-AB32-4491-B5D2-EFE3D7668B88}" destId="{E6B6CA78-758D-42BA-9284-2DCFCCFCF39A}" srcOrd="11" destOrd="0" presId="urn:microsoft.com/office/officeart/2005/8/layout/vProcess5"/>
+  </dgm:cxnLst>
+  <dgm:bg/>
+  <dgm:whole/>
+  <dgm:extLst>
+    <a:ext uri="http://schemas.microsoft.com/office/drawing/2008/diagram">
+      <dsp:dataModelExt xmlns:dsp="http://schemas.microsoft.com/office/drawing/2008/diagram" relId="rId6" minVer="http://schemas.openxmlformats.org/drawingml/2006/diagram"/>
+    </a:ext>
+  </dgm:extLst>
+</dgm:dataModel>
+</file>
+
+<file path=ppt/diagrams/data2.xml><?xml version="1.0" encoding="utf-8"?>
 <dgm:dataModel xmlns:dgm="http://schemas.openxmlformats.org/drawingml/2006/diagram" xmlns:a="http://schemas.openxmlformats.org/drawingml/2006/main">
   <dgm:ptLst>
     <dgm:pt modelId="{CD7942A0-B7D2-4B14-8FEA-55FC702F5BE7}" type="doc">
@@ -2293,6 +3624,519 @@
 </file>
 
 <file path=ppt/diagrams/drawing1.xml><?xml version="1.0" encoding="utf-8"?>
+<dsp:drawing xmlns:dgm="http://schemas.openxmlformats.org/drawingml/2006/diagram" xmlns:dsp="http://schemas.microsoft.com/office/drawing/2008/diagram" xmlns:a="http://schemas.openxmlformats.org/drawingml/2006/main">
+  <dsp:spTree>
+    <dsp:nvGrpSpPr>
+      <dsp:cNvPr id="0" name=""/>
+      <dsp:cNvGrpSpPr/>
+    </dsp:nvGrpSpPr>
+    <dsp:grpSpPr/>
+    <dsp:sp modelId="{1E96443D-EA71-4842-AAC1-E39709DC24F1}">
+      <dsp:nvSpPr>
+        <dsp:cNvPr id="0" name=""/>
+        <dsp:cNvSpPr/>
+      </dsp:nvSpPr>
+      <dsp:spPr>
+        <a:xfrm>
+          <a:off x="0" y="0"/>
+          <a:ext cx="4062729" cy="982440"/>
+        </a:xfrm>
+        <a:prstGeom prst="roundRect">
+          <a:avLst>
+            <a:gd name="adj" fmla="val 10000"/>
+          </a:avLst>
+        </a:prstGeom>
+        <a:solidFill>
+          <a:schemeClr val="accent1"/>
+        </a:solidFill>
+        <a:ln>
+          <a:noFill/>
+        </a:ln>
+        <a:effectLst/>
+      </dsp:spPr>
+      <dsp:style>
+        <a:lnRef idx="0">
+          <a:scrgbClr r="0" g="0" b="0"/>
+        </a:lnRef>
+        <a:fillRef idx="0">
+          <a:scrgbClr r="0" g="0" b="0"/>
+        </a:fillRef>
+        <a:effectRef idx="0">
+          <a:scrgbClr r="0" g="0" b="0"/>
+        </a:effectRef>
+        <a:fontRef idx="minor">
+          <a:schemeClr val="lt1"/>
+        </a:fontRef>
+      </dsp:style>
+      <dsp:txBody>
+        <a:bodyPr spcFirstLastPara="0" vert="horz" wrap="square" lIns="160020" tIns="160020" rIns="160020" bIns="160020" numCol="1" spcCol="1270" anchor="ctr" anchorCtr="0">
+          <a:noAutofit/>
+        </a:bodyPr>
+        <a:lstStyle/>
+        <a:p>
+          <a:pPr marL="0" lvl="0" indent="0" algn="l" defTabSz="1866900">
+            <a:lnSpc>
+              <a:spcPct val="90000"/>
+            </a:lnSpc>
+            <a:spcBef>
+              <a:spcPct val="0"/>
+            </a:spcBef>
+            <a:spcAft>
+              <a:spcPct val="35000"/>
+            </a:spcAft>
+            <a:buNone/>
+          </a:pPr>
+          <a:r>
+            <a:rPr lang="en-US" sz="4200" kern="1200" dirty="0"/>
+            <a:t>IF/ID</a:t>
+          </a:r>
+        </a:p>
+      </dsp:txBody>
+      <dsp:txXfrm>
+        <a:off x="28775" y="28775"/>
+        <a:ext cx="2919583" cy="924890"/>
+      </dsp:txXfrm>
+    </dsp:sp>
+    <dsp:sp modelId="{7693B563-2CC1-4AED-A93E-92E82A398B0C}">
+      <dsp:nvSpPr>
+        <dsp:cNvPr id="0" name=""/>
+        <dsp:cNvSpPr/>
+      </dsp:nvSpPr>
+      <dsp:spPr>
+        <a:xfrm>
+          <a:off x="340253" y="1161065"/>
+          <a:ext cx="4062729" cy="982440"/>
+        </a:xfrm>
+        <a:prstGeom prst="roundRect">
+          <a:avLst>
+            <a:gd name="adj" fmla="val 10000"/>
+          </a:avLst>
+        </a:prstGeom>
+        <a:solidFill>
+          <a:schemeClr val="accent2"/>
+        </a:solidFill>
+        <a:ln>
+          <a:noFill/>
+        </a:ln>
+        <a:effectLst/>
+      </dsp:spPr>
+      <dsp:style>
+        <a:lnRef idx="0">
+          <a:scrgbClr r="0" g="0" b="0"/>
+        </a:lnRef>
+        <a:fillRef idx="0">
+          <a:scrgbClr r="0" g="0" b="0"/>
+        </a:fillRef>
+        <a:effectRef idx="0">
+          <a:scrgbClr r="0" g="0" b="0"/>
+        </a:effectRef>
+        <a:fontRef idx="minor">
+          <a:schemeClr val="lt1"/>
+        </a:fontRef>
+      </dsp:style>
+      <dsp:txBody>
+        <a:bodyPr spcFirstLastPara="0" vert="horz" wrap="square" lIns="160020" tIns="160020" rIns="160020" bIns="160020" numCol="1" spcCol="1270" anchor="ctr" anchorCtr="0">
+          <a:noAutofit/>
+        </a:bodyPr>
+        <a:lstStyle/>
+        <a:p>
+          <a:pPr marL="0" lvl="0" indent="0" algn="l" defTabSz="1866900">
+            <a:lnSpc>
+              <a:spcPct val="90000"/>
+            </a:lnSpc>
+            <a:spcBef>
+              <a:spcPct val="0"/>
+            </a:spcBef>
+            <a:spcAft>
+              <a:spcPct val="35000"/>
+            </a:spcAft>
+            <a:buNone/>
+          </a:pPr>
+          <a:r>
+            <a:rPr lang="en-US" sz="4200" kern="1200" dirty="0"/>
+            <a:t>ID/EXE</a:t>
+          </a:r>
+        </a:p>
+      </dsp:txBody>
+      <dsp:txXfrm>
+        <a:off x="369028" y="1189840"/>
+        <a:ext cx="3026339" cy="924890"/>
+      </dsp:txXfrm>
+    </dsp:sp>
+    <dsp:sp modelId="{51AF1933-C1FE-43BC-BAB4-1FDE9E29037C}">
+      <dsp:nvSpPr>
+        <dsp:cNvPr id="0" name=""/>
+        <dsp:cNvSpPr/>
+      </dsp:nvSpPr>
+      <dsp:spPr>
+        <a:xfrm>
+          <a:off x="675428" y="2322131"/>
+          <a:ext cx="4062729" cy="982440"/>
+        </a:xfrm>
+        <a:prstGeom prst="roundRect">
+          <a:avLst>
+            <a:gd name="adj" fmla="val 10000"/>
+          </a:avLst>
+        </a:prstGeom>
+        <a:solidFill>
+          <a:schemeClr val="accent3"/>
+        </a:solidFill>
+        <a:ln>
+          <a:noFill/>
+        </a:ln>
+        <a:effectLst/>
+      </dsp:spPr>
+      <dsp:style>
+        <a:lnRef idx="0">
+          <a:scrgbClr r="0" g="0" b="0"/>
+        </a:lnRef>
+        <a:fillRef idx="0">
+          <a:scrgbClr r="0" g="0" b="0"/>
+        </a:fillRef>
+        <a:effectRef idx="0">
+          <a:scrgbClr r="0" g="0" b="0"/>
+        </a:effectRef>
+        <a:fontRef idx="minor">
+          <a:schemeClr val="lt1"/>
+        </a:fontRef>
+      </dsp:style>
+      <dsp:txBody>
+        <a:bodyPr spcFirstLastPara="0" vert="horz" wrap="square" lIns="160020" tIns="160020" rIns="160020" bIns="160020" numCol="1" spcCol="1270" anchor="ctr" anchorCtr="0">
+          <a:noAutofit/>
+        </a:bodyPr>
+        <a:lstStyle/>
+        <a:p>
+          <a:pPr marL="0" lvl="0" indent="0" algn="l" defTabSz="1866900">
+            <a:lnSpc>
+              <a:spcPct val="90000"/>
+            </a:lnSpc>
+            <a:spcBef>
+              <a:spcPct val="0"/>
+            </a:spcBef>
+            <a:spcAft>
+              <a:spcPct val="35000"/>
+            </a:spcAft>
+            <a:buNone/>
+          </a:pPr>
+          <a:r>
+            <a:rPr lang="en-US" sz="4200" kern="1200" dirty="0"/>
+            <a:t>EXE/MEM</a:t>
+          </a:r>
+        </a:p>
+      </dsp:txBody>
+      <dsp:txXfrm>
+        <a:off x="704203" y="2350906"/>
+        <a:ext cx="3031418" cy="924890"/>
+      </dsp:txXfrm>
+    </dsp:sp>
+    <dsp:sp modelId="{27CCC5E1-2A78-4F55-846B-A18407DA0ADE}">
+      <dsp:nvSpPr>
+        <dsp:cNvPr id="0" name=""/>
+        <dsp:cNvSpPr/>
+      </dsp:nvSpPr>
+      <dsp:spPr>
+        <a:xfrm>
+          <a:off x="1015682" y="3483196"/>
+          <a:ext cx="4062729" cy="982440"/>
+        </a:xfrm>
+        <a:prstGeom prst="roundRect">
+          <a:avLst>
+            <a:gd name="adj" fmla="val 10000"/>
+          </a:avLst>
+        </a:prstGeom>
+        <a:solidFill>
+          <a:schemeClr val="accent5"/>
+        </a:solidFill>
+        <a:ln>
+          <a:noFill/>
+        </a:ln>
+        <a:effectLst/>
+      </dsp:spPr>
+      <dsp:style>
+        <a:lnRef idx="0">
+          <a:scrgbClr r="0" g="0" b="0"/>
+        </a:lnRef>
+        <a:fillRef idx="0">
+          <a:scrgbClr r="0" g="0" b="0"/>
+        </a:fillRef>
+        <a:effectRef idx="0">
+          <a:scrgbClr r="0" g="0" b="0"/>
+        </a:effectRef>
+        <a:fontRef idx="minor">
+          <a:schemeClr val="lt1"/>
+        </a:fontRef>
+      </dsp:style>
+      <dsp:txBody>
+        <a:bodyPr spcFirstLastPara="0" vert="horz" wrap="square" lIns="160020" tIns="160020" rIns="160020" bIns="160020" numCol="1" spcCol="1270" anchor="ctr" anchorCtr="0">
+          <a:noAutofit/>
+        </a:bodyPr>
+        <a:lstStyle/>
+        <a:p>
+          <a:pPr marL="0" lvl="0" indent="0" algn="l" defTabSz="1866900">
+            <a:lnSpc>
+              <a:spcPct val="90000"/>
+            </a:lnSpc>
+            <a:spcBef>
+              <a:spcPct val="0"/>
+            </a:spcBef>
+            <a:spcAft>
+              <a:spcPct val="35000"/>
+            </a:spcAft>
+            <a:buNone/>
+          </a:pPr>
+          <a:r>
+            <a:rPr lang="en-US" sz="4200" kern="1200" dirty="0"/>
+            <a:t>MEM/WB</a:t>
+          </a:r>
+        </a:p>
+      </dsp:txBody>
+      <dsp:txXfrm>
+        <a:off x="1044457" y="3511971"/>
+        <a:ext cx="3026339" cy="924890"/>
+      </dsp:txXfrm>
+    </dsp:sp>
+    <dsp:sp modelId="{BFC9D07A-D193-434B-B970-04466651814F}">
+      <dsp:nvSpPr>
+        <dsp:cNvPr id="0" name=""/>
+        <dsp:cNvSpPr/>
+      </dsp:nvSpPr>
+      <dsp:spPr>
+        <a:xfrm>
+          <a:off x="3424143" y="752459"/>
+          <a:ext cx="638586" cy="638586"/>
+        </a:xfrm>
+        <a:prstGeom prst="downArrow">
+          <a:avLst>
+            <a:gd name="adj1" fmla="val 55000"/>
+            <a:gd name="adj2" fmla="val 45000"/>
+          </a:avLst>
+        </a:prstGeom>
+        <a:solidFill>
+          <a:schemeClr val="accent2">
+            <a:tint val="40000"/>
+            <a:alpha val="90000"/>
+            <a:hueOff val="0"/>
+            <a:satOff val="0"/>
+            <a:lumOff val="0"/>
+            <a:alphaOff val="0"/>
+          </a:schemeClr>
+        </a:solidFill>
+        <a:ln w="9525" cap="flat" cmpd="sng" algn="ctr">
+          <a:solidFill>
+            <a:schemeClr val="accent2">
+              <a:tint val="40000"/>
+              <a:alpha val="90000"/>
+              <a:hueOff val="0"/>
+              <a:satOff val="0"/>
+              <a:lumOff val="0"/>
+              <a:alphaOff val="0"/>
+            </a:schemeClr>
+          </a:solidFill>
+          <a:miter lim="800000"/>
+        </a:ln>
+        <a:effectLst/>
+      </dsp:spPr>
+      <dsp:style>
+        <a:lnRef idx="1">
+          <a:scrgbClr r="0" g="0" b="0"/>
+        </a:lnRef>
+        <a:fillRef idx="1">
+          <a:scrgbClr r="0" g="0" b="0"/>
+        </a:fillRef>
+        <a:effectRef idx="0">
+          <a:scrgbClr r="0" g="0" b="0"/>
+        </a:effectRef>
+        <a:fontRef idx="minor"/>
+      </dsp:style>
+      <dsp:txBody>
+        <a:bodyPr spcFirstLastPara="0" vert="horz" wrap="square" lIns="36830" tIns="36830" rIns="36830" bIns="36830" numCol="1" spcCol="1270" anchor="ctr" anchorCtr="0">
+          <a:noAutofit/>
+        </a:bodyPr>
+        <a:lstStyle/>
+        <a:p>
+          <a:pPr marL="0" lvl="0" indent="0" algn="ctr" defTabSz="1289050">
+            <a:lnSpc>
+              <a:spcPct val="90000"/>
+            </a:lnSpc>
+            <a:spcBef>
+              <a:spcPct val="0"/>
+            </a:spcBef>
+            <a:spcAft>
+              <a:spcPct val="35000"/>
+            </a:spcAft>
+            <a:buNone/>
+          </a:pPr>
+          <a:endParaRPr lang="en-US" sz="2900" kern="1200"/>
+        </a:p>
+      </dsp:txBody>
+      <dsp:txXfrm>
+        <a:off x="3567825" y="752459"/>
+        <a:ext cx="351222" cy="480536"/>
+      </dsp:txXfrm>
+    </dsp:sp>
+    <dsp:sp modelId="{9EC24D08-1A6A-46FD-A24A-B5D2EECA89A0}">
+      <dsp:nvSpPr>
+        <dsp:cNvPr id="0" name=""/>
+        <dsp:cNvSpPr/>
+      </dsp:nvSpPr>
+      <dsp:spPr>
+        <a:xfrm>
+          <a:off x="3764397" y="1913525"/>
+          <a:ext cx="638586" cy="638586"/>
+        </a:xfrm>
+        <a:prstGeom prst="downArrow">
+          <a:avLst>
+            <a:gd name="adj1" fmla="val 55000"/>
+            <a:gd name="adj2" fmla="val 45000"/>
+          </a:avLst>
+        </a:prstGeom>
+        <a:solidFill>
+          <a:schemeClr val="accent3">
+            <a:tint val="40000"/>
+            <a:alpha val="90000"/>
+            <a:hueOff val="0"/>
+            <a:satOff val="0"/>
+            <a:lumOff val="0"/>
+            <a:alphaOff val="0"/>
+          </a:schemeClr>
+        </a:solidFill>
+        <a:ln w="9525" cap="flat" cmpd="sng" algn="ctr">
+          <a:solidFill>
+            <a:schemeClr val="accent3">
+              <a:tint val="40000"/>
+              <a:alpha val="90000"/>
+              <a:hueOff val="0"/>
+              <a:satOff val="0"/>
+              <a:lumOff val="0"/>
+              <a:alphaOff val="0"/>
+            </a:schemeClr>
+          </a:solidFill>
+          <a:miter lim="800000"/>
+        </a:ln>
+        <a:effectLst/>
+      </dsp:spPr>
+      <dsp:style>
+        <a:lnRef idx="1">
+          <a:scrgbClr r="0" g="0" b="0"/>
+        </a:lnRef>
+        <a:fillRef idx="1">
+          <a:scrgbClr r="0" g="0" b="0"/>
+        </a:fillRef>
+        <a:effectRef idx="0">
+          <a:scrgbClr r="0" g="0" b="0"/>
+        </a:effectRef>
+        <a:fontRef idx="minor"/>
+      </dsp:style>
+      <dsp:txBody>
+        <a:bodyPr spcFirstLastPara="0" vert="horz" wrap="square" lIns="36830" tIns="36830" rIns="36830" bIns="36830" numCol="1" spcCol="1270" anchor="ctr" anchorCtr="0">
+          <a:noAutofit/>
+        </a:bodyPr>
+        <a:lstStyle/>
+        <a:p>
+          <a:pPr marL="0" lvl="0" indent="0" algn="ctr" defTabSz="1289050">
+            <a:lnSpc>
+              <a:spcPct val="90000"/>
+            </a:lnSpc>
+            <a:spcBef>
+              <a:spcPct val="0"/>
+            </a:spcBef>
+            <a:spcAft>
+              <a:spcPct val="35000"/>
+            </a:spcAft>
+            <a:buNone/>
+          </a:pPr>
+          <a:endParaRPr lang="en-US" sz="2900" kern="1200"/>
+        </a:p>
+      </dsp:txBody>
+      <dsp:txXfrm>
+        <a:off x="3908079" y="1913525"/>
+        <a:ext cx="351222" cy="480536"/>
+      </dsp:txXfrm>
+    </dsp:sp>
+    <dsp:sp modelId="{0074CB6E-2FCB-44E3-B8D5-A968C3F4958B}">
+      <dsp:nvSpPr>
+        <dsp:cNvPr id="0" name=""/>
+        <dsp:cNvSpPr/>
+      </dsp:nvSpPr>
+      <dsp:spPr>
+        <a:xfrm>
+          <a:off x="4099572" y="3074591"/>
+          <a:ext cx="638586" cy="638586"/>
+        </a:xfrm>
+        <a:prstGeom prst="downArrow">
+          <a:avLst>
+            <a:gd name="adj1" fmla="val 55000"/>
+            <a:gd name="adj2" fmla="val 45000"/>
+          </a:avLst>
+        </a:prstGeom>
+        <a:solidFill>
+          <a:schemeClr val="accent4">
+            <a:tint val="40000"/>
+            <a:alpha val="90000"/>
+            <a:hueOff val="0"/>
+            <a:satOff val="0"/>
+            <a:lumOff val="0"/>
+            <a:alphaOff val="0"/>
+          </a:schemeClr>
+        </a:solidFill>
+        <a:ln w="9525" cap="flat" cmpd="sng" algn="ctr">
+          <a:solidFill>
+            <a:schemeClr val="accent4">
+              <a:tint val="40000"/>
+              <a:alpha val="90000"/>
+              <a:hueOff val="0"/>
+              <a:satOff val="0"/>
+              <a:lumOff val="0"/>
+              <a:alphaOff val="0"/>
+            </a:schemeClr>
+          </a:solidFill>
+          <a:miter lim="800000"/>
+        </a:ln>
+        <a:effectLst/>
+      </dsp:spPr>
+      <dsp:style>
+        <a:lnRef idx="1">
+          <a:scrgbClr r="0" g="0" b="0"/>
+        </a:lnRef>
+        <a:fillRef idx="1">
+          <a:scrgbClr r="0" g="0" b="0"/>
+        </a:fillRef>
+        <a:effectRef idx="0">
+          <a:scrgbClr r="0" g="0" b="0"/>
+        </a:effectRef>
+        <a:fontRef idx="minor"/>
+      </dsp:style>
+      <dsp:txBody>
+        <a:bodyPr spcFirstLastPara="0" vert="horz" wrap="square" lIns="36830" tIns="36830" rIns="36830" bIns="36830" numCol="1" spcCol="1270" anchor="ctr" anchorCtr="0">
+          <a:noAutofit/>
+        </a:bodyPr>
+        <a:lstStyle/>
+        <a:p>
+          <a:pPr marL="0" lvl="0" indent="0" algn="ctr" defTabSz="1289050">
+            <a:lnSpc>
+              <a:spcPct val="90000"/>
+            </a:lnSpc>
+            <a:spcBef>
+              <a:spcPct val="0"/>
+            </a:spcBef>
+            <a:spcAft>
+              <a:spcPct val="35000"/>
+            </a:spcAft>
+            <a:buNone/>
+          </a:pPr>
+          <a:endParaRPr lang="en-US" sz="2900" kern="1200"/>
+        </a:p>
+      </dsp:txBody>
+      <dsp:txXfrm>
+        <a:off x="4243254" y="3074591"/>
+        <a:ext cx="351222" cy="480536"/>
+      </dsp:txXfrm>
+    </dsp:sp>
+  </dsp:spTree>
+</dsp:drawing>
+</file>
+
+<file path=ppt/diagrams/drawing2.xml><?xml version="1.0" encoding="utf-8"?>
 <dsp:drawing xmlns:dgm="http://schemas.openxmlformats.org/drawingml/2006/diagram" xmlns:dsp="http://schemas.microsoft.com/office/drawing/2008/diagram" xmlns:a="http://schemas.openxmlformats.org/drawingml/2006/main">
   <dsp:spTree>
     <dsp:nvGrpSpPr>
@@ -3984,7 +5828,2267 @@
 </dgm:layoutDef>
 </file>
 
+<file path=ppt/diagrams/layout2.xml><?xml version="1.0" encoding="utf-8"?>
+<dgm:layoutDef xmlns:dgm="http://schemas.openxmlformats.org/drawingml/2006/diagram" xmlns:a="http://schemas.openxmlformats.org/drawingml/2006/main" uniqueId="urn:microsoft.com/office/officeart/2005/8/layout/vProcess5">
+  <dgm:title val=""/>
+  <dgm:desc val=""/>
+  <dgm:catLst>
+    <dgm:cat type="process" pri="14000"/>
+  </dgm:catLst>
+  <dgm:sampData>
+    <dgm:dataModel>
+      <dgm:ptLst>
+        <dgm:pt modelId="0" type="doc"/>
+        <dgm:pt modelId="1">
+          <dgm:prSet phldr="1"/>
+        </dgm:pt>
+        <dgm:pt modelId="2">
+          <dgm:prSet phldr="1"/>
+        </dgm:pt>
+        <dgm:pt modelId="3">
+          <dgm:prSet phldr="1"/>
+        </dgm:pt>
+      </dgm:ptLst>
+      <dgm:cxnLst>
+        <dgm:cxn modelId="5" srcId="0" destId="1" srcOrd="0" destOrd="0"/>
+        <dgm:cxn modelId="6" srcId="0" destId="2" srcOrd="1" destOrd="0"/>
+        <dgm:cxn modelId="7" srcId="0" destId="3" srcOrd="2" destOrd="0"/>
+      </dgm:cxnLst>
+      <dgm:bg/>
+      <dgm:whole/>
+    </dgm:dataModel>
+  </dgm:sampData>
+  <dgm:styleData>
+    <dgm:dataModel>
+      <dgm:ptLst>
+        <dgm:pt modelId="0" type="doc"/>
+        <dgm:pt modelId="1"/>
+        <dgm:pt modelId="2"/>
+      </dgm:ptLst>
+      <dgm:cxnLst>
+        <dgm:cxn modelId="3" srcId="0" destId="1" srcOrd="0" destOrd="0"/>
+        <dgm:cxn modelId="4" srcId="0" destId="2" srcOrd="1" destOrd="0"/>
+      </dgm:cxnLst>
+      <dgm:bg/>
+      <dgm:whole/>
+    </dgm:dataModel>
+  </dgm:styleData>
+  <dgm:clrData>
+    <dgm:dataModel>
+      <dgm:ptLst>
+        <dgm:pt modelId="0" type="doc"/>
+        <dgm:pt modelId="1"/>
+        <dgm:pt modelId="2"/>
+        <dgm:pt modelId="3"/>
+        <dgm:pt modelId="4"/>
+      </dgm:ptLst>
+      <dgm:cxnLst>
+        <dgm:cxn modelId="6" srcId="0" destId="1" srcOrd="0" destOrd="0"/>
+        <dgm:cxn modelId="7" srcId="0" destId="2" srcOrd="1" destOrd="0"/>
+        <dgm:cxn modelId="8" srcId="0" destId="3" srcOrd="2" destOrd="0"/>
+        <dgm:cxn modelId="9" srcId="0" destId="4" srcOrd="3" destOrd="0"/>
+      </dgm:cxnLst>
+      <dgm:bg/>
+      <dgm:whole/>
+    </dgm:dataModel>
+  </dgm:clrData>
+  <dgm:layoutNode name="outerComposite">
+    <dgm:varLst>
+      <dgm:chMax val="5"/>
+      <dgm:dir/>
+      <dgm:resizeHandles val="exact"/>
+    </dgm:varLst>
+    <dgm:alg type="composite"/>
+    <dgm:shape xmlns:r="http://schemas.openxmlformats.org/officeDocument/2006/relationships" r:blip="">
+      <dgm:adjLst/>
+    </dgm:shape>
+    <dgm:presOf/>
+    <dgm:choose name="Name0">
+      <dgm:if name="Name1" func="var" arg="dir" op="equ" val="norm">
+        <dgm:constrLst>
+          <dgm:constr type="primFontSz" for="ch" ptType="node" op="equ" val="65"/>
+          <dgm:constr type="w" for="ch" forName="dummyMaxCanvas" refType="w"/>
+          <dgm:constr type="h" for="ch" forName="dummyMaxCanvas" refType="h"/>
+          <dgm:constr type="w" for="ch" forName="OneNode_1" refType="w"/>
+          <dgm:constr type="h" for="ch" forName="OneNode_1" refType="h" fact="0.5"/>
+          <dgm:constr type="ctrY" for="ch" forName="OneNode_1" refType="h" fact="0.5"/>
+          <dgm:constr type="w" for="ch" forName="TwoNodes_1" refType="w" fact="0.85"/>
+          <dgm:constr type="h" for="ch" forName="TwoNodes_1" refType="h" fact="0.45"/>
+          <dgm:constr type="t" for="ch" forName="TwoNodes_1"/>
+          <dgm:constr type="l" for="ch" forName="TwoNodes_1"/>
+          <dgm:constr type="w" for="ch" forName="TwoNodes_2" refType="w" fact="0.85"/>
+          <dgm:constr type="h" for="ch" forName="TwoNodes_2" refType="h" fact="0.45"/>
+          <dgm:constr type="b" for="ch" forName="TwoNodes_2" refType="h"/>
+          <dgm:constr type="r" for="ch" forName="TwoNodes_2" refType="w"/>
+          <dgm:constr type="w" for="ch" forName="TwoConn_1-2" refType="h" refFor="ch" refForName="TwoNodes_1" fact="0.65"/>
+          <dgm:constr type="h" for="ch" forName="TwoConn_1-2" refType="h" refFor="ch" refForName="TwoNodes_1" fact="0.65"/>
+          <dgm:constr type="ctrY" for="ch" forName="TwoConn_1-2" refType="h" fact="0.5"/>
+          <dgm:constr type="r" for="ch" forName="TwoConn_1-2" refType="r" refFor="ch" refForName="TwoNodes_1"/>
+          <dgm:constr type="r" for="ch" forName="TwoNodes_1_text" refType="l" refFor="ch" refForName="TwoConn_1-2"/>
+          <dgm:constr type="rOff" for="ch" forName="TwoNodes_1_text" refType="w" refFor="ch" refForName="TwoConn_1-2" fact="-0.5"/>
+          <dgm:constr type="t" for="ch" forName="TwoNodes_1_text" refType="t" refFor="ch" refForName="TwoNodes_1"/>
+          <dgm:constr type="b" for="ch" forName="TwoNodes_1_text" refType="b" refFor="ch" refForName="TwoNodes_1"/>
+          <dgm:constr type="l" for="ch" forName="TwoNodes_1_text" refType="l" refFor="ch" refForName="TwoNodes_1"/>
+          <dgm:constr type="r" for="ch" forName="TwoNodes_2_text" refType="l" refFor="ch" refForName="TwoConn_1-2"/>
+          <dgm:constr type="t" for="ch" forName="TwoNodes_2_text" refType="t" refFor="ch" refForName="TwoNodes_2"/>
+          <dgm:constr type="b" for="ch" forName="TwoNodes_2_text" refType="b" refFor="ch" refForName="TwoNodes_2"/>
+          <dgm:constr type="l" for="ch" forName="TwoNodes_2_text" refType="l" refFor="ch" refForName="TwoNodes_2"/>
+          <dgm:constr type="w" for="ch" forName="ThreeNodes_1" refType="w" fact="0.85"/>
+          <dgm:constr type="h" for="ch" forName="ThreeNodes_1" refType="h" fact="0.3"/>
+          <dgm:constr type="t" for="ch" forName="ThreeNodes_1"/>
+          <dgm:constr type="l" for="ch" forName="ThreeNodes_1"/>
+          <dgm:constr type="w" for="ch" forName="ThreeNodes_2" refType="w" fact="0.85"/>
+          <dgm:constr type="h" for="ch" forName="ThreeNodes_2" refType="h" fact="0.3"/>
+          <dgm:constr type="ctrY" for="ch" forName="ThreeNodes_2" refType="h" fact="0.5"/>
+          <dgm:constr type="ctrX" for="ch" forName="ThreeNodes_2" refType="w" fact="0.5"/>
+          <dgm:constr type="w" for="ch" forName="ThreeNodes_3" refType="w" fact="0.85"/>
+          <dgm:constr type="h" for="ch" forName="ThreeNodes_3" refType="h" fact="0.3"/>
+          <dgm:constr type="b" for="ch" forName="ThreeNodes_3" refType="h"/>
+          <dgm:constr type="r" for="ch" forName="ThreeNodes_3" refType="w"/>
+          <dgm:constr type="w" for="ch" forName="ThreeConn_1-2" refType="h" refFor="ch" refForName="ThreeNodes_1" fact="0.65"/>
+          <dgm:constr type="h" for="ch" forName="ThreeConn_1-2" refType="h" refFor="ch" refForName="ThreeNodes_1" fact="0.65"/>
+          <dgm:constr type="ctrY" for="ch" forName="ThreeConn_1-2" refType="h" fact="0.325"/>
+          <dgm:constr type="r" for="ch" forName="ThreeConn_1-2" refType="r" refFor="ch" refForName="ThreeNodes_1"/>
+          <dgm:constr type="w" for="ch" forName="ThreeConn_2-3" refType="h" refFor="ch" refForName="ThreeNodes_2" fact="0.65"/>
+          <dgm:constr type="h" for="ch" forName="ThreeConn_2-3" refType="h" refFor="ch" refForName="ThreeNodes_2" fact="0.65"/>
+          <dgm:constr type="ctrY" for="ch" forName="ThreeConn_2-3" refType="h" fact="0.673"/>
+          <dgm:constr type="r" for="ch" forName="ThreeConn_2-3" refType="r" refFor="ch" refForName="ThreeNodes_2"/>
+          <dgm:constr type="r" for="ch" forName="ThreeNodes_1_text" refType="l" refFor="ch" refForName="ThreeConn_1-2"/>
+          <dgm:constr type="rOff" for="ch" forName="ThreeNodes_1_text" refType="w" refFor="ch" refForName="ThreeConn_1-2" fact="-0.57"/>
+          <dgm:constr type="t" for="ch" forName="ThreeNodes_1_text" refType="t" refFor="ch" refForName="ThreeNodes_1"/>
+          <dgm:constr type="b" for="ch" forName="ThreeNodes_1_text" refType="b" refFor="ch" refForName="ThreeNodes_1"/>
+          <dgm:constr type="l" for="ch" forName="ThreeNodes_1_text" refType="l" refFor="ch" refForName="ThreeNodes_1"/>
+          <dgm:constr type="r" for="ch" forName="ThreeNodes_2_text" refType="l" refFor="ch" refForName="ThreeConn_1-2"/>
+          <dgm:constr type="t" for="ch" forName="ThreeNodes_2_text" refType="t" refFor="ch" refForName="ThreeNodes_2"/>
+          <dgm:constr type="b" for="ch" forName="ThreeNodes_2_text" refType="b" refFor="ch" refForName="ThreeNodes_2"/>
+          <dgm:constr type="l" for="ch" forName="ThreeNodes_2_text" refType="l" refFor="ch" refForName="ThreeNodes_2"/>
+          <dgm:constr type="r" for="ch" forName="ThreeNodes_3_text" refType="l" refFor="ch" refForName="ThreeConn_2-3"/>
+          <dgm:constr type="t" for="ch" forName="ThreeNodes_3_text" refType="t" refFor="ch" refForName="ThreeNodes_3"/>
+          <dgm:constr type="b" for="ch" forName="ThreeNodes_3_text" refType="b" refFor="ch" refForName="ThreeNodes_3"/>
+          <dgm:constr type="l" for="ch" forName="ThreeNodes_3_text" refType="l" refFor="ch" refForName="ThreeNodes_3"/>
+          <dgm:constr type="w" for="ch" forName="FourNodes_1" refType="w" fact="0.8"/>
+          <dgm:constr type="h" for="ch" forName="FourNodes_1" refType="h" fact="0.22"/>
+          <dgm:constr type="t" for="ch" forName="FourNodes_1"/>
+          <dgm:constr type="l" for="ch" forName="FourNodes_1"/>
+          <dgm:constr type="w" for="ch" forName="FourNodes_2" refType="w" fact="0.8"/>
+          <dgm:constr type="h" for="ch" forName="FourNodes_2" refType="h" fact="0.22"/>
+          <dgm:constr type="ctrY" for="ch" forName="FourNodes_2" refType="h" fact="0.37"/>
+          <dgm:constr type="ctrX" for="ch" forName="FourNodes_2" refType="w" fact="0.467"/>
+          <dgm:constr type="w" for="ch" forName="FourNodes_3" refType="w" fact="0.8"/>
+          <dgm:constr type="h" for="ch" forName="FourNodes_3" refType="h" fact="0.22"/>
+          <dgm:constr type="ctrY" for="ch" forName="FourNodes_3" refType="h" fact="0.63"/>
+          <dgm:constr type="ctrX" for="ch" forName="FourNodes_3" refType="w" fact="0.533"/>
+          <dgm:constr type="w" for="ch" forName="FourNodes_4" refType="w" fact="0.8"/>
+          <dgm:constr type="h" for="ch" forName="FourNodes_4" refType="h" fact="0.22"/>
+          <dgm:constr type="b" for="ch" forName="FourNodes_4" refType="h"/>
+          <dgm:constr type="r" for="ch" forName="FourNodes_4" refType="w"/>
+          <dgm:constr type="w" for="ch" forName="FourConn_1-2" refType="h" refFor="ch" refForName="FourNodes_1" fact="0.65"/>
+          <dgm:constr type="h" for="ch" forName="FourConn_1-2" refType="h" refFor="ch" refForName="FourNodes_1" fact="0.65"/>
+          <dgm:constr type="ctrY" for="ch" forName="FourConn_1-2" refType="h" fact="0.24"/>
+          <dgm:constr type="r" for="ch" forName="FourConn_1-2" refType="r" refFor="ch" refForName="FourNodes_1"/>
+          <dgm:constr type="w" for="ch" forName="FourConn_2-3" refType="h" refFor="ch" refForName="FourNodes_2" fact="0.65"/>
+          <dgm:constr type="h" for="ch" forName="FourConn_2-3" refType="h" refFor="ch" refForName="FourNodes_2" fact="0.65"/>
+          <dgm:constr type="ctrY" for="ch" forName="FourConn_2-3" refType="h" fact="0.5"/>
+          <dgm:constr type="r" for="ch" forName="FourConn_2-3" refType="r" refFor="ch" refForName="FourNodes_2"/>
+          <dgm:constr type="w" for="ch" forName="FourConn_3-4" refType="h" refFor="ch" refForName="FourNodes_3" fact="0.65"/>
+          <dgm:constr type="h" for="ch" forName="FourConn_3-4" refType="h" refFor="ch" refForName="FourNodes_3" fact="0.65"/>
+          <dgm:constr type="ctrY" for="ch" forName="FourConn_3-4" refType="h" fact="0.76"/>
+          <dgm:constr type="r" for="ch" forName="FourConn_3-4" refType="r" refFor="ch" refForName="FourNodes_3"/>
+          <dgm:constr type="r" for="ch" forName="FourNodes_1_text" refType="l" refFor="ch" refForName="FourConn_1-2"/>
+          <dgm:constr type="rOff" for="ch" forName="FourNodes_1_text" refType="w" refFor="ch" refForName="FourConn_1-2" fact="-0.7"/>
+          <dgm:constr type="t" for="ch" forName="FourNodes_1_text" refType="t" refFor="ch" refForName="FourNodes_1"/>
+          <dgm:constr type="b" for="ch" forName="FourNodes_1_text" refType="b" refFor="ch" refForName="FourNodes_1"/>
+          <dgm:constr type="l" for="ch" forName="FourNodes_1_text" refType="l" refFor="ch" refForName="FourNodes_1"/>
+          <dgm:constr type="r" for="ch" forName="FourNodes_2_text" refType="l" refFor="ch" refForName="FourConn_1-2"/>
+          <dgm:constr type="t" for="ch" forName="FourNodes_2_text" refType="t" refFor="ch" refForName="FourNodes_2"/>
+          <dgm:constr type="b" for="ch" forName="FourNodes_2_text" refType="b" refFor="ch" refForName="FourNodes_2"/>
+          <dgm:constr type="l" for="ch" forName="FourNodes_2_text" refType="l" refFor="ch" refForName="FourNodes_2"/>
+          <dgm:constr type="r" for="ch" forName="FourNodes_3_text" refType="l" refFor="ch" refForName="FourConn_2-3"/>
+          <dgm:constr type="t" for="ch" forName="FourNodes_3_text" refType="t" refFor="ch" refForName="FourNodes_3"/>
+          <dgm:constr type="b" for="ch" forName="FourNodes_3_text" refType="b" refFor="ch" refForName="FourNodes_3"/>
+          <dgm:constr type="l" for="ch" forName="FourNodes_3_text" refType="l" refFor="ch" refForName="FourNodes_3"/>
+          <dgm:constr type="r" for="ch" forName="FourNodes_4_text" refType="l" refFor="ch" refForName="FourConn_3-4"/>
+          <dgm:constr type="t" for="ch" forName="FourNodes_4_text" refType="t" refFor="ch" refForName="FourNodes_4"/>
+          <dgm:constr type="b" for="ch" forName="FourNodes_4_text" refType="b" refFor="ch" refForName="FourNodes_4"/>
+          <dgm:constr type="l" for="ch" forName="FourNodes_4_text" refType="l" refFor="ch" refForName="FourNodes_4"/>
+          <dgm:constr type="w" for="ch" forName="FiveNodes_1" refType="w" fact="0.77"/>
+          <dgm:constr type="h" for="ch" forName="FiveNodes_1" refType="h" fact="0.18"/>
+          <dgm:constr type="t" for="ch" forName="FiveNodes_1"/>
+          <dgm:constr type="l" for="ch" forName="FiveNodes_1"/>
+          <dgm:constr type="w" for="ch" forName="FiveNodes_2" refType="w" fact="0.77"/>
+          <dgm:constr type="h" for="ch" forName="FiveNodes_2" refType="h" fact="0.18"/>
+          <dgm:constr type="ctrY" for="ch" forName="FiveNodes_2" refType="h" fact="0.295"/>
+          <dgm:constr type="ctrX" for="ch" forName="FiveNodes_2" refType="w" fact="0.4425"/>
+          <dgm:constr type="w" for="ch" forName="FiveNodes_3" refType="w" fact="0.77"/>
+          <dgm:constr type="h" for="ch" forName="FiveNodes_3" refType="h" fact="0.18"/>
+          <dgm:constr type="ctrY" for="ch" forName="FiveNodes_3" refType="h" fact="0.5"/>
+          <dgm:constr type="ctrX" for="ch" forName="FiveNodes_3" refType="w" fact="0.5"/>
+          <dgm:constr type="w" for="ch" forName="FiveNodes_4" refType="w" fact="0.77"/>
+          <dgm:constr type="h" for="ch" forName="FiveNodes_4" refType="h" fact="0.18"/>
+          <dgm:constr type="ctrY" for="ch" forName="FiveNodes_4" refType="h" fact="0.705"/>
+          <dgm:constr type="ctrX" for="ch" forName="FiveNodes_4" refType="w" fact="0.5575"/>
+          <dgm:constr type="w" for="ch" forName="FiveNodes_5" refType="w" fact="0.77"/>
+          <dgm:constr type="h" for="ch" forName="FiveNodes_5" refType="h" fact="0.18"/>
+          <dgm:constr type="b" for="ch" forName="FiveNodes_5" refType="h"/>
+          <dgm:constr type="r" for="ch" forName="FiveNodes_5" refType="w"/>
+          <dgm:constr type="w" for="ch" forName="FiveConn_1-2" refType="h" refFor="ch" refForName="FiveNodes_1" fact="0.65"/>
+          <dgm:constr type="h" for="ch" forName="FiveConn_1-2" refType="h" refFor="ch" refForName="FiveNodes_1" fact="0.65"/>
+          <dgm:constr type="ctrY" for="ch" forName="FiveConn_1-2" refType="h" fact="0.19"/>
+          <dgm:constr type="r" for="ch" forName="FiveConn_1-2" refType="r" refFor="ch" refForName="FiveNodes_1"/>
+          <dgm:constr type="w" for="ch" forName="FiveConn_2-3" refType="h" refFor="ch" refForName="FiveNodes_2" fact="0.65"/>
+          <dgm:constr type="h" for="ch" forName="FiveConn_2-3" refType="h" refFor="ch" refForName="FiveNodes_2" fact="0.65"/>
+          <dgm:constr type="ctrY" for="ch" forName="FiveConn_2-3" refType="h" fact="0.395"/>
+          <dgm:constr type="r" for="ch" forName="FiveConn_2-3" refType="r" refFor="ch" refForName="FiveNodes_2"/>
+          <dgm:constr type="w" for="ch" forName="FiveConn_3-4" refType="h" refFor="ch" refForName="FiveNodes_3" fact="0.65"/>
+          <dgm:constr type="h" for="ch" forName="FiveConn_3-4" refType="h" refFor="ch" refForName="FiveNodes_3" fact="0.65"/>
+          <dgm:constr type="ctrY" for="ch" forName="FiveConn_3-4" refType="h" fact="0.597"/>
+          <dgm:constr type="r" for="ch" forName="FiveConn_3-4" refType="r" refFor="ch" refForName="FiveNodes_3"/>
+          <dgm:constr type="w" for="ch" forName="FiveConn_4-5" refType="h" refFor="ch" refForName="FiveNodes_4" fact="0.65"/>
+          <dgm:constr type="h" for="ch" forName="FiveConn_4-5" refType="h" refFor="ch" refForName="FiveNodes_4" fact="0.65"/>
+          <dgm:constr type="ctrY" for="ch" forName="FiveConn_4-5" refType="h" fact="0.804"/>
+          <dgm:constr type="r" for="ch" forName="FiveConn_4-5" refType="r" refFor="ch" refForName="FiveNodes_4"/>
+          <dgm:constr type="r" for="ch" forName="FiveNodes_1_text" refType="l" refFor="ch" refForName="FiveConn_1-2"/>
+          <dgm:constr type="rOff" for="ch" forName="FiveNodes_1_text" refType="w" refFor="ch" refForName="FiveConn_1-2" fact="-0.75"/>
+          <dgm:constr type="t" for="ch" forName="FiveNodes_1_text" refType="t" refFor="ch" refForName="FiveNodes_1"/>
+          <dgm:constr type="b" for="ch" forName="FiveNodes_1_text" refType="b" refFor="ch" refForName="FiveNodes_1"/>
+          <dgm:constr type="l" for="ch" forName="FiveNodes_1_text" refType="l" refFor="ch" refForName="FiveNodes_1"/>
+          <dgm:constr type="r" for="ch" forName="FiveNodes_2_text" refType="l" refFor="ch" refForName="FiveConn_1-2"/>
+          <dgm:constr type="t" for="ch" forName="FiveNodes_2_text" refType="t" refFor="ch" refForName="FiveNodes_2"/>
+          <dgm:constr type="b" for="ch" forName="FiveNodes_2_text" refType="b" refFor="ch" refForName="FiveNodes_2"/>
+          <dgm:constr type="l" for="ch" forName="FiveNodes_2_text" refType="l" refFor="ch" refForName="FiveNodes_2"/>
+          <dgm:constr type="r" for="ch" forName="FiveNodes_3_text" refType="l" refFor="ch" refForName="FiveConn_2-3"/>
+          <dgm:constr type="t" for="ch" forName="FiveNodes_3_text" refType="t" refFor="ch" refForName="FiveNodes_3"/>
+          <dgm:constr type="b" for="ch" forName="FiveNodes_3_text" refType="b" refFor="ch" refForName="FiveNodes_3"/>
+          <dgm:constr type="l" for="ch" forName="FiveNodes_3_text" refType="l" refFor="ch" refForName="FiveNodes_3"/>
+          <dgm:constr type="r" for="ch" forName="FiveNodes_4_text" refType="l" refFor="ch" refForName="FiveConn_3-4"/>
+          <dgm:constr type="t" for="ch" forName="FiveNodes_4_text" refType="t" refFor="ch" refForName="FiveNodes_4"/>
+          <dgm:constr type="b" for="ch" forName="FiveNodes_4_text" refType="b" refFor="ch" refForName="FiveNodes_4"/>
+          <dgm:constr type="l" for="ch" forName="FiveNodes_4_text" refType="l" refFor="ch" refForName="FiveNodes_4"/>
+          <dgm:constr type="r" for="ch" forName="FiveNodes_5_text" refType="l" refFor="ch" refForName="FiveConn_4-5"/>
+          <dgm:constr type="t" for="ch" forName="FiveNodes_5_text" refType="t" refFor="ch" refForName="FiveNodes_5"/>
+          <dgm:constr type="b" for="ch" forName="FiveNodes_5_text" refType="b" refFor="ch" refForName="FiveNodes_5"/>
+          <dgm:constr type="l" for="ch" forName="FiveNodes_5_text" refType="l" refFor="ch" refForName="FiveNodes_5"/>
+        </dgm:constrLst>
+      </dgm:if>
+      <dgm:else name="Name2">
+        <dgm:constrLst>
+          <dgm:constr type="primFontSz" for="ch" ptType="node" op="equ" val="65"/>
+          <dgm:constr type="w" for="ch" forName="dummyMaxCanvas" refType="w"/>
+          <dgm:constr type="h" for="ch" forName="dummyMaxCanvas" refType="h"/>
+          <dgm:constr type="w" for="ch" forName="OneNode_1" refType="w"/>
+          <dgm:constr type="h" for="ch" forName="OneNode_1" refType="h" fact="0.5"/>
+          <dgm:constr type="ctrY" for="ch" forName="OneNode_1" refType="h" fact="0.5"/>
+          <dgm:constr type="w" for="ch" forName="TwoNodes_1" refType="w" fact="0.85"/>
+          <dgm:constr type="h" for="ch" forName="TwoNodes_1" refType="h" fact="0.45"/>
+          <dgm:constr type="t" for="ch" forName="TwoNodes_1"/>
+          <dgm:constr type="r" for="ch" forName="TwoNodes_1" refType="w"/>
+          <dgm:constr type="w" for="ch" forName="TwoNodes_2" refType="w" fact="0.85"/>
+          <dgm:constr type="h" for="ch" forName="TwoNodes_2" refType="h" fact="0.45"/>
+          <dgm:constr type="b" for="ch" forName="TwoNodes_2" refType="h"/>
+          <dgm:constr type="l" for="ch" forName="TwoNodes_2"/>
+          <dgm:constr type="w" for="ch" forName="TwoConn_1-2" refType="h" refFor="ch" refForName="TwoNodes_1" fact="0.65"/>
+          <dgm:constr type="h" for="ch" forName="TwoConn_1-2" refType="h" refFor="ch" refForName="TwoNodes_1" fact="0.65"/>
+          <dgm:constr type="ctrY" for="ch" forName="TwoConn_1-2" refType="h" fact="0.5"/>
+          <dgm:constr type="l" for="ch" forName="TwoConn_1-2" refType="l" refFor="ch" refForName="TwoNodes_1"/>
+          <dgm:constr type="l" for="ch" forName="TwoNodes_1_text" refType="r" refFor="ch" refForName="TwoConn_1-2"/>
+          <dgm:constr type="lOff" for="ch" forName="TwoNodes_1_text" refType="w" refFor="ch" refForName="TwoConn_1-2" fact="0.5"/>
+          <dgm:constr type="t" for="ch" forName="TwoNodes_1_text" refType="t" refFor="ch" refForName="TwoNodes_1"/>
+          <dgm:constr type="b" for="ch" forName="TwoNodes_1_text" refType="b" refFor="ch" refForName="TwoNodes_1"/>
+          <dgm:constr type="r" for="ch" forName="TwoNodes_1_text" refType="r" refFor="ch" refForName="TwoNodes_1"/>
+          <dgm:constr type="l" for="ch" forName="TwoNodes_2_text" refType="r" refFor="ch" refForName="TwoConn_1-2"/>
+          <dgm:constr type="t" for="ch" forName="TwoNodes_2_text" refType="t" refFor="ch" refForName="TwoNodes_2"/>
+          <dgm:constr type="b" for="ch" forName="TwoNodes_2_text" refType="b" refFor="ch" refForName="TwoNodes_2"/>
+          <dgm:constr type="r" for="ch" forName="TwoNodes_2_text" refType="r" refFor="ch" refForName="TwoNodes_2"/>
+          <dgm:constr type="w" for="ch" forName="ThreeNodes_1" refType="w" fact="0.85"/>
+          <dgm:constr type="h" for="ch" forName="ThreeNodes_1" refType="h" fact="0.3"/>
+          <dgm:constr type="t" for="ch" forName="ThreeNodes_1"/>
+          <dgm:constr type="r" for="ch" forName="ThreeNodes_1" refType="w"/>
+          <dgm:constr type="w" for="ch" forName="ThreeNodes_2" refType="w" fact="0.85"/>
+          <dgm:constr type="h" for="ch" forName="ThreeNodes_2" refType="h" fact="0.3"/>
+          <dgm:constr type="ctrY" for="ch" forName="ThreeNodes_2" refType="h" fact="0.5"/>
+          <dgm:constr type="ctrX" for="ch" forName="ThreeNodes_2" refType="w" fact="0.5"/>
+          <dgm:constr type="w" for="ch" forName="ThreeNodes_3" refType="w" fact="0.85"/>
+          <dgm:constr type="h" for="ch" forName="ThreeNodes_3" refType="h" fact="0.3"/>
+          <dgm:constr type="b" for="ch" forName="ThreeNodes_3" refType="h"/>
+          <dgm:constr type="l" for="ch" forName="ThreeNodes_3"/>
+          <dgm:constr type="w" for="ch" forName="ThreeConn_1-2" refType="h" refFor="ch" refForName="ThreeNodes_1" fact="0.65"/>
+          <dgm:constr type="h" for="ch" forName="ThreeConn_1-2" refType="h" refFor="ch" refForName="ThreeNodes_1" fact="0.65"/>
+          <dgm:constr type="ctrY" for="ch" forName="ThreeConn_1-2" refType="h" fact="0.325"/>
+          <dgm:constr type="l" for="ch" forName="ThreeConn_1-2" refType="l" refFor="ch" refForName="ThreeNodes_1"/>
+          <dgm:constr type="w" for="ch" forName="ThreeConn_2-3" refType="h" refFor="ch" refForName="ThreeNodes_2" fact="0.65"/>
+          <dgm:constr type="h" for="ch" forName="ThreeConn_2-3" refType="h" refFor="ch" refForName="ThreeNodes_2" fact="0.65"/>
+          <dgm:constr type="ctrY" for="ch" forName="ThreeConn_2-3" refType="h" fact="0.673"/>
+          <dgm:constr type="l" for="ch" forName="ThreeConn_2-3" refType="l" refFor="ch" refForName="ThreeNodes_2"/>
+          <dgm:constr type="l" for="ch" forName="ThreeNodes_1_text" refType="r" refFor="ch" refForName="ThreeConn_1-2"/>
+          <dgm:constr type="lOff" for="ch" forName="ThreeNodes_1_text" refType="w" refFor="ch" refForName="ThreeConn_1-2" fact="0.55"/>
+          <dgm:constr type="t" for="ch" forName="ThreeNodes_1_text" refType="t" refFor="ch" refForName="ThreeNodes_1"/>
+          <dgm:constr type="b" for="ch" forName="ThreeNodes_1_text" refType="b" refFor="ch" refForName="ThreeNodes_1"/>
+          <dgm:constr type="r" for="ch" forName="ThreeNodes_1_text" refType="r" refFor="ch" refForName="ThreeNodes_1"/>
+          <dgm:constr type="l" for="ch" forName="ThreeNodes_2_text" refType="r" refFor="ch" refForName="ThreeConn_1-2"/>
+          <dgm:constr type="t" for="ch" forName="ThreeNodes_2_text" refType="t" refFor="ch" refForName="ThreeNodes_2"/>
+          <dgm:constr type="b" for="ch" forName="ThreeNodes_2_text" refType="b" refFor="ch" refForName="ThreeNodes_2"/>
+          <dgm:constr type="r" for="ch" forName="ThreeNodes_2_text" refType="r" refFor="ch" refForName="ThreeNodes_2"/>
+          <dgm:constr type="l" for="ch" forName="ThreeNodes_3_text" refType="r" refFor="ch" refForName="ThreeConn_2-3"/>
+          <dgm:constr type="t" for="ch" forName="ThreeNodes_3_text" refType="t" refFor="ch" refForName="ThreeNodes_3"/>
+          <dgm:constr type="b" for="ch" forName="ThreeNodes_3_text" refType="b" refFor="ch" refForName="ThreeNodes_3"/>
+          <dgm:constr type="r" for="ch" forName="ThreeNodes_3_text" refType="r" refFor="ch" refForName="ThreeNodes_3"/>
+          <dgm:constr type="w" for="ch" forName="FourNodes_1" refType="w" fact="0.8"/>
+          <dgm:constr type="h" for="ch" forName="FourNodes_1" refType="h" fact="0.22"/>
+          <dgm:constr type="t" for="ch" forName="FourNodes_1"/>
+          <dgm:constr type="r" for="ch" forName="FourNodes_1" refType="w"/>
+          <dgm:constr type="w" for="ch" forName="FourNodes_2" refType="w" fact="0.8"/>
+          <dgm:constr type="h" for="ch" forName="FourNodes_2" refType="h" fact="0.22"/>
+          <dgm:constr type="ctrY" for="ch" forName="FourNodes_2" refType="h" fact="0.37"/>
+          <dgm:constr type="ctrX" for="ch" forName="FourNodes_2" refType="w" fact="0.533"/>
+          <dgm:constr type="w" for="ch" forName="FourNodes_3" refType="w" fact="0.8"/>
+          <dgm:constr type="h" for="ch" forName="FourNodes_3" refType="h" fact="0.22"/>
+          <dgm:constr type="ctrY" for="ch" forName="FourNodes_3" refType="h" fact="0.63"/>
+          <dgm:constr type="ctrX" for="ch" forName="FourNodes_3" refType="w" fact="0.467"/>
+          <dgm:constr type="w" for="ch" forName="FourNodes_4" refType="w" fact="0.8"/>
+          <dgm:constr type="h" for="ch" forName="FourNodes_4" refType="h" fact="0.22"/>
+          <dgm:constr type="b" for="ch" forName="FourNodes_4" refType="h"/>
+          <dgm:constr type="l" for="ch" forName="FourNodes_4"/>
+          <dgm:constr type="w" for="ch" forName="FourConn_1-2" refType="h" refFor="ch" refForName="FourNodes_1" fact="0.65"/>
+          <dgm:constr type="h" for="ch" forName="FourConn_1-2" refType="h" refFor="ch" refForName="FourNodes_1" fact="0.65"/>
+          <dgm:constr type="ctrY" for="ch" forName="FourConn_1-2" refType="h" fact="0.24"/>
+          <dgm:constr type="l" for="ch" forName="FourConn_1-2" refType="l" refFor="ch" refForName="FourNodes_1"/>
+          <dgm:constr type="w" for="ch" forName="FourConn_2-3" refType="h" refFor="ch" refForName="FourNodes_2" fact="0.65"/>
+          <dgm:constr type="h" for="ch" forName="FourConn_2-3" refType="h" refFor="ch" refForName="FourNodes_2" fact="0.65"/>
+          <dgm:constr type="ctrY" for="ch" forName="FourConn_2-3" refType="h" fact="0.5"/>
+          <dgm:constr type="l" for="ch" forName="FourConn_2-3" refType="l" refFor="ch" refForName="FourNodes_2"/>
+          <dgm:constr type="w" for="ch" forName="FourConn_3-4" refType="h" refFor="ch" refForName="FourNodes_3" fact="0.65"/>
+          <dgm:constr type="h" for="ch" forName="FourConn_3-4" refType="h" refFor="ch" refForName="FourNodes_3" fact="0.65"/>
+          <dgm:constr type="ctrY" for="ch" forName="FourConn_3-4" refType="h" fact="0.76"/>
+          <dgm:constr type="l" for="ch" forName="FourConn_3-4" refType="l" refFor="ch" refForName="FourNodes_3"/>
+          <dgm:constr type="l" for="ch" forName="FourNodes_1_text" refType="r" refFor="ch" refForName="FourConn_1-2"/>
+          <dgm:constr type="lOff" for="ch" forName="FourNodes_1_text" refType="w" refFor="ch" refForName="FourConn_1-2" fact="0.69"/>
+          <dgm:constr type="t" for="ch" forName="FourNodes_1_text" refType="t" refFor="ch" refForName="FourNodes_1"/>
+          <dgm:constr type="b" for="ch" forName="FourNodes_1_text" refType="b" refFor="ch" refForName="FourNodes_1"/>
+          <dgm:constr type="r" for="ch" forName="FourNodes_1_text" refType="r" refFor="ch" refForName="FourNodes_1"/>
+          <dgm:constr type="l" for="ch" forName="FourNodes_2_text" refType="r" refFor="ch" refForName="FourConn_1-2"/>
+          <dgm:constr type="t" for="ch" forName="FourNodes_2_text" refType="t" refFor="ch" refForName="FourNodes_2"/>
+          <dgm:constr type="b" for="ch" forName="FourNodes_2_text" refType="b" refFor="ch" refForName="FourNodes_2"/>
+          <dgm:constr type="r" for="ch" forName="FourNodes_2_text" refType="r" refFor="ch" refForName="FourNodes_2"/>
+          <dgm:constr type="l" for="ch" forName="FourNodes_3_text" refType="r" refFor="ch" refForName="FourConn_2-3"/>
+          <dgm:constr type="t" for="ch" forName="FourNodes_3_text" refType="t" refFor="ch" refForName="FourNodes_3"/>
+          <dgm:constr type="b" for="ch" forName="FourNodes_3_text" refType="b" refFor="ch" refForName="FourNodes_3"/>
+          <dgm:constr type="r" for="ch" forName="FourNodes_3_text" refType="r" refFor="ch" refForName="FourNodes_3"/>
+          <dgm:constr type="l" for="ch" forName="FourNodes_4_text" refType="r" refFor="ch" refForName="FourConn_3-4"/>
+          <dgm:constr type="t" for="ch" forName="FourNodes_4_text" refType="t" refFor="ch" refForName="FourNodes_4"/>
+          <dgm:constr type="b" for="ch" forName="FourNodes_4_text" refType="b" refFor="ch" refForName="FourNodes_4"/>
+          <dgm:constr type="r" for="ch" forName="FourNodes_4_text" refType="r" refFor="ch" refForName="FourNodes_4"/>
+          <dgm:constr type="w" for="ch" forName="FiveNodes_1" refType="w" fact="0.77"/>
+          <dgm:constr type="h" for="ch" forName="FiveNodes_1" refType="h" fact="0.18"/>
+          <dgm:constr type="t" for="ch" forName="FiveNodes_1"/>
+          <dgm:constr type="r" for="ch" forName="FiveNodes_1" refType="w"/>
+          <dgm:constr type="w" for="ch" forName="FiveNodes_2" refType="w" fact="0.77"/>
+          <dgm:constr type="h" for="ch" forName="FiveNodes_2" refType="h" fact="0.18"/>
+          <dgm:constr type="ctrY" for="ch" forName="FiveNodes_2" refType="h" fact="0.295"/>
+          <dgm:constr type="ctrX" for="ch" forName="FiveNodes_2" refType="w" fact="0.5575"/>
+          <dgm:constr type="w" for="ch" forName="FiveNodes_3" refType="w" fact="0.77"/>
+          <dgm:constr type="h" for="ch" forName="FiveNodes_3" refType="h" fact="0.18"/>
+          <dgm:constr type="ctrY" for="ch" forName="FiveNodes_3" refType="h" fact="0.5"/>
+          <dgm:constr type="ctrX" for="ch" forName="FiveNodes_3" refType="w" fact="0.5"/>
+          <dgm:constr type="w" for="ch" forName="FiveNodes_4" refType="w" fact="0.77"/>
+          <dgm:constr type="h" for="ch" forName="FiveNodes_4" refType="h" fact="0.18"/>
+          <dgm:constr type="ctrY" for="ch" forName="FiveNodes_4" refType="h" fact="0.705"/>
+          <dgm:constr type="ctrX" for="ch" forName="FiveNodes_4" refType="w" fact="0.4425"/>
+          <dgm:constr type="w" for="ch" forName="FiveNodes_5" refType="w" fact="0.77"/>
+          <dgm:constr type="h" for="ch" forName="FiveNodes_5" refType="h" fact="0.18"/>
+          <dgm:constr type="b" for="ch" forName="FiveNodes_5" refType="h"/>
+          <dgm:constr type="l" for="ch" forName="FiveNodes_5"/>
+          <dgm:constr type="w" for="ch" forName="FiveConn_1-2" refType="h" refFor="ch" refForName="FiveNodes_1" fact="0.65"/>
+          <dgm:constr type="h" for="ch" forName="FiveConn_1-2" refType="h" refFor="ch" refForName="FiveNodes_1" fact="0.65"/>
+          <dgm:constr type="ctrY" for="ch" forName="FiveConn_1-2" refType="h" fact="0.19"/>
+          <dgm:constr type="l" for="ch" forName="FiveConn_1-2" refType="l" refFor="ch" refForName="FiveNodes_1"/>
+          <dgm:constr type="w" for="ch" forName="FiveConn_2-3" refType="h" refFor="ch" refForName="FiveNodes_2" fact="0.65"/>
+          <dgm:constr type="h" for="ch" forName="FiveConn_2-3" refType="h" refFor="ch" refForName="FiveNodes_2" fact="0.65"/>
+          <dgm:constr type="ctrY" for="ch" forName="FiveConn_2-3" refType="h" fact="0.395"/>
+          <dgm:constr type="l" for="ch" forName="FiveConn_2-3" refType="l" refFor="ch" refForName="FiveNodes_2"/>
+          <dgm:constr type="w" for="ch" forName="FiveConn_3-4" refType="h" refFor="ch" refForName="FiveNodes_3" fact="0.65"/>
+          <dgm:constr type="h" for="ch" forName="FiveConn_3-4" refType="h" refFor="ch" refForName="FiveNodes_3" fact="0.65"/>
+          <dgm:constr type="ctrY" for="ch" forName="FiveConn_3-4" refType="h" fact="0.597"/>
+          <dgm:constr type="l" for="ch" forName="FiveConn_3-4" refType="l" refFor="ch" refForName="FiveNodes_3"/>
+          <dgm:constr type="w" for="ch" forName="FiveConn_4-5" refType="h" refFor="ch" refForName="FiveNodes_4" fact="0.65"/>
+          <dgm:constr type="h" for="ch" forName="FiveConn_4-5" refType="h" refFor="ch" refForName="FiveNodes_4" fact="0.65"/>
+          <dgm:constr type="ctrY" for="ch" forName="FiveConn_4-5" refType="h" fact="0.804"/>
+          <dgm:constr type="l" for="ch" forName="FiveConn_4-5" refType="l" refFor="ch" refForName="FiveNodes_4"/>
+          <dgm:constr type="l" for="ch" forName="FiveNodes_1_text" refType="r" refFor="ch" refForName="FiveConn_1-2"/>
+          <dgm:constr type="lOff" for="ch" forName="FiveNodes_1_text" refType="w" refFor="ch" refForName="FiveConn_1-2" fact="0.73"/>
+          <dgm:constr type="t" for="ch" forName="FiveNodes_1_text" refType="t" refFor="ch" refForName="FiveNodes_1"/>
+          <dgm:constr type="b" for="ch" forName="FiveNodes_1_text" refType="b" refFor="ch" refForName="FiveNodes_1"/>
+          <dgm:constr type="r" for="ch" forName="FiveNodes_1_text" refType="r" refFor="ch" refForName="FiveNodes_1"/>
+          <dgm:constr type="l" for="ch" forName="FiveNodes_2_text" refType="r" refFor="ch" refForName="FiveConn_1-2"/>
+          <dgm:constr type="t" for="ch" forName="FiveNodes_2_text" refType="t" refFor="ch" refForName="FiveNodes_2"/>
+          <dgm:constr type="b" for="ch" forName="FiveNodes_2_text" refType="b" refFor="ch" refForName="FiveNodes_2"/>
+          <dgm:constr type="r" for="ch" forName="FiveNodes_2_text" refType="r" refFor="ch" refForName="FiveNodes_2"/>
+          <dgm:constr type="l" for="ch" forName="FiveNodes_3_text" refType="r" refFor="ch" refForName="FiveConn_2-3"/>
+          <dgm:constr type="t" for="ch" forName="FiveNodes_3_text" refType="t" refFor="ch" refForName="FiveNodes_3"/>
+          <dgm:constr type="b" for="ch" forName="FiveNodes_3_text" refType="b" refFor="ch" refForName="FiveNodes_3"/>
+          <dgm:constr type="r" for="ch" forName="FiveNodes_3_text" refType="r" refFor="ch" refForName="FiveNodes_3"/>
+          <dgm:constr type="l" for="ch" forName="FiveNodes_4_text" refType="r" refFor="ch" refForName="FiveConn_3-4"/>
+          <dgm:constr type="t" for="ch" forName="FiveNodes_4_text" refType="t" refFor="ch" refForName="FiveNodes_4"/>
+          <dgm:constr type="b" for="ch" forName="FiveNodes_4_text" refType="b" refFor="ch" refForName="FiveNodes_4"/>
+          <dgm:constr type="r" for="ch" forName="FiveNodes_4_text" refType="r" refFor="ch" refForName="FiveNodes_4"/>
+          <dgm:constr type="l" for="ch" forName="FiveNodes_5_text" refType="r" refFor="ch" refForName="FiveConn_4-5"/>
+          <dgm:constr type="t" for="ch" forName="FiveNodes_5_text" refType="t" refFor="ch" refForName="FiveNodes_5"/>
+          <dgm:constr type="b" for="ch" forName="FiveNodes_5_text" refType="b" refFor="ch" refForName="FiveNodes_5"/>
+          <dgm:constr type="r" for="ch" forName="FiveNodes_5_text" refType="r" refFor="ch" refForName="FiveNodes_5"/>
+        </dgm:constrLst>
+      </dgm:else>
+    </dgm:choose>
+    <dgm:ruleLst/>
+    <dgm:layoutNode name="dummyMaxCanvas">
+      <dgm:varLst/>
+      <dgm:alg type="sp"/>
+      <dgm:shape xmlns:r="http://schemas.openxmlformats.org/officeDocument/2006/relationships" r:blip="">
+        <dgm:adjLst/>
+      </dgm:shape>
+      <dgm:presOf/>
+      <dgm:constrLst/>
+      <dgm:ruleLst/>
+    </dgm:layoutNode>
+    <dgm:choose name="Name3">
+      <dgm:if name="Name4" axis="ch" ptType="node" func="cnt" op="equ" val="1">
+        <dgm:layoutNode name="OneNode_1">
+          <dgm:varLst>
+            <dgm:bulletEnabled val="1"/>
+          </dgm:varLst>
+          <dgm:alg type="tx"/>
+          <dgm:shape xmlns:r="http://schemas.openxmlformats.org/officeDocument/2006/relationships" type="roundRect" r:blip="">
+            <dgm:adjLst>
+              <dgm:adj idx="1" val="0.1"/>
+            </dgm:adjLst>
+          </dgm:shape>
+          <dgm:presOf axis="ch desOrSelf" ptType="node node" st="1 1" cnt="1 0"/>
+          <dgm:constrLst>
+            <dgm:constr type="lMarg" refType="primFontSz" fact="0.3"/>
+            <dgm:constr type="rMarg" refType="primFontSz" fact="0.3"/>
+            <dgm:constr type="tMarg" refType="primFontSz" fact="0.3"/>
+            <dgm:constr type="bMarg" refType="primFontSz" fact="0.3"/>
+          </dgm:constrLst>
+          <dgm:ruleLst>
+            <dgm:rule type="primFontSz" val="5" fact="NaN" max="NaN"/>
+          </dgm:ruleLst>
+        </dgm:layoutNode>
+      </dgm:if>
+      <dgm:else name="Name5">
+        <dgm:choose name="Name6">
+          <dgm:if name="Name7" axis="ch" ptType="node" func="cnt" op="equ" val="2">
+            <dgm:layoutNode name="TwoNodes_1">
+              <dgm:varLst>
+                <dgm:bulletEnabled val="1"/>
+              </dgm:varLst>
+              <dgm:alg type="sp"/>
+              <dgm:shape xmlns:r="http://schemas.openxmlformats.org/officeDocument/2006/relationships" type="roundRect" r:blip="">
+                <dgm:adjLst>
+                  <dgm:adj idx="1" val="0.1"/>
+                </dgm:adjLst>
+              </dgm:shape>
+              <dgm:presOf axis="ch desOrSelf" ptType="node node" st="1 1" cnt="1 0"/>
+              <dgm:constrLst/>
+              <dgm:ruleLst/>
+            </dgm:layoutNode>
+            <dgm:layoutNode name="TwoNodes_2">
+              <dgm:varLst>
+                <dgm:bulletEnabled val="1"/>
+              </dgm:varLst>
+              <dgm:alg type="sp"/>
+              <dgm:shape xmlns:r="http://schemas.openxmlformats.org/officeDocument/2006/relationships" type="roundRect" r:blip="">
+                <dgm:adjLst>
+                  <dgm:adj idx="1" val="0.1"/>
+                </dgm:adjLst>
+              </dgm:shape>
+              <dgm:presOf axis="ch desOrSelf" ptType="node node" st="2 1" cnt="1 0"/>
+              <dgm:constrLst/>
+              <dgm:ruleLst/>
+            </dgm:layoutNode>
+            <dgm:layoutNode name="TwoConn_1-2" styleLbl="fgAccFollowNode1">
+              <dgm:varLst>
+                <dgm:bulletEnabled val="1"/>
+              </dgm:varLst>
+              <dgm:alg type="tx"/>
+              <dgm:shape xmlns:r="http://schemas.openxmlformats.org/officeDocument/2006/relationships" type="downArrow" r:blip="">
+                <dgm:adjLst>
+                  <dgm:adj idx="1" val="0.55"/>
+                  <dgm:adj idx="2" val="0.45"/>
+                </dgm:adjLst>
+              </dgm:shape>
+              <dgm:presOf axis="ch" ptType="sibTrans" cnt="1"/>
+              <dgm:constrLst>
+                <dgm:constr type="lMarg" refType="primFontSz" fact="0.1"/>
+                <dgm:constr type="rMarg" refType="primFontSz" fact="0.1"/>
+                <dgm:constr type="tMarg" refType="primFontSz" fact="0.1"/>
+                <dgm:constr type="bMarg" refType="primFontSz" fact="0.1"/>
+              </dgm:constrLst>
+              <dgm:ruleLst>
+                <dgm:rule type="primFontSz" val="5" fact="NaN" max="NaN"/>
+              </dgm:ruleLst>
+            </dgm:layoutNode>
+            <dgm:layoutNode name="TwoNodes_1_text">
+              <dgm:varLst>
+                <dgm:bulletEnabled val="1"/>
+              </dgm:varLst>
+              <dgm:alg type="tx">
+                <dgm:param type="parTxLTRAlign" val="l"/>
+                <dgm:param type="txAnchorVertCh" val="mid"/>
+              </dgm:alg>
+              <dgm:shape xmlns:r="http://schemas.openxmlformats.org/officeDocument/2006/relationships" type="roundRect" r:blip="" hideGeom="1">
+                <dgm:adjLst>
+                  <dgm:adj idx="1" val="0.1"/>
+                </dgm:adjLst>
+              </dgm:shape>
+              <dgm:presOf axis="ch desOrSelf" ptType="node node" st="1 1" cnt="1 0"/>
+              <dgm:constrLst>
+                <dgm:constr type="lMarg" refType="primFontSz" fact="0.3"/>
+                <dgm:constr type="rMarg" refType="primFontSz" fact="0.3"/>
+                <dgm:constr type="tMarg" refType="primFontSz" fact="0.3"/>
+                <dgm:constr type="bMarg" refType="primFontSz" fact="0.3"/>
+              </dgm:constrLst>
+              <dgm:ruleLst>
+                <dgm:rule type="primFontSz" val="5" fact="NaN" max="NaN"/>
+              </dgm:ruleLst>
+            </dgm:layoutNode>
+            <dgm:layoutNode name="TwoNodes_2_text">
+              <dgm:varLst>
+                <dgm:bulletEnabled val="1"/>
+              </dgm:varLst>
+              <dgm:alg type="tx">
+                <dgm:param type="parTxLTRAlign" val="l"/>
+                <dgm:param type="txAnchorVertCh" val="mid"/>
+              </dgm:alg>
+              <dgm:shape xmlns:r="http://schemas.openxmlformats.org/officeDocument/2006/relationships" type="roundRect" r:blip="" hideGeom="1">
+                <dgm:adjLst>
+                  <dgm:adj idx="1" val="0.1"/>
+                </dgm:adjLst>
+              </dgm:shape>
+              <dgm:presOf axis="ch desOrSelf" ptType="node node" st="2 1" cnt="1 0"/>
+              <dgm:constrLst>
+                <dgm:constr type="lMarg" refType="primFontSz" fact="0.3"/>
+                <dgm:constr type="rMarg" refType="primFontSz" fact="0.3"/>
+                <dgm:constr type="tMarg" refType="primFontSz" fact="0.3"/>
+                <dgm:constr type="bMarg" refType="primFontSz" fact="0.3"/>
+              </dgm:constrLst>
+              <dgm:ruleLst>
+                <dgm:rule type="primFontSz" val="5" fact="NaN" max="NaN"/>
+              </dgm:ruleLst>
+            </dgm:layoutNode>
+          </dgm:if>
+          <dgm:else name="Name8">
+            <dgm:choose name="Name9">
+              <dgm:if name="Name10" axis="ch" ptType="node" func="cnt" op="equ" val="3">
+                <dgm:layoutNode name="ThreeNodes_1">
+                  <dgm:varLst>
+                    <dgm:bulletEnabled val="1"/>
+                  </dgm:varLst>
+                  <dgm:alg type="sp"/>
+                  <dgm:shape xmlns:r="http://schemas.openxmlformats.org/officeDocument/2006/relationships" type="roundRect" r:blip="">
+                    <dgm:adjLst>
+                      <dgm:adj idx="1" val="0.1"/>
+                    </dgm:adjLst>
+                  </dgm:shape>
+                  <dgm:presOf axis="ch desOrSelf" ptType="node node" st="1 1" cnt="1 0"/>
+                  <dgm:constrLst/>
+                  <dgm:ruleLst/>
+                </dgm:layoutNode>
+                <dgm:layoutNode name="ThreeNodes_2">
+                  <dgm:varLst>
+                    <dgm:bulletEnabled val="1"/>
+                  </dgm:varLst>
+                  <dgm:alg type="sp"/>
+                  <dgm:shape xmlns:r="http://schemas.openxmlformats.org/officeDocument/2006/relationships" type="roundRect" r:blip="">
+                    <dgm:adjLst>
+                      <dgm:adj idx="1" val="0.1"/>
+                    </dgm:adjLst>
+                  </dgm:shape>
+                  <dgm:presOf axis="ch desOrSelf" ptType="node node" st="2 1" cnt="1 0"/>
+                  <dgm:constrLst/>
+                  <dgm:ruleLst/>
+                </dgm:layoutNode>
+                <dgm:layoutNode name="ThreeNodes_3">
+                  <dgm:varLst>
+                    <dgm:bulletEnabled val="1"/>
+                  </dgm:varLst>
+                  <dgm:alg type="sp"/>
+                  <dgm:shape xmlns:r="http://schemas.openxmlformats.org/officeDocument/2006/relationships" type="roundRect" r:blip="">
+                    <dgm:adjLst>
+                      <dgm:adj idx="1" val="0.1"/>
+                    </dgm:adjLst>
+                  </dgm:shape>
+                  <dgm:presOf axis="ch desOrSelf" ptType="node node" st="3 1" cnt="1 0"/>
+                  <dgm:constrLst/>
+                  <dgm:ruleLst/>
+                </dgm:layoutNode>
+                <dgm:layoutNode name="ThreeConn_1-2" styleLbl="fgAccFollowNode1">
+                  <dgm:varLst>
+                    <dgm:bulletEnabled val="1"/>
+                  </dgm:varLst>
+                  <dgm:alg type="tx"/>
+                  <dgm:shape xmlns:r="http://schemas.openxmlformats.org/officeDocument/2006/relationships" type="downArrow" r:blip="">
+                    <dgm:adjLst>
+                      <dgm:adj idx="1" val="0.55"/>
+                      <dgm:adj idx="2" val="0.45"/>
+                    </dgm:adjLst>
+                  </dgm:shape>
+                  <dgm:presOf axis="ch" ptType="sibTrans" cnt="1"/>
+                  <dgm:constrLst>
+                    <dgm:constr type="lMarg" refType="primFontSz" fact="0.1"/>
+                    <dgm:constr type="rMarg" refType="primFontSz" fact="0.1"/>
+                    <dgm:constr type="tMarg" refType="primFontSz" fact="0.1"/>
+                    <dgm:constr type="bMarg" refType="primFontSz" fact="0.1"/>
+                  </dgm:constrLst>
+                  <dgm:ruleLst>
+                    <dgm:rule type="primFontSz" val="5" fact="NaN" max="NaN"/>
+                  </dgm:ruleLst>
+                </dgm:layoutNode>
+                <dgm:layoutNode name="ThreeConn_2-3" styleLbl="fgAccFollowNode1">
+                  <dgm:varLst>
+                    <dgm:bulletEnabled val="1"/>
+                  </dgm:varLst>
+                  <dgm:alg type="tx"/>
+                  <dgm:shape xmlns:r="http://schemas.openxmlformats.org/officeDocument/2006/relationships" type="downArrow" r:blip="">
+                    <dgm:adjLst>
+                      <dgm:adj idx="1" val="0.55"/>
+                      <dgm:adj idx="2" val="0.45"/>
+                    </dgm:adjLst>
+                  </dgm:shape>
+                  <dgm:presOf axis="ch" ptType="sibTrans" st="2" cnt="1"/>
+                  <dgm:constrLst>
+                    <dgm:constr type="lMarg" refType="primFontSz" fact="0.1"/>
+                    <dgm:constr type="rMarg" refType="primFontSz" fact="0.1"/>
+                    <dgm:constr type="tMarg" refType="primFontSz" fact="0.1"/>
+                    <dgm:constr type="bMarg" refType="primFontSz" fact="0.1"/>
+                  </dgm:constrLst>
+                  <dgm:ruleLst>
+                    <dgm:rule type="primFontSz" val="5" fact="NaN" max="NaN"/>
+                  </dgm:ruleLst>
+                </dgm:layoutNode>
+                <dgm:layoutNode name="ThreeNodes_1_text">
+                  <dgm:varLst>
+                    <dgm:bulletEnabled val="1"/>
+                  </dgm:varLst>
+                  <dgm:alg type="tx">
+                    <dgm:param type="parTxLTRAlign" val="l"/>
+                    <dgm:param type="txAnchorVertCh" val="mid"/>
+                  </dgm:alg>
+                  <dgm:shape xmlns:r="http://schemas.openxmlformats.org/officeDocument/2006/relationships" type="roundRect" r:blip="" hideGeom="1">
+                    <dgm:adjLst>
+                      <dgm:adj idx="1" val="0.1"/>
+                    </dgm:adjLst>
+                  </dgm:shape>
+                  <dgm:presOf axis="ch desOrSelf" ptType="node node" st="1 1" cnt="1 0"/>
+                  <dgm:constrLst>
+                    <dgm:constr type="lMarg" refType="primFontSz" fact="0.3"/>
+                    <dgm:constr type="rMarg" refType="primFontSz" fact="0.3"/>
+                    <dgm:constr type="tMarg" refType="primFontSz" fact="0.3"/>
+                    <dgm:constr type="bMarg" refType="primFontSz" fact="0.3"/>
+                  </dgm:constrLst>
+                  <dgm:ruleLst>
+                    <dgm:rule type="primFontSz" val="5" fact="NaN" max="NaN"/>
+                  </dgm:ruleLst>
+                </dgm:layoutNode>
+                <dgm:layoutNode name="ThreeNodes_2_text">
+                  <dgm:varLst>
+                    <dgm:bulletEnabled val="1"/>
+                  </dgm:varLst>
+                  <dgm:alg type="tx">
+                    <dgm:param type="parTxLTRAlign" val="l"/>
+                    <dgm:param type="txAnchorVertCh" val="mid"/>
+                  </dgm:alg>
+                  <dgm:shape xmlns:r="http://schemas.openxmlformats.org/officeDocument/2006/relationships" type="roundRect" r:blip="" hideGeom="1">
+                    <dgm:adjLst>
+                      <dgm:adj idx="1" val="0.1"/>
+                    </dgm:adjLst>
+                  </dgm:shape>
+                  <dgm:presOf axis="ch desOrSelf" ptType="node node" st="2 1" cnt="1 0"/>
+                  <dgm:constrLst>
+                    <dgm:constr type="lMarg" refType="primFontSz" fact="0.3"/>
+                    <dgm:constr type="rMarg" refType="primFontSz" fact="0.3"/>
+                    <dgm:constr type="tMarg" refType="primFontSz" fact="0.3"/>
+                    <dgm:constr type="bMarg" refType="primFontSz" fact="0.3"/>
+                  </dgm:constrLst>
+                  <dgm:ruleLst>
+                    <dgm:rule type="primFontSz" val="5" fact="NaN" max="NaN"/>
+                  </dgm:ruleLst>
+                </dgm:layoutNode>
+                <dgm:layoutNode name="ThreeNodes_3_text">
+                  <dgm:varLst>
+                    <dgm:bulletEnabled val="1"/>
+                  </dgm:varLst>
+                  <dgm:alg type="tx">
+                    <dgm:param type="parTxLTRAlign" val="l"/>
+                    <dgm:param type="txAnchorVertCh" val="mid"/>
+                  </dgm:alg>
+                  <dgm:shape xmlns:r="http://schemas.openxmlformats.org/officeDocument/2006/relationships" type="roundRect" r:blip="" hideGeom="1">
+                    <dgm:adjLst>
+                      <dgm:adj idx="1" val="0.1"/>
+                    </dgm:adjLst>
+                  </dgm:shape>
+                  <dgm:presOf axis="ch desOrSelf" ptType="node node" st="3 1" cnt="1 0"/>
+                  <dgm:constrLst>
+                    <dgm:constr type="lMarg" refType="primFontSz" fact="0.3"/>
+                    <dgm:constr type="rMarg" refType="primFontSz" fact="0.3"/>
+                    <dgm:constr type="tMarg" refType="primFontSz" fact="0.3"/>
+                    <dgm:constr type="bMarg" refType="primFontSz" fact="0.3"/>
+                  </dgm:constrLst>
+                  <dgm:ruleLst>
+                    <dgm:rule type="primFontSz" val="5" fact="NaN" max="NaN"/>
+                  </dgm:ruleLst>
+                </dgm:layoutNode>
+              </dgm:if>
+              <dgm:else name="Name11">
+                <dgm:choose name="Name12">
+                  <dgm:if name="Name13" axis="ch" ptType="node" func="cnt" op="equ" val="4">
+                    <dgm:layoutNode name="FourNodes_1">
+                      <dgm:varLst>
+                        <dgm:bulletEnabled val="1"/>
+                      </dgm:varLst>
+                      <dgm:alg type="sp"/>
+                      <dgm:shape xmlns:r="http://schemas.openxmlformats.org/officeDocument/2006/relationships" type="roundRect" r:blip="">
+                        <dgm:adjLst>
+                          <dgm:adj idx="1" val="0.1"/>
+                        </dgm:adjLst>
+                      </dgm:shape>
+                      <dgm:presOf axis="ch desOrSelf" ptType="node node" st="1 1" cnt="1 0"/>
+                      <dgm:constrLst/>
+                      <dgm:ruleLst/>
+                    </dgm:layoutNode>
+                    <dgm:layoutNode name="FourNodes_2">
+                      <dgm:varLst>
+                        <dgm:bulletEnabled val="1"/>
+                      </dgm:varLst>
+                      <dgm:alg type="sp"/>
+                      <dgm:shape xmlns:r="http://schemas.openxmlformats.org/officeDocument/2006/relationships" type="roundRect" r:blip="">
+                        <dgm:adjLst>
+                          <dgm:adj idx="1" val="0.1"/>
+                        </dgm:adjLst>
+                      </dgm:shape>
+                      <dgm:presOf axis="ch desOrSelf" ptType="node node" st="2 1" cnt="1 0"/>
+                      <dgm:constrLst/>
+                      <dgm:ruleLst/>
+                    </dgm:layoutNode>
+                    <dgm:layoutNode name="FourNodes_3">
+                      <dgm:varLst>
+                        <dgm:bulletEnabled val="1"/>
+                      </dgm:varLst>
+                      <dgm:alg type="sp"/>
+                      <dgm:shape xmlns:r="http://schemas.openxmlformats.org/officeDocument/2006/relationships" type="roundRect" r:blip="">
+                        <dgm:adjLst>
+                          <dgm:adj idx="1" val="0.1"/>
+                        </dgm:adjLst>
+                      </dgm:shape>
+                      <dgm:presOf axis="ch desOrSelf" ptType="node node" st="3 1" cnt="1 0"/>
+                      <dgm:constrLst/>
+                      <dgm:ruleLst/>
+                    </dgm:layoutNode>
+                    <dgm:layoutNode name="FourNodes_4">
+                      <dgm:varLst>
+                        <dgm:bulletEnabled val="1"/>
+                      </dgm:varLst>
+                      <dgm:alg type="sp"/>
+                      <dgm:shape xmlns:r="http://schemas.openxmlformats.org/officeDocument/2006/relationships" type="roundRect" r:blip="">
+                        <dgm:adjLst>
+                          <dgm:adj idx="1" val="0.1"/>
+                        </dgm:adjLst>
+                      </dgm:shape>
+                      <dgm:presOf axis="ch desOrSelf" ptType="node node" st="4 1" cnt="1 0"/>
+                      <dgm:constrLst/>
+                      <dgm:ruleLst/>
+                    </dgm:layoutNode>
+                    <dgm:layoutNode name="FourConn_1-2" styleLbl="fgAccFollowNode1">
+                      <dgm:varLst>
+                        <dgm:bulletEnabled val="1"/>
+                      </dgm:varLst>
+                      <dgm:alg type="tx"/>
+                      <dgm:shape xmlns:r="http://schemas.openxmlformats.org/officeDocument/2006/relationships" type="downArrow" r:blip="">
+                        <dgm:adjLst>
+                          <dgm:adj idx="1" val="0.55"/>
+                          <dgm:adj idx="2" val="0.45"/>
+                        </dgm:adjLst>
+                      </dgm:shape>
+                      <dgm:presOf axis="ch" ptType="sibTrans" cnt="1"/>
+                      <dgm:constrLst>
+                        <dgm:constr type="lMarg" refType="primFontSz" fact="0.1"/>
+                        <dgm:constr type="rMarg" refType="primFontSz" fact="0.1"/>
+                        <dgm:constr type="tMarg" refType="primFontSz" fact="0.1"/>
+                        <dgm:constr type="bMarg" refType="primFontSz" fact="0.1"/>
+                      </dgm:constrLst>
+                      <dgm:ruleLst>
+                        <dgm:rule type="primFontSz" val="5" fact="NaN" max="NaN"/>
+                      </dgm:ruleLst>
+                    </dgm:layoutNode>
+                    <dgm:layoutNode name="FourConn_2-3" styleLbl="fgAccFollowNode1">
+                      <dgm:varLst>
+                        <dgm:bulletEnabled val="1"/>
+                      </dgm:varLst>
+                      <dgm:alg type="tx"/>
+                      <dgm:shape xmlns:r="http://schemas.openxmlformats.org/officeDocument/2006/relationships" type="downArrow" r:blip="">
+                        <dgm:adjLst>
+                          <dgm:adj idx="1" val="0.55"/>
+                          <dgm:adj idx="2" val="0.45"/>
+                        </dgm:adjLst>
+                      </dgm:shape>
+                      <dgm:presOf axis="ch" ptType="sibTrans" st="2" cnt="1"/>
+                      <dgm:constrLst>
+                        <dgm:constr type="lMarg" refType="primFontSz" fact="0.1"/>
+                        <dgm:constr type="rMarg" refType="primFontSz" fact="0.1"/>
+                        <dgm:constr type="tMarg" refType="primFontSz" fact="0.1"/>
+                        <dgm:constr type="bMarg" refType="primFontSz" fact="0.1"/>
+                      </dgm:constrLst>
+                      <dgm:ruleLst>
+                        <dgm:rule type="primFontSz" val="5" fact="NaN" max="NaN"/>
+                      </dgm:ruleLst>
+                    </dgm:layoutNode>
+                    <dgm:layoutNode name="FourConn_3-4" styleLbl="fgAccFollowNode1">
+                      <dgm:varLst>
+                        <dgm:bulletEnabled val="1"/>
+                      </dgm:varLst>
+                      <dgm:alg type="tx"/>
+                      <dgm:shape xmlns:r="http://schemas.openxmlformats.org/officeDocument/2006/relationships" type="downArrow" r:blip="">
+                        <dgm:adjLst>
+                          <dgm:adj idx="1" val="0.55"/>
+                          <dgm:adj idx="2" val="0.45"/>
+                        </dgm:adjLst>
+                      </dgm:shape>
+                      <dgm:presOf axis="ch" ptType="sibTrans" st="3" cnt="1"/>
+                      <dgm:constrLst>
+                        <dgm:constr type="lMarg" refType="primFontSz" fact="0.1"/>
+                        <dgm:constr type="rMarg" refType="primFontSz" fact="0.1"/>
+                        <dgm:constr type="tMarg" refType="primFontSz" fact="0.1"/>
+                        <dgm:constr type="bMarg" refType="primFontSz" fact="0.1"/>
+                      </dgm:constrLst>
+                      <dgm:ruleLst>
+                        <dgm:rule type="primFontSz" val="5" fact="NaN" max="NaN"/>
+                      </dgm:ruleLst>
+                    </dgm:layoutNode>
+                    <dgm:layoutNode name="FourNodes_1_text">
+                      <dgm:varLst>
+                        <dgm:bulletEnabled val="1"/>
+                      </dgm:varLst>
+                      <dgm:alg type="tx">
+                        <dgm:param type="parTxLTRAlign" val="l"/>
+                        <dgm:param type="txAnchorVertCh" val="mid"/>
+                      </dgm:alg>
+                      <dgm:shape xmlns:r="http://schemas.openxmlformats.org/officeDocument/2006/relationships" type="roundRect" r:blip="" hideGeom="1">
+                        <dgm:adjLst>
+                          <dgm:adj idx="1" val="0.1"/>
+                        </dgm:adjLst>
+                      </dgm:shape>
+                      <dgm:presOf axis="ch desOrSelf" ptType="node node" st="1 1" cnt="1 0"/>
+                      <dgm:constrLst>
+                        <dgm:constr type="lMarg" refType="primFontSz" fact="0.3"/>
+                        <dgm:constr type="rMarg" refType="primFontSz" fact="0.3"/>
+                        <dgm:constr type="tMarg" refType="primFontSz" fact="0.3"/>
+                        <dgm:constr type="bMarg" refType="primFontSz" fact="0.3"/>
+                      </dgm:constrLst>
+                      <dgm:ruleLst>
+                        <dgm:rule type="primFontSz" val="5" fact="NaN" max="NaN"/>
+                      </dgm:ruleLst>
+                    </dgm:layoutNode>
+                    <dgm:layoutNode name="FourNodes_2_text">
+                      <dgm:varLst>
+                        <dgm:bulletEnabled val="1"/>
+                      </dgm:varLst>
+                      <dgm:alg type="tx">
+                        <dgm:param type="parTxLTRAlign" val="l"/>
+                        <dgm:param type="txAnchorVertCh" val="mid"/>
+                      </dgm:alg>
+                      <dgm:shape xmlns:r="http://schemas.openxmlformats.org/officeDocument/2006/relationships" type="roundRect" r:blip="" hideGeom="1">
+                        <dgm:adjLst>
+                          <dgm:adj idx="1" val="0.1"/>
+                        </dgm:adjLst>
+                      </dgm:shape>
+                      <dgm:presOf axis="ch desOrSelf" ptType="node node" st="2 1" cnt="1 0"/>
+                      <dgm:constrLst>
+                        <dgm:constr type="lMarg" refType="primFontSz" fact="0.3"/>
+                        <dgm:constr type="rMarg" refType="primFontSz" fact="0.3"/>
+                        <dgm:constr type="tMarg" refType="primFontSz" fact="0.3"/>
+                        <dgm:constr type="bMarg" refType="primFontSz" fact="0.3"/>
+                      </dgm:constrLst>
+                      <dgm:ruleLst>
+                        <dgm:rule type="primFontSz" val="5" fact="NaN" max="NaN"/>
+                      </dgm:ruleLst>
+                    </dgm:layoutNode>
+                    <dgm:layoutNode name="FourNodes_3_text">
+                      <dgm:varLst>
+                        <dgm:bulletEnabled val="1"/>
+                      </dgm:varLst>
+                      <dgm:alg type="tx">
+                        <dgm:param type="parTxLTRAlign" val="l"/>
+                        <dgm:param type="txAnchorVertCh" val="mid"/>
+                      </dgm:alg>
+                      <dgm:shape xmlns:r="http://schemas.openxmlformats.org/officeDocument/2006/relationships" type="roundRect" r:blip="" hideGeom="1">
+                        <dgm:adjLst>
+                          <dgm:adj idx="1" val="0.1"/>
+                        </dgm:adjLst>
+                      </dgm:shape>
+                      <dgm:presOf axis="ch desOrSelf" ptType="node node" st="3 1" cnt="1 0"/>
+                      <dgm:constrLst>
+                        <dgm:constr type="lMarg" refType="primFontSz" fact="0.3"/>
+                        <dgm:constr type="rMarg" refType="primFontSz" fact="0.3"/>
+                        <dgm:constr type="tMarg" refType="primFontSz" fact="0.3"/>
+                        <dgm:constr type="bMarg" refType="primFontSz" fact="0.3"/>
+                      </dgm:constrLst>
+                      <dgm:ruleLst>
+                        <dgm:rule type="primFontSz" val="5" fact="NaN" max="NaN"/>
+                      </dgm:ruleLst>
+                    </dgm:layoutNode>
+                    <dgm:layoutNode name="FourNodes_4_text">
+                      <dgm:varLst>
+                        <dgm:bulletEnabled val="1"/>
+                      </dgm:varLst>
+                      <dgm:alg type="tx">
+                        <dgm:param type="parTxLTRAlign" val="l"/>
+                        <dgm:param type="txAnchorVertCh" val="mid"/>
+                      </dgm:alg>
+                      <dgm:shape xmlns:r="http://schemas.openxmlformats.org/officeDocument/2006/relationships" type="roundRect" r:blip="" hideGeom="1">
+                        <dgm:adjLst>
+                          <dgm:adj idx="1" val="0.1"/>
+                        </dgm:adjLst>
+                      </dgm:shape>
+                      <dgm:presOf axis="ch desOrSelf" ptType="node node" st="4 1" cnt="1 0"/>
+                      <dgm:constrLst>
+                        <dgm:constr type="lMarg" refType="primFontSz" fact="0.3"/>
+                        <dgm:constr type="rMarg" refType="primFontSz" fact="0.3"/>
+                        <dgm:constr type="tMarg" refType="primFontSz" fact="0.3"/>
+                        <dgm:constr type="bMarg" refType="primFontSz" fact="0.3"/>
+                      </dgm:constrLst>
+                      <dgm:ruleLst>
+                        <dgm:rule type="primFontSz" val="5" fact="NaN" max="NaN"/>
+                      </dgm:ruleLst>
+                    </dgm:layoutNode>
+                  </dgm:if>
+                  <dgm:else name="Name14">
+                    <dgm:choose name="Name15">
+                      <dgm:if name="Name16" axis="ch" ptType="node" func="cnt" op="gte" val="5">
+                        <dgm:layoutNode name="FiveNodes_1">
+                          <dgm:varLst>
+                            <dgm:bulletEnabled val="1"/>
+                          </dgm:varLst>
+                          <dgm:alg type="sp"/>
+                          <dgm:shape xmlns:r="http://schemas.openxmlformats.org/officeDocument/2006/relationships" type="roundRect" r:blip="">
+                            <dgm:adjLst>
+                              <dgm:adj idx="1" val="0.1"/>
+                            </dgm:adjLst>
+                          </dgm:shape>
+                          <dgm:presOf axis="ch desOrSelf" ptType="node node" st="1 1" cnt="1 0"/>
+                          <dgm:constrLst/>
+                          <dgm:ruleLst/>
+                        </dgm:layoutNode>
+                        <dgm:layoutNode name="FiveNodes_2">
+                          <dgm:varLst>
+                            <dgm:bulletEnabled val="1"/>
+                          </dgm:varLst>
+                          <dgm:alg type="sp"/>
+                          <dgm:shape xmlns:r="http://schemas.openxmlformats.org/officeDocument/2006/relationships" type="roundRect" r:blip="">
+                            <dgm:adjLst>
+                              <dgm:adj idx="1" val="0.1"/>
+                            </dgm:adjLst>
+                          </dgm:shape>
+                          <dgm:presOf axis="ch desOrSelf" ptType="node node" st="2 1" cnt="1 0"/>
+                          <dgm:constrLst/>
+                          <dgm:ruleLst/>
+                        </dgm:layoutNode>
+                        <dgm:layoutNode name="FiveNodes_3">
+                          <dgm:varLst>
+                            <dgm:bulletEnabled val="1"/>
+                          </dgm:varLst>
+                          <dgm:alg type="sp"/>
+                          <dgm:shape xmlns:r="http://schemas.openxmlformats.org/officeDocument/2006/relationships" type="roundRect" r:blip="">
+                            <dgm:adjLst>
+                              <dgm:adj idx="1" val="0.1"/>
+                            </dgm:adjLst>
+                          </dgm:shape>
+                          <dgm:presOf axis="ch desOrSelf" ptType="node node" st="3 1" cnt="1 0"/>
+                          <dgm:constrLst/>
+                          <dgm:ruleLst/>
+                        </dgm:layoutNode>
+                        <dgm:layoutNode name="FiveNodes_4">
+                          <dgm:varLst>
+                            <dgm:bulletEnabled val="1"/>
+                          </dgm:varLst>
+                          <dgm:alg type="sp"/>
+                          <dgm:shape xmlns:r="http://schemas.openxmlformats.org/officeDocument/2006/relationships" type="roundRect" r:blip="">
+                            <dgm:adjLst>
+                              <dgm:adj idx="1" val="0.1"/>
+                            </dgm:adjLst>
+                          </dgm:shape>
+                          <dgm:presOf axis="ch desOrSelf" ptType="node node" st="4 1" cnt="1 0"/>
+                          <dgm:constrLst/>
+                          <dgm:ruleLst/>
+                        </dgm:layoutNode>
+                        <dgm:layoutNode name="FiveNodes_5">
+                          <dgm:varLst>
+                            <dgm:bulletEnabled val="1"/>
+                          </dgm:varLst>
+                          <dgm:alg type="sp"/>
+                          <dgm:shape xmlns:r="http://schemas.openxmlformats.org/officeDocument/2006/relationships" type="roundRect" r:blip="">
+                            <dgm:adjLst>
+                              <dgm:adj idx="1" val="0.1"/>
+                            </dgm:adjLst>
+                          </dgm:shape>
+                          <dgm:presOf axis="ch desOrSelf" ptType="node node" st="5 1" cnt="1 0"/>
+                          <dgm:constrLst/>
+                          <dgm:ruleLst/>
+                        </dgm:layoutNode>
+                        <dgm:layoutNode name="FiveConn_1-2" styleLbl="fgAccFollowNode1">
+                          <dgm:varLst>
+                            <dgm:bulletEnabled val="1"/>
+                          </dgm:varLst>
+                          <dgm:alg type="tx"/>
+                          <dgm:shape xmlns:r="http://schemas.openxmlformats.org/officeDocument/2006/relationships" type="downArrow" r:blip="">
+                            <dgm:adjLst>
+                              <dgm:adj idx="1" val="0.55"/>
+                              <dgm:adj idx="2" val="0.45"/>
+                            </dgm:adjLst>
+                          </dgm:shape>
+                          <dgm:presOf axis="ch" ptType="sibTrans" cnt="1"/>
+                          <dgm:constrLst>
+                            <dgm:constr type="lMarg" refType="primFontSz" fact="0.1"/>
+                            <dgm:constr type="rMarg" refType="primFontSz" fact="0.1"/>
+                            <dgm:constr type="tMarg" refType="primFontSz" fact="0.1"/>
+                            <dgm:constr type="bMarg" refType="primFontSz" fact="0.1"/>
+                          </dgm:constrLst>
+                          <dgm:ruleLst>
+                            <dgm:rule type="primFontSz" val="5" fact="NaN" max="NaN"/>
+                          </dgm:ruleLst>
+                        </dgm:layoutNode>
+                        <dgm:layoutNode name="FiveConn_2-3" styleLbl="fgAccFollowNode1">
+                          <dgm:varLst>
+                            <dgm:bulletEnabled val="1"/>
+                          </dgm:varLst>
+                          <dgm:alg type="tx"/>
+                          <dgm:shape xmlns:r="http://schemas.openxmlformats.org/officeDocument/2006/relationships" type="downArrow" r:blip="">
+                            <dgm:adjLst>
+                              <dgm:adj idx="1" val="0.55"/>
+                              <dgm:adj idx="2" val="0.45"/>
+                            </dgm:adjLst>
+                          </dgm:shape>
+                          <dgm:presOf axis="ch" ptType="sibTrans" st="2" cnt="1"/>
+                          <dgm:constrLst>
+                            <dgm:constr type="lMarg" refType="primFontSz" fact="0.1"/>
+                            <dgm:constr type="rMarg" refType="primFontSz" fact="0.1"/>
+                            <dgm:constr type="tMarg" refType="primFontSz" fact="0.1"/>
+                            <dgm:constr type="bMarg" refType="primFontSz" fact="0.1"/>
+                          </dgm:constrLst>
+                          <dgm:ruleLst>
+                            <dgm:rule type="primFontSz" val="5" fact="NaN" max="NaN"/>
+                          </dgm:ruleLst>
+                        </dgm:layoutNode>
+                        <dgm:layoutNode name="FiveConn_3-4" styleLbl="fgAccFollowNode1">
+                          <dgm:varLst>
+                            <dgm:bulletEnabled val="1"/>
+                          </dgm:varLst>
+                          <dgm:alg type="tx"/>
+                          <dgm:shape xmlns:r="http://schemas.openxmlformats.org/officeDocument/2006/relationships" type="downArrow" r:blip="">
+                            <dgm:adjLst>
+                              <dgm:adj idx="1" val="0.55"/>
+                              <dgm:adj idx="2" val="0.45"/>
+                            </dgm:adjLst>
+                          </dgm:shape>
+                          <dgm:presOf axis="ch" ptType="sibTrans" st="3" cnt="1"/>
+                          <dgm:constrLst>
+                            <dgm:constr type="lMarg" refType="primFontSz" fact="0.1"/>
+                            <dgm:constr type="rMarg" refType="primFontSz" fact="0.1"/>
+                            <dgm:constr type="tMarg" refType="primFontSz" fact="0.1"/>
+                            <dgm:constr type="bMarg" refType="primFontSz" fact="0.1"/>
+                          </dgm:constrLst>
+                          <dgm:ruleLst>
+                            <dgm:rule type="primFontSz" val="5" fact="NaN" max="NaN"/>
+                          </dgm:ruleLst>
+                        </dgm:layoutNode>
+                        <dgm:layoutNode name="FiveConn_4-5" styleLbl="fgAccFollowNode1">
+                          <dgm:varLst>
+                            <dgm:bulletEnabled val="1"/>
+                          </dgm:varLst>
+                          <dgm:alg type="tx"/>
+                          <dgm:shape xmlns:r="http://schemas.openxmlformats.org/officeDocument/2006/relationships" type="downArrow" r:blip="">
+                            <dgm:adjLst>
+                              <dgm:adj idx="1" val="0.55"/>
+                              <dgm:adj idx="2" val="0.45"/>
+                            </dgm:adjLst>
+                          </dgm:shape>
+                          <dgm:presOf axis="ch" ptType="sibTrans" st="4" cnt="1"/>
+                          <dgm:constrLst>
+                            <dgm:constr type="lMarg" refType="primFontSz" fact="0.1"/>
+                            <dgm:constr type="rMarg" refType="primFontSz" fact="0.1"/>
+                            <dgm:constr type="tMarg" refType="primFontSz" fact="0.1"/>
+                            <dgm:constr type="bMarg" refType="primFontSz" fact="0.1"/>
+                          </dgm:constrLst>
+                          <dgm:ruleLst>
+                            <dgm:rule type="primFontSz" val="5" fact="NaN" max="NaN"/>
+                          </dgm:ruleLst>
+                        </dgm:layoutNode>
+                        <dgm:layoutNode name="FiveNodes_1_text">
+                          <dgm:varLst>
+                            <dgm:bulletEnabled val="1"/>
+                          </dgm:varLst>
+                          <dgm:alg type="tx">
+                            <dgm:param type="parTxLTRAlign" val="l"/>
+                            <dgm:param type="txAnchorVertCh" val="mid"/>
+                          </dgm:alg>
+                          <dgm:shape xmlns:r="http://schemas.openxmlformats.org/officeDocument/2006/relationships" type="roundRect" r:blip="" hideGeom="1">
+                            <dgm:adjLst>
+                              <dgm:adj idx="1" val="0.1"/>
+                            </dgm:adjLst>
+                          </dgm:shape>
+                          <dgm:presOf axis="ch desOrSelf" ptType="node node" st="1 1" cnt="1 0"/>
+                          <dgm:constrLst>
+                            <dgm:constr type="lMarg" refType="primFontSz" fact="0.3"/>
+                            <dgm:constr type="rMarg" refType="primFontSz" fact="0.3"/>
+                            <dgm:constr type="tMarg" refType="primFontSz" fact="0.3"/>
+                            <dgm:constr type="bMarg" refType="primFontSz" fact="0.3"/>
+                          </dgm:constrLst>
+                          <dgm:ruleLst>
+                            <dgm:rule type="primFontSz" val="5" fact="NaN" max="NaN"/>
+                          </dgm:ruleLst>
+                        </dgm:layoutNode>
+                        <dgm:layoutNode name="FiveNodes_2_text">
+                          <dgm:varLst>
+                            <dgm:bulletEnabled val="1"/>
+                          </dgm:varLst>
+                          <dgm:alg type="tx">
+                            <dgm:param type="parTxLTRAlign" val="l"/>
+                            <dgm:param type="txAnchorVertCh" val="mid"/>
+                          </dgm:alg>
+                          <dgm:shape xmlns:r="http://schemas.openxmlformats.org/officeDocument/2006/relationships" type="roundRect" r:blip="" hideGeom="1">
+                            <dgm:adjLst>
+                              <dgm:adj idx="1" val="0.1"/>
+                            </dgm:adjLst>
+                          </dgm:shape>
+                          <dgm:presOf axis="ch desOrSelf" ptType="node node" st="2 1" cnt="1 0"/>
+                          <dgm:constrLst>
+                            <dgm:constr type="lMarg" refType="primFontSz" fact="0.3"/>
+                            <dgm:constr type="rMarg" refType="primFontSz" fact="0.3"/>
+                            <dgm:constr type="tMarg" refType="primFontSz" fact="0.3"/>
+                            <dgm:constr type="bMarg" refType="primFontSz" fact="0.3"/>
+                          </dgm:constrLst>
+                          <dgm:ruleLst>
+                            <dgm:rule type="primFontSz" val="5" fact="NaN" max="NaN"/>
+                          </dgm:ruleLst>
+                        </dgm:layoutNode>
+                        <dgm:layoutNode name="FiveNodes_3_text">
+                          <dgm:varLst>
+                            <dgm:bulletEnabled val="1"/>
+                          </dgm:varLst>
+                          <dgm:alg type="tx">
+                            <dgm:param type="parTxLTRAlign" val="l"/>
+                            <dgm:param type="txAnchorVertCh" val="mid"/>
+                          </dgm:alg>
+                          <dgm:shape xmlns:r="http://schemas.openxmlformats.org/officeDocument/2006/relationships" type="roundRect" r:blip="" hideGeom="1">
+                            <dgm:adjLst>
+                              <dgm:adj idx="1" val="0.1"/>
+                            </dgm:adjLst>
+                          </dgm:shape>
+                          <dgm:presOf axis="ch desOrSelf" ptType="node node" st="3 1" cnt="1 0"/>
+                          <dgm:constrLst>
+                            <dgm:constr type="lMarg" refType="primFontSz" fact="0.3"/>
+                            <dgm:constr type="rMarg" refType="primFontSz" fact="0.3"/>
+                            <dgm:constr type="tMarg" refType="primFontSz" fact="0.3"/>
+                            <dgm:constr type="bMarg" refType="primFontSz" fact="0.3"/>
+                          </dgm:constrLst>
+                          <dgm:ruleLst>
+                            <dgm:rule type="primFontSz" val="5" fact="NaN" max="NaN"/>
+                          </dgm:ruleLst>
+                        </dgm:layoutNode>
+                        <dgm:layoutNode name="FiveNodes_4_text">
+                          <dgm:varLst>
+                            <dgm:bulletEnabled val="1"/>
+                          </dgm:varLst>
+                          <dgm:alg type="tx">
+                            <dgm:param type="parTxLTRAlign" val="l"/>
+                            <dgm:param type="txAnchorVertCh" val="mid"/>
+                          </dgm:alg>
+                          <dgm:shape xmlns:r="http://schemas.openxmlformats.org/officeDocument/2006/relationships" type="roundRect" r:blip="" hideGeom="1">
+                            <dgm:adjLst>
+                              <dgm:adj idx="1" val="0.1"/>
+                            </dgm:adjLst>
+                          </dgm:shape>
+                          <dgm:presOf axis="ch desOrSelf" ptType="node node" st="4 1" cnt="1 0"/>
+                          <dgm:constrLst>
+                            <dgm:constr type="lMarg" refType="primFontSz" fact="0.3"/>
+                            <dgm:constr type="rMarg" refType="primFontSz" fact="0.3"/>
+                            <dgm:constr type="tMarg" refType="primFontSz" fact="0.3"/>
+                            <dgm:constr type="bMarg" refType="primFontSz" fact="0.3"/>
+                          </dgm:constrLst>
+                          <dgm:ruleLst>
+                            <dgm:rule type="primFontSz" val="5" fact="NaN" max="NaN"/>
+                          </dgm:ruleLst>
+                        </dgm:layoutNode>
+                        <dgm:layoutNode name="FiveNodes_5_text">
+                          <dgm:varLst>
+                            <dgm:bulletEnabled val="1"/>
+                          </dgm:varLst>
+                          <dgm:alg type="tx">
+                            <dgm:param type="parTxLTRAlign" val="l"/>
+                            <dgm:param type="txAnchorVertCh" val="mid"/>
+                          </dgm:alg>
+                          <dgm:shape xmlns:r="http://schemas.openxmlformats.org/officeDocument/2006/relationships" type="roundRect" r:blip="" hideGeom="1">
+                            <dgm:adjLst>
+                              <dgm:adj idx="1" val="0.1"/>
+                            </dgm:adjLst>
+                          </dgm:shape>
+                          <dgm:presOf axis="ch desOrSelf" ptType="node node" st="5 1" cnt="1 0"/>
+                          <dgm:constrLst>
+                            <dgm:constr type="lMarg" refType="primFontSz" fact="0.3"/>
+                            <dgm:constr type="rMarg" refType="primFontSz" fact="0.3"/>
+                            <dgm:constr type="tMarg" refType="primFontSz" fact="0.3"/>
+                            <dgm:constr type="bMarg" refType="primFontSz" fact="0.3"/>
+                          </dgm:constrLst>
+                          <dgm:ruleLst>
+                            <dgm:rule type="primFontSz" val="5" fact="NaN" max="NaN"/>
+                          </dgm:ruleLst>
+                        </dgm:layoutNode>
+                      </dgm:if>
+                      <dgm:else name="Name17"/>
+                    </dgm:choose>
+                  </dgm:else>
+                </dgm:choose>
+              </dgm:else>
+            </dgm:choose>
+          </dgm:else>
+        </dgm:choose>
+      </dgm:else>
+    </dgm:choose>
+  </dgm:layoutNode>
+</dgm:layoutDef>
+</file>
+
 <file path=ppt/diagrams/quickStyle1.xml><?xml version="1.0" encoding="utf-8"?>
+<dgm:styleDef xmlns:dgm="http://schemas.openxmlformats.org/drawingml/2006/diagram" xmlns:a="http://schemas.openxmlformats.org/drawingml/2006/main" uniqueId="urn:microsoft.com/office/officeart/2005/8/quickstyle/simple4">
+  <dgm:title val=""/>
+  <dgm:desc val=""/>
+  <dgm:catLst>
+    <dgm:cat type="simple" pri="10400"/>
+  </dgm:catLst>
+  <dgm:scene3d>
+    <a:camera prst="orthographicFront"/>
+    <a:lightRig rig="threePt" dir="t"/>
+  </dgm:scene3d>
+  <dgm:styleLbl name="node0">
+    <dgm:scene3d>
+      <a:camera prst="orthographicFront"/>
+      <a:lightRig rig="threePt" dir="t"/>
+    </dgm:scene3d>
+    <dgm:sp3d/>
+    <dgm:txPr/>
+    <dgm:style>
+      <a:lnRef idx="0">
+        <a:scrgbClr r="0" g="0" b="0"/>
+      </a:lnRef>
+      <a:fillRef idx="3">
+        <a:scrgbClr r="0" g="0" b="0"/>
+      </a:fillRef>
+      <a:effectRef idx="2">
+        <a:scrgbClr r="0" g="0" b="0"/>
+      </a:effectRef>
+      <a:fontRef idx="minor">
+        <a:schemeClr val="lt1"/>
+      </a:fontRef>
+    </dgm:style>
+  </dgm:styleLbl>
+  <dgm:styleLbl name="lnNode1">
+    <dgm:scene3d>
+      <a:camera prst="orthographicFront"/>
+      <a:lightRig rig="threePt" dir="t"/>
+    </dgm:scene3d>
+    <dgm:sp3d/>
+    <dgm:txPr/>
+    <dgm:style>
+      <a:lnRef idx="1">
+        <a:scrgbClr r="0" g="0" b="0"/>
+      </a:lnRef>
+      <a:fillRef idx="3">
+        <a:scrgbClr r="0" g="0" b="0"/>
+      </a:fillRef>
+      <a:effectRef idx="2">
+        <a:scrgbClr r="0" g="0" b="0"/>
+      </a:effectRef>
+      <a:fontRef idx="minor">
+        <a:schemeClr val="lt1"/>
+      </a:fontRef>
+    </dgm:style>
+  </dgm:styleLbl>
+  <dgm:styleLbl name="vennNode1">
+    <dgm:scene3d>
+      <a:camera prst="orthographicFront"/>
+      <a:lightRig rig="threePt" dir="t"/>
+    </dgm:scene3d>
+    <dgm:sp3d/>
+    <dgm:txPr/>
+    <dgm:style>
+      <a:lnRef idx="0">
+        <a:scrgbClr r="0" g="0" b="0"/>
+      </a:lnRef>
+      <a:fillRef idx="3">
+        <a:scrgbClr r="0" g="0" b="0"/>
+      </a:fillRef>
+      <a:effectRef idx="0">
+        <a:scrgbClr r="0" g="0" b="0"/>
+      </a:effectRef>
+      <a:fontRef idx="minor">
+        <a:schemeClr val="tx1"/>
+      </a:fontRef>
+    </dgm:style>
+  </dgm:styleLbl>
+  <dgm:styleLbl name="alignNode1">
+    <dgm:scene3d>
+      <a:camera prst="orthographicFront"/>
+      <a:lightRig rig="threePt" dir="t"/>
+    </dgm:scene3d>
+    <dgm:sp3d/>
+    <dgm:txPr/>
+    <dgm:style>
+      <a:lnRef idx="1">
+        <a:scrgbClr r="0" g="0" b="0"/>
+      </a:lnRef>
+      <a:fillRef idx="3">
+        <a:scrgbClr r="0" g="0" b="0"/>
+      </a:fillRef>
+      <a:effectRef idx="2">
+        <a:scrgbClr r="0" g="0" b="0"/>
+      </a:effectRef>
+      <a:fontRef idx="minor">
+        <a:schemeClr val="lt1"/>
+      </a:fontRef>
+    </dgm:style>
+  </dgm:styleLbl>
+  <dgm:styleLbl name="node1">
+    <dgm:scene3d>
+      <a:camera prst="orthographicFront"/>
+      <a:lightRig rig="threePt" dir="t"/>
+    </dgm:scene3d>
+    <dgm:sp3d/>
+    <dgm:txPr/>
+    <dgm:style>
+      <a:lnRef idx="0">
+        <a:scrgbClr r="0" g="0" b="0"/>
+      </a:lnRef>
+      <a:fillRef idx="3">
+        <a:scrgbClr r="0" g="0" b="0"/>
+      </a:fillRef>
+      <a:effectRef idx="2">
+        <a:scrgbClr r="0" g="0" b="0"/>
+      </a:effectRef>
+      <a:fontRef idx="minor">
+        <a:schemeClr val="lt1"/>
+      </a:fontRef>
+    </dgm:style>
+  </dgm:styleLbl>
+  <dgm:styleLbl name="node2">
+    <dgm:scene3d>
+      <a:camera prst="orthographicFront"/>
+      <a:lightRig rig="threePt" dir="t"/>
+    </dgm:scene3d>
+    <dgm:sp3d/>
+    <dgm:txPr/>
+    <dgm:style>
+      <a:lnRef idx="0">
+        <a:scrgbClr r="0" g="0" b="0"/>
+      </a:lnRef>
+      <a:fillRef idx="3">
+        <a:scrgbClr r="0" g="0" b="0"/>
+      </a:fillRef>
+      <a:effectRef idx="2">
+        <a:scrgbClr r="0" g="0" b="0"/>
+      </a:effectRef>
+      <a:fontRef idx="minor">
+        <a:schemeClr val="lt1"/>
+      </a:fontRef>
+    </dgm:style>
+  </dgm:styleLbl>
+  <dgm:styleLbl name="node3">
+    <dgm:scene3d>
+      <a:camera prst="orthographicFront"/>
+      <a:lightRig rig="threePt" dir="t"/>
+    </dgm:scene3d>
+    <dgm:sp3d/>
+    <dgm:txPr/>
+    <dgm:style>
+      <a:lnRef idx="0">
+        <a:scrgbClr r="0" g="0" b="0"/>
+      </a:lnRef>
+      <a:fillRef idx="3">
+        <a:scrgbClr r="0" g="0" b="0"/>
+      </a:fillRef>
+      <a:effectRef idx="2">
+        <a:scrgbClr r="0" g="0" b="0"/>
+      </a:effectRef>
+      <a:fontRef idx="minor">
+        <a:schemeClr val="lt1"/>
+      </a:fontRef>
+    </dgm:style>
+  </dgm:styleLbl>
+  <dgm:styleLbl name="node4">
+    <dgm:scene3d>
+      <a:camera prst="orthographicFront"/>
+      <a:lightRig rig="threePt" dir="t"/>
+    </dgm:scene3d>
+    <dgm:sp3d/>
+    <dgm:txPr/>
+    <dgm:style>
+      <a:lnRef idx="0">
+        <a:scrgbClr r="0" g="0" b="0"/>
+      </a:lnRef>
+      <a:fillRef idx="3">
+        <a:scrgbClr r="0" g="0" b="0"/>
+      </a:fillRef>
+      <a:effectRef idx="2">
+        <a:scrgbClr r="0" g="0" b="0"/>
+      </a:effectRef>
+      <a:fontRef idx="minor">
+        <a:schemeClr val="lt1"/>
+      </a:fontRef>
+    </dgm:style>
+  </dgm:styleLbl>
+  <dgm:styleLbl name="fgImgPlace1">
+    <dgm:scene3d>
+      <a:camera prst="orthographicFront"/>
+      <a:lightRig rig="threePt" dir="t"/>
+    </dgm:scene3d>
+    <dgm:sp3d/>
+    <dgm:txPr/>
+    <dgm:style>
+      <a:lnRef idx="0">
+        <a:scrgbClr r="0" g="0" b="0"/>
+      </a:lnRef>
+      <a:fillRef idx="1">
+        <a:scrgbClr r="0" g="0" b="0"/>
+      </a:fillRef>
+      <a:effectRef idx="2">
+        <a:scrgbClr r="0" g="0" b="0"/>
+      </a:effectRef>
+      <a:fontRef idx="minor"/>
+    </dgm:style>
+  </dgm:styleLbl>
+  <dgm:styleLbl name="alignImgPlace1">
+    <dgm:scene3d>
+      <a:camera prst="orthographicFront"/>
+      <a:lightRig rig="threePt" dir="t"/>
+    </dgm:scene3d>
+    <dgm:sp3d/>
+    <dgm:txPr/>
+    <dgm:style>
+      <a:lnRef idx="0">
+        <a:scrgbClr r="0" g="0" b="0"/>
+      </a:lnRef>
+      <a:fillRef idx="1">
+        <a:scrgbClr r="0" g="0" b="0"/>
+      </a:fillRef>
+      <a:effectRef idx="2">
+        <a:scrgbClr r="0" g="0" b="0"/>
+      </a:effectRef>
+      <a:fontRef idx="minor"/>
+    </dgm:style>
+  </dgm:styleLbl>
+  <dgm:styleLbl name="bgImgPlace1">
+    <dgm:scene3d>
+      <a:camera prst="orthographicFront"/>
+      <a:lightRig rig="threePt" dir="t"/>
+    </dgm:scene3d>
+    <dgm:sp3d/>
+    <dgm:txPr/>
+    <dgm:style>
+      <a:lnRef idx="0">
+        <a:scrgbClr r="0" g="0" b="0"/>
+      </a:lnRef>
+      <a:fillRef idx="1">
+        <a:scrgbClr r="0" g="0" b="0"/>
+      </a:fillRef>
+      <a:effectRef idx="2">
+        <a:scrgbClr r="0" g="0" b="0"/>
+      </a:effectRef>
+      <a:fontRef idx="minor"/>
+    </dgm:style>
+  </dgm:styleLbl>
+  <dgm:styleLbl name="sibTrans2D1">
+    <dgm:scene3d>
+      <a:camera prst="orthographicFront"/>
+      <a:lightRig rig="threePt" dir="t"/>
+    </dgm:scene3d>
+    <dgm:sp3d/>
+    <dgm:txPr/>
+    <dgm:style>
+      <a:lnRef idx="0">
+        <a:scrgbClr r="0" g="0" b="0"/>
+      </a:lnRef>
+      <a:fillRef idx="3">
+        <a:scrgbClr r="0" g="0" b="0"/>
+      </a:fillRef>
+      <a:effectRef idx="2">
+        <a:scrgbClr r="0" g="0" b="0"/>
+      </a:effectRef>
+      <a:fontRef idx="minor">
+        <a:schemeClr val="lt1"/>
+      </a:fontRef>
+    </dgm:style>
+  </dgm:styleLbl>
+  <dgm:styleLbl name="fgSibTrans2D1">
+    <dgm:scene3d>
+      <a:camera prst="orthographicFront"/>
+      <a:lightRig rig="threePt" dir="t"/>
+    </dgm:scene3d>
+    <dgm:sp3d/>
+    <dgm:txPr/>
+    <dgm:style>
+      <a:lnRef idx="0">
+        <a:scrgbClr r="0" g="0" b="0"/>
+      </a:lnRef>
+      <a:fillRef idx="3">
+        <a:scrgbClr r="0" g="0" b="0"/>
+      </a:fillRef>
+      <a:effectRef idx="2">
+        <a:scrgbClr r="0" g="0" b="0"/>
+      </a:effectRef>
+      <a:fontRef idx="minor">
+        <a:schemeClr val="lt1"/>
+      </a:fontRef>
+    </dgm:style>
+  </dgm:styleLbl>
+  <dgm:styleLbl name="bgSibTrans2D1">
+    <dgm:scene3d>
+      <a:camera prst="orthographicFront"/>
+      <a:lightRig rig="threePt" dir="t"/>
+    </dgm:scene3d>
+    <dgm:sp3d/>
+    <dgm:txPr/>
+    <dgm:style>
+      <a:lnRef idx="0">
+        <a:scrgbClr r="0" g="0" b="0"/>
+      </a:lnRef>
+      <a:fillRef idx="3">
+        <a:scrgbClr r="0" g="0" b="0"/>
+      </a:fillRef>
+      <a:effectRef idx="2">
+        <a:scrgbClr r="0" g="0" b="0"/>
+      </a:effectRef>
+      <a:fontRef idx="minor">
+        <a:schemeClr val="lt1"/>
+      </a:fontRef>
+    </dgm:style>
+  </dgm:styleLbl>
+  <dgm:styleLbl name="sibTrans1D1">
+    <dgm:scene3d>
+      <a:camera prst="orthographicFront"/>
+      <a:lightRig rig="threePt" dir="t"/>
+    </dgm:scene3d>
+    <dgm:sp3d/>
+    <dgm:txPr/>
+    <dgm:style>
+      <a:lnRef idx="1">
+        <a:scrgbClr r="0" g="0" b="0"/>
+      </a:lnRef>
+      <a:fillRef idx="0">
+        <a:scrgbClr r="0" g="0" b="0"/>
+      </a:fillRef>
+      <a:effectRef idx="0">
+        <a:scrgbClr r="0" g="0" b="0"/>
+      </a:effectRef>
+      <a:fontRef idx="minor"/>
+    </dgm:style>
+  </dgm:styleLbl>
+  <dgm:styleLbl name="callout">
+    <dgm:scene3d>
+      <a:camera prst="orthographicFront"/>
+      <a:lightRig rig="threePt" dir="t"/>
+    </dgm:scene3d>
+    <dgm:sp3d/>
+    <dgm:txPr/>
+    <dgm:style>
+      <a:lnRef idx="2">
+        <a:scrgbClr r="0" g="0" b="0"/>
+      </a:lnRef>
+      <a:fillRef idx="1">
+        <a:scrgbClr r="0" g="0" b="0"/>
+      </a:fillRef>
+      <a:effectRef idx="1">
+        <a:scrgbClr r="0" g="0" b="0"/>
+      </a:effectRef>
+      <a:fontRef idx="minor"/>
+    </dgm:style>
+  </dgm:styleLbl>
+  <dgm:styleLbl name="asst0">
+    <dgm:scene3d>
+      <a:camera prst="orthographicFront"/>
+      <a:lightRig rig="threePt" dir="t"/>
+    </dgm:scene3d>
+    <dgm:sp3d/>
+    <dgm:txPr/>
+    <dgm:style>
+      <a:lnRef idx="0">
+        <a:scrgbClr r="0" g="0" b="0"/>
+      </a:lnRef>
+      <a:fillRef idx="3">
+        <a:scrgbClr r="0" g="0" b="0"/>
+      </a:fillRef>
+      <a:effectRef idx="2">
+        <a:scrgbClr r="0" g="0" b="0"/>
+      </a:effectRef>
+      <a:fontRef idx="minor">
+        <a:schemeClr val="lt1"/>
+      </a:fontRef>
+    </dgm:style>
+  </dgm:styleLbl>
+  <dgm:styleLbl name="asst1">
+    <dgm:scene3d>
+      <a:camera prst="orthographicFront"/>
+      <a:lightRig rig="threePt" dir="t"/>
+    </dgm:scene3d>
+    <dgm:sp3d/>
+    <dgm:txPr/>
+    <dgm:style>
+      <a:lnRef idx="0">
+        <a:scrgbClr r="0" g="0" b="0"/>
+      </a:lnRef>
+      <a:fillRef idx="3">
+        <a:scrgbClr r="0" g="0" b="0"/>
+      </a:fillRef>
+      <a:effectRef idx="2">
+        <a:scrgbClr r="0" g="0" b="0"/>
+      </a:effectRef>
+      <a:fontRef idx="minor">
+        <a:schemeClr val="lt1"/>
+      </a:fontRef>
+    </dgm:style>
+  </dgm:styleLbl>
+  <dgm:styleLbl name="asst2">
+    <dgm:scene3d>
+      <a:camera prst="orthographicFront"/>
+      <a:lightRig rig="threePt" dir="t"/>
+    </dgm:scene3d>
+    <dgm:sp3d/>
+    <dgm:txPr/>
+    <dgm:style>
+      <a:lnRef idx="0">
+        <a:scrgbClr r="0" g="0" b="0"/>
+      </a:lnRef>
+      <a:fillRef idx="3">
+        <a:scrgbClr r="0" g="0" b="0"/>
+      </a:fillRef>
+      <a:effectRef idx="2">
+        <a:scrgbClr r="0" g="0" b="0"/>
+      </a:effectRef>
+      <a:fontRef idx="minor">
+        <a:schemeClr val="lt1"/>
+      </a:fontRef>
+    </dgm:style>
+  </dgm:styleLbl>
+  <dgm:styleLbl name="asst3">
+    <dgm:scene3d>
+      <a:camera prst="orthographicFront"/>
+      <a:lightRig rig="threePt" dir="t"/>
+    </dgm:scene3d>
+    <dgm:sp3d/>
+    <dgm:txPr/>
+    <dgm:style>
+      <a:lnRef idx="0">
+        <a:scrgbClr r="0" g="0" b="0"/>
+      </a:lnRef>
+      <a:fillRef idx="3">
+        <a:scrgbClr r="0" g="0" b="0"/>
+      </a:fillRef>
+      <a:effectRef idx="2">
+        <a:scrgbClr r="0" g="0" b="0"/>
+      </a:effectRef>
+      <a:fontRef idx="minor">
+        <a:schemeClr val="lt1"/>
+      </a:fontRef>
+    </dgm:style>
+  </dgm:styleLbl>
+  <dgm:styleLbl name="asst4">
+    <dgm:scene3d>
+      <a:camera prst="orthographicFront"/>
+      <a:lightRig rig="threePt" dir="t"/>
+    </dgm:scene3d>
+    <dgm:sp3d/>
+    <dgm:txPr/>
+    <dgm:style>
+      <a:lnRef idx="0">
+        <a:scrgbClr r="0" g="0" b="0"/>
+      </a:lnRef>
+      <a:fillRef idx="3">
+        <a:scrgbClr r="0" g="0" b="0"/>
+      </a:fillRef>
+      <a:effectRef idx="2">
+        <a:scrgbClr r="0" g="0" b="0"/>
+      </a:effectRef>
+      <a:fontRef idx="minor">
+        <a:schemeClr val="lt1"/>
+      </a:fontRef>
+    </dgm:style>
+  </dgm:styleLbl>
+  <dgm:styleLbl name="parChTrans2D1">
+    <dgm:scene3d>
+      <a:camera prst="orthographicFront"/>
+      <a:lightRig rig="threePt" dir="t"/>
+    </dgm:scene3d>
+    <dgm:sp3d/>
+    <dgm:txPr/>
+    <dgm:style>
+      <a:lnRef idx="0">
+        <a:scrgbClr r="0" g="0" b="0"/>
+      </a:lnRef>
+      <a:fillRef idx="3">
+        <a:scrgbClr r="0" g="0" b="0"/>
+      </a:fillRef>
+      <a:effectRef idx="2">
+        <a:scrgbClr r="0" g="0" b="0"/>
+      </a:effectRef>
+      <a:fontRef idx="minor">
+        <a:schemeClr val="lt1"/>
+      </a:fontRef>
+    </dgm:style>
+  </dgm:styleLbl>
+  <dgm:styleLbl name="parChTrans2D2">
+    <dgm:scene3d>
+      <a:camera prst="orthographicFront"/>
+      <a:lightRig rig="threePt" dir="t"/>
+    </dgm:scene3d>
+    <dgm:sp3d/>
+    <dgm:txPr/>
+    <dgm:style>
+      <a:lnRef idx="0">
+        <a:scrgbClr r="0" g="0" b="0"/>
+      </a:lnRef>
+      <a:fillRef idx="3">
+        <a:scrgbClr r="0" g="0" b="0"/>
+      </a:fillRef>
+      <a:effectRef idx="2">
+        <a:scrgbClr r="0" g="0" b="0"/>
+      </a:effectRef>
+      <a:fontRef idx="minor">
+        <a:schemeClr val="lt1"/>
+      </a:fontRef>
+    </dgm:style>
+  </dgm:styleLbl>
+  <dgm:styleLbl name="parChTrans2D3">
+    <dgm:scene3d>
+      <a:camera prst="orthographicFront"/>
+      <a:lightRig rig="threePt" dir="t"/>
+    </dgm:scene3d>
+    <dgm:sp3d/>
+    <dgm:txPr/>
+    <dgm:style>
+      <a:lnRef idx="1">
+        <a:scrgbClr r="0" g="0" b="0"/>
+      </a:lnRef>
+      <a:fillRef idx="3">
+        <a:scrgbClr r="0" g="0" b="0"/>
+      </a:fillRef>
+      <a:effectRef idx="2">
+        <a:scrgbClr r="0" g="0" b="0"/>
+      </a:effectRef>
+      <a:fontRef idx="minor">
+        <a:schemeClr val="lt1"/>
+      </a:fontRef>
+    </dgm:style>
+  </dgm:styleLbl>
+  <dgm:styleLbl name="parChTrans2D4">
+    <dgm:scene3d>
+      <a:camera prst="orthographicFront"/>
+      <a:lightRig rig="threePt" dir="t"/>
+    </dgm:scene3d>
+    <dgm:sp3d/>
+    <dgm:txPr/>
+    <dgm:style>
+      <a:lnRef idx="1">
+        <a:scrgbClr r="0" g="0" b="0"/>
+      </a:lnRef>
+      <a:fillRef idx="3">
+        <a:scrgbClr r="0" g="0" b="0"/>
+      </a:fillRef>
+      <a:effectRef idx="2">
+        <a:scrgbClr r="0" g="0" b="0"/>
+      </a:effectRef>
+      <a:fontRef idx="minor">
+        <a:schemeClr val="lt1"/>
+      </a:fontRef>
+    </dgm:style>
+  </dgm:styleLbl>
+  <dgm:styleLbl name="parChTrans1D1">
+    <dgm:scene3d>
+      <a:camera prst="orthographicFront"/>
+      <a:lightRig rig="threePt" dir="t"/>
+    </dgm:scene3d>
+    <dgm:sp3d/>
+    <dgm:txPr/>
+    <dgm:style>
+      <a:lnRef idx="1">
+        <a:scrgbClr r="0" g="0" b="0"/>
+      </a:lnRef>
+      <a:fillRef idx="0">
+        <a:scrgbClr r="0" g="0" b="0"/>
+      </a:fillRef>
+      <a:effectRef idx="0">
+        <a:scrgbClr r="0" g="0" b="0"/>
+      </a:effectRef>
+      <a:fontRef idx="minor"/>
+    </dgm:style>
+  </dgm:styleLbl>
+  <dgm:styleLbl name="parChTrans1D2">
+    <dgm:scene3d>
+      <a:camera prst="orthographicFront"/>
+      <a:lightRig rig="threePt" dir="t"/>
+    </dgm:scene3d>
+    <dgm:sp3d/>
+    <dgm:txPr/>
+    <dgm:style>
+      <a:lnRef idx="1">
+        <a:scrgbClr r="0" g="0" b="0"/>
+      </a:lnRef>
+      <a:fillRef idx="0">
+        <a:scrgbClr r="0" g="0" b="0"/>
+      </a:fillRef>
+      <a:effectRef idx="0">
+        <a:scrgbClr r="0" g="0" b="0"/>
+      </a:effectRef>
+      <a:fontRef idx="minor"/>
+    </dgm:style>
+  </dgm:styleLbl>
+  <dgm:styleLbl name="parChTrans1D3">
+    <dgm:scene3d>
+      <a:camera prst="orthographicFront"/>
+      <a:lightRig rig="threePt" dir="t"/>
+    </dgm:scene3d>
+    <dgm:sp3d/>
+    <dgm:txPr/>
+    <dgm:style>
+      <a:lnRef idx="1">
+        <a:scrgbClr r="0" g="0" b="0"/>
+      </a:lnRef>
+      <a:fillRef idx="0">
+        <a:scrgbClr r="0" g="0" b="0"/>
+      </a:fillRef>
+      <a:effectRef idx="0">
+        <a:scrgbClr r="0" g="0" b="0"/>
+      </a:effectRef>
+      <a:fontRef idx="minor"/>
+    </dgm:style>
+  </dgm:styleLbl>
+  <dgm:styleLbl name="parChTrans1D4">
+    <dgm:scene3d>
+      <a:camera prst="orthographicFront"/>
+      <a:lightRig rig="threePt" dir="t"/>
+    </dgm:scene3d>
+    <dgm:sp3d/>
+    <dgm:txPr/>
+    <dgm:style>
+      <a:lnRef idx="1">
+        <a:scrgbClr r="0" g="0" b="0"/>
+      </a:lnRef>
+      <a:fillRef idx="0">
+        <a:scrgbClr r="0" g="0" b="0"/>
+      </a:fillRef>
+      <a:effectRef idx="0">
+        <a:scrgbClr r="0" g="0" b="0"/>
+      </a:effectRef>
+      <a:fontRef idx="minor"/>
+    </dgm:style>
+  </dgm:styleLbl>
+  <dgm:styleLbl name="fgAcc1">
+    <dgm:scene3d>
+      <a:camera prst="orthographicFront"/>
+      <a:lightRig rig="threePt" dir="t"/>
+    </dgm:scene3d>
+    <dgm:sp3d/>
+    <dgm:txPr/>
+    <dgm:style>
+      <a:lnRef idx="1">
+        <a:scrgbClr r="0" g="0" b="0"/>
+      </a:lnRef>
+      <a:fillRef idx="1">
+        <a:scrgbClr r="0" g="0" b="0"/>
+      </a:fillRef>
+      <a:effectRef idx="0">
+        <a:scrgbClr r="0" g="0" b="0"/>
+      </a:effectRef>
+      <a:fontRef idx="minor"/>
+    </dgm:style>
+  </dgm:styleLbl>
+  <dgm:styleLbl name="conFgAcc1">
+    <dgm:scene3d>
+      <a:camera prst="orthographicFront"/>
+      <a:lightRig rig="threePt" dir="t"/>
+    </dgm:scene3d>
+    <dgm:sp3d/>
+    <dgm:txPr/>
+    <dgm:style>
+      <a:lnRef idx="1">
+        <a:scrgbClr r="0" g="0" b="0"/>
+      </a:lnRef>
+      <a:fillRef idx="1">
+        <a:scrgbClr r="0" g="0" b="0"/>
+      </a:fillRef>
+      <a:effectRef idx="0">
+        <a:scrgbClr r="0" g="0" b="0"/>
+      </a:effectRef>
+      <a:fontRef idx="minor"/>
+    </dgm:style>
+  </dgm:styleLbl>
+  <dgm:styleLbl name="alignAcc1">
+    <dgm:scene3d>
+      <a:camera prst="orthographicFront"/>
+      <a:lightRig rig="threePt" dir="t"/>
+    </dgm:scene3d>
+    <dgm:sp3d/>
+    <dgm:txPr/>
+    <dgm:style>
+      <a:lnRef idx="1">
+        <a:scrgbClr r="0" g="0" b="0"/>
+      </a:lnRef>
+      <a:fillRef idx="1">
+        <a:scrgbClr r="0" g="0" b="0"/>
+      </a:fillRef>
+      <a:effectRef idx="0">
+        <a:scrgbClr r="0" g="0" b="0"/>
+      </a:effectRef>
+      <a:fontRef idx="minor"/>
+    </dgm:style>
+  </dgm:styleLbl>
+  <dgm:styleLbl name="trAlignAcc1">
+    <dgm:scene3d>
+      <a:camera prst="orthographicFront"/>
+      <a:lightRig rig="threePt" dir="t"/>
+    </dgm:scene3d>
+    <dgm:sp3d/>
+    <dgm:txPr/>
+    <dgm:style>
+      <a:lnRef idx="1">
+        <a:scrgbClr r="0" g="0" b="0"/>
+      </a:lnRef>
+      <a:fillRef idx="1">
+        <a:scrgbClr r="0" g="0" b="0"/>
+      </a:fillRef>
+      <a:effectRef idx="0">
+        <a:scrgbClr r="0" g="0" b="0"/>
+      </a:effectRef>
+      <a:fontRef idx="minor"/>
+    </dgm:style>
+  </dgm:styleLbl>
+  <dgm:styleLbl name="bgAcc1">
+    <dgm:scene3d>
+      <a:camera prst="orthographicFront"/>
+      <a:lightRig rig="threePt" dir="t"/>
+    </dgm:scene3d>
+    <dgm:sp3d/>
+    <dgm:txPr/>
+    <dgm:style>
+      <a:lnRef idx="1">
+        <a:scrgbClr r="0" g="0" b="0"/>
+      </a:lnRef>
+      <a:fillRef idx="1">
+        <a:scrgbClr r="0" g="0" b="0"/>
+      </a:fillRef>
+      <a:effectRef idx="0">
+        <a:scrgbClr r="0" g="0" b="0"/>
+      </a:effectRef>
+      <a:fontRef idx="minor"/>
+    </dgm:style>
+  </dgm:styleLbl>
+  <dgm:styleLbl name="solidFgAcc1">
+    <dgm:scene3d>
+      <a:camera prst="orthographicFront"/>
+      <a:lightRig rig="threePt" dir="t"/>
+    </dgm:scene3d>
+    <dgm:sp3d/>
+    <dgm:txPr/>
+    <dgm:style>
+      <a:lnRef idx="1">
+        <a:scrgbClr r="0" g="0" b="0"/>
+      </a:lnRef>
+      <a:fillRef idx="1">
+        <a:scrgbClr r="0" g="0" b="0"/>
+      </a:fillRef>
+      <a:effectRef idx="0">
+        <a:scrgbClr r="0" g="0" b="0"/>
+      </a:effectRef>
+      <a:fontRef idx="minor"/>
+    </dgm:style>
+  </dgm:styleLbl>
+  <dgm:styleLbl name="solidAlignAcc1">
+    <dgm:scene3d>
+      <a:camera prst="orthographicFront"/>
+      <a:lightRig rig="threePt" dir="t"/>
+    </dgm:scene3d>
+    <dgm:sp3d/>
+    <dgm:txPr/>
+    <dgm:style>
+      <a:lnRef idx="1">
+        <a:scrgbClr r="0" g="0" b="0"/>
+      </a:lnRef>
+      <a:fillRef idx="1">
+        <a:scrgbClr r="0" g="0" b="0"/>
+      </a:fillRef>
+      <a:effectRef idx="0">
+        <a:scrgbClr r="0" g="0" b="0"/>
+      </a:effectRef>
+      <a:fontRef idx="minor"/>
+    </dgm:style>
+  </dgm:styleLbl>
+  <dgm:styleLbl name="solidBgAcc1">
+    <dgm:scene3d>
+      <a:camera prst="orthographicFront"/>
+      <a:lightRig rig="threePt" dir="t"/>
+    </dgm:scene3d>
+    <dgm:sp3d/>
+    <dgm:txPr/>
+    <dgm:style>
+      <a:lnRef idx="1">
+        <a:scrgbClr r="0" g="0" b="0"/>
+      </a:lnRef>
+      <a:fillRef idx="1">
+        <a:scrgbClr r="0" g="0" b="0"/>
+      </a:fillRef>
+      <a:effectRef idx="0">
+        <a:scrgbClr r="0" g="0" b="0"/>
+      </a:effectRef>
+      <a:fontRef idx="minor"/>
+    </dgm:style>
+  </dgm:styleLbl>
+  <dgm:styleLbl name="fgAccFollowNode1">
+    <dgm:scene3d>
+      <a:camera prst="orthographicFront"/>
+      <a:lightRig rig="threePt" dir="t"/>
+    </dgm:scene3d>
+    <dgm:sp3d/>
+    <dgm:txPr/>
+    <dgm:style>
+      <a:lnRef idx="1">
+        <a:scrgbClr r="0" g="0" b="0"/>
+      </a:lnRef>
+      <a:fillRef idx="1">
+        <a:scrgbClr r="0" g="0" b="0"/>
+      </a:fillRef>
+      <a:effectRef idx="0">
+        <a:scrgbClr r="0" g="0" b="0"/>
+      </a:effectRef>
+      <a:fontRef idx="minor"/>
+    </dgm:style>
+  </dgm:styleLbl>
+  <dgm:styleLbl name="alignAccFollowNode1">
+    <dgm:scene3d>
+      <a:camera prst="orthographicFront"/>
+      <a:lightRig rig="threePt" dir="t"/>
+    </dgm:scene3d>
+    <dgm:sp3d/>
+    <dgm:txPr/>
+    <dgm:style>
+      <a:lnRef idx="1">
+        <a:scrgbClr r="0" g="0" b="0"/>
+      </a:lnRef>
+      <a:fillRef idx="1">
+        <a:scrgbClr r="0" g="0" b="0"/>
+      </a:fillRef>
+      <a:effectRef idx="0">
+        <a:scrgbClr r="0" g="0" b="0"/>
+      </a:effectRef>
+      <a:fontRef idx="minor"/>
+    </dgm:style>
+  </dgm:styleLbl>
+  <dgm:styleLbl name="bgAccFollowNode1">
+    <dgm:scene3d>
+      <a:camera prst="orthographicFront"/>
+      <a:lightRig rig="threePt" dir="t"/>
+    </dgm:scene3d>
+    <dgm:sp3d/>
+    <dgm:txPr/>
+    <dgm:style>
+      <a:lnRef idx="1">
+        <a:scrgbClr r="0" g="0" b="0"/>
+      </a:lnRef>
+      <a:fillRef idx="1">
+        <a:scrgbClr r="0" g="0" b="0"/>
+      </a:fillRef>
+      <a:effectRef idx="0">
+        <a:scrgbClr r="0" g="0" b="0"/>
+      </a:effectRef>
+      <a:fontRef idx="minor"/>
+    </dgm:style>
+  </dgm:styleLbl>
+  <dgm:styleLbl name="fgAcc0">
+    <dgm:scene3d>
+      <a:camera prst="orthographicFront"/>
+      <a:lightRig rig="threePt" dir="t"/>
+    </dgm:scene3d>
+    <dgm:sp3d/>
+    <dgm:txPr/>
+    <dgm:style>
+      <a:lnRef idx="1">
+        <a:scrgbClr r="0" g="0" b="0"/>
+      </a:lnRef>
+      <a:fillRef idx="1">
+        <a:scrgbClr r="0" g="0" b="0"/>
+      </a:fillRef>
+      <a:effectRef idx="0">
+        <a:scrgbClr r="0" g="0" b="0"/>
+      </a:effectRef>
+      <a:fontRef idx="minor"/>
+    </dgm:style>
+  </dgm:styleLbl>
+  <dgm:styleLbl name="fgAcc2">
+    <dgm:scene3d>
+      <a:camera prst="orthographicFront"/>
+      <a:lightRig rig="threePt" dir="t"/>
+    </dgm:scene3d>
+    <dgm:sp3d/>
+    <dgm:txPr/>
+    <dgm:style>
+      <a:lnRef idx="1">
+        <a:scrgbClr r="0" g="0" b="0"/>
+      </a:lnRef>
+      <a:fillRef idx="1">
+        <a:scrgbClr r="0" g="0" b="0"/>
+      </a:fillRef>
+      <a:effectRef idx="0">
+        <a:scrgbClr r="0" g="0" b="0"/>
+      </a:effectRef>
+      <a:fontRef idx="minor"/>
+    </dgm:style>
+  </dgm:styleLbl>
+  <dgm:styleLbl name="fgAcc3">
+    <dgm:scene3d>
+      <a:camera prst="orthographicFront"/>
+      <a:lightRig rig="threePt" dir="t"/>
+    </dgm:scene3d>
+    <dgm:sp3d/>
+    <dgm:txPr/>
+    <dgm:style>
+      <a:lnRef idx="1">
+        <a:scrgbClr r="0" g="0" b="0"/>
+      </a:lnRef>
+      <a:fillRef idx="1">
+        <a:scrgbClr r="0" g="0" b="0"/>
+      </a:fillRef>
+      <a:effectRef idx="0">
+        <a:scrgbClr r="0" g="0" b="0"/>
+      </a:effectRef>
+      <a:fontRef idx="minor"/>
+    </dgm:style>
+  </dgm:styleLbl>
+  <dgm:styleLbl name="fgAcc4">
+    <dgm:scene3d>
+      <a:camera prst="orthographicFront"/>
+      <a:lightRig rig="threePt" dir="t"/>
+    </dgm:scene3d>
+    <dgm:sp3d/>
+    <dgm:txPr/>
+    <dgm:style>
+      <a:lnRef idx="1">
+        <a:scrgbClr r="0" g="0" b="0"/>
+      </a:lnRef>
+      <a:fillRef idx="1">
+        <a:scrgbClr r="0" g="0" b="0"/>
+      </a:fillRef>
+      <a:effectRef idx="0">
+        <a:scrgbClr r="0" g="0" b="0"/>
+      </a:effectRef>
+      <a:fontRef idx="minor"/>
+    </dgm:style>
+  </dgm:styleLbl>
+  <dgm:styleLbl name="bgShp">
+    <dgm:scene3d>
+      <a:camera prst="orthographicFront"/>
+      <a:lightRig rig="threePt" dir="t"/>
+    </dgm:scene3d>
+    <dgm:sp3d/>
+    <dgm:txPr/>
+    <dgm:style>
+      <a:lnRef idx="0">
+        <a:scrgbClr r="0" g="0" b="0"/>
+      </a:lnRef>
+      <a:fillRef idx="1">
+        <a:scrgbClr r="0" g="0" b="0"/>
+      </a:fillRef>
+      <a:effectRef idx="2">
+        <a:scrgbClr r="0" g="0" b="0"/>
+      </a:effectRef>
+      <a:fontRef idx="minor"/>
+    </dgm:style>
+  </dgm:styleLbl>
+  <dgm:styleLbl name="dkBgShp">
+    <dgm:scene3d>
+      <a:camera prst="orthographicFront"/>
+      <a:lightRig rig="threePt" dir="t"/>
+    </dgm:scene3d>
+    <dgm:sp3d/>
+    <dgm:txPr/>
+    <dgm:style>
+      <a:lnRef idx="0">
+        <a:scrgbClr r="0" g="0" b="0"/>
+      </a:lnRef>
+      <a:fillRef idx="1">
+        <a:scrgbClr r="0" g="0" b="0"/>
+      </a:fillRef>
+      <a:effectRef idx="2">
+        <a:scrgbClr r="0" g="0" b="0"/>
+      </a:effectRef>
+      <a:fontRef idx="minor"/>
+    </dgm:style>
+  </dgm:styleLbl>
+  <dgm:styleLbl name="trBgShp">
+    <dgm:scene3d>
+      <a:camera prst="orthographicFront"/>
+      <a:lightRig rig="threePt" dir="t"/>
+    </dgm:scene3d>
+    <dgm:sp3d/>
+    <dgm:txPr/>
+    <dgm:style>
+      <a:lnRef idx="0">
+        <a:scrgbClr r="0" g="0" b="0"/>
+      </a:lnRef>
+      <a:fillRef idx="1">
+        <a:scrgbClr r="0" g="0" b="0"/>
+      </a:fillRef>
+      <a:effectRef idx="0">
+        <a:scrgbClr r="0" g="0" b="0"/>
+      </a:effectRef>
+      <a:fontRef idx="minor"/>
+    </dgm:style>
+  </dgm:styleLbl>
+  <dgm:styleLbl name="fgShp">
+    <dgm:scene3d>
+      <a:camera prst="orthographicFront"/>
+      <a:lightRig rig="threePt" dir="t"/>
+    </dgm:scene3d>
+    <dgm:sp3d/>
+    <dgm:txPr/>
+    <dgm:style>
+      <a:lnRef idx="0">
+        <a:scrgbClr r="0" g="0" b="0"/>
+      </a:lnRef>
+      <a:fillRef idx="3">
+        <a:scrgbClr r="0" g="0" b="0"/>
+      </a:fillRef>
+      <a:effectRef idx="2">
+        <a:scrgbClr r="0" g="0" b="0"/>
+      </a:effectRef>
+      <a:fontRef idx="minor"/>
+    </dgm:style>
+  </dgm:styleLbl>
+  <dgm:styleLbl name="revTx">
+    <dgm:scene3d>
+      <a:camera prst="orthographicFront"/>
+      <a:lightRig rig="threePt" dir="t"/>
+    </dgm:scene3d>
+    <dgm:sp3d/>
+    <dgm:txPr/>
+    <dgm:style>
+      <a:lnRef idx="0">
+        <a:scrgbClr r="0" g="0" b="0"/>
+      </a:lnRef>
+      <a:fillRef idx="0">
+        <a:scrgbClr r="0" g="0" b="0"/>
+      </a:fillRef>
+      <a:effectRef idx="0">
+        <a:scrgbClr r="0" g="0" b="0"/>
+      </a:effectRef>
+      <a:fontRef idx="minor"/>
+    </dgm:style>
+  </dgm:styleLbl>
+</dgm:styleDef>
+</file>
+
+<file path=ppt/diagrams/quickStyle2.xml><?xml version="1.0" encoding="utf-8"?>
 <dgm:styleDef xmlns:dgm="http://schemas.openxmlformats.org/drawingml/2006/diagram" xmlns:a="http://schemas.openxmlformats.org/drawingml/2006/main" uniqueId="urn:microsoft.com/office/officeart/2005/8/quickstyle/simple4">
   <dgm:title val=""/>
   <dgm:desc val=""/>
@@ -5592,7 +9696,7 @@
           <a:p>
             <a:fld id="{3EBA5BD7-F043-4D1B-AA17-CD412FC534DE}" type="slidenum">
               <a:rPr lang="en-US" smtClean="0"/>
-              <a:t>11</a:t>
+              <a:t>19</a:t>
             </a:fld>
             <a:endParaRPr lang="en-US"/>
           </a:p>
@@ -10122,6 +14226,15 @@
               <a:t>Final DESIGN REVIEW presentation</a:t>
             </a:r>
           </a:p>
+          <a:p>
+            <a:endParaRPr lang="en-US" dirty="0"/>
+          </a:p>
+          <a:p>
+            <a:r>
+              <a:rPr lang="en-US" dirty="0"/>
+              <a:t>Taylor Long, Jared Mann</a:t>
+            </a:r>
+          </a:p>
         </p:txBody>
       </p:sp>
     </p:spTree>
@@ -10150,6 +14263,1172 @@
 </file>
 
 <file path=ppt/slides/slide10.xml><?xml version="1.0" encoding="utf-8"?>
+<p:sld xmlns:a="http://schemas.openxmlformats.org/drawingml/2006/main" xmlns:r="http://schemas.openxmlformats.org/officeDocument/2006/relationships" xmlns:p="http://schemas.openxmlformats.org/presentationml/2006/main">
+  <p:cSld>
+    <p:spTree>
+      <p:nvGrpSpPr>
+        <p:cNvPr id="1" name=""/>
+        <p:cNvGrpSpPr/>
+        <p:nvPr/>
+      </p:nvGrpSpPr>
+      <p:grpSpPr>
+        <a:xfrm>
+          <a:off x="0" y="0"/>
+          <a:ext cx="0" cy="0"/>
+          <a:chOff x="0" y="0"/>
+          <a:chExt cx="0" cy="0"/>
+        </a:xfrm>
+      </p:grpSpPr>
+      <p:sp>
+        <p:nvSpPr>
+          <p:cNvPr id="3" name="Title 2"/>
+          <p:cNvSpPr>
+            <a:spLocks noGrp="1"/>
+          </p:cNvSpPr>
+          <p:nvPr>
+            <p:ph type="title"/>
+          </p:nvPr>
+        </p:nvSpPr>
+        <p:spPr>
+          <a:xfrm>
+            <a:off x="1204324" y="304800"/>
+            <a:ext cx="10376488" cy="533400"/>
+          </a:xfrm>
+        </p:spPr>
+        <p:txBody>
+          <a:bodyPr>
+            <a:normAutofit/>
+          </a:bodyPr>
+          <a:lstStyle/>
+          <a:p>
+            <a:r>
+              <a:rPr lang="en-US" dirty="0"/>
+              <a:t>Pipeline Stages – Memory / Writeback</a:t>
+            </a:r>
+          </a:p>
+        </p:txBody>
+      </p:sp>
+      <p:sp>
+        <p:nvSpPr>
+          <p:cNvPr id="5" name="Text Placeholder 4"/>
+          <p:cNvSpPr>
+            <a:spLocks noGrp="1"/>
+          </p:cNvSpPr>
+          <p:nvPr>
+            <p:ph type="body" sz="half" idx="2"/>
+          </p:nvPr>
+        </p:nvSpPr>
+        <p:spPr>
+          <a:xfrm>
+            <a:off x="6117588" y="4191000"/>
+            <a:ext cx="4062942" cy="1930400"/>
+          </a:xfrm>
+        </p:spPr>
+        <p:txBody>
+          <a:bodyPr/>
+          <a:lstStyle/>
+          <a:p>
+            <a:endParaRPr lang="en-US" dirty="0"/>
+          </a:p>
+        </p:txBody>
+      </p:sp>
+      <p:sp>
+        <p:nvSpPr>
+          <p:cNvPr id="6" name="Rectangle 5"/>
+          <p:cNvSpPr/>
+          <p:nvPr/>
+        </p:nvSpPr>
+        <p:spPr>
+          <a:xfrm>
+            <a:off x="1065212" y="889000"/>
+            <a:ext cx="3429000" cy="5638800"/>
+          </a:xfrm>
+          <a:prstGeom prst="rect">
+            <a:avLst/>
+          </a:prstGeom>
+          <a:blipFill>
+            <a:blip r:embed="rId2">
+              <a:alphaModFix amt="43000"/>
+            </a:blip>
+            <a:stretch>
+              <a:fillRect/>
+            </a:stretch>
+          </a:blipFill>
+          <a:ln>
+            <a:solidFill>
+              <a:schemeClr val="accent1">
+                <a:shade val="50000"/>
+              </a:schemeClr>
+            </a:solidFill>
+          </a:ln>
+        </p:spPr>
+        <p:style>
+          <a:lnRef idx="2">
+            <a:schemeClr val="accent1">
+              <a:shade val="50000"/>
+            </a:schemeClr>
+          </a:lnRef>
+          <a:fillRef idx="1">
+            <a:schemeClr val="accent1"/>
+          </a:fillRef>
+          <a:effectRef idx="0">
+            <a:schemeClr val="accent1"/>
+          </a:effectRef>
+          <a:fontRef idx="minor">
+            <a:schemeClr val="lt1"/>
+          </a:fontRef>
+        </p:style>
+        <p:txBody>
+          <a:bodyPr rtlCol="0" anchor="ctr"/>
+          <a:lstStyle/>
+          <a:p>
+            <a:pPr algn="ctr"/>
+            <a:endParaRPr lang="en-US" sz="2800"/>
+          </a:p>
+        </p:txBody>
+      </p:sp>
+      <p:pic>
+        <p:nvPicPr>
+          <p:cNvPr id="4" name="Picture 3"/>
+          <p:cNvPicPr>
+            <a:picLocks noChangeAspect="1"/>
+          </p:cNvPicPr>
+          <p:nvPr/>
+        </p:nvPicPr>
+        <p:blipFill>
+          <a:blip r:embed="rId3"/>
+          <a:stretch>
+            <a:fillRect/>
+          </a:stretch>
+        </p:blipFill>
+        <p:spPr>
+          <a:xfrm>
+            <a:off x="6117588" y="1085661"/>
+            <a:ext cx="4261658" cy="2857877"/>
+          </a:xfrm>
+          <a:prstGeom prst="rect">
+            <a:avLst/>
+          </a:prstGeom>
+          <a:ln w="25400">
+            <a:solidFill>
+              <a:schemeClr val="accent1">
+                <a:shade val="50000"/>
+              </a:schemeClr>
+            </a:solidFill>
+          </a:ln>
+        </p:spPr>
+      </p:pic>
+    </p:spTree>
+    <p:extLst>
+      <p:ext uri="{BB962C8B-B14F-4D97-AF65-F5344CB8AC3E}">
+        <p14:creationId xmlns:p14="http://schemas.microsoft.com/office/powerpoint/2010/main" val="1811103680"/>
+      </p:ext>
+    </p:extLst>
+  </p:cSld>
+  <p:clrMapOvr>
+    <a:masterClrMapping/>
+  </p:clrMapOvr>
+  <mc:AlternateContent xmlns:mc="http://schemas.openxmlformats.org/markup-compatibility/2006" xmlns:p14="http://schemas.microsoft.com/office/powerpoint/2010/main">
+    <mc:Choice Requires="p14">
+      <p:transition spd="med" p14:dur="700">
+        <p:fade/>
+      </p:transition>
+    </mc:Choice>
+    <mc:Fallback xmlns="">
+      <p:transition spd="med">
+        <p:fade/>
+      </p:transition>
+    </mc:Fallback>
+  </mc:AlternateContent>
+</p:sld>
+</file>
+
+<file path=ppt/slides/slide11.xml><?xml version="1.0" encoding="utf-8"?>
+<p:sld xmlns:a="http://schemas.openxmlformats.org/drawingml/2006/main" xmlns:r="http://schemas.openxmlformats.org/officeDocument/2006/relationships" xmlns:p="http://schemas.openxmlformats.org/presentationml/2006/main">
+  <p:cSld>
+    <p:spTree>
+      <p:nvGrpSpPr>
+        <p:cNvPr id="1" name=""/>
+        <p:cNvGrpSpPr/>
+        <p:nvPr/>
+      </p:nvGrpSpPr>
+      <p:grpSpPr>
+        <a:xfrm>
+          <a:off x="0" y="0"/>
+          <a:ext cx="0" cy="0"/>
+          <a:chOff x="0" y="0"/>
+          <a:chExt cx="0" cy="0"/>
+        </a:xfrm>
+      </p:grpSpPr>
+      <p:sp>
+        <p:nvSpPr>
+          <p:cNvPr id="3" name="Title 2"/>
+          <p:cNvSpPr>
+            <a:spLocks noGrp="1"/>
+          </p:cNvSpPr>
+          <p:nvPr>
+            <p:ph type="title"/>
+          </p:nvPr>
+        </p:nvSpPr>
+        <p:spPr>
+          <a:xfrm>
+            <a:off x="1204324" y="304800"/>
+            <a:ext cx="10376488" cy="533400"/>
+          </a:xfrm>
+        </p:spPr>
+        <p:txBody>
+          <a:bodyPr>
+            <a:normAutofit/>
+          </a:bodyPr>
+          <a:lstStyle/>
+          <a:p>
+            <a:r>
+              <a:rPr lang="en-US" dirty="0"/>
+              <a:t>RAM MODULE</a:t>
+            </a:r>
+          </a:p>
+        </p:txBody>
+      </p:sp>
+      <p:sp>
+        <p:nvSpPr>
+          <p:cNvPr id="5" name="Text Placeholder 4"/>
+          <p:cNvSpPr>
+            <a:spLocks noGrp="1"/>
+          </p:cNvSpPr>
+          <p:nvPr>
+            <p:ph type="body" sz="half" idx="2"/>
+          </p:nvPr>
+        </p:nvSpPr>
+        <p:spPr>
+          <a:xfrm>
+            <a:off x="6117588" y="4191000"/>
+            <a:ext cx="4062942" cy="1930400"/>
+          </a:xfrm>
+        </p:spPr>
+        <p:txBody>
+          <a:bodyPr/>
+          <a:lstStyle/>
+          <a:p>
+            <a:endParaRPr lang="en-US" dirty="0"/>
+          </a:p>
+        </p:txBody>
+      </p:sp>
+      <p:sp>
+        <p:nvSpPr>
+          <p:cNvPr id="6" name="Rectangle 5"/>
+          <p:cNvSpPr/>
+          <p:nvPr/>
+        </p:nvSpPr>
+        <p:spPr>
+          <a:xfrm>
+            <a:off x="1065212" y="889000"/>
+            <a:ext cx="4648200" cy="4292600"/>
+          </a:xfrm>
+          <a:prstGeom prst="rect">
+            <a:avLst/>
+          </a:prstGeom>
+          <a:blipFill>
+            <a:blip r:embed="rId2">
+              <a:alphaModFix amt="43000"/>
+            </a:blip>
+            <a:stretch>
+              <a:fillRect/>
+            </a:stretch>
+          </a:blipFill>
+          <a:ln>
+            <a:solidFill>
+              <a:schemeClr val="accent1">
+                <a:shade val="50000"/>
+              </a:schemeClr>
+            </a:solidFill>
+          </a:ln>
+        </p:spPr>
+        <p:style>
+          <a:lnRef idx="2">
+            <a:schemeClr val="accent1">
+              <a:shade val="50000"/>
+            </a:schemeClr>
+          </a:lnRef>
+          <a:fillRef idx="1">
+            <a:schemeClr val="accent1"/>
+          </a:fillRef>
+          <a:effectRef idx="0">
+            <a:schemeClr val="accent1"/>
+          </a:effectRef>
+          <a:fontRef idx="minor">
+            <a:schemeClr val="lt1"/>
+          </a:fontRef>
+        </p:style>
+        <p:txBody>
+          <a:bodyPr rtlCol="0" anchor="ctr"/>
+          <a:lstStyle/>
+          <a:p>
+            <a:pPr algn="ctr"/>
+            <a:endParaRPr lang="en-US" sz="2800"/>
+          </a:p>
+        </p:txBody>
+      </p:sp>
+      <p:pic>
+        <p:nvPicPr>
+          <p:cNvPr id="2" name="Picture 1"/>
+          <p:cNvPicPr>
+            <a:picLocks noChangeAspect="1"/>
+          </p:cNvPicPr>
+          <p:nvPr/>
+        </p:nvPicPr>
+        <p:blipFill>
+          <a:blip r:embed="rId3"/>
+          <a:stretch>
+            <a:fillRect/>
+          </a:stretch>
+        </p:blipFill>
+        <p:spPr>
+          <a:xfrm>
+            <a:off x="6627812" y="836579"/>
+            <a:ext cx="4041384" cy="2953109"/>
+          </a:xfrm>
+          <a:prstGeom prst="rect">
+            <a:avLst/>
+          </a:prstGeom>
+          <a:ln w="25400">
+            <a:solidFill>
+              <a:schemeClr val="accent1">
+                <a:shade val="50000"/>
+              </a:schemeClr>
+            </a:solidFill>
+          </a:ln>
+        </p:spPr>
+      </p:pic>
+    </p:spTree>
+    <p:extLst>
+      <p:ext uri="{BB962C8B-B14F-4D97-AF65-F5344CB8AC3E}">
+        <p14:creationId xmlns:p14="http://schemas.microsoft.com/office/powerpoint/2010/main" val="1573315687"/>
+      </p:ext>
+    </p:extLst>
+  </p:cSld>
+  <p:clrMapOvr>
+    <a:masterClrMapping/>
+  </p:clrMapOvr>
+  <mc:AlternateContent xmlns:mc="http://schemas.openxmlformats.org/markup-compatibility/2006" xmlns:p14="http://schemas.microsoft.com/office/powerpoint/2010/main">
+    <mc:Choice Requires="p14">
+      <p:transition spd="med" p14:dur="700">
+        <p:fade/>
+      </p:transition>
+    </mc:Choice>
+    <mc:Fallback xmlns="">
+      <p:transition spd="med">
+        <p:fade/>
+      </p:transition>
+    </mc:Fallback>
+  </mc:AlternateContent>
+</p:sld>
+</file>
+
+<file path=ppt/slides/slide12.xml><?xml version="1.0" encoding="utf-8"?>
+<p:sld xmlns:a="http://schemas.openxmlformats.org/drawingml/2006/main" xmlns:r="http://schemas.openxmlformats.org/officeDocument/2006/relationships" xmlns:p="http://schemas.openxmlformats.org/presentationml/2006/main">
+  <p:cSld>
+    <p:spTree>
+      <p:nvGrpSpPr>
+        <p:cNvPr id="1" name=""/>
+        <p:cNvGrpSpPr/>
+        <p:nvPr/>
+      </p:nvGrpSpPr>
+      <p:grpSpPr>
+        <a:xfrm>
+          <a:off x="0" y="0"/>
+          <a:ext cx="0" cy="0"/>
+          <a:chOff x="0" y="0"/>
+          <a:chExt cx="0" cy="0"/>
+        </a:xfrm>
+      </p:grpSpPr>
+      <p:sp>
+        <p:nvSpPr>
+          <p:cNvPr id="6" name="Rectangle 5"/>
+          <p:cNvSpPr/>
+          <p:nvPr/>
+        </p:nvSpPr>
+        <p:spPr>
+          <a:xfrm>
+            <a:off x="1293812" y="457200"/>
+            <a:ext cx="3017814" cy="461665"/>
+          </a:xfrm>
+          <a:prstGeom prst="rect">
+            <a:avLst/>
+          </a:prstGeom>
+        </p:spPr>
+        <p:txBody>
+          <a:bodyPr wrap="none">
+            <a:spAutoFit/>
+          </a:bodyPr>
+          <a:lstStyle/>
+          <a:p>
+            <a:r>
+              <a:rPr lang="en-US" dirty="0"/>
+              <a:t>Development Timeline</a:t>
+            </a:r>
+          </a:p>
+        </p:txBody>
+      </p:sp>
+      <p:pic>
+        <p:nvPicPr>
+          <p:cNvPr id="3" name="Picture 2"/>
+          <p:cNvPicPr>
+            <a:picLocks noChangeAspect="1"/>
+          </p:cNvPicPr>
+          <p:nvPr/>
+        </p:nvPicPr>
+        <p:blipFill>
+          <a:blip r:embed="rId2"/>
+          <a:stretch>
+            <a:fillRect/>
+          </a:stretch>
+        </p:blipFill>
+        <p:spPr>
+          <a:xfrm>
+            <a:off x="2589212" y="1749862"/>
+            <a:ext cx="6629400" cy="4520398"/>
+          </a:xfrm>
+          <a:prstGeom prst="rect">
+            <a:avLst/>
+          </a:prstGeom>
+          <a:ln>
+            <a:solidFill>
+              <a:schemeClr val="accent1"/>
+            </a:solidFill>
+          </a:ln>
+        </p:spPr>
+      </p:pic>
+      <p:sp>
+        <p:nvSpPr>
+          <p:cNvPr id="5" name="Rectangle 4"/>
+          <p:cNvSpPr/>
+          <p:nvPr/>
+        </p:nvSpPr>
+        <p:spPr>
+          <a:xfrm>
+            <a:off x="1065212" y="918865"/>
+            <a:ext cx="9067800" cy="830997"/>
+          </a:xfrm>
+          <a:prstGeom prst="rect">
+            <a:avLst/>
+          </a:prstGeom>
+          <a:noFill/>
+        </p:spPr>
+        <p:txBody>
+          <a:bodyPr wrap="square" lIns="91440" tIns="45720" rIns="91440" bIns="45720">
+            <a:spAutoFit/>
+          </a:bodyPr>
+          <a:lstStyle/>
+          <a:p>
+            <a:pPr algn="ctr"/>
+            <a:r>
+              <a:rPr lang="en-US" b="0" cap="none" spc="0" dirty="0">
+                <a:ln w="0"/>
+                <a:solidFill>
+                  <a:schemeClr val="accent1"/>
+                </a:solidFill>
+                <a:effectLst>
+                  <a:outerShdw blurRad="38100" dist="25400" dir="5400000" algn="ctr" rotWithShape="0">
+                    <a:srgbClr val="6E747A">
+                      <a:alpha val="43000"/>
+                    </a:srgbClr>
+                  </a:outerShdw>
+                </a:effectLst>
+              </a:rPr>
+              <a:t>FINISHING HAZARD DETECTION, STARTING BRANCH INSTRUCTIONS, STARTING USER I/O </a:t>
+            </a:r>
+          </a:p>
+        </p:txBody>
+      </p:sp>
+    </p:spTree>
+    <p:extLst>
+      <p:ext uri="{BB962C8B-B14F-4D97-AF65-F5344CB8AC3E}">
+        <p14:creationId xmlns:p14="http://schemas.microsoft.com/office/powerpoint/2010/main" val="139834120"/>
+      </p:ext>
+    </p:extLst>
+  </p:cSld>
+  <p:clrMapOvr>
+    <a:masterClrMapping/>
+  </p:clrMapOvr>
+  <mc:AlternateContent xmlns:mc="http://schemas.openxmlformats.org/markup-compatibility/2006" xmlns:p14="http://schemas.microsoft.com/office/powerpoint/2010/main">
+    <mc:Choice Requires="p14">
+      <p:transition spd="med" p14:dur="700">
+        <p:fade/>
+      </p:transition>
+    </mc:Choice>
+    <mc:Fallback xmlns="">
+      <p:transition spd="med">
+        <p:fade/>
+      </p:transition>
+    </mc:Fallback>
+  </mc:AlternateContent>
+</p:sld>
+</file>
+
+<file path=ppt/slides/slide13.xml><?xml version="1.0" encoding="utf-8"?>
+<p:sld xmlns:a="http://schemas.openxmlformats.org/drawingml/2006/main" xmlns:r="http://schemas.openxmlformats.org/officeDocument/2006/relationships" xmlns:p="http://schemas.openxmlformats.org/presentationml/2006/main">
+  <p:cSld>
+    <p:spTree>
+      <p:nvGrpSpPr>
+        <p:cNvPr id="1" name=""/>
+        <p:cNvGrpSpPr/>
+        <p:nvPr/>
+      </p:nvGrpSpPr>
+      <p:grpSpPr>
+        <a:xfrm>
+          <a:off x="0" y="0"/>
+          <a:ext cx="0" cy="0"/>
+          <a:chOff x="0" y="0"/>
+          <a:chExt cx="0" cy="0"/>
+        </a:xfrm>
+      </p:grpSpPr>
+      <p:sp>
+        <p:nvSpPr>
+          <p:cNvPr id="3" name="Title 2"/>
+          <p:cNvSpPr>
+            <a:spLocks noGrp="1"/>
+          </p:cNvSpPr>
+          <p:nvPr>
+            <p:ph type="title"/>
+          </p:nvPr>
+        </p:nvSpPr>
+        <p:spPr>
+          <a:xfrm>
+            <a:off x="1204324" y="304800"/>
+            <a:ext cx="10376488" cy="533400"/>
+          </a:xfrm>
+        </p:spPr>
+        <p:txBody>
+          <a:bodyPr>
+            <a:normAutofit/>
+          </a:bodyPr>
+          <a:lstStyle/>
+          <a:p>
+            <a:r>
+              <a:rPr lang="en-US" dirty="0"/>
+              <a:t>Hex to Seven Segment Display Driver</a:t>
+            </a:r>
+          </a:p>
+        </p:txBody>
+      </p:sp>
+      <p:sp>
+        <p:nvSpPr>
+          <p:cNvPr id="5" name="Text Placeholder 4"/>
+          <p:cNvSpPr>
+            <a:spLocks noGrp="1"/>
+          </p:cNvSpPr>
+          <p:nvPr>
+            <p:ph type="body" sz="half" idx="2"/>
+          </p:nvPr>
+        </p:nvSpPr>
+        <p:spPr>
+          <a:xfrm>
+            <a:off x="6117588" y="4191000"/>
+            <a:ext cx="4062942" cy="1930400"/>
+          </a:xfrm>
+        </p:spPr>
+        <p:txBody>
+          <a:bodyPr/>
+          <a:lstStyle/>
+          <a:p>
+            <a:endParaRPr lang="en-US" dirty="0"/>
+          </a:p>
+        </p:txBody>
+      </p:sp>
+      <p:sp>
+        <p:nvSpPr>
+          <p:cNvPr id="6" name="Rectangle 5"/>
+          <p:cNvSpPr/>
+          <p:nvPr/>
+        </p:nvSpPr>
+        <p:spPr>
+          <a:xfrm>
+            <a:off x="1065212" y="889000"/>
+            <a:ext cx="3352800" cy="5664200"/>
+          </a:xfrm>
+          <a:prstGeom prst="rect">
+            <a:avLst/>
+          </a:prstGeom>
+          <a:blipFill>
+            <a:blip r:embed="rId2">
+              <a:alphaModFix amt="43000"/>
+            </a:blip>
+            <a:stretch>
+              <a:fillRect/>
+            </a:stretch>
+          </a:blipFill>
+          <a:ln>
+            <a:solidFill>
+              <a:schemeClr val="accent1">
+                <a:shade val="50000"/>
+              </a:schemeClr>
+            </a:solidFill>
+          </a:ln>
+        </p:spPr>
+        <p:style>
+          <a:lnRef idx="2">
+            <a:schemeClr val="accent1">
+              <a:shade val="50000"/>
+            </a:schemeClr>
+          </a:lnRef>
+          <a:fillRef idx="1">
+            <a:schemeClr val="accent1"/>
+          </a:fillRef>
+          <a:effectRef idx="0">
+            <a:schemeClr val="accent1"/>
+          </a:effectRef>
+          <a:fontRef idx="minor">
+            <a:schemeClr val="lt1"/>
+          </a:fontRef>
+        </p:style>
+        <p:txBody>
+          <a:bodyPr rtlCol="0" anchor="ctr"/>
+          <a:lstStyle/>
+          <a:p>
+            <a:pPr algn="ctr"/>
+            <a:endParaRPr lang="en-US" sz="2800"/>
+          </a:p>
+        </p:txBody>
+      </p:sp>
+      <p:pic>
+        <p:nvPicPr>
+          <p:cNvPr id="4" name="Picture 3"/>
+          <p:cNvPicPr>
+            <a:picLocks noChangeAspect="1"/>
+          </p:cNvPicPr>
+          <p:nvPr/>
+        </p:nvPicPr>
+        <p:blipFill>
+          <a:blip r:embed="rId3"/>
+          <a:stretch>
+            <a:fillRect/>
+          </a:stretch>
+        </p:blipFill>
+        <p:spPr>
+          <a:xfrm>
+            <a:off x="4875212" y="1219200"/>
+            <a:ext cx="6311684" cy="1706324"/>
+          </a:xfrm>
+          <a:prstGeom prst="rect">
+            <a:avLst/>
+          </a:prstGeom>
+          <a:ln w="25400">
+            <a:solidFill>
+              <a:schemeClr val="accent1">
+                <a:shade val="50000"/>
+              </a:schemeClr>
+            </a:solidFill>
+          </a:ln>
+        </p:spPr>
+      </p:pic>
+    </p:spTree>
+    <p:extLst>
+      <p:ext uri="{BB962C8B-B14F-4D97-AF65-F5344CB8AC3E}">
+        <p14:creationId xmlns:p14="http://schemas.microsoft.com/office/powerpoint/2010/main" val="1066782844"/>
+      </p:ext>
+    </p:extLst>
+  </p:cSld>
+  <p:clrMapOvr>
+    <a:masterClrMapping/>
+  </p:clrMapOvr>
+  <mc:AlternateContent xmlns:mc="http://schemas.openxmlformats.org/markup-compatibility/2006" xmlns:p14="http://schemas.microsoft.com/office/powerpoint/2010/main">
+    <mc:Choice Requires="p14">
+      <p:transition spd="med" p14:dur="700">
+        <p:fade/>
+      </p:transition>
+    </mc:Choice>
+    <mc:Fallback xmlns="">
+      <p:transition spd="med">
+        <p:fade/>
+      </p:transition>
+    </mc:Fallback>
+  </mc:AlternateContent>
+</p:sld>
+</file>
+
+<file path=ppt/slides/slide14.xml><?xml version="1.0" encoding="utf-8"?>
+<p:sld xmlns:a="http://schemas.openxmlformats.org/drawingml/2006/main" xmlns:r="http://schemas.openxmlformats.org/officeDocument/2006/relationships" xmlns:p="http://schemas.openxmlformats.org/presentationml/2006/main">
+  <p:cSld>
+    <p:spTree>
+      <p:nvGrpSpPr>
+        <p:cNvPr id="1" name=""/>
+        <p:cNvGrpSpPr/>
+        <p:nvPr/>
+      </p:nvGrpSpPr>
+      <p:grpSpPr>
+        <a:xfrm>
+          <a:off x="0" y="0"/>
+          <a:ext cx="0" cy="0"/>
+          <a:chOff x="0" y="0"/>
+          <a:chExt cx="0" cy="0"/>
+        </a:xfrm>
+      </p:grpSpPr>
+      <p:sp>
+        <p:nvSpPr>
+          <p:cNvPr id="6" name="Rectangle 5"/>
+          <p:cNvSpPr/>
+          <p:nvPr/>
+        </p:nvSpPr>
+        <p:spPr>
+          <a:xfrm>
+            <a:off x="1293812" y="457200"/>
+            <a:ext cx="3017814" cy="461665"/>
+          </a:xfrm>
+          <a:prstGeom prst="rect">
+            <a:avLst/>
+          </a:prstGeom>
+        </p:spPr>
+        <p:txBody>
+          <a:bodyPr wrap="none">
+            <a:spAutoFit/>
+          </a:bodyPr>
+          <a:lstStyle/>
+          <a:p>
+            <a:r>
+              <a:rPr lang="en-US" dirty="0"/>
+              <a:t>Development Timeline</a:t>
+            </a:r>
+          </a:p>
+        </p:txBody>
+      </p:sp>
+      <p:pic>
+        <p:nvPicPr>
+          <p:cNvPr id="2" name="Picture 1"/>
+          <p:cNvPicPr>
+            <a:picLocks noChangeAspect="1"/>
+          </p:cNvPicPr>
+          <p:nvPr/>
+        </p:nvPicPr>
+        <p:blipFill>
+          <a:blip r:embed="rId2"/>
+          <a:stretch>
+            <a:fillRect/>
+          </a:stretch>
+        </p:blipFill>
+        <p:spPr>
+          <a:xfrm>
+            <a:off x="1370012" y="1752600"/>
+            <a:ext cx="8619464" cy="4495800"/>
+          </a:xfrm>
+          <a:prstGeom prst="rect">
+            <a:avLst/>
+          </a:prstGeom>
+          <a:ln>
+            <a:solidFill>
+              <a:schemeClr val="accent1"/>
+            </a:solidFill>
+          </a:ln>
+        </p:spPr>
+      </p:pic>
+      <p:sp>
+        <p:nvSpPr>
+          <p:cNvPr id="5" name="Rectangle 4"/>
+          <p:cNvSpPr/>
+          <p:nvPr/>
+        </p:nvSpPr>
+        <p:spPr>
+          <a:xfrm>
+            <a:off x="1065212" y="918865"/>
+            <a:ext cx="9067800" cy="461665"/>
+          </a:xfrm>
+          <a:prstGeom prst="rect">
+            <a:avLst/>
+          </a:prstGeom>
+          <a:noFill/>
+        </p:spPr>
+        <p:txBody>
+          <a:bodyPr wrap="square" lIns="91440" tIns="45720" rIns="91440" bIns="45720">
+            <a:spAutoFit/>
+          </a:bodyPr>
+          <a:lstStyle/>
+          <a:p>
+            <a:pPr algn="ctr"/>
+            <a:r>
+              <a:rPr lang="en-US" b="0" cap="none" spc="0" dirty="0">
+                <a:ln w="0"/>
+                <a:solidFill>
+                  <a:schemeClr val="accent1"/>
+                </a:solidFill>
+                <a:effectLst>
+                  <a:outerShdw blurRad="38100" dist="25400" dir="5400000" algn="ctr" rotWithShape="0">
+                    <a:srgbClr val="6E747A">
+                      <a:alpha val="43000"/>
+                    </a:srgbClr>
+                  </a:outerShdw>
+                </a:effectLst>
+              </a:rPr>
+              <a:t>FINISHING L INSTRUCTIONS, USER I/O DEBUGGING, DATA FORWARDING</a:t>
+            </a:r>
+          </a:p>
+        </p:txBody>
+      </p:sp>
+    </p:spTree>
+    <p:extLst>
+      <p:ext uri="{BB962C8B-B14F-4D97-AF65-F5344CB8AC3E}">
+        <p14:creationId xmlns:p14="http://schemas.microsoft.com/office/powerpoint/2010/main" val="1814910333"/>
+      </p:ext>
+    </p:extLst>
+  </p:cSld>
+  <p:clrMapOvr>
+    <a:masterClrMapping/>
+  </p:clrMapOvr>
+  <mc:AlternateContent xmlns:mc="http://schemas.openxmlformats.org/markup-compatibility/2006" xmlns:p14="http://schemas.microsoft.com/office/powerpoint/2010/main">
+    <mc:Choice Requires="p14">
+      <p:transition spd="med" p14:dur="700">
+        <p:fade/>
+      </p:transition>
+    </mc:Choice>
+    <mc:Fallback xmlns="">
+      <p:transition spd="med">
+        <p:fade/>
+      </p:transition>
+    </mc:Fallback>
+  </mc:AlternateContent>
+</p:sld>
+</file>
+
+<file path=ppt/slides/slide15.xml><?xml version="1.0" encoding="utf-8"?>
+<p:sld xmlns:a="http://schemas.openxmlformats.org/drawingml/2006/main" xmlns:r="http://schemas.openxmlformats.org/officeDocument/2006/relationships" xmlns:p="http://schemas.openxmlformats.org/presentationml/2006/main">
+  <p:cSld>
+    <p:spTree>
+      <p:nvGrpSpPr>
+        <p:cNvPr id="1" name=""/>
+        <p:cNvGrpSpPr/>
+        <p:nvPr/>
+      </p:nvGrpSpPr>
+      <p:grpSpPr>
+        <a:xfrm>
+          <a:off x="0" y="0"/>
+          <a:ext cx="0" cy="0"/>
+          <a:chOff x="0" y="0"/>
+          <a:chExt cx="0" cy="0"/>
+        </a:xfrm>
+      </p:grpSpPr>
+      <p:sp>
+        <p:nvSpPr>
+          <p:cNvPr id="6" name="Rectangle 5"/>
+          <p:cNvSpPr/>
+          <p:nvPr/>
+        </p:nvSpPr>
+        <p:spPr>
+          <a:xfrm>
+            <a:off x="1293812" y="457200"/>
+            <a:ext cx="3017814" cy="461665"/>
+          </a:xfrm>
+          <a:prstGeom prst="rect">
+            <a:avLst/>
+          </a:prstGeom>
+        </p:spPr>
+        <p:txBody>
+          <a:bodyPr wrap="none">
+            <a:spAutoFit/>
+          </a:bodyPr>
+          <a:lstStyle/>
+          <a:p>
+            <a:r>
+              <a:rPr lang="en-US" dirty="0"/>
+              <a:t>Development Timeline</a:t>
+            </a:r>
+          </a:p>
+        </p:txBody>
+      </p:sp>
+      <p:pic>
+        <p:nvPicPr>
+          <p:cNvPr id="3" name="Picture 2"/>
+          <p:cNvPicPr>
+            <a:picLocks noChangeAspect="1"/>
+          </p:cNvPicPr>
+          <p:nvPr/>
+        </p:nvPicPr>
+        <p:blipFill>
+          <a:blip r:embed="rId2"/>
+          <a:stretch>
+            <a:fillRect/>
+          </a:stretch>
+        </p:blipFill>
+        <p:spPr>
+          <a:xfrm>
+            <a:off x="1293812" y="2057400"/>
+            <a:ext cx="8114286" cy="1857143"/>
+          </a:xfrm>
+          <a:prstGeom prst="rect">
+            <a:avLst/>
+          </a:prstGeom>
+          <a:ln>
+            <a:solidFill>
+              <a:schemeClr val="accent1"/>
+            </a:solidFill>
+          </a:ln>
+        </p:spPr>
+      </p:pic>
+      <p:sp>
+        <p:nvSpPr>
+          <p:cNvPr id="5" name="Rectangle 4"/>
+          <p:cNvSpPr/>
+          <p:nvPr/>
+        </p:nvSpPr>
+        <p:spPr>
+          <a:xfrm>
+            <a:off x="1065212" y="918865"/>
+            <a:ext cx="9067800" cy="461665"/>
+          </a:xfrm>
+          <a:prstGeom prst="rect">
+            <a:avLst/>
+          </a:prstGeom>
+          <a:noFill/>
+        </p:spPr>
+        <p:txBody>
+          <a:bodyPr wrap="square" lIns="91440" tIns="45720" rIns="91440" bIns="45720">
+            <a:spAutoFit/>
+          </a:bodyPr>
+          <a:lstStyle/>
+          <a:p>
+            <a:pPr algn="ctr"/>
+            <a:r>
+              <a:rPr lang="en-US" b="0" cap="none" spc="0">
+                <a:ln w="0"/>
+                <a:solidFill>
+                  <a:schemeClr val="accent1"/>
+                </a:solidFill>
+                <a:effectLst>
+                  <a:outerShdw blurRad="38100" dist="25400" dir="5400000" algn="ctr" rotWithShape="0">
+                    <a:srgbClr val="6E747A">
+                      <a:alpha val="43000"/>
+                    </a:srgbClr>
+                  </a:outerShdw>
+                </a:effectLst>
+              </a:rPr>
+              <a:t>FINAL TOUCHES – BRANCH PREDICTIONS, PROJECT REPORT WRITING</a:t>
+            </a:r>
+            <a:endParaRPr lang="en-US" b="0" cap="none" spc="0" dirty="0">
+              <a:ln w="0"/>
+              <a:solidFill>
+                <a:schemeClr val="accent1"/>
+              </a:solidFill>
+              <a:effectLst>
+                <a:outerShdw blurRad="38100" dist="25400" dir="5400000" algn="ctr" rotWithShape="0">
+                  <a:srgbClr val="6E747A">
+                    <a:alpha val="43000"/>
+                  </a:srgbClr>
+                </a:outerShdw>
+              </a:effectLst>
+            </a:endParaRPr>
+          </a:p>
+        </p:txBody>
+      </p:sp>
+    </p:spTree>
+    <p:extLst>
+      <p:ext uri="{BB962C8B-B14F-4D97-AF65-F5344CB8AC3E}">
+        <p14:creationId xmlns:p14="http://schemas.microsoft.com/office/powerpoint/2010/main" val="2642147782"/>
+      </p:ext>
+    </p:extLst>
+  </p:cSld>
+  <p:clrMapOvr>
+    <a:masterClrMapping/>
+  </p:clrMapOvr>
+  <mc:AlternateContent xmlns:mc="http://schemas.openxmlformats.org/markup-compatibility/2006" xmlns:p14="http://schemas.microsoft.com/office/powerpoint/2010/main">
+    <mc:Choice Requires="p14">
+      <p:transition spd="med" p14:dur="700">
+        <p:fade/>
+      </p:transition>
+    </mc:Choice>
+    <mc:Fallback xmlns="">
+      <p:transition spd="med">
+        <p:fade/>
+      </p:transition>
+    </mc:Fallback>
+  </mc:AlternateContent>
+</p:sld>
+</file>
+
+<file path=ppt/slides/slide16.xml><?xml version="1.0" encoding="utf-8"?>
+<p:sld xmlns:a="http://schemas.openxmlformats.org/drawingml/2006/main" xmlns:r="http://schemas.openxmlformats.org/officeDocument/2006/relationships" xmlns:p="http://schemas.openxmlformats.org/presentationml/2006/main">
+  <p:cSld>
+    <p:spTree>
+      <p:nvGrpSpPr>
+        <p:cNvPr id="1" name=""/>
+        <p:cNvGrpSpPr/>
+        <p:nvPr/>
+      </p:nvGrpSpPr>
+      <p:grpSpPr>
+        <a:xfrm>
+          <a:off x="0" y="0"/>
+          <a:ext cx="0" cy="0"/>
+          <a:chOff x="0" y="0"/>
+          <a:chExt cx="0" cy="0"/>
+        </a:xfrm>
+      </p:grpSpPr>
+      <p:sp>
+        <p:nvSpPr>
+          <p:cNvPr id="13" name="Title 12"/>
+          <p:cNvSpPr>
+            <a:spLocks noGrp="1"/>
+          </p:cNvSpPr>
+          <p:nvPr>
+            <p:ph type="title"/>
+          </p:nvPr>
+        </p:nvSpPr>
+        <p:spPr/>
+        <p:txBody>
+          <a:bodyPr/>
+          <a:lstStyle/>
+          <a:p>
+            <a:r>
+              <a:rPr lang="en-US" dirty="0"/>
+              <a:t>Looking Back – All Goals Met</a:t>
+            </a:r>
+          </a:p>
+        </p:txBody>
+      </p:sp>
+      <p:sp>
+        <p:nvSpPr>
+          <p:cNvPr id="14" name="Content Placeholder 13"/>
+          <p:cNvSpPr>
+            <a:spLocks noGrp="1"/>
+          </p:cNvSpPr>
+          <p:nvPr>
+            <p:ph idx="1"/>
+          </p:nvPr>
+        </p:nvSpPr>
+        <p:spPr/>
+        <p:txBody>
+          <a:bodyPr/>
+          <a:lstStyle/>
+          <a:p>
+            <a:r>
+              <a:rPr lang="en-US" dirty="0"/>
+              <a:t>Add your first bullet point here</a:t>
+            </a:r>
+          </a:p>
+          <a:p>
+            <a:r>
+              <a:rPr lang="en-US" dirty="0"/>
+              <a:t>Add your second bullet point here</a:t>
+            </a:r>
+          </a:p>
+          <a:p>
+            <a:r>
+              <a:rPr lang="en-US" dirty="0"/>
+              <a:t>Add your third bullet point here</a:t>
+            </a:r>
+          </a:p>
+        </p:txBody>
+      </p:sp>
+    </p:spTree>
+    <p:extLst>
+      <p:ext uri="{BB962C8B-B14F-4D97-AF65-F5344CB8AC3E}">
+        <p14:creationId xmlns:p14="http://schemas.microsoft.com/office/powerpoint/2010/main" val="3529114326"/>
+      </p:ext>
+    </p:extLst>
+  </p:cSld>
+  <p:clrMapOvr>
+    <a:masterClrMapping/>
+  </p:clrMapOvr>
+  <mc:AlternateContent xmlns:mc="http://schemas.openxmlformats.org/markup-compatibility/2006" xmlns:p14="http://schemas.microsoft.com/office/powerpoint/2010/main">
+    <mc:Choice Requires="p14">
+      <p:transition spd="med" p14:dur="700">
+        <p:fade/>
+      </p:transition>
+    </mc:Choice>
+    <mc:Fallback xmlns="">
+      <p:transition spd="med">
+        <p:fade/>
+      </p:transition>
+    </mc:Fallback>
+  </mc:AlternateContent>
+</p:sld>
+</file>
+
+<file path=ppt/slides/slide17.xml><?xml version="1.0" encoding="utf-8"?>
+<p:sld xmlns:a="http://schemas.openxmlformats.org/drawingml/2006/main" xmlns:r="http://schemas.openxmlformats.org/officeDocument/2006/relationships" xmlns:p="http://schemas.openxmlformats.org/presentationml/2006/main">
+  <p:cSld>
+    <p:spTree>
+      <p:nvGrpSpPr>
+        <p:cNvPr id="1" name=""/>
+        <p:cNvGrpSpPr/>
+        <p:nvPr/>
+      </p:nvGrpSpPr>
+      <p:grpSpPr>
+        <a:xfrm>
+          <a:off x="0" y="0"/>
+          <a:ext cx="0" cy="0"/>
+          <a:chOff x="0" y="0"/>
+          <a:chExt cx="0" cy="0"/>
+        </a:xfrm>
+      </p:grpSpPr>
+      <p:sp>
+        <p:nvSpPr>
+          <p:cNvPr id="7" name="Title 6"/>
+          <p:cNvSpPr>
+            <a:spLocks noGrp="1"/>
+          </p:cNvSpPr>
+          <p:nvPr>
+            <p:ph type="title"/>
+          </p:nvPr>
+        </p:nvSpPr>
+        <p:spPr/>
+        <p:txBody>
+          <a:bodyPr/>
+          <a:lstStyle/>
+          <a:p>
+            <a:r>
+              <a:rPr lang="en-US" dirty="0"/>
+              <a:t>Title and Content Layout with Chart</a:t>
+            </a:r>
+          </a:p>
+        </p:txBody>
+      </p:sp>
+      <p:graphicFrame>
+        <p:nvGraphicFramePr>
+          <p:cNvPr id="9" name="Content Placeholder 8" descr="Clustered column chart showing the values of 3 series for 4 categories"/>
+          <p:cNvGraphicFramePr>
+            <a:graphicFrameLocks noGrp="1"/>
+          </p:cNvGraphicFramePr>
+          <p:nvPr>
+            <p:ph idx="1"/>
+            <p:extLst>
+              <p:ext uri="{D42A27DB-BD31-4B8C-83A1-F6EECF244321}">
+                <p14:modId xmlns:p14="http://schemas.microsoft.com/office/powerpoint/2010/main" val="2424724130"/>
+              </p:ext>
+            </p:extLst>
+          </p:nvPr>
+        </p:nvGraphicFramePr>
+        <p:xfrm>
+          <a:off x="1219200" y="1701800"/>
+          <a:ext cx="10360025" cy="4462463"/>
+        </p:xfrm>
+        <a:graphic>
+          <a:graphicData uri="http://schemas.openxmlformats.org/drawingml/2006/chart">
+            <c:chart xmlns:c="http://schemas.openxmlformats.org/drawingml/2006/chart" xmlns:r="http://schemas.openxmlformats.org/officeDocument/2006/relationships" r:id="rId2"/>
+          </a:graphicData>
+        </a:graphic>
+      </p:graphicFrame>
+    </p:spTree>
+    <p:extLst>
+      <p:ext uri="{BB962C8B-B14F-4D97-AF65-F5344CB8AC3E}">
+        <p14:creationId xmlns:p14="http://schemas.microsoft.com/office/powerpoint/2010/main" val="1484811712"/>
+      </p:ext>
+    </p:extLst>
+  </p:cSld>
+  <p:clrMapOvr>
+    <a:masterClrMapping/>
+  </p:clrMapOvr>
+  <mc:AlternateContent xmlns:mc="http://schemas.openxmlformats.org/markup-compatibility/2006" xmlns:p14="http://schemas.microsoft.com/office/powerpoint/2010/main">
+    <mc:Choice Requires="p14">
+      <p:transition spd="med" p14:dur="700">
+        <p:fade/>
+      </p:transition>
+    </mc:Choice>
+    <mc:Fallback xmlns="">
+      <p:transition spd="med">
+        <p:fade/>
+      </p:transition>
+    </mc:Fallback>
+  </mc:AlternateContent>
+</p:sld>
+</file>
+
+<file path=ppt/slides/slide18.xml><?xml version="1.0" encoding="utf-8"?>
 <p:sld xmlns:a="http://schemas.openxmlformats.org/drawingml/2006/main" xmlns:r="http://schemas.openxmlformats.org/officeDocument/2006/relationships" xmlns:p="http://schemas.openxmlformats.org/presentationml/2006/main">
   <p:cSld>
     <p:spTree>
@@ -10503,7 +15782,7 @@
 </p:sld>
 </file>
 
-<file path=ppt/slides/slide11.xml><?xml version="1.0" encoding="utf-8"?>
+<file path=ppt/slides/slide19.xml><?xml version="1.0" encoding="utf-8"?>
 <p:sld xmlns:a="http://schemas.openxmlformats.org/drawingml/2006/main" xmlns:r="http://schemas.openxmlformats.org/officeDocument/2006/relationships" xmlns:p="http://schemas.openxmlformats.org/presentationml/2006/main">
   <p:cSld>
     <p:spTree>
@@ -10605,407 +15884,6 @@
     <p:extLst>
       <p:ext uri="{BB962C8B-B14F-4D97-AF65-F5344CB8AC3E}">
         <p14:creationId xmlns:p14="http://schemas.microsoft.com/office/powerpoint/2010/main" val="4123189245"/>
-      </p:ext>
-    </p:extLst>
-  </p:cSld>
-  <p:clrMapOvr>
-    <a:masterClrMapping/>
-  </p:clrMapOvr>
-  <mc:AlternateContent xmlns:mc="http://schemas.openxmlformats.org/markup-compatibility/2006" xmlns:p14="http://schemas.microsoft.com/office/powerpoint/2010/main">
-    <mc:Choice Requires="p14">
-      <p:transition spd="med" p14:dur="700">
-        <p:fade/>
-      </p:transition>
-    </mc:Choice>
-    <mc:Fallback xmlns="">
-      <p:transition spd="med">
-        <p:fade/>
-      </p:transition>
-    </mc:Fallback>
-  </mc:AlternateContent>
-</p:sld>
-</file>
-
-<file path=ppt/slides/slide12.xml><?xml version="1.0" encoding="utf-8"?>
-<p:sld xmlns:a="http://schemas.openxmlformats.org/drawingml/2006/main" xmlns:r="http://schemas.openxmlformats.org/officeDocument/2006/relationships" xmlns:p="http://schemas.openxmlformats.org/presentationml/2006/main">
-  <p:cSld>
-    <p:spTree>
-      <p:nvGrpSpPr>
-        <p:cNvPr id="1" name=""/>
-        <p:cNvGrpSpPr/>
-        <p:nvPr/>
-      </p:nvGrpSpPr>
-      <p:grpSpPr>
-        <a:xfrm>
-          <a:off x="0" y="0"/>
-          <a:ext cx="0" cy="0"/>
-          <a:chOff x="0" y="0"/>
-          <a:chExt cx="0" cy="0"/>
-        </a:xfrm>
-      </p:grpSpPr>
-      <p:sp>
-        <p:nvSpPr>
-          <p:cNvPr id="7" name="Title 6"/>
-          <p:cNvSpPr>
-            <a:spLocks noGrp="1"/>
-          </p:cNvSpPr>
-          <p:nvPr>
-            <p:ph type="title"/>
-          </p:nvPr>
-        </p:nvSpPr>
-        <p:spPr/>
-        <p:txBody>
-          <a:bodyPr/>
-          <a:lstStyle/>
-          <a:p>
-            <a:r>
-              <a:rPr lang="en-US" dirty="0"/>
-              <a:t>Add a Slide Title - 2</a:t>
-            </a:r>
-          </a:p>
-        </p:txBody>
-      </p:sp>
-      <p:sp>
-        <p:nvSpPr>
-          <p:cNvPr id="8" name="Text Placeholder 7"/>
-          <p:cNvSpPr>
-            <a:spLocks noGrp="1"/>
-          </p:cNvSpPr>
-          <p:nvPr>
-            <p:ph type="body" idx="1"/>
-          </p:nvPr>
-        </p:nvSpPr>
-        <p:spPr/>
-        <p:txBody>
-          <a:bodyPr/>
-          <a:lstStyle/>
-          <a:p>
-            <a:endParaRPr lang="en-US" dirty="0"/>
-          </a:p>
-        </p:txBody>
-      </p:sp>
-      <p:sp>
-        <p:nvSpPr>
-          <p:cNvPr id="10" name="Content Placeholder 9"/>
-          <p:cNvSpPr>
-            <a:spLocks noGrp="1"/>
-          </p:cNvSpPr>
-          <p:nvPr>
-            <p:ph sz="half" idx="2"/>
-          </p:nvPr>
-        </p:nvSpPr>
-        <p:spPr/>
-        <p:txBody>
-          <a:bodyPr/>
-          <a:lstStyle/>
-          <a:p>
-            <a:endParaRPr lang="en-US" dirty="0"/>
-          </a:p>
-        </p:txBody>
-      </p:sp>
-      <p:sp>
-        <p:nvSpPr>
-          <p:cNvPr id="9" name="Text Placeholder 8"/>
-          <p:cNvSpPr>
-            <a:spLocks noGrp="1"/>
-          </p:cNvSpPr>
-          <p:nvPr>
-            <p:ph type="body" sz="quarter" idx="3"/>
-          </p:nvPr>
-        </p:nvSpPr>
-        <p:spPr/>
-        <p:txBody>
-          <a:bodyPr/>
-          <a:lstStyle/>
-          <a:p>
-            <a:endParaRPr lang="en-US" dirty="0"/>
-          </a:p>
-        </p:txBody>
-      </p:sp>
-      <p:sp>
-        <p:nvSpPr>
-          <p:cNvPr id="11" name="Content Placeholder 10"/>
-          <p:cNvSpPr>
-            <a:spLocks noGrp="1"/>
-          </p:cNvSpPr>
-          <p:nvPr>
-            <p:ph sz="quarter" idx="4"/>
-          </p:nvPr>
-        </p:nvSpPr>
-        <p:spPr/>
-        <p:txBody>
-          <a:bodyPr/>
-          <a:lstStyle/>
-          <a:p>
-            <a:endParaRPr lang="en-US" dirty="0"/>
-          </a:p>
-        </p:txBody>
-      </p:sp>
-    </p:spTree>
-    <p:extLst>
-      <p:ext uri="{BB962C8B-B14F-4D97-AF65-F5344CB8AC3E}">
-        <p14:creationId xmlns:p14="http://schemas.microsoft.com/office/powerpoint/2010/main" val="2672039197"/>
-      </p:ext>
-    </p:extLst>
-  </p:cSld>
-  <p:clrMapOvr>
-    <a:masterClrMapping/>
-  </p:clrMapOvr>
-  <mc:AlternateContent xmlns:mc="http://schemas.openxmlformats.org/markup-compatibility/2006" xmlns:p14="http://schemas.microsoft.com/office/powerpoint/2010/main">
-    <mc:Choice Requires="p14">
-      <p:transition spd="med" p14:dur="700">
-        <p:fade/>
-      </p:transition>
-    </mc:Choice>
-    <mc:Fallback xmlns="">
-      <p:transition spd="med">
-        <p:fade/>
-      </p:transition>
-    </mc:Fallback>
-  </mc:AlternateContent>
-</p:sld>
-</file>
-
-<file path=ppt/slides/slide13.xml><?xml version="1.0" encoding="utf-8"?>
-<p:sld xmlns:a="http://schemas.openxmlformats.org/drawingml/2006/main" xmlns:r="http://schemas.openxmlformats.org/officeDocument/2006/relationships" xmlns:p="http://schemas.openxmlformats.org/presentationml/2006/main">
-  <p:cSld>
-    <p:spTree>
-      <p:nvGrpSpPr>
-        <p:cNvPr id="1" name=""/>
-        <p:cNvGrpSpPr/>
-        <p:nvPr/>
-      </p:nvGrpSpPr>
-      <p:grpSpPr>
-        <a:xfrm>
-          <a:off x="0" y="0"/>
-          <a:ext cx="0" cy="0"/>
-          <a:chOff x="0" y="0"/>
-          <a:chExt cx="0" cy="0"/>
-        </a:xfrm>
-      </p:grpSpPr>
-      <p:sp>
-        <p:nvSpPr>
-          <p:cNvPr id="3" name="Title 2"/>
-          <p:cNvSpPr>
-            <a:spLocks noGrp="1"/>
-          </p:cNvSpPr>
-          <p:nvPr>
-            <p:ph type="title"/>
-          </p:nvPr>
-        </p:nvSpPr>
-        <p:spPr/>
-        <p:txBody>
-          <a:bodyPr/>
-          <a:lstStyle/>
-          <a:p>
-            <a:r>
-              <a:rPr lang="en-US" dirty="0"/>
-              <a:t>Add a Slide Title - 3</a:t>
-            </a:r>
-          </a:p>
-        </p:txBody>
-      </p:sp>
-    </p:spTree>
-    <p:extLst>
-      <p:ext uri="{BB962C8B-B14F-4D97-AF65-F5344CB8AC3E}">
-        <p14:creationId xmlns:p14="http://schemas.microsoft.com/office/powerpoint/2010/main" val="397710800"/>
-      </p:ext>
-    </p:extLst>
-  </p:cSld>
-  <p:clrMapOvr>
-    <a:masterClrMapping/>
-  </p:clrMapOvr>
-  <mc:AlternateContent xmlns:mc="http://schemas.openxmlformats.org/markup-compatibility/2006" xmlns:p14="http://schemas.microsoft.com/office/powerpoint/2010/main">
-    <mc:Choice Requires="p14">
-      <p:transition spd="med" p14:dur="700">
-        <p:fade/>
-      </p:transition>
-    </mc:Choice>
-    <mc:Fallback xmlns="">
-      <p:transition spd="med">
-        <p:fade/>
-      </p:transition>
-    </mc:Fallback>
-  </mc:AlternateContent>
-</p:sld>
-</file>
-
-<file path=ppt/slides/slide14.xml><?xml version="1.0" encoding="utf-8"?>
-<p:sld xmlns:a="http://schemas.openxmlformats.org/drawingml/2006/main" xmlns:r="http://schemas.openxmlformats.org/officeDocument/2006/relationships" xmlns:p="http://schemas.openxmlformats.org/presentationml/2006/main">
-  <p:cSld>
-    <p:spTree>
-      <p:nvGrpSpPr>
-        <p:cNvPr id="1" name=""/>
-        <p:cNvGrpSpPr/>
-        <p:nvPr/>
-      </p:nvGrpSpPr>
-      <p:grpSpPr>
-        <a:xfrm>
-          <a:off x="0" y="0"/>
-          <a:ext cx="0" cy="0"/>
-          <a:chOff x="0" y="0"/>
-          <a:chExt cx="0" cy="0"/>
-        </a:xfrm>
-      </p:grpSpPr>
-      <p:sp>
-        <p:nvSpPr>
-          <p:cNvPr id="2" name="Title 1"/>
-          <p:cNvSpPr>
-            <a:spLocks noGrp="1"/>
-          </p:cNvSpPr>
-          <p:nvPr>
-            <p:ph type="title"/>
-          </p:nvPr>
-        </p:nvSpPr>
-        <p:spPr/>
-        <p:txBody>
-          <a:bodyPr/>
-          <a:lstStyle/>
-          <a:p>
-            <a:r>
-              <a:rPr lang="en-US" dirty="0"/>
-              <a:t>Add a Slide Title - 4</a:t>
-            </a:r>
-          </a:p>
-        </p:txBody>
-      </p:sp>
-      <p:sp>
-        <p:nvSpPr>
-          <p:cNvPr id="4" name="Text Placeholder 3"/>
-          <p:cNvSpPr>
-            <a:spLocks noGrp="1"/>
-          </p:cNvSpPr>
-          <p:nvPr>
-            <p:ph type="body" sz="half" idx="2"/>
-          </p:nvPr>
-        </p:nvSpPr>
-        <p:spPr/>
-        <p:txBody>
-          <a:bodyPr/>
-          <a:lstStyle/>
-          <a:p>
-            <a:endParaRPr lang="en-US" dirty="0"/>
-          </a:p>
-        </p:txBody>
-      </p:sp>
-      <p:sp>
-        <p:nvSpPr>
-          <p:cNvPr id="3" name="Content Placeholder 2"/>
-          <p:cNvSpPr>
-            <a:spLocks noGrp="1"/>
-          </p:cNvSpPr>
-          <p:nvPr>
-            <p:ph idx="1"/>
-          </p:nvPr>
-        </p:nvSpPr>
-        <p:spPr/>
-        <p:txBody>
-          <a:bodyPr/>
-          <a:lstStyle/>
-          <a:p>
-            <a:endParaRPr lang="en-US" dirty="0"/>
-          </a:p>
-        </p:txBody>
-      </p:sp>
-    </p:spTree>
-    <p:extLst>
-      <p:ext uri="{BB962C8B-B14F-4D97-AF65-F5344CB8AC3E}">
-        <p14:creationId xmlns:p14="http://schemas.microsoft.com/office/powerpoint/2010/main" val="2319046984"/>
-      </p:ext>
-    </p:extLst>
-  </p:cSld>
-  <p:clrMapOvr>
-    <a:masterClrMapping/>
-  </p:clrMapOvr>
-  <mc:AlternateContent xmlns:mc="http://schemas.openxmlformats.org/markup-compatibility/2006" xmlns:p14="http://schemas.microsoft.com/office/powerpoint/2010/main">
-    <mc:Choice Requires="p14">
-      <p:transition spd="med" p14:dur="700">
-        <p:fade/>
-      </p:transition>
-    </mc:Choice>
-    <mc:Fallback xmlns="">
-      <p:transition spd="med">
-        <p:fade/>
-      </p:transition>
-    </mc:Fallback>
-  </mc:AlternateContent>
-</p:sld>
-</file>
-
-<file path=ppt/slides/slide15.xml><?xml version="1.0" encoding="utf-8"?>
-<p:sld xmlns:a="http://schemas.openxmlformats.org/drawingml/2006/main" xmlns:r="http://schemas.openxmlformats.org/officeDocument/2006/relationships" xmlns:p="http://schemas.openxmlformats.org/presentationml/2006/main">
-  <p:cSld>
-    <p:spTree>
-      <p:nvGrpSpPr>
-        <p:cNvPr id="1" name=""/>
-        <p:cNvGrpSpPr/>
-        <p:nvPr/>
-      </p:nvGrpSpPr>
-      <p:grpSpPr>
-        <a:xfrm>
-          <a:off x="0" y="0"/>
-          <a:ext cx="0" cy="0"/>
-          <a:chOff x="0" y="0"/>
-          <a:chExt cx="0" cy="0"/>
-        </a:xfrm>
-      </p:grpSpPr>
-      <p:sp>
-        <p:nvSpPr>
-          <p:cNvPr id="3" name="Title 2"/>
-          <p:cNvSpPr>
-            <a:spLocks noGrp="1"/>
-          </p:cNvSpPr>
-          <p:nvPr>
-            <p:ph type="title"/>
-          </p:nvPr>
-        </p:nvSpPr>
-        <p:spPr/>
-        <p:txBody>
-          <a:bodyPr/>
-          <a:lstStyle/>
-          <a:p>
-            <a:r>
-              <a:rPr lang="en-US" dirty="0"/>
-              <a:t>Add a Slide Title - 5</a:t>
-            </a:r>
-          </a:p>
-        </p:txBody>
-      </p:sp>
-      <p:sp>
-        <p:nvSpPr>
-          <p:cNvPr id="5" name="Text Placeholder 4"/>
-          <p:cNvSpPr>
-            <a:spLocks noGrp="1"/>
-          </p:cNvSpPr>
-          <p:nvPr>
-            <p:ph type="body" sz="half" idx="2"/>
-          </p:nvPr>
-        </p:nvSpPr>
-        <p:spPr/>
-        <p:txBody>
-          <a:bodyPr/>
-          <a:lstStyle/>
-          <a:p>
-            <a:endParaRPr lang="en-US" dirty="0"/>
-          </a:p>
-        </p:txBody>
-      </p:sp>
-      <p:sp>
-        <p:nvSpPr>
-          <p:cNvPr id="6" name="Picture Placeholder 5" descr="An empty placeholder to add an image. Click on the placeholder and select the image that you wish to add."/>
-          <p:cNvSpPr>
-            <a:spLocks noGrp="1"/>
-          </p:cNvSpPr>
-          <p:nvPr>
-            <p:ph type="pic" idx="1"/>
-          </p:nvPr>
-        </p:nvSpPr>
-        <p:spPr/>
-      </p:sp>
-    </p:spTree>
-    <p:extLst>
-      <p:ext uri="{BB962C8B-B14F-4D97-AF65-F5344CB8AC3E}">
-        <p14:creationId xmlns:p14="http://schemas.microsoft.com/office/powerpoint/2010/main" val="3480339974"/>
       </p:ext>
     </p:extLst>
   </p:cSld>
@@ -11160,6 +16038,210 @@
     <p:extLst>
       <p:ext uri="{BB962C8B-B14F-4D97-AF65-F5344CB8AC3E}">
         <p14:creationId xmlns:p14="http://schemas.microsoft.com/office/powerpoint/2010/main" val="4264977537"/>
+      </p:ext>
+    </p:extLst>
+  </p:cSld>
+  <p:clrMapOvr>
+    <a:masterClrMapping/>
+  </p:clrMapOvr>
+  <mc:AlternateContent xmlns:mc="http://schemas.openxmlformats.org/markup-compatibility/2006" xmlns:p14="http://schemas.microsoft.com/office/powerpoint/2010/main">
+    <mc:Choice Requires="p14">
+      <p:transition spd="med" p14:dur="700">
+        <p:fade/>
+      </p:transition>
+    </mc:Choice>
+    <mc:Fallback xmlns="">
+      <p:transition spd="med">
+        <p:fade/>
+      </p:transition>
+    </mc:Fallback>
+  </mc:AlternateContent>
+</p:sld>
+</file>
+
+<file path=ppt/slides/slide20.xml><?xml version="1.0" encoding="utf-8"?>
+<p:sld xmlns:a="http://schemas.openxmlformats.org/drawingml/2006/main" xmlns:r="http://schemas.openxmlformats.org/officeDocument/2006/relationships" xmlns:p="http://schemas.openxmlformats.org/presentationml/2006/main">
+  <p:cSld>
+    <p:spTree>
+      <p:nvGrpSpPr>
+        <p:cNvPr id="1" name=""/>
+        <p:cNvGrpSpPr/>
+        <p:nvPr/>
+      </p:nvGrpSpPr>
+      <p:grpSpPr>
+        <a:xfrm>
+          <a:off x="0" y="0"/>
+          <a:ext cx="0" cy="0"/>
+          <a:chOff x="0" y="0"/>
+          <a:chExt cx="0" cy="0"/>
+        </a:xfrm>
+      </p:grpSpPr>
+      <p:sp>
+        <p:nvSpPr>
+          <p:cNvPr id="7" name="Title 6"/>
+          <p:cNvSpPr>
+            <a:spLocks noGrp="1"/>
+          </p:cNvSpPr>
+          <p:nvPr>
+            <p:ph type="title"/>
+          </p:nvPr>
+        </p:nvSpPr>
+        <p:spPr/>
+        <p:txBody>
+          <a:bodyPr/>
+          <a:lstStyle/>
+          <a:p>
+            <a:r>
+              <a:rPr lang="en-US" dirty="0"/>
+              <a:t>Add a Slide Title - 2</a:t>
+            </a:r>
+          </a:p>
+        </p:txBody>
+      </p:sp>
+      <p:sp>
+        <p:nvSpPr>
+          <p:cNvPr id="8" name="Text Placeholder 7"/>
+          <p:cNvSpPr>
+            <a:spLocks noGrp="1"/>
+          </p:cNvSpPr>
+          <p:nvPr>
+            <p:ph type="body" idx="1"/>
+          </p:nvPr>
+        </p:nvSpPr>
+        <p:spPr/>
+        <p:txBody>
+          <a:bodyPr/>
+          <a:lstStyle/>
+          <a:p>
+            <a:endParaRPr lang="en-US" dirty="0"/>
+          </a:p>
+        </p:txBody>
+      </p:sp>
+      <p:sp>
+        <p:nvSpPr>
+          <p:cNvPr id="10" name="Content Placeholder 9"/>
+          <p:cNvSpPr>
+            <a:spLocks noGrp="1"/>
+          </p:cNvSpPr>
+          <p:nvPr>
+            <p:ph sz="half" idx="2"/>
+          </p:nvPr>
+        </p:nvSpPr>
+        <p:spPr/>
+        <p:txBody>
+          <a:bodyPr/>
+          <a:lstStyle/>
+          <a:p>
+            <a:endParaRPr lang="en-US" dirty="0"/>
+          </a:p>
+        </p:txBody>
+      </p:sp>
+      <p:sp>
+        <p:nvSpPr>
+          <p:cNvPr id="9" name="Text Placeholder 8"/>
+          <p:cNvSpPr>
+            <a:spLocks noGrp="1"/>
+          </p:cNvSpPr>
+          <p:nvPr>
+            <p:ph type="body" sz="quarter" idx="3"/>
+          </p:nvPr>
+        </p:nvSpPr>
+        <p:spPr/>
+        <p:txBody>
+          <a:bodyPr/>
+          <a:lstStyle/>
+          <a:p>
+            <a:endParaRPr lang="en-US" dirty="0"/>
+          </a:p>
+        </p:txBody>
+      </p:sp>
+      <p:sp>
+        <p:nvSpPr>
+          <p:cNvPr id="11" name="Content Placeholder 10"/>
+          <p:cNvSpPr>
+            <a:spLocks noGrp="1"/>
+          </p:cNvSpPr>
+          <p:nvPr>
+            <p:ph sz="quarter" idx="4"/>
+          </p:nvPr>
+        </p:nvSpPr>
+        <p:spPr/>
+        <p:txBody>
+          <a:bodyPr/>
+          <a:lstStyle/>
+          <a:p>
+            <a:endParaRPr lang="en-US" dirty="0"/>
+          </a:p>
+        </p:txBody>
+      </p:sp>
+    </p:spTree>
+    <p:extLst>
+      <p:ext uri="{BB962C8B-B14F-4D97-AF65-F5344CB8AC3E}">
+        <p14:creationId xmlns:p14="http://schemas.microsoft.com/office/powerpoint/2010/main" val="2672039197"/>
+      </p:ext>
+    </p:extLst>
+  </p:cSld>
+  <p:clrMapOvr>
+    <a:masterClrMapping/>
+  </p:clrMapOvr>
+  <mc:AlternateContent xmlns:mc="http://schemas.openxmlformats.org/markup-compatibility/2006" xmlns:p14="http://schemas.microsoft.com/office/powerpoint/2010/main">
+    <mc:Choice Requires="p14">
+      <p:transition spd="med" p14:dur="700">
+        <p:fade/>
+      </p:transition>
+    </mc:Choice>
+    <mc:Fallback xmlns="">
+      <p:transition spd="med">
+        <p:fade/>
+      </p:transition>
+    </mc:Fallback>
+  </mc:AlternateContent>
+</p:sld>
+</file>
+
+<file path=ppt/slides/slide21.xml><?xml version="1.0" encoding="utf-8"?>
+<p:sld xmlns:a="http://schemas.openxmlformats.org/drawingml/2006/main" xmlns:r="http://schemas.openxmlformats.org/officeDocument/2006/relationships" xmlns:p="http://schemas.openxmlformats.org/presentationml/2006/main">
+  <p:cSld>
+    <p:spTree>
+      <p:nvGrpSpPr>
+        <p:cNvPr id="1" name=""/>
+        <p:cNvGrpSpPr/>
+        <p:nvPr/>
+      </p:nvGrpSpPr>
+      <p:grpSpPr>
+        <a:xfrm>
+          <a:off x="0" y="0"/>
+          <a:ext cx="0" cy="0"/>
+          <a:chOff x="0" y="0"/>
+          <a:chExt cx="0" cy="0"/>
+        </a:xfrm>
+      </p:grpSpPr>
+      <p:sp>
+        <p:nvSpPr>
+          <p:cNvPr id="3" name="Title 2"/>
+          <p:cNvSpPr>
+            <a:spLocks noGrp="1"/>
+          </p:cNvSpPr>
+          <p:nvPr>
+            <p:ph type="title"/>
+          </p:nvPr>
+        </p:nvSpPr>
+        <p:spPr/>
+        <p:txBody>
+          <a:bodyPr/>
+          <a:lstStyle/>
+          <a:p>
+            <a:r>
+              <a:rPr lang="en-US" dirty="0"/>
+              <a:t>Add a Slide Title - 3</a:t>
+            </a:r>
+          </a:p>
+        </p:txBody>
+      </p:sp>
+    </p:spTree>
+    <p:extLst>
+      <p:ext uri="{BB962C8B-B14F-4D97-AF65-F5344CB8AC3E}">
+        <p14:creationId xmlns:p14="http://schemas.microsoft.com/office/powerpoint/2010/main" val="397710800"/>
       </p:ext>
     </p:extLst>
   </p:cSld>
@@ -11344,6 +16426,188 @@
       </p:grpSpPr>
       <p:sp>
         <p:nvSpPr>
+          <p:cNvPr id="7" name="Rectangle 6"/>
+          <p:cNvSpPr/>
+          <p:nvPr/>
+        </p:nvSpPr>
+        <p:spPr>
+          <a:xfrm>
+            <a:off x="1218882" y="1371600"/>
+            <a:ext cx="6551930" cy="3657600"/>
+          </a:xfrm>
+          <a:prstGeom prst="rect">
+            <a:avLst/>
+          </a:prstGeom>
+          <a:blipFill dpi="0" rotWithShape="1">
+            <a:blip r:embed="rId2">
+              <a:alphaModFix amt="43000"/>
+            </a:blip>
+            <a:srcRect/>
+            <a:stretch>
+              <a:fillRect/>
+            </a:stretch>
+          </a:blipFill>
+        </p:spPr>
+        <p:style>
+          <a:lnRef idx="2">
+            <a:schemeClr val="accent1">
+              <a:shade val="50000"/>
+            </a:schemeClr>
+          </a:lnRef>
+          <a:fillRef idx="1">
+            <a:schemeClr val="accent1"/>
+          </a:fillRef>
+          <a:effectRef idx="0">
+            <a:schemeClr val="accent1"/>
+          </a:effectRef>
+          <a:fontRef idx="minor">
+            <a:schemeClr val="lt1"/>
+          </a:fontRef>
+        </p:style>
+        <p:txBody>
+          <a:bodyPr rtlCol="0" anchor="ctr"/>
+          <a:lstStyle/>
+          <a:p>
+            <a:pPr algn="ctr"/>
+            <a:endParaRPr lang="en-US" sz="2800"/>
+          </a:p>
+        </p:txBody>
+      </p:sp>
+      <p:sp>
+        <p:nvSpPr>
+          <p:cNvPr id="2" name="Title 1"/>
+          <p:cNvSpPr>
+            <a:spLocks noGrp="1"/>
+          </p:cNvSpPr>
+          <p:nvPr>
+            <p:ph type="title"/>
+          </p:nvPr>
+        </p:nvSpPr>
+        <p:spPr>
+          <a:xfrm>
+            <a:off x="760412" y="339794"/>
+            <a:ext cx="4062942" cy="558800"/>
+          </a:xfrm>
+        </p:spPr>
+        <p:txBody>
+          <a:bodyPr/>
+          <a:lstStyle/>
+          <a:p>
+            <a:r>
+              <a:rPr lang="en-US" dirty="0"/>
+              <a:t>THE FINISHED ALU</a:t>
+            </a:r>
+          </a:p>
+        </p:txBody>
+      </p:sp>
+      <p:sp>
+        <p:nvSpPr>
+          <p:cNvPr id="4" name="Text Placeholder 3"/>
+          <p:cNvSpPr>
+            <a:spLocks noGrp="1"/>
+          </p:cNvSpPr>
+          <p:nvPr>
+            <p:ph type="body" sz="half" idx="2"/>
+          </p:nvPr>
+        </p:nvSpPr>
+        <p:spPr>
+          <a:xfrm>
+            <a:off x="1256424" y="5105400"/>
+            <a:ext cx="9183448" cy="1168401"/>
+          </a:xfrm>
+        </p:spPr>
+        <p:txBody>
+          <a:bodyPr/>
+          <a:lstStyle/>
+          <a:p>
+            <a:r>
+              <a:rPr lang="en-US" dirty="0"/>
+              <a:t>Performs in all required modes.</a:t>
+            </a:r>
+          </a:p>
+          <a:p>
+            <a:r>
+              <a:rPr lang="en-US" dirty="0"/>
+              <a:t>Multiplication is product of 8bit by 8 bit multiplication</a:t>
+            </a:r>
+          </a:p>
+        </p:txBody>
+      </p:sp>
+      <p:pic>
+        <p:nvPicPr>
+          <p:cNvPr id="5" name="Content Placeholder 4"/>
+          <p:cNvPicPr>
+            <a:picLocks noGrp="1" noChangeAspect="1"/>
+          </p:cNvPicPr>
+          <p:nvPr>
+            <p:ph idx="1"/>
+          </p:nvPr>
+        </p:nvPicPr>
+        <p:blipFill>
+          <a:blip r:embed="rId3"/>
+          <a:stretch>
+            <a:fillRect/>
+          </a:stretch>
+        </p:blipFill>
+        <p:spPr>
+          <a:xfrm>
+            <a:off x="6551612" y="898594"/>
+            <a:ext cx="4747154" cy="2480593"/>
+          </a:xfrm>
+          <a:prstGeom prst="rect">
+            <a:avLst/>
+          </a:prstGeom>
+          <a:ln w="25400">
+            <a:solidFill>
+              <a:schemeClr val="accent1"/>
+            </a:solidFill>
+          </a:ln>
+        </p:spPr>
+      </p:pic>
+    </p:spTree>
+    <p:extLst>
+      <p:ext uri="{BB962C8B-B14F-4D97-AF65-F5344CB8AC3E}">
+        <p14:creationId xmlns:p14="http://schemas.microsoft.com/office/powerpoint/2010/main" val="2319046984"/>
+      </p:ext>
+    </p:extLst>
+  </p:cSld>
+  <p:clrMapOvr>
+    <a:masterClrMapping/>
+  </p:clrMapOvr>
+  <mc:AlternateContent xmlns:mc="http://schemas.openxmlformats.org/markup-compatibility/2006" xmlns:p14="http://schemas.microsoft.com/office/powerpoint/2010/main">
+    <mc:Choice Requires="p14">
+      <p:transition spd="med" p14:dur="700">
+        <p:fade/>
+      </p:transition>
+    </mc:Choice>
+    <mc:Fallback xmlns="">
+      <p:transition spd="med">
+        <p:fade/>
+      </p:transition>
+    </mc:Fallback>
+  </mc:AlternateContent>
+</p:sld>
+</file>
+
+<file path=ppt/slides/slide5.xml><?xml version="1.0" encoding="utf-8"?>
+<p:sld xmlns:a="http://schemas.openxmlformats.org/drawingml/2006/main" xmlns:r="http://schemas.openxmlformats.org/officeDocument/2006/relationships" xmlns:p="http://schemas.openxmlformats.org/presentationml/2006/main">
+  <p:cSld>
+    <p:spTree>
+      <p:nvGrpSpPr>
+        <p:cNvPr id="1" name=""/>
+        <p:cNvGrpSpPr/>
+        <p:nvPr/>
+      </p:nvGrpSpPr>
+      <p:grpSpPr>
+        <a:xfrm>
+          <a:off x="0" y="0"/>
+          <a:ext cx="0" cy="0"/>
+          <a:chOff x="0" y="0"/>
+          <a:chExt cx="0" cy="0"/>
+        </a:xfrm>
+      </p:grpSpPr>
+      <p:sp>
+        <p:nvSpPr>
           <p:cNvPr id="6" name="Rectangle 5"/>
           <p:cNvSpPr/>
           <p:nvPr/>
@@ -11466,147 +16730,6 @@
 </p:sld>
 </file>
 
-<file path=ppt/slides/slide5.xml><?xml version="1.0" encoding="utf-8"?>
-<p:sld xmlns:a="http://schemas.openxmlformats.org/drawingml/2006/main" xmlns:r="http://schemas.openxmlformats.org/officeDocument/2006/relationships" xmlns:p="http://schemas.openxmlformats.org/presentationml/2006/main">
-  <p:cSld>
-    <p:spTree>
-      <p:nvGrpSpPr>
-        <p:cNvPr id="1" name=""/>
-        <p:cNvGrpSpPr/>
-        <p:nvPr/>
-      </p:nvGrpSpPr>
-      <p:grpSpPr>
-        <a:xfrm>
-          <a:off x="0" y="0"/>
-          <a:ext cx="0" cy="0"/>
-          <a:chOff x="0" y="0"/>
-          <a:chExt cx="0" cy="0"/>
-        </a:xfrm>
-      </p:grpSpPr>
-      <p:sp>
-        <p:nvSpPr>
-          <p:cNvPr id="6" name="Rectangle 5"/>
-          <p:cNvSpPr/>
-          <p:nvPr/>
-        </p:nvSpPr>
-        <p:spPr>
-          <a:xfrm>
-            <a:off x="1293812" y="457200"/>
-            <a:ext cx="3017814" cy="461665"/>
-          </a:xfrm>
-          <a:prstGeom prst="rect">
-            <a:avLst/>
-          </a:prstGeom>
-        </p:spPr>
-        <p:txBody>
-          <a:bodyPr wrap="none">
-            <a:spAutoFit/>
-          </a:bodyPr>
-          <a:lstStyle/>
-          <a:p>
-            <a:r>
-              <a:rPr lang="en-US" dirty="0"/>
-              <a:t>Development Timeline</a:t>
-            </a:r>
-          </a:p>
-        </p:txBody>
-      </p:sp>
-      <p:pic>
-        <p:nvPicPr>
-          <p:cNvPr id="3" name="Picture 2"/>
-          <p:cNvPicPr>
-            <a:picLocks noChangeAspect="1"/>
-          </p:cNvPicPr>
-          <p:nvPr/>
-        </p:nvPicPr>
-        <p:blipFill>
-          <a:blip r:embed="rId2"/>
-          <a:stretch>
-            <a:fillRect/>
-          </a:stretch>
-        </p:blipFill>
-        <p:spPr>
-          <a:xfrm>
-            <a:off x="2589212" y="1749862"/>
-            <a:ext cx="6629400" cy="4520398"/>
-          </a:xfrm>
-          <a:prstGeom prst="rect">
-            <a:avLst/>
-          </a:prstGeom>
-          <a:ln>
-            <a:solidFill>
-              <a:schemeClr val="accent1"/>
-            </a:solidFill>
-          </a:ln>
-        </p:spPr>
-      </p:pic>
-      <p:sp>
-        <p:nvSpPr>
-          <p:cNvPr id="5" name="Rectangle 4"/>
-          <p:cNvSpPr/>
-          <p:nvPr/>
-        </p:nvSpPr>
-        <p:spPr>
-          <a:xfrm>
-            <a:off x="1065212" y="918865"/>
-            <a:ext cx="9067800" cy="830997"/>
-          </a:xfrm>
-          <a:prstGeom prst="rect">
-            <a:avLst/>
-          </a:prstGeom>
-          <a:noFill/>
-        </p:spPr>
-        <p:txBody>
-          <a:bodyPr wrap="square" lIns="91440" tIns="45720" rIns="91440" bIns="45720">
-            <a:spAutoFit/>
-          </a:bodyPr>
-          <a:lstStyle/>
-          <a:p>
-            <a:pPr algn="ctr"/>
-            <a:r>
-              <a:rPr lang="en-US" b="0" cap="none" spc="0" dirty="0">
-                <a:ln w="0"/>
-                <a:solidFill>
-                  <a:schemeClr val="accent1"/>
-                </a:solidFill>
-                <a:effectLst>
-                  <a:outerShdw blurRad="38100" dist="25400" dir="5400000" algn="ctr" rotWithShape="0">
-                    <a:srgbClr val="6E747A">
-                      <a:alpha val="43000"/>
-                    </a:srgbClr>
-                  </a:outerShdw>
-                </a:effectLst>
-              </a:rPr>
-              <a:t>FINISHING HAZARD DETECTION, STARTING BRANCH INSTRUCTIONS, STARTING USER I/O </a:t>
-            </a:r>
-          </a:p>
-        </p:txBody>
-      </p:sp>
-    </p:spTree>
-    <p:extLst>
-      <p:ext uri="{BB962C8B-B14F-4D97-AF65-F5344CB8AC3E}">
-        <p14:creationId xmlns:p14="http://schemas.microsoft.com/office/powerpoint/2010/main" val="139834120"/>
-      </p:ext>
-    </p:extLst>
-  </p:cSld>
-  <p:clrMapOvr>
-    <a:masterClrMapping/>
-  </p:clrMapOvr>
-  <mc:AlternateContent xmlns:mc="http://schemas.openxmlformats.org/markup-compatibility/2006" xmlns:p14="http://schemas.microsoft.com/office/powerpoint/2010/main">
-    <mc:Choice Requires="p14">
-      <p:transition spd="med" p14:dur="700">
-        <p:fade/>
-      </p:transition>
-    </mc:Choice>
-    <mc:Fallback xmlns="">
-      <p:transition spd="med">
-        <p:fade/>
-      </p:transition>
-    </mc:Fallback>
-  </mc:AlternateContent>
-</p:sld>
-</file>
-
 <file path=ppt/slides/slide6.xml><?xml version="1.0" encoding="utf-8"?>
 <p:sld xmlns:a="http://schemas.openxmlformats.org/drawingml/2006/main" xmlns:r="http://schemas.openxmlformats.org/officeDocument/2006/relationships" xmlns:p="http://schemas.openxmlformats.org/presentationml/2006/main">
   <p:cSld>
@@ -11626,107 +16749,78 @@
       </p:grpSpPr>
       <p:sp>
         <p:nvSpPr>
-          <p:cNvPr id="6" name="Rectangle 5"/>
-          <p:cNvSpPr/>
-          <p:nvPr/>
+          <p:cNvPr id="3" name="Title 2"/>
+          <p:cNvSpPr>
+            <a:spLocks noGrp="1"/>
+          </p:cNvSpPr>
+          <p:nvPr>
+            <p:ph type="title"/>
+          </p:nvPr>
         </p:nvSpPr>
         <p:spPr>
           <a:xfrm>
-            <a:off x="1293812" y="457200"/>
-            <a:ext cx="3017814" cy="461665"/>
+            <a:off x="1204324" y="304800"/>
+            <a:ext cx="4062942" cy="584200"/>
           </a:xfrm>
-          <a:prstGeom prst="rect">
-            <a:avLst/>
-          </a:prstGeom>
         </p:spPr>
         <p:txBody>
-          <a:bodyPr wrap="none">
-            <a:spAutoFit/>
-          </a:bodyPr>
+          <a:bodyPr/>
           <a:lstStyle/>
           <a:p>
             <a:r>
               <a:rPr lang="en-US" dirty="0"/>
-              <a:t>Development Timeline</a:t>
+              <a:t>Pipeline Stages</a:t>
             </a:r>
           </a:p>
         </p:txBody>
       </p:sp>
-      <p:pic>
-        <p:nvPicPr>
-          <p:cNvPr id="2" name="Picture 1"/>
-          <p:cNvPicPr>
-            <a:picLocks noChangeAspect="1"/>
-          </p:cNvPicPr>
-          <p:nvPr/>
-        </p:nvPicPr>
-        <p:blipFill>
-          <a:blip r:embed="rId2"/>
-          <a:stretch>
-            <a:fillRect/>
-          </a:stretch>
-        </p:blipFill>
-        <p:spPr>
-          <a:xfrm>
-            <a:off x="1370012" y="1752600"/>
-            <a:ext cx="8619464" cy="4495800"/>
-          </a:xfrm>
-          <a:prstGeom prst="rect">
-            <a:avLst/>
-          </a:prstGeom>
-          <a:ln>
-            <a:solidFill>
-              <a:schemeClr val="accent1"/>
-            </a:solidFill>
-          </a:ln>
-        </p:spPr>
-      </p:pic>
       <p:sp>
         <p:nvSpPr>
-          <p:cNvPr id="5" name="Rectangle 4"/>
-          <p:cNvSpPr/>
-          <p:nvPr/>
+          <p:cNvPr id="5" name="Text Placeholder 4"/>
+          <p:cNvSpPr>
+            <a:spLocks noGrp="1"/>
+          </p:cNvSpPr>
+          <p:nvPr>
+            <p:ph type="body" sz="half" idx="2"/>
+          </p:nvPr>
         </p:nvSpPr>
-        <p:spPr>
-          <a:xfrm>
-            <a:off x="1065212" y="918865"/>
-            <a:ext cx="9067800" cy="461665"/>
-          </a:xfrm>
-          <a:prstGeom prst="rect">
-            <a:avLst/>
-          </a:prstGeom>
-          <a:noFill/>
-        </p:spPr>
+        <p:spPr/>
         <p:txBody>
-          <a:bodyPr wrap="square" lIns="91440" tIns="45720" rIns="91440" bIns="45720">
-            <a:spAutoFit/>
-          </a:bodyPr>
+          <a:bodyPr/>
           <a:lstStyle/>
           <a:p>
-            <a:pPr algn="ctr"/>
-            <a:r>
-              <a:rPr lang="en-US" b="0" cap="none" spc="0" dirty="0">
-                <a:ln w="0"/>
-                <a:solidFill>
-                  <a:schemeClr val="accent1"/>
-                </a:solidFill>
-                <a:effectLst>
-                  <a:outerShdw blurRad="38100" dist="25400" dir="5400000" algn="ctr" rotWithShape="0">
-                    <a:srgbClr val="6E747A">
-                      <a:alpha val="43000"/>
-                    </a:srgbClr>
-                  </a:outerShdw>
-                </a:effectLst>
-              </a:rPr>
-              <a:t>FINISHING L INSTRUCTIONS, USER I/O DEBUGGING, DATA FORWARDING</a:t>
-            </a:r>
+            <a:endParaRPr lang="en-US" dirty="0"/>
           </a:p>
         </p:txBody>
       </p:sp>
+      <p:graphicFrame>
+        <p:nvGraphicFramePr>
+          <p:cNvPr id="7" name="Content Placeholder 4" descr="Staggered process showing 3 tasks arranged one below the other and two downward pointing arrows are used to indicate progression from first task to second task and second task to third task."/>
+          <p:cNvGraphicFramePr>
+            <a:graphicFrameLocks/>
+          </p:cNvGraphicFramePr>
+          <p:nvPr>
+            <p:extLst>
+              <p:ext uri="{D42A27DB-BD31-4B8C-83A1-F6EECF244321}">
+                <p14:modId xmlns:p14="http://schemas.microsoft.com/office/powerpoint/2010/main" val="3835039464"/>
+              </p:ext>
+            </p:extLst>
+          </p:nvPr>
+        </p:nvGraphicFramePr>
+        <p:xfrm>
+          <a:off x="6500813" y="1706563"/>
+          <a:ext cx="5078412" cy="4465637"/>
+        </p:xfrm>
+        <a:graphic>
+          <a:graphicData uri="http://schemas.openxmlformats.org/drawingml/2006/diagram">
+            <dgm:relIds xmlns:dgm="http://schemas.openxmlformats.org/drawingml/2006/diagram" xmlns:r="http://schemas.openxmlformats.org/officeDocument/2006/relationships" r:dm="rId2" r:lo="rId3" r:qs="rId4" r:cs="rId5"/>
+          </a:graphicData>
+        </a:graphic>
+      </p:graphicFrame>
     </p:spTree>
     <p:extLst>
       <p:ext uri="{BB962C8B-B14F-4D97-AF65-F5344CB8AC3E}">
-        <p14:creationId xmlns:p14="http://schemas.microsoft.com/office/powerpoint/2010/main" val="1814910333"/>
+        <p14:creationId xmlns:p14="http://schemas.microsoft.com/office/powerpoint/2010/main" val="3480339974"/>
       </p:ext>
     </p:extLst>
   </p:cSld>
@@ -11767,120 +16861,147 @@
       </p:grpSpPr>
       <p:sp>
         <p:nvSpPr>
+          <p:cNvPr id="3" name="Title 2"/>
+          <p:cNvSpPr>
+            <a:spLocks noGrp="1"/>
+          </p:cNvSpPr>
+          <p:nvPr>
+            <p:ph type="title"/>
+          </p:nvPr>
+        </p:nvSpPr>
+        <p:spPr>
+          <a:xfrm>
+            <a:off x="1204324" y="304800"/>
+            <a:ext cx="10376488" cy="533400"/>
+          </a:xfrm>
+        </p:spPr>
+        <p:txBody>
+          <a:bodyPr>
+            <a:normAutofit fontScale="90000"/>
+          </a:bodyPr>
+          <a:lstStyle/>
+          <a:p>
+            <a:r>
+              <a:rPr lang="en-US" dirty="0"/>
+              <a:t>Pipeline Stages – Instruction Fetch / Instruction Decode</a:t>
+            </a:r>
+          </a:p>
+        </p:txBody>
+      </p:sp>
+      <p:sp>
+        <p:nvSpPr>
+          <p:cNvPr id="5" name="Text Placeholder 4"/>
+          <p:cNvSpPr>
+            <a:spLocks noGrp="1"/>
+          </p:cNvSpPr>
+          <p:nvPr>
+            <p:ph type="body" sz="half" idx="2"/>
+          </p:nvPr>
+        </p:nvSpPr>
+        <p:spPr>
+          <a:xfrm>
+            <a:off x="6117588" y="4191000"/>
+            <a:ext cx="4062942" cy="1930400"/>
+          </a:xfrm>
+        </p:spPr>
+        <p:txBody>
+          <a:bodyPr/>
+          <a:lstStyle/>
+          <a:p>
+            <a:endParaRPr lang="en-US" dirty="0"/>
+          </a:p>
+        </p:txBody>
+      </p:sp>
+      <p:sp>
+        <p:nvSpPr>
           <p:cNvPr id="6" name="Rectangle 5"/>
           <p:cNvSpPr/>
           <p:nvPr/>
         </p:nvSpPr>
         <p:spPr>
           <a:xfrm>
-            <a:off x="1293812" y="457200"/>
-            <a:ext cx="3017814" cy="461665"/>
+            <a:off x="1065212" y="889000"/>
+            <a:ext cx="3429000" cy="5638800"/>
           </a:xfrm>
           <a:prstGeom prst="rect">
             <a:avLst/>
           </a:prstGeom>
+          <a:blipFill>
+            <a:blip r:embed="rId2">
+              <a:alphaModFix amt="43000"/>
+            </a:blip>
+            <a:stretch>
+              <a:fillRect/>
+            </a:stretch>
+          </a:blipFill>
+          <a:ln>
+            <a:solidFill>
+              <a:schemeClr val="accent1">
+                <a:shade val="50000"/>
+              </a:schemeClr>
+            </a:solidFill>
+          </a:ln>
         </p:spPr>
+        <p:style>
+          <a:lnRef idx="2">
+            <a:schemeClr val="accent1">
+              <a:shade val="50000"/>
+            </a:schemeClr>
+          </a:lnRef>
+          <a:fillRef idx="1">
+            <a:schemeClr val="accent1"/>
+          </a:fillRef>
+          <a:effectRef idx="0">
+            <a:schemeClr val="accent1"/>
+          </a:effectRef>
+          <a:fontRef idx="minor">
+            <a:schemeClr val="lt1"/>
+          </a:fontRef>
+        </p:style>
         <p:txBody>
-          <a:bodyPr wrap="none">
-            <a:spAutoFit/>
-          </a:bodyPr>
+          <a:bodyPr rtlCol="0" anchor="ctr"/>
           <a:lstStyle/>
           <a:p>
-            <a:r>
-              <a:rPr lang="en-US" dirty="0"/>
-              <a:t>Development Timeline</a:t>
-            </a:r>
+            <a:pPr algn="ctr"/>
+            <a:endParaRPr lang="en-US" sz="2800"/>
           </a:p>
         </p:txBody>
       </p:sp>
       <p:pic>
         <p:nvPicPr>
-          <p:cNvPr id="3" name="Picture 2"/>
+          <p:cNvPr id="2" name="Picture 1"/>
           <p:cNvPicPr>
             <a:picLocks noChangeAspect="1"/>
           </p:cNvPicPr>
           <p:nvPr/>
         </p:nvPicPr>
         <p:blipFill>
-          <a:blip r:embed="rId2"/>
+          <a:blip r:embed="rId3"/>
           <a:stretch>
             <a:fillRect/>
           </a:stretch>
         </p:blipFill>
         <p:spPr>
           <a:xfrm>
-            <a:off x="1293812" y="2057400"/>
-            <a:ext cx="8114286" cy="1857143"/>
+            <a:off x="6117588" y="1033790"/>
+            <a:ext cx="3939224" cy="2600560"/>
           </a:xfrm>
           <a:prstGeom prst="rect">
             <a:avLst/>
           </a:prstGeom>
-          <a:ln>
+          <a:ln w="25400">
             <a:solidFill>
-              <a:schemeClr val="accent1"/>
+              <a:schemeClr val="accent1">
+                <a:shade val="50000"/>
+              </a:schemeClr>
             </a:solidFill>
           </a:ln>
         </p:spPr>
       </p:pic>
-      <p:sp>
-        <p:nvSpPr>
-          <p:cNvPr id="5" name="Rectangle 4"/>
-          <p:cNvSpPr/>
-          <p:nvPr/>
-        </p:nvSpPr>
-        <p:spPr>
-          <a:xfrm>
-            <a:off x="1065212" y="918865"/>
-            <a:ext cx="9067800" cy="461665"/>
-          </a:xfrm>
-          <a:prstGeom prst="rect">
-            <a:avLst/>
-          </a:prstGeom>
-          <a:noFill/>
-        </p:spPr>
-        <p:txBody>
-          <a:bodyPr wrap="square" lIns="91440" tIns="45720" rIns="91440" bIns="45720">
-            <a:spAutoFit/>
-          </a:bodyPr>
-          <a:lstStyle/>
-          <a:p>
-            <a:pPr algn="ctr"/>
-            <a:r>
-              <a:rPr lang="en-US" b="0" cap="none" spc="0">
-                <a:ln w="0"/>
-                <a:solidFill>
-                  <a:schemeClr val="accent1"/>
-                </a:solidFill>
-                <a:effectLst>
-                  <a:outerShdw blurRad="38100" dist="25400" dir="5400000" algn="ctr" rotWithShape="0">
-                    <a:srgbClr val="6E747A">
-                      <a:alpha val="43000"/>
-                    </a:srgbClr>
-                  </a:outerShdw>
-                </a:effectLst>
-              </a:rPr>
-              <a:t>FINAL TOUCHES – BRANCH PREDICTIONS, PROJECT REPORT WRITING</a:t>
-            </a:r>
-            <a:endParaRPr lang="en-US" b="0" cap="none" spc="0" dirty="0">
-              <a:ln w="0"/>
-              <a:solidFill>
-                <a:schemeClr val="accent1"/>
-              </a:solidFill>
-              <a:effectLst>
-                <a:outerShdw blurRad="38100" dist="25400" dir="5400000" algn="ctr" rotWithShape="0">
-                  <a:srgbClr val="6E747A">
-                    <a:alpha val="43000"/>
-                  </a:srgbClr>
-                </a:outerShdw>
-              </a:effectLst>
-            </a:endParaRPr>
-          </a:p>
-        </p:txBody>
-      </p:sp>
     </p:spTree>
     <p:extLst>
       <p:ext uri="{BB962C8B-B14F-4D97-AF65-F5344CB8AC3E}">
-        <p14:creationId xmlns:p14="http://schemas.microsoft.com/office/powerpoint/2010/main" val="2642147782"/>
+        <p14:creationId xmlns:p14="http://schemas.microsoft.com/office/powerpoint/2010/main" val="3316687650"/>
       </p:ext>
     </p:extLst>
   </p:cSld>
@@ -11921,7 +17042,7 @@
       </p:grpSpPr>
       <p:sp>
         <p:nvSpPr>
-          <p:cNvPr id="13" name="Title 12"/>
+          <p:cNvPr id="3" name="Title 2"/>
           <p:cNvSpPr>
             <a:spLocks noGrp="1"/>
           </p:cNvSpPr>
@@ -11929,56 +17050,139 @@
             <p:ph type="title"/>
           </p:nvPr>
         </p:nvSpPr>
-        <p:spPr/>
+        <p:spPr>
+          <a:xfrm>
+            <a:off x="1204324" y="304800"/>
+            <a:ext cx="10376488" cy="533400"/>
+          </a:xfrm>
+        </p:spPr>
         <p:txBody>
-          <a:bodyPr/>
+          <a:bodyPr>
+            <a:normAutofit/>
+          </a:bodyPr>
           <a:lstStyle/>
           <a:p>
             <a:r>
               <a:rPr lang="en-US" dirty="0"/>
-              <a:t>Looking Back – All Goals Met</a:t>
+              <a:t>Pipeline Stages – Instruction DECODE / EXECUTION</a:t>
             </a:r>
           </a:p>
         </p:txBody>
       </p:sp>
       <p:sp>
         <p:nvSpPr>
-          <p:cNvPr id="14" name="Content Placeholder 13"/>
+          <p:cNvPr id="5" name="Text Placeholder 4"/>
           <p:cNvSpPr>
             <a:spLocks noGrp="1"/>
           </p:cNvSpPr>
           <p:nvPr>
-            <p:ph idx="1"/>
+            <p:ph type="body" sz="half" idx="2"/>
           </p:nvPr>
         </p:nvSpPr>
-        <p:spPr/>
+        <p:spPr>
+          <a:xfrm>
+            <a:off x="6117588" y="4191000"/>
+            <a:ext cx="4062942" cy="1930400"/>
+          </a:xfrm>
+        </p:spPr>
         <p:txBody>
           <a:bodyPr/>
           <a:lstStyle/>
           <a:p>
-            <a:r>
-              <a:rPr lang="en-US" dirty="0"/>
-              <a:t>Add your first bullet point here</a:t>
-            </a:r>
-          </a:p>
-          <a:p>
-            <a:r>
-              <a:rPr lang="en-US" dirty="0"/>
-              <a:t>Add your second bullet point here</a:t>
-            </a:r>
-          </a:p>
-          <a:p>
-            <a:r>
-              <a:rPr lang="en-US" dirty="0"/>
-              <a:t>Add your third bullet point here</a:t>
-            </a:r>
+            <a:endParaRPr lang="en-US" dirty="0"/>
           </a:p>
         </p:txBody>
       </p:sp>
+      <p:sp>
+        <p:nvSpPr>
+          <p:cNvPr id="6" name="Rectangle 5"/>
+          <p:cNvSpPr/>
+          <p:nvPr/>
+        </p:nvSpPr>
+        <p:spPr>
+          <a:xfrm>
+            <a:off x="1065212" y="889000"/>
+            <a:ext cx="3429000" cy="5638800"/>
+          </a:xfrm>
+          <a:prstGeom prst="rect">
+            <a:avLst/>
+          </a:prstGeom>
+          <a:blipFill>
+            <a:blip r:embed="rId2">
+              <a:alphaModFix amt="43000"/>
+            </a:blip>
+            <a:stretch>
+              <a:fillRect/>
+            </a:stretch>
+          </a:blipFill>
+          <a:ln>
+            <a:solidFill>
+              <a:schemeClr val="accent1">
+                <a:shade val="50000"/>
+              </a:schemeClr>
+            </a:solidFill>
+          </a:ln>
+        </p:spPr>
+        <p:style>
+          <a:lnRef idx="2">
+            <a:schemeClr val="accent1">
+              <a:shade val="50000"/>
+            </a:schemeClr>
+          </a:lnRef>
+          <a:fillRef idx="1">
+            <a:schemeClr val="accent1"/>
+          </a:fillRef>
+          <a:effectRef idx="0">
+            <a:schemeClr val="accent1"/>
+          </a:effectRef>
+          <a:fontRef idx="minor">
+            <a:schemeClr val="lt1"/>
+          </a:fontRef>
+        </p:style>
+        <p:txBody>
+          <a:bodyPr rtlCol="0" anchor="ctr"/>
+          <a:lstStyle/>
+          <a:p>
+            <a:pPr algn="ctr"/>
+            <a:endParaRPr lang="en-US" sz="2800"/>
+          </a:p>
+        </p:txBody>
+      </p:sp>
+      <p:pic>
+        <p:nvPicPr>
+          <p:cNvPr id="4" name="Picture 3"/>
+          <p:cNvPicPr>
+            <a:picLocks noChangeAspect="1"/>
+          </p:cNvPicPr>
+          <p:nvPr/>
+        </p:nvPicPr>
+        <p:blipFill>
+          <a:blip r:embed="rId3"/>
+          <a:stretch>
+            <a:fillRect/>
+          </a:stretch>
+        </p:blipFill>
+        <p:spPr>
+          <a:xfrm>
+            <a:off x="6356933" y="889000"/>
+            <a:ext cx="3746071" cy="3200400"/>
+          </a:xfrm>
+          <a:prstGeom prst="rect">
+            <a:avLst/>
+          </a:prstGeom>
+          <a:ln w="25400">
+            <a:solidFill>
+              <a:schemeClr val="accent1">
+                <a:shade val="50000"/>
+              </a:schemeClr>
+            </a:solidFill>
+          </a:ln>
+        </p:spPr>
+      </p:pic>
     </p:spTree>
     <p:extLst>
       <p:ext uri="{BB962C8B-B14F-4D97-AF65-F5344CB8AC3E}">
-        <p14:creationId xmlns:p14="http://schemas.microsoft.com/office/powerpoint/2010/main" val="3529114326"/>
+        <p14:creationId xmlns:p14="http://schemas.microsoft.com/office/powerpoint/2010/main" val="1060901775"/>
       </p:ext>
     </p:extLst>
   </p:cSld>
@@ -12019,7 +17223,7 @@
       </p:grpSpPr>
       <p:sp>
         <p:nvSpPr>
-          <p:cNvPr id="7" name="Title 6"/>
+          <p:cNvPr id="3" name="Title 2"/>
           <p:cNvSpPr>
             <a:spLocks noGrp="1"/>
           </p:cNvSpPr>
@@ -12027,47 +17231,139 @@
             <p:ph type="title"/>
           </p:nvPr>
         </p:nvSpPr>
-        <p:spPr/>
+        <p:spPr>
+          <a:xfrm>
+            <a:off x="1204324" y="304800"/>
+            <a:ext cx="10376488" cy="533400"/>
+          </a:xfrm>
+        </p:spPr>
+        <p:txBody>
+          <a:bodyPr>
+            <a:normAutofit/>
+          </a:bodyPr>
+          <a:lstStyle/>
+          <a:p>
+            <a:r>
+              <a:rPr lang="en-US" dirty="0"/>
+              <a:t>Pipeline Stages – EXECUTION / MEMORY</a:t>
+            </a:r>
+          </a:p>
+        </p:txBody>
+      </p:sp>
+      <p:sp>
+        <p:nvSpPr>
+          <p:cNvPr id="5" name="Text Placeholder 4"/>
+          <p:cNvSpPr>
+            <a:spLocks noGrp="1"/>
+          </p:cNvSpPr>
+          <p:nvPr>
+            <p:ph type="body" sz="half" idx="2"/>
+          </p:nvPr>
+        </p:nvSpPr>
+        <p:spPr>
+          <a:xfrm>
+            <a:off x="6117588" y="4191000"/>
+            <a:ext cx="4062942" cy="1930400"/>
+          </a:xfrm>
+        </p:spPr>
         <p:txBody>
           <a:bodyPr/>
           <a:lstStyle/>
           <a:p>
-            <a:r>
-              <a:rPr lang="en-US" dirty="0"/>
-              <a:t>Title and Content Layout with Chart</a:t>
-            </a:r>
+            <a:endParaRPr lang="en-US" dirty="0"/>
           </a:p>
         </p:txBody>
       </p:sp>
-      <p:graphicFrame>
-        <p:nvGraphicFramePr>
-          <p:cNvPr id="9" name="Content Placeholder 8" descr="Clustered column chart showing the values of 3 series for 4 categories"/>
-          <p:cNvGraphicFramePr>
-            <a:graphicFrameLocks noGrp="1"/>
-          </p:cNvGraphicFramePr>
-          <p:nvPr>
-            <p:ph idx="1"/>
-            <p:extLst>
-              <p:ext uri="{D42A27DB-BD31-4B8C-83A1-F6EECF244321}">
-                <p14:modId xmlns:p14="http://schemas.microsoft.com/office/powerpoint/2010/main" val="2424724130"/>
-              </p:ext>
-            </p:extLst>
-          </p:nvPr>
-        </p:nvGraphicFramePr>
-        <p:xfrm>
-          <a:off x="1219200" y="1701800"/>
-          <a:ext cx="10360025" cy="4462463"/>
-        </p:xfrm>
-        <a:graphic>
-          <a:graphicData uri="http://schemas.openxmlformats.org/drawingml/2006/chart">
-            <c:chart xmlns:c="http://schemas.openxmlformats.org/drawingml/2006/chart" xmlns:r="http://schemas.openxmlformats.org/officeDocument/2006/relationships" r:id="rId2"/>
-          </a:graphicData>
-        </a:graphic>
-      </p:graphicFrame>
+      <p:sp>
+        <p:nvSpPr>
+          <p:cNvPr id="6" name="Rectangle 5"/>
+          <p:cNvSpPr/>
+          <p:nvPr/>
+        </p:nvSpPr>
+        <p:spPr>
+          <a:xfrm>
+            <a:off x="1065212" y="889000"/>
+            <a:ext cx="3429000" cy="5638800"/>
+          </a:xfrm>
+          <a:prstGeom prst="rect">
+            <a:avLst/>
+          </a:prstGeom>
+          <a:blipFill>
+            <a:blip r:embed="rId2">
+              <a:alphaModFix amt="43000"/>
+            </a:blip>
+            <a:stretch>
+              <a:fillRect/>
+            </a:stretch>
+          </a:blipFill>
+          <a:ln>
+            <a:solidFill>
+              <a:schemeClr val="accent1">
+                <a:shade val="50000"/>
+              </a:schemeClr>
+            </a:solidFill>
+          </a:ln>
+        </p:spPr>
+        <p:style>
+          <a:lnRef idx="2">
+            <a:schemeClr val="accent1">
+              <a:shade val="50000"/>
+            </a:schemeClr>
+          </a:lnRef>
+          <a:fillRef idx="1">
+            <a:schemeClr val="accent1"/>
+          </a:fillRef>
+          <a:effectRef idx="0">
+            <a:schemeClr val="accent1"/>
+          </a:effectRef>
+          <a:fontRef idx="minor">
+            <a:schemeClr val="lt1"/>
+          </a:fontRef>
+        </p:style>
+        <p:txBody>
+          <a:bodyPr rtlCol="0" anchor="ctr"/>
+          <a:lstStyle/>
+          <a:p>
+            <a:pPr algn="ctr"/>
+            <a:endParaRPr lang="en-US" sz="2800"/>
+          </a:p>
+        </p:txBody>
+      </p:sp>
+      <p:pic>
+        <p:nvPicPr>
+          <p:cNvPr id="2" name="Picture 1"/>
+          <p:cNvPicPr>
+            <a:picLocks noChangeAspect="1"/>
+          </p:cNvPicPr>
+          <p:nvPr/>
+        </p:nvPicPr>
+        <p:blipFill>
+          <a:blip r:embed="rId3"/>
+          <a:stretch>
+            <a:fillRect/>
+          </a:stretch>
+        </p:blipFill>
+        <p:spPr>
+          <a:xfrm>
+            <a:off x="7008812" y="889000"/>
+            <a:ext cx="3324601" cy="2882630"/>
+          </a:xfrm>
+          <a:prstGeom prst="rect">
+            <a:avLst/>
+          </a:prstGeom>
+          <a:ln w="25400">
+            <a:solidFill>
+              <a:schemeClr val="accent1">
+                <a:shade val="50000"/>
+              </a:schemeClr>
+            </a:solidFill>
+          </a:ln>
+        </p:spPr>
+      </p:pic>
     </p:spTree>
     <p:extLst>
       <p:ext uri="{BB962C8B-B14F-4D97-AF65-F5344CB8AC3E}">
-        <p14:creationId xmlns:p14="http://schemas.microsoft.com/office/powerpoint/2010/main" val="1484811712"/>
+        <p14:creationId xmlns:p14="http://schemas.microsoft.com/office/powerpoint/2010/main" val="63487690"/>
       </p:ext>
     </p:extLst>
   </p:cSld>
@@ -14228,8 +19524,14 @@
 <ds:datastoreItem xmlns:ds="http://schemas.openxmlformats.org/officeDocument/2006/customXml" ds:itemID="{60C67BEE-D13F-4BD2-98A5-34D8A0977F68}">
   <ds:schemaRefs>
     <ds:schemaRef ds:uri="http://schemas.microsoft.com/office/2006/metadata/properties"/>
+    <ds:schemaRef ds:uri="http://purl.org/dc/elements/1.1/"/>
     <ds:schemaRef ds:uri="http://schemas.microsoft.com/office/infopath/2007/PartnerControls"/>
+    <ds:schemaRef ds:uri="http://purl.org/dc/terms/"/>
+    <ds:schemaRef ds:uri="http://www.w3.org/XML/1998/namespace"/>
+    <ds:schemaRef ds:uri="http://schemas.microsoft.com/office/2006/documentManagement/types"/>
     <ds:schemaRef ds:uri="4873beb7-5857-4685-be1f-d57550cc96cc"/>
+    <ds:schemaRef ds:uri="http://schemas.openxmlformats.org/package/2006/metadata/core-properties"/>
+    <ds:schemaRef ds:uri="http://purl.org/dc/dcmitype/"/>
   </ds:schemaRefs>
 </ds:datastoreItem>
 </file>

--- a/Documentation/Long-Mann 16-Bit RISC Processor.pptx
+++ b/Documentation/Long-Mann 16-Bit RISC Processor.pptx
@@ -9204,7 +9204,7 @@
           <a:p>
             <a:fld id="{FE5B4EDC-59C0-49C7-8ADA-5A781B329E02}" type="datetimeFigureOut">
               <a:rPr lang="en-US"/>
-              <a:t>3/27/2017</a:t>
+              <a:t>3/28/2017</a:t>
             </a:fld>
             <a:endParaRPr/>
           </a:p>
@@ -9369,7 +9369,7 @@
           <a:p>
             <a:fld id="{F2D8D46A-B586-417D-BFBD-8C8FE0AAF762}" type="datetimeFigureOut">
               <a:rPr lang="en-US"/>
-              <a:t>3/27/2017</a:t>
+              <a:t>3/28/2017</a:t>
             </a:fld>
             <a:endParaRPr/>
           </a:p>
@@ -10471,7 +10471,7 @@
           <a:p>
             <a:fld id="{F0DFD029-FB74-4578-B929-F66AA97659CA}" type="datetimeFigureOut">
               <a:rPr lang="en-US"/>
-              <a:t>3/27/2017</a:t>
+              <a:t>3/28/2017</a:t>
             </a:fld>
             <a:endParaRPr/>
           </a:p>
@@ -10669,7 +10669,7 @@
           <a:p>
             <a:fld id="{F0DFD029-FB74-4578-B929-F66AA97659CA}" type="datetimeFigureOut">
               <a:rPr lang="en-US"/>
-              <a:t>3/27/2017</a:t>
+              <a:t>3/28/2017</a:t>
             </a:fld>
             <a:endParaRPr/>
           </a:p>
@@ -10877,7 +10877,7 @@
           <a:p>
             <a:fld id="{F0DFD029-FB74-4578-B929-F66AA97659CA}" type="datetimeFigureOut">
               <a:rPr lang="en-US"/>
-              <a:t>3/27/2017</a:t>
+              <a:t>3/28/2017</a:t>
             </a:fld>
             <a:endParaRPr/>
           </a:p>
@@ -11075,7 +11075,7 @@
           <a:p>
             <a:fld id="{F0DFD029-FB74-4578-B929-F66AA97659CA}" type="datetimeFigureOut">
               <a:rPr lang="en-US"/>
-              <a:t>3/27/2017</a:t>
+              <a:t>3/28/2017</a:t>
             </a:fld>
             <a:endParaRPr/>
           </a:p>
@@ -11507,7 +11507,7 @@
           <a:p>
             <a:fld id="{F0DFD029-FB74-4578-B929-F66AA97659CA}" type="datetimeFigureOut">
               <a:rPr lang="en-US"/>
-              <a:t>3/27/2017</a:t>
+              <a:t>3/28/2017</a:t>
             </a:fld>
             <a:endParaRPr/>
           </a:p>
@@ -11811,7 +11811,7 @@
           <a:p>
             <a:fld id="{F0DFD029-FB74-4578-B929-F66AA97659CA}" type="datetimeFigureOut">
               <a:rPr lang="en-US"/>
-              <a:t>3/27/2017</a:t>
+              <a:t>3/28/2017</a:t>
             </a:fld>
             <a:endParaRPr/>
           </a:p>
@@ -12267,7 +12267,7 @@
           <a:p>
             <a:fld id="{F0DFD029-FB74-4578-B929-F66AA97659CA}" type="datetimeFigureOut">
               <a:rPr lang="en-US"/>
-              <a:t>3/27/2017</a:t>
+              <a:t>3/28/2017</a:t>
             </a:fld>
             <a:endParaRPr/>
           </a:p>
@@ -12397,7 +12397,7 @@
           <a:p>
             <a:fld id="{F0DFD029-FB74-4578-B929-F66AA97659CA}" type="datetimeFigureOut">
               <a:rPr lang="en-US"/>
-              <a:t>3/27/2017</a:t>
+              <a:t>3/28/2017</a:t>
             </a:fld>
             <a:endParaRPr/>
           </a:p>
@@ -12504,7 +12504,7 @@
           <a:p>
             <a:fld id="{F0DFD029-FB74-4578-B929-F66AA97659CA}" type="datetimeFigureOut">
               <a:rPr lang="en-US"/>
-              <a:t>3/27/2017</a:t>
+              <a:t>3/28/2017</a:t>
             </a:fld>
             <a:endParaRPr/>
           </a:p>
@@ -12803,7 +12803,7 @@
           <a:p>
             <a:fld id="{F0DFD029-FB74-4578-B929-F66AA97659CA}" type="datetimeFigureOut">
               <a:rPr lang="en-US"/>
-              <a:t>3/27/2017</a:t>
+              <a:t>3/28/2017</a:t>
             </a:fld>
             <a:endParaRPr/>
           </a:p>
@@ -13091,7 +13091,7 @@
           <a:p>
             <a:fld id="{F0DFD029-FB74-4578-B929-F66AA97659CA}" type="datetimeFigureOut">
               <a:rPr lang="en-US"/>
-              <a:t>3/27/2017</a:t>
+              <a:t>3/28/2017</a:t>
             </a:fld>
             <a:endParaRPr/>
           </a:p>
@@ -13714,7 +13714,7 @@
             <a:fld id="{F0DFD029-FB74-4578-B929-F66AA97659CA}" type="datetimeFigureOut">
               <a:rPr lang="en-US"/>
               <a:pPr/>
-              <a:t>3/27/2017</a:t>
+              <a:t>3/28/2017</a:t>
             </a:fld>
             <a:endParaRPr/>
           </a:p>
@@ -16349,7 +16349,7 @@
         <p:spPr>
           <a:xfrm>
             <a:off x="1293812" y="918865"/>
-            <a:ext cx="6934200" cy="461665"/>
+            <a:ext cx="10591800" cy="461665"/>
           </a:xfrm>
           <a:prstGeom prst="rect">
             <a:avLst/>
@@ -16377,7 +16377,39 @@
                   </a:outerShdw>
                 </a:effectLst>
               </a:rPr>
-              <a:t>FIRST STEPS – SIMPLE CPU, ALU, AND PIPELINE STAGES</a:t>
+              <a:t>FIRST STEPS – SIMPLE CPU, ALU, </a:t>
+            </a:r>
+            <a:r>
+              <a:rPr lang="en-US" dirty="0">
+                <a:ln w="0"/>
+                <a:solidFill>
+                  <a:schemeClr val="accent1"/>
+                </a:solidFill>
+                <a:effectLst>
+                  <a:outerShdw blurRad="38100" dist="25400" dir="5400000" algn="ctr" rotWithShape="0">
+                    <a:srgbClr val="6E747A">
+                      <a:alpha val="43000"/>
+                    </a:srgbClr>
+                  </a:outerShdw>
+                </a:effectLst>
+              </a:rPr>
+              <a:t>STARTING CONTROL UNIT </a:t>
+            </a:r>
+            <a:r>
+              <a:rPr lang="en-US" b="0" cap="none" spc="0" dirty="0">
+                <a:ln w="0"/>
+                <a:solidFill>
+                  <a:schemeClr val="accent1"/>
+                </a:solidFill>
+                <a:effectLst>
+                  <a:outerShdw blurRad="38100" dist="25400" dir="5400000" algn="ctr" rotWithShape="0">
+                    <a:srgbClr val="6E747A">
+                      <a:alpha val="43000"/>
+                    </a:srgbClr>
+                  </a:outerShdw>
+                </a:effectLst>
+              </a:rPr>
+              <a:t>AND PIPELINE STAGES</a:t>
             </a:r>
           </a:p>
         </p:txBody>
@@ -19523,14 +19555,14 @@
 <file path=customXml/itemProps1.xml><?xml version="1.0" encoding="utf-8"?>
 <ds:datastoreItem xmlns:ds="http://schemas.openxmlformats.org/officeDocument/2006/customXml" ds:itemID="{60C67BEE-D13F-4BD2-98A5-34D8A0977F68}">
   <ds:schemaRefs>
+    <ds:schemaRef ds:uri="http://schemas.openxmlformats.org/package/2006/metadata/core-properties"/>
+    <ds:schemaRef ds:uri="http://schemas.microsoft.com/office/2006/documentManagement/types"/>
+    <ds:schemaRef ds:uri="4873beb7-5857-4685-be1f-d57550cc96cc"/>
+    <ds:schemaRef ds:uri="http://purl.org/dc/elements/1.1/"/>
     <ds:schemaRef ds:uri="http://schemas.microsoft.com/office/2006/metadata/properties"/>
-    <ds:schemaRef ds:uri="http://purl.org/dc/elements/1.1/"/>
     <ds:schemaRef ds:uri="http://schemas.microsoft.com/office/infopath/2007/PartnerControls"/>
     <ds:schemaRef ds:uri="http://purl.org/dc/terms/"/>
     <ds:schemaRef ds:uri="http://www.w3.org/XML/1998/namespace"/>
-    <ds:schemaRef ds:uri="http://schemas.microsoft.com/office/2006/documentManagement/types"/>
-    <ds:schemaRef ds:uri="4873beb7-5857-4685-be1f-d57550cc96cc"/>
-    <ds:schemaRef ds:uri="http://schemas.openxmlformats.org/package/2006/metadata/core-properties"/>
     <ds:schemaRef ds:uri="http://purl.org/dc/dcmitype/"/>
   </ds:schemaRefs>
 </ds:datastoreItem>

--- a/Documentation/Long-Mann 16-Bit RISC Processor.pptx
+++ b/Documentation/Long-Mann 16-Bit RISC Processor.pptx
@@ -510,6 +510,7 @@
     </c:plotArea>
     <c:legend>
       <c:legendPos val="t"/>
+      <c:layout/>
       <c:overlay val="0"/>
       <c:spPr>
         <a:noFill/>
@@ -3199,6 +3200,13 @@
         </dgm:presLayoutVars>
       </dgm:prSet>
       <dgm:spPr/>
+      <dgm:t>
+        <a:bodyPr/>
+        <a:lstStyle/>
+        <a:p>
+          <a:endParaRPr lang="en-US"/>
+        </a:p>
+      </dgm:t>
     </dgm:pt>
     <dgm:pt modelId="{3E0E8213-E460-4EB7-9A92-C2B1CC553F0D}" type="pres">
       <dgm:prSet presAssocID="{CD7942A0-B7D2-4B14-8FEA-55FC702F5BE7}" presName="dummyMaxCanvas" presStyleCnt="0">
@@ -3207,12 +3215,19 @@
       <dgm:spPr/>
     </dgm:pt>
     <dgm:pt modelId="{1E96443D-EA71-4842-AAC1-E39709DC24F1}" type="pres">
-      <dgm:prSet presAssocID="{CD7942A0-B7D2-4B14-8FEA-55FC702F5BE7}" presName="FourNodes_1" presStyleLbl="node1" presStyleIdx="0" presStyleCnt="4">
+      <dgm:prSet presAssocID="{CD7942A0-B7D2-4B14-8FEA-55FC702F5BE7}" presName="FourNodes_1" presStyleLbl="node1" presStyleIdx="0" presStyleCnt="4" custAng="0" custLinFactNeighborX="3378">
         <dgm:presLayoutVars>
           <dgm:bulletEnabled val="1"/>
         </dgm:presLayoutVars>
       </dgm:prSet>
       <dgm:spPr/>
+      <dgm:t>
+        <a:bodyPr/>
+        <a:lstStyle/>
+        <a:p>
+          <a:endParaRPr lang="en-US"/>
+        </a:p>
+      </dgm:t>
     </dgm:pt>
     <dgm:pt modelId="{7693B563-2CC1-4AED-A93E-92E82A398B0C}" type="pres">
       <dgm:prSet presAssocID="{CD7942A0-B7D2-4B14-8FEA-55FC702F5BE7}" presName="FourNodes_2" presStyleLbl="node1" presStyleIdx="1" presStyleCnt="4">
@@ -3221,6 +3236,13 @@
         </dgm:presLayoutVars>
       </dgm:prSet>
       <dgm:spPr/>
+      <dgm:t>
+        <a:bodyPr/>
+        <a:lstStyle/>
+        <a:p>
+          <a:endParaRPr lang="en-US"/>
+        </a:p>
+      </dgm:t>
     </dgm:pt>
     <dgm:pt modelId="{51AF1933-C1FE-43BC-BAB4-1FDE9E29037C}" type="pres">
       <dgm:prSet presAssocID="{CD7942A0-B7D2-4B14-8FEA-55FC702F5BE7}" presName="FourNodes_3" presStyleLbl="node1" presStyleIdx="2" presStyleCnt="4">
@@ -3229,6 +3251,13 @@
         </dgm:presLayoutVars>
       </dgm:prSet>
       <dgm:spPr/>
+      <dgm:t>
+        <a:bodyPr/>
+        <a:lstStyle/>
+        <a:p>
+          <a:endParaRPr lang="en-US"/>
+        </a:p>
+      </dgm:t>
     </dgm:pt>
     <dgm:pt modelId="{27CCC5E1-2A78-4F55-846B-A18407DA0ADE}" type="pres">
       <dgm:prSet presAssocID="{CD7942A0-B7D2-4B14-8FEA-55FC702F5BE7}" presName="FourNodes_4" presStyleLbl="node1" presStyleIdx="3" presStyleCnt="4">
@@ -3237,6 +3266,13 @@
         </dgm:presLayoutVars>
       </dgm:prSet>
       <dgm:spPr/>
+      <dgm:t>
+        <a:bodyPr/>
+        <a:lstStyle/>
+        <a:p>
+          <a:endParaRPr lang="en-US"/>
+        </a:p>
+      </dgm:t>
     </dgm:pt>
     <dgm:pt modelId="{BFC9D07A-D193-434B-B970-04466651814F}" type="pres">
       <dgm:prSet presAssocID="{CD7942A0-B7D2-4B14-8FEA-55FC702F5BE7}" presName="FourConn_1-2" presStyleLbl="fgAccFollowNode1" presStyleIdx="0" presStyleCnt="3">
@@ -3245,6 +3281,13 @@
         </dgm:presLayoutVars>
       </dgm:prSet>
       <dgm:spPr/>
+      <dgm:t>
+        <a:bodyPr/>
+        <a:lstStyle/>
+        <a:p>
+          <a:endParaRPr lang="en-US"/>
+        </a:p>
+      </dgm:t>
     </dgm:pt>
     <dgm:pt modelId="{9EC24D08-1A6A-46FD-A24A-B5D2EECA89A0}" type="pres">
       <dgm:prSet presAssocID="{CD7942A0-B7D2-4B14-8FEA-55FC702F5BE7}" presName="FourConn_2-3" presStyleLbl="fgAccFollowNode1" presStyleIdx="1" presStyleCnt="3">
@@ -3253,6 +3296,13 @@
         </dgm:presLayoutVars>
       </dgm:prSet>
       <dgm:spPr/>
+      <dgm:t>
+        <a:bodyPr/>
+        <a:lstStyle/>
+        <a:p>
+          <a:endParaRPr lang="en-US"/>
+        </a:p>
+      </dgm:t>
     </dgm:pt>
     <dgm:pt modelId="{0074CB6E-2FCB-44E3-B8D5-A968C3F4958B}" type="pres">
       <dgm:prSet presAssocID="{CD7942A0-B7D2-4B14-8FEA-55FC702F5BE7}" presName="FourConn_3-4" presStyleLbl="fgAccFollowNode1" presStyleIdx="2" presStyleCnt="3">
@@ -3261,6 +3311,13 @@
         </dgm:presLayoutVars>
       </dgm:prSet>
       <dgm:spPr/>
+      <dgm:t>
+        <a:bodyPr/>
+        <a:lstStyle/>
+        <a:p>
+          <a:endParaRPr lang="en-US"/>
+        </a:p>
+      </dgm:t>
     </dgm:pt>
     <dgm:pt modelId="{13F2561C-81A8-4F1B-8554-1280508AA4AD}" type="pres">
       <dgm:prSet presAssocID="{CD7942A0-B7D2-4B14-8FEA-55FC702F5BE7}" presName="FourNodes_1_text" presStyleLbl="node1" presStyleIdx="3" presStyleCnt="4">
@@ -3269,6 +3326,13 @@
         </dgm:presLayoutVars>
       </dgm:prSet>
       <dgm:spPr/>
+      <dgm:t>
+        <a:bodyPr/>
+        <a:lstStyle/>
+        <a:p>
+          <a:endParaRPr lang="en-US"/>
+        </a:p>
+      </dgm:t>
     </dgm:pt>
     <dgm:pt modelId="{83E35678-EB88-4F16-982E-30BB26AE7EA2}" type="pres">
       <dgm:prSet presAssocID="{CD7942A0-B7D2-4B14-8FEA-55FC702F5BE7}" presName="FourNodes_2_text" presStyleLbl="node1" presStyleIdx="3" presStyleCnt="4">
@@ -3277,6 +3341,13 @@
         </dgm:presLayoutVars>
       </dgm:prSet>
       <dgm:spPr/>
+      <dgm:t>
+        <a:bodyPr/>
+        <a:lstStyle/>
+        <a:p>
+          <a:endParaRPr lang="en-US"/>
+        </a:p>
+      </dgm:t>
     </dgm:pt>
     <dgm:pt modelId="{01A23C6C-9A0D-45B6-9B7F-42F8E86CBA2C}" type="pres">
       <dgm:prSet presAssocID="{CD7942A0-B7D2-4B14-8FEA-55FC702F5BE7}" presName="FourNodes_3_text" presStyleLbl="node1" presStyleIdx="3" presStyleCnt="4">
@@ -3285,6 +3356,13 @@
         </dgm:presLayoutVars>
       </dgm:prSet>
       <dgm:spPr/>
+      <dgm:t>
+        <a:bodyPr/>
+        <a:lstStyle/>
+        <a:p>
+          <a:endParaRPr lang="en-US"/>
+        </a:p>
+      </dgm:t>
     </dgm:pt>
     <dgm:pt modelId="{E6B6CA78-758D-42BA-9284-2DCFCCFCF39A}" type="pres">
       <dgm:prSet presAssocID="{CD7942A0-B7D2-4B14-8FEA-55FC702F5BE7}" presName="FourNodes_4_text" presStyleLbl="node1" presStyleIdx="3" presStyleCnt="4">
@@ -3293,25 +3371,32 @@
         </dgm:presLayoutVars>
       </dgm:prSet>
       <dgm:spPr/>
+      <dgm:t>
+        <a:bodyPr/>
+        <a:lstStyle/>
+        <a:p>
+          <a:endParaRPr lang="en-US"/>
+        </a:p>
+      </dgm:t>
     </dgm:pt>
   </dgm:ptLst>
   <dgm:cxnLst>
-    <dgm:cxn modelId="{6CC53A0C-5D84-4162-BD13-9A73544E69D2}" type="presOf" srcId="{7133ECF5-4190-4604-AA2F-03C9A0A9210F}" destId="{E6B6CA78-758D-42BA-9284-2DCFCCFCF39A}" srcOrd="1" destOrd="0" presId="urn:microsoft.com/office/officeart/2005/8/layout/vProcess5"/>
-    <dgm:cxn modelId="{9EDCDD19-2299-4419-B856-2ECC84115AEB}" type="presOf" srcId="{8EC937D8-BD76-4A12-A3E5-900D5C1E2E05}" destId="{51AF1933-C1FE-43BC-BAB4-1FDE9E29037C}" srcOrd="0" destOrd="0" presId="urn:microsoft.com/office/officeart/2005/8/layout/vProcess5"/>
-    <dgm:cxn modelId="{679FBA36-3469-4366-B626-6CA0F784814F}" type="presOf" srcId="{7133ECF5-4190-4604-AA2F-03C9A0A9210F}" destId="{27CCC5E1-2A78-4F55-846B-A18407DA0ADE}" srcOrd="0" destOrd="0" presId="urn:microsoft.com/office/officeart/2005/8/layout/vProcess5"/>
+    <dgm:cxn modelId="{C2D0E194-BD14-4AD2-9E3A-CE984C34B6CD}" type="presOf" srcId="{CD7942A0-B7D2-4B14-8FEA-55FC702F5BE7}" destId="{1D84D8B6-AB32-4491-B5D2-EFE3D7668B88}" srcOrd="0" destOrd="0" presId="urn:microsoft.com/office/officeart/2005/8/layout/vProcess5"/>
+    <dgm:cxn modelId="{011A9761-E983-4C7D-AB1D-2038261D8FF8}" srcId="{CD7942A0-B7D2-4B14-8FEA-55FC702F5BE7}" destId="{7133ECF5-4190-4604-AA2F-03C9A0A9210F}" srcOrd="3" destOrd="0" parTransId="{7D1B29D7-21DD-436A-8F7C-E87DE53C1431}" sibTransId="{46037378-034A-4662-877A-B53E1DA069A3}"/>
+    <dgm:cxn modelId="{608DAFCE-4557-4482-A8B1-45FE138B070D}" type="presOf" srcId="{E7B020CF-39E5-4055-8941-9A5C3C730AA5}" destId="{BFC9D07A-D193-434B-B970-04466651814F}" srcOrd="0" destOrd="0" presId="urn:microsoft.com/office/officeart/2005/8/layout/vProcess5"/>
     <dgm:cxn modelId="{5D2C035D-6B1B-409B-BB45-E999B9C2C57D}" srcId="{CD7942A0-B7D2-4B14-8FEA-55FC702F5BE7}" destId="{E3EB2CDB-023B-467A-A0BA-EA5C6D94224E}" srcOrd="0" destOrd="0" parTransId="{2C4E2FBB-9EB0-4C12-AD56-1F00B2BEBCC7}" sibTransId="{E7B020CF-39E5-4055-8941-9A5C3C730AA5}"/>
-    <dgm:cxn modelId="{011A9761-E983-4C7D-AB1D-2038261D8FF8}" srcId="{CD7942A0-B7D2-4B14-8FEA-55FC702F5BE7}" destId="{7133ECF5-4190-4604-AA2F-03C9A0A9210F}" srcOrd="3" destOrd="0" parTransId="{7D1B29D7-21DD-436A-8F7C-E87DE53C1431}" sibTransId="{46037378-034A-4662-877A-B53E1DA069A3}"/>
-    <dgm:cxn modelId="{4826CD6A-8037-4CA4-A37B-2C33AFD06A97}" type="presOf" srcId="{8EC937D8-BD76-4A12-A3E5-900D5C1E2E05}" destId="{01A23C6C-9A0D-45B6-9B7F-42F8E86CBA2C}" srcOrd="1" destOrd="0" presId="urn:microsoft.com/office/officeart/2005/8/layout/vProcess5"/>
-    <dgm:cxn modelId="{43DC8383-AEE5-490C-A8E5-1F216F2B8FE6}" srcId="{CD7942A0-B7D2-4B14-8FEA-55FC702F5BE7}" destId="{8EC937D8-BD76-4A12-A3E5-900D5C1E2E05}" srcOrd="2" destOrd="0" parTransId="{8265EE85-9851-494E-A6D3-1CDACE947DF3}" sibTransId="{B3EFD4A5-9FA1-4ABE-B722-05162509509B}"/>
+    <dgm:cxn modelId="{50D478DE-7E4F-453A-91DA-A9E41C56A159}" type="presOf" srcId="{E3EB2CDB-023B-467A-A0BA-EA5C6D94224E}" destId="{13F2561C-81A8-4F1B-8554-1280508AA4AD}" srcOrd="1" destOrd="0" presId="urn:microsoft.com/office/officeart/2005/8/layout/vProcess5"/>
+    <dgm:cxn modelId="{CAE52CB5-56F6-4141-AAC5-A92BAD6C7F98}" type="presOf" srcId="{095A5E99-E976-4550-8F80-53CC813F2F5A}" destId="{7693B563-2CC1-4AED-A93E-92E82A398B0C}" srcOrd="0" destOrd="0" presId="urn:microsoft.com/office/officeart/2005/8/layout/vProcess5"/>
+    <dgm:cxn modelId="{D1A4D8E6-F04E-4AB1-8D0C-63DC7AB1E81F}" srcId="{CD7942A0-B7D2-4B14-8FEA-55FC702F5BE7}" destId="{095A5E99-E976-4550-8F80-53CC813F2F5A}" srcOrd="1" destOrd="0" parTransId="{03339A0D-5DC0-4B29-8353-C5AEBFD4DE86}" sibTransId="{8877691F-1B60-4485-9174-DDEC7EE68B70}"/>
+    <dgm:cxn modelId="{DF3AC698-6782-4527-91C5-2C9B77928450}" type="presOf" srcId="{B3EFD4A5-9FA1-4ABE-B722-05162509509B}" destId="{0074CB6E-2FCB-44E3-B8D5-A968C3F4958B}" srcOrd="0" destOrd="0" presId="urn:microsoft.com/office/officeart/2005/8/layout/vProcess5"/>
     <dgm:cxn modelId="{02517789-586D-4E73-8152-E0A37FA3133F}" type="presOf" srcId="{E3EB2CDB-023B-467A-A0BA-EA5C6D94224E}" destId="{1E96443D-EA71-4842-AAC1-E39709DC24F1}" srcOrd="0" destOrd="0" presId="urn:microsoft.com/office/officeart/2005/8/layout/vProcess5"/>
     <dgm:cxn modelId="{4F56FC8D-5DD3-45ED-8354-D354305E3991}" type="presOf" srcId="{095A5E99-E976-4550-8F80-53CC813F2F5A}" destId="{83E35678-EB88-4F16-982E-30BB26AE7EA2}" srcOrd="1" destOrd="0" presId="urn:microsoft.com/office/officeart/2005/8/layout/vProcess5"/>
-    <dgm:cxn modelId="{C2D0E194-BD14-4AD2-9E3A-CE984C34B6CD}" type="presOf" srcId="{CD7942A0-B7D2-4B14-8FEA-55FC702F5BE7}" destId="{1D84D8B6-AB32-4491-B5D2-EFE3D7668B88}" srcOrd="0" destOrd="0" presId="urn:microsoft.com/office/officeart/2005/8/layout/vProcess5"/>
-    <dgm:cxn modelId="{DF3AC698-6782-4527-91C5-2C9B77928450}" type="presOf" srcId="{B3EFD4A5-9FA1-4ABE-B722-05162509509B}" destId="{0074CB6E-2FCB-44E3-B8D5-A968C3F4958B}" srcOrd="0" destOrd="0" presId="urn:microsoft.com/office/officeart/2005/8/layout/vProcess5"/>
+    <dgm:cxn modelId="{679FBA36-3469-4366-B626-6CA0F784814F}" type="presOf" srcId="{7133ECF5-4190-4604-AA2F-03C9A0A9210F}" destId="{27CCC5E1-2A78-4F55-846B-A18407DA0ADE}" srcOrd="0" destOrd="0" presId="urn:microsoft.com/office/officeart/2005/8/layout/vProcess5"/>
+    <dgm:cxn modelId="{43DC8383-AEE5-490C-A8E5-1F216F2B8FE6}" srcId="{CD7942A0-B7D2-4B14-8FEA-55FC702F5BE7}" destId="{8EC937D8-BD76-4A12-A3E5-900D5C1E2E05}" srcOrd="2" destOrd="0" parTransId="{8265EE85-9851-494E-A6D3-1CDACE947DF3}" sibTransId="{B3EFD4A5-9FA1-4ABE-B722-05162509509B}"/>
+    <dgm:cxn modelId="{9EDCDD19-2299-4419-B856-2ECC84115AEB}" type="presOf" srcId="{8EC937D8-BD76-4A12-A3E5-900D5C1E2E05}" destId="{51AF1933-C1FE-43BC-BAB4-1FDE9E29037C}" srcOrd="0" destOrd="0" presId="urn:microsoft.com/office/officeart/2005/8/layout/vProcess5"/>
+    <dgm:cxn modelId="{4826CD6A-8037-4CA4-A37B-2C33AFD06A97}" type="presOf" srcId="{8EC937D8-BD76-4A12-A3E5-900D5C1E2E05}" destId="{01A23C6C-9A0D-45B6-9B7F-42F8E86CBA2C}" srcOrd="1" destOrd="0" presId="urn:microsoft.com/office/officeart/2005/8/layout/vProcess5"/>
+    <dgm:cxn modelId="{6CC53A0C-5D84-4162-BD13-9A73544E69D2}" type="presOf" srcId="{7133ECF5-4190-4604-AA2F-03C9A0A9210F}" destId="{E6B6CA78-758D-42BA-9284-2DCFCCFCF39A}" srcOrd="1" destOrd="0" presId="urn:microsoft.com/office/officeart/2005/8/layout/vProcess5"/>
     <dgm:cxn modelId="{EC1BA8B2-487C-470F-A103-A75251F4C14F}" type="presOf" srcId="{8877691F-1B60-4485-9174-DDEC7EE68B70}" destId="{9EC24D08-1A6A-46FD-A24A-B5D2EECA89A0}" srcOrd="0" destOrd="0" presId="urn:microsoft.com/office/officeart/2005/8/layout/vProcess5"/>
-    <dgm:cxn modelId="{CAE52CB5-56F6-4141-AAC5-A92BAD6C7F98}" type="presOf" srcId="{095A5E99-E976-4550-8F80-53CC813F2F5A}" destId="{7693B563-2CC1-4AED-A93E-92E82A398B0C}" srcOrd="0" destOrd="0" presId="urn:microsoft.com/office/officeart/2005/8/layout/vProcess5"/>
-    <dgm:cxn modelId="{608DAFCE-4557-4482-A8B1-45FE138B070D}" type="presOf" srcId="{E7B020CF-39E5-4055-8941-9A5C3C730AA5}" destId="{BFC9D07A-D193-434B-B970-04466651814F}" srcOrd="0" destOrd="0" presId="urn:microsoft.com/office/officeart/2005/8/layout/vProcess5"/>
-    <dgm:cxn modelId="{50D478DE-7E4F-453A-91DA-A9E41C56A159}" type="presOf" srcId="{E3EB2CDB-023B-467A-A0BA-EA5C6D94224E}" destId="{13F2561C-81A8-4F1B-8554-1280508AA4AD}" srcOrd="1" destOrd="0" presId="urn:microsoft.com/office/officeart/2005/8/layout/vProcess5"/>
-    <dgm:cxn modelId="{D1A4D8E6-F04E-4AB1-8D0C-63DC7AB1E81F}" srcId="{CD7942A0-B7D2-4B14-8FEA-55FC702F5BE7}" destId="{095A5E99-E976-4550-8F80-53CC813F2F5A}" srcOrd="1" destOrd="0" parTransId="{03339A0D-5DC0-4B29-8353-C5AEBFD4DE86}" sibTransId="{8877691F-1B60-4485-9174-DDEC7EE68B70}"/>
     <dgm:cxn modelId="{768DB908-A4BF-48A6-A740-5DD0CBAFBB11}" type="presParOf" srcId="{1D84D8B6-AB32-4491-B5D2-EFE3D7668B88}" destId="{3E0E8213-E460-4EB7-9A92-C2B1CC553F0D}" srcOrd="0" destOrd="0" presId="urn:microsoft.com/office/officeart/2005/8/layout/vProcess5"/>
     <dgm:cxn modelId="{49885481-704C-4C91-910F-81472DBF19F1}" type="presParOf" srcId="{1D84D8B6-AB32-4491-B5D2-EFE3D7668B88}" destId="{1E96443D-EA71-4842-AAC1-E39709DC24F1}" srcOrd="1" destOrd="0" presId="urn:microsoft.com/office/officeart/2005/8/layout/vProcess5"/>
     <dgm:cxn modelId="{C85D5E5D-E31B-47E5-AD8F-8174279E70B3}" type="presParOf" srcId="{1D84D8B6-AB32-4491-B5D2-EFE3D7668B88}" destId="{7693B563-2CC1-4AED-A93E-92E82A398B0C}" srcOrd="2" destOrd="0" presId="urn:microsoft.com/office/officeart/2005/8/layout/vProcess5"/>
@@ -3518,6 +3603,13 @@
         </dgm:presLayoutVars>
       </dgm:prSet>
       <dgm:spPr/>
+      <dgm:t>
+        <a:bodyPr/>
+        <a:lstStyle/>
+        <a:p>
+          <a:endParaRPr lang="en-US"/>
+        </a:p>
+      </dgm:t>
     </dgm:pt>
     <dgm:pt modelId="{3E0E8213-E460-4EB7-9A92-C2B1CC553F0D}" type="pres">
       <dgm:prSet presAssocID="{CD7942A0-B7D2-4B14-8FEA-55FC702F5BE7}" presName="dummyMaxCanvas" presStyleCnt="0">
@@ -3532,6 +3624,13 @@
         </dgm:presLayoutVars>
       </dgm:prSet>
       <dgm:spPr/>
+      <dgm:t>
+        <a:bodyPr/>
+        <a:lstStyle/>
+        <a:p>
+          <a:endParaRPr lang="en-US"/>
+        </a:p>
+      </dgm:t>
     </dgm:pt>
     <dgm:pt modelId="{CA544AF7-F7B2-4CA5-9251-B4CDB8D06634}" type="pres">
       <dgm:prSet presAssocID="{CD7942A0-B7D2-4B14-8FEA-55FC702F5BE7}" presName="ThreeNodes_2" presStyleLbl="node1" presStyleIdx="1" presStyleCnt="3">
@@ -3540,6 +3639,13 @@
         </dgm:presLayoutVars>
       </dgm:prSet>
       <dgm:spPr/>
+      <dgm:t>
+        <a:bodyPr/>
+        <a:lstStyle/>
+        <a:p>
+          <a:endParaRPr lang="en-US"/>
+        </a:p>
+      </dgm:t>
     </dgm:pt>
     <dgm:pt modelId="{2AE92D3F-F0FA-45DD-BB60-4C6FBC6BC016}" type="pres">
       <dgm:prSet presAssocID="{CD7942A0-B7D2-4B14-8FEA-55FC702F5BE7}" presName="ThreeNodes_3" presStyleLbl="node1" presStyleIdx="2" presStyleCnt="3">
@@ -3548,6 +3654,13 @@
         </dgm:presLayoutVars>
       </dgm:prSet>
       <dgm:spPr/>
+      <dgm:t>
+        <a:bodyPr/>
+        <a:lstStyle/>
+        <a:p>
+          <a:endParaRPr lang="en-US"/>
+        </a:p>
+      </dgm:t>
     </dgm:pt>
     <dgm:pt modelId="{9CA877D8-99F8-40A0-89E9-59A61C9A70F4}" type="pres">
       <dgm:prSet presAssocID="{CD7942A0-B7D2-4B14-8FEA-55FC702F5BE7}" presName="ThreeConn_1-2" presStyleLbl="fgAccFollowNode1" presStyleIdx="0" presStyleCnt="2">
@@ -3556,6 +3669,13 @@
         </dgm:presLayoutVars>
       </dgm:prSet>
       <dgm:spPr/>
+      <dgm:t>
+        <a:bodyPr/>
+        <a:lstStyle/>
+        <a:p>
+          <a:endParaRPr lang="en-US"/>
+        </a:p>
+      </dgm:t>
     </dgm:pt>
     <dgm:pt modelId="{62643EF2-016C-41F1-8CBC-398422A85727}" type="pres">
       <dgm:prSet presAssocID="{CD7942A0-B7D2-4B14-8FEA-55FC702F5BE7}" presName="ThreeConn_2-3" presStyleLbl="fgAccFollowNode1" presStyleIdx="1" presStyleCnt="2">
@@ -3564,6 +3684,13 @@
         </dgm:presLayoutVars>
       </dgm:prSet>
       <dgm:spPr/>
+      <dgm:t>
+        <a:bodyPr/>
+        <a:lstStyle/>
+        <a:p>
+          <a:endParaRPr lang="en-US"/>
+        </a:p>
+      </dgm:t>
     </dgm:pt>
     <dgm:pt modelId="{7A2F6994-DA87-4497-BFC7-DD9D6EC5315F}" type="pres">
       <dgm:prSet presAssocID="{CD7942A0-B7D2-4B14-8FEA-55FC702F5BE7}" presName="ThreeNodes_1_text" presStyleLbl="node1" presStyleIdx="2" presStyleCnt="3">
@@ -3572,6 +3699,13 @@
         </dgm:presLayoutVars>
       </dgm:prSet>
       <dgm:spPr/>
+      <dgm:t>
+        <a:bodyPr/>
+        <a:lstStyle/>
+        <a:p>
+          <a:endParaRPr lang="en-US"/>
+        </a:p>
+      </dgm:t>
     </dgm:pt>
     <dgm:pt modelId="{916C48CB-E452-4B79-A9B9-4C9A90B47960}" type="pres">
       <dgm:prSet presAssocID="{CD7942A0-B7D2-4B14-8FEA-55FC702F5BE7}" presName="ThreeNodes_2_text" presStyleLbl="node1" presStyleIdx="2" presStyleCnt="3">
@@ -3580,6 +3714,13 @@
         </dgm:presLayoutVars>
       </dgm:prSet>
       <dgm:spPr/>
+      <dgm:t>
+        <a:bodyPr/>
+        <a:lstStyle/>
+        <a:p>
+          <a:endParaRPr lang="en-US"/>
+        </a:p>
+      </dgm:t>
     </dgm:pt>
     <dgm:pt modelId="{A31D264E-E285-4E5C-8EB7-762CD501BE72}" type="pres">
       <dgm:prSet presAssocID="{CD7942A0-B7D2-4B14-8FEA-55FC702F5BE7}" presName="ThreeNodes_3_text" presStyleLbl="node1" presStyleIdx="2" presStyleCnt="3">
@@ -3588,21 +3729,28 @@
         </dgm:presLayoutVars>
       </dgm:prSet>
       <dgm:spPr/>
+      <dgm:t>
+        <a:bodyPr/>
+        <a:lstStyle/>
+        <a:p>
+          <a:endParaRPr lang="en-US"/>
+        </a:p>
+      </dgm:t>
     </dgm:pt>
   </dgm:ptLst>
   <dgm:cxnLst>
+    <dgm:cxn modelId="{03E7038C-2CC0-496B-88A0-60396CDC31E4}" type="presOf" srcId="{7133ECF5-4190-4604-AA2F-03C9A0A9210F}" destId="{A31D264E-E285-4E5C-8EB7-762CD501BE72}" srcOrd="1" destOrd="0" presId="urn:microsoft.com/office/officeart/2005/8/layout/vProcess5"/>
+    <dgm:cxn modelId="{C2D0E194-BD14-4AD2-9E3A-CE984C34B6CD}" type="presOf" srcId="{CD7942A0-B7D2-4B14-8FEA-55FC702F5BE7}" destId="{1D84D8B6-AB32-4491-B5D2-EFE3D7668B88}" srcOrd="0" destOrd="0" presId="urn:microsoft.com/office/officeart/2005/8/layout/vProcess5"/>
+    <dgm:cxn modelId="{12FC7FDE-4033-4970-A683-61DE6FA84E89}" type="presOf" srcId="{8877691F-1B60-4485-9174-DDEC7EE68B70}" destId="{9CA877D8-99F8-40A0-89E9-59A61C9A70F4}" srcOrd="0" destOrd="0" presId="urn:microsoft.com/office/officeart/2005/8/layout/vProcess5"/>
+    <dgm:cxn modelId="{BB374C9D-646D-46E6-89B4-117F0E21BA34}" type="presOf" srcId="{8EC937D8-BD76-4A12-A3E5-900D5C1E2E05}" destId="{916C48CB-E452-4B79-A9B9-4C9A90B47960}" srcOrd="1" destOrd="0" presId="urn:microsoft.com/office/officeart/2005/8/layout/vProcess5"/>
+    <dgm:cxn modelId="{011A9761-E983-4C7D-AB1D-2038261D8FF8}" srcId="{CD7942A0-B7D2-4B14-8FEA-55FC702F5BE7}" destId="{7133ECF5-4190-4604-AA2F-03C9A0A9210F}" srcOrd="2" destOrd="0" parTransId="{7D1B29D7-21DD-436A-8F7C-E87DE53C1431}" sibTransId="{46037378-034A-4662-877A-B53E1DA069A3}"/>
+    <dgm:cxn modelId="{7C007CEB-6418-4EA7-9CB6-5B93D0C655E6}" type="presOf" srcId="{095A5E99-E976-4550-8F80-53CC813F2F5A}" destId="{7A2F6994-DA87-4497-BFC7-DD9D6EC5315F}" srcOrd="1" destOrd="0" presId="urn:microsoft.com/office/officeart/2005/8/layout/vProcess5"/>
+    <dgm:cxn modelId="{D1A4D8E6-F04E-4AB1-8D0C-63DC7AB1E81F}" srcId="{CD7942A0-B7D2-4B14-8FEA-55FC702F5BE7}" destId="{095A5E99-E976-4550-8F80-53CC813F2F5A}" srcOrd="0" destOrd="0" parTransId="{03339A0D-5DC0-4B29-8353-C5AEBFD4DE86}" sibTransId="{8877691F-1B60-4485-9174-DDEC7EE68B70}"/>
+    <dgm:cxn modelId="{6CF7D6F9-A5F2-48E3-AF5C-A2074559AE21}" type="presOf" srcId="{B3EFD4A5-9FA1-4ABE-B722-05162509509B}" destId="{62643EF2-016C-41F1-8CBC-398422A85727}" srcOrd="0" destOrd="0" presId="urn:microsoft.com/office/officeart/2005/8/layout/vProcess5"/>
     <dgm:cxn modelId="{5A89A138-BC1A-490F-935E-2EC3F74E8E18}" type="presOf" srcId="{7133ECF5-4190-4604-AA2F-03C9A0A9210F}" destId="{2AE92D3F-F0FA-45DD-BB60-4C6FBC6BC016}" srcOrd="0" destOrd="0" presId="urn:microsoft.com/office/officeart/2005/8/layout/vProcess5"/>
-    <dgm:cxn modelId="{011A9761-E983-4C7D-AB1D-2038261D8FF8}" srcId="{CD7942A0-B7D2-4B14-8FEA-55FC702F5BE7}" destId="{7133ECF5-4190-4604-AA2F-03C9A0A9210F}" srcOrd="2" destOrd="0" parTransId="{7D1B29D7-21DD-436A-8F7C-E87DE53C1431}" sibTransId="{46037378-034A-4662-877A-B53E1DA069A3}"/>
     <dgm:cxn modelId="{8A063A46-8F8D-405A-B2D6-6495FA638F46}" type="presOf" srcId="{8EC937D8-BD76-4A12-A3E5-900D5C1E2E05}" destId="{CA544AF7-F7B2-4CA5-9251-B4CDB8D06634}" srcOrd="0" destOrd="0" presId="urn:microsoft.com/office/officeart/2005/8/layout/vProcess5"/>
     <dgm:cxn modelId="{A071614A-8A85-47B2-A113-0652CAB9B428}" type="presOf" srcId="{095A5E99-E976-4550-8F80-53CC813F2F5A}" destId="{124EF20B-D98C-45B2-BB13-7B93B5373CEB}" srcOrd="0" destOrd="0" presId="urn:microsoft.com/office/officeart/2005/8/layout/vProcess5"/>
     <dgm:cxn modelId="{43DC8383-AEE5-490C-A8E5-1F216F2B8FE6}" srcId="{CD7942A0-B7D2-4B14-8FEA-55FC702F5BE7}" destId="{8EC937D8-BD76-4A12-A3E5-900D5C1E2E05}" srcOrd="1" destOrd="0" parTransId="{8265EE85-9851-494E-A6D3-1CDACE947DF3}" sibTransId="{B3EFD4A5-9FA1-4ABE-B722-05162509509B}"/>
-    <dgm:cxn modelId="{03E7038C-2CC0-496B-88A0-60396CDC31E4}" type="presOf" srcId="{7133ECF5-4190-4604-AA2F-03C9A0A9210F}" destId="{A31D264E-E285-4E5C-8EB7-762CD501BE72}" srcOrd="1" destOrd="0" presId="urn:microsoft.com/office/officeart/2005/8/layout/vProcess5"/>
-    <dgm:cxn modelId="{C2D0E194-BD14-4AD2-9E3A-CE984C34B6CD}" type="presOf" srcId="{CD7942A0-B7D2-4B14-8FEA-55FC702F5BE7}" destId="{1D84D8B6-AB32-4491-B5D2-EFE3D7668B88}" srcOrd="0" destOrd="0" presId="urn:microsoft.com/office/officeart/2005/8/layout/vProcess5"/>
-    <dgm:cxn modelId="{BB374C9D-646D-46E6-89B4-117F0E21BA34}" type="presOf" srcId="{8EC937D8-BD76-4A12-A3E5-900D5C1E2E05}" destId="{916C48CB-E452-4B79-A9B9-4C9A90B47960}" srcOrd="1" destOrd="0" presId="urn:microsoft.com/office/officeart/2005/8/layout/vProcess5"/>
-    <dgm:cxn modelId="{12FC7FDE-4033-4970-A683-61DE6FA84E89}" type="presOf" srcId="{8877691F-1B60-4485-9174-DDEC7EE68B70}" destId="{9CA877D8-99F8-40A0-89E9-59A61C9A70F4}" srcOrd="0" destOrd="0" presId="urn:microsoft.com/office/officeart/2005/8/layout/vProcess5"/>
-    <dgm:cxn modelId="{D1A4D8E6-F04E-4AB1-8D0C-63DC7AB1E81F}" srcId="{CD7942A0-B7D2-4B14-8FEA-55FC702F5BE7}" destId="{095A5E99-E976-4550-8F80-53CC813F2F5A}" srcOrd="0" destOrd="0" parTransId="{03339A0D-5DC0-4B29-8353-C5AEBFD4DE86}" sibTransId="{8877691F-1B60-4485-9174-DDEC7EE68B70}"/>
-    <dgm:cxn modelId="{7C007CEB-6418-4EA7-9CB6-5B93D0C655E6}" type="presOf" srcId="{095A5E99-E976-4550-8F80-53CC813F2F5A}" destId="{7A2F6994-DA87-4497-BFC7-DD9D6EC5315F}" srcOrd="1" destOrd="0" presId="urn:microsoft.com/office/officeart/2005/8/layout/vProcess5"/>
-    <dgm:cxn modelId="{6CF7D6F9-A5F2-48E3-AF5C-A2074559AE21}" type="presOf" srcId="{B3EFD4A5-9FA1-4ABE-B722-05162509509B}" destId="{62643EF2-016C-41F1-8CBC-398422A85727}" srcOrd="0" destOrd="0" presId="urn:microsoft.com/office/officeart/2005/8/layout/vProcess5"/>
     <dgm:cxn modelId="{768DB908-A4BF-48A6-A740-5DD0CBAFBB11}" type="presParOf" srcId="{1D84D8B6-AB32-4491-B5D2-EFE3D7668B88}" destId="{3E0E8213-E460-4EB7-9A92-C2B1CC553F0D}" srcOrd="0" destOrd="0" presId="urn:microsoft.com/office/officeart/2005/8/layout/vProcess5"/>
     <dgm:cxn modelId="{A8B17D3B-E670-4FE0-A845-244C702B8151}" type="presParOf" srcId="{1D84D8B6-AB32-4491-B5D2-EFE3D7668B88}" destId="{124EF20B-D98C-45B2-BB13-7B93B5373CEB}" srcOrd="1" destOrd="0" presId="urn:microsoft.com/office/officeart/2005/8/layout/vProcess5"/>
     <dgm:cxn modelId="{1E8E2D8B-A980-4080-A16E-1F74528DE4D0}" type="presParOf" srcId="{1D84D8B6-AB32-4491-B5D2-EFE3D7668B88}" destId="{CA544AF7-F7B2-4CA5-9251-B4CDB8D06634}" srcOrd="2" destOrd="0" presId="urn:microsoft.com/office/officeart/2005/8/layout/vProcess5"/>
@@ -3638,8 +3786,8 @@
       </dsp:nvSpPr>
       <dsp:spPr>
         <a:xfrm>
-          <a:off x="0" y="0"/>
-          <a:ext cx="4062729" cy="982440"/>
+          <a:off x="76191" y="0"/>
+          <a:ext cx="2255519" cy="419100"/>
         </a:xfrm>
         <a:prstGeom prst="roundRect">
           <a:avLst>
@@ -3669,12 +3817,12 @@
         </a:fontRef>
       </dsp:style>
       <dsp:txBody>
-        <a:bodyPr spcFirstLastPara="0" vert="horz" wrap="square" lIns="160020" tIns="160020" rIns="160020" bIns="160020" numCol="1" spcCol="1270" anchor="ctr" anchorCtr="0">
+        <a:bodyPr spcFirstLastPara="0" vert="horz" wrap="square" lIns="68580" tIns="68580" rIns="68580" bIns="68580" numCol="1" spcCol="1270" anchor="ctr" anchorCtr="0">
           <a:noAutofit/>
         </a:bodyPr>
         <a:lstStyle/>
         <a:p>
-          <a:pPr marL="0" lvl="0" indent="0" algn="l" defTabSz="1866900">
+          <a:pPr lvl="0" algn="l" defTabSz="800100">
             <a:lnSpc>
               <a:spcPct val="90000"/>
             </a:lnSpc>
@@ -3684,17 +3832,16 @@
             <a:spcAft>
               <a:spcPct val="35000"/>
             </a:spcAft>
-            <a:buNone/>
           </a:pPr>
           <a:r>
-            <a:rPr lang="en-US" sz="4200" kern="1200" dirty="0"/>
+            <a:rPr lang="en-US" sz="1800" kern="1200" dirty="0"/>
             <a:t>IF/ID</a:t>
           </a:r>
         </a:p>
       </dsp:txBody>
       <dsp:txXfrm>
-        <a:off x="28775" y="28775"/>
-        <a:ext cx="2919583" cy="924890"/>
+        <a:off x="88466" y="12275"/>
+        <a:ext cx="1767863" cy="394550"/>
       </dsp:txXfrm>
     </dsp:sp>
     <dsp:sp modelId="{7693B563-2CC1-4AED-A93E-92E82A398B0C}">
@@ -3704,8 +3851,8 @@
       </dsp:nvSpPr>
       <dsp:spPr>
         <a:xfrm>
-          <a:off x="340253" y="1161065"/>
-          <a:ext cx="4062729" cy="982440"/>
+          <a:off x="188899" y="495300"/>
+          <a:ext cx="2255519" cy="419100"/>
         </a:xfrm>
         <a:prstGeom prst="roundRect">
           <a:avLst>
@@ -3735,12 +3882,12 @@
         </a:fontRef>
       </dsp:style>
       <dsp:txBody>
-        <a:bodyPr spcFirstLastPara="0" vert="horz" wrap="square" lIns="160020" tIns="160020" rIns="160020" bIns="160020" numCol="1" spcCol="1270" anchor="ctr" anchorCtr="0">
+        <a:bodyPr spcFirstLastPara="0" vert="horz" wrap="square" lIns="68580" tIns="68580" rIns="68580" bIns="68580" numCol="1" spcCol="1270" anchor="ctr" anchorCtr="0">
           <a:noAutofit/>
         </a:bodyPr>
         <a:lstStyle/>
         <a:p>
-          <a:pPr marL="0" lvl="0" indent="0" algn="l" defTabSz="1866900">
+          <a:pPr lvl="0" algn="l" defTabSz="800100">
             <a:lnSpc>
               <a:spcPct val="90000"/>
             </a:lnSpc>
@@ -3750,17 +3897,16 @@
             <a:spcAft>
               <a:spcPct val="35000"/>
             </a:spcAft>
-            <a:buNone/>
           </a:pPr>
           <a:r>
-            <a:rPr lang="en-US" sz="4200" kern="1200" dirty="0"/>
+            <a:rPr lang="en-US" sz="1800" kern="1200" dirty="0"/>
             <a:t>ID/EXE</a:t>
           </a:r>
         </a:p>
       </dsp:txBody>
       <dsp:txXfrm>
-        <a:off x="369028" y="1189840"/>
-        <a:ext cx="3026339" cy="924890"/>
+        <a:off x="201174" y="507575"/>
+        <a:ext cx="1769654" cy="394549"/>
       </dsp:txXfrm>
     </dsp:sp>
     <dsp:sp modelId="{51AF1933-C1FE-43BC-BAB4-1FDE9E29037C}">
@@ -3770,8 +3916,8 @@
       </dsp:nvSpPr>
       <dsp:spPr>
         <a:xfrm>
-          <a:off x="675428" y="2322131"/>
-          <a:ext cx="4062729" cy="982440"/>
+          <a:off x="374980" y="990600"/>
+          <a:ext cx="2255519" cy="419100"/>
         </a:xfrm>
         <a:prstGeom prst="roundRect">
           <a:avLst>
@@ -3801,12 +3947,12 @@
         </a:fontRef>
       </dsp:style>
       <dsp:txBody>
-        <a:bodyPr spcFirstLastPara="0" vert="horz" wrap="square" lIns="160020" tIns="160020" rIns="160020" bIns="160020" numCol="1" spcCol="1270" anchor="ctr" anchorCtr="0">
+        <a:bodyPr spcFirstLastPara="0" vert="horz" wrap="square" lIns="68580" tIns="68580" rIns="68580" bIns="68580" numCol="1" spcCol="1270" anchor="ctr" anchorCtr="0">
           <a:noAutofit/>
         </a:bodyPr>
         <a:lstStyle/>
         <a:p>
-          <a:pPr marL="0" lvl="0" indent="0" algn="l" defTabSz="1866900">
+          <a:pPr lvl="0" algn="l" defTabSz="800100">
             <a:lnSpc>
               <a:spcPct val="90000"/>
             </a:lnSpc>
@@ -3816,17 +3962,16 @@
             <a:spcAft>
               <a:spcPct val="35000"/>
             </a:spcAft>
-            <a:buNone/>
           </a:pPr>
           <a:r>
-            <a:rPr lang="en-US" sz="4200" kern="1200" dirty="0"/>
+            <a:rPr lang="en-US" sz="1800" kern="1200" dirty="0"/>
             <a:t>EXE/MEM</a:t>
           </a:r>
         </a:p>
       </dsp:txBody>
       <dsp:txXfrm>
-        <a:off x="704203" y="2350906"/>
-        <a:ext cx="3031418" cy="924890"/>
+        <a:off x="387255" y="1002875"/>
+        <a:ext cx="1772473" cy="394549"/>
       </dsp:txXfrm>
     </dsp:sp>
     <dsp:sp modelId="{27CCC5E1-2A78-4F55-846B-A18407DA0ADE}">
@@ -3836,8 +3981,8 @@
       </dsp:nvSpPr>
       <dsp:spPr>
         <a:xfrm>
-          <a:off x="1015682" y="3483196"/>
-          <a:ext cx="4062729" cy="982440"/>
+          <a:off x="563879" y="1485900"/>
+          <a:ext cx="2255519" cy="419100"/>
         </a:xfrm>
         <a:prstGeom prst="roundRect">
           <a:avLst>
@@ -3867,12 +4012,12 @@
         </a:fontRef>
       </dsp:style>
       <dsp:txBody>
-        <a:bodyPr spcFirstLastPara="0" vert="horz" wrap="square" lIns="160020" tIns="160020" rIns="160020" bIns="160020" numCol="1" spcCol="1270" anchor="ctr" anchorCtr="0">
+        <a:bodyPr spcFirstLastPara="0" vert="horz" wrap="square" lIns="68580" tIns="68580" rIns="68580" bIns="68580" numCol="1" spcCol="1270" anchor="ctr" anchorCtr="0">
           <a:noAutofit/>
         </a:bodyPr>
         <a:lstStyle/>
         <a:p>
-          <a:pPr marL="0" lvl="0" indent="0" algn="l" defTabSz="1866900">
+          <a:pPr lvl="0" algn="l" defTabSz="800100">
             <a:lnSpc>
               <a:spcPct val="90000"/>
             </a:lnSpc>
@@ -3882,17 +4027,16 @@
             <a:spcAft>
               <a:spcPct val="35000"/>
             </a:spcAft>
-            <a:buNone/>
           </a:pPr>
           <a:r>
-            <a:rPr lang="en-US" sz="4200" kern="1200" dirty="0"/>
+            <a:rPr lang="en-US" sz="1800" kern="1200" dirty="0"/>
             <a:t>MEM/WB</a:t>
           </a:r>
         </a:p>
       </dsp:txBody>
       <dsp:txXfrm>
-        <a:off x="1044457" y="3511971"/>
-        <a:ext cx="3026339" cy="924890"/>
+        <a:off x="576154" y="1498175"/>
+        <a:ext cx="1769654" cy="394549"/>
       </dsp:txXfrm>
     </dsp:sp>
     <dsp:sp modelId="{BFC9D07A-D193-434B-B970-04466651814F}">
@@ -3902,8 +4046,8 @@
       </dsp:nvSpPr>
       <dsp:spPr>
         <a:xfrm>
-          <a:off x="3424143" y="752459"/>
-          <a:ext cx="638586" cy="638586"/>
+          <a:off x="1983104" y="320992"/>
+          <a:ext cx="272415" cy="272415"/>
         </a:xfrm>
         <a:prstGeom prst="downArrow">
           <a:avLst>
@@ -3949,12 +4093,12 @@
         <a:fontRef idx="minor"/>
       </dsp:style>
       <dsp:txBody>
-        <a:bodyPr spcFirstLastPara="0" vert="horz" wrap="square" lIns="36830" tIns="36830" rIns="36830" bIns="36830" numCol="1" spcCol="1270" anchor="ctr" anchorCtr="0">
+        <a:bodyPr spcFirstLastPara="0" vert="horz" wrap="square" lIns="15240" tIns="15240" rIns="15240" bIns="15240" numCol="1" spcCol="1270" anchor="ctr" anchorCtr="0">
           <a:noAutofit/>
         </a:bodyPr>
         <a:lstStyle/>
         <a:p>
-          <a:pPr marL="0" lvl="0" indent="0" algn="ctr" defTabSz="1289050">
+          <a:pPr lvl="0" algn="ctr" defTabSz="533400">
             <a:lnSpc>
               <a:spcPct val="90000"/>
             </a:lnSpc>
@@ -3964,14 +4108,13 @@
             <a:spcAft>
               <a:spcPct val="35000"/>
             </a:spcAft>
-            <a:buNone/>
           </a:pPr>
-          <a:endParaRPr lang="en-US" sz="2900" kern="1200"/>
+          <a:endParaRPr lang="en-US" sz="1200" kern="1200"/>
         </a:p>
       </dsp:txBody>
       <dsp:txXfrm>
-        <a:off x="3567825" y="752459"/>
-        <a:ext cx="351222" cy="480536"/>
+        <a:off x="2044397" y="320992"/>
+        <a:ext cx="149829" cy="204992"/>
       </dsp:txXfrm>
     </dsp:sp>
     <dsp:sp modelId="{9EC24D08-1A6A-46FD-A24A-B5D2EECA89A0}">
@@ -3981,8 +4124,8 @@
       </dsp:nvSpPr>
       <dsp:spPr>
         <a:xfrm>
-          <a:off x="3764397" y="1913525"/>
-          <a:ext cx="638586" cy="638586"/>
+          <a:off x="2172003" y="816292"/>
+          <a:ext cx="272415" cy="272415"/>
         </a:xfrm>
         <a:prstGeom prst="downArrow">
           <a:avLst>
@@ -4028,12 +4171,12 @@
         <a:fontRef idx="minor"/>
       </dsp:style>
       <dsp:txBody>
-        <a:bodyPr spcFirstLastPara="0" vert="horz" wrap="square" lIns="36830" tIns="36830" rIns="36830" bIns="36830" numCol="1" spcCol="1270" anchor="ctr" anchorCtr="0">
+        <a:bodyPr spcFirstLastPara="0" vert="horz" wrap="square" lIns="15240" tIns="15240" rIns="15240" bIns="15240" numCol="1" spcCol="1270" anchor="ctr" anchorCtr="0">
           <a:noAutofit/>
         </a:bodyPr>
         <a:lstStyle/>
         <a:p>
-          <a:pPr marL="0" lvl="0" indent="0" algn="ctr" defTabSz="1289050">
+          <a:pPr lvl="0" algn="ctr" defTabSz="533400">
             <a:lnSpc>
               <a:spcPct val="90000"/>
             </a:lnSpc>
@@ -4043,14 +4186,13 @@
             <a:spcAft>
               <a:spcPct val="35000"/>
             </a:spcAft>
-            <a:buNone/>
           </a:pPr>
-          <a:endParaRPr lang="en-US" sz="2900" kern="1200"/>
+          <a:endParaRPr lang="en-US" sz="1200" kern="1200"/>
         </a:p>
       </dsp:txBody>
       <dsp:txXfrm>
-        <a:off x="3908079" y="1913525"/>
-        <a:ext cx="351222" cy="480536"/>
+        <a:off x="2233296" y="816292"/>
+        <a:ext cx="149829" cy="204992"/>
       </dsp:txXfrm>
     </dsp:sp>
     <dsp:sp modelId="{0074CB6E-2FCB-44E3-B8D5-A968C3F4958B}">
@@ -4060,8 +4202,8 @@
       </dsp:nvSpPr>
       <dsp:spPr>
         <a:xfrm>
-          <a:off x="4099572" y="3074591"/>
-          <a:ext cx="638586" cy="638586"/>
+          <a:off x="2358084" y="1311592"/>
+          <a:ext cx="272415" cy="272415"/>
         </a:xfrm>
         <a:prstGeom prst="downArrow">
           <a:avLst>
@@ -4107,12 +4249,12 @@
         <a:fontRef idx="minor"/>
       </dsp:style>
       <dsp:txBody>
-        <a:bodyPr spcFirstLastPara="0" vert="horz" wrap="square" lIns="36830" tIns="36830" rIns="36830" bIns="36830" numCol="1" spcCol="1270" anchor="ctr" anchorCtr="0">
+        <a:bodyPr spcFirstLastPara="0" vert="horz" wrap="square" lIns="15240" tIns="15240" rIns="15240" bIns="15240" numCol="1" spcCol="1270" anchor="ctr" anchorCtr="0">
           <a:noAutofit/>
         </a:bodyPr>
         <a:lstStyle/>
         <a:p>
-          <a:pPr marL="0" lvl="0" indent="0" algn="ctr" defTabSz="1289050">
+          <a:pPr lvl="0" algn="ctr" defTabSz="533400">
             <a:lnSpc>
               <a:spcPct val="90000"/>
             </a:lnSpc>
@@ -4122,14 +4264,13 @@
             <a:spcAft>
               <a:spcPct val="35000"/>
             </a:spcAft>
-            <a:buNone/>
           </a:pPr>
-          <a:endParaRPr lang="en-US" sz="2900" kern="1200"/>
+          <a:endParaRPr lang="en-US" sz="1200" kern="1200"/>
         </a:p>
       </dsp:txBody>
       <dsp:txXfrm>
-        <a:off x="4243254" y="3074591"/>
-        <a:ext cx="351222" cy="480536"/>
+        <a:off x="2419377" y="1311592"/>
+        <a:ext cx="149829" cy="204992"/>
       </dsp:txXfrm>
     </dsp:sp>
   </dsp:spTree>
@@ -4207,7 +4348,7 @@
         </a:bodyPr>
         <a:lstStyle/>
         <a:p>
-          <a:pPr marL="0" lvl="0" indent="0" algn="l" defTabSz="2578100">
+          <a:pPr lvl="0" algn="l" defTabSz="2578100">
             <a:lnSpc>
               <a:spcPct val="90000"/>
             </a:lnSpc>
@@ -4217,7 +4358,6 @@
             <a:spcAft>
               <a:spcPct val="35000"/>
             </a:spcAft>
-            <a:buNone/>
           </a:pPr>
           <a:r>
             <a:rPr lang="en-US" sz="5800" kern="1200" dirty="0"/>
@@ -4323,7 +4463,7 @@
         </a:bodyPr>
         <a:lstStyle/>
         <a:p>
-          <a:pPr marL="0" lvl="0" indent="0" algn="l" defTabSz="2578100">
+          <a:pPr lvl="0" algn="l" defTabSz="2578100">
             <a:lnSpc>
               <a:spcPct val="90000"/>
             </a:lnSpc>
@@ -4333,7 +4473,6 @@
             <a:spcAft>
               <a:spcPct val="35000"/>
             </a:spcAft>
-            <a:buNone/>
           </a:pPr>
           <a:r>
             <a:rPr lang="en-US" sz="5800" kern="1200" dirty="0"/>
@@ -4417,7 +4556,7 @@
         </a:bodyPr>
         <a:lstStyle/>
         <a:p>
-          <a:pPr marL="0" lvl="0" indent="0" algn="l" defTabSz="2578100">
+          <a:pPr lvl="0" algn="l" defTabSz="2578100">
             <a:lnSpc>
               <a:spcPct val="90000"/>
             </a:lnSpc>
@@ -4427,7 +4566,6 @@
             <a:spcAft>
               <a:spcPct val="35000"/>
             </a:spcAft>
-            <a:buNone/>
           </a:pPr>
           <a:r>
             <a:rPr lang="en-US" sz="5800" kern="1200" dirty="0"/>
@@ -4499,7 +4637,7 @@
         </a:bodyPr>
         <a:lstStyle/>
         <a:p>
-          <a:pPr marL="0" lvl="0" indent="0" algn="ctr" defTabSz="1600200">
+          <a:pPr lvl="0" algn="ctr" defTabSz="1600200">
             <a:lnSpc>
               <a:spcPct val="90000"/>
             </a:lnSpc>
@@ -4509,7 +4647,6 @@
             <a:spcAft>
               <a:spcPct val="35000"/>
             </a:spcAft>
-            <a:buNone/>
           </a:pPr>
           <a:endParaRPr lang="en-US" sz="3600" kern="1200"/>
         </a:p>
@@ -4578,7 +4715,7 @@
         </a:bodyPr>
         <a:lstStyle/>
         <a:p>
-          <a:pPr marL="0" lvl="0" indent="0" algn="ctr" defTabSz="1600200">
+          <a:pPr lvl="0" algn="ctr" defTabSz="1600200">
             <a:lnSpc>
               <a:spcPct val="90000"/>
             </a:lnSpc>
@@ -4588,7 +4725,6 @@
             <a:spcAft>
               <a:spcPct val="35000"/>
             </a:spcAft>
-            <a:buNone/>
           </a:pPr>
           <a:endParaRPr lang="en-US" sz="3600" kern="1200"/>
         </a:p>
@@ -16806,25 +16942,6 @@
           </a:p>
         </p:txBody>
       </p:sp>
-      <p:sp>
-        <p:nvSpPr>
-          <p:cNvPr id="5" name="Text Placeholder 4"/>
-          <p:cNvSpPr>
-            <a:spLocks noGrp="1"/>
-          </p:cNvSpPr>
-          <p:nvPr>
-            <p:ph type="body" sz="half" idx="2"/>
-          </p:nvPr>
-        </p:nvSpPr>
-        <p:spPr/>
-        <p:txBody>
-          <a:bodyPr/>
-          <a:lstStyle/>
-          <a:p>
-            <a:endParaRPr lang="en-US" dirty="0"/>
-          </a:p>
-        </p:txBody>
-      </p:sp>
       <p:graphicFrame>
         <p:nvGraphicFramePr>
           <p:cNvPr id="7" name="Content Placeholder 4" descr="Staggered process showing 3 tasks arranged one below the other and two downward pointing arrows are used to indicate progression from first task to second task and second task to third task."/>
@@ -16834,14 +16951,14 @@
           <p:nvPr>
             <p:extLst>
               <p:ext uri="{D42A27DB-BD31-4B8C-83A1-F6EECF244321}">
-                <p14:modId xmlns:p14="http://schemas.microsoft.com/office/powerpoint/2010/main" val="3835039464"/>
+                <p14:modId xmlns:p14="http://schemas.microsoft.com/office/powerpoint/2010/main" val="108633062"/>
               </p:ext>
             </p:extLst>
           </p:nvPr>
         </p:nvGraphicFramePr>
         <p:xfrm>
-          <a:off x="6500813" y="1706563"/>
-          <a:ext cx="5078412" cy="4465637"/>
+          <a:off x="8075612" y="4800600"/>
+          <a:ext cx="2819399" cy="1905000"/>
         </p:xfrm>
         <a:graphic>
           <a:graphicData uri="http://schemas.openxmlformats.org/drawingml/2006/diagram">
@@ -16849,6 +16966,47 @@
           </a:graphicData>
         </a:graphic>
       </p:graphicFrame>
+      <p:pic>
+        <p:nvPicPr>
+          <p:cNvPr id="2" name="Picture 1"/>
+          <p:cNvPicPr>
+            <a:picLocks noChangeAspect="1"/>
+          </p:cNvPicPr>
+          <p:nvPr/>
+        </p:nvPicPr>
+        <p:blipFill>
+          <a:blip r:embed="rId7">
+            <a:extLst>
+              <a:ext uri="{BEBA8EAE-BF5A-486C-A8C5-ECC9F3942E4B}">
+                <a14:imgProps xmlns:a14="http://schemas.microsoft.com/office/drawing/2010/main">
+                  <a14:imgLayer r:embed="rId8">
+                    <a14:imgEffect>
+                      <a14:saturation sat="66000"/>
+                    </a14:imgEffect>
+                  </a14:imgLayer>
+                </a14:imgProps>
+              </a:ext>
+            </a:extLst>
+          </a:blip>
+          <a:stretch>
+            <a:fillRect/>
+          </a:stretch>
+        </p:blipFill>
+        <p:spPr>
+          <a:xfrm>
+            <a:off x="405700" y="889000"/>
+            <a:ext cx="11069335" cy="3759200"/>
+          </a:xfrm>
+          <a:prstGeom prst="rect">
+            <a:avLst/>
+          </a:prstGeom>
+          <a:ln w="25400">
+            <a:solidFill>
+              <a:schemeClr val="accent1"/>
+            </a:solidFill>
+          </a:ln>
+        </p:spPr>
+      </p:pic>
     </p:spTree>
     <p:extLst>
       <p:ext uri="{BB962C8B-B14F-4D97-AF65-F5344CB8AC3E}">
@@ -18368,142 +18526,6 @@
 </file>
 
 <file path=customXml/item1.xml><?xml version="1.0" encoding="utf-8"?>
-<p:properties xmlns:p="http://schemas.microsoft.com/office/2006/metadata/properties" xmlns:xsi="http://www.w3.org/2001/XMLSchema-instance" xmlns:pc="http://schemas.microsoft.com/office/infopath/2007/PartnerControls">
-  <documentManagement>
-    <LocPublishedLinkedAssetsLookup xmlns="4873beb7-5857-4685-be1f-d57550cc96cc" xsi:nil="true"/>
-    <ApprovalStatus xmlns="4873beb7-5857-4685-be1f-d57550cc96cc">InProgress</ApprovalStatus>
-    <MarketSpecific xmlns="4873beb7-5857-4685-be1f-d57550cc96cc">false</MarketSpecific>
-    <LocComments xmlns="4873beb7-5857-4685-be1f-d57550cc96cc" xsi:nil="true"/>
-    <LocLastLocAttemptVersionTypeLookup xmlns="4873beb7-5857-4685-be1f-d57550cc96cc" xsi:nil="true"/>
-    <DirectSourceMarket xmlns="4873beb7-5857-4685-be1f-d57550cc96cc" xsi:nil="true"/>
-    <ThumbnailAssetId xmlns="4873beb7-5857-4685-be1f-d57550cc96cc" xsi:nil="true"/>
-    <PrimaryImageGen xmlns="4873beb7-5857-4685-be1f-d57550cc96cc">false</PrimaryImageGen>
-    <LocNewPublishedVersionLookup xmlns="4873beb7-5857-4685-be1f-d57550cc96cc" xsi:nil="true"/>
-    <LegacyData xmlns="4873beb7-5857-4685-be1f-d57550cc96cc" xsi:nil="true"/>
-    <LocRecommendedHandoff xmlns="4873beb7-5857-4685-be1f-d57550cc96cc" xsi:nil="true"/>
-    <BusinessGroup xmlns="4873beb7-5857-4685-be1f-d57550cc96cc" xsi:nil="true"/>
-    <BlockPublish xmlns="4873beb7-5857-4685-be1f-d57550cc96cc">false</BlockPublish>
-    <TPFriendlyName xmlns="4873beb7-5857-4685-be1f-d57550cc96cc" xsi:nil="true"/>
-    <LocOverallPublishStatusLookup xmlns="4873beb7-5857-4685-be1f-d57550cc96cc" xsi:nil="true"/>
-    <NumericId xmlns="4873beb7-5857-4685-be1f-d57550cc96cc" xsi:nil="true"/>
-    <APEditor xmlns="4873beb7-5857-4685-be1f-d57550cc96cc">
-      <UserInfo>
-        <DisplayName/>
-        <AccountId xsi:nil="true"/>
-        <AccountType/>
-      </UserInfo>
-    </APEditor>
-    <SourceTitle xmlns="4873beb7-5857-4685-be1f-d57550cc96cc" xsi:nil="true"/>
-    <OpenTemplate xmlns="4873beb7-5857-4685-be1f-d57550cc96cc">true</OpenTemplate>
-    <LocOverallLocStatusLookup xmlns="4873beb7-5857-4685-be1f-d57550cc96cc" xsi:nil="true"/>
-    <UALocComments xmlns="4873beb7-5857-4685-be1f-d57550cc96cc" xsi:nil="true"/>
-    <ParentAssetId xmlns="4873beb7-5857-4685-be1f-d57550cc96cc" xsi:nil="true"/>
-    <IntlLangReviewDate xmlns="4873beb7-5857-4685-be1f-d57550cc96cc" xsi:nil="true"/>
-    <FeatureTagsTaxHTField0 xmlns="4873beb7-5857-4685-be1f-d57550cc96cc">
-      <Terms xmlns="http://schemas.microsoft.com/office/infopath/2007/PartnerControls"/>
-    </FeatureTagsTaxHTField0>
-    <PublishStatusLookup xmlns="4873beb7-5857-4685-be1f-d57550cc96cc">
-      <Value>1345093</Value>
-    </PublishStatusLookup>
-    <Providers xmlns="4873beb7-5857-4685-be1f-d57550cc96cc" xsi:nil="true"/>
-    <MachineTranslated xmlns="4873beb7-5857-4685-be1f-d57550cc96cc">false</MachineTranslated>
-    <OriginalSourceMarket xmlns="4873beb7-5857-4685-be1f-d57550cc96cc" xsi:nil="true"/>
-    <APDescription xmlns="4873beb7-5857-4685-be1f-d57550cc96cc">This simple template design works for technology and  businesses, but it's versatile enough to use in other contexts.  It features multiple slide layouts designed for widescreen (16x9 resolution) and includes a sample SmartArt list and chart that are easily editable.</APDescription>
-    <ClipArtFilename xmlns="4873beb7-5857-4685-be1f-d57550cc96cc" xsi:nil="true"/>
-    <ContentItem xmlns="4873beb7-5857-4685-be1f-d57550cc96cc" xsi:nil="true"/>
-    <TPInstallLocation xmlns="4873beb7-5857-4685-be1f-d57550cc96cc" xsi:nil="true"/>
-    <PublishTargets xmlns="4873beb7-5857-4685-be1f-d57550cc96cc">OfficeOnlineVNext</PublishTargets>
-    <TimesCloned xmlns="4873beb7-5857-4685-be1f-d57550cc96cc" xsi:nil="true"/>
-    <AssetStart xmlns="4873beb7-5857-4685-be1f-d57550cc96cc">2011-11-26T00:30:00+00:00</AssetStart>
-    <Provider xmlns="4873beb7-5857-4685-be1f-d57550cc96cc" xsi:nil="true"/>
-    <AcquiredFrom xmlns="4873beb7-5857-4685-be1f-d57550cc96cc">Internal MS</AcquiredFrom>
-    <FriendlyTitle xmlns="4873beb7-5857-4685-be1f-d57550cc96cc" xsi:nil="true"/>
-    <LastHandOff xmlns="4873beb7-5857-4685-be1f-d57550cc96cc" xsi:nil="true"/>
-    <TPClientViewer xmlns="4873beb7-5857-4685-be1f-d57550cc96cc" xsi:nil="true"/>
-    <TemplateStatus xmlns="4873beb7-5857-4685-be1f-d57550cc96cc">Complete</TemplateStatus>
-    <Downloads xmlns="4873beb7-5857-4685-be1f-d57550cc96cc">0</Downloads>
-    <OOCacheId xmlns="4873beb7-5857-4685-be1f-d57550cc96cc" xsi:nil="true"/>
-    <IsDeleted xmlns="4873beb7-5857-4685-be1f-d57550cc96cc">false</IsDeleted>
-    <LocPublishedDependentAssetsLookup xmlns="4873beb7-5857-4685-be1f-d57550cc96cc" xsi:nil="true"/>
-    <TPExecutable xmlns="4873beb7-5857-4685-be1f-d57550cc96cc" xsi:nil="true"/>
-    <EditorialTags xmlns="4873beb7-5857-4685-be1f-d57550cc96cc" xsi:nil="true"/>
-    <SubmitterId xmlns="4873beb7-5857-4685-be1f-d57550cc96cc" xsi:nil="true"/>
-    <ApprovalLog xmlns="4873beb7-5857-4685-be1f-d57550cc96cc" xsi:nil="true"/>
-    <AssetType xmlns="4873beb7-5857-4685-be1f-d57550cc96cc">TP</AssetType>
-    <BugNumber xmlns="4873beb7-5857-4685-be1f-d57550cc96cc" xsi:nil="true"/>
-    <CSXSubmissionDate xmlns="4873beb7-5857-4685-be1f-d57550cc96cc" xsi:nil="true"/>
-    <CSXUpdate xmlns="4873beb7-5857-4685-be1f-d57550cc96cc">false</CSXUpdate>
-    <Milestone xmlns="4873beb7-5857-4685-be1f-d57550cc96cc" xsi:nil="true"/>
-    <RecommendationsModifier xmlns="4873beb7-5857-4685-be1f-d57550cc96cc" xsi:nil="true"/>
-    <OriginAsset xmlns="4873beb7-5857-4685-be1f-d57550cc96cc" xsi:nil="true"/>
-    <TPComponent xmlns="4873beb7-5857-4685-be1f-d57550cc96cc" xsi:nil="true"/>
-    <AssetId xmlns="4873beb7-5857-4685-be1f-d57550cc96cc">TP102787989</AssetId>
-    <IntlLocPriority xmlns="4873beb7-5857-4685-be1f-d57550cc96cc" xsi:nil="true"/>
-    <PolicheckWords xmlns="4873beb7-5857-4685-be1f-d57550cc96cc" xsi:nil="true"/>
-    <TPLaunchHelpLink xmlns="4873beb7-5857-4685-be1f-d57550cc96cc" xsi:nil="true"/>
-    <TPApplication xmlns="4873beb7-5857-4685-be1f-d57550cc96cc" xsi:nil="true"/>
-    <CrawlForDependencies xmlns="4873beb7-5857-4685-be1f-d57550cc96cc">false</CrawlForDependencies>
-    <HandoffToMSDN xmlns="4873beb7-5857-4685-be1f-d57550cc96cc" xsi:nil="true"/>
-    <PlannedPubDate xmlns="4873beb7-5857-4685-be1f-d57550cc96cc" xsi:nil="true"/>
-    <IntlLangReviewer xmlns="4873beb7-5857-4685-be1f-d57550cc96cc" xsi:nil="true"/>
-    <TrustLevel xmlns="4873beb7-5857-4685-be1f-d57550cc96cc">1 Microsoft Managed Content</TrustLevel>
-    <LocLastLocAttemptVersionLookup xmlns="4873beb7-5857-4685-be1f-d57550cc96cc">694266</LocLastLocAttemptVersionLookup>
-    <LocProcessedForHandoffsLookup xmlns="4873beb7-5857-4685-be1f-d57550cc96cc" xsi:nil="true"/>
-    <IsSearchable xmlns="4873beb7-5857-4685-be1f-d57550cc96cc">true</IsSearchable>
-    <TemplateTemplateType xmlns="4873beb7-5857-4685-be1f-d57550cc96cc">PowerPoint Presentation Template</TemplateTemplateType>
-    <CampaignTagsTaxHTField0 xmlns="4873beb7-5857-4685-be1f-d57550cc96cc">
-      <Terms xmlns="http://schemas.microsoft.com/office/infopath/2007/PartnerControls"/>
-    </CampaignTagsTaxHTField0>
-    <TPNamespace xmlns="4873beb7-5857-4685-be1f-d57550cc96cc" xsi:nil="true"/>
-    <LocOverallPreviewStatusLookup xmlns="4873beb7-5857-4685-be1f-d57550cc96cc" xsi:nil="true"/>
-    <TaxCatchAll xmlns="4873beb7-5857-4685-be1f-d57550cc96cc"/>
-    <Markets xmlns="4873beb7-5857-4685-be1f-d57550cc96cc"/>
-    <UAProjectedTotalWords xmlns="4873beb7-5857-4685-be1f-d57550cc96cc" xsi:nil="true"/>
-    <IntlLangReview xmlns="4873beb7-5857-4685-be1f-d57550cc96cc" xsi:nil="true"/>
-    <OutputCachingOn xmlns="4873beb7-5857-4685-be1f-d57550cc96cc">false</OutputCachingOn>
-    <AverageRating xmlns="4873beb7-5857-4685-be1f-d57550cc96cc" xsi:nil="true"/>
-    <APAuthor xmlns="4873beb7-5857-4685-be1f-d57550cc96cc">
-      <UserInfo>
-        <DisplayName>REDMOND\kristaa</DisplayName>
-        <AccountId>136</AccountId>
-        <AccountType/>
-      </UserInfo>
-    </APAuthor>
-    <LocManualTestRequired xmlns="4873beb7-5857-4685-be1f-d57550cc96cc">false</LocManualTestRequired>
-    <TPCommandLine xmlns="4873beb7-5857-4685-be1f-d57550cc96cc" xsi:nil="true"/>
-    <TPAppVersion xmlns="4873beb7-5857-4685-be1f-d57550cc96cc" xsi:nil="true"/>
-    <EditorialStatus xmlns="4873beb7-5857-4685-be1f-d57550cc96cc">Complete</EditorialStatus>
-    <LastModifiedDateTime xmlns="4873beb7-5857-4685-be1f-d57550cc96cc" xsi:nil="true"/>
-    <ScenarioTagsTaxHTField0 xmlns="4873beb7-5857-4685-be1f-d57550cc96cc">
-      <Terms xmlns="http://schemas.microsoft.com/office/infopath/2007/PartnerControls"/>
-    </ScenarioTagsTaxHTField0>
-    <LocProcessedForMarketsLookup xmlns="4873beb7-5857-4685-be1f-d57550cc96cc" xsi:nil="true"/>
-    <TPLaunchHelpLinkType xmlns="4873beb7-5857-4685-be1f-d57550cc96cc">Template</TPLaunchHelpLinkType>
-    <OriginalRelease xmlns="4873beb7-5857-4685-be1f-d57550cc96cc">15</OriginalRelease>
-    <LocalizationTagsTaxHTField0 xmlns="4873beb7-5857-4685-be1f-d57550cc96cc">
-      <Terms xmlns="http://schemas.microsoft.com/office/infopath/2007/PartnerControls"/>
-    </LocalizationTagsTaxHTField0>
-    <UACurrentWords xmlns="4873beb7-5857-4685-be1f-d57550cc96cc" xsi:nil="true"/>
-    <ArtSampleDocs xmlns="4873beb7-5857-4685-be1f-d57550cc96cc" xsi:nil="true"/>
-    <UALocRecommendation xmlns="4873beb7-5857-4685-be1f-d57550cc96cc">Localize</UALocRecommendation>
-    <Manager xmlns="4873beb7-5857-4685-be1f-d57550cc96cc" xsi:nil="true"/>
-    <LocOverallHandbackStatusLookup xmlns="4873beb7-5857-4685-be1f-d57550cc96cc" xsi:nil="true"/>
-    <ShowIn xmlns="4873beb7-5857-4685-be1f-d57550cc96cc">Show everywhere</ShowIn>
-    <UANotes xmlns="4873beb7-5857-4685-be1f-d57550cc96cc" xsi:nil="true"/>
-    <InternalTagsTaxHTField0 xmlns="4873beb7-5857-4685-be1f-d57550cc96cc">
-      <Terms xmlns="http://schemas.microsoft.com/office/infopath/2007/PartnerControls"/>
-    </InternalTagsTaxHTField0>
-    <CSXHash xmlns="4873beb7-5857-4685-be1f-d57550cc96cc" xsi:nil="true"/>
-    <VoteCount xmlns="4873beb7-5857-4685-be1f-d57550cc96cc" xsi:nil="true"/>
-    <AssetExpire xmlns="4873beb7-5857-4685-be1f-d57550cc96cc">2029-05-12T07:00:00+00:00</AssetExpire>
-    <DSATActionTaken xmlns="4873beb7-5857-4685-be1f-d57550cc96cc" xsi:nil="true"/>
-    <CSXSubmissionMarket xmlns="4873beb7-5857-4685-be1f-d57550cc96cc" xsi:nil="true"/>
-    <LocMarketGroupTiers2 xmlns="4873beb7-5857-4685-be1f-d57550cc96cc" xsi:nil="true"/>
-  </documentManagement>
-</p:properties>
-</file>
-
-<file path=customXml/item2.xml><?xml version="1.0" encoding="utf-8"?>
 <ct:contentTypeSchema xmlns:ct="http://schemas.microsoft.com/office/2006/metadata/contentType" xmlns:ma="http://schemas.microsoft.com/office/2006/metadata/properties/metaAttributes" ct:_="" ma:_="" ma:contentTypeName="TemplateFile" ma:contentTypeID="0x0101006EDDDB5EE6D98C44930B742096920B300400F5B6D36B3EF94B4E9A635CDF2A18F5B8" ma:contentTypeVersion="72" ma:contentTypeDescription="Create a new document." ma:contentTypeScope="" ma:versionID="a23e56308344d904b51738559c3d67c9">
   <xsd:schema xmlns:xsd="http://www.w3.org/2001/XMLSchema" xmlns:xs="http://www.w3.org/2001/XMLSchema" xmlns:p="http://schemas.microsoft.com/office/2006/metadata/properties" xmlns:ns2="4873beb7-5857-4685-be1f-d57550cc96cc" targetNamespace="http://schemas.microsoft.com/office/2006/metadata/properties" ma:root="true" ma:fieldsID="cd0908cc4600e77bf5da051303e00c8d" ns2:_="">
     <xsd:import namespace="4873beb7-5857-4685-be1f-d57550cc96cc"/>
@@ -19543,6 +19565,142 @@
 </ct:contentTypeSchema>
 </file>
 
+<file path=customXml/item2.xml><?xml version="1.0" encoding="utf-8"?>
+<p:properties xmlns:p="http://schemas.microsoft.com/office/2006/metadata/properties" xmlns:xsi="http://www.w3.org/2001/XMLSchema-instance" xmlns:pc="http://schemas.microsoft.com/office/infopath/2007/PartnerControls">
+  <documentManagement>
+    <LocPublishedLinkedAssetsLookup xmlns="4873beb7-5857-4685-be1f-d57550cc96cc" xsi:nil="true"/>
+    <ApprovalStatus xmlns="4873beb7-5857-4685-be1f-d57550cc96cc">InProgress</ApprovalStatus>
+    <MarketSpecific xmlns="4873beb7-5857-4685-be1f-d57550cc96cc">false</MarketSpecific>
+    <LocComments xmlns="4873beb7-5857-4685-be1f-d57550cc96cc" xsi:nil="true"/>
+    <LocLastLocAttemptVersionTypeLookup xmlns="4873beb7-5857-4685-be1f-d57550cc96cc" xsi:nil="true"/>
+    <DirectSourceMarket xmlns="4873beb7-5857-4685-be1f-d57550cc96cc" xsi:nil="true"/>
+    <ThumbnailAssetId xmlns="4873beb7-5857-4685-be1f-d57550cc96cc" xsi:nil="true"/>
+    <PrimaryImageGen xmlns="4873beb7-5857-4685-be1f-d57550cc96cc">false</PrimaryImageGen>
+    <LocNewPublishedVersionLookup xmlns="4873beb7-5857-4685-be1f-d57550cc96cc" xsi:nil="true"/>
+    <LegacyData xmlns="4873beb7-5857-4685-be1f-d57550cc96cc" xsi:nil="true"/>
+    <LocRecommendedHandoff xmlns="4873beb7-5857-4685-be1f-d57550cc96cc" xsi:nil="true"/>
+    <BusinessGroup xmlns="4873beb7-5857-4685-be1f-d57550cc96cc" xsi:nil="true"/>
+    <BlockPublish xmlns="4873beb7-5857-4685-be1f-d57550cc96cc">false</BlockPublish>
+    <TPFriendlyName xmlns="4873beb7-5857-4685-be1f-d57550cc96cc" xsi:nil="true"/>
+    <LocOverallPublishStatusLookup xmlns="4873beb7-5857-4685-be1f-d57550cc96cc" xsi:nil="true"/>
+    <NumericId xmlns="4873beb7-5857-4685-be1f-d57550cc96cc" xsi:nil="true"/>
+    <APEditor xmlns="4873beb7-5857-4685-be1f-d57550cc96cc">
+      <UserInfo>
+        <DisplayName/>
+        <AccountId xsi:nil="true"/>
+        <AccountType/>
+      </UserInfo>
+    </APEditor>
+    <SourceTitle xmlns="4873beb7-5857-4685-be1f-d57550cc96cc" xsi:nil="true"/>
+    <OpenTemplate xmlns="4873beb7-5857-4685-be1f-d57550cc96cc">true</OpenTemplate>
+    <LocOverallLocStatusLookup xmlns="4873beb7-5857-4685-be1f-d57550cc96cc" xsi:nil="true"/>
+    <UALocComments xmlns="4873beb7-5857-4685-be1f-d57550cc96cc" xsi:nil="true"/>
+    <ParentAssetId xmlns="4873beb7-5857-4685-be1f-d57550cc96cc" xsi:nil="true"/>
+    <IntlLangReviewDate xmlns="4873beb7-5857-4685-be1f-d57550cc96cc" xsi:nil="true"/>
+    <FeatureTagsTaxHTField0 xmlns="4873beb7-5857-4685-be1f-d57550cc96cc">
+      <Terms xmlns="http://schemas.microsoft.com/office/infopath/2007/PartnerControls"/>
+    </FeatureTagsTaxHTField0>
+    <PublishStatusLookup xmlns="4873beb7-5857-4685-be1f-d57550cc96cc">
+      <Value>1345093</Value>
+    </PublishStatusLookup>
+    <Providers xmlns="4873beb7-5857-4685-be1f-d57550cc96cc" xsi:nil="true"/>
+    <MachineTranslated xmlns="4873beb7-5857-4685-be1f-d57550cc96cc">false</MachineTranslated>
+    <OriginalSourceMarket xmlns="4873beb7-5857-4685-be1f-d57550cc96cc" xsi:nil="true"/>
+    <APDescription xmlns="4873beb7-5857-4685-be1f-d57550cc96cc">This simple template design works for technology and  businesses, but it's versatile enough to use in other contexts.  It features multiple slide layouts designed for widescreen (16x9 resolution) and includes a sample SmartArt list and chart that are easily editable.</APDescription>
+    <ClipArtFilename xmlns="4873beb7-5857-4685-be1f-d57550cc96cc" xsi:nil="true"/>
+    <ContentItem xmlns="4873beb7-5857-4685-be1f-d57550cc96cc" xsi:nil="true"/>
+    <TPInstallLocation xmlns="4873beb7-5857-4685-be1f-d57550cc96cc" xsi:nil="true"/>
+    <PublishTargets xmlns="4873beb7-5857-4685-be1f-d57550cc96cc">OfficeOnlineVNext</PublishTargets>
+    <TimesCloned xmlns="4873beb7-5857-4685-be1f-d57550cc96cc" xsi:nil="true"/>
+    <AssetStart xmlns="4873beb7-5857-4685-be1f-d57550cc96cc">2011-11-26T00:30:00+00:00</AssetStart>
+    <Provider xmlns="4873beb7-5857-4685-be1f-d57550cc96cc" xsi:nil="true"/>
+    <AcquiredFrom xmlns="4873beb7-5857-4685-be1f-d57550cc96cc">Internal MS</AcquiredFrom>
+    <FriendlyTitle xmlns="4873beb7-5857-4685-be1f-d57550cc96cc" xsi:nil="true"/>
+    <LastHandOff xmlns="4873beb7-5857-4685-be1f-d57550cc96cc" xsi:nil="true"/>
+    <TPClientViewer xmlns="4873beb7-5857-4685-be1f-d57550cc96cc" xsi:nil="true"/>
+    <TemplateStatus xmlns="4873beb7-5857-4685-be1f-d57550cc96cc">Complete</TemplateStatus>
+    <Downloads xmlns="4873beb7-5857-4685-be1f-d57550cc96cc">0</Downloads>
+    <OOCacheId xmlns="4873beb7-5857-4685-be1f-d57550cc96cc" xsi:nil="true"/>
+    <IsDeleted xmlns="4873beb7-5857-4685-be1f-d57550cc96cc">false</IsDeleted>
+    <LocPublishedDependentAssetsLookup xmlns="4873beb7-5857-4685-be1f-d57550cc96cc" xsi:nil="true"/>
+    <TPExecutable xmlns="4873beb7-5857-4685-be1f-d57550cc96cc" xsi:nil="true"/>
+    <EditorialTags xmlns="4873beb7-5857-4685-be1f-d57550cc96cc" xsi:nil="true"/>
+    <SubmitterId xmlns="4873beb7-5857-4685-be1f-d57550cc96cc" xsi:nil="true"/>
+    <ApprovalLog xmlns="4873beb7-5857-4685-be1f-d57550cc96cc" xsi:nil="true"/>
+    <AssetType xmlns="4873beb7-5857-4685-be1f-d57550cc96cc">TP</AssetType>
+    <BugNumber xmlns="4873beb7-5857-4685-be1f-d57550cc96cc" xsi:nil="true"/>
+    <CSXSubmissionDate xmlns="4873beb7-5857-4685-be1f-d57550cc96cc" xsi:nil="true"/>
+    <CSXUpdate xmlns="4873beb7-5857-4685-be1f-d57550cc96cc">false</CSXUpdate>
+    <Milestone xmlns="4873beb7-5857-4685-be1f-d57550cc96cc" xsi:nil="true"/>
+    <RecommendationsModifier xmlns="4873beb7-5857-4685-be1f-d57550cc96cc" xsi:nil="true"/>
+    <OriginAsset xmlns="4873beb7-5857-4685-be1f-d57550cc96cc" xsi:nil="true"/>
+    <TPComponent xmlns="4873beb7-5857-4685-be1f-d57550cc96cc" xsi:nil="true"/>
+    <AssetId xmlns="4873beb7-5857-4685-be1f-d57550cc96cc">TP102787989</AssetId>
+    <IntlLocPriority xmlns="4873beb7-5857-4685-be1f-d57550cc96cc" xsi:nil="true"/>
+    <PolicheckWords xmlns="4873beb7-5857-4685-be1f-d57550cc96cc" xsi:nil="true"/>
+    <TPLaunchHelpLink xmlns="4873beb7-5857-4685-be1f-d57550cc96cc" xsi:nil="true"/>
+    <TPApplication xmlns="4873beb7-5857-4685-be1f-d57550cc96cc" xsi:nil="true"/>
+    <CrawlForDependencies xmlns="4873beb7-5857-4685-be1f-d57550cc96cc">false</CrawlForDependencies>
+    <HandoffToMSDN xmlns="4873beb7-5857-4685-be1f-d57550cc96cc" xsi:nil="true"/>
+    <PlannedPubDate xmlns="4873beb7-5857-4685-be1f-d57550cc96cc" xsi:nil="true"/>
+    <IntlLangReviewer xmlns="4873beb7-5857-4685-be1f-d57550cc96cc" xsi:nil="true"/>
+    <TrustLevel xmlns="4873beb7-5857-4685-be1f-d57550cc96cc">1 Microsoft Managed Content</TrustLevel>
+    <LocLastLocAttemptVersionLookup xmlns="4873beb7-5857-4685-be1f-d57550cc96cc">694266</LocLastLocAttemptVersionLookup>
+    <LocProcessedForHandoffsLookup xmlns="4873beb7-5857-4685-be1f-d57550cc96cc" xsi:nil="true"/>
+    <IsSearchable xmlns="4873beb7-5857-4685-be1f-d57550cc96cc">true</IsSearchable>
+    <TemplateTemplateType xmlns="4873beb7-5857-4685-be1f-d57550cc96cc">PowerPoint Presentation Template</TemplateTemplateType>
+    <CampaignTagsTaxHTField0 xmlns="4873beb7-5857-4685-be1f-d57550cc96cc">
+      <Terms xmlns="http://schemas.microsoft.com/office/infopath/2007/PartnerControls"/>
+    </CampaignTagsTaxHTField0>
+    <TPNamespace xmlns="4873beb7-5857-4685-be1f-d57550cc96cc" xsi:nil="true"/>
+    <LocOverallPreviewStatusLookup xmlns="4873beb7-5857-4685-be1f-d57550cc96cc" xsi:nil="true"/>
+    <TaxCatchAll xmlns="4873beb7-5857-4685-be1f-d57550cc96cc"/>
+    <Markets xmlns="4873beb7-5857-4685-be1f-d57550cc96cc"/>
+    <UAProjectedTotalWords xmlns="4873beb7-5857-4685-be1f-d57550cc96cc" xsi:nil="true"/>
+    <IntlLangReview xmlns="4873beb7-5857-4685-be1f-d57550cc96cc" xsi:nil="true"/>
+    <OutputCachingOn xmlns="4873beb7-5857-4685-be1f-d57550cc96cc">false</OutputCachingOn>
+    <AverageRating xmlns="4873beb7-5857-4685-be1f-d57550cc96cc" xsi:nil="true"/>
+    <APAuthor xmlns="4873beb7-5857-4685-be1f-d57550cc96cc">
+      <UserInfo>
+        <DisplayName>REDMOND\kristaa</DisplayName>
+        <AccountId>136</AccountId>
+        <AccountType/>
+      </UserInfo>
+    </APAuthor>
+    <LocManualTestRequired xmlns="4873beb7-5857-4685-be1f-d57550cc96cc">false</LocManualTestRequired>
+    <TPCommandLine xmlns="4873beb7-5857-4685-be1f-d57550cc96cc" xsi:nil="true"/>
+    <TPAppVersion xmlns="4873beb7-5857-4685-be1f-d57550cc96cc" xsi:nil="true"/>
+    <EditorialStatus xmlns="4873beb7-5857-4685-be1f-d57550cc96cc">Complete</EditorialStatus>
+    <LastModifiedDateTime xmlns="4873beb7-5857-4685-be1f-d57550cc96cc" xsi:nil="true"/>
+    <ScenarioTagsTaxHTField0 xmlns="4873beb7-5857-4685-be1f-d57550cc96cc">
+      <Terms xmlns="http://schemas.microsoft.com/office/infopath/2007/PartnerControls"/>
+    </ScenarioTagsTaxHTField0>
+    <LocProcessedForMarketsLookup xmlns="4873beb7-5857-4685-be1f-d57550cc96cc" xsi:nil="true"/>
+    <TPLaunchHelpLinkType xmlns="4873beb7-5857-4685-be1f-d57550cc96cc">Template</TPLaunchHelpLinkType>
+    <OriginalRelease xmlns="4873beb7-5857-4685-be1f-d57550cc96cc">15</OriginalRelease>
+    <LocalizationTagsTaxHTField0 xmlns="4873beb7-5857-4685-be1f-d57550cc96cc">
+      <Terms xmlns="http://schemas.microsoft.com/office/infopath/2007/PartnerControls"/>
+    </LocalizationTagsTaxHTField0>
+    <UACurrentWords xmlns="4873beb7-5857-4685-be1f-d57550cc96cc" xsi:nil="true"/>
+    <ArtSampleDocs xmlns="4873beb7-5857-4685-be1f-d57550cc96cc" xsi:nil="true"/>
+    <UALocRecommendation xmlns="4873beb7-5857-4685-be1f-d57550cc96cc">Localize</UALocRecommendation>
+    <Manager xmlns="4873beb7-5857-4685-be1f-d57550cc96cc" xsi:nil="true"/>
+    <LocOverallHandbackStatusLookup xmlns="4873beb7-5857-4685-be1f-d57550cc96cc" xsi:nil="true"/>
+    <ShowIn xmlns="4873beb7-5857-4685-be1f-d57550cc96cc">Show everywhere</ShowIn>
+    <UANotes xmlns="4873beb7-5857-4685-be1f-d57550cc96cc" xsi:nil="true"/>
+    <InternalTagsTaxHTField0 xmlns="4873beb7-5857-4685-be1f-d57550cc96cc">
+      <Terms xmlns="http://schemas.microsoft.com/office/infopath/2007/PartnerControls"/>
+    </InternalTagsTaxHTField0>
+    <CSXHash xmlns="4873beb7-5857-4685-be1f-d57550cc96cc" xsi:nil="true"/>
+    <VoteCount xmlns="4873beb7-5857-4685-be1f-d57550cc96cc" xsi:nil="true"/>
+    <AssetExpire xmlns="4873beb7-5857-4685-be1f-d57550cc96cc">2029-05-12T07:00:00+00:00</AssetExpire>
+    <DSATActionTaken xmlns="4873beb7-5857-4685-be1f-d57550cc96cc" xsi:nil="true"/>
+    <CSXSubmissionMarket xmlns="4873beb7-5857-4685-be1f-d57550cc96cc" xsi:nil="true"/>
+    <LocMarketGroupTiers2 xmlns="4873beb7-5857-4685-be1f-d57550cc96cc" xsi:nil="true"/>
+  </documentManagement>
+</p:properties>
+</file>
+
 <file path=customXml/item3.xml><?xml version="1.0" encoding="utf-8"?>
 <?mso-contentType ?>
 <FormTemplates xmlns="http://schemas.microsoft.com/sharepoint/v3/contenttype/forms">
@@ -19553,22 +19711,6 @@
 </file>
 
 <file path=customXml/itemProps1.xml><?xml version="1.0" encoding="utf-8"?>
-<ds:datastoreItem xmlns:ds="http://schemas.openxmlformats.org/officeDocument/2006/customXml" ds:itemID="{60C67BEE-D13F-4BD2-98A5-34D8A0977F68}">
-  <ds:schemaRefs>
-    <ds:schemaRef ds:uri="http://schemas.openxmlformats.org/package/2006/metadata/core-properties"/>
-    <ds:schemaRef ds:uri="http://schemas.microsoft.com/office/2006/documentManagement/types"/>
-    <ds:schemaRef ds:uri="4873beb7-5857-4685-be1f-d57550cc96cc"/>
-    <ds:schemaRef ds:uri="http://purl.org/dc/elements/1.1/"/>
-    <ds:schemaRef ds:uri="http://schemas.microsoft.com/office/2006/metadata/properties"/>
-    <ds:schemaRef ds:uri="http://schemas.microsoft.com/office/infopath/2007/PartnerControls"/>
-    <ds:schemaRef ds:uri="http://purl.org/dc/terms/"/>
-    <ds:schemaRef ds:uri="http://www.w3.org/XML/1998/namespace"/>
-    <ds:schemaRef ds:uri="http://purl.org/dc/dcmitype/"/>
-  </ds:schemaRefs>
-</ds:datastoreItem>
-</file>
-
-<file path=customXml/itemProps2.xml><?xml version="1.0" encoding="utf-8"?>
 <ds:datastoreItem xmlns:ds="http://schemas.openxmlformats.org/officeDocument/2006/customXml" ds:itemID="{A09BF4D4-EF60-4196-BFC3-9462D607978C}">
   <ds:schemaRefs>
     <ds:schemaRef ds:uri="http://schemas.microsoft.com/office/2006/metadata/contentType"/>
@@ -19586,6 +19728,22 @@
 </ds:datastoreItem>
 </file>
 
+<file path=customXml/itemProps2.xml><?xml version="1.0" encoding="utf-8"?>
+<ds:datastoreItem xmlns:ds="http://schemas.openxmlformats.org/officeDocument/2006/customXml" ds:itemID="{60C67BEE-D13F-4BD2-98A5-34D8A0977F68}">
+  <ds:schemaRefs>
+    <ds:schemaRef ds:uri="http://schemas.openxmlformats.org/package/2006/metadata/core-properties"/>
+    <ds:schemaRef ds:uri="http://schemas.microsoft.com/office/2006/documentManagement/types"/>
+    <ds:schemaRef ds:uri="4873beb7-5857-4685-be1f-d57550cc96cc"/>
+    <ds:schemaRef ds:uri="http://purl.org/dc/elements/1.1/"/>
+    <ds:schemaRef ds:uri="http://schemas.microsoft.com/office/2006/metadata/properties"/>
+    <ds:schemaRef ds:uri="http://schemas.microsoft.com/office/infopath/2007/PartnerControls"/>
+    <ds:schemaRef ds:uri="http://purl.org/dc/terms/"/>
+    <ds:schemaRef ds:uri="http://www.w3.org/XML/1998/namespace"/>
+    <ds:schemaRef ds:uri="http://purl.org/dc/dcmitype/"/>
+  </ds:schemaRefs>
+</ds:datastoreItem>
+</file>
+
 <file path=customXml/itemProps3.xml><?xml version="1.0" encoding="utf-8"?>
 <ds:datastoreItem xmlns:ds="http://schemas.openxmlformats.org/officeDocument/2006/customXml" ds:itemID="{3836F65B-1B07-41EE-A0E8-BC6EF3855225}">
   <ds:schemaRefs>

--- a/Documentation/Long-Mann 16-Bit RISC Processor.pptx
+++ b/Documentation/Long-Mann 16-Bit RISC Processor.pptx
@@ -18535,8 +18535,8 @@
           </a:p>
         </p:txBody>
       </p:sp>
-      <mc:AlternateContent xmlns:mc="http://schemas.openxmlformats.org/markup-compatibility/2006">
-        <mc:Choice xmlns:a14="http://schemas.microsoft.com/office/drawing/2010/main" Requires="a14">
+      <mc:AlternateContent xmlns:mc="http://schemas.openxmlformats.org/markup-compatibility/2006" xmlns:a14="http://schemas.microsoft.com/office/drawing/2010/main">
+        <mc:Choice Requires="a14">
           <p:sp>
             <p:nvSpPr>
               <p:cNvPr id="5" name="Text Placeholder 4"/>
@@ -18622,7 +18622,7 @@
             </p:txBody>
           </p:sp>
         </mc:Choice>
-        <mc:Fallback>
+        <mc:Fallback xmlns="">
           <p:sp>
             <p:nvSpPr>
               <p:cNvPr id="5" name="Text Placeholder 4"/>
@@ -25734,151 +25734,6 @@
 </file>
 
 <file path=customXml/item1.xml><?xml version="1.0" encoding="utf-8"?>
-<?mso-contentType ?>
-<FormTemplates xmlns="http://schemas.microsoft.com/sharepoint/v3/contenttype/forms">
-  <Display>DocumentLibraryForm</Display>
-  <Edit>AssetEditForm</Edit>
-  <New>DocumentLibraryForm</New>
-</FormTemplates>
-</file>
-
-<file path=customXml/item2.xml><?xml version="1.0" encoding="utf-8"?>
-<p:properties xmlns:p="http://schemas.microsoft.com/office/2006/metadata/properties" xmlns:xsi="http://www.w3.org/2001/XMLSchema-instance" xmlns:pc="http://schemas.microsoft.com/office/infopath/2007/PartnerControls">
-  <documentManagement>
-    <LocPublishedLinkedAssetsLookup xmlns="4873beb7-5857-4685-be1f-d57550cc96cc" xsi:nil="true"/>
-    <ApprovalStatus xmlns="4873beb7-5857-4685-be1f-d57550cc96cc">InProgress</ApprovalStatus>
-    <MarketSpecific xmlns="4873beb7-5857-4685-be1f-d57550cc96cc">false</MarketSpecific>
-    <LocComments xmlns="4873beb7-5857-4685-be1f-d57550cc96cc" xsi:nil="true"/>
-    <LocLastLocAttemptVersionTypeLookup xmlns="4873beb7-5857-4685-be1f-d57550cc96cc" xsi:nil="true"/>
-    <DirectSourceMarket xmlns="4873beb7-5857-4685-be1f-d57550cc96cc" xsi:nil="true"/>
-    <ThumbnailAssetId xmlns="4873beb7-5857-4685-be1f-d57550cc96cc" xsi:nil="true"/>
-    <PrimaryImageGen xmlns="4873beb7-5857-4685-be1f-d57550cc96cc">false</PrimaryImageGen>
-    <LocNewPublishedVersionLookup xmlns="4873beb7-5857-4685-be1f-d57550cc96cc" xsi:nil="true"/>
-    <LegacyData xmlns="4873beb7-5857-4685-be1f-d57550cc96cc" xsi:nil="true"/>
-    <LocRecommendedHandoff xmlns="4873beb7-5857-4685-be1f-d57550cc96cc" xsi:nil="true"/>
-    <BusinessGroup xmlns="4873beb7-5857-4685-be1f-d57550cc96cc" xsi:nil="true"/>
-    <BlockPublish xmlns="4873beb7-5857-4685-be1f-d57550cc96cc">false</BlockPublish>
-    <TPFriendlyName xmlns="4873beb7-5857-4685-be1f-d57550cc96cc" xsi:nil="true"/>
-    <LocOverallPublishStatusLookup xmlns="4873beb7-5857-4685-be1f-d57550cc96cc" xsi:nil="true"/>
-    <NumericId xmlns="4873beb7-5857-4685-be1f-d57550cc96cc" xsi:nil="true"/>
-    <APEditor xmlns="4873beb7-5857-4685-be1f-d57550cc96cc">
-      <UserInfo>
-        <DisplayName/>
-        <AccountId xsi:nil="true"/>
-        <AccountType/>
-      </UserInfo>
-    </APEditor>
-    <SourceTitle xmlns="4873beb7-5857-4685-be1f-d57550cc96cc" xsi:nil="true"/>
-    <OpenTemplate xmlns="4873beb7-5857-4685-be1f-d57550cc96cc">true</OpenTemplate>
-    <LocOverallLocStatusLookup xmlns="4873beb7-5857-4685-be1f-d57550cc96cc" xsi:nil="true"/>
-    <UALocComments xmlns="4873beb7-5857-4685-be1f-d57550cc96cc" xsi:nil="true"/>
-    <ParentAssetId xmlns="4873beb7-5857-4685-be1f-d57550cc96cc" xsi:nil="true"/>
-    <IntlLangReviewDate xmlns="4873beb7-5857-4685-be1f-d57550cc96cc" xsi:nil="true"/>
-    <FeatureTagsTaxHTField0 xmlns="4873beb7-5857-4685-be1f-d57550cc96cc">
-      <Terms xmlns="http://schemas.microsoft.com/office/infopath/2007/PartnerControls"/>
-    </FeatureTagsTaxHTField0>
-    <PublishStatusLookup xmlns="4873beb7-5857-4685-be1f-d57550cc96cc">
-      <Value>1345093</Value>
-    </PublishStatusLookup>
-    <Providers xmlns="4873beb7-5857-4685-be1f-d57550cc96cc" xsi:nil="true"/>
-    <MachineTranslated xmlns="4873beb7-5857-4685-be1f-d57550cc96cc">false</MachineTranslated>
-    <OriginalSourceMarket xmlns="4873beb7-5857-4685-be1f-d57550cc96cc" xsi:nil="true"/>
-    <APDescription xmlns="4873beb7-5857-4685-be1f-d57550cc96cc">This simple template design works for technology and  businesses, but it's versatile enough to use in other contexts.  It features multiple slide layouts designed for widescreen (16x9 resolution) and includes a sample SmartArt list and chart that are easily editable.</APDescription>
-    <ClipArtFilename xmlns="4873beb7-5857-4685-be1f-d57550cc96cc" xsi:nil="true"/>
-    <ContentItem xmlns="4873beb7-5857-4685-be1f-d57550cc96cc" xsi:nil="true"/>
-    <TPInstallLocation xmlns="4873beb7-5857-4685-be1f-d57550cc96cc" xsi:nil="true"/>
-    <PublishTargets xmlns="4873beb7-5857-4685-be1f-d57550cc96cc">OfficeOnlineVNext</PublishTargets>
-    <TimesCloned xmlns="4873beb7-5857-4685-be1f-d57550cc96cc" xsi:nil="true"/>
-    <AssetStart xmlns="4873beb7-5857-4685-be1f-d57550cc96cc">2011-11-26T00:30:00+00:00</AssetStart>
-    <Provider xmlns="4873beb7-5857-4685-be1f-d57550cc96cc" xsi:nil="true"/>
-    <AcquiredFrom xmlns="4873beb7-5857-4685-be1f-d57550cc96cc">Internal MS</AcquiredFrom>
-    <FriendlyTitle xmlns="4873beb7-5857-4685-be1f-d57550cc96cc" xsi:nil="true"/>
-    <LastHandOff xmlns="4873beb7-5857-4685-be1f-d57550cc96cc" xsi:nil="true"/>
-    <TPClientViewer xmlns="4873beb7-5857-4685-be1f-d57550cc96cc" xsi:nil="true"/>
-    <TemplateStatus xmlns="4873beb7-5857-4685-be1f-d57550cc96cc">Complete</TemplateStatus>
-    <Downloads xmlns="4873beb7-5857-4685-be1f-d57550cc96cc">0</Downloads>
-    <OOCacheId xmlns="4873beb7-5857-4685-be1f-d57550cc96cc" xsi:nil="true"/>
-    <IsDeleted xmlns="4873beb7-5857-4685-be1f-d57550cc96cc">false</IsDeleted>
-    <LocPublishedDependentAssetsLookup xmlns="4873beb7-5857-4685-be1f-d57550cc96cc" xsi:nil="true"/>
-    <TPExecutable xmlns="4873beb7-5857-4685-be1f-d57550cc96cc" xsi:nil="true"/>
-    <EditorialTags xmlns="4873beb7-5857-4685-be1f-d57550cc96cc" xsi:nil="true"/>
-    <SubmitterId xmlns="4873beb7-5857-4685-be1f-d57550cc96cc" xsi:nil="true"/>
-    <ApprovalLog xmlns="4873beb7-5857-4685-be1f-d57550cc96cc" xsi:nil="true"/>
-    <AssetType xmlns="4873beb7-5857-4685-be1f-d57550cc96cc">TP</AssetType>
-    <BugNumber xmlns="4873beb7-5857-4685-be1f-d57550cc96cc" xsi:nil="true"/>
-    <CSXSubmissionDate xmlns="4873beb7-5857-4685-be1f-d57550cc96cc" xsi:nil="true"/>
-    <CSXUpdate xmlns="4873beb7-5857-4685-be1f-d57550cc96cc">false</CSXUpdate>
-    <Milestone xmlns="4873beb7-5857-4685-be1f-d57550cc96cc" xsi:nil="true"/>
-    <RecommendationsModifier xmlns="4873beb7-5857-4685-be1f-d57550cc96cc" xsi:nil="true"/>
-    <OriginAsset xmlns="4873beb7-5857-4685-be1f-d57550cc96cc" xsi:nil="true"/>
-    <TPComponent xmlns="4873beb7-5857-4685-be1f-d57550cc96cc" xsi:nil="true"/>
-    <AssetId xmlns="4873beb7-5857-4685-be1f-d57550cc96cc">TP102787989</AssetId>
-    <IntlLocPriority xmlns="4873beb7-5857-4685-be1f-d57550cc96cc" xsi:nil="true"/>
-    <PolicheckWords xmlns="4873beb7-5857-4685-be1f-d57550cc96cc" xsi:nil="true"/>
-    <TPLaunchHelpLink xmlns="4873beb7-5857-4685-be1f-d57550cc96cc" xsi:nil="true"/>
-    <TPApplication xmlns="4873beb7-5857-4685-be1f-d57550cc96cc" xsi:nil="true"/>
-    <CrawlForDependencies xmlns="4873beb7-5857-4685-be1f-d57550cc96cc">false</CrawlForDependencies>
-    <HandoffToMSDN xmlns="4873beb7-5857-4685-be1f-d57550cc96cc" xsi:nil="true"/>
-    <PlannedPubDate xmlns="4873beb7-5857-4685-be1f-d57550cc96cc" xsi:nil="true"/>
-    <IntlLangReviewer xmlns="4873beb7-5857-4685-be1f-d57550cc96cc" xsi:nil="true"/>
-    <TrustLevel xmlns="4873beb7-5857-4685-be1f-d57550cc96cc">1 Microsoft Managed Content</TrustLevel>
-    <LocLastLocAttemptVersionLookup xmlns="4873beb7-5857-4685-be1f-d57550cc96cc">694266</LocLastLocAttemptVersionLookup>
-    <LocProcessedForHandoffsLookup xmlns="4873beb7-5857-4685-be1f-d57550cc96cc" xsi:nil="true"/>
-    <IsSearchable xmlns="4873beb7-5857-4685-be1f-d57550cc96cc">true</IsSearchable>
-    <TemplateTemplateType xmlns="4873beb7-5857-4685-be1f-d57550cc96cc">PowerPoint Presentation Template</TemplateTemplateType>
-    <CampaignTagsTaxHTField0 xmlns="4873beb7-5857-4685-be1f-d57550cc96cc">
-      <Terms xmlns="http://schemas.microsoft.com/office/infopath/2007/PartnerControls"/>
-    </CampaignTagsTaxHTField0>
-    <TPNamespace xmlns="4873beb7-5857-4685-be1f-d57550cc96cc" xsi:nil="true"/>
-    <LocOverallPreviewStatusLookup xmlns="4873beb7-5857-4685-be1f-d57550cc96cc" xsi:nil="true"/>
-    <TaxCatchAll xmlns="4873beb7-5857-4685-be1f-d57550cc96cc"/>
-    <Markets xmlns="4873beb7-5857-4685-be1f-d57550cc96cc"/>
-    <UAProjectedTotalWords xmlns="4873beb7-5857-4685-be1f-d57550cc96cc" xsi:nil="true"/>
-    <IntlLangReview xmlns="4873beb7-5857-4685-be1f-d57550cc96cc" xsi:nil="true"/>
-    <OutputCachingOn xmlns="4873beb7-5857-4685-be1f-d57550cc96cc">false</OutputCachingOn>
-    <AverageRating xmlns="4873beb7-5857-4685-be1f-d57550cc96cc" xsi:nil="true"/>
-    <APAuthor xmlns="4873beb7-5857-4685-be1f-d57550cc96cc">
-      <UserInfo>
-        <DisplayName>REDMOND\kristaa</DisplayName>
-        <AccountId>136</AccountId>
-        <AccountType/>
-      </UserInfo>
-    </APAuthor>
-    <LocManualTestRequired xmlns="4873beb7-5857-4685-be1f-d57550cc96cc">false</LocManualTestRequired>
-    <TPCommandLine xmlns="4873beb7-5857-4685-be1f-d57550cc96cc" xsi:nil="true"/>
-    <TPAppVersion xmlns="4873beb7-5857-4685-be1f-d57550cc96cc" xsi:nil="true"/>
-    <EditorialStatus xmlns="4873beb7-5857-4685-be1f-d57550cc96cc">Complete</EditorialStatus>
-    <LastModifiedDateTime xmlns="4873beb7-5857-4685-be1f-d57550cc96cc" xsi:nil="true"/>
-    <ScenarioTagsTaxHTField0 xmlns="4873beb7-5857-4685-be1f-d57550cc96cc">
-      <Terms xmlns="http://schemas.microsoft.com/office/infopath/2007/PartnerControls"/>
-    </ScenarioTagsTaxHTField0>
-    <LocProcessedForMarketsLookup xmlns="4873beb7-5857-4685-be1f-d57550cc96cc" xsi:nil="true"/>
-    <TPLaunchHelpLinkType xmlns="4873beb7-5857-4685-be1f-d57550cc96cc">Template</TPLaunchHelpLinkType>
-    <OriginalRelease xmlns="4873beb7-5857-4685-be1f-d57550cc96cc">15</OriginalRelease>
-    <LocalizationTagsTaxHTField0 xmlns="4873beb7-5857-4685-be1f-d57550cc96cc">
-      <Terms xmlns="http://schemas.microsoft.com/office/infopath/2007/PartnerControls"/>
-    </LocalizationTagsTaxHTField0>
-    <UACurrentWords xmlns="4873beb7-5857-4685-be1f-d57550cc96cc" xsi:nil="true"/>
-    <ArtSampleDocs xmlns="4873beb7-5857-4685-be1f-d57550cc96cc" xsi:nil="true"/>
-    <UALocRecommendation xmlns="4873beb7-5857-4685-be1f-d57550cc96cc">Localize</UALocRecommendation>
-    <Manager xmlns="4873beb7-5857-4685-be1f-d57550cc96cc" xsi:nil="true"/>
-    <LocOverallHandbackStatusLookup xmlns="4873beb7-5857-4685-be1f-d57550cc96cc" xsi:nil="true"/>
-    <ShowIn xmlns="4873beb7-5857-4685-be1f-d57550cc96cc">Show everywhere</ShowIn>
-    <UANotes xmlns="4873beb7-5857-4685-be1f-d57550cc96cc" xsi:nil="true"/>
-    <InternalTagsTaxHTField0 xmlns="4873beb7-5857-4685-be1f-d57550cc96cc">
-      <Terms xmlns="http://schemas.microsoft.com/office/infopath/2007/PartnerControls"/>
-    </InternalTagsTaxHTField0>
-    <CSXHash xmlns="4873beb7-5857-4685-be1f-d57550cc96cc" xsi:nil="true"/>
-    <VoteCount xmlns="4873beb7-5857-4685-be1f-d57550cc96cc" xsi:nil="true"/>
-    <AssetExpire xmlns="4873beb7-5857-4685-be1f-d57550cc96cc">2029-05-12T07:00:00+00:00</AssetExpire>
-    <DSATActionTaken xmlns="4873beb7-5857-4685-be1f-d57550cc96cc" xsi:nil="true"/>
-    <CSXSubmissionMarket xmlns="4873beb7-5857-4685-be1f-d57550cc96cc" xsi:nil="true"/>
-    <LocMarketGroupTiers2 xmlns="4873beb7-5857-4685-be1f-d57550cc96cc" xsi:nil="true"/>
-  </documentManagement>
-</p:properties>
-</file>
-
-<file path=customXml/item3.xml><?xml version="1.0" encoding="utf-8"?>
 <ct:contentTypeSchema xmlns:ct="http://schemas.microsoft.com/office/2006/metadata/contentType" xmlns:ma="http://schemas.microsoft.com/office/2006/metadata/properties/metaAttributes" ct:_="" ma:_="" ma:contentTypeName="TemplateFile" ma:contentTypeID="0x0101006EDDDB5EE6D98C44930B742096920B300400F5B6D36B3EF94B4E9A635CDF2A18F5B8" ma:contentTypeVersion="72" ma:contentTypeDescription="Create a new document." ma:contentTypeScope="" ma:versionID="a23e56308344d904b51738559c3d67c9">
   <xsd:schema xmlns:xsd="http://www.w3.org/2001/XMLSchema" xmlns:xs="http://www.w3.org/2001/XMLSchema" xmlns:p="http://schemas.microsoft.com/office/2006/metadata/properties" xmlns:ns2="4873beb7-5857-4685-be1f-d57550cc96cc" targetNamespace="http://schemas.microsoft.com/office/2006/metadata/properties" ma:root="true" ma:fieldsID="cd0908cc4600e77bf5da051303e00c8d" ns2:_="">
     <xsd:import namespace="4873beb7-5857-4685-be1f-d57550cc96cc"/>
@@ -26918,10 +26773,165 @@
 </ct:contentTypeSchema>
 </file>
 
+<file path=customXml/item2.xml><?xml version="1.0" encoding="utf-8"?>
+<p:properties xmlns:p="http://schemas.microsoft.com/office/2006/metadata/properties" xmlns:xsi="http://www.w3.org/2001/XMLSchema-instance" xmlns:pc="http://schemas.microsoft.com/office/infopath/2007/PartnerControls">
+  <documentManagement>
+    <LocPublishedLinkedAssetsLookup xmlns="4873beb7-5857-4685-be1f-d57550cc96cc" xsi:nil="true"/>
+    <ApprovalStatus xmlns="4873beb7-5857-4685-be1f-d57550cc96cc">InProgress</ApprovalStatus>
+    <MarketSpecific xmlns="4873beb7-5857-4685-be1f-d57550cc96cc">false</MarketSpecific>
+    <LocComments xmlns="4873beb7-5857-4685-be1f-d57550cc96cc" xsi:nil="true"/>
+    <LocLastLocAttemptVersionTypeLookup xmlns="4873beb7-5857-4685-be1f-d57550cc96cc" xsi:nil="true"/>
+    <DirectSourceMarket xmlns="4873beb7-5857-4685-be1f-d57550cc96cc" xsi:nil="true"/>
+    <ThumbnailAssetId xmlns="4873beb7-5857-4685-be1f-d57550cc96cc" xsi:nil="true"/>
+    <PrimaryImageGen xmlns="4873beb7-5857-4685-be1f-d57550cc96cc">false</PrimaryImageGen>
+    <LocNewPublishedVersionLookup xmlns="4873beb7-5857-4685-be1f-d57550cc96cc" xsi:nil="true"/>
+    <LegacyData xmlns="4873beb7-5857-4685-be1f-d57550cc96cc" xsi:nil="true"/>
+    <LocRecommendedHandoff xmlns="4873beb7-5857-4685-be1f-d57550cc96cc" xsi:nil="true"/>
+    <BusinessGroup xmlns="4873beb7-5857-4685-be1f-d57550cc96cc" xsi:nil="true"/>
+    <BlockPublish xmlns="4873beb7-5857-4685-be1f-d57550cc96cc">false</BlockPublish>
+    <TPFriendlyName xmlns="4873beb7-5857-4685-be1f-d57550cc96cc" xsi:nil="true"/>
+    <LocOverallPublishStatusLookup xmlns="4873beb7-5857-4685-be1f-d57550cc96cc" xsi:nil="true"/>
+    <NumericId xmlns="4873beb7-5857-4685-be1f-d57550cc96cc" xsi:nil="true"/>
+    <APEditor xmlns="4873beb7-5857-4685-be1f-d57550cc96cc">
+      <UserInfo>
+        <DisplayName/>
+        <AccountId xsi:nil="true"/>
+        <AccountType/>
+      </UserInfo>
+    </APEditor>
+    <SourceTitle xmlns="4873beb7-5857-4685-be1f-d57550cc96cc" xsi:nil="true"/>
+    <OpenTemplate xmlns="4873beb7-5857-4685-be1f-d57550cc96cc">true</OpenTemplate>
+    <LocOverallLocStatusLookup xmlns="4873beb7-5857-4685-be1f-d57550cc96cc" xsi:nil="true"/>
+    <UALocComments xmlns="4873beb7-5857-4685-be1f-d57550cc96cc" xsi:nil="true"/>
+    <ParentAssetId xmlns="4873beb7-5857-4685-be1f-d57550cc96cc" xsi:nil="true"/>
+    <IntlLangReviewDate xmlns="4873beb7-5857-4685-be1f-d57550cc96cc" xsi:nil="true"/>
+    <FeatureTagsTaxHTField0 xmlns="4873beb7-5857-4685-be1f-d57550cc96cc">
+      <Terms xmlns="http://schemas.microsoft.com/office/infopath/2007/PartnerControls"/>
+    </FeatureTagsTaxHTField0>
+    <PublishStatusLookup xmlns="4873beb7-5857-4685-be1f-d57550cc96cc">
+      <Value>1345093</Value>
+    </PublishStatusLookup>
+    <Providers xmlns="4873beb7-5857-4685-be1f-d57550cc96cc" xsi:nil="true"/>
+    <MachineTranslated xmlns="4873beb7-5857-4685-be1f-d57550cc96cc">false</MachineTranslated>
+    <OriginalSourceMarket xmlns="4873beb7-5857-4685-be1f-d57550cc96cc" xsi:nil="true"/>
+    <APDescription xmlns="4873beb7-5857-4685-be1f-d57550cc96cc">This simple template design works for technology and  businesses, but it's versatile enough to use in other contexts.  It features multiple slide layouts designed for widescreen (16x9 resolution) and includes a sample SmartArt list and chart that are easily editable.</APDescription>
+    <ClipArtFilename xmlns="4873beb7-5857-4685-be1f-d57550cc96cc" xsi:nil="true"/>
+    <ContentItem xmlns="4873beb7-5857-4685-be1f-d57550cc96cc" xsi:nil="true"/>
+    <TPInstallLocation xmlns="4873beb7-5857-4685-be1f-d57550cc96cc" xsi:nil="true"/>
+    <PublishTargets xmlns="4873beb7-5857-4685-be1f-d57550cc96cc">OfficeOnlineVNext</PublishTargets>
+    <TimesCloned xmlns="4873beb7-5857-4685-be1f-d57550cc96cc" xsi:nil="true"/>
+    <AssetStart xmlns="4873beb7-5857-4685-be1f-d57550cc96cc">2011-11-26T00:30:00+00:00</AssetStart>
+    <Provider xmlns="4873beb7-5857-4685-be1f-d57550cc96cc" xsi:nil="true"/>
+    <AcquiredFrom xmlns="4873beb7-5857-4685-be1f-d57550cc96cc">Internal MS</AcquiredFrom>
+    <FriendlyTitle xmlns="4873beb7-5857-4685-be1f-d57550cc96cc" xsi:nil="true"/>
+    <LastHandOff xmlns="4873beb7-5857-4685-be1f-d57550cc96cc" xsi:nil="true"/>
+    <TPClientViewer xmlns="4873beb7-5857-4685-be1f-d57550cc96cc" xsi:nil="true"/>
+    <TemplateStatus xmlns="4873beb7-5857-4685-be1f-d57550cc96cc">Complete</TemplateStatus>
+    <Downloads xmlns="4873beb7-5857-4685-be1f-d57550cc96cc">0</Downloads>
+    <OOCacheId xmlns="4873beb7-5857-4685-be1f-d57550cc96cc" xsi:nil="true"/>
+    <IsDeleted xmlns="4873beb7-5857-4685-be1f-d57550cc96cc">false</IsDeleted>
+    <LocPublishedDependentAssetsLookup xmlns="4873beb7-5857-4685-be1f-d57550cc96cc" xsi:nil="true"/>
+    <TPExecutable xmlns="4873beb7-5857-4685-be1f-d57550cc96cc" xsi:nil="true"/>
+    <EditorialTags xmlns="4873beb7-5857-4685-be1f-d57550cc96cc" xsi:nil="true"/>
+    <SubmitterId xmlns="4873beb7-5857-4685-be1f-d57550cc96cc" xsi:nil="true"/>
+    <ApprovalLog xmlns="4873beb7-5857-4685-be1f-d57550cc96cc" xsi:nil="true"/>
+    <AssetType xmlns="4873beb7-5857-4685-be1f-d57550cc96cc">TP</AssetType>
+    <BugNumber xmlns="4873beb7-5857-4685-be1f-d57550cc96cc" xsi:nil="true"/>
+    <CSXSubmissionDate xmlns="4873beb7-5857-4685-be1f-d57550cc96cc" xsi:nil="true"/>
+    <CSXUpdate xmlns="4873beb7-5857-4685-be1f-d57550cc96cc">false</CSXUpdate>
+    <Milestone xmlns="4873beb7-5857-4685-be1f-d57550cc96cc" xsi:nil="true"/>
+    <RecommendationsModifier xmlns="4873beb7-5857-4685-be1f-d57550cc96cc" xsi:nil="true"/>
+    <OriginAsset xmlns="4873beb7-5857-4685-be1f-d57550cc96cc" xsi:nil="true"/>
+    <TPComponent xmlns="4873beb7-5857-4685-be1f-d57550cc96cc" xsi:nil="true"/>
+    <AssetId xmlns="4873beb7-5857-4685-be1f-d57550cc96cc">TP102787989</AssetId>
+    <IntlLocPriority xmlns="4873beb7-5857-4685-be1f-d57550cc96cc" xsi:nil="true"/>
+    <PolicheckWords xmlns="4873beb7-5857-4685-be1f-d57550cc96cc" xsi:nil="true"/>
+    <TPLaunchHelpLink xmlns="4873beb7-5857-4685-be1f-d57550cc96cc" xsi:nil="true"/>
+    <TPApplication xmlns="4873beb7-5857-4685-be1f-d57550cc96cc" xsi:nil="true"/>
+    <CrawlForDependencies xmlns="4873beb7-5857-4685-be1f-d57550cc96cc">false</CrawlForDependencies>
+    <HandoffToMSDN xmlns="4873beb7-5857-4685-be1f-d57550cc96cc" xsi:nil="true"/>
+    <PlannedPubDate xmlns="4873beb7-5857-4685-be1f-d57550cc96cc" xsi:nil="true"/>
+    <IntlLangReviewer xmlns="4873beb7-5857-4685-be1f-d57550cc96cc" xsi:nil="true"/>
+    <TrustLevel xmlns="4873beb7-5857-4685-be1f-d57550cc96cc">1 Microsoft Managed Content</TrustLevel>
+    <LocLastLocAttemptVersionLookup xmlns="4873beb7-5857-4685-be1f-d57550cc96cc">694266</LocLastLocAttemptVersionLookup>
+    <LocProcessedForHandoffsLookup xmlns="4873beb7-5857-4685-be1f-d57550cc96cc" xsi:nil="true"/>
+    <IsSearchable xmlns="4873beb7-5857-4685-be1f-d57550cc96cc">true</IsSearchable>
+    <TemplateTemplateType xmlns="4873beb7-5857-4685-be1f-d57550cc96cc">PowerPoint Presentation Template</TemplateTemplateType>
+    <CampaignTagsTaxHTField0 xmlns="4873beb7-5857-4685-be1f-d57550cc96cc">
+      <Terms xmlns="http://schemas.microsoft.com/office/infopath/2007/PartnerControls"/>
+    </CampaignTagsTaxHTField0>
+    <TPNamespace xmlns="4873beb7-5857-4685-be1f-d57550cc96cc" xsi:nil="true"/>
+    <LocOverallPreviewStatusLookup xmlns="4873beb7-5857-4685-be1f-d57550cc96cc" xsi:nil="true"/>
+    <TaxCatchAll xmlns="4873beb7-5857-4685-be1f-d57550cc96cc"/>
+    <Markets xmlns="4873beb7-5857-4685-be1f-d57550cc96cc"/>
+    <UAProjectedTotalWords xmlns="4873beb7-5857-4685-be1f-d57550cc96cc" xsi:nil="true"/>
+    <IntlLangReview xmlns="4873beb7-5857-4685-be1f-d57550cc96cc" xsi:nil="true"/>
+    <OutputCachingOn xmlns="4873beb7-5857-4685-be1f-d57550cc96cc">false</OutputCachingOn>
+    <AverageRating xmlns="4873beb7-5857-4685-be1f-d57550cc96cc" xsi:nil="true"/>
+    <APAuthor xmlns="4873beb7-5857-4685-be1f-d57550cc96cc">
+      <UserInfo>
+        <DisplayName>REDMOND\kristaa</DisplayName>
+        <AccountId>136</AccountId>
+        <AccountType/>
+      </UserInfo>
+    </APAuthor>
+    <LocManualTestRequired xmlns="4873beb7-5857-4685-be1f-d57550cc96cc">false</LocManualTestRequired>
+    <TPCommandLine xmlns="4873beb7-5857-4685-be1f-d57550cc96cc" xsi:nil="true"/>
+    <TPAppVersion xmlns="4873beb7-5857-4685-be1f-d57550cc96cc" xsi:nil="true"/>
+    <EditorialStatus xmlns="4873beb7-5857-4685-be1f-d57550cc96cc">Complete</EditorialStatus>
+    <LastModifiedDateTime xmlns="4873beb7-5857-4685-be1f-d57550cc96cc" xsi:nil="true"/>
+    <ScenarioTagsTaxHTField0 xmlns="4873beb7-5857-4685-be1f-d57550cc96cc">
+      <Terms xmlns="http://schemas.microsoft.com/office/infopath/2007/PartnerControls"/>
+    </ScenarioTagsTaxHTField0>
+    <LocProcessedForMarketsLookup xmlns="4873beb7-5857-4685-be1f-d57550cc96cc" xsi:nil="true"/>
+    <TPLaunchHelpLinkType xmlns="4873beb7-5857-4685-be1f-d57550cc96cc">Template</TPLaunchHelpLinkType>
+    <OriginalRelease xmlns="4873beb7-5857-4685-be1f-d57550cc96cc">15</OriginalRelease>
+    <LocalizationTagsTaxHTField0 xmlns="4873beb7-5857-4685-be1f-d57550cc96cc">
+      <Terms xmlns="http://schemas.microsoft.com/office/infopath/2007/PartnerControls"/>
+    </LocalizationTagsTaxHTField0>
+    <UACurrentWords xmlns="4873beb7-5857-4685-be1f-d57550cc96cc" xsi:nil="true"/>
+    <ArtSampleDocs xmlns="4873beb7-5857-4685-be1f-d57550cc96cc" xsi:nil="true"/>
+    <UALocRecommendation xmlns="4873beb7-5857-4685-be1f-d57550cc96cc">Localize</UALocRecommendation>
+    <Manager xmlns="4873beb7-5857-4685-be1f-d57550cc96cc" xsi:nil="true"/>
+    <LocOverallHandbackStatusLookup xmlns="4873beb7-5857-4685-be1f-d57550cc96cc" xsi:nil="true"/>
+    <ShowIn xmlns="4873beb7-5857-4685-be1f-d57550cc96cc">Show everywhere</ShowIn>
+    <UANotes xmlns="4873beb7-5857-4685-be1f-d57550cc96cc" xsi:nil="true"/>
+    <InternalTagsTaxHTField0 xmlns="4873beb7-5857-4685-be1f-d57550cc96cc">
+      <Terms xmlns="http://schemas.microsoft.com/office/infopath/2007/PartnerControls"/>
+    </InternalTagsTaxHTField0>
+    <CSXHash xmlns="4873beb7-5857-4685-be1f-d57550cc96cc" xsi:nil="true"/>
+    <VoteCount xmlns="4873beb7-5857-4685-be1f-d57550cc96cc" xsi:nil="true"/>
+    <AssetExpire xmlns="4873beb7-5857-4685-be1f-d57550cc96cc">2029-05-12T07:00:00+00:00</AssetExpire>
+    <DSATActionTaken xmlns="4873beb7-5857-4685-be1f-d57550cc96cc" xsi:nil="true"/>
+    <CSXSubmissionMarket xmlns="4873beb7-5857-4685-be1f-d57550cc96cc" xsi:nil="true"/>
+    <LocMarketGroupTiers2 xmlns="4873beb7-5857-4685-be1f-d57550cc96cc" xsi:nil="true"/>
+  </documentManagement>
+</p:properties>
+</file>
+
+<file path=customXml/item3.xml><?xml version="1.0" encoding="utf-8"?>
+<?mso-contentType ?>
+<FormTemplates xmlns="http://schemas.microsoft.com/sharepoint/v3/contenttype/forms">
+  <Display>DocumentLibraryForm</Display>
+  <Edit>AssetEditForm</Edit>
+  <New>DocumentLibraryForm</New>
+</FormTemplates>
+</file>
+
 <file path=customXml/itemProps1.xml><?xml version="1.0" encoding="utf-8"?>
-<ds:datastoreItem xmlns:ds="http://schemas.openxmlformats.org/officeDocument/2006/customXml" ds:itemID="{3836F65B-1B07-41EE-A0E8-BC6EF3855225}">
+<ds:datastoreItem xmlns:ds="http://schemas.openxmlformats.org/officeDocument/2006/customXml" ds:itemID="{A09BF4D4-EF60-4196-BFC3-9462D607978C}">
   <ds:schemaRefs>
-    <ds:schemaRef ds:uri="http://schemas.microsoft.com/sharepoint/v3/contenttype/forms"/>
+    <ds:schemaRef ds:uri="http://schemas.microsoft.com/office/2006/metadata/contentType"/>
+    <ds:schemaRef ds:uri="http://schemas.microsoft.com/office/2006/metadata/properties/metaAttributes"/>
+    <ds:schemaRef ds:uri="http://www.w3.org/2001/XMLSchema"/>
+    <ds:schemaRef ds:uri="http://schemas.microsoft.com/office/2006/metadata/properties"/>
+    <ds:schemaRef ds:uri="4873beb7-5857-4685-be1f-d57550cc96cc"/>
+    <ds:schemaRef ds:uri="http://schemas.microsoft.com/office/2006/documentManagement/types"/>
+    <ds:schemaRef ds:uri="http://schemas.microsoft.com/office/infopath/2007/PartnerControls"/>
+    <ds:schemaRef ds:uri="http://schemas.openxmlformats.org/package/2006/metadata/core-properties"/>
+    <ds:schemaRef ds:uri="http://purl.org/dc/elements/1.1/"/>
+    <ds:schemaRef ds:uri="http://purl.org/dc/terms/"/>
+    <ds:schemaRef ds:uri="http://schemas.microsoft.com/internal/obd"/>
   </ds:schemaRefs>
 </ds:datastoreItem>
 </file>
@@ -26943,19 +26953,9 @@
 </file>
 
 <file path=customXml/itemProps3.xml><?xml version="1.0" encoding="utf-8"?>
-<ds:datastoreItem xmlns:ds="http://schemas.openxmlformats.org/officeDocument/2006/customXml" ds:itemID="{A09BF4D4-EF60-4196-BFC3-9462D607978C}">
+<ds:datastoreItem xmlns:ds="http://schemas.openxmlformats.org/officeDocument/2006/customXml" ds:itemID="{3836F65B-1B07-41EE-A0E8-BC6EF3855225}">
   <ds:schemaRefs>
-    <ds:schemaRef ds:uri="http://schemas.microsoft.com/office/2006/metadata/contentType"/>
-    <ds:schemaRef ds:uri="http://schemas.microsoft.com/office/2006/metadata/properties/metaAttributes"/>
-    <ds:schemaRef ds:uri="http://www.w3.org/2001/XMLSchema"/>
-    <ds:schemaRef ds:uri="http://schemas.microsoft.com/office/2006/metadata/properties"/>
-    <ds:schemaRef ds:uri="4873beb7-5857-4685-be1f-d57550cc96cc"/>
-    <ds:schemaRef ds:uri="http://schemas.microsoft.com/office/2006/documentManagement/types"/>
-    <ds:schemaRef ds:uri="http://schemas.microsoft.com/office/infopath/2007/PartnerControls"/>
-    <ds:schemaRef ds:uri="http://schemas.openxmlformats.org/package/2006/metadata/core-properties"/>
-    <ds:schemaRef ds:uri="http://purl.org/dc/elements/1.1/"/>
-    <ds:schemaRef ds:uri="http://purl.org/dc/terms/"/>
-    <ds:schemaRef ds:uri="http://schemas.microsoft.com/internal/obd"/>
+    <ds:schemaRef ds:uri="http://schemas.microsoft.com/sharepoint/v3/contenttype/forms"/>
   </ds:schemaRefs>
 </ds:datastoreItem>
 </file>
--- a/Documentation/Long-Mann 16-Bit RISC Processor.pptx
+++ b/Documentation/Long-Mann 16-Bit RISC Processor.pptx
@@ -5,10 +5,10 @@
     <p:sldMasterId id="2147483660" r:id="rId4"/>
   </p:sldMasterIdLst>
   <p:notesMasterIdLst>
-    <p:notesMasterId r:id="rId39"/>
+    <p:notesMasterId r:id="rId34"/>
   </p:notesMasterIdLst>
   <p:handoutMasterIdLst>
-    <p:handoutMasterId r:id="rId40"/>
+    <p:handoutMasterId r:id="rId35"/>
   </p:handoutMasterIdLst>
   <p:sldIdLst>
     <p:sldId id="257" r:id="rId5"/>
@@ -40,11 +40,6 @@
     <p:sldId id="294" r:id="rId31"/>
     <p:sldId id="268" r:id="rId32"/>
     <p:sldId id="284" r:id="rId33"/>
-    <p:sldId id="267" r:id="rId34"/>
-    <p:sldId id="269" r:id="rId35"/>
-    <p:sldId id="270" r:id="rId36"/>
-    <p:sldId id="261" r:id="rId37"/>
-    <p:sldId id="262" r:id="rId38"/>
   </p:sldIdLst>
   <p:sldSz cx="12188825" cy="6858000"/>
   <p:notesSz cx="6858000" cy="9144000"/>
@@ -176,1854 +171,7 @@
 </p:presentation>
 </file>
 
-<file path=ppt/charts/chart1.xml><?xml version="1.0" encoding="utf-8"?>
-<c:chartSpace xmlns:c="http://schemas.openxmlformats.org/drawingml/2006/chart" xmlns:a="http://schemas.openxmlformats.org/drawingml/2006/main" xmlns:r="http://schemas.openxmlformats.org/officeDocument/2006/relationships" xmlns:c16r2="http://schemas.microsoft.com/office/drawing/2015/06/chart">
-  <c:date1904 val="0"/>
-  <c:lang val="en-US"/>
-  <c:roundedCorners val="0"/>
-  <mc:AlternateContent xmlns:mc="http://schemas.openxmlformats.org/markup-compatibility/2006">
-    <mc:Choice xmlns:c14="http://schemas.microsoft.com/office/drawing/2007/8/2/chart" Requires="c14">
-      <c14:style val="102"/>
-    </mc:Choice>
-    <mc:Fallback>
-      <c:style val="2"/>
-    </mc:Fallback>
-  </mc:AlternateContent>
-  <c:chart>
-    <c:autoTitleDeleted val="0"/>
-    <c:plotArea>
-      <c:layout/>
-      <c:barChart>
-        <c:barDir val="col"/>
-        <c:grouping val="clustered"/>
-        <c:varyColors val="0"/>
-        <c:ser>
-          <c:idx val="0"/>
-          <c:order val="0"/>
-          <c:tx>
-            <c:strRef>
-              <c:f>Sheet1!$B$1</c:f>
-              <c:strCache>
-                <c:ptCount val="1"/>
-                <c:pt idx="0">
-                  <c:v>Series 1</c:v>
-                </c:pt>
-              </c:strCache>
-            </c:strRef>
-          </c:tx>
-          <c:spPr>
-            <a:noFill/>
-            <a:ln w="25400" cap="flat" cmpd="sng" algn="ctr">
-              <a:solidFill>
-                <a:schemeClr val="accent1"/>
-              </a:solidFill>
-              <a:miter lim="800000"/>
-            </a:ln>
-            <a:effectLst/>
-          </c:spPr>
-          <c:invertIfNegative val="0"/>
-          <c:cat>
-            <c:strRef>
-              <c:f>Sheet1!$A$2:$A$5</c:f>
-              <c:strCache>
-                <c:ptCount val="4"/>
-                <c:pt idx="0">
-                  <c:v>Category 1</c:v>
-                </c:pt>
-                <c:pt idx="1">
-                  <c:v>Category 2</c:v>
-                </c:pt>
-                <c:pt idx="2">
-                  <c:v>Category 3</c:v>
-                </c:pt>
-                <c:pt idx="3">
-                  <c:v>Category 4</c:v>
-                </c:pt>
-              </c:strCache>
-            </c:strRef>
-          </c:cat>
-          <c:val>
-            <c:numRef>
-              <c:f>Sheet1!$B$2:$B$5</c:f>
-              <c:numCache>
-                <c:formatCode>General</c:formatCode>
-                <c:ptCount val="4"/>
-                <c:pt idx="0">
-                  <c:v>4.3</c:v>
-                </c:pt>
-                <c:pt idx="1">
-                  <c:v>2.5</c:v>
-                </c:pt>
-                <c:pt idx="2">
-                  <c:v>3.5</c:v>
-                </c:pt>
-                <c:pt idx="3">
-                  <c:v>4.5</c:v>
-                </c:pt>
-              </c:numCache>
-            </c:numRef>
-          </c:val>
-          <c:extLst>
-            <c:ext xmlns:c16="http://schemas.microsoft.com/office/drawing/2014/chart" uri="{C3380CC4-5D6E-409C-BE32-E72D297353CC}">
-              <c16:uniqueId val="{00000000-5E92-4051-99BC-2623F45BF7E0}"/>
-            </c:ext>
-          </c:extLst>
-        </c:ser>
-        <c:ser>
-          <c:idx val="1"/>
-          <c:order val="1"/>
-          <c:tx>
-            <c:strRef>
-              <c:f>Sheet1!$C$1</c:f>
-              <c:strCache>
-                <c:ptCount val="1"/>
-                <c:pt idx="0">
-                  <c:v>Series 2</c:v>
-                </c:pt>
-              </c:strCache>
-            </c:strRef>
-          </c:tx>
-          <c:spPr>
-            <a:noFill/>
-            <a:ln w="25400" cap="flat" cmpd="sng" algn="ctr">
-              <a:solidFill>
-                <a:schemeClr val="accent2"/>
-              </a:solidFill>
-              <a:miter lim="800000"/>
-            </a:ln>
-            <a:effectLst/>
-          </c:spPr>
-          <c:invertIfNegative val="0"/>
-          <c:cat>
-            <c:strRef>
-              <c:f>Sheet1!$A$2:$A$5</c:f>
-              <c:strCache>
-                <c:ptCount val="4"/>
-                <c:pt idx="0">
-                  <c:v>Category 1</c:v>
-                </c:pt>
-                <c:pt idx="1">
-                  <c:v>Category 2</c:v>
-                </c:pt>
-                <c:pt idx="2">
-                  <c:v>Category 3</c:v>
-                </c:pt>
-                <c:pt idx="3">
-                  <c:v>Category 4</c:v>
-                </c:pt>
-              </c:strCache>
-            </c:strRef>
-          </c:cat>
-          <c:val>
-            <c:numRef>
-              <c:f>Sheet1!$C$2:$C$5</c:f>
-              <c:numCache>
-                <c:formatCode>General</c:formatCode>
-                <c:ptCount val="4"/>
-                <c:pt idx="0">
-                  <c:v>2.4</c:v>
-                </c:pt>
-                <c:pt idx="1">
-                  <c:v>4.4000000000000004</c:v>
-                </c:pt>
-                <c:pt idx="2">
-                  <c:v>1.8</c:v>
-                </c:pt>
-                <c:pt idx="3">
-                  <c:v>2.8</c:v>
-                </c:pt>
-              </c:numCache>
-            </c:numRef>
-          </c:val>
-          <c:extLst>
-            <c:ext xmlns:c16="http://schemas.microsoft.com/office/drawing/2014/chart" uri="{C3380CC4-5D6E-409C-BE32-E72D297353CC}">
-              <c16:uniqueId val="{00000001-5E92-4051-99BC-2623F45BF7E0}"/>
-            </c:ext>
-          </c:extLst>
-        </c:ser>
-        <c:ser>
-          <c:idx val="2"/>
-          <c:order val="2"/>
-          <c:tx>
-            <c:strRef>
-              <c:f>Sheet1!$D$1</c:f>
-              <c:strCache>
-                <c:ptCount val="1"/>
-                <c:pt idx="0">
-                  <c:v>Series 3</c:v>
-                </c:pt>
-              </c:strCache>
-            </c:strRef>
-          </c:tx>
-          <c:spPr>
-            <a:noFill/>
-            <a:ln w="25400" cap="flat" cmpd="sng" algn="ctr">
-              <a:solidFill>
-                <a:schemeClr val="accent3"/>
-              </a:solidFill>
-              <a:miter lim="800000"/>
-            </a:ln>
-            <a:effectLst/>
-          </c:spPr>
-          <c:invertIfNegative val="0"/>
-          <c:cat>
-            <c:strRef>
-              <c:f>Sheet1!$A$2:$A$5</c:f>
-              <c:strCache>
-                <c:ptCount val="4"/>
-                <c:pt idx="0">
-                  <c:v>Category 1</c:v>
-                </c:pt>
-                <c:pt idx="1">
-                  <c:v>Category 2</c:v>
-                </c:pt>
-                <c:pt idx="2">
-                  <c:v>Category 3</c:v>
-                </c:pt>
-                <c:pt idx="3">
-                  <c:v>Category 4</c:v>
-                </c:pt>
-              </c:strCache>
-            </c:strRef>
-          </c:cat>
-          <c:val>
-            <c:numRef>
-              <c:f>Sheet1!$D$2:$D$5</c:f>
-              <c:numCache>
-                <c:formatCode>General</c:formatCode>
-                <c:ptCount val="4"/>
-                <c:pt idx="0">
-                  <c:v>2</c:v>
-                </c:pt>
-                <c:pt idx="1">
-                  <c:v>2</c:v>
-                </c:pt>
-                <c:pt idx="2">
-                  <c:v>3</c:v>
-                </c:pt>
-                <c:pt idx="3">
-                  <c:v>5</c:v>
-                </c:pt>
-              </c:numCache>
-            </c:numRef>
-          </c:val>
-          <c:extLst>
-            <c:ext xmlns:c16="http://schemas.microsoft.com/office/drawing/2014/chart" uri="{C3380CC4-5D6E-409C-BE32-E72D297353CC}">
-              <c16:uniqueId val="{00000002-5E92-4051-99BC-2623F45BF7E0}"/>
-            </c:ext>
-          </c:extLst>
-        </c:ser>
-        <c:dLbls>
-          <c:showLegendKey val="0"/>
-          <c:showVal val="0"/>
-          <c:showCatName val="0"/>
-          <c:showSerName val="0"/>
-          <c:showPercent val="0"/>
-          <c:showBubbleSize val="0"/>
-        </c:dLbls>
-        <c:gapWidth val="164"/>
-        <c:overlap val="-35"/>
-        <c:axId val="632163384"/>
-        <c:axId val="632166128"/>
-      </c:barChart>
-      <c:catAx>
-        <c:axId val="632163384"/>
-        <c:scaling>
-          <c:orientation val="minMax"/>
-        </c:scaling>
-        <c:delete val="0"/>
-        <c:axPos val="b"/>
-        <c:numFmt formatCode="General" sourceLinked="0"/>
-        <c:majorTickMark val="none"/>
-        <c:minorTickMark val="none"/>
-        <c:tickLblPos val="nextTo"/>
-        <c:spPr>
-          <a:noFill/>
-          <a:ln>
-            <a:noFill/>
-          </a:ln>
-          <a:effectLst/>
-        </c:spPr>
-        <c:txPr>
-          <a:bodyPr rot="-60000000" spcFirstLastPara="1" vertOverflow="ellipsis" vert="horz" wrap="square" anchor="ctr" anchorCtr="1"/>
-          <a:lstStyle/>
-          <a:p>
-            <a:pPr>
-              <a:defRPr sz="1197" b="0" i="0" u="none" strike="noStrike" kern="1200" baseline="0">
-                <a:solidFill>
-                  <a:schemeClr val="tx1">
-                    <a:lumMod val="50000"/>
-                    <a:lumOff val="50000"/>
-                  </a:schemeClr>
-                </a:solidFill>
-                <a:latin typeface="+mn-lt"/>
-                <a:ea typeface="+mn-ea"/>
-                <a:cs typeface="+mn-cs"/>
-              </a:defRPr>
-            </a:pPr>
-            <a:endParaRPr lang="en-US"/>
-          </a:p>
-        </c:txPr>
-        <c:crossAx val="632166128"/>
-        <c:crosses val="autoZero"/>
-        <c:auto val="1"/>
-        <c:lblAlgn val="ctr"/>
-        <c:lblOffset val="100"/>
-        <c:noMultiLvlLbl val="0"/>
-      </c:catAx>
-      <c:valAx>
-        <c:axId val="632166128"/>
-        <c:scaling>
-          <c:orientation val="minMax"/>
-        </c:scaling>
-        <c:delete val="0"/>
-        <c:axPos val="l"/>
-        <c:numFmt formatCode="General" sourceLinked="1"/>
-        <c:majorTickMark val="none"/>
-        <c:minorTickMark val="none"/>
-        <c:tickLblPos val="nextTo"/>
-        <c:spPr>
-          <a:noFill/>
-          <a:ln>
-            <a:noFill/>
-          </a:ln>
-          <a:effectLst/>
-        </c:spPr>
-        <c:txPr>
-          <a:bodyPr rot="-60000000" spcFirstLastPara="1" vertOverflow="ellipsis" vert="horz" wrap="square" anchor="ctr" anchorCtr="1"/>
-          <a:lstStyle/>
-          <a:p>
-            <a:pPr>
-              <a:defRPr sz="1197" b="0" i="0" u="none" strike="noStrike" kern="1200" baseline="0">
-                <a:solidFill>
-                  <a:schemeClr val="tx1">
-                    <a:lumMod val="50000"/>
-                    <a:lumOff val="50000"/>
-                  </a:schemeClr>
-                </a:solidFill>
-                <a:latin typeface="+mn-lt"/>
-                <a:ea typeface="+mn-ea"/>
-                <a:cs typeface="+mn-cs"/>
-              </a:defRPr>
-            </a:pPr>
-            <a:endParaRPr lang="en-US"/>
-          </a:p>
-        </c:txPr>
-        <c:crossAx val="632163384"/>
-        <c:crosses val="autoZero"/>
-        <c:crossBetween val="between"/>
-      </c:valAx>
-      <c:spPr>
-        <a:noFill/>
-        <a:ln>
-          <a:noFill/>
-        </a:ln>
-        <a:effectLst/>
-      </c:spPr>
-    </c:plotArea>
-    <c:legend>
-      <c:legendPos val="t"/>
-      <c:overlay val="0"/>
-      <c:spPr>
-        <a:noFill/>
-        <a:ln>
-          <a:noFill/>
-        </a:ln>
-        <a:effectLst/>
-      </c:spPr>
-      <c:txPr>
-        <a:bodyPr rot="0" spcFirstLastPara="1" vertOverflow="ellipsis" vert="horz" wrap="square" anchor="ctr" anchorCtr="1"/>
-        <a:lstStyle/>
-        <a:p>
-          <a:pPr>
-            <a:defRPr sz="1197" b="0" i="0" u="none" strike="noStrike" kern="1200" baseline="0">
-              <a:solidFill>
-                <a:schemeClr val="tx1">
-                  <a:lumMod val="50000"/>
-                  <a:lumOff val="50000"/>
-                </a:schemeClr>
-              </a:solidFill>
-              <a:latin typeface="+mn-lt"/>
-              <a:ea typeface="+mn-ea"/>
-              <a:cs typeface="+mn-cs"/>
-            </a:defRPr>
-          </a:pPr>
-          <a:endParaRPr lang="en-US"/>
-        </a:p>
-      </c:txPr>
-    </c:legend>
-    <c:plotVisOnly val="1"/>
-    <c:dispBlanksAs val="gap"/>
-    <c:showDLblsOverMax val="0"/>
-  </c:chart>
-  <c:spPr>
-    <a:noFill/>
-    <a:ln>
-      <a:noFill/>
-    </a:ln>
-    <a:effectLst/>
-  </c:spPr>
-  <c:txPr>
-    <a:bodyPr/>
-    <a:lstStyle/>
-    <a:p>
-      <a:pPr>
-        <a:defRPr/>
-      </a:pPr>
-      <a:endParaRPr lang="en-US"/>
-    </a:p>
-  </c:txPr>
-  <c:externalData r:id="rId3">
-    <c:autoUpdate val="0"/>
-  </c:externalData>
-</c:chartSpace>
-</file>
-
-<file path=ppt/charts/colors1.xml><?xml version="1.0" encoding="utf-8"?>
-<cs:colorStyle xmlns:cs="http://schemas.microsoft.com/office/drawing/2012/chartStyle" xmlns:a="http://schemas.openxmlformats.org/drawingml/2006/main" meth="cycle" id="10">
-  <a:schemeClr val="accent1"/>
-  <a:schemeClr val="accent2"/>
-  <a:schemeClr val="accent3"/>
-  <a:schemeClr val="accent4"/>
-  <a:schemeClr val="accent5"/>
-  <a:schemeClr val="accent6"/>
-  <cs:variation/>
-  <cs:variation>
-    <a:lumMod val="60000"/>
-  </cs:variation>
-  <cs:variation>
-    <a:lumMod val="80000"/>
-    <a:lumOff val="20000"/>
-  </cs:variation>
-  <cs:variation>
-    <a:lumMod val="80000"/>
-  </cs:variation>
-  <cs:variation>
-    <a:lumMod val="60000"/>
-    <a:lumOff val="40000"/>
-  </cs:variation>
-  <cs:variation>
-    <a:lumMod val="50000"/>
-  </cs:variation>
-  <cs:variation>
-    <a:lumMod val="70000"/>
-    <a:lumOff val="30000"/>
-  </cs:variation>
-  <cs:variation>
-    <a:lumMod val="70000"/>
-  </cs:variation>
-  <cs:variation>
-    <a:lumMod val="50000"/>
-    <a:lumOff val="50000"/>
-  </cs:variation>
-</cs:colorStyle>
-</file>
-
-<file path=ppt/charts/style1.xml><?xml version="1.0" encoding="utf-8"?>
-<cs:chartStyle xmlns:cs="http://schemas.microsoft.com/office/drawing/2012/chartStyle" xmlns:a="http://schemas.openxmlformats.org/drawingml/2006/main" id="211">
-  <cs:axisTitle>
-    <cs:lnRef idx="0"/>
-    <cs:fillRef idx="0"/>
-    <cs:effectRef idx="0"/>
-    <cs:fontRef idx="minor">
-      <a:schemeClr val="tx1">
-        <a:lumMod val="50000"/>
-        <a:lumOff val="50000"/>
-      </a:schemeClr>
-    </cs:fontRef>
-    <cs:defRPr sz="1197" kern="1200"/>
-  </cs:axisTitle>
-  <cs:categoryAxis>
-    <cs:lnRef idx="0"/>
-    <cs:fillRef idx="0"/>
-    <cs:effectRef idx="0"/>
-    <cs:fontRef idx="minor">
-      <a:schemeClr val="tx1">
-        <a:lumMod val="50000"/>
-        <a:lumOff val="50000"/>
-      </a:schemeClr>
-    </cs:fontRef>
-    <cs:defRPr sz="1197" kern="1200"/>
-  </cs:categoryAxis>
-  <cs:chartArea mods="allowNoFillOverride allowNoLineOverride">
-    <cs:lnRef idx="0"/>
-    <cs:fillRef idx="0"/>
-    <cs:effectRef idx="0"/>
-    <cs:fontRef idx="minor">
-      <a:schemeClr val="dk1"/>
-    </cs:fontRef>
-    <cs:spPr>
-      <a:solidFill>
-        <a:schemeClr val="bg1"/>
-      </a:solidFill>
-      <a:ln w="9525" cap="flat" cmpd="sng" algn="ctr">
-        <a:solidFill>
-          <a:schemeClr val="tx1">
-            <a:lumMod val="15000"/>
-            <a:lumOff val="85000"/>
-          </a:schemeClr>
-        </a:solidFill>
-        <a:round/>
-      </a:ln>
-    </cs:spPr>
-    <cs:defRPr sz="1197" kern="1200"/>
-  </cs:chartArea>
-  <cs:dataLabel>
-    <cs:lnRef idx="0"/>
-    <cs:fillRef idx="0"/>
-    <cs:effectRef idx="0"/>
-    <cs:fontRef idx="minor">
-      <a:schemeClr val="tx1">
-        <a:lumMod val="65000"/>
-        <a:lumOff val="35000"/>
-      </a:schemeClr>
-    </cs:fontRef>
-    <cs:defRPr sz="1197" kern="1200"/>
-  </cs:dataLabel>
-  <cs:dataLabelCallout>
-    <cs:lnRef idx="0"/>
-    <cs:fillRef idx="0"/>
-    <cs:effectRef idx="0"/>
-    <cs:fontRef idx="minor">
-      <a:schemeClr val="bg1"/>
-    </cs:fontRef>
-    <cs:spPr>
-      <a:solidFill>
-        <a:schemeClr val="tx1">
-          <a:lumMod val="35000"/>
-          <a:lumOff val="65000"/>
-        </a:schemeClr>
-      </a:solidFill>
-    </cs:spPr>
-    <cs:defRPr sz="1197"/>
-  </cs:dataLabelCallout>
-  <cs:dataPoint>
-    <cs:lnRef idx="0">
-      <cs:styleClr val="auto"/>
-    </cs:lnRef>
-    <cs:fillRef idx="0"/>
-    <cs:effectRef idx="0"/>
-    <cs:fontRef idx="minor">
-      <a:schemeClr val="dk1"/>
-    </cs:fontRef>
-    <cs:spPr>
-      <a:noFill/>
-      <a:ln w="25400" cap="flat" cmpd="sng" algn="ctr">
-        <a:solidFill>
-          <a:schemeClr val="phClr"/>
-        </a:solidFill>
-        <a:miter lim="800000"/>
-      </a:ln>
-    </cs:spPr>
-  </cs:dataPoint>
-  <cs:dataPoint3D>
-    <cs:lnRef idx="0">
-      <cs:styleClr val="auto"/>
-    </cs:lnRef>
-    <cs:fillRef idx="0">
-      <cs:styleClr val="auto"/>
-    </cs:fillRef>
-    <cs:effectRef idx="0"/>
-    <cs:fontRef idx="minor">
-      <a:schemeClr val="dk1"/>
-    </cs:fontRef>
-    <cs:spPr>
-      <a:ln w="19050" cap="flat" cmpd="sng" algn="ctr">
-        <a:solidFill>
-          <a:schemeClr val="phClr"/>
-        </a:solidFill>
-        <a:miter lim="800000"/>
-      </a:ln>
-    </cs:spPr>
-  </cs:dataPoint3D>
-  <cs:dataPointLine>
-    <cs:lnRef idx="0">
-      <cs:styleClr val="auto"/>
-    </cs:lnRef>
-    <cs:fillRef idx="0"/>
-    <cs:effectRef idx="0"/>
-    <cs:fontRef idx="minor">
-      <a:schemeClr val="dk1"/>
-    </cs:fontRef>
-    <cs:spPr>
-      <a:ln w="28575" cap="rnd">
-        <a:solidFill>
-          <a:schemeClr val="phClr"/>
-        </a:solidFill>
-        <a:round/>
-      </a:ln>
-    </cs:spPr>
-  </cs:dataPointLine>
-  <cs:dataPointMarker>
-    <cs:lnRef idx="0">
-      <cs:styleClr val="auto"/>
-    </cs:lnRef>
-    <cs:fillRef idx="0">
-      <cs:styleClr val="auto"/>
-    </cs:fillRef>
-    <cs:effectRef idx="0"/>
-    <cs:fontRef idx="minor">
-      <a:schemeClr val="dk1"/>
-    </cs:fontRef>
-    <cs:spPr>
-      <a:ln w="19050" cap="rnd">
-        <a:solidFill>
-          <a:schemeClr val="phClr"/>
-        </a:solidFill>
-        <a:round/>
-      </a:ln>
-    </cs:spPr>
-  </cs:dataPointMarker>
-  <cs:dataPointMarkerLayout symbol="circle" size="6"/>
-  <cs:dataPointWireframe>
-    <cs:lnRef idx="0">
-      <cs:styleClr val="auto"/>
-    </cs:lnRef>
-    <cs:fillRef idx="1"/>
-    <cs:effectRef idx="0"/>
-    <cs:fontRef idx="minor">
-      <a:schemeClr val="tx1"/>
-    </cs:fontRef>
-    <cs:spPr>
-      <a:ln w="9525">
-        <a:solidFill>
-          <a:schemeClr val="phClr"/>
-        </a:solidFill>
-      </a:ln>
-    </cs:spPr>
-  </cs:dataPointWireframe>
-  <cs:dataTable>
-    <cs:lnRef idx="0"/>
-    <cs:fillRef idx="0"/>
-    <cs:effectRef idx="0"/>
-    <cs:fontRef idx="minor">
-      <a:schemeClr val="tx1">
-        <a:lumMod val="50000"/>
-        <a:lumOff val="50000"/>
-      </a:schemeClr>
-    </cs:fontRef>
-    <cs:spPr>
-      <a:ln w="9525">
-        <a:solidFill>
-          <a:schemeClr val="tx1">
-            <a:lumMod val="15000"/>
-            <a:lumOff val="85000"/>
-          </a:schemeClr>
-        </a:solidFill>
-      </a:ln>
-    </cs:spPr>
-    <cs:defRPr sz="1197" kern="1200"/>
-  </cs:dataTable>
-  <cs:downBar>
-    <cs:lnRef idx="0"/>
-    <cs:fillRef idx="0"/>
-    <cs:effectRef idx="0"/>
-    <cs:fontRef idx="minor">
-      <a:schemeClr val="dk1"/>
-    </cs:fontRef>
-    <cs:spPr>
-      <a:solidFill>
-        <a:schemeClr val="dk1">
-          <a:lumMod val="75000"/>
-          <a:lumOff val="25000"/>
-        </a:schemeClr>
-      </a:solidFill>
-      <a:ln w="9525" cap="flat" cmpd="sng" algn="ctr">
-        <a:solidFill>
-          <a:schemeClr val="tx1">
-            <a:lumMod val="50000"/>
-            <a:lumOff val="50000"/>
-          </a:schemeClr>
-        </a:solidFill>
-        <a:round/>
-      </a:ln>
-    </cs:spPr>
-  </cs:downBar>
-  <cs:dropLine>
-    <cs:lnRef idx="0"/>
-    <cs:fillRef idx="0"/>
-    <cs:effectRef idx="0"/>
-    <cs:fontRef idx="minor">
-      <a:schemeClr val="dk1"/>
-    </cs:fontRef>
-    <cs:spPr>
-      <a:ln w="9525" cap="flat" cmpd="sng" algn="ctr">
-        <a:solidFill>
-          <a:schemeClr val="tx1">
-            <a:lumMod val="35000"/>
-            <a:lumOff val="65000"/>
-          </a:schemeClr>
-        </a:solidFill>
-        <a:round/>
-      </a:ln>
-    </cs:spPr>
-  </cs:dropLine>
-  <cs:errorBar>
-    <cs:lnRef idx="0"/>
-    <cs:fillRef idx="0"/>
-    <cs:effectRef idx="0"/>
-    <cs:fontRef idx="minor">
-      <a:schemeClr val="dk1"/>
-    </cs:fontRef>
-    <cs:spPr>
-      <a:ln w="9525" cap="flat" cmpd="sng" algn="ctr">
-        <a:solidFill>
-          <a:schemeClr val="tx1">
-            <a:lumMod val="50000"/>
-            <a:lumOff val="50000"/>
-          </a:schemeClr>
-        </a:solidFill>
-        <a:round/>
-      </a:ln>
-    </cs:spPr>
-  </cs:errorBar>
-  <cs:floor>
-    <cs:lnRef idx="0"/>
-    <cs:fillRef idx="0"/>
-    <cs:effectRef idx="0"/>
-    <cs:fontRef idx="minor">
-      <a:schemeClr val="dk1"/>
-    </cs:fontRef>
-  </cs:floor>
-  <cs:gridlineMajor>
-    <cs:lnRef idx="0"/>
-    <cs:fillRef idx="0"/>
-    <cs:effectRef idx="0"/>
-    <cs:fontRef idx="minor">
-      <a:schemeClr val="dk1"/>
-    </cs:fontRef>
-    <cs:spPr>
-      <a:ln w="9525">
-        <a:solidFill>
-          <a:schemeClr val="tx1">
-            <a:lumMod val="15000"/>
-            <a:lumOff val="85000"/>
-          </a:schemeClr>
-        </a:solidFill>
-      </a:ln>
-    </cs:spPr>
-  </cs:gridlineMajor>
-  <cs:gridlineMinor>
-    <cs:lnRef idx="0"/>
-    <cs:fillRef idx="0"/>
-    <cs:effectRef idx="0"/>
-    <cs:fontRef idx="minor">
-      <a:schemeClr val="dk1"/>
-    </cs:fontRef>
-    <cs:spPr>
-      <a:ln w="9525">
-        <a:solidFill>
-          <a:schemeClr val="tx1">
-            <a:lumMod val="5000"/>
-            <a:lumOff val="95000"/>
-          </a:schemeClr>
-        </a:solidFill>
-      </a:ln>
-    </cs:spPr>
-  </cs:gridlineMinor>
-  <cs:hiLoLine>
-    <cs:lnRef idx="0"/>
-    <cs:fillRef idx="0"/>
-    <cs:effectRef idx="0"/>
-    <cs:fontRef idx="minor">
-      <a:schemeClr val="dk1"/>
-    </cs:fontRef>
-    <cs:spPr>
-      <a:ln w="9525" cap="flat" cmpd="sng" algn="ctr">
-        <a:solidFill>
-          <a:schemeClr val="tx1">
-            <a:lumMod val="35000"/>
-            <a:lumOff val="65000"/>
-          </a:schemeClr>
-        </a:solidFill>
-        <a:round/>
-      </a:ln>
-    </cs:spPr>
-  </cs:hiLoLine>
-  <cs:leaderLine>
-    <cs:lnRef idx="0"/>
-    <cs:fillRef idx="0"/>
-    <cs:effectRef idx="0"/>
-    <cs:fontRef idx="minor">
-      <a:schemeClr val="dk1"/>
-    </cs:fontRef>
-    <cs:spPr>
-      <a:ln w="9525" cap="flat" cmpd="sng" algn="ctr">
-        <a:solidFill>
-          <a:schemeClr val="tx1">
-            <a:lumMod val="35000"/>
-            <a:lumOff val="65000"/>
-          </a:schemeClr>
-        </a:solidFill>
-        <a:round/>
-      </a:ln>
-    </cs:spPr>
-  </cs:leaderLine>
-  <cs:legend>
-    <cs:lnRef idx="0"/>
-    <cs:fillRef idx="0"/>
-    <cs:effectRef idx="0"/>
-    <cs:fontRef idx="minor">
-      <a:schemeClr val="tx1">
-        <a:lumMod val="50000"/>
-        <a:lumOff val="50000"/>
-      </a:schemeClr>
-    </cs:fontRef>
-    <cs:defRPr sz="1197" kern="1200"/>
-  </cs:legend>
-  <cs:plotArea mods="allowNoFillOverride allowNoLineOverride">
-    <cs:lnRef idx="0"/>
-    <cs:fillRef idx="0"/>
-    <cs:effectRef idx="0"/>
-    <cs:fontRef idx="minor">
-      <a:schemeClr val="dk1"/>
-    </cs:fontRef>
-  </cs:plotArea>
-  <cs:plotArea3D mods="allowNoFillOverride allowNoLineOverride">
-    <cs:lnRef idx="0"/>
-    <cs:fillRef idx="0"/>
-    <cs:effectRef idx="0"/>
-    <cs:fontRef idx="minor">
-      <a:schemeClr val="dk1"/>
-    </cs:fontRef>
-  </cs:plotArea3D>
-  <cs:seriesAxis>
-    <cs:lnRef idx="0"/>
-    <cs:fillRef idx="0"/>
-    <cs:effectRef idx="0"/>
-    <cs:fontRef idx="minor">
-      <a:schemeClr val="tx1">
-        <a:lumMod val="50000"/>
-        <a:lumOff val="50000"/>
-      </a:schemeClr>
-    </cs:fontRef>
-    <cs:defRPr sz="1197" kern="1200"/>
-  </cs:seriesAxis>
-  <cs:seriesLine>
-    <cs:lnRef idx="0"/>
-    <cs:fillRef idx="0"/>
-    <cs:effectRef idx="0"/>
-    <cs:fontRef idx="minor">
-      <a:schemeClr val="dk1"/>
-    </cs:fontRef>
-    <cs:spPr>
-      <a:ln w="9525" cap="flat" cmpd="sng" algn="ctr">
-        <a:solidFill>
-          <a:schemeClr val="tx1">
-            <a:lumMod val="35000"/>
-            <a:lumOff val="65000"/>
-          </a:schemeClr>
-        </a:solidFill>
-        <a:round/>
-      </a:ln>
-    </cs:spPr>
-  </cs:seriesLine>
-  <cs:title>
-    <cs:lnRef idx="0"/>
-    <cs:fillRef idx="0"/>
-    <cs:effectRef idx="0"/>
-    <cs:fontRef idx="minor">
-      <a:schemeClr val="tx1">
-        <a:lumMod val="65000"/>
-        <a:lumOff val="35000"/>
-      </a:schemeClr>
-    </cs:fontRef>
-    <cs:defRPr sz="2200" b="0" kern="1200" cap="none" spc="50" baseline="0"/>
-  </cs:title>
-  <cs:trendline>
-    <cs:lnRef idx="0">
-      <cs:styleClr val="auto"/>
-    </cs:lnRef>
-    <cs:fillRef idx="0"/>
-    <cs:effectRef idx="0"/>
-    <cs:fontRef idx="minor">
-      <a:schemeClr val="dk1"/>
-    </cs:fontRef>
-    <cs:spPr>
-      <a:ln w="19050" cap="rnd">
-        <a:solidFill>
-          <a:schemeClr val="phClr"/>
-        </a:solidFill>
-      </a:ln>
-    </cs:spPr>
-  </cs:trendline>
-  <cs:trendlineLabel>
-    <cs:lnRef idx="0"/>
-    <cs:fillRef idx="0"/>
-    <cs:effectRef idx="0"/>
-    <cs:fontRef idx="minor">
-      <a:schemeClr val="tx1">
-        <a:lumMod val="50000"/>
-        <a:lumOff val="50000"/>
-      </a:schemeClr>
-    </cs:fontRef>
-    <cs:defRPr sz="1197" kern="1200"/>
-  </cs:trendlineLabel>
-  <cs:upBar>
-    <cs:lnRef idx="0"/>
-    <cs:fillRef idx="0"/>
-    <cs:effectRef idx="0"/>
-    <cs:fontRef idx="minor">
-      <a:schemeClr val="dk1"/>
-    </cs:fontRef>
-    <cs:spPr>
-      <a:solidFill>
-        <a:schemeClr val="lt1"/>
-      </a:solidFill>
-      <a:ln w="9525" cap="flat" cmpd="sng" algn="ctr">
-        <a:solidFill>
-          <a:schemeClr val="tx1">
-            <a:lumMod val="50000"/>
-            <a:lumOff val="50000"/>
-          </a:schemeClr>
-        </a:solidFill>
-        <a:round/>
-      </a:ln>
-    </cs:spPr>
-  </cs:upBar>
-  <cs:valueAxis>
-    <cs:lnRef idx="0"/>
-    <cs:fillRef idx="0"/>
-    <cs:effectRef idx="0"/>
-    <cs:fontRef idx="minor">
-      <a:schemeClr val="tx1">
-        <a:lumMod val="50000"/>
-        <a:lumOff val="50000"/>
-      </a:schemeClr>
-    </cs:fontRef>
-    <cs:defRPr sz="1197" kern="1200"/>
-  </cs:valueAxis>
-  <cs:wall>
-    <cs:lnRef idx="0"/>
-    <cs:fillRef idx="0"/>
-    <cs:effectRef idx="0"/>
-    <cs:fontRef idx="minor">
-      <a:schemeClr val="dk1"/>
-    </cs:fontRef>
-  </cs:wall>
-</cs:chartStyle>
-</file>
-
 <file path=ppt/diagrams/colors1.xml><?xml version="1.0" encoding="utf-8"?>
-<dgm:colorsDef xmlns:dgm="http://schemas.openxmlformats.org/drawingml/2006/diagram" xmlns:a="http://schemas.openxmlformats.org/drawingml/2006/main" uniqueId="urn:microsoft.com/office/officeart/2005/8/colors/colorful1">
-  <dgm:title val=""/>
-  <dgm:desc val=""/>
-  <dgm:catLst>
-    <dgm:cat type="colorful" pri="10100"/>
-  </dgm:catLst>
-  <dgm:styleLbl name="node0">
-    <dgm:fillClrLst meth="repeat">
-      <a:schemeClr val="accent1"/>
-    </dgm:fillClrLst>
-    <dgm:linClrLst meth="repeat">
-      <a:schemeClr val="lt1"/>
-    </dgm:linClrLst>
-    <dgm:effectClrLst/>
-    <dgm:txLinClrLst/>
-    <dgm:txFillClrLst/>
-    <dgm:txEffectClrLst/>
-  </dgm:styleLbl>
-  <dgm:styleLbl name="node1">
-    <dgm:fillClrLst meth="repeat">
-      <a:schemeClr val="accent2"/>
-      <a:schemeClr val="accent3"/>
-      <a:schemeClr val="accent4"/>
-      <a:schemeClr val="accent5"/>
-      <a:schemeClr val="accent6"/>
-    </dgm:fillClrLst>
-    <dgm:linClrLst meth="repeat">
-      <a:schemeClr val="lt1"/>
-    </dgm:linClrLst>
-    <dgm:effectClrLst/>
-    <dgm:txLinClrLst/>
-    <dgm:txFillClrLst/>
-    <dgm:txEffectClrLst/>
-  </dgm:styleLbl>
-  <dgm:styleLbl name="alignNode1">
-    <dgm:fillClrLst meth="repeat">
-      <a:schemeClr val="accent2"/>
-      <a:schemeClr val="accent3"/>
-      <a:schemeClr val="accent4"/>
-      <a:schemeClr val="accent5"/>
-      <a:schemeClr val="accent6"/>
-    </dgm:fillClrLst>
-    <dgm:linClrLst meth="repeat">
-      <a:schemeClr val="accent2"/>
-      <a:schemeClr val="accent3"/>
-      <a:schemeClr val="accent4"/>
-      <a:schemeClr val="accent5"/>
-      <a:schemeClr val="accent6"/>
-    </dgm:linClrLst>
-    <dgm:effectClrLst/>
-    <dgm:txLinClrLst/>
-    <dgm:txFillClrLst/>
-    <dgm:txEffectClrLst/>
-  </dgm:styleLbl>
-  <dgm:styleLbl name="lnNode1">
-    <dgm:fillClrLst meth="repeat">
-      <a:schemeClr val="accent2"/>
-      <a:schemeClr val="accent3"/>
-      <a:schemeClr val="accent4"/>
-      <a:schemeClr val="accent5"/>
-      <a:schemeClr val="accent6"/>
-    </dgm:fillClrLst>
-    <dgm:linClrLst meth="repeat">
-      <a:schemeClr val="lt1"/>
-    </dgm:linClrLst>
-    <dgm:effectClrLst/>
-    <dgm:txLinClrLst/>
-    <dgm:txFillClrLst/>
-    <dgm:txEffectClrLst/>
-  </dgm:styleLbl>
-  <dgm:styleLbl name="vennNode1">
-    <dgm:fillClrLst meth="repeat">
-      <a:schemeClr val="accent2">
-        <a:alpha val="50000"/>
-      </a:schemeClr>
-      <a:schemeClr val="accent3">
-        <a:alpha val="50000"/>
-      </a:schemeClr>
-      <a:schemeClr val="accent4">
-        <a:alpha val="50000"/>
-      </a:schemeClr>
-      <a:schemeClr val="accent5">
-        <a:alpha val="50000"/>
-      </a:schemeClr>
-      <a:schemeClr val="accent6">
-        <a:alpha val="50000"/>
-      </a:schemeClr>
-    </dgm:fillClrLst>
-    <dgm:linClrLst meth="repeat">
-      <a:schemeClr val="lt1"/>
-    </dgm:linClrLst>
-    <dgm:effectClrLst/>
-    <dgm:txLinClrLst/>
-    <dgm:txFillClrLst/>
-    <dgm:txEffectClrLst/>
-  </dgm:styleLbl>
-  <dgm:styleLbl name="node2">
-    <dgm:fillClrLst>
-      <a:schemeClr val="accent2"/>
-    </dgm:fillClrLst>
-    <dgm:linClrLst meth="repeat">
-      <a:schemeClr val="lt1"/>
-    </dgm:linClrLst>
-    <dgm:effectClrLst/>
-    <dgm:txLinClrLst/>
-    <dgm:txFillClrLst/>
-    <dgm:txEffectClrLst/>
-  </dgm:styleLbl>
-  <dgm:styleLbl name="node3">
-    <dgm:fillClrLst>
-      <a:schemeClr val="accent3"/>
-    </dgm:fillClrLst>
-    <dgm:linClrLst meth="repeat">
-      <a:schemeClr val="lt1"/>
-    </dgm:linClrLst>
-    <dgm:effectClrLst/>
-    <dgm:txLinClrLst/>
-    <dgm:txFillClrLst/>
-    <dgm:txEffectClrLst/>
-  </dgm:styleLbl>
-  <dgm:styleLbl name="node4">
-    <dgm:fillClrLst>
-      <a:schemeClr val="accent4"/>
-    </dgm:fillClrLst>
-    <dgm:linClrLst meth="repeat">
-      <a:schemeClr val="lt1"/>
-    </dgm:linClrLst>
-    <dgm:effectClrLst/>
-    <dgm:txLinClrLst/>
-    <dgm:txFillClrLst/>
-    <dgm:txEffectClrLst/>
-  </dgm:styleLbl>
-  <dgm:styleLbl name="fgImgPlace1">
-    <dgm:fillClrLst meth="repeat">
-      <a:schemeClr val="accent2">
-        <a:tint val="50000"/>
-      </a:schemeClr>
-      <a:schemeClr val="accent3">
-        <a:tint val="50000"/>
-      </a:schemeClr>
-      <a:schemeClr val="accent4">
-        <a:tint val="50000"/>
-      </a:schemeClr>
-      <a:schemeClr val="accent5">
-        <a:tint val="50000"/>
-      </a:schemeClr>
-      <a:schemeClr val="accent6">
-        <a:tint val="50000"/>
-      </a:schemeClr>
-    </dgm:fillClrLst>
-    <dgm:linClrLst meth="repeat">
-      <a:schemeClr val="lt1"/>
-    </dgm:linClrLst>
-    <dgm:effectClrLst/>
-    <dgm:txLinClrLst/>
-    <dgm:txFillClrLst meth="repeat">
-      <a:schemeClr val="lt1"/>
-    </dgm:txFillClrLst>
-    <dgm:txEffectClrLst/>
-  </dgm:styleLbl>
-  <dgm:styleLbl name="alignImgPlace1">
-    <dgm:fillClrLst>
-      <a:schemeClr val="accent1">
-        <a:tint val="50000"/>
-      </a:schemeClr>
-      <a:schemeClr val="accent2">
-        <a:tint val="20000"/>
-      </a:schemeClr>
-    </dgm:fillClrLst>
-    <dgm:linClrLst meth="repeat">
-      <a:schemeClr val="lt1"/>
-    </dgm:linClrLst>
-    <dgm:effectClrLst/>
-    <dgm:txLinClrLst/>
-    <dgm:txFillClrLst meth="repeat">
-      <a:schemeClr val="lt1"/>
-    </dgm:txFillClrLst>
-    <dgm:txEffectClrLst/>
-  </dgm:styleLbl>
-  <dgm:styleLbl name="bgImgPlace1">
-    <dgm:fillClrLst>
-      <a:schemeClr val="accent1">
-        <a:tint val="50000"/>
-      </a:schemeClr>
-      <a:schemeClr val="accent2">
-        <a:tint val="20000"/>
-      </a:schemeClr>
-    </dgm:fillClrLst>
-    <dgm:linClrLst meth="repeat">
-      <a:schemeClr val="lt1"/>
-    </dgm:linClrLst>
-    <dgm:effectClrLst/>
-    <dgm:txLinClrLst/>
-    <dgm:txFillClrLst meth="repeat">
-      <a:schemeClr val="lt1"/>
-    </dgm:txFillClrLst>
-    <dgm:txEffectClrLst/>
-  </dgm:styleLbl>
-  <dgm:styleLbl name="sibTrans2D1">
-    <dgm:fillClrLst meth="repeat">
-      <a:schemeClr val="accent2"/>
-      <a:schemeClr val="accent3"/>
-      <a:schemeClr val="accent4"/>
-      <a:schemeClr val="accent5"/>
-      <a:schemeClr val="accent6"/>
-    </dgm:fillClrLst>
-    <dgm:linClrLst meth="cycle">
-      <a:schemeClr val="lt1"/>
-    </dgm:linClrLst>
-    <dgm:effectClrLst/>
-    <dgm:txLinClrLst/>
-    <dgm:txFillClrLst/>
-    <dgm:txEffectClrLst/>
-  </dgm:styleLbl>
-  <dgm:styleLbl name="fgSibTrans2D1">
-    <dgm:fillClrLst meth="repeat">
-      <a:schemeClr val="accent2"/>
-      <a:schemeClr val="accent3"/>
-      <a:schemeClr val="accent4"/>
-      <a:schemeClr val="accent5"/>
-      <a:schemeClr val="accent6"/>
-    </dgm:fillClrLst>
-    <dgm:linClrLst meth="cycle">
-      <a:schemeClr val="lt1"/>
-    </dgm:linClrLst>
-    <dgm:effectClrLst/>
-    <dgm:txLinClrLst/>
-    <dgm:txFillClrLst meth="repeat">
-      <a:schemeClr val="lt1"/>
-    </dgm:txFillClrLst>
-    <dgm:txEffectClrLst/>
-  </dgm:styleLbl>
-  <dgm:styleLbl name="bgSibTrans2D1">
-    <dgm:fillClrLst meth="repeat">
-      <a:schemeClr val="accent2"/>
-      <a:schemeClr val="accent3"/>
-      <a:schemeClr val="accent4"/>
-      <a:schemeClr val="accent5"/>
-      <a:schemeClr val="accent6"/>
-    </dgm:fillClrLst>
-    <dgm:linClrLst meth="cycle">
-      <a:schemeClr val="lt1"/>
-    </dgm:linClrLst>
-    <dgm:effectClrLst/>
-    <dgm:txLinClrLst/>
-    <dgm:txFillClrLst meth="repeat">
-      <a:schemeClr val="lt1"/>
-    </dgm:txFillClrLst>
-    <dgm:txEffectClrLst/>
-  </dgm:styleLbl>
-  <dgm:styleLbl name="sibTrans1D1">
-    <dgm:fillClrLst meth="repeat">
-      <a:schemeClr val="accent2"/>
-      <a:schemeClr val="accent3"/>
-      <a:schemeClr val="accent4"/>
-      <a:schemeClr val="accent5"/>
-      <a:schemeClr val="accent6"/>
-    </dgm:fillClrLst>
-    <dgm:linClrLst meth="repeat">
-      <a:schemeClr val="accent2"/>
-      <a:schemeClr val="accent3"/>
-      <a:schemeClr val="accent4"/>
-      <a:schemeClr val="accent5"/>
-      <a:schemeClr val="accent6"/>
-    </dgm:linClrLst>
-    <dgm:effectClrLst/>
-    <dgm:txLinClrLst/>
-    <dgm:txFillClrLst meth="repeat">
-      <a:schemeClr val="tx1"/>
-    </dgm:txFillClrLst>
-    <dgm:txEffectClrLst/>
-  </dgm:styleLbl>
-  <dgm:styleLbl name="callout">
-    <dgm:fillClrLst meth="repeat">
-      <a:schemeClr val="accent2"/>
-    </dgm:fillClrLst>
-    <dgm:linClrLst meth="repeat">
-      <a:schemeClr val="accent2">
-        <a:tint val="50000"/>
-      </a:schemeClr>
-    </dgm:linClrLst>
-    <dgm:effectClrLst/>
-    <dgm:txLinClrLst/>
-    <dgm:txFillClrLst meth="repeat">
-      <a:schemeClr val="tx1"/>
-    </dgm:txFillClrLst>
-    <dgm:txEffectClrLst/>
-  </dgm:styleLbl>
-  <dgm:styleLbl name="asst0">
-    <dgm:fillClrLst meth="repeat">
-      <a:schemeClr val="accent1"/>
-    </dgm:fillClrLst>
-    <dgm:linClrLst meth="repeat">
-      <a:schemeClr val="lt1"/>
-    </dgm:linClrLst>
-    <dgm:effectClrLst/>
-    <dgm:txLinClrLst/>
-    <dgm:txFillClrLst/>
-    <dgm:txEffectClrLst/>
-  </dgm:styleLbl>
-  <dgm:styleLbl name="asst1">
-    <dgm:fillClrLst meth="repeat">
-      <a:schemeClr val="accent2"/>
-    </dgm:fillClrLst>
-    <dgm:linClrLst meth="repeat">
-      <a:schemeClr val="lt1"/>
-    </dgm:linClrLst>
-    <dgm:effectClrLst/>
-    <dgm:txLinClrLst/>
-    <dgm:txFillClrLst/>
-    <dgm:txEffectClrLst/>
-  </dgm:styleLbl>
-  <dgm:styleLbl name="asst2">
-    <dgm:fillClrLst>
-      <a:schemeClr val="accent3"/>
-    </dgm:fillClrLst>
-    <dgm:linClrLst meth="repeat">
-      <a:schemeClr val="lt1"/>
-    </dgm:linClrLst>
-    <dgm:effectClrLst/>
-    <dgm:txLinClrLst/>
-    <dgm:txFillClrLst/>
-    <dgm:txEffectClrLst/>
-  </dgm:styleLbl>
-  <dgm:styleLbl name="asst3">
-    <dgm:fillClrLst>
-      <a:schemeClr val="accent4"/>
-    </dgm:fillClrLst>
-    <dgm:linClrLst meth="repeat">
-      <a:schemeClr val="lt1"/>
-    </dgm:linClrLst>
-    <dgm:effectClrLst/>
-    <dgm:txLinClrLst/>
-    <dgm:txFillClrLst/>
-    <dgm:txEffectClrLst/>
-  </dgm:styleLbl>
-  <dgm:styleLbl name="asst4">
-    <dgm:fillClrLst>
-      <a:schemeClr val="accent5"/>
-    </dgm:fillClrLst>
-    <dgm:linClrLst meth="repeat">
-      <a:schemeClr val="lt1"/>
-    </dgm:linClrLst>
-    <dgm:effectClrLst/>
-    <dgm:txLinClrLst/>
-    <dgm:txFillClrLst/>
-    <dgm:txEffectClrLst/>
-  </dgm:styleLbl>
-  <dgm:styleLbl name="parChTrans2D1">
-    <dgm:fillClrLst meth="repeat">
-      <a:schemeClr val="accent2"/>
-    </dgm:fillClrLst>
-    <dgm:linClrLst meth="repeat">
-      <a:schemeClr val="lt1"/>
-    </dgm:linClrLst>
-    <dgm:effectClrLst/>
-    <dgm:txLinClrLst/>
-    <dgm:txFillClrLst meth="repeat">
-      <a:schemeClr val="lt1"/>
-    </dgm:txFillClrLst>
-    <dgm:txEffectClrLst/>
-  </dgm:styleLbl>
-  <dgm:styleLbl name="parChTrans2D2">
-    <dgm:fillClrLst meth="repeat">
-      <a:schemeClr val="accent3"/>
-    </dgm:fillClrLst>
-    <dgm:linClrLst meth="repeat">
-      <a:schemeClr val="lt1"/>
-    </dgm:linClrLst>
-    <dgm:effectClrLst/>
-    <dgm:txLinClrLst/>
-    <dgm:txFillClrLst/>
-    <dgm:txEffectClrLst/>
-  </dgm:styleLbl>
-  <dgm:styleLbl name="parChTrans2D3">
-    <dgm:fillClrLst meth="repeat">
-      <a:schemeClr val="accent4"/>
-    </dgm:fillClrLst>
-    <dgm:linClrLst meth="repeat">
-      <a:schemeClr val="lt1"/>
-    </dgm:linClrLst>
-    <dgm:effectClrLst/>
-    <dgm:txLinClrLst/>
-    <dgm:txFillClrLst/>
-    <dgm:txEffectClrLst/>
-  </dgm:styleLbl>
-  <dgm:styleLbl name="parChTrans2D4">
-    <dgm:fillClrLst meth="repeat">
-      <a:schemeClr val="accent5"/>
-    </dgm:fillClrLst>
-    <dgm:linClrLst meth="repeat">
-      <a:schemeClr val="lt1"/>
-    </dgm:linClrLst>
-    <dgm:effectClrLst/>
-    <dgm:txLinClrLst/>
-    <dgm:txFillClrLst meth="repeat">
-      <a:schemeClr val="lt1"/>
-    </dgm:txFillClrLst>
-    <dgm:txEffectClrLst/>
-  </dgm:styleLbl>
-  <dgm:styleLbl name="parChTrans1D1">
-    <dgm:fillClrLst meth="repeat">
-      <a:schemeClr val="accent2"/>
-    </dgm:fillClrLst>
-    <dgm:linClrLst meth="repeat">
-      <a:schemeClr val="accent1"/>
-    </dgm:linClrLst>
-    <dgm:effectClrLst/>
-    <dgm:txLinClrLst/>
-    <dgm:txFillClrLst meth="repeat">
-      <a:schemeClr val="tx1"/>
-    </dgm:txFillClrLst>
-    <dgm:txEffectClrLst/>
-  </dgm:styleLbl>
-  <dgm:styleLbl name="parChTrans1D2">
-    <dgm:fillClrLst meth="repeat">
-      <a:schemeClr val="accent3">
-        <a:tint val="90000"/>
-      </a:schemeClr>
-    </dgm:fillClrLst>
-    <dgm:linClrLst meth="repeat">
-      <a:schemeClr val="accent2"/>
-    </dgm:linClrLst>
-    <dgm:effectClrLst/>
-    <dgm:txLinClrLst/>
-    <dgm:txFillClrLst meth="repeat">
-      <a:schemeClr val="tx1"/>
-    </dgm:txFillClrLst>
-    <dgm:txEffectClrLst/>
-  </dgm:styleLbl>
-  <dgm:styleLbl name="parChTrans1D3">
-    <dgm:fillClrLst meth="repeat">
-      <a:schemeClr val="accent4">
-        <a:tint val="70000"/>
-      </a:schemeClr>
-    </dgm:fillClrLst>
-    <dgm:linClrLst meth="repeat">
-      <a:schemeClr val="accent3"/>
-    </dgm:linClrLst>
-    <dgm:effectClrLst/>
-    <dgm:txLinClrLst/>
-    <dgm:txFillClrLst meth="repeat">
-      <a:schemeClr val="tx1"/>
-    </dgm:txFillClrLst>
-    <dgm:txEffectClrLst/>
-  </dgm:styleLbl>
-  <dgm:styleLbl name="parChTrans1D4">
-    <dgm:fillClrLst meth="repeat">
-      <a:schemeClr val="accent5">
-        <a:tint val="50000"/>
-      </a:schemeClr>
-    </dgm:fillClrLst>
-    <dgm:linClrLst meth="repeat">
-      <a:schemeClr val="accent4"/>
-    </dgm:linClrLst>
-    <dgm:effectClrLst/>
-    <dgm:txLinClrLst/>
-    <dgm:txFillClrLst meth="repeat">
-      <a:schemeClr val="tx1"/>
-    </dgm:txFillClrLst>
-    <dgm:txEffectClrLst/>
-  </dgm:styleLbl>
-  <dgm:styleLbl name="fgAcc1">
-    <dgm:fillClrLst meth="repeat">
-      <a:schemeClr val="lt1">
-        <a:alpha val="90000"/>
-      </a:schemeClr>
-    </dgm:fillClrLst>
-    <dgm:linClrLst meth="repeat">
-      <a:schemeClr val="accent2"/>
-      <a:schemeClr val="accent3"/>
-      <a:schemeClr val="accent4"/>
-      <a:schemeClr val="accent5"/>
-      <a:schemeClr val="accent6"/>
-    </dgm:linClrLst>
-    <dgm:effectClrLst/>
-    <dgm:txLinClrLst/>
-    <dgm:txFillClrLst meth="repeat">
-      <a:schemeClr val="dk1"/>
-    </dgm:txFillClrLst>
-    <dgm:txEffectClrLst/>
-  </dgm:styleLbl>
-  <dgm:styleLbl name="conFgAcc1">
-    <dgm:fillClrLst meth="repeat">
-      <a:schemeClr val="lt1">
-        <a:alpha val="90000"/>
-      </a:schemeClr>
-    </dgm:fillClrLst>
-    <dgm:linClrLst meth="repeat">
-      <a:schemeClr val="accent2"/>
-      <a:schemeClr val="accent3"/>
-      <a:schemeClr val="accent4"/>
-      <a:schemeClr val="accent5"/>
-      <a:schemeClr val="accent6"/>
-    </dgm:linClrLst>
-    <dgm:effectClrLst/>
-    <dgm:txLinClrLst/>
-    <dgm:txFillClrLst meth="repeat">
-      <a:schemeClr val="dk1"/>
-    </dgm:txFillClrLst>
-    <dgm:txEffectClrLst/>
-  </dgm:styleLbl>
-  <dgm:styleLbl name="alignAcc1">
-    <dgm:fillClrLst meth="repeat">
-      <a:schemeClr val="lt1">
-        <a:alpha val="90000"/>
-      </a:schemeClr>
-    </dgm:fillClrLst>
-    <dgm:linClrLst meth="repeat">
-      <a:schemeClr val="accent2"/>
-      <a:schemeClr val="accent3"/>
-      <a:schemeClr val="accent4"/>
-      <a:schemeClr val="accent5"/>
-      <a:schemeClr val="accent6"/>
-    </dgm:linClrLst>
-    <dgm:effectClrLst/>
-    <dgm:txLinClrLst/>
-    <dgm:txFillClrLst meth="repeat">
-      <a:schemeClr val="dk1"/>
-    </dgm:txFillClrLst>
-    <dgm:txEffectClrLst/>
-  </dgm:styleLbl>
-  <dgm:styleLbl name="trAlignAcc1">
-    <dgm:fillClrLst meth="repeat">
-      <a:schemeClr val="lt1">
-        <a:alpha val="40000"/>
-      </a:schemeClr>
-    </dgm:fillClrLst>
-    <dgm:linClrLst meth="repeat">
-      <a:schemeClr val="accent1"/>
-    </dgm:linClrLst>
-    <dgm:effectClrLst/>
-    <dgm:txLinClrLst/>
-    <dgm:txFillClrLst meth="repeat">
-      <a:schemeClr val="dk1"/>
-    </dgm:txFillClrLst>
-    <dgm:txEffectClrLst/>
-  </dgm:styleLbl>
-  <dgm:styleLbl name="bgAcc1">
-    <dgm:fillClrLst meth="repeat">
-      <a:schemeClr val="lt1">
-        <a:alpha val="90000"/>
-      </a:schemeClr>
-    </dgm:fillClrLst>
-    <dgm:linClrLst meth="repeat">
-      <a:schemeClr val="accent2"/>
-      <a:schemeClr val="accent3"/>
-      <a:schemeClr val="accent4"/>
-      <a:schemeClr val="accent5"/>
-      <a:schemeClr val="accent6"/>
-    </dgm:linClrLst>
-    <dgm:effectClrLst/>
-    <dgm:txLinClrLst/>
-    <dgm:txFillClrLst meth="repeat">
-      <a:schemeClr val="dk1"/>
-    </dgm:txFillClrLst>
-    <dgm:txEffectClrLst/>
-  </dgm:styleLbl>
-  <dgm:styleLbl name="solidFgAcc1">
-    <dgm:fillClrLst meth="repeat">
-      <a:schemeClr val="lt1"/>
-    </dgm:fillClrLst>
-    <dgm:linClrLst meth="repeat">
-      <a:schemeClr val="accent2"/>
-      <a:schemeClr val="accent3"/>
-      <a:schemeClr val="accent4"/>
-      <a:schemeClr val="accent5"/>
-      <a:schemeClr val="accent6"/>
-    </dgm:linClrLst>
-    <dgm:effectClrLst/>
-    <dgm:txLinClrLst/>
-    <dgm:txFillClrLst meth="repeat">
-      <a:schemeClr val="dk1"/>
-    </dgm:txFillClrLst>
-    <dgm:txEffectClrLst/>
-  </dgm:styleLbl>
-  <dgm:styleLbl name="solidAlignAcc1">
-    <dgm:fillClrLst meth="repeat">
-      <a:schemeClr val="lt1"/>
-    </dgm:fillClrLst>
-    <dgm:linClrLst meth="repeat">
-      <a:schemeClr val="accent2"/>
-      <a:schemeClr val="accent3"/>
-      <a:schemeClr val="accent4"/>
-      <a:schemeClr val="accent5"/>
-      <a:schemeClr val="accent6"/>
-    </dgm:linClrLst>
-    <dgm:effectClrLst/>
-    <dgm:txLinClrLst/>
-    <dgm:txFillClrLst meth="repeat">
-      <a:schemeClr val="dk1"/>
-    </dgm:txFillClrLst>
-    <dgm:txEffectClrLst/>
-  </dgm:styleLbl>
-  <dgm:styleLbl name="solidBgAcc1">
-    <dgm:fillClrLst meth="repeat">
-      <a:schemeClr val="lt1"/>
-    </dgm:fillClrLst>
-    <dgm:linClrLst meth="repeat">
-      <a:schemeClr val="accent2"/>
-      <a:schemeClr val="accent3"/>
-      <a:schemeClr val="accent4"/>
-      <a:schemeClr val="accent5"/>
-      <a:schemeClr val="accent6"/>
-    </dgm:linClrLst>
-    <dgm:effectClrLst/>
-    <dgm:txLinClrLst/>
-    <dgm:txFillClrLst meth="repeat">
-      <a:schemeClr val="dk1"/>
-    </dgm:txFillClrLst>
-    <dgm:txEffectClrLst/>
-  </dgm:styleLbl>
-  <dgm:styleLbl name="fgAccFollowNode1">
-    <dgm:fillClrLst meth="repeat">
-      <a:schemeClr val="accent2">
-        <a:tint val="40000"/>
-        <a:alpha val="90000"/>
-      </a:schemeClr>
-      <a:schemeClr val="accent3">
-        <a:tint val="40000"/>
-        <a:alpha val="90000"/>
-      </a:schemeClr>
-      <a:schemeClr val="accent4">
-        <a:tint val="40000"/>
-        <a:alpha val="90000"/>
-      </a:schemeClr>
-      <a:schemeClr val="accent5">
-        <a:tint val="40000"/>
-        <a:alpha val="90000"/>
-      </a:schemeClr>
-      <a:schemeClr val="accent6">
-        <a:tint val="40000"/>
-        <a:alpha val="90000"/>
-      </a:schemeClr>
-    </dgm:fillClrLst>
-    <dgm:linClrLst meth="repeat">
-      <a:schemeClr val="accent2">
-        <a:tint val="40000"/>
-        <a:alpha val="90000"/>
-      </a:schemeClr>
-      <a:schemeClr val="accent3">
-        <a:tint val="40000"/>
-        <a:alpha val="90000"/>
-      </a:schemeClr>
-      <a:schemeClr val="accent4">
-        <a:tint val="40000"/>
-        <a:alpha val="90000"/>
-      </a:schemeClr>
-      <a:schemeClr val="accent5">
-        <a:tint val="40000"/>
-        <a:alpha val="90000"/>
-      </a:schemeClr>
-      <a:schemeClr val="accent6">
-        <a:tint val="40000"/>
-        <a:alpha val="90000"/>
-      </a:schemeClr>
-    </dgm:linClrLst>
-    <dgm:effectClrLst/>
-    <dgm:txLinClrLst/>
-    <dgm:txFillClrLst meth="repeat">
-      <a:schemeClr val="dk1"/>
-    </dgm:txFillClrLst>
-    <dgm:txEffectClrLst/>
-  </dgm:styleLbl>
-  <dgm:styleLbl name="alignAccFollowNode1">
-    <dgm:fillClrLst meth="repeat">
-      <a:schemeClr val="accent2">
-        <a:tint val="40000"/>
-        <a:alpha val="90000"/>
-      </a:schemeClr>
-      <a:schemeClr val="accent3">
-        <a:tint val="40000"/>
-        <a:alpha val="90000"/>
-      </a:schemeClr>
-      <a:schemeClr val="accent4">
-        <a:tint val="40000"/>
-        <a:alpha val="90000"/>
-      </a:schemeClr>
-      <a:schemeClr val="accent5">
-        <a:tint val="40000"/>
-        <a:alpha val="90000"/>
-      </a:schemeClr>
-      <a:schemeClr val="accent6">
-        <a:tint val="40000"/>
-        <a:alpha val="90000"/>
-      </a:schemeClr>
-    </dgm:fillClrLst>
-    <dgm:linClrLst meth="repeat">
-      <a:schemeClr val="accent2">
-        <a:tint val="40000"/>
-        <a:alpha val="90000"/>
-      </a:schemeClr>
-      <a:schemeClr val="accent3">
-        <a:tint val="40000"/>
-        <a:alpha val="90000"/>
-      </a:schemeClr>
-      <a:schemeClr val="accent4">
-        <a:tint val="40000"/>
-        <a:alpha val="90000"/>
-      </a:schemeClr>
-      <a:schemeClr val="accent5">
-        <a:tint val="40000"/>
-        <a:alpha val="90000"/>
-      </a:schemeClr>
-      <a:schemeClr val="accent6">
-        <a:tint val="40000"/>
-        <a:alpha val="90000"/>
-      </a:schemeClr>
-    </dgm:linClrLst>
-    <dgm:effectClrLst/>
-    <dgm:txLinClrLst/>
-    <dgm:txFillClrLst meth="repeat">
-      <a:schemeClr val="dk1"/>
-    </dgm:txFillClrLst>
-    <dgm:txEffectClrLst/>
-  </dgm:styleLbl>
-  <dgm:styleLbl name="bgAccFollowNode1">
-    <dgm:fillClrLst meth="repeat">
-      <a:schemeClr val="accent2">
-        <a:tint val="40000"/>
-        <a:alpha val="90000"/>
-      </a:schemeClr>
-      <a:schemeClr val="accent3">
-        <a:tint val="40000"/>
-        <a:alpha val="90000"/>
-      </a:schemeClr>
-      <a:schemeClr val="accent4">
-        <a:tint val="40000"/>
-        <a:alpha val="90000"/>
-      </a:schemeClr>
-      <a:schemeClr val="accent5">
-        <a:tint val="40000"/>
-        <a:alpha val="90000"/>
-      </a:schemeClr>
-      <a:schemeClr val="accent6">
-        <a:tint val="40000"/>
-        <a:alpha val="90000"/>
-      </a:schemeClr>
-    </dgm:fillClrLst>
-    <dgm:linClrLst meth="repeat">
-      <a:schemeClr val="accent2">
-        <a:tint val="40000"/>
-        <a:alpha val="90000"/>
-      </a:schemeClr>
-      <a:schemeClr val="accent3">
-        <a:tint val="40000"/>
-        <a:alpha val="90000"/>
-      </a:schemeClr>
-      <a:schemeClr val="accent4">
-        <a:tint val="40000"/>
-        <a:alpha val="90000"/>
-      </a:schemeClr>
-      <a:schemeClr val="accent5">
-        <a:tint val="40000"/>
-        <a:alpha val="90000"/>
-      </a:schemeClr>
-      <a:schemeClr val="accent6">
-        <a:tint val="40000"/>
-        <a:alpha val="90000"/>
-      </a:schemeClr>
-    </dgm:linClrLst>
-    <dgm:effectClrLst/>
-    <dgm:txLinClrLst/>
-    <dgm:txFillClrLst meth="repeat">
-      <a:schemeClr val="dk1"/>
-    </dgm:txFillClrLst>
-    <dgm:txEffectClrLst/>
-  </dgm:styleLbl>
-  <dgm:styleLbl name="fgAcc0">
-    <dgm:fillClrLst meth="repeat">
-      <a:schemeClr val="lt1">
-        <a:alpha val="90000"/>
-      </a:schemeClr>
-    </dgm:fillClrLst>
-    <dgm:linClrLst>
-      <a:schemeClr val="accent1"/>
-    </dgm:linClrLst>
-    <dgm:effectClrLst/>
-    <dgm:txLinClrLst/>
-    <dgm:txFillClrLst meth="repeat">
-      <a:schemeClr val="dk1"/>
-    </dgm:txFillClrLst>
-    <dgm:txEffectClrLst/>
-  </dgm:styleLbl>
-  <dgm:styleLbl name="fgAcc2">
-    <dgm:fillClrLst meth="repeat">
-      <a:schemeClr val="lt1">
-        <a:alpha val="90000"/>
-      </a:schemeClr>
-    </dgm:fillClrLst>
-    <dgm:linClrLst>
-      <a:schemeClr val="accent2"/>
-    </dgm:linClrLst>
-    <dgm:effectClrLst/>
-    <dgm:txLinClrLst/>
-    <dgm:txFillClrLst meth="repeat">
-      <a:schemeClr val="dk1"/>
-    </dgm:txFillClrLst>
-    <dgm:txEffectClrLst/>
-  </dgm:styleLbl>
-  <dgm:styleLbl name="fgAcc3">
-    <dgm:fillClrLst meth="repeat">
-      <a:schemeClr val="lt1">
-        <a:alpha val="90000"/>
-      </a:schemeClr>
-    </dgm:fillClrLst>
-    <dgm:linClrLst>
-      <a:schemeClr val="accent3"/>
-    </dgm:linClrLst>
-    <dgm:effectClrLst/>
-    <dgm:txLinClrLst/>
-    <dgm:txFillClrLst meth="repeat">
-      <a:schemeClr val="dk1"/>
-    </dgm:txFillClrLst>
-    <dgm:txEffectClrLst/>
-  </dgm:styleLbl>
-  <dgm:styleLbl name="fgAcc4">
-    <dgm:fillClrLst meth="repeat">
-      <a:schemeClr val="lt1">
-        <a:alpha val="90000"/>
-      </a:schemeClr>
-    </dgm:fillClrLst>
-    <dgm:linClrLst>
-      <a:schemeClr val="accent4"/>
-    </dgm:linClrLst>
-    <dgm:effectClrLst/>
-    <dgm:txLinClrLst/>
-    <dgm:txFillClrLst meth="repeat">
-      <a:schemeClr val="dk1"/>
-    </dgm:txFillClrLst>
-    <dgm:txEffectClrLst/>
-  </dgm:styleLbl>
-  <dgm:styleLbl name="bgShp">
-    <dgm:fillClrLst meth="repeat">
-      <a:schemeClr val="accent2">
-        <a:tint val="40000"/>
-      </a:schemeClr>
-    </dgm:fillClrLst>
-    <dgm:linClrLst meth="repeat">
-      <a:schemeClr val="dk1"/>
-    </dgm:linClrLst>
-    <dgm:effectClrLst/>
-    <dgm:txLinClrLst/>
-    <dgm:txFillClrLst meth="repeat">
-      <a:schemeClr val="dk1"/>
-    </dgm:txFillClrLst>
-    <dgm:txEffectClrLst/>
-  </dgm:styleLbl>
-  <dgm:styleLbl name="dkBgShp">
-    <dgm:fillClrLst meth="repeat">
-      <a:schemeClr val="accent2">
-        <a:shade val="90000"/>
-      </a:schemeClr>
-    </dgm:fillClrLst>
-    <dgm:linClrLst meth="repeat">
-      <a:schemeClr val="dk1"/>
-    </dgm:linClrLst>
-    <dgm:effectClrLst/>
-    <dgm:txLinClrLst/>
-    <dgm:txFillClrLst meth="repeat">
-      <a:schemeClr val="lt1"/>
-    </dgm:txFillClrLst>
-    <dgm:txEffectClrLst/>
-  </dgm:styleLbl>
-  <dgm:styleLbl name="trBgShp">
-    <dgm:fillClrLst meth="repeat">
-      <a:schemeClr val="accent1">
-        <a:tint val="50000"/>
-        <a:alpha val="40000"/>
-      </a:schemeClr>
-    </dgm:fillClrLst>
-    <dgm:linClrLst meth="repeat">
-      <a:schemeClr val="accent2"/>
-    </dgm:linClrLst>
-    <dgm:effectClrLst/>
-    <dgm:txLinClrLst/>
-    <dgm:txFillClrLst meth="repeat">
-      <a:schemeClr val="lt1"/>
-    </dgm:txFillClrLst>
-    <dgm:txEffectClrLst/>
-  </dgm:styleLbl>
-  <dgm:styleLbl name="fgShp">
-    <dgm:fillClrLst meth="repeat">
-      <a:schemeClr val="accent2">
-        <a:tint val="40000"/>
-      </a:schemeClr>
-    </dgm:fillClrLst>
-    <dgm:linClrLst meth="repeat">
-      <a:schemeClr val="lt1"/>
-    </dgm:linClrLst>
-    <dgm:effectClrLst/>
-    <dgm:txLinClrLst/>
-    <dgm:txFillClrLst meth="repeat">
-      <a:schemeClr val="dk1"/>
-    </dgm:txFillClrLst>
-    <dgm:txEffectClrLst/>
-  </dgm:styleLbl>
-  <dgm:styleLbl name="revTx">
-    <dgm:fillClrLst meth="repeat">
-      <a:schemeClr val="lt1">
-        <a:alpha val="0"/>
-      </a:schemeClr>
-    </dgm:fillClrLst>
-    <dgm:linClrLst meth="repeat">
-      <a:schemeClr val="dk1">
-        <a:alpha val="0"/>
-      </a:schemeClr>
-    </dgm:linClrLst>
-    <dgm:effectClrLst/>
-    <dgm:txLinClrLst/>
-    <dgm:txFillClrLst meth="repeat">
-      <a:schemeClr val="tx1"/>
-    </dgm:txFillClrLst>
-    <dgm:txEffectClrLst/>
-  </dgm:styleLbl>
-</dgm:colorsDef>
-</file>
-
-<file path=ppt/diagrams/colors2.xml><?xml version="1.0" encoding="utf-8"?>
 <dgm:colorsDef xmlns:dgm="http://schemas.openxmlformats.org/drawingml/2006/diagram" xmlns:a="http://schemas.openxmlformats.org/drawingml/2006/main" uniqueId="urn:microsoft.com/office/officeart/2005/8/colors/colorful1">
   <dgm:title val=""/>
   <dgm:desc val=""/>
@@ -3212,6 +1360,13 @@
         </dgm:presLayoutVars>
       </dgm:prSet>
       <dgm:spPr/>
+      <dgm:t>
+        <a:bodyPr/>
+        <a:lstStyle/>
+        <a:p>
+          <a:endParaRPr lang="en-US"/>
+        </a:p>
+      </dgm:t>
     </dgm:pt>
     <dgm:pt modelId="{3E0E8213-E460-4EB7-9A92-C2B1CC553F0D}" type="pres">
       <dgm:prSet presAssocID="{CD7942A0-B7D2-4B14-8FEA-55FC702F5BE7}" presName="dummyMaxCanvas" presStyleCnt="0">
@@ -3226,6 +1381,13 @@
         </dgm:presLayoutVars>
       </dgm:prSet>
       <dgm:spPr/>
+      <dgm:t>
+        <a:bodyPr/>
+        <a:lstStyle/>
+        <a:p>
+          <a:endParaRPr lang="en-US"/>
+        </a:p>
+      </dgm:t>
     </dgm:pt>
     <dgm:pt modelId="{7693B563-2CC1-4AED-A93E-92E82A398B0C}" type="pres">
       <dgm:prSet presAssocID="{CD7942A0-B7D2-4B14-8FEA-55FC702F5BE7}" presName="FourNodes_2" presStyleLbl="node1" presStyleIdx="1" presStyleCnt="4">
@@ -3234,6 +1396,13 @@
         </dgm:presLayoutVars>
       </dgm:prSet>
       <dgm:spPr/>
+      <dgm:t>
+        <a:bodyPr/>
+        <a:lstStyle/>
+        <a:p>
+          <a:endParaRPr lang="en-US"/>
+        </a:p>
+      </dgm:t>
     </dgm:pt>
     <dgm:pt modelId="{51AF1933-C1FE-43BC-BAB4-1FDE9E29037C}" type="pres">
       <dgm:prSet presAssocID="{CD7942A0-B7D2-4B14-8FEA-55FC702F5BE7}" presName="FourNodes_3" presStyleLbl="node1" presStyleIdx="2" presStyleCnt="4">
@@ -3242,6 +1411,13 @@
         </dgm:presLayoutVars>
       </dgm:prSet>
       <dgm:spPr/>
+      <dgm:t>
+        <a:bodyPr/>
+        <a:lstStyle/>
+        <a:p>
+          <a:endParaRPr lang="en-US"/>
+        </a:p>
+      </dgm:t>
     </dgm:pt>
     <dgm:pt modelId="{27CCC5E1-2A78-4F55-846B-A18407DA0ADE}" type="pres">
       <dgm:prSet presAssocID="{CD7942A0-B7D2-4B14-8FEA-55FC702F5BE7}" presName="FourNodes_4" presStyleLbl="node1" presStyleIdx="3" presStyleCnt="4">
@@ -3250,6 +1426,13 @@
         </dgm:presLayoutVars>
       </dgm:prSet>
       <dgm:spPr/>
+      <dgm:t>
+        <a:bodyPr/>
+        <a:lstStyle/>
+        <a:p>
+          <a:endParaRPr lang="en-US"/>
+        </a:p>
+      </dgm:t>
     </dgm:pt>
     <dgm:pt modelId="{BFC9D07A-D193-434B-B970-04466651814F}" type="pres">
       <dgm:prSet presAssocID="{CD7942A0-B7D2-4B14-8FEA-55FC702F5BE7}" presName="FourConn_1-2" presStyleLbl="fgAccFollowNode1" presStyleIdx="0" presStyleCnt="3">
@@ -3258,6 +1441,13 @@
         </dgm:presLayoutVars>
       </dgm:prSet>
       <dgm:spPr/>
+      <dgm:t>
+        <a:bodyPr/>
+        <a:lstStyle/>
+        <a:p>
+          <a:endParaRPr lang="en-US"/>
+        </a:p>
+      </dgm:t>
     </dgm:pt>
     <dgm:pt modelId="{9EC24D08-1A6A-46FD-A24A-B5D2EECA89A0}" type="pres">
       <dgm:prSet presAssocID="{CD7942A0-B7D2-4B14-8FEA-55FC702F5BE7}" presName="FourConn_2-3" presStyleLbl="fgAccFollowNode1" presStyleIdx="1" presStyleCnt="3">
@@ -3266,6 +1456,13 @@
         </dgm:presLayoutVars>
       </dgm:prSet>
       <dgm:spPr/>
+      <dgm:t>
+        <a:bodyPr/>
+        <a:lstStyle/>
+        <a:p>
+          <a:endParaRPr lang="en-US"/>
+        </a:p>
+      </dgm:t>
     </dgm:pt>
     <dgm:pt modelId="{0074CB6E-2FCB-44E3-B8D5-A968C3F4958B}" type="pres">
       <dgm:prSet presAssocID="{CD7942A0-B7D2-4B14-8FEA-55FC702F5BE7}" presName="FourConn_3-4" presStyleLbl="fgAccFollowNode1" presStyleIdx="2" presStyleCnt="3">
@@ -3274,6 +1471,13 @@
         </dgm:presLayoutVars>
       </dgm:prSet>
       <dgm:spPr/>
+      <dgm:t>
+        <a:bodyPr/>
+        <a:lstStyle/>
+        <a:p>
+          <a:endParaRPr lang="en-US"/>
+        </a:p>
+      </dgm:t>
     </dgm:pt>
     <dgm:pt modelId="{13F2561C-81A8-4F1B-8554-1280508AA4AD}" type="pres">
       <dgm:prSet presAssocID="{CD7942A0-B7D2-4B14-8FEA-55FC702F5BE7}" presName="FourNodes_1_text" presStyleLbl="node1" presStyleIdx="3" presStyleCnt="4">
@@ -3282,6 +1486,13 @@
         </dgm:presLayoutVars>
       </dgm:prSet>
       <dgm:spPr/>
+      <dgm:t>
+        <a:bodyPr/>
+        <a:lstStyle/>
+        <a:p>
+          <a:endParaRPr lang="en-US"/>
+        </a:p>
+      </dgm:t>
     </dgm:pt>
     <dgm:pt modelId="{83E35678-EB88-4F16-982E-30BB26AE7EA2}" type="pres">
       <dgm:prSet presAssocID="{CD7942A0-B7D2-4B14-8FEA-55FC702F5BE7}" presName="FourNodes_2_text" presStyleLbl="node1" presStyleIdx="3" presStyleCnt="4">
@@ -3290,6 +1501,13 @@
         </dgm:presLayoutVars>
       </dgm:prSet>
       <dgm:spPr/>
+      <dgm:t>
+        <a:bodyPr/>
+        <a:lstStyle/>
+        <a:p>
+          <a:endParaRPr lang="en-US"/>
+        </a:p>
+      </dgm:t>
     </dgm:pt>
     <dgm:pt modelId="{01A23C6C-9A0D-45B6-9B7F-42F8E86CBA2C}" type="pres">
       <dgm:prSet presAssocID="{CD7942A0-B7D2-4B14-8FEA-55FC702F5BE7}" presName="FourNodes_3_text" presStyleLbl="node1" presStyleIdx="3" presStyleCnt="4">
@@ -3298,6 +1516,13 @@
         </dgm:presLayoutVars>
       </dgm:prSet>
       <dgm:spPr/>
+      <dgm:t>
+        <a:bodyPr/>
+        <a:lstStyle/>
+        <a:p>
+          <a:endParaRPr lang="en-US"/>
+        </a:p>
+      </dgm:t>
     </dgm:pt>
     <dgm:pt modelId="{E6B6CA78-758D-42BA-9284-2DCFCCFCF39A}" type="pres">
       <dgm:prSet presAssocID="{CD7942A0-B7D2-4B14-8FEA-55FC702F5BE7}" presName="FourNodes_4_text" presStyleLbl="node1" presStyleIdx="3" presStyleCnt="4">
@@ -3306,25 +1531,32 @@
         </dgm:presLayoutVars>
       </dgm:prSet>
       <dgm:spPr/>
+      <dgm:t>
+        <a:bodyPr/>
+        <a:lstStyle/>
+        <a:p>
+          <a:endParaRPr lang="en-US"/>
+        </a:p>
+      </dgm:t>
     </dgm:pt>
   </dgm:ptLst>
   <dgm:cxnLst>
-    <dgm:cxn modelId="{6CC53A0C-5D84-4162-BD13-9A73544E69D2}" type="presOf" srcId="{7133ECF5-4190-4604-AA2F-03C9A0A9210F}" destId="{E6B6CA78-758D-42BA-9284-2DCFCCFCF39A}" srcOrd="1" destOrd="0" presId="urn:microsoft.com/office/officeart/2005/8/layout/vProcess5"/>
-    <dgm:cxn modelId="{9EDCDD19-2299-4419-B856-2ECC84115AEB}" type="presOf" srcId="{8EC937D8-BD76-4A12-A3E5-900D5C1E2E05}" destId="{51AF1933-C1FE-43BC-BAB4-1FDE9E29037C}" srcOrd="0" destOrd="0" presId="urn:microsoft.com/office/officeart/2005/8/layout/vProcess5"/>
-    <dgm:cxn modelId="{679FBA36-3469-4366-B626-6CA0F784814F}" type="presOf" srcId="{7133ECF5-4190-4604-AA2F-03C9A0A9210F}" destId="{27CCC5E1-2A78-4F55-846B-A18407DA0ADE}" srcOrd="0" destOrd="0" presId="urn:microsoft.com/office/officeart/2005/8/layout/vProcess5"/>
+    <dgm:cxn modelId="{C2D0E194-BD14-4AD2-9E3A-CE984C34B6CD}" type="presOf" srcId="{CD7942A0-B7D2-4B14-8FEA-55FC702F5BE7}" destId="{1D84D8B6-AB32-4491-B5D2-EFE3D7668B88}" srcOrd="0" destOrd="0" presId="urn:microsoft.com/office/officeart/2005/8/layout/vProcess5"/>
+    <dgm:cxn modelId="{011A9761-E983-4C7D-AB1D-2038261D8FF8}" srcId="{CD7942A0-B7D2-4B14-8FEA-55FC702F5BE7}" destId="{7133ECF5-4190-4604-AA2F-03C9A0A9210F}" srcOrd="3" destOrd="0" parTransId="{7D1B29D7-21DD-436A-8F7C-E87DE53C1431}" sibTransId="{46037378-034A-4662-877A-B53E1DA069A3}"/>
+    <dgm:cxn modelId="{608DAFCE-4557-4482-A8B1-45FE138B070D}" type="presOf" srcId="{E7B020CF-39E5-4055-8941-9A5C3C730AA5}" destId="{BFC9D07A-D193-434B-B970-04466651814F}" srcOrd="0" destOrd="0" presId="urn:microsoft.com/office/officeart/2005/8/layout/vProcess5"/>
     <dgm:cxn modelId="{5D2C035D-6B1B-409B-BB45-E999B9C2C57D}" srcId="{CD7942A0-B7D2-4B14-8FEA-55FC702F5BE7}" destId="{E3EB2CDB-023B-467A-A0BA-EA5C6D94224E}" srcOrd="0" destOrd="0" parTransId="{2C4E2FBB-9EB0-4C12-AD56-1F00B2BEBCC7}" sibTransId="{E7B020CF-39E5-4055-8941-9A5C3C730AA5}"/>
-    <dgm:cxn modelId="{011A9761-E983-4C7D-AB1D-2038261D8FF8}" srcId="{CD7942A0-B7D2-4B14-8FEA-55FC702F5BE7}" destId="{7133ECF5-4190-4604-AA2F-03C9A0A9210F}" srcOrd="3" destOrd="0" parTransId="{7D1B29D7-21DD-436A-8F7C-E87DE53C1431}" sibTransId="{46037378-034A-4662-877A-B53E1DA069A3}"/>
-    <dgm:cxn modelId="{4826CD6A-8037-4CA4-A37B-2C33AFD06A97}" type="presOf" srcId="{8EC937D8-BD76-4A12-A3E5-900D5C1E2E05}" destId="{01A23C6C-9A0D-45B6-9B7F-42F8E86CBA2C}" srcOrd="1" destOrd="0" presId="urn:microsoft.com/office/officeart/2005/8/layout/vProcess5"/>
-    <dgm:cxn modelId="{43DC8383-AEE5-490C-A8E5-1F216F2B8FE6}" srcId="{CD7942A0-B7D2-4B14-8FEA-55FC702F5BE7}" destId="{8EC937D8-BD76-4A12-A3E5-900D5C1E2E05}" srcOrd="2" destOrd="0" parTransId="{8265EE85-9851-494E-A6D3-1CDACE947DF3}" sibTransId="{B3EFD4A5-9FA1-4ABE-B722-05162509509B}"/>
+    <dgm:cxn modelId="{50D478DE-7E4F-453A-91DA-A9E41C56A159}" type="presOf" srcId="{E3EB2CDB-023B-467A-A0BA-EA5C6D94224E}" destId="{13F2561C-81A8-4F1B-8554-1280508AA4AD}" srcOrd="1" destOrd="0" presId="urn:microsoft.com/office/officeart/2005/8/layout/vProcess5"/>
+    <dgm:cxn modelId="{CAE52CB5-56F6-4141-AAC5-A92BAD6C7F98}" type="presOf" srcId="{095A5E99-E976-4550-8F80-53CC813F2F5A}" destId="{7693B563-2CC1-4AED-A93E-92E82A398B0C}" srcOrd="0" destOrd="0" presId="urn:microsoft.com/office/officeart/2005/8/layout/vProcess5"/>
+    <dgm:cxn modelId="{D1A4D8E6-F04E-4AB1-8D0C-63DC7AB1E81F}" srcId="{CD7942A0-B7D2-4B14-8FEA-55FC702F5BE7}" destId="{095A5E99-E976-4550-8F80-53CC813F2F5A}" srcOrd="1" destOrd="0" parTransId="{03339A0D-5DC0-4B29-8353-C5AEBFD4DE86}" sibTransId="{8877691F-1B60-4485-9174-DDEC7EE68B70}"/>
+    <dgm:cxn modelId="{DF3AC698-6782-4527-91C5-2C9B77928450}" type="presOf" srcId="{B3EFD4A5-9FA1-4ABE-B722-05162509509B}" destId="{0074CB6E-2FCB-44E3-B8D5-A968C3F4958B}" srcOrd="0" destOrd="0" presId="urn:microsoft.com/office/officeart/2005/8/layout/vProcess5"/>
     <dgm:cxn modelId="{02517789-586D-4E73-8152-E0A37FA3133F}" type="presOf" srcId="{E3EB2CDB-023B-467A-A0BA-EA5C6D94224E}" destId="{1E96443D-EA71-4842-AAC1-E39709DC24F1}" srcOrd="0" destOrd="0" presId="urn:microsoft.com/office/officeart/2005/8/layout/vProcess5"/>
     <dgm:cxn modelId="{4F56FC8D-5DD3-45ED-8354-D354305E3991}" type="presOf" srcId="{095A5E99-E976-4550-8F80-53CC813F2F5A}" destId="{83E35678-EB88-4F16-982E-30BB26AE7EA2}" srcOrd="1" destOrd="0" presId="urn:microsoft.com/office/officeart/2005/8/layout/vProcess5"/>
-    <dgm:cxn modelId="{C2D0E194-BD14-4AD2-9E3A-CE984C34B6CD}" type="presOf" srcId="{CD7942A0-B7D2-4B14-8FEA-55FC702F5BE7}" destId="{1D84D8B6-AB32-4491-B5D2-EFE3D7668B88}" srcOrd="0" destOrd="0" presId="urn:microsoft.com/office/officeart/2005/8/layout/vProcess5"/>
-    <dgm:cxn modelId="{DF3AC698-6782-4527-91C5-2C9B77928450}" type="presOf" srcId="{B3EFD4A5-9FA1-4ABE-B722-05162509509B}" destId="{0074CB6E-2FCB-44E3-B8D5-A968C3F4958B}" srcOrd="0" destOrd="0" presId="urn:microsoft.com/office/officeart/2005/8/layout/vProcess5"/>
+    <dgm:cxn modelId="{679FBA36-3469-4366-B626-6CA0F784814F}" type="presOf" srcId="{7133ECF5-4190-4604-AA2F-03C9A0A9210F}" destId="{27CCC5E1-2A78-4F55-846B-A18407DA0ADE}" srcOrd="0" destOrd="0" presId="urn:microsoft.com/office/officeart/2005/8/layout/vProcess5"/>
+    <dgm:cxn modelId="{43DC8383-AEE5-490C-A8E5-1F216F2B8FE6}" srcId="{CD7942A0-B7D2-4B14-8FEA-55FC702F5BE7}" destId="{8EC937D8-BD76-4A12-A3E5-900D5C1E2E05}" srcOrd="2" destOrd="0" parTransId="{8265EE85-9851-494E-A6D3-1CDACE947DF3}" sibTransId="{B3EFD4A5-9FA1-4ABE-B722-05162509509B}"/>
+    <dgm:cxn modelId="{9EDCDD19-2299-4419-B856-2ECC84115AEB}" type="presOf" srcId="{8EC937D8-BD76-4A12-A3E5-900D5C1E2E05}" destId="{51AF1933-C1FE-43BC-BAB4-1FDE9E29037C}" srcOrd="0" destOrd="0" presId="urn:microsoft.com/office/officeart/2005/8/layout/vProcess5"/>
+    <dgm:cxn modelId="{4826CD6A-8037-4CA4-A37B-2C33AFD06A97}" type="presOf" srcId="{8EC937D8-BD76-4A12-A3E5-900D5C1E2E05}" destId="{01A23C6C-9A0D-45B6-9B7F-42F8E86CBA2C}" srcOrd="1" destOrd="0" presId="urn:microsoft.com/office/officeart/2005/8/layout/vProcess5"/>
+    <dgm:cxn modelId="{6CC53A0C-5D84-4162-BD13-9A73544E69D2}" type="presOf" srcId="{7133ECF5-4190-4604-AA2F-03C9A0A9210F}" destId="{E6B6CA78-758D-42BA-9284-2DCFCCFCF39A}" srcOrd="1" destOrd="0" presId="urn:microsoft.com/office/officeart/2005/8/layout/vProcess5"/>
     <dgm:cxn modelId="{EC1BA8B2-487C-470F-A103-A75251F4C14F}" type="presOf" srcId="{8877691F-1B60-4485-9174-DDEC7EE68B70}" destId="{9EC24D08-1A6A-46FD-A24A-B5D2EECA89A0}" srcOrd="0" destOrd="0" presId="urn:microsoft.com/office/officeart/2005/8/layout/vProcess5"/>
-    <dgm:cxn modelId="{CAE52CB5-56F6-4141-AAC5-A92BAD6C7F98}" type="presOf" srcId="{095A5E99-E976-4550-8F80-53CC813F2F5A}" destId="{7693B563-2CC1-4AED-A93E-92E82A398B0C}" srcOrd="0" destOrd="0" presId="urn:microsoft.com/office/officeart/2005/8/layout/vProcess5"/>
-    <dgm:cxn modelId="{608DAFCE-4557-4482-A8B1-45FE138B070D}" type="presOf" srcId="{E7B020CF-39E5-4055-8941-9A5C3C730AA5}" destId="{BFC9D07A-D193-434B-B970-04466651814F}" srcOrd="0" destOrd="0" presId="urn:microsoft.com/office/officeart/2005/8/layout/vProcess5"/>
-    <dgm:cxn modelId="{50D478DE-7E4F-453A-91DA-A9E41C56A159}" type="presOf" srcId="{E3EB2CDB-023B-467A-A0BA-EA5C6D94224E}" destId="{13F2561C-81A8-4F1B-8554-1280508AA4AD}" srcOrd="1" destOrd="0" presId="urn:microsoft.com/office/officeart/2005/8/layout/vProcess5"/>
-    <dgm:cxn modelId="{D1A4D8E6-F04E-4AB1-8D0C-63DC7AB1E81F}" srcId="{CD7942A0-B7D2-4B14-8FEA-55FC702F5BE7}" destId="{095A5E99-E976-4550-8F80-53CC813F2F5A}" srcOrd="1" destOrd="0" parTransId="{03339A0D-5DC0-4B29-8353-C5AEBFD4DE86}" sibTransId="{8877691F-1B60-4485-9174-DDEC7EE68B70}"/>
     <dgm:cxn modelId="{768DB908-A4BF-48A6-A740-5DD0CBAFBB11}" type="presParOf" srcId="{1D84D8B6-AB32-4491-B5D2-EFE3D7668B88}" destId="{3E0E8213-E460-4EB7-9A92-C2B1CC553F0D}" srcOrd="0" destOrd="0" presId="urn:microsoft.com/office/officeart/2005/8/layout/vProcess5"/>
     <dgm:cxn modelId="{49885481-704C-4C91-910F-81472DBF19F1}" type="presParOf" srcId="{1D84D8B6-AB32-4491-B5D2-EFE3D7668B88}" destId="{1E96443D-EA71-4842-AAC1-E39709DC24F1}" srcOrd="1" destOrd="0" presId="urn:microsoft.com/office/officeart/2005/8/layout/vProcess5"/>
     <dgm:cxn modelId="{C85D5E5D-E31B-47E5-AD8F-8174279E70B3}" type="presParOf" srcId="{1D84D8B6-AB32-4491-B5D2-EFE3D7668B88}" destId="{7693B563-2CC1-4AED-A93E-92E82A398B0C}" srcOrd="2" destOrd="0" presId="urn:microsoft.com/office/officeart/2005/8/layout/vProcess5"/>
@@ -3343,294 +1575,6 @@
   <dgm:extLst>
     <a:ext uri="http://schemas.microsoft.com/office/drawing/2008/diagram">
       <dsp:dataModelExt xmlns:dsp="http://schemas.microsoft.com/office/drawing/2008/diagram" relId="rId6" minVer="http://schemas.openxmlformats.org/drawingml/2006/diagram"/>
-    </a:ext>
-  </dgm:extLst>
-</dgm:dataModel>
-</file>
-
-<file path=ppt/diagrams/data2.xml><?xml version="1.0" encoding="utf-8"?>
-<dgm:dataModel xmlns:dgm="http://schemas.openxmlformats.org/drawingml/2006/diagram" xmlns:a="http://schemas.openxmlformats.org/drawingml/2006/main">
-  <dgm:ptLst>
-    <dgm:pt modelId="{CD7942A0-B7D2-4B14-8FEA-55FC702F5BE7}" type="doc">
-      <dgm:prSet loTypeId="urn:microsoft.com/office/officeart/2005/8/layout/vProcess5" loCatId="process" qsTypeId="urn:microsoft.com/office/officeart/2005/8/quickstyle/simple4" qsCatId="simple" csTypeId="urn:microsoft.com/office/officeart/2005/8/colors/colorful1" csCatId="colorful" phldr="1"/>
-      <dgm:spPr/>
-      <dgm:t>
-        <a:bodyPr/>
-        <a:lstStyle/>
-        <a:p>
-          <a:endParaRPr lang="en-US"/>
-        </a:p>
-      </dgm:t>
-    </dgm:pt>
-    <dgm:pt modelId="{095A5E99-E976-4550-8F80-53CC813F2F5A}">
-      <dgm:prSet phldrT="[Text]"/>
-      <dgm:spPr>
-        <a:gradFill rotWithShape="0">
-          <a:gsLst>
-            <a:gs pos="0">
-              <a:srgbClr val="703000"/>
-            </a:gs>
-            <a:gs pos="50000">
-              <a:srgbClr val="A44A00"/>
-            </a:gs>
-            <a:gs pos="70000">
-              <a:srgbClr val="BC5500"/>
-            </a:gs>
-            <a:gs pos="100000">
-              <a:srgbClr val="F26D00"/>
-            </a:gs>
-          </a:gsLst>
-        </a:gradFill>
-      </dgm:spPr>
-      <dgm:t>
-        <a:bodyPr/>
-        <a:lstStyle/>
-        <a:p>
-          <a:r>
-            <a:rPr lang="en-US" dirty="0"/>
-            <a:t>Task 1</a:t>
-          </a:r>
-        </a:p>
-      </dgm:t>
-      <dgm:extLst>
-        <a:ext uri="{E40237B7-FDA0-4F09-8148-C483321AD2D9}">
-          <dgm14:cNvPr xmlns:dgm14="http://schemas.microsoft.com/office/drawing/2010/diagram" id="0" name="" descr="Staggered process showing 3 tasks arranged one below the other and two downward pointing arrows are used to indicate progression from first task to second task and second task to third task."/>
-        </a:ext>
-      </dgm:extLst>
-    </dgm:pt>
-    <dgm:pt modelId="{03339A0D-5DC0-4B29-8353-C5AEBFD4DE86}" type="parTrans" cxnId="{D1A4D8E6-F04E-4AB1-8D0C-63DC7AB1E81F}">
-      <dgm:prSet/>
-      <dgm:spPr/>
-      <dgm:t>
-        <a:bodyPr/>
-        <a:lstStyle/>
-        <a:p>
-          <a:endParaRPr lang="en-US"/>
-        </a:p>
-      </dgm:t>
-    </dgm:pt>
-    <dgm:pt modelId="{8877691F-1B60-4485-9174-DDEC7EE68B70}" type="sibTrans" cxnId="{D1A4D8E6-F04E-4AB1-8D0C-63DC7AB1E81F}">
-      <dgm:prSet/>
-      <dgm:spPr/>
-      <dgm:t>
-        <a:bodyPr/>
-        <a:lstStyle/>
-        <a:p>
-          <a:endParaRPr lang="en-US"/>
-        </a:p>
-      </dgm:t>
-    </dgm:pt>
-    <dgm:pt modelId="{8EC937D8-BD76-4A12-A3E5-900D5C1E2E05}">
-      <dgm:prSet phldrT="[Text]"/>
-      <dgm:spPr/>
-      <dgm:t>
-        <a:bodyPr/>
-        <a:lstStyle/>
-        <a:p>
-          <a:r>
-            <a:rPr lang="en-US" dirty="0"/>
-            <a:t>Task 2</a:t>
-          </a:r>
-        </a:p>
-      </dgm:t>
-    </dgm:pt>
-    <dgm:pt modelId="{8265EE85-9851-494E-A6D3-1CDACE947DF3}" type="parTrans" cxnId="{43DC8383-AEE5-490C-A8E5-1F216F2B8FE6}">
-      <dgm:prSet/>
-      <dgm:spPr/>
-      <dgm:t>
-        <a:bodyPr/>
-        <a:lstStyle/>
-        <a:p>
-          <a:endParaRPr lang="en-US"/>
-        </a:p>
-      </dgm:t>
-    </dgm:pt>
-    <dgm:pt modelId="{B3EFD4A5-9FA1-4ABE-B722-05162509509B}" type="sibTrans" cxnId="{43DC8383-AEE5-490C-A8E5-1F216F2B8FE6}">
-      <dgm:prSet/>
-      <dgm:spPr/>
-      <dgm:t>
-        <a:bodyPr/>
-        <a:lstStyle/>
-        <a:p>
-          <a:endParaRPr lang="en-US"/>
-        </a:p>
-      </dgm:t>
-    </dgm:pt>
-    <dgm:pt modelId="{7133ECF5-4190-4604-AA2F-03C9A0A9210F}">
-      <dgm:prSet phldrT="[Text]"/>
-      <dgm:spPr>
-        <a:gradFill rotWithShape="0">
-          <a:gsLst>
-            <a:gs pos="0">
-              <a:srgbClr val="394404"/>
-            </a:gs>
-            <a:gs pos="50000">
-              <a:srgbClr val="5F6F0F"/>
-            </a:gs>
-            <a:gs pos="70000">
-              <a:srgbClr val="65741A"/>
-            </a:gs>
-            <a:gs pos="100000">
-              <a:schemeClr val="accent4">
-                <a:hueOff val="0"/>
-                <a:satOff val="0"/>
-                <a:lumOff val="0"/>
-                <a:alphaOff val="0"/>
-                <a:tint val="100000"/>
-                <a:shade val="100000"/>
-                <a:satMod val="155000"/>
-              </a:schemeClr>
-            </a:gs>
-          </a:gsLst>
-        </a:gradFill>
-      </dgm:spPr>
-      <dgm:t>
-        <a:bodyPr/>
-        <a:lstStyle/>
-        <a:p>
-          <a:r>
-            <a:rPr lang="en-US" dirty="0"/>
-            <a:t>Task 3</a:t>
-          </a:r>
-        </a:p>
-      </dgm:t>
-      <dgm:extLst>
-        <a:ext uri="{E40237B7-FDA0-4F09-8148-C483321AD2D9}">
-          <dgm14:cNvPr xmlns:dgm14="http://schemas.microsoft.com/office/drawing/2010/diagram" id="0" name="" descr="Staggered process showing 3 tasks arranged one below the other and two downward pointing arrows are used to indicate progression from first task to second task and second task to third task."/>
-        </a:ext>
-      </dgm:extLst>
-    </dgm:pt>
-    <dgm:pt modelId="{7D1B29D7-21DD-436A-8F7C-E87DE53C1431}" type="parTrans" cxnId="{011A9761-E983-4C7D-AB1D-2038261D8FF8}">
-      <dgm:prSet/>
-      <dgm:spPr/>
-      <dgm:t>
-        <a:bodyPr/>
-        <a:lstStyle/>
-        <a:p>
-          <a:endParaRPr lang="en-US"/>
-        </a:p>
-      </dgm:t>
-    </dgm:pt>
-    <dgm:pt modelId="{46037378-034A-4662-877A-B53E1DA069A3}" type="sibTrans" cxnId="{011A9761-E983-4C7D-AB1D-2038261D8FF8}">
-      <dgm:prSet/>
-      <dgm:spPr/>
-      <dgm:t>
-        <a:bodyPr/>
-        <a:lstStyle/>
-        <a:p>
-          <a:endParaRPr lang="en-US"/>
-        </a:p>
-      </dgm:t>
-    </dgm:pt>
-    <dgm:pt modelId="{1D84D8B6-AB32-4491-B5D2-EFE3D7668B88}" type="pres">
-      <dgm:prSet presAssocID="{CD7942A0-B7D2-4B14-8FEA-55FC702F5BE7}" presName="outerComposite" presStyleCnt="0">
-        <dgm:presLayoutVars>
-          <dgm:chMax val="5"/>
-          <dgm:dir/>
-          <dgm:resizeHandles val="exact"/>
-        </dgm:presLayoutVars>
-      </dgm:prSet>
-      <dgm:spPr/>
-    </dgm:pt>
-    <dgm:pt modelId="{3E0E8213-E460-4EB7-9A92-C2B1CC553F0D}" type="pres">
-      <dgm:prSet presAssocID="{CD7942A0-B7D2-4B14-8FEA-55FC702F5BE7}" presName="dummyMaxCanvas" presStyleCnt="0">
-        <dgm:presLayoutVars/>
-      </dgm:prSet>
-      <dgm:spPr/>
-    </dgm:pt>
-    <dgm:pt modelId="{124EF20B-D98C-45B2-BB13-7B93B5373CEB}" type="pres">
-      <dgm:prSet presAssocID="{CD7942A0-B7D2-4B14-8FEA-55FC702F5BE7}" presName="ThreeNodes_1" presStyleLbl="node1" presStyleIdx="0" presStyleCnt="3">
-        <dgm:presLayoutVars>
-          <dgm:bulletEnabled val="1"/>
-        </dgm:presLayoutVars>
-      </dgm:prSet>
-      <dgm:spPr/>
-    </dgm:pt>
-    <dgm:pt modelId="{CA544AF7-F7B2-4CA5-9251-B4CDB8D06634}" type="pres">
-      <dgm:prSet presAssocID="{CD7942A0-B7D2-4B14-8FEA-55FC702F5BE7}" presName="ThreeNodes_2" presStyleLbl="node1" presStyleIdx="1" presStyleCnt="3">
-        <dgm:presLayoutVars>
-          <dgm:bulletEnabled val="1"/>
-        </dgm:presLayoutVars>
-      </dgm:prSet>
-      <dgm:spPr/>
-    </dgm:pt>
-    <dgm:pt modelId="{2AE92D3F-F0FA-45DD-BB60-4C6FBC6BC016}" type="pres">
-      <dgm:prSet presAssocID="{CD7942A0-B7D2-4B14-8FEA-55FC702F5BE7}" presName="ThreeNodes_3" presStyleLbl="node1" presStyleIdx="2" presStyleCnt="3">
-        <dgm:presLayoutVars>
-          <dgm:bulletEnabled val="1"/>
-        </dgm:presLayoutVars>
-      </dgm:prSet>
-      <dgm:spPr/>
-    </dgm:pt>
-    <dgm:pt modelId="{9CA877D8-99F8-40A0-89E9-59A61C9A70F4}" type="pres">
-      <dgm:prSet presAssocID="{CD7942A0-B7D2-4B14-8FEA-55FC702F5BE7}" presName="ThreeConn_1-2" presStyleLbl="fgAccFollowNode1" presStyleIdx="0" presStyleCnt="2">
-        <dgm:presLayoutVars>
-          <dgm:bulletEnabled val="1"/>
-        </dgm:presLayoutVars>
-      </dgm:prSet>
-      <dgm:spPr/>
-    </dgm:pt>
-    <dgm:pt modelId="{62643EF2-016C-41F1-8CBC-398422A85727}" type="pres">
-      <dgm:prSet presAssocID="{CD7942A0-B7D2-4B14-8FEA-55FC702F5BE7}" presName="ThreeConn_2-3" presStyleLbl="fgAccFollowNode1" presStyleIdx="1" presStyleCnt="2">
-        <dgm:presLayoutVars>
-          <dgm:bulletEnabled val="1"/>
-        </dgm:presLayoutVars>
-      </dgm:prSet>
-      <dgm:spPr/>
-    </dgm:pt>
-    <dgm:pt modelId="{7A2F6994-DA87-4497-BFC7-DD9D6EC5315F}" type="pres">
-      <dgm:prSet presAssocID="{CD7942A0-B7D2-4B14-8FEA-55FC702F5BE7}" presName="ThreeNodes_1_text" presStyleLbl="node1" presStyleIdx="2" presStyleCnt="3">
-        <dgm:presLayoutVars>
-          <dgm:bulletEnabled val="1"/>
-        </dgm:presLayoutVars>
-      </dgm:prSet>
-      <dgm:spPr/>
-    </dgm:pt>
-    <dgm:pt modelId="{916C48CB-E452-4B79-A9B9-4C9A90B47960}" type="pres">
-      <dgm:prSet presAssocID="{CD7942A0-B7D2-4B14-8FEA-55FC702F5BE7}" presName="ThreeNodes_2_text" presStyleLbl="node1" presStyleIdx="2" presStyleCnt="3">
-        <dgm:presLayoutVars>
-          <dgm:bulletEnabled val="1"/>
-        </dgm:presLayoutVars>
-      </dgm:prSet>
-      <dgm:spPr/>
-    </dgm:pt>
-    <dgm:pt modelId="{A31D264E-E285-4E5C-8EB7-762CD501BE72}" type="pres">
-      <dgm:prSet presAssocID="{CD7942A0-B7D2-4B14-8FEA-55FC702F5BE7}" presName="ThreeNodes_3_text" presStyleLbl="node1" presStyleIdx="2" presStyleCnt="3">
-        <dgm:presLayoutVars>
-          <dgm:bulletEnabled val="1"/>
-        </dgm:presLayoutVars>
-      </dgm:prSet>
-      <dgm:spPr/>
-    </dgm:pt>
-  </dgm:ptLst>
-  <dgm:cxnLst>
-    <dgm:cxn modelId="{5A89A138-BC1A-490F-935E-2EC3F74E8E18}" type="presOf" srcId="{7133ECF5-4190-4604-AA2F-03C9A0A9210F}" destId="{2AE92D3F-F0FA-45DD-BB60-4C6FBC6BC016}" srcOrd="0" destOrd="0" presId="urn:microsoft.com/office/officeart/2005/8/layout/vProcess5"/>
-    <dgm:cxn modelId="{011A9761-E983-4C7D-AB1D-2038261D8FF8}" srcId="{CD7942A0-B7D2-4B14-8FEA-55FC702F5BE7}" destId="{7133ECF5-4190-4604-AA2F-03C9A0A9210F}" srcOrd="2" destOrd="0" parTransId="{7D1B29D7-21DD-436A-8F7C-E87DE53C1431}" sibTransId="{46037378-034A-4662-877A-B53E1DA069A3}"/>
-    <dgm:cxn modelId="{8A063A46-8F8D-405A-B2D6-6495FA638F46}" type="presOf" srcId="{8EC937D8-BD76-4A12-A3E5-900D5C1E2E05}" destId="{CA544AF7-F7B2-4CA5-9251-B4CDB8D06634}" srcOrd="0" destOrd="0" presId="urn:microsoft.com/office/officeart/2005/8/layout/vProcess5"/>
-    <dgm:cxn modelId="{A071614A-8A85-47B2-A113-0652CAB9B428}" type="presOf" srcId="{095A5E99-E976-4550-8F80-53CC813F2F5A}" destId="{124EF20B-D98C-45B2-BB13-7B93B5373CEB}" srcOrd="0" destOrd="0" presId="urn:microsoft.com/office/officeart/2005/8/layout/vProcess5"/>
-    <dgm:cxn modelId="{43DC8383-AEE5-490C-A8E5-1F216F2B8FE6}" srcId="{CD7942A0-B7D2-4B14-8FEA-55FC702F5BE7}" destId="{8EC937D8-BD76-4A12-A3E5-900D5C1E2E05}" srcOrd="1" destOrd="0" parTransId="{8265EE85-9851-494E-A6D3-1CDACE947DF3}" sibTransId="{B3EFD4A5-9FA1-4ABE-B722-05162509509B}"/>
-    <dgm:cxn modelId="{03E7038C-2CC0-496B-88A0-60396CDC31E4}" type="presOf" srcId="{7133ECF5-4190-4604-AA2F-03C9A0A9210F}" destId="{A31D264E-E285-4E5C-8EB7-762CD501BE72}" srcOrd="1" destOrd="0" presId="urn:microsoft.com/office/officeart/2005/8/layout/vProcess5"/>
-    <dgm:cxn modelId="{C2D0E194-BD14-4AD2-9E3A-CE984C34B6CD}" type="presOf" srcId="{CD7942A0-B7D2-4B14-8FEA-55FC702F5BE7}" destId="{1D84D8B6-AB32-4491-B5D2-EFE3D7668B88}" srcOrd="0" destOrd="0" presId="urn:microsoft.com/office/officeart/2005/8/layout/vProcess5"/>
-    <dgm:cxn modelId="{BB374C9D-646D-46E6-89B4-117F0E21BA34}" type="presOf" srcId="{8EC937D8-BD76-4A12-A3E5-900D5C1E2E05}" destId="{916C48CB-E452-4B79-A9B9-4C9A90B47960}" srcOrd="1" destOrd="0" presId="urn:microsoft.com/office/officeart/2005/8/layout/vProcess5"/>
-    <dgm:cxn modelId="{12FC7FDE-4033-4970-A683-61DE6FA84E89}" type="presOf" srcId="{8877691F-1B60-4485-9174-DDEC7EE68B70}" destId="{9CA877D8-99F8-40A0-89E9-59A61C9A70F4}" srcOrd="0" destOrd="0" presId="urn:microsoft.com/office/officeart/2005/8/layout/vProcess5"/>
-    <dgm:cxn modelId="{D1A4D8E6-F04E-4AB1-8D0C-63DC7AB1E81F}" srcId="{CD7942A0-B7D2-4B14-8FEA-55FC702F5BE7}" destId="{095A5E99-E976-4550-8F80-53CC813F2F5A}" srcOrd="0" destOrd="0" parTransId="{03339A0D-5DC0-4B29-8353-C5AEBFD4DE86}" sibTransId="{8877691F-1B60-4485-9174-DDEC7EE68B70}"/>
-    <dgm:cxn modelId="{7C007CEB-6418-4EA7-9CB6-5B93D0C655E6}" type="presOf" srcId="{095A5E99-E976-4550-8F80-53CC813F2F5A}" destId="{7A2F6994-DA87-4497-BFC7-DD9D6EC5315F}" srcOrd="1" destOrd="0" presId="urn:microsoft.com/office/officeart/2005/8/layout/vProcess5"/>
-    <dgm:cxn modelId="{6CF7D6F9-A5F2-48E3-AF5C-A2074559AE21}" type="presOf" srcId="{B3EFD4A5-9FA1-4ABE-B722-05162509509B}" destId="{62643EF2-016C-41F1-8CBC-398422A85727}" srcOrd="0" destOrd="0" presId="urn:microsoft.com/office/officeart/2005/8/layout/vProcess5"/>
-    <dgm:cxn modelId="{768DB908-A4BF-48A6-A740-5DD0CBAFBB11}" type="presParOf" srcId="{1D84D8B6-AB32-4491-B5D2-EFE3D7668B88}" destId="{3E0E8213-E460-4EB7-9A92-C2B1CC553F0D}" srcOrd="0" destOrd="0" presId="urn:microsoft.com/office/officeart/2005/8/layout/vProcess5"/>
-    <dgm:cxn modelId="{A8B17D3B-E670-4FE0-A845-244C702B8151}" type="presParOf" srcId="{1D84D8B6-AB32-4491-B5D2-EFE3D7668B88}" destId="{124EF20B-D98C-45B2-BB13-7B93B5373CEB}" srcOrd="1" destOrd="0" presId="urn:microsoft.com/office/officeart/2005/8/layout/vProcess5"/>
-    <dgm:cxn modelId="{1E8E2D8B-A980-4080-A16E-1F74528DE4D0}" type="presParOf" srcId="{1D84D8B6-AB32-4491-B5D2-EFE3D7668B88}" destId="{CA544AF7-F7B2-4CA5-9251-B4CDB8D06634}" srcOrd="2" destOrd="0" presId="urn:microsoft.com/office/officeart/2005/8/layout/vProcess5"/>
-    <dgm:cxn modelId="{7992440C-9F36-432D-90EE-E2A708CEB38B}" type="presParOf" srcId="{1D84D8B6-AB32-4491-B5D2-EFE3D7668B88}" destId="{2AE92D3F-F0FA-45DD-BB60-4C6FBC6BC016}" srcOrd="3" destOrd="0" presId="urn:microsoft.com/office/officeart/2005/8/layout/vProcess5"/>
-    <dgm:cxn modelId="{DBE883B8-7D13-43BA-A456-8DBB93D30C93}" type="presParOf" srcId="{1D84D8B6-AB32-4491-B5D2-EFE3D7668B88}" destId="{9CA877D8-99F8-40A0-89E9-59A61C9A70F4}" srcOrd="4" destOrd="0" presId="urn:microsoft.com/office/officeart/2005/8/layout/vProcess5"/>
-    <dgm:cxn modelId="{A3B9E6ED-FFD0-430E-B609-EBE8E75E7C44}" type="presParOf" srcId="{1D84D8B6-AB32-4491-B5D2-EFE3D7668B88}" destId="{62643EF2-016C-41F1-8CBC-398422A85727}" srcOrd="5" destOrd="0" presId="urn:microsoft.com/office/officeart/2005/8/layout/vProcess5"/>
-    <dgm:cxn modelId="{278FE748-9C54-4E36-9203-E948DB63C99A}" type="presParOf" srcId="{1D84D8B6-AB32-4491-B5D2-EFE3D7668B88}" destId="{7A2F6994-DA87-4497-BFC7-DD9D6EC5315F}" srcOrd="6" destOrd="0" presId="urn:microsoft.com/office/officeart/2005/8/layout/vProcess5"/>
-    <dgm:cxn modelId="{E81279B5-23BF-4F73-A353-8831FC04E9BC}" type="presParOf" srcId="{1D84D8B6-AB32-4491-B5D2-EFE3D7668B88}" destId="{916C48CB-E452-4B79-A9B9-4C9A90B47960}" srcOrd="7" destOrd="0" presId="urn:microsoft.com/office/officeart/2005/8/layout/vProcess5"/>
-    <dgm:cxn modelId="{16289EC3-0C51-4B32-B6CC-FE8F7F6F6C76}" type="presParOf" srcId="{1D84D8B6-AB32-4491-B5D2-EFE3D7668B88}" destId="{A31D264E-E285-4E5C-8EB7-762CD501BE72}" srcOrd="8" destOrd="0" presId="urn:microsoft.com/office/officeart/2005/8/layout/vProcess5"/>
-  </dgm:cxnLst>
-  <dgm:bg/>
-  <dgm:whole/>
-  <dgm:extLst>
-    <a:ext uri="http://schemas.microsoft.com/office/drawing/2008/diagram">
-      <dsp:dataModelExt xmlns:dsp="http://schemas.microsoft.com/office/drawing/2008/diagram" relId="rId7" minVer="http://schemas.openxmlformats.org/drawingml/2006/diagram"/>
     </a:ext>
   </dgm:extLst>
 </dgm:dataModel>
@@ -3687,7 +1631,7 @@
         </a:bodyPr>
         <a:lstStyle/>
         <a:p>
-          <a:pPr marL="0" lvl="0" indent="0" algn="l" defTabSz="800100">
+          <a:pPr lvl="0" algn="l" defTabSz="800100">
             <a:lnSpc>
               <a:spcPct val="90000"/>
             </a:lnSpc>
@@ -3697,7 +1641,6 @@
             <a:spcAft>
               <a:spcPct val="35000"/>
             </a:spcAft>
-            <a:buNone/>
           </a:pPr>
           <a:r>
             <a:rPr lang="en-US" sz="1800" kern="1200" dirty="0"/>
@@ -3753,7 +1696,7 @@
         </a:bodyPr>
         <a:lstStyle/>
         <a:p>
-          <a:pPr marL="0" lvl="0" indent="0" algn="l" defTabSz="800100">
+          <a:pPr lvl="0" algn="l" defTabSz="800100">
             <a:lnSpc>
               <a:spcPct val="90000"/>
             </a:lnSpc>
@@ -3763,7 +1706,6 @@
             <a:spcAft>
               <a:spcPct val="35000"/>
             </a:spcAft>
-            <a:buNone/>
           </a:pPr>
           <a:r>
             <a:rPr lang="en-US" sz="1800" kern="1200" dirty="0"/>
@@ -3819,7 +1761,7 @@
         </a:bodyPr>
         <a:lstStyle/>
         <a:p>
-          <a:pPr marL="0" lvl="0" indent="0" algn="l" defTabSz="800100">
+          <a:pPr lvl="0" algn="l" defTabSz="800100">
             <a:lnSpc>
               <a:spcPct val="90000"/>
             </a:lnSpc>
@@ -3829,7 +1771,6 @@
             <a:spcAft>
               <a:spcPct val="35000"/>
             </a:spcAft>
-            <a:buNone/>
           </a:pPr>
           <a:r>
             <a:rPr lang="en-US" sz="1800" kern="1200" dirty="0"/>
@@ -3885,7 +1826,7 @@
         </a:bodyPr>
         <a:lstStyle/>
         <a:p>
-          <a:pPr marL="0" lvl="0" indent="0" algn="l" defTabSz="800100">
+          <a:pPr lvl="0" algn="l" defTabSz="800100">
             <a:lnSpc>
               <a:spcPct val="90000"/>
             </a:lnSpc>
@@ -3895,7 +1836,6 @@
             <a:spcAft>
               <a:spcPct val="35000"/>
             </a:spcAft>
-            <a:buNone/>
           </a:pPr>
           <a:r>
             <a:rPr lang="en-US" sz="1800" kern="1200" dirty="0"/>
@@ -3967,7 +1907,7 @@
         </a:bodyPr>
         <a:lstStyle/>
         <a:p>
-          <a:pPr marL="0" lvl="0" indent="0" algn="ctr" defTabSz="533400">
+          <a:pPr lvl="0" algn="ctr" defTabSz="533400">
             <a:lnSpc>
               <a:spcPct val="90000"/>
             </a:lnSpc>
@@ -3977,7 +1917,6 @@
             <a:spcAft>
               <a:spcPct val="35000"/>
             </a:spcAft>
-            <a:buNone/>
           </a:pPr>
           <a:endParaRPr lang="en-US" sz="1200" kern="1200"/>
         </a:p>
@@ -4046,7 +1985,7 @@
         </a:bodyPr>
         <a:lstStyle/>
         <a:p>
-          <a:pPr marL="0" lvl="0" indent="0" algn="ctr" defTabSz="533400">
+          <a:pPr lvl="0" algn="ctr" defTabSz="533400">
             <a:lnSpc>
               <a:spcPct val="90000"/>
             </a:lnSpc>
@@ -4056,7 +1995,6 @@
             <a:spcAft>
               <a:spcPct val="35000"/>
             </a:spcAft>
-            <a:buNone/>
           </a:pPr>
           <a:endParaRPr lang="en-US" sz="1200" kern="1200"/>
         </a:p>
@@ -4125,7 +2063,7 @@
         </a:bodyPr>
         <a:lstStyle/>
         <a:p>
-          <a:pPr marL="0" lvl="0" indent="0" algn="ctr" defTabSz="533400">
+          <a:pPr lvl="0" algn="ctr" defTabSz="533400">
             <a:lnSpc>
               <a:spcPct val="90000"/>
             </a:lnSpc>
@@ -4135,7 +2073,6 @@
             <a:spcAft>
               <a:spcPct val="35000"/>
             </a:spcAft>
-            <a:buNone/>
           </a:pPr>
           <a:endParaRPr lang="en-US" sz="1200" kern="1200"/>
         </a:p>
@@ -4149,1699 +2086,7 @@
 </dsp:drawing>
 </file>
 
-<file path=ppt/diagrams/drawing2.xml><?xml version="1.0" encoding="utf-8"?>
-<dsp:drawing xmlns:dgm="http://schemas.openxmlformats.org/drawingml/2006/diagram" xmlns:dsp="http://schemas.microsoft.com/office/drawing/2008/diagram" xmlns:a="http://schemas.openxmlformats.org/drawingml/2006/main">
-  <dsp:spTree>
-    <dsp:nvGrpSpPr>
-      <dsp:cNvPr id="0" name=""/>
-      <dsp:cNvGrpSpPr/>
-    </dsp:nvGrpSpPr>
-    <dsp:grpSpPr/>
-    <dsp:sp modelId="{124EF20B-D98C-45B2-BB13-7B93B5373CEB}">
-      <dsp:nvSpPr>
-        <dsp:cNvPr id="0" name=""/>
-        <dsp:cNvSpPr/>
-      </dsp:nvSpPr>
-      <dsp:spPr>
-        <a:xfrm>
-          <a:off x="0" y="0"/>
-          <a:ext cx="4316650" cy="1339691"/>
-        </a:xfrm>
-        <a:prstGeom prst="roundRect">
-          <a:avLst>
-            <a:gd name="adj" fmla="val 10000"/>
-          </a:avLst>
-        </a:prstGeom>
-        <a:gradFill rotWithShape="0">
-          <a:gsLst>
-            <a:gs pos="0">
-              <a:srgbClr val="703000"/>
-            </a:gs>
-            <a:gs pos="50000">
-              <a:srgbClr val="A44A00"/>
-            </a:gs>
-            <a:gs pos="70000">
-              <a:srgbClr val="BC5500"/>
-            </a:gs>
-            <a:gs pos="100000">
-              <a:srgbClr val="F26D00"/>
-            </a:gs>
-          </a:gsLst>
-          <a:lin ang="16200000" scaled="0"/>
-        </a:gradFill>
-        <a:ln>
-          <a:noFill/>
-        </a:ln>
-        <a:effectLst>
-          <a:outerShdw blurRad="38100" dist="25400" dir="2700000" algn="br" rotWithShape="0">
-            <a:srgbClr val="000000">
-              <a:alpha val="60000"/>
-            </a:srgbClr>
-          </a:outerShdw>
-        </a:effectLst>
-      </dsp:spPr>
-      <dsp:style>
-        <a:lnRef idx="0">
-          <a:scrgbClr r="0" g="0" b="0"/>
-        </a:lnRef>
-        <a:fillRef idx="3">
-          <a:scrgbClr r="0" g="0" b="0"/>
-        </a:fillRef>
-        <a:effectRef idx="2">
-          <a:scrgbClr r="0" g="0" b="0"/>
-        </a:effectRef>
-        <a:fontRef idx="minor">
-          <a:schemeClr val="lt1"/>
-        </a:fontRef>
-      </dsp:style>
-      <dsp:txBody>
-        <a:bodyPr spcFirstLastPara="0" vert="horz" wrap="square" lIns="220980" tIns="220980" rIns="220980" bIns="220980" numCol="1" spcCol="1270" anchor="ctr" anchorCtr="0">
-          <a:noAutofit/>
-        </a:bodyPr>
-        <a:lstStyle/>
-        <a:p>
-          <a:pPr marL="0" lvl="0" indent="0" algn="l" defTabSz="2578100">
-            <a:lnSpc>
-              <a:spcPct val="90000"/>
-            </a:lnSpc>
-            <a:spcBef>
-              <a:spcPct val="0"/>
-            </a:spcBef>
-            <a:spcAft>
-              <a:spcPct val="35000"/>
-            </a:spcAft>
-            <a:buNone/>
-          </a:pPr>
-          <a:r>
-            <a:rPr lang="en-US" sz="5800" kern="1200" dirty="0"/>
-            <a:t>Task 1</a:t>
-          </a:r>
-        </a:p>
-      </dsp:txBody>
-      <dsp:txXfrm>
-        <a:off x="39238" y="39238"/>
-        <a:ext cx="2871019" cy="1261215"/>
-      </dsp:txXfrm>
-    </dsp:sp>
-    <dsp:sp modelId="{CA544AF7-F7B2-4CA5-9251-B4CDB8D06634}">
-      <dsp:nvSpPr>
-        <dsp:cNvPr id="0" name=""/>
-        <dsp:cNvSpPr/>
-      </dsp:nvSpPr>
-      <dsp:spPr>
-        <a:xfrm>
-          <a:off x="380880" y="1562972"/>
-          <a:ext cx="4316650" cy="1339691"/>
-        </a:xfrm>
-        <a:prstGeom prst="roundRect">
-          <a:avLst>
-            <a:gd name="adj" fmla="val 10000"/>
-          </a:avLst>
-        </a:prstGeom>
-        <a:gradFill rotWithShape="0">
-          <a:gsLst>
-            <a:gs pos="0">
-              <a:schemeClr val="accent3">
-                <a:hueOff val="0"/>
-                <a:satOff val="0"/>
-                <a:lumOff val="0"/>
-                <a:alphaOff val="0"/>
-                <a:shade val="15000"/>
-                <a:satMod val="180000"/>
-              </a:schemeClr>
-            </a:gs>
-            <a:gs pos="50000">
-              <a:schemeClr val="accent3">
-                <a:hueOff val="0"/>
-                <a:satOff val="0"/>
-                <a:lumOff val="0"/>
-                <a:alphaOff val="0"/>
-                <a:shade val="45000"/>
-                <a:satMod val="170000"/>
-              </a:schemeClr>
-            </a:gs>
-            <a:gs pos="70000">
-              <a:schemeClr val="accent3">
-                <a:hueOff val="0"/>
-                <a:satOff val="0"/>
-                <a:lumOff val="0"/>
-                <a:alphaOff val="0"/>
-                <a:tint val="99000"/>
-                <a:shade val="65000"/>
-                <a:satMod val="155000"/>
-              </a:schemeClr>
-            </a:gs>
-            <a:gs pos="100000">
-              <a:schemeClr val="accent3">
-                <a:hueOff val="0"/>
-                <a:satOff val="0"/>
-                <a:lumOff val="0"/>
-                <a:alphaOff val="0"/>
-                <a:tint val="100000"/>
-                <a:shade val="100000"/>
-                <a:satMod val="155000"/>
-              </a:schemeClr>
-            </a:gs>
-          </a:gsLst>
-          <a:lin ang="16200000" scaled="0"/>
-        </a:gradFill>
-        <a:ln>
-          <a:noFill/>
-        </a:ln>
-        <a:effectLst>
-          <a:outerShdw blurRad="38100" dist="25400" dir="2700000" algn="br" rotWithShape="0">
-            <a:srgbClr val="000000">
-              <a:alpha val="60000"/>
-            </a:srgbClr>
-          </a:outerShdw>
-        </a:effectLst>
-      </dsp:spPr>
-      <dsp:style>
-        <a:lnRef idx="0">
-          <a:scrgbClr r="0" g="0" b="0"/>
-        </a:lnRef>
-        <a:fillRef idx="3">
-          <a:scrgbClr r="0" g="0" b="0"/>
-        </a:fillRef>
-        <a:effectRef idx="2">
-          <a:scrgbClr r="0" g="0" b="0"/>
-        </a:effectRef>
-        <a:fontRef idx="minor">
-          <a:schemeClr val="lt1"/>
-        </a:fontRef>
-      </dsp:style>
-      <dsp:txBody>
-        <a:bodyPr spcFirstLastPara="0" vert="horz" wrap="square" lIns="220980" tIns="220980" rIns="220980" bIns="220980" numCol="1" spcCol="1270" anchor="ctr" anchorCtr="0">
-          <a:noAutofit/>
-        </a:bodyPr>
-        <a:lstStyle/>
-        <a:p>
-          <a:pPr marL="0" lvl="0" indent="0" algn="l" defTabSz="2578100">
-            <a:lnSpc>
-              <a:spcPct val="90000"/>
-            </a:lnSpc>
-            <a:spcBef>
-              <a:spcPct val="0"/>
-            </a:spcBef>
-            <a:spcAft>
-              <a:spcPct val="35000"/>
-            </a:spcAft>
-            <a:buNone/>
-          </a:pPr>
-          <a:r>
-            <a:rPr lang="en-US" sz="5800" kern="1200" dirty="0"/>
-            <a:t>Task 2</a:t>
-          </a:r>
-        </a:p>
-      </dsp:txBody>
-      <dsp:txXfrm>
-        <a:off x="420118" y="1602210"/>
-        <a:ext cx="2986494" cy="1261215"/>
-      </dsp:txXfrm>
-    </dsp:sp>
-    <dsp:sp modelId="{2AE92D3F-F0FA-45DD-BB60-4C6FBC6BC016}">
-      <dsp:nvSpPr>
-        <dsp:cNvPr id="0" name=""/>
-        <dsp:cNvSpPr/>
-      </dsp:nvSpPr>
-      <dsp:spPr>
-        <a:xfrm>
-          <a:off x="761761" y="3125945"/>
-          <a:ext cx="4316650" cy="1339691"/>
-        </a:xfrm>
-        <a:prstGeom prst="roundRect">
-          <a:avLst>
-            <a:gd name="adj" fmla="val 10000"/>
-          </a:avLst>
-        </a:prstGeom>
-        <a:gradFill rotWithShape="0">
-          <a:gsLst>
-            <a:gs pos="0">
-              <a:srgbClr val="394404"/>
-            </a:gs>
-            <a:gs pos="50000">
-              <a:srgbClr val="5F6F0F"/>
-            </a:gs>
-            <a:gs pos="70000">
-              <a:srgbClr val="65741A"/>
-            </a:gs>
-            <a:gs pos="100000">
-              <a:schemeClr val="accent4">
-                <a:hueOff val="0"/>
-                <a:satOff val="0"/>
-                <a:lumOff val="0"/>
-                <a:alphaOff val="0"/>
-                <a:tint val="100000"/>
-                <a:shade val="100000"/>
-                <a:satMod val="155000"/>
-              </a:schemeClr>
-            </a:gs>
-          </a:gsLst>
-          <a:lin ang="16200000" scaled="0"/>
-        </a:gradFill>
-        <a:ln>
-          <a:noFill/>
-        </a:ln>
-        <a:effectLst>
-          <a:outerShdw blurRad="38100" dist="25400" dir="2700000" algn="br" rotWithShape="0">
-            <a:srgbClr val="000000">
-              <a:alpha val="60000"/>
-            </a:srgbClr>
-          </a:outerShdw>
-        </a:effectLst>
-      </dsp:spPr>
-      <dsp:style>
-        <a:lnRef idx="0">
-          <a:scrgbClr r="0" g="0" b="0"/>
-        </a:lnRef>
-        <a:fillRef idx="3">
-          <a:scrgbClr r="0" g="0" b="0"/>
-        </a:fillRef>
-        <a:effectRef idx="2">
-          <a:scrgbClr r="0" g="0" b="0"/>
-        </a:effectRef>
-        <a:fontRef idx="minor">
-          <a:schemeClr val="lt1"/>
-        </a:fontRef>
-      </dsp:style>
-      <dsp:txBody>
-        <a:bodyPr spcFirstLastPara="0" vert="horz" wrap="square" lIns="220980" tIns="220980" rIns="220980" bIns="220980" numCol="1" spcCol="1270" anchor="ctr" anchorCtr="0">
-          <a:noAutofit/>
-        </a:bodyPr>
-        <a:lstStyle/>
-        <a:p>
-          <a:pPr marL="0" lvl="0" indent="0" algn="l" defTabSz="2578100">
-            <a:lnSpc>
-              <a:spcPct val="90000"/>
-            </a:lnSpc>
-            <a:spcBef>
-              <a:spcPct val="0"/>
-            </a:spcBef>
-            <a:spcAft>
-              <a:spcPct val="35000"/>
-            </a:spcAft>
-            <a:buNone/>
-          </a:pPr>
-          <a:r>
-            <a:rPr lang="en-US" sz="5800" kern="1200" dirty="0"/>
-            <a:t>Task 3</a:t>
-          </a:r>
-        </a:p>
-      </dsp:txBody>
-      <dsp:txXfrm>
-        <a:off x="800999" y="3165183"/>
-        <a:ext cx="2986494" cy="1261215"/>
-      </dsp:txXfrm>
-    </dsp:sp>
-    <dsp:sp modelId="{9CA877D8-99F8-40A0-89E9-59A61C9A70F4}">
-      <dsp:nvSpPr>
-        <dsp:cNvPr id="0" name=""/>
-        <dsp:cNvSpPr/>
-      </dsp:nvSpPr>
-      <dsp:spPr>
-        <a:xfrm>
-          <a:off x="3445850" y="1015932"/>
-          <a:ext cx="870799" cy="870799"/>
-        </a:xfrm>
-        <a:prstGeom prst="downArrow">
-          <a:avLst>
-            <a:gd name="adj1" fmla="val 55000"/>
-            <a:gd name="adj2" fmla="val 45000"/>
-          </a:avLst>
-        </a:prstGeom>
-        <a:solidFill>
-          <a:schemeClr val="accent2">
-            <a:tint val="40000"/>
-            <a:alpha val="90000"/>
-            <a:hueOff val="0"/>
-            <a:satOff val="0"/>
-            <a:lumOff val="0"/>
-            <a:alphaOff val="0"/>
-          </a:schemeClr>
-        </a:solidFill>
-        <a:ln w="9525" cap="flat" cmpd="sng" algn="ctr">
-          <a:solidFill>
-            <a:schemeClr val="accent2">
-              <a:tint val="40000"/>
-              <a:alpha val="90000"/>
-              <a:hueOff val="0"/>
-              <a:satOff val="0"/>
-              <a:lumOff val="0"/>
-              <a:alphaOff val="0"/>
-            </a:schemeClr>
-          </a:solidFill>
-          <a:miter lim="800000"/>
-        </a:ln>
-        <a:effectLst/>
-      </dsp:spPr>
-      <dsp:style>
-        <a:lnRef idx="1">
-          <a:scrgbClr r="0" g="0" b="0"/>
-        </a:lnRef>
-        <a:fillRef idx="1">
-          <a:scrgbClr r="0" g="0" b="0"/>
-        </a:fillRef>
-        <a:effectRef idx="0">
-          <a:scrgbClr r="0" g="0" b="0"/>
-        </a:effectRef>
-        <a:fontRef idx="minor"/>
-      </dsp:style>
-      <dsp:txBody>
-        <a:bodyPr spcFirstLastPara="0" vert="horz" wrap="square" lIns="45720" tIns="45720" rIns="45720" bIns="45720" numCol="1" spcCol="1270" anchor="ctr" anchorCtr="0">
-          <a:noAutofit/>
-        </a:bodyPr>
-        <a:lstStyle/>
-        <a:p>
-          <a:pPr marL="0" lvl="0" indent="0" algn="ctr" defTabSz="1600200">
-            <a:lnSpc>
-              <a:spcPct val="90000"/>
-            </a:lnSpc>
-            <a:spcBef>
-              <a:spcPct val="0"/>
-            </a:spcBef>
-            <a:spcAft>
-              <a:spcPct val="35000"/>
-            </a:spcAft>
-            <a:buNone/>
-          </a:pPr>
-          <a:endParaRPr lang="en-US" sz="3600" kern="1200"/>
-        </a:p>
-      </dsp:txBody>
-      <dsp:txXfrm>
-        <a:off x="3641780" y="1015932"/>
-        <a:ext cx="478939" cy="655276"/>
-      </dsp:txXfrm>
-    </dsp:sp>
-    <dsp:sp modelId="{62643EF2-016C-41F1-8CBC-398422A85727}">
-      <dsp:nvSpPr>
-        <dsp:cNvPr id="0" name=""/>
-        <dsp:cNvSpPr/>
-      </dsp:nvSpPr>
-      <dsp:spPr>
-        <a:xfrm>
-          <a:off x="3826731" y="2569974"/>
-          <a:ext cx="870799" cy="870799"/>
-        </a:xfrm>
-        <a:prstGeom prst="downArrow">
-          <a:avLst>
-            <a:gd name="adj1" fmla="val 55000"/>
-            <a:gd name="adj2" fmla="val 45000"/>
-          </a:avLst>
-        </a:prstGeom>
-        <a:solidFill>
-          <a:schemeClr val="accent3">
-            <a:tint val="40000"/>
-            <a:alpha val="90000"/>
-            <a:hueOff val="0"/>
-            <a:satOff val="0"/>
-            <a:lumOff val="0"/>
-            <a:alphaOff val="0"/>
-          </a:schemeClr>
-        </a:solidFill>
-        <a:ln w="9525" cap="flat" cmpd="sng" algn="ctr">
-          <a:solidFill>
-            <a:schemeClr val="accent3">
-              <a:tint val="40000"/>
-              <a:alpha val="90000"/>
-              <a:hueOff val="0"/>
-              <a:satOff val="0"/>
-              <a:lumOff val="0"/>
-              <a:alphaOff val="0"/>
-            </a:schemeClr>
-          </a:solidFill>
-          <a:miter lim="800000"/>
-        </a:ln>
-        <a:effectLst/>
-      </dsp:spPr>
-      <dsp:style>
-        <a:lnRef idx="1">
-          <a:scrgbClr r="0" g="0" b="0"/>
-        </a:lnRef>
-        <a:fillRef idx="1">
-          <a:scrgbClr r="0" g="0" b="0"/>
-        </a:fillRef>
-        <a:effectRef idx="0">
-          <a:scrgbClr r="0" g="0" b="0"/>
-        </a:effectRef>
-        <a:fontRef idx="minor"/>
-      </dsp:style>
-      <dsp:txBody>
-        <a:bodyPr spcFirstLastPara="0" vert="horz" wrap="square" lIns="45720" tIns="45720" rIns="45720" bIns="45720" numCol="1" spcCol="1270" anchor="ctr" anchorCtr="0">
-          <a:noAutofit/>
-        </a:bodyPr>
-        <a:lstStyle/>
-        <a:p>
-          <a:pPr marL="0" lvl="0" indent="0" algn="ctr" defTabSz="1600200">
-            <a:lnSpc>
-              <a:spcPct val="90000"/>
-            </a:lnSpc>
-            <a:spcBef>
-              <a:spcPct val="0"/>
-            </a:spcBef>
-            <a:spcAft>
-              <a:spcPct val="35000"/>
-            </a:spcAft>
-            <a:buNone/>
-          </a:pPr>
-          <a:endParaRPr lang="en-US" sz="3600" kern="1200"/>
-        </a:p>
-      </dsp:txBody>
-      <dsp:txXfrm>
-        <a:off x="4022661" y="2569974"/>
-        <a:ext cx="478939" cy="655276"/>
-      </dsp:txXfrm>
-    </dsp:sp>
-  </dsp:spTree>
-</dsp:drawing>
-</file>
-
 <file path=ppt/diagrams/layout1.xml><?xml version="1.0" encoding="utf-8"?>
-<dgm:layoutDef xmlns:dgm="http://schemas.openxmlformats.org/drawingml/2006/diagram" xmlns:a="http://schemas.openxmlformats.org/drawingml/2006/main" uniqueId="urn:microsoft.com/office/officeart/2005/8/layout/vProcess5">
-  <dgm:title val=""/>
-  <dgm:desc val=""/>
-  <dgm:catLst>
-    <dgm:cat type="process" pri="14000"/>
-  </dgm:catLst>
-  <dgm:sampData>
-    <dgm:dataModel>
-      <dgm:ptLst>
-        <dgm:pt modelId="0" type="doc"/>
-        <dgm:pt modelId="1">
-          <dgm:prSet phldr="1"/>
-        </dgm:pt>
-        <dgm:pt modelId="2">
-          <dgm:prSet phldr="1"/>
-        </dgm:pt>
-        <dgm:pt modelId="3">
-          <dgm:prSet phldr="1"/>
-        </dgm:pt>
-      </dgm:ptLst>
-      <dgm:cxnLst>
-        <dgm:cxn modelId="5" srcId="0" destId="1" srcOrd="0" destOrd="0"/>
-        <dgm:cxn modelId="6" srcId="0" destId="2" srcOrd="1" destOrd="0"/>
-        <dgm:cxn modelId="7" srcId="0" destId="3" srcOrd="2" destOrd="0"/>
-      </dgm:cxnLst>
-      <dgm:bg/>
-      <dgm:whole/>
-    </dgm:dataModel>
-  </dgm:sampData>
-  <dgm:styleData>
-    <dgm:dataModel>
-      <dgm:ptLst>
-        <dgm:pt modelId="0" type="doc"/>
-        <dgm:pt modelId="1"/>
-        <dgm:pt modelId="2"/>
-      </dgm:ptLst>
-      <dgm:cxnLst>
-        <dgm:cxn modelId="3" srcId="0" destId="1" srcOrd="0" destOrd="0"/>
-        <dgm:cxn modelId="4" srcId="0" destId="2" srcOrd="1" destOrd="0"/>
-      </dgm:cxnLst>
-      <dgm:bg/>
-      <dgm:whole/>
-    </dgm:dataModel>
-  </dgm:styleData>
-  <dgm:clrData>
-    <dgm:dataModel>
-      <dgm:ptLst>
-        <dgm:pt modelId="0" type="doc"/>
-        <dgm:pt modelId="1"/>
-        <dgm:pt modelId="2"/>
-        <dgm:pt modelId="3"/>
-        <dgm:pt modelId="4"/>
-      </dgm:ptLst>
-      <dgm:cxnLst>
-        <dgm:cxn modelId="6" srcId="0" destId="1" srcOrd="0" destOrd="0"/>
-        <dgm:cxn modelId="7" srcId="0" destId="2" srcOrd="1" destOrd="0"/>
-        <dgm:cxn modelId="8" srcId="0" destId="3" srcOrd="2" destOrd="0"/>
-        <dgm:cxn modelId="9" srcId="0" destId="4" srcOrd="3" destOrd="0"/>
-      </dgm:cxnLst>
-      <dgm:bg/>
-      <dgm:whole/>
-    </dgm:dataModel>
-  </dgm:clrData>
-  <dgm:layoutNode name="outerComposite">
-    <dgm:varLst>
-      <dgm:chMax val="5"/>
-      <dgm:dir/>
-      <dgm:resizeHandles val="exact"/>
-    </dgm:varLst>
-    <dgm:alg type="composite"/>
-    <dgm:shape xmlns:r="http://schemas.openxmlformats.org/officeDocument/2006/relationships" r:blip="">
-      <dgm:adjLst/>
-    </dgm:shape>
-    <dgm:presOf/>
-    <dgm:choose name="Name0">
-      <dgm:if name="Name1" func="var" arg="dir" op="equ" val="norm">
-        <dgm:constrLst>
-          <dgm:constr type="primFontSz" for="ch" ptType="node" op="equ" val="65"/>
-          <dgm:constr type="w" for="ch" forName="dummyMaxCanvas" refType="w"/>
-          <dgm:constr type="h" for="ch" forName="dummyMaxCanvas" refType="h"/>
-          <dgm:constr type="w" for="ch" forName="OneNode_1" refType="w"/>
-          <dgm:constr type="h" for="ch" forName="OneNode_1" refType="h" fact="0.5"/>
-          <dgm:constr type="ctrY" for="ch" forName="OneNode_1" refType="h" fact="0.5"/>
-          <dgm:constr type="w" for="ch" forName="TwoNodes_1" refType="w" fact="0.85"/>
-          <dgm:constr type="h" for="ch" forName="TwoNodes_1" refType="h" fact="0.45"/>
-          <dgm:constr type="t" for="ch" forName="TwoNodes_1"/>
-          <dgm:constr type="l" for="ch" forName="TwoNodes_1"/>
-          <dgm:constr type="w" for="ch" forName="TwoNodes_2" refType="w" fact="0.85"/>
-          <dgm:constr type="h" for="ch" forName="TwoNodes_2" refType="h" fact="0.45"/>
-          <dgm:constr type="b" for="ch" forName="TwoNodes_2" refType="h"/>
-          <dgm:constr type="r" for="ch" forName="TwoNodes_2" refType="w"/>
-          <dgm:constr type="w" for="ch" forName="TwoConn_1-2" refType="h" refFor="ch" refForName="TwoNodes_1" fact="0.65"/>
-          <dgm:constr type="h" for="ch" forName="TwoConn_1-2" refType="h" refFor="ch" refForName="TwoNodes_1" fact="0.65"/>
-          <dgm:constr type="ctrY" for="ch" forName="TwoConn_1-2" refType="h" fact="0.5"/>
-          <dgm:constr type="r" for="ch" forName="TwoConn_1-2" refType="r" refFor="ch" refForName="TwoNodes_1"/>
-          <dgm:constr type="r" for="ch" forName="TwoNodes_1_text" refType="l" refFor="ch" refForName="TwoConn_1-2"/>
-          <dgm:constr type="rOff" for="ch" forName="TwoNodes_1_text" refType="w" refFor="ch" refForName="TwoConn_1-2" fact="-0.5"/>
-          <dgm:constr type="t" for="ch" forName="TwoNodes_1_text" refType="t" refFor="ch" refForName="TwoNodes_1"/>
-          <dgm:constr type="b" for="ch" forName="TwoNodes_1_text" refType="b" refFor="ch" refForName="TwoNodes_1"/>
-          <dgm:constr type="l" for="ch" forName="TwoNodes_1_text" refType="l" refFor="ch" refForName="TwoNodes_1"/>
-          <dgm:constr type="r" for="ch" forName="TwoNodes_2_text" refType="l" refFor="ch" refForName="TwoConn_1-2"/>
-          <dgm:constr type="t" for="ch" forName="TwoNodes_2_text" refType="t" refFor="ch" refForName="TwoNodes_2"/>
-          <dgm:constr type="b" for="ch" forName="TwoNodes_2_text" refType="b" refFor="ch" refForName="TwoNodes_2"/>
-          <dgm:constr type="l" for="ch" forName="TwoNodes_2_text" refType="l" refFor="ch" refForName="TwoNodes_2"/>
-          <dgm:constr type="w" for="ch" forName="ThreeNodes_1" refType="w" fact="0.85"/>
-          <dgm:constr type="h" for="ch" forName="ThreeNodes_1" refType="h" fact="0.3"/>
-          <dgm:constr type="t" for="ch" forName="ThreeNodes_1"/>
-          <dgm:constr type="l" for="ch" forName="ThreeNodes_1"/>
-          <dgm:constr type="w" for="ch" forName="ThreeNodes_2" refType="w" fact="0.85"/>
-          <dgm:constr type="h" for="ch" forName="ThreeNodes_2" refType="h" fact="0.3"/>
-          <dgm:constr type="ctrY" for="ch" forName="ThreeNodes_2" refType="h" fact="0.5"/>
-          <dgm:constr type="ctrX" for="ch" forName="ThreeNodes_2" refType="w" fact="0.5"/>
-          <dgm:constr type="w" for="ch" forName="ThreeNodes_3" refType="w" fact="0.85"/>
-          <dgm:constr type="h" for="ch" forName="ThreeNodes_3" refType="h" fact="0.3"/>
-          <dgm:constr type="b" for="ch" forName="ThreeNodes_3" refType="h"/>
-          <dgm:constr type="r" for="ch" forName="ThreeNodes_3" refType="w"/>
-          <dgm:constr type="w" for="ch" forName="ThreeConn_1-2" refType="h" refFor="ch" refForName="ThreeNodes_1" fact="0.65"/>
-          <dgm:constr type="h" for="ch" forName="ThreeConn_1-2" refType="h" refFor="ch" refForName="ThreeNodes_1" fact="0.65"/>
-          <dgm:constr type="ctrY" for="ch" forName="ThreeConn_1-2" refType="h" fact="0.325"/>
-          <dgm:constr type="r" for="ch" forName="ThreeConn_1-2" refType="r" refFor="ch" refForName="ThreeNodes_1"/>
-          <dgm:constr type="w" for="ch" forName="ThreeConn_2-3" refType="h" refFor="ch" refForName="ThreeNodes_2" fact="0.65"/>
-          <dgm:constr type="h" for="ch" forName="ThreeConn_2-3" refType="h" refFor="ch" refForName="ThreeNodes_2" fact="0.65"/>
-          <dgm:constr type="ctrY" for="ch" forName="ThreeConn_2-3" refType="h" fact="0.673"/>
-          <dgm:constr type="r" for="ch" forName="ThreeConn_2-3" refType="r" refFor="ch" refForName="ThreeNodes_2"/>
-          <dgm:constr type="r" for="ch" forName="ThreeNodes_1_text" refType="l" refFor="ch" refForName="ThreeConn_1-2"/>
-          <dgm:constr type="rOff" for="ch" forName="ThreeNodes_1_text" refType="w" refFor="ch" refForName="ThreeConn_1-2" fact="-0.57"/>
-          <dgm:constr type="t" for="ch" forName="ThreeNodes_1_text" refType="t" refFor="ch" refForName="ThreeNodes_1"/>
-          <dgm:constr type="b" for="ch" forName="ThreeNodes_1_text" refType="b" refFor="ch" refForName="ThreeNodes_1"/>
-          <dgm:constr type="l" for="ch" forName="ThreeNodes_1_text" refType="l" refFor="ch" refForName="ThreeNodes_1"/>
-          <dgm:constr type="r" for="ch" forName="ThreeNodes_2_text" refType="l" refFor="ch" refForName="ThreeConn_1-2"/>
-          <dgm:constr type="t" for="ch" forName="ThreeNodes_2_text" refType="t" refFor="ch" refForName="ThreeNodes_2"/>
-          <dgm:constr type="b" for="ch" forName="ThreeNodes_2_text" refType="b" refFor="ch" refForName="ThreeNodes_2"/>
-          <dgm:constr type="l" for="ch" forName="ThreeNodes_2_text" refType="l" refFor="ch" refForName="ThreeNodes_2"/>
-          <dgm:constr type="r" for="ch" forName="ThreeNodes_3_text" refType="l" refFor="ch" refForName="ThreeConn_2-3"/>
-          <dgm:constr type="t" for="ch" forName="ThreeNodes_3_text" refType="t" refFor="ch" refForName="ThreeNodes_3"/>
-          <dgm:constr type="b" for="ch" forName="ThreeNodes_3_text" refType="b" refFor="ch" refForName="ThreeNodes_3"/>
-          <dgm:constr type="l" for="ch" forName="ThreeNodes_3_text" refType="l" refFor="ch" refForName="ThreeNodes_3"/>
-          <dgm:constr type="w" for="ch" forName="FourNodes_1" refType="w" fact="0.8"/>
-          <dgm:constr type="h" for="ch" forName="FourNodes_1" refType="h" fact="0.22"/>
-          <dgm:constr type="t" for="ch" forName="FourNodes_1"/>
-          <dgm:constr type="l" for="ch" forName="FourNodes_1"/>
-          <dgm:constr type="w" for="ch" forName="FourNodes_2" refType="w" fact="0.8"/>
-          <dgm:constr type="h" for="ch" forName="FourNodes_2" refType="h" fact="0.22"/>
-          <dgm:constr type="ctrY" for="ch" forName="FourNodes_2" refType="h" fact="0.37"/>
-          <dgm:constr type="ctrX" for="ch" forName="FourNodes_2" refType="w" fact="0.467"/>
-          <dgm:constr type="w" for="ch" forName="FourNodes_3" refType="w" fact="0.8"/>
-          <dgm:constr type="h" for="ch" forName="FourNodes_3" refType="h" fact="0.22"/>
-          <dgm:constr type="ctrY" for="ch" forName="FourNodes_3" refType="h" fact="0.63"/>
-          <dgm:constr type="ctrX" for="ch" forName="FourNodes_3" refType="w" fact="0.533"/>
-          <dgm:constr type="w" for="ch" forName="FourNodes_4" refType="w" fact="0.8"/>
-          <dgm:constr type="h" for="ch" forName="FourNodes_4" refType="h" fact="0.22"/>
-          <dgm:constr type="b" for="ch" forName="FourNodes_4" refType="h"/>
-          <dgm:constr type="r" for="ch" forName="FourNodes_4" refType="w"/>
-          <dgm:constr type="w" for="ch" forName="FourConn_1-2" refType="h" refFor="ch" refForName="FourNodes_1" fact="0.65"/>
-          <dgm:constr type="h" for="ch" forName="FourConn_1-2" refType="h" refFor="ch" refForName="FourNodes_1" fact="0.65"/>
-          <dgm:constr type="ctrY" for="ch" forName="FourConn_1-2" refType="h" fact="0.24"/>
-          <dgm:constr type="r" for="ch" forName="FourConn_1-2" refType="r" refFor="ch" refForName="FourNodes_1"/>
-          <dgm:constr type="w" for="ch" forName="FourConn_2-3" refType="h" refFor="ch" refForName="FourNodes_2" fact="0.65"/>
-          <dgm:constr type="h" for="ch" forName="FourConn_2-3" refType="h" refFor="ch" refForName="FourNodes_2" fact="0.65"/>
-          <dgm:constr type="ctrY" for="ch" forName="FourConn_2-3" refType="h" fact="0.5"/>
-          <dgm:constr type="r" for="ch" forName="FourConn_2-3" refType="r" refFor="ch" refForName="FourNodes_2"/>
-          <dgm:constr type="w" for="ch" forName="FourConn_3-4" refType="h" refFor="ch" refForName="FourNodes_3" fact="0.65"/>
-          <dgm:constr type="h" for="ch" forName="FourConn_3-4" refType="h" refFor="ch" refForName="FourNodes_3" fact="0.65"/>
-          <dgm:constr type="ctrY" for="ch" forName="FourConn_3-4" refType="h" fact="0.76"/>
-          <dgm:constr type="r" for="ch" forName="FourConn_3-4" refType="r" refFor="ch" refForName="FourNodes_3"/>
-          <dgm:constr type="r" for="ch" forName="FourNodes_1_text" refType="l" refFor="ch" refForName="FourConn_1-2"/>
-          <dgm:constr type="rOff" for="ch" forName="FourNodes_1_text" refType="w" refFor="ch" refForName="FourConn_1-2" fact="-0.7"/>
-          <dgm:constr type="t" for="ch" forName="FourNodes_1_text" refType="t" refFor="ch" refForName="FourNodes_1"/>
-          <dgm:constr type="b" for="ch" forName="FourNodes_1_text" refType="b" refFor="ch" refForName="FourNodes_1"/>
-          <dgm:constr type="l" for="ch" forName="FourNodes_1_text" refType="l" refFor="ch" refForName="FourNodes_1"/>
-          <dgm:constr type="r" for="ch" forName="FourNodes_2_text" refType="l" refFor="ch" refForName="FourConn_1-2"/>
-          <dgm:constr type="t" for="ch" forName="FourNodes_2_text" refType="t" refFor="ch" refForName="FourNodes_2"/>
-          <dgm:constr type="b" for="ch" forName="FourNodes_2_text" refType="b" refFor="ch" refForName="FourNodes_2"/>
-          <dgm:constr type="l" for="ch" forName="FourNodes_2_text" refType="l" refFor="ch" refForName="FourNodes_2"/>
-          <dgm:constr type="r" for="ch" forName="FourNodes_3_text" refType="l" refFor="ch" refForName="FourConn_2-3"/>
-          <dgm:constr type="t" for="ch" forName="FourNodes_3_text" refType="t" refFor="ch" refForName="FourNodes_3"/>
-          <dgm:constr type="b" for="ch" forName="FourNodes_3_text" refType="b" refFor="ch" refForName="FourNodes_3"/>
-          <dgm:constr type="l" for="ch" forName="FourNodes_3_text" refType="l" refFor="ch" refForName="FourNodes_3"/>
-          <dgm:constr type="r" for="ch" forName="FourNodes_4_text" refType="l" refFor="ch" refForName="FourConn_3-4"/>
-          <dgm:constr type="t" for="ch" forName="FourNodes_4_text" refType="t" refFor="ch" refForName="FourNodes_4"/>
-          <dgm:constr type="b" for="ch" forName="FourNodes_4_text" refType="b" refFor="ch" refForName="FourNodes_4"/>
-          <dgm:constr type="l" for="ch" forName="FourNodes_4_text" refType="l" refFor="ch" refForName="FourNodes_4"/>
-          <dgm:constr type="w" for="ch" forName="FiveNodes_1" refType="w" fact="0.77"/>
-          <dgm:constr type="h" for="ch" forName="FiveNodes_1" refType="h" fact="0.18"/>
-          <dgm:constr type="t" for="ch" forName="FiveNodes_1"/>
-          <dgm:constr type="l" for="ch" forName="FiveNodes_1"/>
-          <dgm:constr type="w" for="ch" forName="FiveNodes_2" refType="w" fact="0.77"/>
-          <dgm:constr type="h" for="ch" forName="FiveNodes_2" refType="h" fact="0.18"/>
-          <dgm:constr type="ctrY" for="ch" forName="FiveNodes_2" refType="h" fact="0.295"/>
-          <dgm:constr type="ctrX" for="ch" forName="FiveNodes_2" refType="w" fact="0.4425"/>
-          <dgm:constr type="w" for="ch" forName="FiveNodes_3" refType="w" fact="0.77"/>
-          <dgm:constr type="h" for="ch" forName="FiveNodes_3" refType="h" fact="0.18"/>
-          <dgm:constr type="ctrY" for="ch" forName="FiveNodes_3" refType="h" fact="0.5"/>
-          <dgm:constr type="ctrX" for="ch" forName="FiveNodes_3" refType="w" fact="0.5"/>
-          <dgm:constr type="w" for="ch" forName="FiveNodes_4" refType="w" fact="0.77"/>
-          <dgm:constr type="h" for="ch" forName="FiveNodes_4" refType="h" fact="0.18"/>
-          <dgm:constr type="ctrY" for="ch" forName="FiveNodes_4" refType="h" fact="0.705"/>
-          <dgm:constr type="ctrX" for="ch" forName="FiveNodes_4" refType="w" fact="0.5575"/>
-          <dgm:constr type="w" for="ch" forName="FiveNodes_5" refType="w" fact="0.77"/>
-          <dgm:constr type="h" for="ch" forName="FiveNodes_5" refType="h" fact="0.18"/>
-          <dgm:constr type="b" for="ch" forName="FiveNodes_5" refType="h"/>
-          <dgm:constr type="r" for="ch" forName="FiveNodes_5" refType="w"/>
-          <dgm:constr type="w" for="ch" forName="FiveConn_1-2" refType="h" refFor="ch" refForName="FiveNodes_1" fact="0.65"/>
-          <dgm:constr type="h" for="ch" forName="FiveConn_1-2" refType="h" refFor="ch" refForName="FiveNodes_1" fact="0.65"/>
-          <dgm:constr type="ctrY" for="ch" forName="FiveConn_1-2" refType="h" fact="0.19"/>
-          <dgm:constr type="r" for="ch" forName="FiveConn_1-2" refType="r" refFor="ch" refForName="FiveNodes_1"/>
-          <dgm:constr type="w" for="ch" forName="FiveConn_2-3" refType="h" refFor="ch" refForName="FiveNodes_2" fact="0.65"/>
-          <dgm:constr type="h" for="ch" forName="FiveConn_2-3" refType="h" refFor="ch" refForName="FiveNodes_2" fact="0.65"/>
-          <dgm:constr type="ctrY" for="ch" forName="FiveConn_2-3" refType="h" fact="0.395"/>
-          <dgm:constr type="r" for="ch" forName="FiveConn_2-3" refType="r" refFor="ch" refForName="FiveNodes_2"/>
-          <dgm:constr type="w" for="ch" forName="FiveConn_3-4" refType="h" refFor="ch" refForName="FiveNodes_3" fact="0.65"/>
-          <dgm:constr type="h" for="ch" forName="FiveConn_3-4" refType="h" refFor="ch" refForName="FiveNodes_3" fact="0.65"/>
-          <dgm:constr type="ctrY" for="ch" forName="FiveConn_3-4" refType="h" fact="0.597"/>
-          <dgm:constr type="r" for="ch" forName="FiveConn_3-4" refType="r" refFor="ch" refForName="FiveNodes_3"/>
-          <dgm:constr type="w" for="ch" forName="FiveConn_4-5" refType="h" refFor="ch" refForName="FiveNodes_4" fact="0.65"/>
-          <dgm:constr type="h" for="ch" forName="FiveConn_4-5" refType="h" refFor="ch" refForName="FiveNodes_4" fact="0.65"/>
-          <dgm:constr type="ctrY" for="ch" forName="FiveConn_4-5" refType="h" fact="0.804"/>
-          <dgm:constr type="r" for="ch" forName="FiveConn_4-5" refType="r" refFor="ch" refForName="FiveNodes_4"/>
-          <dgm:constr type="r" for="ch" forName="FiveNodes_1_text" refType="l" refFor="ch" refForName="FiveConn_1-2"/>
-          <dgm:constr type="rOff" for="ch" forName="FiveNodes_1_text" refType="w" refFor="ch" refForName="FiveConn_1-2" fact="-0.75"/>
-          <dgm:constr type="t" for="ch" forName="FiveNodes_1_text" refType="t" refFor="ch" refForName="FiveNodes_1"/>
-          <dgm:constr type="b" for="ch" forName="FiveNodes_1_text" refType="b" refFor="ch" refForName="FiveNodes_1"/>
-          <dgm:constr type="l" for="ch" forName="FiveNodes_1_text" refType="l" refFor="ch" refForName="FiveNodes_1"/>
-          <dgm:constr type="r" for="ch" forName="FiveNodes_2_text" refType="l" refFor="ch" refForName="FiveConn_1-2"/>
-          <dgm:constr type="t" for="ch" forName="FiveNodes_2_text" refType="t" refFor="ch" refForName="FiveNodes_2"/>
-          <dgm:constr type="b" for="ch" forName="FiveNodes_2_text" refType="b" refFor="ch" refForName="FiveNodes_2"/>
-          <dgm:constr type="l" for="ch" forName="FiveNodes_2_text" refType="l" refFor="ch" refForName="FiveNodes_2"/>
-          <dgm:constr type="r" for="ch" forName="FiveNodes_3_text" refType="l" refFor="ch" refForName="FiveConn_2-3"/>
-          <dgm:constr type="t" for="ch" forName="FiveNodes_3_text" refType="t" refFor="ch" refForName="FiveNodes_3"/>
-          <dgm:constr type="b" for="ch" forName="FiveNodes_3_text" refType="b" refFor="ch" refForName="FiveNodes_3"/>
-          <dgm:constr type="l" for="ch" forName="FiveNodes_3_text" refType="l" refFor="ch" refForName="FiveNodes_3"/>
-          <dgm:constr type="r" for="ch" forName="FiveNodes_4_text" refType="l" refFor="ch" refForName="FiveConn_3-4"/>
-          <dgm:constr type="t" for="ch" forName="FiveNodes_4_text" refType="t" refFor="ch" refForName="FiveNodes_4"/>
-          <dgm:constr type="b" for="ch" forName="FiveNodes_4_text" refType="b" refFor="ch" refForName="FiveNodes_4"/>
-          <dgm:constr type="l" for="ch" forName="FiveNodes_4_text" refType="l" refFor="ch" refForName="FiveNodes_4"/>
-          <dgm:constr type="r" for="ch" forName="FiveNodes_5_text" refType="l" refFor="ch" refForName="FiveConn_4-5"/>
-          <dgm:constr type="t" for="ch" forName="FiveNodes_5_text" refType="t" refFor="ch" refForName="FiveNodes_5"/>
-          <dgm:constr type="b" for="ch" forName="FiveNodes_5_text" refType="b" refFor="ch" refForName="FiveNodes_5"/>
-          <dgm:constr type="l" for="ch" forName="FiveNodes_5_text" refType="l" refFor="ch" refForName="FiveNodes_5"/>
-        </dgm:constrLst>
-      </dgm:if>
-      <dgm:else name="Name2">
-        <dgm:constrLst>
-          <dgm:constr type="primFontSz" for="ch" ptType="node" op="equ" val="65"/>
-          <dgm:constr type="w" for="ch" forName="dummyMaxCanvas" refType="w"/>
-          <dgm:constr type="h" for="ch" forName="dummyMaxCanvas" refType="h"/>
-          <dgm:constr type="w" for="ch" forName="OneNode_1" refType="w"/>
-          <dgm:constr type="h" for="ch" forName="OneNode_1" refType="h" fact="0.5"/>
-          <dgm:constr type="ctrY" for="ch" forName="OneNode_1" refType="h" fact="0.5"/>
-          <dgm:constr type="w" for="ch" forName="TwoNodes_1" refType="w" fact="0.85"/>
-          <dgm:constr type="h" for="ch" forName="TwoNodes_1" refType="h" fact="0.45"/>
-          <dgm:constr type="t" for="ch" forName="TwoNodes_1"/>
-          <dgm:constr type="r" for="ch" forName="TwoNodes_1" refType="w"/>
-          <dgm:constr type="w" for="ch" forName="TwoNodes_2" refType="w" fact="0.85"/>
-          <dgm:constr type="h" for="ch" forName="TwoNodes_2" refType="h" fact="0.45"/>
-          <dgm:constr type="b" for="ch" forName="TwoNodes_2" refType="h"/>
-          <dgm:constr type="l" for="ch" forName="TwoNodes_2"/>
-          <dgm:constr type="w" for="ch" forName="TwoConn_1-2" refType="h" refFor="ch" refForName="TwoNodes_1" fact="0.65"/>
-          <dgm:constr type="h" for="ch" forName="TwoConn_1-2" refType="h" refFor="ch" refForName="TwoNodes_1" fact="0.65"/>
-          <dgm:constr type="ctrY" for="ch" forName="TwoConn_1-2" refType="h" fact="0.5"/>
-          <dgm:constr type="l" for="ch" forName="TwoConn_1-2" refType="l" refFor="ch" refForName="TwoNodes_1"/>
-          <dgm:constr type="l" for="ch" forName="TwoNodes_1_text" refType="r" refFor="ch" refForName="TwoConn_1-2"/>
-          <dgm:constr type="lOff" for="ch" forName="TwoNodes_1_text" refType="w" refFor="ch" refForName="TwoConn_1-2" fact="0.5"/>
-          <dgm:constr type="t" for="ch" forName="TwoNodes_1_text" refType="t" refFor="ch" refForName="TwoNodes_1"/>
-          <dgm:constr type="b" for="ch" forName="TwoNodes_1_text" refType="b" refFor="ch" refForName="TwoNodes_1"/>
-          <dgm:constr type="r" for="ch" forName="TwoNodes_1_text" refType="r" refFor="ch" refForName="TwoNodes_1"/>
-          <dgm:constr type="l" for="ch" forName="TwoNodes_2_text" refType="r" refFor="ch" refForName="TwoConn_1-2"/>
-          <dgm:constr type="t" for="ch" forName="TwoNodes_2_text" refType="t" refFor="ch" refForName="TwoNodes_2"/>
-          <dgm:constr type="b" for="ch" forName="TwoNodes_2_text" refType="b" refFor="ch" refForName="TwoNodes_2"/>
-          <dgm:constr type="r" for="ch" forName="TwoNodes_2_text" refType="r" refFor="ch" refForName="TwoNodes_2"/>
-          <dgm:constr type="w" for="ch" forName="ThreeNodes_1" refType="w" fact="0.85"/>
-          <dgm:constr type="h" for="ch" forName="ThreeNodes_1" refType="h" fact="0.3"/>
-          <dgm:constr type="t" for="ch" forName="ThreeNodes_1"/>
-          <dgm:constr type="r" for="ch" forName="ThreeNodes_1" refType="w"/>
-          <dgm:constr type="w" for="ch" forName="ThreeNodes_2" refType="w" fact="0.85"/>
-          <dgm:constr type="h" for="ch" forName="ThreeNodes_2" refType="h" fact="0.3"/>
-          <dgm:constr type="ctrY" for="ch" forName="ThreeNodes_2" refType="h" fact="0.5"/>
-          <dgm:constr type="ctrX" for="ch" forName="ThreeNodes_2" refType="w" fact="0.5"/>
-          <dgm:constr type="w" for="ch" forName="ThreeNodes_3" refType="w" fact="0.85"/>
-          <dgm:constr type="h" for="ch" forName="ThreeNodes_3" refType="h" fact="0.3"/>
-          <dgm:constr type="b" for="ch" forName="ThreeNodes_3" refType="h"/>
-          <dgm:constr type="l" for="ch" forName="ThreeNodes_3"/>
-          <dgm:constr type="w" for="ch" forName="ThreeConn_1-2" refType="h" refFor="ch" refForName="ThreeNodes_1" fact="0.65"/>
-          <dgm:constr type="h" for="ch" forName="ThreeConn_1-2" refType="h" refFor="ch" refForName="ThreeNodes_1" fact="0.65"/>
-          <dgm:constr type="ctrY" for="ch" forName="ThreeConn_1-2" refType="h" fact="0.325"/>
-          <dgm:constr type="l" for="ch" forName="ThreeConn_1-2" refType="l" refFor="ch" refForName="ThreeNodes_1"/>
-          <dgm:constr type="w" for="ch" forName="ThreeConn_2-3" refType="h" refFor="ch" refForName="ThreeNodes_2" fact="0.65"/>
-          <dgm:constr type="h" for="ch" forName="ThreeConn_2-3" refType="h" refFor="ch" refForName="ThreeNodes_2" fact="0.65"/>
-          <dgm:constr type="ctrY" for="ch" forName="ThreeConn_2-3" refType="h" fact="0.673"/>
-          <dgm:constr type="l" for="ch" forName="ThreeConn_2-3" refType="l" refFor="ch" refForName="ThreeNodes_2"/>
-          <dgm:constr type="l" for="ch" forName="ThreeNodes_1_text" refType="r" refFor="ch" refForName="ThreeConn_1-2"/>
-          <dgm:constr type="lOff" for="ch" forName="ThreeNodes_1_text" refType="w" refFor="ch" refForName="ThreeConn_1-2" fact="0.55"/>
-          <dgm:constr type="t" for="ch" forName="ThreeNodes_1_text" refType="t" refFor="ch" refForName="ThreeNodes_1"/>
-          <dgm:constr type="b" for="ch" forName="ThreeNodes_1_text" refType="b" refFor="ch" refForName="ThreeNodes_1"/>
-          <dgm:constr type="r" for="ch" forName="ThreeNodes_1_text" refType="r" refFor="ch" refForName="ThreeNodes_1"/>
-          <dgm:constr type="l" for="ch" forName="ThreeNodes_2_text" refType="r" refFor="ch" refForName="ThreeConn_1-2"/>
-          <dgm:constr type="t" for="ch" forName="ThreeNodes_2_text" refType="t" refFor="ch" refForName="ThreeNodes_2"/>
-          <dgm:constr type="b" for="ch" forName="ThreeNodes_2_text" refType="b" refFor="ch" refForName="ThreeNodes_2"/>
-          <dgm:constr type="r" for="ch" forName="ThreeNodes_2_text" refType="r" refFor="ch" refForName="ThreeNodes_2"/>
-          <dgm:constr type="l" for="ch" forName="ThreeNodes_3_text" refType="r" refFor="ch" refForName="ThreeConn_2-3"/>
-          <dgm:constr type="t" for="ch" forName="ThreeNodes_3_text" refType="t" refFor="ch" refForName="ThreeNodes_3"/>
-          <dgm:constr type="b" for="ch" forName="ThreeNodes_3_text" refType="b" refFor="ch" refForName="ThreeNodes_3"/>
-          <dgm:constr type="r" for="ch" forName="ThreeNodes_3_text" refType="r" refFor="ch" refForName="ThreeNodes_3"/>
-          <dgm:constr type="w" for="ch" forName="FourNodes_1" refType="w" fact="0.8"/>
-          <dgm:constr type="h" for="ch" forName="FourNodes_1" refType="h" fact="0.22"/>
-          <dgm:constr type="t" for="ch" forName="FourNodes_1"/>
-          <dgm:constr type="r" for="ch" forName="FourNodes_1" refType="w"/>
-          <dgm:constr type="w" for="ch" forName="FourNodes_2" refType="w" fact="0.8"/>
-          <dgm:constr type="h" for="ch" forName="FourNodes_2" refType="h" fact="0.22"/>
-          <dgm:constr type="ctrY" for="ch" forName="FourNodes_2" refType="h" fact="0.37"/>
-          <dgm:constr type="ctrX" for="ch" forName="FourNodes_2" refType="w" fact="0.533"/>
-          <dgm:constr type="w" for="ch" forName="FourNodes_3" refType="w" fact="0.8"/>
-          <dgm:constr type="h" for="ch" forName="FourNodes_3" refType="h" fact="0.22"/>
-          <dgm:constr type="ctrY" for="ch" forName="FourNodes_3" refType="h" fact="0.63"/>
-          <dgm:constr type="ctrX" for="ch" forName="FourNodes_3" refType="w" fact="0.467"/>
-          <dgm:constr type="w" for="ch" forName="FourNodes_4" refType="w" fact="0.8"/>
-          <dgm:constr type="h" for="ch" forName="FourNodes_4" refType="h" fact="0.22"/>
-          <dgm:constr type="b" for="ch" forName="FourNodes_4" refType="h"/>
-          <dgm:constr type="l" for="ch" forName="FourNodes_4"/>
-          <dgm:constr type="w" for="ch" forName="FourConn_1-2" refType="h" refFor="ch" refForName="FourNodes_1" fact="0.65"/>
-          <dgm:constr type="h" for="ch" forName="FourConn_1-2" refType="h" refFor="ch" refForName="FourNodes_1" fact="0.65"/>
-          <dgm:constr type="ctrY" for="ch" forName="FourConn_1-2" refType="h" fact="0.24"/>
-          <dgm:constr type="l" for="ch" forName="FourConn_1-2" refType="l" refFor="ch" refForName="FourNodes_1"/>
-          <dgm:constr type="w" for="ch" forName="FourConn_2-3" refType="h" refFor="ch" refForName="FourNodes_2" fact="0.65"/>
-          <dgm:constr type="h" for="ch" forName="FourConn_2-3" refType="h" refFor="ch" refForName="FourNodes_2" fact="0.65"/>
-          <dgm:constr type="ctrY" for="ch" forName="FourConn_2-3" refType="h" fact="0.5"/>
-          <dgm:constr type="l" for="ch" forName="FourConn_2-3" refType="l" refFor="ch" refForName="FourNodes_2"/>
-          <dgm:constr type="w" for="ch" forName="FourConn_3-4" refType="h" refFor="ch" refForName="FourNodes_3" fact="0.65"/>
-          <dgm:constr type="h" for="ch" forName="FourConn_3-4" refType="h" refFor="ch" refForName="FourNodes_3" fact="0.65"/>
-          <dgm:constr type="ctrY" for="ch" forName="FourConn_3-4" refType="h" fact="0.76"/>
-          <dgm:constr type="l" for="ch" forName="FourConn_3-4" refType="l" refFor="ch" refForName="FourNodes_3"/>
-          <dgm:constr type="l" for="ch" forName="FourNodes_1_text" refType="r" refFor="ch" refForName="FourConn_1-2"/>
-          <dgm:constr type="lOff" for="ch" forName="FourNodes_1_text" refType="w" refFor="ch" refForName="FourConn_1-2" fact="0.69"/>
-          <dgm:constr type="t" for="ch" forName="FourNodes_1_text" refType="t" refFor="ch" refForName="FourNodes_1"/>
-          <dgm:constr type="b" for="ch" forName="FourNodes_1_text" refType="b" refFor="ch" refForName="FourNodes_1"/>
-          <dgm:constr type="r" for="ch" forName="FourNodes_1_text" refType="r" refFor="ch" refForName="FourNodes_1"/>
-          <dgm:constr type="l" for="ch" forName="FourNodes_2_text" refType="r" refFor="ch" refForName="FourConn_1-2"/>
-          <dgm:constr type="t" for="ch" forName="FourNodes_2_text" refType="t" refFor="ch" refForName="FourNodes_2"/>
-          <dgm:constr type="b" for="ch" forName="FourNodes_2_text" refType="b" refFor="ch" refForName="FourNodes_2"/>
-          <dgm:constr type="r" for="ch" forName="FourNodes_2_text" refType="r" refFor="ch" refForName="FourNodes_2"/>
-          <dgm:constr type="l" for="ch" forName="FourNodes_3_text" refType="r" refFor="ch" refForName="FourConn_2-3"/>
-          <dgm:constr type="t" for="ch" forName="FourNodes_3_text" refType="t" refFor="ch" refForName="FourNodes_3"/>
-          <dgm:constr type="b" for="ch" forName="FourNodes_3_text" refType="b" refFor="ch" refForName="FourNodes_3"/>
-          <dgm:constr type="r" for="ch" forName="FourNodes_3_text" refType="r" refFor="ch" refForName="FourNodes_3"/>
-          <dgm:constr type="l" for="ch" forName="FourNodes_4_text" refType="r" refFor="ch" refForName="FourConn_3-4"/>
-          <dgm:constr type="t" for="ch" forName="FourNodes_4_text" refType="t" refFor="ch" refForName="FourNodes_4"/>
-          <dgm:constr type="b" for="ch" forName="FourNodes_4_text" refType="b" refFor="ch" refForName="FourNodes_4"/>
-          <dgm:constr type="r" for="ch" forName="FourNodes_4_text" refType="r" refFor="ch" refForName="FourNodes_4"/>
-          <dgm:constr type="w" for="ch" forName="FiveNodes_1" refType="w" fact="0.77"/>
-          <dgm:constr type="h" for="ch" forName="FiveNodes_1" refType="h" fact="0.18"/>
-          <dgm:constr type="t" for="ch" forName="FiveNodes_1"/>
-          <dgm:constr type="r" for="ch" forName="FiveNodes_1" refType="w"/>
-          <dgm:constr type="w" for="ch" forName="FiveNodes_2" refType="w" fact="0.77"/>
-          <dgm:constr type="h" for="ch" forName="FiveNodes_2" refType="h" fact="0.18"/>
-          <dgm:constr type="ctrY" for="ch" forName="FiveNodes_2" refType="h" fact="0.295"/>
-          <dgm:constr type="ctrX" for="ch" forName="FiveNodes_2" refType="w" fact="0.5575"/>
-          <dgm:constr type="w" for="ch" forName="FiveNodes_3" refType="w" fact="0.77"/>
-          <dgm:constr type="h" for="ch" forName="FiveNodes_3" refType="h" fact="0.18"/>
-          <dgm:constr type="ctrY" for="ch" forName="FiveNodes_3" refType="h" fact="0.5"/>
-          <dgm:constr type="ctrX" for="ch" forName="FiveNodes_3" refType="w" fact="0.5"/>
-          <dgm:constr type="w" for="ch" forName="FiveNodes_4" refType="w" fact="0.77"/>
-          <dgm:constr type="h" for="ch" forName="FiveNodes_4" refType="h" fact="0.18"/>
-          <dgm:constr type="ctrY" for="ch" forName="FiveNodes_4" refType="h" fact="0.705"/>
-          <dgm:constr type="ctrX" for="ch" forName="FiveNodes_4" refType="w" fact="0.4425"/>
-          <dgm:constr type="w" for="ch" forName="FiveNodes_5" refType="w" fact="0.77"/>
-          <dgm:constr type="h" for="ch" forName="FiveNodes_5" refType="h" fact="0.18"/>
-          <dgm:constr type="b" for="ch" forName="FiveNodes_5" refType="h"/>
-          <dgm:constr type="l" for="ch" forName="FiveNodes_5"/>
-          <dgm:constr type="w" for="ch" forName="FiveConn_1-2" refType="h" refFor="ch" refForName="FiveNodes_1" fact="0.65"/>
-          <dgm:constr type="h" for="ch" forName="FiveConn_1-2" refType="h" refFor="ch" refForName="FiveNodes_1" fact="0.65"/>
-          <dgm:constr type="ctrY" for="ch" forName="FiveConn_1-2" refType="h" fact="0.19"/>
-          <dgm:constr type="l" for="ch" forName="FiveConn_1-2" refType="l" refFor="ch" refForName="FiveNodes_1"/>
-          <dgm:constr type="w" for="ch" forName="FiveConn_2-3" refType="h" refFor="ch" refForName="FiveNodes_2" fact="0.65"/>
-          <dgm:constr type="h" for="ch" forName="FiveConn_2-3" refType="h" refFor="ch" refForName="FiveNodes_2" fact="0.65"/>
-          <dgm:constr type="ctrY" for="ch" forName="FiveConn_2-3" refType="h" fact="0.395"/>
-          <dgm:constr type="l" for="ch" forName="FiveConn_2-3" refType="l" refFor="ch" refForName="FiveNodes_2"/>
-          <dgm:constr type="w" for="ch" forName="FiveConn_3-4" refType="h" refFor="ch" refForName="FiveNodes_3" fact="0.65"/>
-          <dgm:constr type="h" for="ch" forName="FiveConn_3-4" refType="h" refFor="ch" refForName="FiveNodes_3" fact="0.65"/>
-          <dgm:constr type="ctrY" for="ch" forName="FiveConn_3-4" refType="h" fact="0.597"/>
-          <dgm:constr type="l" for="ch" forName="FiveConn_3-4" refType="l" refFor="ch" refForName="FiveNodes_3"/>
-          <dgm:constr type="w" for="ch" forName="FiveConn_4-5" refType="h" refFor="ch" refForName="FiveNodes_4" fact="0.65"/>
-          <dgm:constr type="h" for="ch" forName="FiveConn_4-5" refType="h" refFor="ch" refForName="FiveNodes_4" fact="0.65"/>
-          <dgm:constr type="ctrY" for="ch" forName="FiveConn_4-5" refType="h" fact="0.804"/>
-          <dgm:constr type="l" for="ch" forName="FiveConn_4-5" refType="l" refFor="ch" refForName="FiveNodes_4"/>
-          <dgm:constr type="l" for="ch" forName="FiveNodes_1_text" refType="r" refFor="ch" refForName="FiveConn_1-2"/>
-          <dgm:constr type="lOff" for="ch" forName="FiveNodes_1_text" refType="w" refFor="ch" refForName="FiveConn_1-2" fact="0.73"/>
-          <dgm:constr type="t" for="ch" forName="FiveNodes_1_text" refType="t" refFor="ch" refForName="FiveNodes_1"/>
-          <dgm:constr type="b" for="ch" forName="FiveNodes_1_text" refType="b" refFor="ch" refForName="FiveNodes_1"/>
-          <dgm:constr type="r" for="ch" forName="FiveNodes_1_text" refType="r" refFor="ch" refForName="FiveNodes_1"/>
-          <dgm:constr type="l" for="ch" forName="FiveNodes_2_text" refType="r" refFor="ch" refForName="FiveConn_1-2"/>
-          <dgm:constr type="t" for="ch" forName="FiveNodes_2_text" refType="t" refFor="ch" refForName="FiveNodes_2"/>
-          <dgm:constr type="b" for="ch" forName="FiveNodes_2_text" refType="b" refFor="ch" refForName="FiveNodes_2"/>
-          <dgm:constr type="r" for="ch" forName="FiveNodes_2_text" refType="r" refFor="ch" refForName="FiveNodes_2"/>
-          <dgm:constr type="l" for="ch" forName="FiveNodes_3_text" refType="r" refFor="ch" refForName="FiveConn_2-3"/>
-          <dgm:constr type="t" for="ch" forName="FiveNodes_3_text" refType="t" refFor="ch" refForName="FiveNodes_3"/>
-          <dgm:constr type="b" for="ch" forName="FiveNodes_3_text" refType="b" refFor="ch" refForName="FiveNodes_3"/>
-          <dgm:constr type="r" for="ch" forName="FiveNodes_3_text" refType="r" refFor="ch" refForName="FiveNodes_3"/>
-          <dgm:constr type="l" for="ch" forName="FiveNodes_4_text" refType="r" refFor="ch" refForName="FiveConn_3-4"/>
-          <dgm:constr type="t" for="ch" forName="FiveNodes_4_text" refType="t" refFor="ch" refForName="FiveNodes_4"/>
-          <dgm:constr type="b" for="ch" forName="FiveNodes_4_text" refType="b" refFor="ch" refForName="FiveNodes_4"/>
-          <dgm:constr type="r" for="ch" forName="FiveNodes_4_text" refType="r" refFor="ch" refForName="FiveNodes_4"/>
-          <dgm:constr type="l" for="ch" forName="FiveNodes_5_text" refType="r" refFor="ch" refForName="FiveConn_4-5"/>
-          <dgm:constr type="t" for="ch" forName="FiveNodes_5_text" refType="t" refFor="ch" refForName="FiveNodes_5"/>
-          <dgm:constr type="b" for="ch" forName="FiveNodes_5_text" refType="b" refFor="ch" refForName="FiveNodes_5"/>
-          <dgm:constr type="r" for="ch" forName="FiveNodes_5_text" refType="r" refFor="ch" refForName="FiveNodes_5"/>
-        </dgm:constrLst>
-      </dgm:else>
-    </dgm:choose>
-    <dgm:ruleLst/>
-    <dgm:layoutNode name="dummyMaxCanvas">
-      <dgm:varLst/>
-      <dgm:alg type="sp"/>
-      <dgm:shape xmlns:r="http://schemas.openxmlformats.org/officeDocument/2006/relationships" r:blip="">
-        <dgm:adjLst/>
-      </dgm:shape>
-      <dgm:presOf/>
-      <dgm:constrLst/>
-      <dgm:ruleLst/>
-    </dgm:layoutNode>
-    <dgm:choose name="Name3">
-      <dgm:if name="Name4" axis="ch" ptType="node" func="cnt" op="equ" val="1">
-        <dgm:layoutNode name="OneNode_1">
-          <dgm:varLst>
-            <dgm:bulletEnabled val="1"/>
-          </dgm:varLst>
-          <dgm:alg type="tx"/>
-          <dgm:shape xmlns:r="http://schemas.openxmlformats.org/officeDocument/2006/relationships" type="roundRect" r:blip="">
-            <dgm:adjLst>
-              <dgm:adj idx="1" val="0.1"/>
-            </dgm:adjLst>
-          </dgm:shape>
-          <dgm:presOf axis="ch desOrSelf" ptType="node node" st="1 1" cnt="1 0"/>
-          <dgm:constrLst>
-            <dgm:constr type="lMarg" refType="primFontSz" fact="0.3"/>
-            <dgm:constr type="rMarg" refType="primFontSz" fact="0.3"/>
-            <dgm:constr type="tMarg" refType="primFontSz" fact="0.3"/>
-            <dgm:constr type="bMarg" refType="primFontSz" fact="0.3"/>
-          </dgm:constrLst>
-          <dgm:ruleLst>
-            <dgm:rule type="primFontSz" val="5" fact="NaN" max="NaN"/>
-          </dgm:ruleLst>
-        </dgm:layoutNode>
-      </dgm:if>
-      <dgm:else name="Name5">
-        <dgm:choose name="Name6">
-          <dgm:if name="Name7" axis="ch" ptType="node" func="cnt" op="equ" val="2">
-            <dgm:layoutNode name="TwoNodes_1">
-              <dgm:varLst>
-                <dgm:bulletEnabled val="1"/>
-              </dgm:varLst>
-              <dgm:alg type="sp"/>
-              <dgm:shape xmlns:r="http://schemas.openxmlformats.org/officeDocument/2006/relationships" type="roundRect" r:blip="">
-                <dgm:adjLst>
-                  <dgm:adj idx="1" val="0.1"/>
-                </dgm:adjLst>
-              </dgm:shape>
-              <dgm:presOf axis="ch desOrSelf" ptType="node node" st="1 1" cnt="1 0"/>
-              <dgm:constrLst/>
-              <dgm:ruleLst/>
-            </dgm:layoutNode>
-            <dgm:layoutNode name="TwoNodes_2">
-              <dgm:varLst>
-                <dgm:bulletEnabled val="1"/>
-              </dgm:varLst>
-              <dgm:alg type="sp"/>
-              <dgm:shape xmlns:r="http://schemas.openxmlformats.org/officeDocument/2006/relationships" type="roundRect" r:blip="">
-                <dgm:adjLst>
-                  <dgm:adj idx="1" val="0.1"/>
-                </dgm:adjLst>
-              </dgm:shape>
-              <dgm:presOf axis="ch desOrSelf" ptType="node node" st="2 1" cnt="1 0"/>
-              <dgm:constrLst/>
-              <dgm:ruleLst/>
-            </dgm:layoutNode>
-            <dgm:layoutNode name="TwoConn_1-2" styleLbl="fgAccFollowNode1">
-              <dgm:varLst>
-                <dgm:bulletEnabled val="1"/>
-              </dgm:varLst>
-              <dgm:alg type="tx"/>
-              <dgm:shape xmlns:r="http://schemas.openxmlformats.org/officeDocument/2006/relationships" type="downArrow" r:blip="">
-                <dgm:adjLst>
-                  <dgm:adj idx="1" val="0.55"/>
-                  <dgm:adj idx="2" val="0.45"/>
-                </dgm:adjLst>
-              </dgm:shape>
-              <dgm:presOf axis="ch" ptType="sibTrans" cnt="1"/>
-              <dgm:constrLst>
-                <dgm:constr type="lMarg" refType="primFontSz" fact="0.1"/>
-                <dgm:constr type="rMarg" refType="primFontSz" fact="0.1"/>
-                <dgm:constr type="tMarg" refType="primFontSz" fact="0.1"/>
-                <dgm:constr type="bMarg" refType="primFontSz" fact="0.1"/>
-              </dgm:constrLst>
-              <dgm:ruleLst>
-                <dgm:rule type="primFontSz" val="5" fact="NaN" max="NaN"/>
-              </dgm:ruleLst>
-            </dgm:layoutNode>
-            <dgm:layoutNode name="TwoNodes_1_text">
-              <dgm:varLst>
-                <dgm:bulletEnabled val="1"/>
-              </dgm:varLst>
-              <dgm:alg type="tx">
-                <dgm:param type="parTxLTRAlign" val="l"/>
-                <dgm:param type="txAnchorVertCh" val="mid"/>
-              </dgm:alg>
-              <dgm:shape xmlns:r="http://schemas.openxmlformats.org/officeDocument/2006/relationships" type="roundRect" r:blip="" hideGeom="1">
-                <dgm:adjLst>
-                  <dgm:adj idx="1" val="0.1"/>
-                </dgm:adjLst>
-              </dgm:shape>
-              <dgm:presOf axis="ch desOrSelf" ptType="node node" st="1 1" cnt="1 0"/>
-              <dgm:constrLst>
-                <dgm:constr type="lMarg" refType="primFontSz" fact="0.3"/>
-                <dgm:constr type="rMarg" refType="primFontSz" fact="0.3"/>
-                <dgm:constr type="tMarg" refType="primFontSz" fact="0.3"/>
-                <dgm:constr type="bMarg" refType="primFontSz" fact="0.3"/>
-              </dgm:constrLst>
-              <dgm:ruleLst>
-                <dgm:rule type="primFontSz" val="5" fact="NaN" max="NaN"/>
-              </dgm:ruleLst>
-            </dgm:layoutNode>
-            <dgm:layoutNode name="TwoNodes_2_text">
-              <dgm:varLst>
-                <dgm:bulletEnabled val="1"/>
-              </dgm:varLst>
-              <dgm:alg type="tx">
-                <dgm:param type="parTxLTRAlign" val="l"/>
-                <dgm:param type="txAnchorVertCh" val="mid"/>
-              </dgm:alg>
-              <dgm:shape xmlns:r="http://schemas.openxmlformats.org/officeDocument/2006/relationships" type="roundRect" r:blip="" hideGeom="1">
-                <dgm:adjLst>
-                  <dgm:adj idx="1" val="0.1"/>
-                </dgm:adjLst>
-              </dgm:shape>
-              <dgm:presOf axis="ch desOrSelf" ptType="node node" st="2 1" cnt="1 0"/>
-              <dgm:constrLst>
-                <dgm:constr type="lMarg" refType="primFontSz" fact="0.3"/>
-                <dgm:constr type="rMarg" refType="primFontSz" fact="0.3"/>
-                <dgm:constr type="tMarg" refType="primFontSz" fact="0.3"/>
-                <dgm:constr type="bMarg" refType="primFontSz" fact="0.3"/>
-              </dgm:constrLst>
-              <dgm:ruleLst>
-                <dgm:rule type="primFontSz" val="5" fact="NaN" max="NaN"/>
-              </dgm:ruleLst>
-            </dgm:layoutNode>
-          </dgm:if>
-          <dgm:else name="Name8">
-            <dgm:choose name="Name9">
-              <dgm:if name="Name10" axis="ch" ptType="node" func="cnt" op="equ" val="3">
-                <dgm:layoutNode name="ThreeNodes_1">
-                  <dgm:varLst>
-                    <dgm:bulletEnabled val="1"/>
-                  </dgm:varLst>
-                  <dgm:alg type="sp"/>
-                  <dgm:shape xmlns:r="http://schemas.openxmlformats.org/officeDocument/2006/relationships" type="roundRect" r:blip="">
-                    <dgm:adjLst>
-                      <dgm:adj idx="1" val="0.1"/>
-                    </dgm:adjLst>
-                  </dgm:shape>
-                  <dgm:presOf axis="ch desOrSelf" ptType="node node" st="1 1" cnt="1 0"/>
-                  <dgm:constrLst/>
-                  <dgm:ruleLst/>
-                </dgm:layoutNode>
-                <dgm:layoutNode name="ThreeNodes_2">
-                  <dgm:varLst>
-                    <dgm:bulletEnabled val="1"/>
-                  </dgm:varLst>
-                  <dgm:alg type="sp"/>
-                  <dgm:shape xmlns:r="http://schemas.openxmlformats.org/officeDocument/2006/relationships" type="roundRect" r:blip="">
-                    <dgm:adjLst>
-                      <dgm:adj idx="1" val="0.1"/>
-                    </dgm:adjLst>
-                  </dgm:shape>
-                  <dgm:presOf axis="ch desOrSelf" ptType="node node" st="2 1" cnt="1 0"/>
-                  <dgm:constrLst/>
-                  <dgm:ruleLst/>
-                </dgm:layoutNode>
-                <dgm:layoutNode name="ThreeNodes_3">
-                  <dgm:varLst>
-                    <dgm:bulletEnabled val="1"/>
-                  </dgm:varLst>
-                  <dgm:alg type="sp"/>
-                  <dgm:shape xmlns:r="http://schemas.openxmlformats.org/officeDocument/2006/relationships" type="roundRect" r:blip="">
-                    <dgm:adjLst>
-                      <dgm:adj idx="1" val="0.1"/>
-                    </dgm:adjLst>
-                  </dgm:shape>
-                  <dgm:presOf axis="ch desOrSelf" ptType="node node" st="3 1" cnt="1 0"/>
-                  <dgm:constrLst/>
-                  <dgm:ruleLst/>
-                </dgm:layoutNode>
-                <dgm:layoutNode name="ThreeConn_1-2" styleLbl="fgAccFollowNode1">
-                  <dgm:varLst>
-                    <dgm:bulletEnabled val="1"/>
-                  </dgm:varLst>
-                  <dgm:alg type="tx"/>
-                  <dgm:shape xmlns:r="http://schemas.openxmlformats.org/officeDocument/2006/relationships" type="downArrow" r:blip="">
-                    <dgm:adjLst>
-                      <dgm:adj idx="1" val="0.55"/>
-                      <dgm:adj idx="2" val="0.45"/>
-                    </dgm:adjLst>
-                  </dgm:shape>
-                  <dgm:presOf axis="ch" ptType="sibTrans" cnt="1"/>
-                  <dgm:constrLst>
-                    <dgm:constr type="lMarg" refType="primFontSz" fact="0.1"/>
-                    <dgm:constr type="rMarg" refType="primFontSz" fact="0.1"/>
-                    <dgm:constr type="tMarg" refType="primFontSz" fact="0.1"/>
-                    <dgm:constr type="bMarg" refType="primFontSz" fact="0.1"/>
-                  </dgm:constrLst>
-                  <dgm:ruleLst>
-                    <dgm:rule type="primFontSz" val="5" fact="NaN" max="NaN"/>
-                  </dgm:ruleLst>
-                </dgm:layoutNode>
-                <dgm:layoutNode name="ThreeConn_2-3" styleLbl="fgAccFollowNode1">
-                  <dgm:varLst>
-                    <dgm:bulletEnabled val="1"/>
-                  </dgm:varLst>
-                  <dgm:alg type="tx"/>
-                  <dgm:shape xmlns:r="http://schemas.openxmlformats.org/officeDocument/2006/relationships" type="downArrow" r:blip="">
-                    <dgm:adjLst>
-                      <dgm:adj idx="1" val="0.55"/>
-                      <dgm:adj idx="2" val="0.45"/>
-                    </dgm:adjLst>
-                  </dgm:shape>
-                  <dgm:presOf axis="ch" ptType="sibTrans" st="2" cnt="1"/>
-                  <dgm:constrLst>
-                    <dgm:constr type="lMarg" refType="primFontSz" fact="0.1"/>
-                    <dgm:constr type="rMarg" refType="primFontSz" fact="0.1"/>
-                    <dgm:constr type="tMarg" refType="primFontSz" fact="0.1"/>
-                    <dgm:constr type="bMarg" refType="primFontSz" fact="0.1"/>
-                  </dgm:constrLst>
-                  <dgm:ruleLst>
-                    <dgm:rule type="primFontSz" val="5" fact="NaN" max="NaN"/>
-                  </dgm:ruleLst>
-                </dgm:layoutNode>
-                <dgm:layoutNode name="ThreeNodes_1_text">
-                  <dgm:varLst>
-                    <dgm:bulletEnabled val="1"/>
-                  </dgm:varLst>
-                  <dgm:alg type="tx">
-                    <dgm:param type="parTxLTRAlign" val="l"/>
-                    <dgm:param type="txAnchorVertCh" val="mid"/>
-                  </dgm:alg>
-                  <dgm:shape xmlns:r="http://schemas.openxmlformats.org/officeDocument/2006/relationships" type="roundRect" r:blip="" hideGeom="1">
-                    <dgm:adjLst>
-                      <dgm:adj idx="1" val="0.1"/>
-                    </dgm:adjLst>
-                  </dgm:shape>
-                  <dgm:presOf axis="ch desOrSelf" ptType="node node" st="1 1" cnt="1 0"/>
-                  <dgm:constrLst>
-                    <dgm:constr type="lMarg" refType="primFontSz" fact="0.3"/>
-                    <dgm:constr type="rMarg" refType="primFontSz" fact="0.3"/>
-                    <dgm:constr type="tMarg" refType="primFontSz" fact="0.3"/>
-                    <dgm:constr type="bMarg" refType="primFontSz" fact="0.3"/>
-                  </dgm:constrLst>
-                  <dgm:ruleLst>
-                    <dgm:rule type="primFontSz" val="5" fact="NaN" max="NaN"/>
-                  </dgm:ruleLst>
-                </dgm:layoutNode>
-                <dgm:layoutNode name="ThreeNodes_2_text">
-                  <dgm:varLst>
-                    <dgm:bulletEnabled val="1"/>
-                  </dgm:varLst>
-                  <dgm:alg type="tx">
-                    <dgm:param type="parTxLTRAlign" val="l"/>
-                    <dgm:param type="txAnchorVertCh" val="mid"/>
-                  </dgm:alg>
-                  <dgm:shape xmlns:r="http://schemas.openxmlformats.org/officeDocument/2006/relationships" type="roundRect" r:blip="" hideGeom="1">
-                    <dgm:adjLst>
-                      <dgm:adj idx="1" val="0.1"/>
-                    </dgm:adjLst>
-                  </dgm:shape>
-                  <dgm:presOf axis="ch desOrSelf" ptType="node node" st="2 1" cnt="1 0"/>
-                  <dgm:constrLst>
-                    <dgm:constr type="lMarg" refType="primFontSz" fact="0.3"/>
-                    <dgm:constr type="rMarg" refType="primFontSz" fact="0.3"/>
-                    <dgm:constr type="tMarg" refType="primFontSz" fact="0.3"/>
-                    <dgm:constr type="bMarg" refType="primFontSz" fact="0.3"/>
-                  </dgm:constrLst>
-                  <dgm:ruleLst>
-                    <dgm:rule type="primFontSz" val="5" fact="NaN" max="NaN"/>
-                  </dgm:ruleLst>
-                </dgm:layoutNode>
-                <dgm:layoutNode name="ThreeNodes_3_text">
-                  <dgm:varLst>
-                    <dgm:bulletEnabled val="1"/>
-                  </dgm:varLst>
-                  <dgm:alg type="tx">
-                    <dgm:param type="parTxLTRAlign" val="l"/>
-                    <dgm:param type="txAnchorVertCh" val="mid"/>
-                  </dgm:alg>
-                  <dgm:shape xmlns:r="http://schemas.openxmlformats.org/officeDocument/2006/relationships" type="roundRect" r:blip="" hideGeom="1">
-                    <dgm:adjLst>
-                      <dgm:adj idx="1" val="0.1"/>
-                    </dgm:adjLst>
-                  </dgm:shape>
-                  <dgm:presOf axis="ch desOrSelf" ptType="node node" st="3 1" cnt="1 0"/>
-                  <dgm:constrLst>
-                    <dgm:constr type="lMarg" refType="primFontSz" fact="0.3"/>
-                    <dgm:constr type="rMarg" refType="primFontSz" fact="0.3"/>
-                    <dgm:constr type="tMarg" refType="primFontSz" fact="0.3"/>
-                    <dgm:constr type="bMarg" refType="primFontSz" fact="0.3"/>
-                  </dgm:constrLst>
-                  <dgm:ruleLst>
-                    <dgm:rule type="primFontSz" val="5" fact="NaN" max="NaN"/>
-                  </dgm:ruleLst>
-                </dgm:layoutNode>
-              </dgm:if>
-              <dgm:else name="Name11">
-                <dgm:choose name="Name12">
-                  <dgm:if name="Name13" axis="ch" ptType="node" func="cnt" op="equ" val="4">
-                    <dgm:layoutNode name="FourNodes_1">
-                      <dgm:varLst>
-                        <dgm:bulletEnabled val="1"/>
-                      </dgm:varLst>
-                      <dgm:alg type="sp"/>
-                      <dgm:shape xmlns:r="http://schemas.openxmlformats.org/officeDocument/2006/relationships" type="roundRect" r:blip="">
-                        <dgm:adjLst>
-                          <dgm:adj idx="1" val="0.1"/>
-                        </dgm:adjLst>
-                      </dgm:shape>
-                      <dgm:presOf axis="ch desOrSelf" ptType="node node" st="1 1" cnt="1 0"/>
-                      <dgm:constrLst/>
-                      <dgm:ruleLst/>
-                    </dgm:layoutNode>
-                    <dgm:layoutNode name="FourNodes_2">
-                      <dgm:varLst>
-                        <dgm:bulletEnabled val="1"/>
-                      </dgm:varLst>
-                      <dgm:alg type="sp"/>
-                      <dgm:shape xmlns:r="http://schemas.openxmlformats.org/officeDocument/2006/relationships" type="roundRect" r:blip="">
-                        <dgm:adjLst>
-                          <dgm:adj idx="1" val="0.1"/>
-                        </dgm:adjLst>
-                      </dgm:shape>
-                      <dgm:presOf axis="ch desOrSelf" ptType="node node" st="2 1" cnt="1 0"/>
-                      <dgm:constrLst/>
-                      <dgm:ruleLst/>
-                    </dgm:layoutNode>
-                    <dgm:layoutNode name="FourNodes_3">
-                      <dgm:varLst>
-                        <dgm:bulletEnabled val="1"/>
-                      </dgm:varLst>
-                      <dgm:alg type="sp"/>
-                      <dgm:shape xmlns:r="http://schemas.openxmlformats.org/officeDocument/2006/relationships" type="roundRect" r:blip="">
-                        <dgm:adjLst>
-                          <dgm:adj idx="1" val="0.1"/>
-                        </dgm:adjLst>
-                      </dgm:shape>
-                      <dgm:presOf axis="ch desOrSelf" ptType="node node" st="3 1" cnt="1 0"/>
-                      <dgm:constrLst/>
-                      <dgm:ruleLst/>
-                    </dgm:layoutNode>
-                    <dgm:layoutNode name="FourNodes_4">
-                      <dgm:varLst>
-                        <dgm:bulletEnabled val="1"/>
-                      </dgm:varLst>
-                      <dgm:alg type="sp"/>
-                      <dgm:shape xmlns:r="http://schemas.openxmlformats.org/officeDocument/2006/relationships" type="roundRect" r:blip="">
-                        <dgm:adjLst>
-                          <dgm:adj idx="1" val="0.1"/>
-                        </dgm:adjLst>
-                      </dgm:shape>
-                      <dgm:presOf axis="ch desOrSelf" ptType="node node" st="4 1" cnt="1 0"/>
-                      <dgm:constrLst/>
-                      <dgm:ruleLst/>
-                    </dgm:layoutNode>
-                    <dgm:layoutNode name="FourConn_1-2" styleLbl="fgAccFollowNode1">
-                      <dgm:varLst>
-                        <dgm:bulletEnabled val="1"/>
-                      </dgm:varLst>
-                      <dgm:alg type="tx"/>
-                      <dgm:shape xmlns:r="http://schemas.openxmlformats.org/officeDocument/2006/relationships" type="downArrow" r:blip="">
-                        <dgm:adjLst>
-                          <dgm:adj idx="1" val="0.55"/>
-                          <dgm:adj idx="2" val="0.45"/>
-                        </dgm:adjLst>
-                      </dgm:shape>
-                      <dgm:presOf axis="ch" ptType="sibTrans" cnt="1"/>
-                      <dgm:constrLst>
-                        <dgm:constr type="lMarg" refType="primFontSz" fact="0.1"/>
-                        <dgm:constr type="rMarg" refType="primFontSz" fact="0.1"/>
-                        <dgm:constr type="tMarg" refType="primFontSz" fact="0.1"/>
-                        <dgm:constr type="bMarg" refType="primFontSz" fact="0.1"/>
-                      </dgm:constrLst>
-                      <dgm:ruleLst>
-                        <dgm:rule type="primFontSz" val="5" fact="NaN" max="NaN"/>
-                      </dgm:ruleLst>
-                    </dgm:layoutNode>
-                    <dgm:layoutNode name="FourConn_2-3" styleLbl="fgAccFollowNode1">
-                      <dgm:varLst>
-                        <dgm:bulletEnabled val="1"/>
-                      </dgm:varLst>
-                      <dgm:alg type="tx"/>
-                      <dgm:shape xmlns:r="http://schemas.openxmlformats.org/officeDocument/2006/relationships" type="downArrow" r:blip="">
-                        <dgm:adjLst>
-                          <dgm:adj idx="1" val="0.55"/>
-                          <dgm:adj idx="2" val="0.45"/>
-                        </dgm:adjLst>
-                      </dgm:shape>
-                      <dgm:presOf axis="ch" ptType="sibTrans" st="2" cnt="1"/>
-                      <dgm:constrLst>
-                        <dgm:constr type="lMarg" refType="primFontSz" fact="0.1"/>
-                        <dgm:constr type="rMarg" refType="primFontSz" fact="0.1"/>
-                        <dgm:constr type="tMarg" refType="primFontSz" fact="0.1"/>
-                        <dgm:constr type="bMarg" refType="primFontSz" fact="0.1"/>
-                      </dgm:constrLst>
-                      <dgm:ruleLst>
-                        <dgm:rule type="primFontSz" val="5" fact="NaN" max="NaN"/>
-                      </dgm:ruleLst>
-                    </dgm:layoutNode>
-                    <dgm:layoutNode name="FourConn_3-4" styleLbl="fgAccFollowNode1">
-                      <dgm:varLst>
-                        <dgm:bulletEnabled val="1"/>
-                      </dgm:varLst>
-                      <dgm:alg type="tx"/>
-                      <dgm:shape xmlns:r="http://schemas.openxmlformats.org/officeDocument/2006/relationships" type="downArrow" r:blip="">
-                        <dgm:adjLst>
-                          <dgm:adj idx="1" val="0.55"/>
-                          <dgm:adj idx="2" val="0.45"/>
-                        </dgm:adjLst>
-                      </dgm:shape>
-                      <dgm:presOf axis="ch" ptType="sibTrans" st="3" cnt="1"/>
-                      <dgm:constrLst>
-                        <dgm:constr type="lMarg" refType="primFontSz" fact="0.1"/>
-                        <dgm:constr type="rMarg" refType="primFontSz" fact="0.1"/>
-                        <dgm:constr type="tMarg" refType="primFontSz" fact="0.1"/>
-                        <dgm:constr type="bMarg" refType="primFontSz" fact="0.1"/>
-                      </dgm:constrLst>
-                      <dgm:ruleLst>
-                        <dgm:rule type="primFontSz" val="5" fact="NaN" max="NaN"/>
-                      </dgm:ruleLst>
-                    </dgm:layoutNode>
-                    <dgm:layoutNode name="FourNodes_1_text">
-                      <dgm:varLst>
-                        <dgm:bulletEnabled val="1"/>
-                      </dgm:varLst>
-                      <dgm:alg type="tx">
-                        <dgm:param type="parTxLTRAlign" val="l"/>
-                        <dgm:param type="txAnchorVertCh" val="mid"/>
-                      </dgm:alg>
-                      <dgm:shape xmlns:r="http://schemas.openxmlformats.org/officeDocument/2006/relationships" type="roundRect" r:blip="" hideGeom="1">
-                        <dgm:adjLst>
-                          <dgm:adj idx="1" val="0.1"/>
-                        </dgm:adjLst>
-                      </dgm:shape>
-                      <dgm:presOf axis="ch desOrSelf" ptType="node node" st="1 1" cnt="1 0"/>
-                      <dgm:constrLst>
-                        <dgm:constr type="lMarg" refType="primFontSz" fact="0.3"/>
-                        <dgm:constr type="rMarg" refType="primFontSz" fact="0.3"/>
-                        <dgm:constr type="tMarg" refType="primFontSz" fact="0.3"/>
-                        <dgm:constr type="bMarg" refType="primFontSz" fact="0.3"/>
-                      </dgm:constrLst>
-                      <dgm:ruleLst>
-                        <dgm:rule type="primFontSz" val="5" fact="NaN" max="NaN"/>
-                      </dgm:ruleLst>
-                    </dgm:layoutNode>
-                    <dgm:layoutNode name="FourNodes_2_text">
-                      <dgm:varLst>
-                        <dgm:bulletEnabled val="1"/>
-                      </dgm:varLst>
-                      <dgm:alg type="tx">
-                        <dgm:param type="parTxLTRAlign" val="l"/>
-                        <dgm:param type="txAnchorVertCh" val="mid"/>
-                      </dgm:alg>
-                      <dgm:shape xmlns:r="http://schemas.openxmlformats.org/officeDocument/2006/relationships" type="roundRect" r:blip="" hideGeom="1">
-                        <dgm:adjLst>
-                          <dgm:adj idx="1" val="0.1"/>
-                        </dgm:adjLst>
-                      </dgm:shape>
-                      <dgm:presOf axis="ch desOrSelf" ptType="node node" st="2 1" cnt="1 0"/>
-                      <dgm:constrLst>
-                        <dgm:constr type="lMarg" refType="primFontSz" fact="0.3"/>
-                        <dgm:constr type="rMarg" refType="primFontSz" fact="0.3"/>
-                        <dgm:constr type="tMarg" refType="primFontSz" fact="0.3"/>
-                        <dgm:constr type="bMarg" refType="primFontSz" fact="0.3"/>
-                      </dgm:constrLst>
-                      <dgm:ruleLst>
-                        <dgm:rule type="primFontSz" val="5" fact="NaN" max="NaN"/>
-                      </dgm:ruleLst>
-                    </dgm:layoutNode>
-                    <dgm:layoutNode name="FourNodes_3_text">
-                      <dgm:varLst>
-                        <dgm:bulletEnabled val="1"/>
-                      </dgm:varLst>
-                      <dgm:alg type="tx">
-                        <dgm:param type="parTxLTRAlign" val="l"/>
-                        <dgm:param type="txAnchorVertCh" val="mid"/>
-                      </dgm:alg>
-                      <dgm:shape xmlns:r="http://schemas.openxmlformats.org/officeDocument/2006/relationships" type="roundRect" r:blip="" hideGeom="1">
-                        <dgm:adjLst>
-                          <dgm:adj idx="1" val="0.1"/>
-                        </dgm:adjLst>
-                      </dgm:shape>
-                      <dgm:presOf axis="ch desOrSelf" ptType="node node" st="3 1" cnt="1 0"/>
-                      <dgm:constrLst>
-                        <dgm:constr type="lMarg" refType="primFontSz" fact="0.3"/>
-                        <dgm:constr type="rMarg" refType="primFontSz" fact="0.3"/>
-                        <dgm:constr type="tMarg" refType="primFontSz" fact="0.3"/>
-                        <dgm:constr type="bMarg" refType="primFontSz" fact="0.3"/>
-                      </dgm:constrLst>
-                      <dgm:ruleLst>
-                        <dgm:rule type="primFontSz" val="5" fact="NaN" max="NaN"/>
-                      </dgm:ruleLst>
-                    </dgm:layoutNode>
-                    <dgm:layoutNode name="FourNodes_4_text">
-                      <dgm:varLst>
-                        <dgm:bulletEnabled val="1"/>
-                      </dgm:varLst>
-                      <dgm:alg type="tx">
-                        <dgm:param type="parTxLTRAlign" val="l"/>
-                        <dgm:param type="txAnchorVertCh" val="mid"/>
-                      </dgm:alg>
-                      <dgm:shape xmlns:r="http://schemas.openxmlformats.org/officeDocument/2006/relationships" type="roundRect" r:blip="" hideGeom="1">
-                        <dgm:adjLst>
-                          <dgm:adj idx="1" val="0.1"/>
-                        </dgm:adjLst>
-                      </dgm:shape>
-                      <dgm:presOf axis="ch desOrSelf" ptType="node node" st="4 1" cnt="1 0"/>
-                      <dgm:constrLst>
-                        <dgm:constr type="lMarg" refType="primFontSz" fact="0.3"/>
-                        <dgm:constr type="rMarg" refType="primFontSz" fact="0.3"/>
-                        <dgm:constr type="tMarg" refType="primFontSz" fact="0.3"/>
-                        <dgm:constr type="bMarg" refType="primFontSz" fact="0.3"/>
-                      </dgm:constrLst>
-                      <dgm:ruleLst>
-                        <dgm:rule type="primFontSz" val="5" fact="NaN" max="NaN"/>
-                      </dgm:ruleLst>
-                    </dgm:layoutNode>
-                  </dgm:if>
-                  <dgm:else name="Name14">
-                    <dgm:choose name="Name15">
-                      <dgm:if name="Name16" axis="ch" ptType="node" func="cnt" op="gte" val="5">
-                        <dgm:layoutNode name="FiveNodes_1">
-                          <dgm:varLst>
-                            <dgm:bulletEnabled val="1"/>
-                          </dgm:varLst>
-                          <dgm:alg type="sp"/>
-                          <dgm:shape xmlns:r="http://schemas.openxmlformats.org/officeDocument/2006/relationships" type="roundRect" r:blip="">
-                            <dgm:adjLst>
-                              <dgm:adj idx="1" val="0.1"/>
-                            </dgm:adjLst>
-                          </dgm:shape>
-                          <dgm:presOf axis="ch desOrSelf" ptType="node node" st="1 1" cnt="1 0"/>
-                          <dgm:constrLst/>
-                          <dgm:ruleLst/>
-                        </dgm:layoutNode>
-                        <dgm:layoutNode name="FiveNodes_2">
-                          <dgm:varLst>
-                            <dgm:bulletEnabled val="1"/>
-                          </dgm:varLst>
-                          <dgm:alg type="sp"/>
-                          <dgm:shape xmlns:r="http://schemas.openxmlformats.org/officeDocument/2006/relationships" type="roundRect" r:blip="">
-                            <dgm:adjLst>
-                              <dgm:adj idx="1" val="0.1"/>
-                            </dgm:adjLst>
-                          </dgm:shape>
-                          <dgm:presOf axis="ch desOrSelf" ptType="node node" st="2 1" cnt="1 0"/>
-                          <dgm:constrLst/>
-                          <dgm:ruleLst/>
-                        </dgm:layoutNode>
-                        <dgm:layoutNode name="FiveNodes_3">
-                          <dgm:varLst>
-                            <dgm:bulletEnabled val="1"/>
-                          </dgm:varLst>
-                          <dgm:alg type="sp"/>
-                          <dgm:shape xmlns:r="http://schemas.openxmlformats.org/officeDocument/2006/relationships" type="roundRect" r:blip="">
-                            <dgm:adjLst>
-                              <dgm:adj idx="1" val="0.1"/>
-                            </dgm:adjLst>
-                          </dgm:shape>
-                          <dgm:presOf axis="ch desOrSelf" ptType="node node" st="3 1" cnt="1 0"/>
-                          <dgm:constrLst/>
-                          <dgm:ruleLst/>
-                        </dgm:layoutNode>
-                        <dgm:layoutNode name="FiveNodes_4">
-                          <dgm:varLst>
-                            <dgm:bulletEnabled val="1"/>
-                          </dgm:varLst>
-                          <dgm:alg type="sp"/>
-                          <dgm:shape xmlns:r="http://schemas.openxmlformats.org/officeDocument/2006/relationships" type="roundRect" r:blip="">
-                            <dgm:adjLst>
-                              <dgm:adj idx="1" val="0.1"/>
-                            </dgm:adjLst>
-                          </dgm:shape>
-                          <dgm:presOf axis="ch desOrSelf" ptType="node node" st="4 1" cnt="1 0"/>
-                          <dgm:constrLst/>
-                          <dgm:ruleLst/>
-                        </dgm:layoutNode>
-                        <dgm:layoutNode name="FiveNodes_5">
-                          <dgm:varLst>
-                            <dgm:bulletEnabled val="1"/>
-                          </dgm:varLst>
-                          <dgm:alg type="sp"/>
-                          <dgm:shape xmlns:r="http://schemas.openxmlformats.org/officeDocument/2006/relationships" type="roundRect" r:blip="">
-                            <dgm:adjLst>
-                              <dgm:adj idx="1" val="0.1"/>
-                            </dgm:adjLst>
-                          </dgm:shape>
-                          <dgm:presOf axis="ch desOrSelf" ptType="node node" st="5 1" cnt="1 0"/>
-                          <dgm:constrLst/>
-                          <dgm:ruleLst/>
-                        </dgm:layoutNode>
-                        <dgm:layoutNode name="FiveConn_1-2" styleLbl="fgAccFollowNode1">
-                          <dgm:varLst>
-                            <dgm:bulletEnabled val="1"/>
-                          </dgm:varLst>
-                          <dgm:alg type="tx"/>
-                          <dgm:shape xmlns:r="http://schemas.openxmlformats.org/officeDocument/2006/relationships" type="downArrow" r:blip="">
-                            <dgm:adjLst>
-                              <dgm:adj idx="1" val="0.55"/>
-                              <dgm:adj idx="2" val="0.45"/>
-                            </dgm:adjLst>
-                          </dgm:shape>
-                          <dgm:presOf axis="ch" ptType="sibTrans" cnt="1"/>
-                          <dgm:constrLst>
-                            <dgm:constr type="lMarg" refType="primFontSz" fact="0.1"/>
-                            <dgm:constr type="rMarg" refType="primFontSz" fact="0.1"/>
-                            <dgm:constr type="tMarg" refType="primFontSz" fact="0.1"/>
-                            <dgm:constr type="bMarg" refType="primFontSz" fact="0.1"/>
-                          </dgm:constrLst>
-                          <dgm:ruleLst>
-                            <dgm:rule type="primFontSz" val="5" fact="NaN" max="NaN"/>
-                          </dgm:ruleLst>
-                        </dgm:layoutNode>
-                        <dgm:layoutNode name="FiveConn_2-3" styleLbl="fgAccFollowNode1">
-                          <dgm:varLst>
-                            <dgm:bulletEnabled val="1"/>
-                          </dgm:varLst>
-                          <dgm:alg type="tx"/>
-                          <dgm:shape xmlns:r="http://schemas.openxmlformats.org/officeDocument/2006/relationships" type="downArrow" r:blip="">
-                            <dgm:adjLst>
-                              <dgm:adj idx="1" val="0.55"/>
-                              <dgm:adj idx="2" val="0.45"/>
-                            </dgm:adjLst>
-                          </dgm:shape>
-                          <dgm:presOf axis="ch" ptType="sibTrans" st="2" cnt="1"/>
-                          <dgm:constrLst>
-                            <dgm:constr type="lMarg" refType="primFontSz" fact="0.1"/>
-                            <dgm:constr type="rMarg" refType="primFontSz" fact="0.1"/>
-                            <dgm:constr type="tMarg" refType="primFontSz" fact="0.1"/>
-                            <dgm:constr type="bMarg" refType="primFontSz" fact="0.1"/>
-                          </dgm:constrLst>
-                          <dgm:ruleLst>
-                            <dgm:rule type="primFontSz" val="5" fact="NaN" max="NaN"/>
-                          </dgm:ruleLst>
-                        </dgm:layoutNode>
-                        <dgm:layoutNode name="FiveConn_3-4" styleLbl="fgAccFollowNode1">
-                          <dgm:varLst>
-                            <dgm:bulletEnabled val="1"/>
-                          </dgm:varLst>
-                          <dgm:alg type="tx"/>
-                          <dgm:shape xmlns:r="http://schemas.openxmlformats.org/officeDocument/2006/relationships" type="downArrow" r:blip="">
-                            <dgm:adjLst>
-                              <dgm:adj idx="1" val="0.55"/>
-                              <dgm:adj idx="2" val="0.45"/>
-                            </dgm:adjLst>
-                          </dgm:shape>
-                          <dgm:presOf axis="ch" ptType="sibTrans" st="3" cnt="1"/>
-                          <dgm:constrLst>
-                            <dgm:constr type="lMarg" refType="primFontSz" fact="0.1"/>
-                            <dgm:constr type="rMarg" refType="primFontSz" fact="0.1"/>
-                            <dgm:constr type="tMarg" refType="primFontSz" fact="0.1"/>
-                            <dgm:constr type="bMarg" refType="primFontSz" fact="0.1"/>
-                          </dgm:constrLst>
-                          <dgm:ruleLst>
-                            <dgm:rule type="primFontSz" val="5" fact="NaN" max="NaN"/>
-                          </dgm:ruleLst>
-                        </dgm:layoutNode>
-                        <dgm:layoutNode name="FiveConn_4-5" styleLbl="fgAccFollowNode1">
-                          <dgm:varLst>
-                            <dgm:bulletEnabled val="1"/>
-                          </dgm:varLst>
-                          <dgm:alg type="tx"/>
-                          <dgm:shape xmlns:r="http://schemas.openxmlformats.org/officeDocument/2006/relationships" type="downArrow" r:blip="">
-                            <dgm:adjLst>
-                              <dgm:adj idx="1" val="0.55"/>
-                              <dgm:adj idx="2" val="0.45"/>
-                            </dgm:adjLst>
-                          </dgm:shape>
-                          <dgm:presOf axis="ch" ptType="sibTrans" st="4" cnt="1"/>
-                          <dgm:constrLst>
-                            <dgm:constr type="lMarg" refType="primFontSz" fact="0.1"/>
-                            <dgm:constr type="rMarg" refType="primFontSz" fact="0.1"/>
-                            <dgm:constr type="tMarg" refType="primFontSz" fact="0.1"/>
-                            <dgm:constr type="bMarg" refType="primFontSz" fact="0.1"/>
-                          </dgm:constrLst>
-                          <dgm:ruleLst>
-                            <dgm:rule type="primFontSz" val="5" fact="NaN" max="NaN"/>
-                          </dgm:ruleLst>
-                        </dgm:layoutNode>
-                        <dgm:layoutNode name="FiveNodes_1_text">
-                          <dgm:varLst>
-                            <dgm:bulletEnabled val="1"/>
-                          </dgm:varLst>
-                          <dgm:alg type="tx">
-                            <dgm:param type="parTxLTRAlign" val="l"/>
-                            <dgm:param type="txAnchorVertCh" val="mid"/>
-                          </dgm:alg>
-                          <dgm:shape xmlns:r="http://schemas.openxmlformats.org/officeDocument/2006/relationships" type="roundRect" r:blip="" hideGeom="1">
-                            <dgm:adjLst>
-                              <dgm:adj idx="1" val="0.1"/>
-                            </dgm:adjLst>
-                          </dgm:shape>
-                          <dgm:presOf axis="ch desOrSelf" ptType="node node" st="1 1" cnt="1 0"/>
-                          <dgm:constrLst>
-                            <dgm:constr type="lMarg" refType="primFontSz" fact="0.3"/>
-                            <dgm:constr type="rMarg" refType="primFontSz" fact="0.3"/>
-                            <dgm:constr type="tMarg" refType="primFontSz" fact="0.3"/>
-                            <dgm:constr type="bMarg" refType="primFontSz" fact="0.3"/>
-                          </dgm:constrLst>
-                          <dgm:ruleLst>
-                            <dgm:rule type="primFontSz" val="5" fact="NaN" max="NaN"/>
-                          </dgm:ruleLst>
-                        </dgm:layoutNode>
-                        <dgm:layoutNode name="FiveNodes_2_text">
-                          <dgm:varLst>
-                            <dgm:bulletEnabled val="1"/>
-                          </dgm:varLst>
-                          <dgm:alg type="tx">
-                            <dgm:param type="parTxLTRAlign" val="l"/>
-                            <dgm:param type="txAnchorVertCh" val="mid"/>
-                          </dgm:alg>
-                          <dgm:shape xmlns:r="http://schemas.openxmlformats.org/officeDocument/2006/relationships" type="roundRect" r:blip="" hideGeom="1">
-                            <dgm:adjLst>
-                              <dgm:adj idx="1" val="0.1"/>
-                            </dgm:adjLst>
-                          </dgm:shape>
-                          <dgm:presOf axis="ch desOrSelf" ptType="node node" st="2 1" cnt="1 0"/>
-                          <dgm:constrLst>
-                            <dgm:constr type="lMarg" refType="primFontSz" fact="0.3"/>
-                            <dgm:constr type="rMarg" refType="primFontSz" fact="0.3"/>
-                            <dgm:constr type="tMarg" refType="primFontSz" fact="0.3"/>
-                            <dgm:constr type="bMarg" refType="primFontSz" fact="0.3"/>
-                          </dgm:constrLst>
-                          <dgm:ruleLst>
-                            <dgm:rule type="primFontSz" val="5" fact="NaN" max="NaN"/>
-                          </dgm:ruleLst>
-                        </dgm:layoutNode>
-                        <dgm:layoutNode name="FiveNodes_3_text">
-                          <dgm:varLst>
-                            <dgm:bulletEnabled val="1"/>
-                          </dgm:varLst>
-                          <dgm:alg type="tx">
-                            <dgm:param type="parTxLTRAlign" val="l"/>
-                            <dgm:param type="txAnchorVertCh" val="mid"/>
-                          </dgm:alg>
-                          <dgm:shape xmlns:r="http://schemas.openxmlformats.org/officeDocument/2006/relationships" type="roundRect" r:blip="" hideGeom="1">
-                            <dgm:adjLst>
-                              <dgm:adj idx="1" val="0.1"/>
-                            </dgm:adjLst>
-                          </dgm:shape>
-                          <dgm:presOf axis="ch desOrSelf" ptType="node node" st="3 1" cnt="1 0"/>
-                          <dgm:constrLst>
-                            <dgm:constr type="lMarg" refType="primFontSz" fact="0.3"/>
-                            <dgm:constr type="rMarg" refType="primFontSz" fact="0.3"/>
-                            <dgm:constr type="tMarg" refType="primFontSz" fact="0.3"/>
-                            <dgm:constr type="bMarg" refType="primFontSz" fact="0.3"/>
-                          </dgm:constrLst>
-                          <dgm:ruleLst>
-                            <dgm:rule type="primFontSz" val="5" fact="NaN" max="NaN"/>
-                          </dgm:ruleLst>
-                        </dgm:layoutNode>
-                        <dgm:layoutNode name="FiveNodes_4_text">
-                          <dgm:varLst>
-                            <dgm:bulletEnabled val="1"/>
-                          </dgm:varLst>
-                          <dgm:alg type="tx">
-                            <dgm:param type="parTxLTRAlign" val="l"/>
-                            <dgm:param type="txAnchorVertCh" val="mid"/>
-                          </dgm:alg>
-                          <dgm:shape xmlns:r="http://schemas.openxmlformats.org/officeDocument/2006/relationships" type="roundRect" r:blip="" hideGeom="1">
-                            <dgm:adjLst>
-                              <dgm:adj idx="1" val="0.1"/>
-                            </dgm:adjLst>
-                          </dgm:shape>
-                          <dgm:presOf axis="ch desOrSelf" ptType="node node" st="4 1" cnt="1 0"/>
-                          <dgm:constrLst>
-                            <dgm:constr type="lMarg" refType="primFontSz" fact="0.3"/>
-                            <dgm:constr type="rMarg" refType="primFontSz" fact="0.3"/>
-                            <dgm:constr type="tMarg" refType="primFontSz" fact="0.3"/>
-                            <dgm:constr type="bMarg" refType="primFontSz" fact="0.3"/>
-                          </dgm:constrLst>
-                          <dgm:ruleLst>
-                            <dgm:rule type="primFontSz" val="5" fact="NaN" max="NaN"/>
-                          </dgm:ruleLst>
-                        </dgm:layoutNode>
-                        <dgm:layoutNode name="FiveNodes_5_text">
-                          <dgm:varLst>
-                            <dgm:bulletEnabled val="1"/>
-                          </dgm:varLst>
-                          <dgm:alg type="tx">
-                            <dgm:param type="parTxLTRAlign" val="l"/>
-                            <dgm:param type="txAnchorVertCh" val="mid"/>
-                          </dgm:alg>
-                          <dgm:shape xmlns:r="http://schemas.openxmlformats.org/officeDocument/2006/relationships" type="roundRect" r:blip="" hideGeom="1">
-                            <dgm:adjLst>
-                              <dgm:adj idx="1" val="0.1"/>
-                            </dgm:adjLst>
-                          </dgm:shape>
-                          <dgm:presOf axis="ch desOrSelf" ptType="node node" st="5 1" cnt="1 0"/>
-                          <dgm:constrLst>
-                            <dgm:constr type="lMarg" refType="primFontSz" fact="0.3"/>
-                            <dgm:constr type="rMarg" refType="primFontSz" fact="0.3"/>
-                            <dgm:constr type="tMarg" refType="primFontSz" fact="0.3"/>
-                            <dgm:constr type="bMarg" refType="primFontSz" fact="0.3"/>
-                          </dgm:constrLst>
-                          <dgm:ruleLst>
-                            <dgm:rule type="primFontSz" val="5" fact="NaN" max="NaN"/>
-                          </dgm:ruleLst>
-                        </dgm:layoutNode>
-                      </dgm:if>
-                      <dgm:else name="Name17"/>
-                    </dgm:choose>
-                  </dgm:else>
-                </dgm:choose>
-              </dgm:else>
-            </dgm:choose>
-          </dgm:else>
-        </dgm:choose>
-      </dgm:else>
-    </dgm:choose>
-  </dgm:layoutNode>
-</dgm:layoutDef>
-</file>
-
-<file path=ppt/diagrams/layout2.xml><?xml version="1.0" encoding="utf-8"?>
 <dgm:layoutDef xmlns:dgm="http://schemas.openxmlformats.org/drawingml/2006/diagram" xmlns:a="http://schemas.openxmlformats.org/drawingml/2006/main" uniqueId="urn:microsoft.com/office/officeart/2005/8/layout/vProcess5">
   <dgm:title val=""/>
   <dgm:desc val=""/>
@@ -8101,1040 +4346,6 @@
 </dgm:styleDef>
 </file>
 
-<file path=ppt/diagrams/quickStyle2.xml><?xml version="1.0" encoding="utf-8"?>
-<dgm:styleDef xmlns:dgm="http://schemas.openxmlformats.org/drawingml/2006/diagram" xmlns:a="http://schemas.openxmlformats.org/drawingml/2006/main" uniqueId="urn:microsoft.com/office/officeart/2005/8/quickstyle/simple4">
-  <dgm:title val=""/>
-  <dgm:desc val=""/>
-  <dgm:catLst>
-    <dgm:cat type="simple" pri="10400"/>
-  </dgm:catLst>
-  <dgm:scene3d>
-    <a:camera prst="orthographicFront"/>
-    <a:lightRig rig="threePt" dir="t"/>
-  </dgm:scene3d>
-  <dgm:styleLbl name="node0">
-    <dgm:scene3d>
-      <a:camera prst="orthographicFront"/>
-      <a:lightRig rig="threePt" dir="t"/>
-    </dgm:scene3d>
-    <dgm:sp3d/>
-    <dgm:txPr/>
-    <dgm:style>
-      <a:lnRef idx="0">
-        <a:scrgbClr r="0" g="0" b="0"/>
-      </a:lnRef>
-      <a:fillRef idx="3">
-        <a:scrgbClr r="0" g="0" b="0"/>
-      </a:fillRef>
-      <a:effectRef idx="2">
-        <a:scrgbClr r="0" g="0" b="0"/>
-      </a:effectRef>
-      <a:fontRef idx="minor">
-        <a:schemeClr val="lt1"/>
-      </a:fontRef>
-    </dgm:style>
-  </dgm:styleLbl>
-  <dgm:styleLbl name="lnNode1">
-    <dgm:scene3d>
-      <a:camera prst="orthographicFront"/>
-      <a:lightRig rig="threePt" dir="t"/>
-    </dgm:scene3d>
-    <dgm:sp3d/>
-    <dgm:txPr/>
-    <dgm:style>
-      <a:lnRef idx="1">
-        <a:scrgbClr r="0" g="0" b="0"/>
-      </a:lnRef>
-      <a:fillRef idx="3">
-        <a:scrgbClr r="0" g="0" b="0"/>
-      </a:fillRef>
-      <a:effectRef idx="2">
-        <a:scrgbClr r="0" g="0" b="0"/>
-      </a:effectRef>
-      <a:fontRef idx="minor">
-        <a:schemeClr val="lt1"/>
-      </a:fontRef>
-    </dgm:style>
-  </dgm:styleLbl>
-  <dgm:styleLbl name="vennNode1">
-    <dgm:scene3d>
-      <a:camera prst="orthographicFront"/>
-      <a:lightRig rig="threePt" dir="t"/>
-    </dgm:scene3d>
-    <dgm:sp3d/>
-    <dgm:txPr/>
-    <dgm:style>
-      <a:lnRef idx="0">
-        <a:scrgbClr r="0" g="0" b="0"/>
-      </a:lnRef>
-      <a:fillRef idx="3">
-        <a:scrgbClr r="0" g="0" b="0"/>
-      </a:fillRef>
-      <a:effectRef idx="0">
-        <a:scrgbClr r="0" g="0" b="0"/>
-      </a:effectRef>
-      <a:fontRef idx="minor">
-        <a:schemeClr val="tx1"/>
-      </a:fontRef>
-    </dgm:style>
-  </dgm:styleLbl>
-  <dgm:styleLbl name="alignNode1">
-    <dgm:scene3d>
-      <a:camera prst="orthographicFront"/>
-      <a:lightRig rig="threePt" dir="t"/>
-    </dgm:scene3d>
-    <dgm:sp3d/>
-    <dgm:txPr/>
-    <dgm:style>
-      <a:lnRef idx="1">
-        <a:scrgbClr r="0" g="0" b="0"/>
-      </a:lnRef>
-      <a:fillRef idx="3">
-        <a:scrgbClr r="0" g="0" b="0"/>
-      </a:fillRef>
-      <a:effectRef idx="2">
-        <a:scrgbClr r="0" g="0" b="0"/>
-      </a:effectRef>
-      <a:fontRef idx="minor">
-        <a:schemeClr val="lt1"/>
-      </a:fontRef>
-    </dgm:style>
-  </dgm:styleLbl>
-  <dgm:styleLbl name="node1">
-    <dgm:scene3d>
-      <a:camera prst="orthographicFront"/>
-      <a:lightRig rig="threePt" dir="t"/>
-    </dgm:scene3d>
-    <dgm:sp3d/>
-    <dgm:txPr/>
-    <dgm:style>
-      <a:lnRef idx="0">
-        <a:scrgbClr r="0" g="0" b="0"/>
-      </a:lnRef>
-      <a:fillRef idx="3">
-        <a:scrgbClr r="0" g="0" b="0"/>
-      </a:fillRef>
-      <a:effectRef idx="2">
-        <a:scrgbClr r="0" g="0" b="0"/>
-      </a:effectRef>
-      <a:fontRef idx="minor">
-        <a:schemeClr val="lt1"/>
-      </a:fontRef>
-    </dgm:style>
-  </dgm:styleLbl>
-  <dgm:styleLbl name="node2">
-    <dgm:scene3d>
-      <a:camera prst="orthographicFront"/>
-      <a:lightRig rig="threePt" dir="t"/>
-    </dgm:scene3d>
-    <dgm:sp3d/>
-    <dgm:txPr/>
-    <dgm:style>
-      <a:lnRef idx="0">
-        <a:scrgbClr r="0" g="0" b="0"/>
-      </a:lnRef>
-      <a:fillRef idx="3">
-        <a:scrgbClr r="0" g="0" b="0"/>
-      </a:fillRef>
-      <a:effectRef idx="2">
-        <a:scrgbClr r="0" g="0" b="0"/>
-      </a:effectRef>
-      <a:fontRef idx="minor">
-        <a:schemeClr val="lt1"/>
-      </a:fontRef>
-    </dgm:style>
-  </dgm:styleLbl>
-  <dgm:styleLbl name="node3">
-    <dgm:scene3d>
-      <a:camera prst="orthographicFront"/>
-      <a:lightRig rig="threePt" dir="t"/>
-    </dgm:scene3d>
-    <dgm:sp3d/>
-    <dgm:txPr/>
-    <dgm:style>
-      <a:lnRef idx="0">
-        <a:scrgbClr r="0" g="0" b="0"/>
-      </a:lnRef>
-      <a:fillRef idx="3">
-        <a:scrgbClr r="0" g="0" b="0"/>
-      </a:fillRef>
-      <a:effectRef idx="2">
-        <a:scrgbClr r="0" g="0" b="0"/>
-      </a:effectRef>
-      <a:fontRef idx="minor">
-        <a:schemeClr val="lt1"/>
-      </a:fontRef>
-    </dgm:style>
-  </dgm:styleLbl>
-  <dgm:styleLbl name="node4">
-    <dgm:scene3d>
-      <a:camera prst="orthographicFront"/>
-      <a:lightRig rig="threePt" dir="t"/>
-    </dgm:scene3d>
-    <dgm:sp3d/>
-    <dgm:txPr/>
-    <dgm:style>
-      <a:lnRef idx="0">
-        <a:scrgbClr r="0" g="0" b="0"/>
-      </a:lnRef>
-      <a:fillRef idx="3">
-        <a:scrgbClr r="0" g="0" b="0"/>
-      </a:fillRef>
-      <a:effectRef idx="2">
-        <a:scrgbClr r="0" g="0" b="0"/>
-      </a:effectRef>
-      <a:fontRef idx="minor">
-        <a:schemeClr val="lt1"/>
-      </a:fontRef>
-    </dgm:style>
-  </dgm:styleLbl>
-  <dgm:styleLbl name="fgImgPlace1">
-    <dgm:scene3d>
-      <a:camera prst="orthographicFront"/>
-      <a:lightRig rig="threePt" dir="t"/>
-    </dgm:scene3d>
-    <dgm:sp3d/>
-    <dgm:txPr/>
-    <dgm:style>
-      <a:lnRef idx="0">
-        <a:scrgbClr r="0" g="0" b="0"/>
-      </a:lnRef>
-      <a:fillRef idx="1">
-        <a:scrgbClr r="0" g="0" b="0"/>
-      </a:fillRef>
-      <a:effectRef idx="2">
-        <a:scrgbClr r="0" g="0" b="0"/>
-      </a:effectRef>
-      <a:fontRef idx="minor"/>
-    </dgm:style>
-  </dgm:styleLbl>
-  <dgm:styleLbl name="alignImgPlace1">
-    <dgm:scene3d>
-      <a:camera prst="orthographicFront"/>
-      <a:lightRig rig="threePt" dir="t"/>
-    </dgm:scene3d>
-    <dgm:sp3d/>
-    <dgm:txPr/>
-    <dgm:style>
-      <a:lnRef idx="0">
-        <a:scrgbClr r="0" g="0" b="0"/>
-      </a:lnRef>
-      <a:fillRef idx="1">
-        <a:scrgbClr r="0" g="0" b="0"/>
-      </a:fillRef>
-      <a:effectRef idx="2">
-        <a:scrgbClr r="0" g="0" b="0"/>
-      </a:effectRef>
-      <a:fontRef idx="minor"/>
-    </dgm:style>
-  </dgm:styleLbl>
-  <dgm:styleLbl name="bgImgPlace1">
-    <dgm:scene3d>
-      <a:camera prst="orthographicFront"/>
-      <a:lightRig rig="threePt" dir="t"/>
-    </dgm:scene3d>
-    <dgm:sp3d/>
-    <dgm:txPr/>
-    <dgm:style>
-      <a:lnRef idx="0">
-        <a:scrgbClr r="0" g="0" b="0"/>
-      </a:lnRef>
-      <a:fillRef idx="1">
-        <a:scrgbClr r="0" g="0" b="0"/>
-      </a:fillRef>
-      <a:effectRef idx="2">
-        <a:scrgbClr r="0" g="0" b="0"/>
-      </a:effectRef>
-      <a:fontRef idx="minor"/>
-    </dgm:style>
-  </dgm:styleLbl>
-  <dgm:styleLbl name="sibTrans2D1">
-    <dgm:scene3d>
-      <a:camera prst="orthographicFront"/>
-      <a:lightRig rig="threePt" dir="t"/>
-    </dgm:scene3d>
-    <dgm:sp3d/>
-    <dgm:txPr/>
-    <dgm:style>
-      <a:lnRef idx="0">
-        <a:scrgbClr r="0" g="0" b="0"/>
-      </a:lnRef>
-      <a:fillRef idx="3">
-        <a:scrgbClr r="0" g="0" b="0"/>
-      </a:fillRef>
-      <a:effectRef idx="2">
-        <a:scrgbClr r="0" g="0" b="0"/>
-      </a:effectRef>
-      <a:fontRef idx="minor">
-        <a:schemeClr val="lt1"/>
-      </a:fontRef>
-    </dgm:style>
-  </dgm:styleLbl>
-  <dgm:styleLbl name="fgSibTrans2D1">
-    <dgm:scene3d>
-      <a:camera prst="orthographicFront"/>
-      <a:lightRig rig="threePt" dir="t"/>
-    </dgm:scene3d>
-    <dgm:sp3d/>
-    <dgm:txPr/>
-    <dgm:style>
-      <a:lnRef idx="0">
-        <a:scrgbClr r="0" g="0" b="0"/>
-      </a:lnRef>
-      <a:fillRef idx="3">
-        <a:scrgbClr r="0" g="0" b="0"/>
-      </a:fillRef>
-      <a:effectRef idx="2">
-        <a:scrgbClr r="0" g="0" b="0"/>
-      </a:effectRef>
-      <a:fontRef idx="minor">
-        <a:schemeClr val="lt1"/>
-      </a:fontRef>
-    </dgm:style>
-  </dgm:styleLbl>
-  <dgm:styleLbl name="bgSibTrans2D1">
-    <dgm:scene3d>
-      <a:camera prst="orthographicFront"/>
-      <a:lightRig rig="threePt" dir="t"/>
-    </dgm:scene3d>
-    <dgm:sp3d/>
-    <dgm:txPr/>
-    <dgm:style>
-      <a:lnRef idx="0">
-        <a:scrgbClr r="0" g="0" b="0"/>
-      </a:lnRef>
-      <a:fillRef idx="3">
-        <a:scrgbClr r="0" g="0" b="0"/>
-      </a:fillRef>
-      <a:effectRef idx="2">
-        <a:scrgbClr r="0" g="0" b="0"/>
-      </a:effectRef>
-      <a:fontRef idx="minor">
-        <a:schemeClr val="lt1"/>
-      </a:fontRef>
-    </dgm:style>
-  </dgm:styleLbl>
-  <dgm:styleLbl name="sibTrans1D1">
-    <dgm:scene3d>
-      <a:camera prst="orthographicFront"/>
-      <a:lightRig rig="threePt" dir="t"/>
-    </dgm:scene3d>
-    <dgm:sp3d/>
-    <dgm:txPr/>
-    <dgm:style>
-      <a:lnRef idx="1">
-        <a:scrgbClr r="0" g="0" b="0"/>
-      </a:lnRef>
-      <a:fillRef idx="0">
-        <a:scrgbClr r="0" g="0" b="0"/>
-      </a:fillRef>
-      <a:effectRef idx="0">
-        <a:scrgbClr r="0" g="0" b="0"/>
-      </a:effectRef>
-      <a:fontRef idx="minor"/>
-    </dgm:style>
-  </dgm:styleLbl>
-  <dgm:styleLbl name="callout">
-    <dgm:scene3d>
-      <a:camera prst="orthographicFront"/>
-      <a:lightRig rig="threePt" dir="t"/>
-    </dgm:scene3d>
-    <dgm:sp3d/>
-    <dgm:txPr/>
-    <dgm:style>
-      <a:lnRef idx="2">
-        <a:scrgbClr r="0" g="0" b="0"/>
-      </a:lnRef>
-      <a:fillRef idx="1">
-        <a:scrgbClr r="0" g="0" b="0"/>
-      </a:fillRef>
-      <a:effectRef idx="1">
-        <a:scrgbClr r="0" g="0" b="0"/>
-      </a:effectRef>
-      <a:fontRef idx="minor"/>
-    </dgm:style>
-  </dgm:styleLbl>
-  <dgm:styleLbl name="asst0">
-    <dgm:scene3d>
-      <a:camera prst="orthographicFront"/>
-      <a:lightRig rig="threePt" dir="t"/>
-    </dgm:scene3d>
-    <dgm:sp3d/>
-    <dgm:txPr/>
-    <dgm:style>
-      <a:lnRef idx="0">
-        <a:scrgbClr r="0" g="0" b="0"/>
-      </a:lnRef>
-      <a:fillRef idx="3">
-        <a:scrgbClr r="0" g="0" b="0"/>
-      </a:fillRef>
-      <a:effectRef idx="2">
-        <a:scrgbClr r="0" g="0" b="0"/>
-      </a:effectRef>
-      <a:fontRef idx="minor">
-        <a:schemeClr val="lt1"/>
-      </a:fontRef>
-    </dgm:style>
-  </dgm:styleLbl>
-  <dgm:styleLbl name="asst1">
-    <dgm:scene3d>
-      <a:camera prst="orthographicFront"/>
-      <a:lightRig rig="threePt" dir="t"/>
-    </dgm:scene3d>
-    <dgm:sp3d/>
-    <dgm:txPr/>
-    <dgm:style>
-      <a:lnRef idx="0">
-        <a:scrgbClr r="0" g="0" b="0"/>
-      </a:lnRef>
-      <a:fillRef idx="3">
-        <a:scrgbClr r="0" g="0" b="0"/>
-      </a:fillRef>
-      <a:effectRef idx="2">
-        <a:scrgbClr r="0" g="0" b="0"/>
-      </a:effectRef>
-      <a:fontRef idx="minor">
-        <a:schemeClr val="lt1"/>
-      </a:fontRef>
-    </dgm:style>
-  </dgm:styleLbl>
-  <dgm:styleLbl name="asst2">
-    <dgm:scene3d>
-      <a:camera prst="orthographicFront"/>
-      <a:lightRig rig="threePt" dir="t"/>
-    </dgm:scene3d>
-    <dgm:sp3d/>
-    <dgm:txPr/>
-    <dgm:style>
-      <a:lnRef idx="0">
-        <a:scrgbClr r="0" g="0" b="0"/>
-      </a:lnRef>
-      <a:fillRef idx="3">
-        <a:scrgbClr r="0" g="0" b="0"/>
-      </a:fillRef>
-      <a:effectRef idx="2">
-        <a:scrgbClr r="0" g="0" b="0"/>
-      </a:effectRef>
-      <a:fontRef idx="minor">
-        <a:schemeClr val="lt1"/>
-      </a:fontRef>
-    </dgm:style>
-  </dgm:styleLbl>
-  <dgm:styleLbl name="asst3">
-    <dgm:scene3d>
-      <a:camera prst="orthographicFront"/>
-      <a:lightRig rig="threePt" dir="t"/>
-    </dgm:scene3d>
-    <dgm:sp3d/>
-    <dgm:txPr/>
-    <dgm:style>
-      <a:lnRef idx="0">
-        <a:scrgbClr r="0" g="0" b="0"/>
-      </a:lnRef>
-      <a:fillRef idx="3">
-        <a:scrgbClr r="0" g="0" b="0"/>
-      </a:fillRef>
-      <a:effectRef idx="2">
-        <a:scrgbClr r="0" g="0" b="0"/>
-      </a:effectRef>
-      <a:fontRef idx="minor">
-        <a:schemeClr val="lt1"/>
-      </a:fontRef>
-    </dgm:style>
-  </dgm:styleLbl>
-  <dgm:styleLbl name="asst4">
-    <dgm:scene3d>
-      <a:camera prst="orthographicFront"/>
-      <a:lightRig rig="threePt" dir="t"/>
-    </dgm:scene3d>
-    <dgm:sp3d/>
-    <dgm:txPr/>
-    <dgm:style>
-      <a:lnRef idx="0">
-        <a:scrgbClr r="0" g="0" b="0"/>
-      </a:lnRef>
-      <a:fillRef idx="3">
-        <a:scrgbClr r="0" g="0" b="0"/>
-      </a:fillRef>
-      <a:effectRef idx="2">
-        <a:scrgbClr r="0" g="0" b="0"/>
-      </a:effectRef>
-      <a:fontRef idx="minor">
-        <a:schemeClr val="lt1"/>
-      </a:fontRef>
-    </dgm:style>
-  </dgm:styleLbl>
-  <dgm:styleLbl name="parChTrans2D1">
-    <dgm:scene3d>
-      <a:camera prst="orthographicFront"/>
-      <a:lightRig rig="threePt" dir="t"/>
-    </dgm:scene3d>
-    <dgm:sp3d/>
-    <dgm:txPr/>
-    <dgm:style>
-      <a:lnRef idx="0">
-        <a:scrgbClr r="0" g="0" b="0"/>
-      </a:lnRef>
-      <a:fillRef idx="3">
-        <a:scrgbClr r="0" g="0" b="0"/>
-      </a:fillRef>
-      <a:effectRef idx="2">
-        <a:scrgbClr r="0" g="0" b="0"/>
-      </a:effectRef>
-      <a:fontRef idx="minor">
-        <a:schemeClr val="lt1"/>
-      </a:fontRef>
-    </dgm:style>
-  </dgm:styleLbl>
-  <dgm:styleLbl name="parChTrans2D2">
-    <dgm:scene3d>
-      <a:camera prst="orthographicFront"/>
-      <a:lightRig rig="threePt" dir="t"/>
-    </dgm:scene3d>
-    <dgm:sp3d/>
-    <dgm:txPr/>
-    <dgm:style>
-      <a:lnRef idx="0">
-        <a:scrgbClr r="0" g="0" b="0"/>
-      </a:lnRef>
-      <a:fillRef idx="3">
-        <a:scrgbClr r="0" g="0" b="0"/>
-      </a:fillRef>
-      <a:effectRef idx="2">
-        <a:scrgbClr r="0" g="0" b="0"/>
-      </a:effectRef>
-      <a:fontRef idx="minor">
-        <a:schemeClr val="lt1"/>
-      </a:fontRef>
-    </dgm:style>
-  </dgm:styleLbl>
-  <dgm:styleLbl name="parChTrans2D3">
-    <dgm:scene3d>
-      <a:camera prst="orthographicFront"/>
-      <a:lightRig rig="threePt" dir="t"/>
-    </dgm:scene3d>
-    <dgm:sp3d/>
-    <dgm:txPr/>
-    <dgm:style>
-      <a:lnRef idx="1">
-        <a:scrgbClr r="0" g="0" b="0"/>
-      </a:lnRef>
-      <a:fillRef idx="3">
-        <a:scrgbClr r="0" g="0" b="0"/>
-      </a:fillRef>
-      <a:effectRef idx="2">
-        <a:scrgbClr r="0" g="0" b="0"/>
-      </a:effectRef>
-      <a:fontRef idx="minor">
-        <a:schemeClr val="lt1"/>
-      </a:fontRef>
-    </dgm:style>
-  </dgm:styleLbl>
-  <dgm:styleLbl name="parChTrans2D4">
-    <dgm:scene3d>
-      <a:camera prst="orthographicFront"/>
-      <a:lightRig rig="threePt" dir="t"/>
-    </dgm:scene3d>
-    <dgm:sp3d/>
-    <dgm:txPr/>
-    <dgm:style>
-      <a:lnRef idx="1">
-        <a:scrgbClr r="0" g="0" b="0"/>
-      </a:lnRef>
-      <a:fillRef idx="3">
-        <a:scrgbClr r="0" g="0" b="0"/>
-      </a:fillRef>
-      <a:effectRef idx="2">
-        <a:scrgbClr r="0" g="0" b="0"/>
-      </a:effectRef>
-      <a:fontRef idx="minor">
-        <a:schemeClr val="lt1"/>
-      </a:fontRef>
-    </dgm:style>
-  </dgm:styleLbl>
-  <dgm:styleLbl name="parChTrans1D1">
-    <dgm:scene3d>
-      <a:camera prst="orthographicFront"/>
-      <a:lightRig rig="threePt" dir="t"/>
-    </dgm:scene3d>
-    <dgm:sp3d/>
-    <dgm:txPr/>
-    <dgm:style>
-      <a:lnRef idx="1">
-        <a:scrgbClr r="0" g="0" b="0"/>
-      </a:lnRef>
-      <a:fillRef idx="0">
-        <a:scrgbClr r="0" g="0" b="0"/>
-      </a:fillRef>
-      <a:effectRef idx="0">
-        <a:scrgbClr r="0" g="0" b="0"/>
-      </a:effectRef>
-      <a:fontRef idx="minor"/>
-    </dgm:style>
-  </dgm:styleLbl>
-  <dgm:styleLbl name="parChTrans1D2">
-    <dgm:scene3d>
-      <a:camera prst="orthographicFront"/>
-      <a:lightRig rig="threePt" dir="t"/>
-    </dgm:scene3d>
-    <dgm:sp3d/>
-    <dgm:txPr/>
-    <dgm:style>
-      <a:lnRef idx="1">
-        <a:scrgbClr r="0" g="0" b="0"/>
-      </a:lnRef>
-      <a:fillRef idx="0">
-        <a:scrgbClr r="0" g="0" b="0"/>
-      </a:fillRef>
-      <a:effectRef idx="0">
-        <a:scrgbClr r="0" g="0" b="0"/>
-      </a:effectRef>
-      <a:fontRef idx="minor"/>
-    </dgm:style>
-  </dgm:styleLbl>
-  <dgm:styleLbl name="parChTrans1D3">
-    <dgm:scene3d>
-      <a:camera prst="orthographicFront"/>
-      <a:lightRig rig="threePt" dir="t"/>
-    </dgm:scene3d>
-    <dgm:sp3d/>
-    <dgm:txPr/>
-    <dgm:style>
-      <a:lnRef idx="1">
-        <a:scrgbClr r="0" g="0" b="0"/>
-      </a:lnRef>
-      <a:fillRef idx="0">
-        <a:scrgbClr r="0" g="0" b="0"/>
-      </a:fillRef>
-      <a:effectRef idx="0">
-        <a:scrgbClr r="0" g="0" b="0"/>
-      </a:effectRef>
-      <a:fontRef idx="minor"/>
-    </dgm:style>
-  </dgm:styleLbl>
-  <dgm:styleLbl name="parChTrans1D4">
-    <dgm:scene3d>
-      <a:camera prst="orthographicFront"/>
-      <a:lightRig rig="threePt" dir="t"/>
-    </dgm:scene3d>
-    <dgm:sp3d/>
-    <dgm:txPr/>
-    <dgm:style>
-      <a:lnRef idx="1">
-        <a:scrgbClr r="0" g="0" b="0"/>
-      </a:lnRef>
-      <a:fillRef idx="0">
-        <a:scrgbClr r="0" g="0" b="0"/>
-      </a:fillRef>
-      <a:effectRef idx="0">
-        <a:scrgbClr r="0" g="0" b="0"/>
-      </a:effectRef>
-      <a:fontRef idx="minor"/>
-    </dgm:style>
-  </dgm:styleLbl>
-  <dgm:styleLbl name="fgAcc1">
-    <dgm:scene3d>
-      <a:camera prst="orthographicFront"/>
-      <a:lightRig rig="threePt" dir="t"/>
-    </dgm:scene3d>
-    <dgm:sp3d/>
-    <dgm:txPr/>
-    <dgm:style>
-      <a:lnRef idx="1">
-        <a:scrgbClr r="0" g="0" b="0"/>
-      </a:lnRef>
-      <a:fillRef idx="1">
-        <a:scrgbClr r="0" g="0" b="0"/>
-      </a:fillRef>
-      <a:effectRef idx="0">
-        <a:scrgbClr r="0" g="0" b="0"/>
-      </a:effectRef>
-      <a:fontRef idx="minor"/>
-    </dgm:style>
-  </dgm:styleLbl>
-  <dgm:styleLbl name="conFgAcc1">
-    <dgm:scene3d>
-      <a:camera prst="orthographicFront"/>
-      <a:lightRig rig="threePt" dir="t"/>
-    </dgm:scene3d>
-    <dgm:sp3d/>
-    <dgm:txPr/>
-    <dgm:style>
-      <a:lnRef idx="1">
-        <a:scrgbClr r="0" g="0" b="0"/>
-      </a:lnRef>
-      <a:fillRef idx="1">
-        <a:scrgbClr r="0" g="0" b="0"/>
-      </a:fillRef>
-      <a:effectRef idx="0">
-        <a:scrgbClr r="0" g="0" b="0"/>
-      </a:effectRef>
-      <a:fontRef idx="minor"/>
-    </dgm:style>
-  </dgm:styleLbl>
-  <dgm:styleLbl name="alignAcc1">
-    <dgm:scene3d>
-      <a:camera prst="orthographicFront"/>
-      <a:lightRig rig="threePt" dir="t"/>
-    </dgm:scene3d>
-    <dgm:sp3d/>
-    <dgm:txPr/>
-    <dgm:style>
-      <a:lnRef idx="1">
-        <a:scrgbClr r="0" g="0" b="0"/>
-      </a:lnRef>
-      <a:fillRef idx="1">
-        <a:scrgbClr r="0" g="0" b="0"/>
-      </a:fillRef>
-      <a:effectRef idx="0">
-        <a:scrgbClr r="0" g="0" b="0"/>
-      </a:effectRef>
-      <a:fontRef idx="minor"/>
-    </dgm:style>
-  </dgm:styleLbl>
-  <dgm:styleLbl name="trAlignAcc1">
-    <dgm:scene3d>
-      <a:camera prst="orthographicFront"/>
-      <a:lightRig rig="threePt" dir="t"/>
-    </dgm:scene3d>
-    <dgm:sp3d/>
-    <dgm:txPr/>
-    <dgm:style>
-      <a:lnRef idx="1">
-        <a:scrgbClr r="0" g="0" b="0"/>
-      </a:lnRef>
-      <a:fillRef idx="1">
-        <a:scrgbClr r="0" g="0" b="0"/>
-      </a:fillRef>
-      <a:effectRef idx="0">
-        <a:scrgbClr r="0" g="0" b="0"/>
-      </a:effectRef>
-      <a:fontRef idx="minor"/>
-    </dgm:style>
-  </dgm:styleLbl>
-  <dgm:styleLbl name="bgAcc1">
-    <dgm:scene3d>
-      <a:camera prst="orthographicFront"/>
-      <a:lightRig rig="threePt" dir="t"/>
-    </dgm:scene3d>
-    <dgm:sp3d/>
-    <dgm:txPr/>
-    <dgm:style>
-      <a:lnRef idx="1">
-        <a:scrgbClr r="0" g="0" b="0"/>
-      </a:lnRef>
-      <a:fillRef idx="1">
-        <a:scrgbClr r="0" g="0" b="0"/>
-      </a:fillRef>
-      <a:effectRef idx="0">
-        <a:scrgbClr r="0" g="0" b="0"/>
-      </a:effectRef>
-      <a:fontRef idx="minor"/>
-    </dgm:style>
-  </dgm:styleLbl>
-  <dgm:styleLbl name="solidFgAcc1">
-    <dgm:scene3d>
-      <a:camera prst="orthographicFront"/>
-      <a:lightRig rig="threePt" dir="t"/>
-    </dgm:scene3d>
-    <dgm:sp3d/>
-    <dgm:txPr/>
-    <dgm:style>
-      <a:lnRef idx="1">
-        <a:scrgbClr r="0" g="0" b="0"/>
-      </a:lnRef>
-      <a:fillRef idx="1">
-        <a:scrgbClr r="0" g="0" b="0"/>
-      </a:fillRef>
-      <a:effectRef idx="0">
-        <a:scrgbClr r="0" g="0" b="0"/>
-      </a:effectRef>
-      <a:fontRef idx="minor"/>
-    </dgm:style>
-  </dgm:styleLbl>
-  <dgm:styleLbl name="solidAlignAcc1">
-    <dgm:scene3d>
-      <a:camera prst="orthographicFront"/>
-      <a:lightRig rig="threePt" dir="t"/>
-    </dgm:scene3d>
-    <dgm:sp3d/>
-    <dgm:txPr/>
-    <dgm:style>
-      <a:lnRef idx="1">
-        <a:scrgbClr r="0" g="0" b="0"/>
-      </a:lnRef>
-      <a:fillRef idx="1">
-        <a:scrgbClr r="0" g="0" b="0"/>
-      </a:fillRef>
-      <a:effectRef idx="0">
-        <a:scrgbClr r="0" g="0" b="0"/>
-      </a:effectRef>
-      <a:fontRef idx="minor"/>
-    </dgm:style>
-  </dgm:styleLbl>
-  <dgm:styleLbl name="solidBgAcc1">
-    <dgm:scene3d>
-      <a:camera prst="orthographicFront"/>
-      <a:lightRig rig="threePt" dir="t"/>
-    </dgm:scene3d>
-    <dgm:sp3d/>
-    <dgm:txPr/>
-    <dgm:style>
-      <a:lnRef idx="1">
-        <a:scrgbClr r="0" g="0" b="0"/>
-      </a:lnRef>
-      <a:fillRef idx="1">
-        <a:scrgbClr r="0" g="0" b="0"/>
-      </a:fillRef>
-      <a:effectRef idx="0">
-        <a:scrgbClr r="0" g="0" b="0"/>
-      </a:effectRef>
-      <a:fontRef idx="minor"/>
-    </dgm:style>
-  </dgm:styleLbl>
-  <dgm:styleLbl name="fgAccFollowNode1">
-    <dgm:scene3d>
-      <a:camera prst="orthographicFront"/>
-      <a:lightRig rig="threePt" dir="t"/>
-    </dgm:scene3d>
-    <dgm:sp3d/>
-    <dgm:txPr/>
-    <dgm:style>
-      <a:lnRef idx="1">
-        <a:scrgbClr r="0" g="0" b="0"/>
-      </a:lnRef>
-      <a:fillRef idx="1">
-        <a:scrgbClr r="0" g="0" b="0"/>
-      </a:fillRef>
-      <a:effectRef idx="0">
-        <a:scrgbClr r="0" g="0" b="0"/>
-      </a:effectRef>
-      <a:fontRef idx="minor"/>
-    </dgm:style>
-  </dgm:styleLbl>
-  <dgm:styleLbl name="alignAccFollowNode1">
-    <dgm:scene3d>
-      <a:camera prst="orthographicFront"/>
-      <a:lightRig rig="threePt" dir="t"/>
-    </dgm:scene3d>
-    <dgm:sp3d/>
-    <dgm:txPr/>
-    <dgm:style>
-      <a:lnRef idx="1">
-        <a:scrgbClr r="0" g="0" b="0"/>
-      </a:lnRef>
-      <a:fillRef idx="1">
-        <a:scrgbClr r="0" g="0" b="0"/>
-      </a:fillRef>
-      <a:effectRef idx="0">
-        <a:scrgbClr r="0" g="0" b="0"/>
-      </a:effectRef>
-      <a:fontRef idx="minor"/>
-    </dgm:style>
-  </dgm:styleLbl>
-  <dgm:styleLbl name="bgAccFollowNode1">
-    <dgm:scene3d>
-      <a:camera prst="orthographicFront"/>
-      <a:lightRig rig="threePt" dir="t"/>
-    </dgm:scene3d>
-    <dgm:sp3d/>
-    <dgm:txPr/>
-    <dgm:style>
-      <a:lnRef idx="1">
-        <a:scrgbClr r="0" g="0" b="0"/>
-      </a:lnRef>
-      <a:fillRef idx="1">
-        <a:scrgbClr r="0" g="0" b="0"/>
-      </a:fillRef>
-      <a:effectRef idx="0">
-        <a:scrgbClr r="0" g="0" b="0"/>
-      </a:effectRef>
-      <a:fontRef idx="minor"/>
-    </dgm:style>
-  </dgm:styleLbl>
-  <dgm:styleLbl name="fgAcc0">
-    <dgm:scene3d>
-      <a:camera prst="orthographicFront"/>
-      <a:lightRig rig="threePt" dir="t"/>
-    </dgm:scene3d>
-    <dgm:sp3d/>
-    <dgm:txPr/>
-    <dgm:style>
-      <a:lnRef idx="1">
-        <a:scrgbClr r="0" g="0" b="0"/>
-      </a:lnRef>
-      <a:fillRef idx="1">
-        <a:scrgbClr r="0" g="0" b="0"/>
-      </a:fillRef>
-      <a:effectRef idx="0">
-        <a:scrgbClr r="0" g="0" b="0"/>
-      </a:effectRef>
-      <a:fontRef idx="minor"/>
-    </dgm:style>
-  </dgm:styleLbl>
-  <dgm:styleLbl name="fgAcc2">
-    <dgm:scene3d>
-      <a:camera prst="orthographicFront"/>
-      <a:lightRig rig="threePt" dir="t"/>
-    </dgm:scene3d>
-    <dgm:sp3d/>
-    <dgm:txPr/>
-    <dgm:style>
-      <a:lnRef idx="1">
-        <a:scrgbClr r="0" g="0" b="0"/>
-      </a:lnRef>
-      <a:fillRef idx="1">
-        <a:scrgbClr r="0" g="0" b="0"/>
-      </a:fillRef>
-      <a:effectRef idx="0">
-        <a:scrgbClr r="0" g="0" b="0"/>
-      </a:effectRef>
-      <a:fontRef idx="minor"/>
-    </dgm:style>
-  </dgm:styleLbl>
-  <dgm:styleLbl name="fgAcc3">
-    <dgm:scene3d>
-      <a:camera prst="orthographicFront"/>
-      <a:lightRig rig="threePt" dir="t"/>
-    </dgm:scene3d>
-    <dgm:sp3d/>
-    <dgm:txPr/>
-    <dgm:style>
-      <a:lnRef idx="1">
-        <a:scrgbClr r="0" g="0" b="0"/>
-      </a:lnRef>
-      <a:fillRef idx="1">
-        <a:scrgbClr r="0" g="0" b="0"/>
-      </a:fillRef>
-      <a:effectRef idx="0">
-        <a:scrgbClr r="0" g="0" b="0"/>
-      </a:effectRef>
-      <a:fontRef idx="minor"/>
-    </dgm:style>
-  </dgm:styleLbl>
-  <dgm:styleLbl name="fgAcc4">
-    <dgm:scene3d>
-      <a:camera prst="orthographicFront"/>
-      <a:lightRig rig="threePt" dir="t"/>
-    </dgm:scene3d>
-    <dgm:sp3d/>
-    <dgm:txPr/>
-    <dgm:style>
-      <a:lnRef idx="1">
-        <a:scrgbClr r="0" g="0" b="0"/>
-      </a:lnRef>
-      <a:fillRef idx="1">
-        <a:scrgbClr r="0" g="0" b="0"/>
-      </a:fillRef>
-      <a:effectRef idx="0">
-        <a:scrgbClr r="0" g="0" b="0"/>
-      </a:effectRef>
-      <a:fontRef idx="minor"/>
-    </dgm:style>
-  </dgm:styleLbl>
-  <dgm:styleLbl name="bgShp">
-    <dgm:scene3d>
-      <a:camera prst="orthographicFront"/>
-      <a:lightRig rig="threePt" dir="t"/>
-    </dgm:scene3d>
-    <dgm:sp3d/>
-    <dgm:txPr/>
-    <dgm:style>
-      <a:lnRef idx="0">
-        <a:scrgbClr r="0" g="0" b="0"/>
-      </a:lnRef>
-      <a:fillRef idx="1">
-        <a:scrgbClr r="0" g="0" b="0"/>
-      </a:fillRef>
-      <a:effectRef idx="2">
-        <a:scrgbClr r="0" g="0" b="0"/>
-      </a:effectRef>
-      <a:fontRef idx="minor"/>
-    </dgm:style>
-  </dgm:styleLbl>
-  <dgm:styleLbl name="dkBgShp">
-    <dgm:scene3d>
-      <a:camera prst="orthographicFront"/>
-      <a:lightRig rig="threePt" dir="t"/>
-    </dgm:scene3d>
-    <dgm:sp3d/>
-    <dgm:txPr/>
-    <dgm:style>
-      <a:lnRef idx="0">
-        <a:scrgbClr r="0" g="0" b="0"/>
-      </a:lnRef>
-      <a:fillRef idx="1">
-        <a:scrgbClr r="0" g="0" b="0"/>
-      </a:fillRef>
-      <a:effectRef idx="2">
-        <a:scrgbClr r="0" g="0" b="0"/>
-      </a:effectRef>
-      <a:fontRef idx="minor"/>
-    </dgm:style>
-  </dgm:styleLbl>
-  <dgm:styleLbl name="trBgShp">
-    <dgm:scene3d>
-      <a:camera prst="orthographicFront"/>
-      <a:lightRig rig="threePt" dir="t"/>
-    </dgm:scene3d>
-    <dgm:sp3d/>
-    <dgm:txPr/>
-    <dgm:style>
-      <a:lnRef idx="0">
-        <a:scrgbClr r="0" g="0" b="0"/>
-      </a:lnRef>
-      <a:fillRef idx="1">
-        <a:scrgbClr r="0" g="0" b="0"/>
-      </a:fillRef>
-      <a:effectRef idx="0">
-        <a:scrgbClr r="0" g="0" b="0"/>
-      </a:effectRef>
-      <a:fontRef idx="minor"/>
-    </dgm:style>
-  </dgm:styleLbl>
-  <dgm:styleLbl name="fgShp">
-    <dgm:scene3d>
-      <a:camera prst="orthographicFront"/>
-      <a:lightRig rig="threePt" dir="t"/>
-    </dgm:scene3d>
-    <dgm:sp3d/>
-    <dgm:txPr/>
-    <dgm:style>
-      <a:lnRef idx="0">
-        <a:scrgbClr r="0" g="0" b="0"/>
-      </a:lnRef>
-      <a:fillRef idx="3">
-        <a:scrgbClr r="0" g="0" b="0"/>
-      </a:fillRef>
-      <a:effectRef idx="2">
-        <a:scrgbClr r="0" g="0" b="0"/>
-      </a:effectRef>
-      <a:fontRef idx="minor"/>
-    </dgm:style>
-  </dgm:styleLbl>
-  <dgm:styleLbl name="revTx">
-    <dgm:scene3d>
-      <a:camera prst="orthographicFront"/>
-      <a:lightRig rig="threePt" dir="t"/>
-    </dgm:scene3d>
-    <dgm:sp3d/>
-    <dgm:txPr/>
-    <dgm:style>
-      <a:lnRef idx="0">
-        <a:scrgbClr r="0" g="0" b="0"/>
-      </a:lnRef>
-      <a:fillRef idx="0">
-        <a:scrgbClr r="0" g="0" b="0"/>
-      </a:fillRef>
-      <a:effectRef idx="0">
-        <a:scrgbClr r="0" g="0" b="0"/>
-      </a:effectRef>
-      <a:fontRef idx="minor"/>
-    </dgm:style>
-  </dgm:styleLbl>
-</dgm:styleDef>
-</file>
-
 <file path=ppt/handoutMasters/handoutMaster1.xml><?xml version="1.0" encoding="utf-8"?>
 <p:handoutMaster xmlns:a="http://schemas.openxmlformats.org/drawingml/2006/main" xmlns:r="http://schemas.openxmlformats.org/officeDocument/2006/relationships" xmlns:p="http://schemas.openxmlformats.org/presentationml/2006/main">
   <p:cSld>
@@ -9217,7 +4428,7 @@
           <a:p>
             <a:fld id="{FE5B4EDC-59C0-49C7-8ADA-5A781B329E02}" type="datetimeFigureOut">
               <a:rPr lang="en-US"/>
-              <a:t>3/29/2017</a:t>
+              <a:t>3/30/2017</a:t>
             </a:fld>
             <a:endParaRPr/>
           </a:p>
@@ -9382,7 +4593,7 @@
           <a:p>
             <a:fld id="{F2D8D46A-B586-417D-BFBD-8C8FE0AAF762}" type="datetimeFigureOut">
               <a:rPr lang="en-US"/>
-              <a:t>3/29/2017</a:t>
+              <a:t>3/30/2017</a:t>
             </a:fld>
             <a:endParaRPr/>
           </a:p>
@@ -10078,90 +5289,6 @@
     <p:extLst>
       <p:ext uri="{BB962C8B-B14F-4D97-AF65-F5344CB8AC3E}">
         <p14:creationId xmlns:p14="http://schemas.microsoft.com/office/powerpoint/2010/main" val="2218638367"/>
-      </p:ext>
-    </p:extLst>
-  </p:cSld>
-  <p:clrMapOvr>
-    <a:masterClrMapping/>
-  </p:clrMapOvr>
-</p:notes>
-</file>
-
-<file path=ppt/notesSlides/notesSlide14.xml><?xml version="1.0" encoding="utf-8"?>
-<p:notes xmlns:a="http://schemas.openxmlformats.org/drawingml/2006/main" xmlns:r="http://schemas.openxmlformats.org/officeDocument/2006/relationships" xmlns:p="http://schemas.openxmlformats.org/presentationml/2006/main">
-  <p:cSld>
-    <p:spTree>
-      <p:nvGrpSpPr>
-        <p:cNvPr id="1" name=""/>
-        <p:cNvGrpSpPr/>
-        <p:nvPr/>
-      </p:nvGrpSpPr>
-      <p:grpSpPr>
-        <a:xfrm>
-          <a:off x="0" y="0"/>
-          <a:ext cx="0" cy="0"/>
-          <a:chOff x="0" y="0"/>
-          <a:chExt cx="0" cy="0"/>
-        </a:xfrm>
-      </p:grpSpPr>
-      <p:sp>
-        <p:nvSpPr>
-          <p:cNvPr id="2" name="Slide Image Placeholder 1"/>
-          <p:cNvSpPr>
-            <a:spLocks noGrp="1" noRot="1" noChangeAspect="1"/>
-          </p:cNvSpPr>
-          <p:nvPr>
-            <p:ph type="sldImg"/>
-          </p:nvPr>
-        </p:nvSpPr>
-        <p:spPr/>
-      </p:sp>
-      <p:sp>
-        <p:nvSpPr>
-          <p:cNvPr id="3" name="Notes Placeholder 2"/>
-          <p:cNvSpPr>
-            <a:spLocks noGrp="1"/>
-          </p:cNvSpPr>
-          <p:nvPr>
-            <p:ph type="body" idx="1"/>
-          </p:nvPr>
-        </p:nvSpPr>
-        <p:spPr/>
-        <p:txBody>
-          <a:bodyPr/>
-          <a:lstStyle/>
-          <a:p>
-            <a:endParaRPr lang="en-US" dirty="0"/>
-          </a:p>
-        </p:txBody>
-      </p:sp>
-      <p:sp>
-        <p:nvSpPr>
-          <p:cNvPr id="4" name="Slide Number Placeholder 3"/>
-          <p:cNvSpPr>
-            <a:spLocks noGrp="1"/>
-          </p:cNvSpPr>
-          <p:nvPr>
-            <p:ph type="sldNum" sz="quarter" idx="10"/>
-          </p:nvPr>
-        </p:nvSpPr>
-        <p:spPr/>
-        <p:txBody>
-          <a:bodyPr/>
-          <a:lstStyle/>
-          <a:p>
-            <a:fld id="{3EBA5BD7-F043-4D1B-AA17-CD412FC534DE}" type="slidenum">
-              <a:rPr lang="en-US" smtClean="0"/>
-              <a:t>32</a:t>
-            </a:fld>
-            <a:endParaRPr lang="en-US"/>
-          </a:p>
-        </p:txBody>
-      </p:sp>
-    </p:spTree>
-    <p:extLst>
-      <p:ext uri="{BB962C8B-B14F-4D97-AF65-F5344CB8AC3E}">
-        <p14:creationId xmlns:p14="http://schemas.microsoft.com/office/powerpoint/2010/main" val="4117229062"/>
       </p:ext>
     </p:extLst>
   </p:cSld>
@@ -11631,7 +6758,7 @@
           <a:p>
             <a:fld id="{F0DFD029-FB74-4578-B929-F66AA97659CA}" type="datetimeFigureOut">
               <a:rPr lang="en-US"/>
-              <a:t>3/29/2017</a:t>
+              <a:t>3/30/2017</a:t>
             </a:fld>
             <a:endParaRPr/>
           </a:p>
@@ -11829,7 +6956,7 @@
           <a:p>
             <a:fld id="{F0DFD029-FB74-4578-B929-F66AA97659CA}" type="datetimeFigureOut">
               <a:rPr lang="en-US"/>
-              <a:t>3/29/2017</a:t>
+              <a:t>3/30/2017</a:t>
             </a:fld>
             <a:endParaRPr/>
           </a:p>
@@ -12037,7 +7164,7 @@
           <a:p>
             <a:fld id="{F0DFD029-FB74-4578-B929-F66AA97659CA}" type="datetimeFigureOut">
               <a:rPr lang="en-US"/>
-              <a:t>3/29/2017</a:t>
+              <a:t>3/30/2017</a:t>
             </a:fld>
             <a:endParaRPr/>
           </a:p>
@@ -12235,7 +7362,7 @@
           <a:p>
             <a:fld id="{F0DFD029-FB74-4578-B929-F66AA97659CA}" type="datetimeFigureOut">
               <a:rPr lang="en-US"/>
-              <a:t>3/29/2017</a:t>
+              <a:t>3/30/2017</a:t>
             </a:fld>
             <a:endParaRPr/>
           </a:p>
@@ -12667,7 +7794,7 @@
           <a:p>
             <a:fld id="{F0DFD029-FB74-4578-B929-F66AA97659CA}" type="datetimeFigureOut">
               <a:rPr lang="en-US"/>
-              <a:t>3/29/2017</a:t>
+              <a:t>3/30/2017</a:t>
             </a:fld>
             <a:endParaRPr/>
           </a:p>
@@ -12971,7 +8098,7 @@
           <a:p>
             <a:fld id="{F0DFD029-FB74-4578-B929-F66AA97659CA}" type="datetimeFigureOut">
               <a:rPr lang="en-US"/>
-              <a:t>3/29/2017</a:t>
+              <a:t>3/30/2017</a:t>
             </a:fld>
             <a:endParaRPr/>
           </a:p>
@@ -13427,7 +8554,7 @@
           <a:p>
             <a:fld id="{F0DFD029-FB74-4578-B929-F66AA97659CA}" type="datetimeFigureOut">
               <a:rPr lang="en-US"/>
-              <a:t>3/29/2017</a:t>
+              <a:t>3/30/2017</a:t>
             </a:fld>
             <a:endParaRPr/>
           </a:p>
@@ -13557,7 +8684,7 @@
           <a:p>
             <a:fld id="{F0DFD029-FB74-4578-B929-F66AA97659CA}" type="datetimeFigureOut">
               <a:rPr lang="en-US"/>
-              <a:t>3/29/2017</a:t>
+              <a:t>3/30/2017</a:t>
             </a:fld>
             <a:endParaRPr/>
           </a:p>
@@ -13664,7 +8791,7 @@
           <a:p>
             <a:fld id="{F0DFD029-FB74-4578-B929-F66AA97659CA}" type="datetimeFigureOut">
               <a:rPr lang="en-US"/>
-              <a:t>3/29/2017</a:t>
+              <a:t>3/30/2017</a:t>
             </a:fld>
             <a:endParaRPr/>
           </a:p>
@@ -13963,7 +9090,7 @@
           <a:p>
             <a:fld id="{F0DFD029-FB74-4578-B929-F66AA97659CA}" type="datetimeFigureOut">
               <a:rPr lang="en-US"/>
-              <a:t>3/29/2017</a:t>
+              <a:t>3/30/2017</a:t>
             </a:fld>
             <a:endParaRPr/>
           </a:p>
@@ -14251,7 +9378,7 @@
           <a:p>
             <a:fld id="{F0DFD029-FB74-4578-B929-F66AA97659CA}" type="datetimeFigureOut">
               <a:rPr lang="en-US"/>
-              <a:t>3/29/2017</a:t>
+              <a:t>3/30/2017</a:t>
             </a:fld>
             <a:endParaRPr/>
           </a:p>
@@ -14874,7 +10001,7 @@
             <a:fld id="{F0DFD029-FB74-4578-B929-F66AA97659CA}" type="datetimeFigureOut">
               <a:rPr lang="en-US"/>
               <a:pPr/>
-              <a:t>3/29/2017</a:t>
+              <a:t>3/30/2017</a:t>
             </a:fld>
             <a:endParaRPr/>
           </a:p>
@@ -19074,7 +14201,7 @@
                 <a:gridCol w="4093105">
                   <a:extLst>
                     <a:ext uri="{9D8B030D-6E8A-4147-A177-3AD203B41FA5}">
-                      <a16:colId xmlns:a16="http://schemas.microsoft.com/office/drawing/2014/main" val="2824142833"/>
+                      <a16:colId xmlns:a16="http://schemas.microsoft.com/office/drawing/2014/main" xmlns="" val="2824142833"/>
                     </a:ext>
                   </a:extLst>
                 </a:gridCol>
@@ -19157,7 +14284,7 @@
                 </a:tc>
                 <a:extLst>
                   <a:ext uri="{0D108BD9-81ED-4DB2-BD59-A6C34878D82A}">
-                    <a16:rowId xmlns:a16="http://schemas.microsoft.com/office/drawing/2014/main" val="137171529"/>
+                    <a16:rowId xmlns:a16="http://schemas.microsoft.com/office/drawing/2014/main" xmlns="" val="137171529"/>
                   </a:ext>
                 </a:extLst>
               </a:tr>
@@ -19551,6 +14678,10 @@
           <a:bodyPr/>
           <a:lstStyle/>
           <a:p>
+            <a:r>
+              <a:rPr lang="en-US" dirty="0" smtClean="0"/>
+              <a:t>6-Bit hazard signal is used to detect possible hazards for indicating the operand in question and the position in the pipeline for possible forwarding.</a:t>
+            </a:r>
             <a:endParaRPr lang="en-US" dirty="0"/>
           </a:p>
         </p:txBody>
@@ -20644,6 +15775,10 @@
           <a:bodyPr/>
           <a:lstStyle/>
           <a:p>
+            <a:r>
+              <a:rPr lang="en-US" dirty="0" smtClean="0"/>
+              <a:t>The hazard detection indicates where in the pipeline the hazard is. This determines where to forward data from to limit stalling as much as possible.</a:t>
+            </a:r>
             <a:endParaRPr lang="en-US" dirty="0"/>
           </a:p>
         </p:txBody>
@@ -21470,14 +16605,14 @@
                 <a:gridCol w="2958042">
                   <a:extLst>
                     <a:ext uri="{9D8B030D-6E8A-4147-A177-3AD203B41FA5}">
-                      <a16:colId xmlns:a16="http://schemas.microsoft.com/office/drawing/2014/main" val="2824142833"/>
+                      <a16:colId xmlns:a16="http://schemas.microsoft.com/office/drawing/2014/main" xmlns="" val="2824142833"/>
                     </a:ext>
                   </a:extLst>
                 </a:gridCol>
                 <a:gridCol w="3200400">
                   <a:extLst>
                     <a:ext uri="{9D8B030D-6E8A-4147-A177-3AD203B41FA5}">
-                      <a16:colId xmlns:a16="http://schemas.microsoft.com/office/drawing/2014/main" val="4121336976"/>
+                      <a16:colId xmlns:a16="http://schemas.microsoft.com/office/drawing/2014/main" xmlns="" val="4121336976"/>
                     </a:ext>
                   </a:extLst>
                 </a:gridCol>
@@ -21725,7 +16860,7 @@
                 </a:tc>
                 <a:extLst>
                   <a:ext uri="{0D108BD9-81ED-4DB2-BD59-A6C34878D82A}">
-                    <a16:rowId xmlns:a16="http://schemas.microsoft.com/office/drawing/2014/main" val="137171529"/>
+                    <a16:rowId xmlns:a16="http://schemas.microsoft.com/office/drawing/2014/main" xmlns="" val="137171529"/>
                   </a:ext>
                 </a:extLst>
               </a:tr>
@@ -22055,34 +17190,6 @@
           <a:chExt cx="0" cy="0"/>
         </a:xfrm>
       </p:grpSpPr>
-      <p:sp>
-        <p:nvSpPr>
-          <p:cNvPr id="6" name="Rectangle 5"/>
-          <p:cNvSpPr/>
-          <p:nvPr/>
-        </p:nvSpPr>
-        <p:spPr>
-          <a:xfrm>
-            <a:off x="1293812" y="457200"/>
-            <a:ext cx="11754500" cy="461665"/>
-          </a:xfrm>
-          <a:prstGeom prst="rect">
-            <a:avLst/>
-          </a:prstGeom>
-        </p:spPr>
-        <p:txBody>
-          <a:bodyPr wrap="none">
-            <a:spAutoFit/>
-          </a:bodyPr>
-          <a:lstStyle/>
-          <a:p>
-            <a:r>
-              <a:rPr lang="en-US" dirty="0"/>
-              <a:t>Development Timeline – Note (will remove later): These times in reference to 9pm 3/26/2017</a:t>
-            </a:r>
-          </a:p>
-        </p:txBody>
-      </p:sp>
       <p:pic>
         <p:nvPicPr>
           <p:cNvPr id="7" name="Picture 6"/>
@@ -22193,776 +17300,6 @@
     <p:extLst>
       <p:ext uri="{BB962C8B-B14F-4D97-AF65-F5344CB8AC3E}">
         <p14:creationId xmlns:p14="http://schemas.microsoft.com/office/powerpoint/2010/main" val="1405850135"/>
-      </p:ext>
-    </p:extLst>
-  </p:cSld>
-  <p:clrMapOvr>
-    <a:masterClrMapping/>
-  </p:clrMapOvr>
-  <mc:AlternateContent xmlns:mc="http://schemas.openxmlformats.org/markup-compatibility/2006" xmlns:p14="http://schemas.microsoft.com/office/powerpoint/2010/main">
-    <mc:Choice Requires="p14">
-      <p:transition spd="med" p14:dur="700">
-        <p:fade/>
-      </p:transition>
-    </mc:Choice>
-    <mc:Fallback xmlns="">
-      <p:transition spd="med">
-        <p:fade/>
-      </p:transition>
-    </mc:Fallback>
-  </mc:AlternateContent>
-</p:sld>
-</file>
-
-<file path=ppt/slides/slide30.xml><?xml version="1.0" encoding="utf-8"?>
-<p:sld xmlns:a="http://schemas.openxmlformats.org/drawingml/2006/main" xmlns:r="http://schemas.openxmlformats.org/officeDocument/2006/relationships" xmlns:p="http://schemas.openxmlformats.org/presentationml/2006/main">
-  <p:cSld>
-    <p:spTree>
-      <p:nvGrpSpPr>
-        <p:cNvPr id="1" name=""/>
-        <p:cNvGrpSpPr/>
-        <p:nvPr/>
-      </p:nvGrpSpPr>
-      <p:grpSpPr>
-        <a:xfrm>
-          <a:off x="0" y="0"/>
-          <a:ext cx="0" cy="0"/>
-          <a:chOff x="0" y="0"/>
-          <a:chExt cx="0" cy="0"/>
-        </a:xfrm>
-      </p:grpSpPr>
-      <p:sp>
-        <p:nvSpPr>
-          <p:cNvPr id="7" name="Title 6"/>
-          <p:cNvSpPr>
-            <a:spLocks noGrp="1"/>
-          </p:cNvSpPr>
-          <p:nvPr>
-            <p:ph type="title"/>
-          </p:nvPr>
-        </p:nvSpPr>
-        <p:spPr/>
-        <p:txBody>
-          <a:bodyPr/>
-          <a:lstStyle/>
-          <a:p>
-            <a:r>
-              <a:rPr lang="en-US" dirty="0"/>
-              <a:t>Title and Content Layout with Chart</a:t>
-            </a:r>
-          </a:p>
-        </p:txBody>
-      </p:sp>
-      <p:graphicFrame>
-        <p:nvGraphicFramePr>
-          <p:cNvPr id="9" name="Content Placeholder 8" descr="Clustered column chart showing the values of 3 series for 4 categories"/>
-          <p:cNvGraphicFramePr>
-            <a:graphicFrameLocks noGrp="1"/>
-          </p:cNvGraphicFramePr>
-          <p:nvPr>
-            <p:ph idx="1"/>
-            <p:extLst>
-              <p:ext uri="{D42A27DB-BD31-4B8C-83A1-F6EECF244321}">
-                <p14:modId xmlns:p14="http://schemas.microsoft.com/office/powerpoint/2010/main" val="2424724130"/>
-              </p:ext>
-            </p:extLst>
-          </p:nvPr>
-        </p:nvGraphicFramePr>
-        <p:xfrm>
-          <a:off x="1219200" y="1701800"/>
-          <a:ext cx="10360025" cy="4462463"/>
-        </p:xfrm>
-        <a:graphic>
-          <a:graphicData uri="http://schemas.openxmlformats.org/drawingml/2006/chart">
-            <c:chart xmlns:c="http://schemas.openxmlformats.org/drawingml/2006/chart" xmlns:r="http://schemas.openxmlformats.org/officeDocument/2006/relationships" r:id="rId2"/>
-          </a:graphicData>
-        </a:graphic>
-      </p:graphicFrame>
-    </p:spTree>
-    <p:extLst>
-      <p:ext uri="{BB962C8B-B14F-4D97-AF65-F5344CB8AC3E}">
-        <p14:creationId xmlns:p14="http://schemas.microsoft.com/office/powerpoint/2010/main" val="1484811712"/>
-      </p:ext>
-    </p:extLst>
-  </p:cSld>
-  <p:clrMapOvr>
-    <a:masterClrMapping/>
-  </p:clrMapOvr>
-  <mc:AlternateContent xmlns:mc="http://schemas.openxmlformats.org/markup-compatibility/2006" xmlns:p14="http://schemas.microsoft.com/office/powerpoint/2010/main">
-    <mc:Choice Requires="p14">
-      <p:transition spd="med" p14:dur="700">
-        <p:fade/>
-      </p:transition>
-    </mc:Choice>
-    <mc:Fallback xmlns="">
-      <p:transition spd="med">
-        <p:fade/>
-      </p:transition>
-    </mc:Fallback>
-  </mc:AlternateContent>
-</p:sld>
-</file>
-
-<file path=ppt/slides/slide31.xml><?xml version="1.0" encoding="utf-8"?>
-<p:sld xmlns:a="http://schemas.openxmlformats.org/drawingml/2006/main" xmlns:r="http://schemas.openxmlformats.org/officeDocument/2006/relationships" xmlns:p="http://schemas.openxmlformats.org/presentationml/2006/main">
-  <p:cSld>
-    <p:spTree>
-      <p:nvGrpSpPr>
-        <p:cNvPr id="1" name=""/>
-        <p:cNvGrpSpPr/>
-        <p:nvPr/>
-      </p:nvGrpSpPr>
-      <p:grpSpPr>
-        <a:xfrm>
-          <a:off x="0" y="0"/>
-          <a:ext cx="0" cy="0"/>
-          <a:chOff x="0" y="0"/>
-          <a:chExt cx="0" cy="0"/>
-        </a:xfrm>
-      </p:grpSpPr>
-      <p:sp>
-        <p:nvSpPr>
-          <p:cNvPr id="2" name="Title 1"/>
-          <p:cNvSpPr>
-            <a:spLocks noGrp="1"/>
-          </p:cNvSpPr>
-          <p:nvPr>
-            <p:ph type="title"/>
-          </p:nvPr>
-        </p:nvSpPr>
-        <p:spPr/>
-        <p:txBody>
-          <a:bodyPr/>
-          <a:lstStyle/>
-          <a:p>
-            <a:r>
-              <a:rPr lang="en-US" dirty="0"/>
-              <a:t>Two Content Layout with Table</a:t>
-            </a:r>
-          </a:p>
-        </p:txBody>
-      </p:sp>
-      <p:sp>
-        <p:nvSpPr>
-          <p:cNvPr id="3" name="Content Placeholder 2"/>
-          <p:cNvSpPr>
-            <a:spLocks noGrp="1"/>
-          </p:cNvSpPr>
-          <p:nvPr>
-            <p:ph sz="half" idx="1"/>
-          </p:nvPr>
-        </p:nvSpPr>
-        <p:spPr/>
-        <p:txBody>
-          <a:bodyPr/>
-          <a:lstStyle/>
-          <a:p>
-            <a:r>
-              <a:rPr lang="en-US" dirty="0"/>
-              <a:t>First bullet point here</a:t>
-            </a:r>
-          </a:p>
-          <a:p>
-            <a:r>
-              <a:rPr lang="en-US" dirty="0"/>
-              <a:t>Second bullet point here</a:t>
-            </a:r>
-          </a:p>
-          <a:p>
-            <a:r>
-              <a:rPr lang="en-US" dirty="0"/>
-              <a:t>Third bullet point here</a:t>
-            </a:r>
-          </a:p>
-        </p:txBody>
-      </p:sp>
-      <p:graphicFrame>
-        <p:nvGraphicFramePr>
-          <p:cNvPr id="5" name="Content Placeholder 4"/>
-          <p:cNvGraphicFramePr>
-            <a:graphicFrameLocks noGrp="1"/>
-          </p:cNvGraphicFramePr>
-          <p:nvPr>
-            <p:ph sz="half" idx="2"/>
-            <p:extLst>
-              <p:ext uri="{D42A27DB-BD31-4B8C-83A1-F6EECF244321}">
-                <p14:modId xmlns:p14="http://schemas.microsoft.com/office/powerpoint/2010/main" val="1580206012"/>
-              </p:ext>
-            </p:extLst>
-          </p:nvPr>
-        </p:nvGraphicFramePr>
-        <p:xfrm>
-          <a:off x="6500813" y="1706563"/>
-          <a:ext cx="5078412" cy="2255836"/>
-        </p:xfrm>
-        <a:graphic>
-          <a:graphicData uri="http://schemas.openxmlformats.org/drawingml/2006/table">
-            <a:tbl>
-              <a:tblPr firstRow="1" bandRow="1">
-                <a:tableStyleId>{5C22544A-7EE6-4342-B048-85BDC9FD1C3A}</a:tableStyleId>
-              </a:tblPr>
-              <a:tblGrid>
-                <a:gridCol w="1692804">
-                  <a:extLst>
-                    <a:ext uri="{9D8B030D-6E8A-4147-A177-3AD203B41FA5}">
-                      <a16:colId xmlns:a16="http://schemas.microsoft.com/office/drawing/2014/main" val="20000"/>
-                    </a:ext>
-                  </a:extLst>
-                </a:gridCol>
-                <a:gridCol w="1692804">
-                  <a:extLst>
-                    <a:ext uri="{9D8B030D-6E8A-4147-A177-3AD203B41FA5}">
-                      <a16:colId xmlns:a16="http://schemas.microsoft.com/office/drawing/2014/main" val="20001"/>
-                    </a:ext>
-                  </a:extLst>
-                </a:gridCol>
-                <a:gridCol w="1692804">
-                  <a:extLst>
-                    <a:ext uri="{9D8B030D-6E8A-4147-A177-3AD203B41FA5}">
-                      <a16:colId xmlns:a16="http://schemas.microsoft.com/office/drawing/2014/main" val="20002"/>
-                    </a:ext>
-                  </a:extLst>
-                </a:gridCol>
-              </a:tblGrid>
-              <a:tr h="563959">
-                <a:tc>
-                  <a:txBody>
-                    <a:bodyPr/>
-                    <a:lstStyle/>
-                    <a:p>
-                      <a:r>
-                        <a:rPr lang="en-US" dirty="0"/>
-                        <a:t>Class</a:t>
-                      </a:r>
-                    </a:p>
-                  </a:txBody>
-                  <a:tcPr anchor="ctr">
-                    <a:solidFill>
-                      <a:srgbClr val="008282"/>
-                    </a:solidFill>
-                  </a:tcPr>
-                </a:tc>
-                <a:tc>
-                  <a:txBody>
-                    <a:bodyPr/>
-                    <a:lstStyle/>
-                    <a:p>
-                      <a:pPr algn="ctr"/>
-                      <a:r>
-                        <a:rPr lang="en-US" dirty="0"/>
-                        <a:t>Group 1</a:t>
-                      </a:r>
-                    </a:p>
-                  </a:txBody>
-                  <a:tcPr anchor="ctr">
-                    <a:solidFill>
-                      <a:srgbClr val="008282"/>
-                    </a:solidFill>
-                  </a:tcPr>
-                </a:tc>
-                <a:tc>
-                  <a:txBody>
-                    <a:bodyPr/>
-                    <a:lstStyle/>
-                    <a:p>
-                      <a:pPr algn="ctr"/>
-                      <a:r>
-                        <a:rPr lang="en-US" dirty="0"/>
-                        <a:t>Group 2</a:t>
-                      </a:r>
-                    </a:p>
-                  </a:txBody>
-                  <a:tcPr anchor="ctr">
-                    <a:solidFill>
-                      <a:srgbClr val="008282"/>
-                    </a:solidFill>
-                  </a:tcPr>
-                </a:tc>
-                <a:extLst>
-                  <a:ext uri="{0D108BD9-81ED-4DB2-BD59-A6C34878D82A}">
-                    <a16:rowId xmlns:a16="http://schemas.microsoft.com/office/drawing/2014/main" val="10000"/>
-                  </a:ext>
-                </a:extLst>
-              </a:tr>
-              <a:tr h="563959">
-                <a:tc>
-                  <a:txBody>
-                    <a:bodyPr/>
-                    <a:lstStyle/>
-                    <a:p>
-                      <a:r>
-                        <a:rPr lang="en-US" dirty="0"/>
-                        <a:t>Class 1</a:t>
-                      </a:r>
-                    </a:p>
-                  </a:txBody>
-                  <a:tcPr anchor="ctr"/>
-                </a:tc>
-                <a:tc>
-                  <a:txBody>
-                    <a:bodyPr/>
-                    <a:lstStyle/>
-                    <a:p>
-                      <a:pPr algn="ctr"/>
-                      <a:r>
-                        <a:rPr lang="en-US" dirty="0"/>
-                        <a:t>82</a:t>
-                      </a:r>
-                    </a:p>
-                  </a:txBody>
-                  <a:tcPr anchor="ctr"/>
-                </a:tc>
-                <a:tc>
-                  <a:txBody>
-                    <a:bodyPr/>
-                    <a:lstStyle/>
-                    <a:p>
-                      <a:pPr algn="ctr"/>
-                      <a:r>
-                        <a:rPr lang="en-US" dirty="0"/>
-                        <a:t>95</a:t>
-                      </a:r>
-                    </a:p>
-                  </a:txBody>
-                  <a:tcPr anchor="ctr"/>
-                </a:tc>
-                <a:extLst>
-                  <a:ext uri="{0D108BD9-81ED-4DB2-BD59-A6C34878D82A}">
-                    <a16:rowId xmlns:a16="http://schemas.microsoft.com/office/drawing/2014/main" val="10001"/>
-                  </a:ext>
-                </a:extLst>
-              </a:tr>
-              <a:tr h="563959">
-                <a:tc>
-                  <a:txBody>
-                    <a:bodyPr/>
-                    <a:lstStyle/>
-                    <a:p>
-                      <a:r>
-                        <a:rPr lang="en-US" dirty="0"/>
-                        <a:t>Class 2</a:t>
-                      </a:r>
-                    </a:p>
-                  </a:txBody>
-                  <a:tcPr anchor="ctr"/>
-                </a:tc>
-                <a:tc>
-                  <a:txBody>
-                    <a:bodyPr/>
-                    <a:lstStyle/>
-                    <a:p>
-                      <a:pPr algn="ctr"/>
-                      <a:r>
-                        <a:rPr lang="en-US" dirty="0"/>
-                        <a:t>76</a:t>
-                      </a:r>
-                    </a:p>
-                  </a:txBody>
-                  <a:tcPr anchor="ctr"/>
-                </a:tc>
-                <a:tc>
-                  <a:txBody>
-                    <a:bodyPr/>
-                    <a:lstStyle/>
-                    <a:p>
-                      <a:pPr algn="ctr"/>
-                      <a:r>
-                        <a:rPr lang="en-US" dirty="0"/>
-                        <a:t>88</a:t>
-                      </a:r>
-                    </a:p>
-                  </a:txBody>
-                  <a:tcPr anchor="ctr"/>
-                </a:tc>
-                <a:extLst>
-                  <a:ext uri="{0D108BD9-81ED-4DB2-BD59-A6C34878D82A}">
-                    <a16:rowId xmlns:a16="http://schemas.microsoft.com/office/drawing/2014/main" val="10002"/>
-                  </a:ext>
-                </a:extLst>
-              </a:tr>
-              <a:tr h="563959">
-                <a:tc>
-                  <a:txBody>
-                    <a:bodyPr/>
-                    <a:lstStyle/>
-                    <a:p>
-                      <a:r>
-                        <a:rPr lang="en-US" dirty="0"/>
-                        <a:t>Class 3</a:t>
-                      </a:r>
-                    </a:p>
-                  </a:txBody>
-                  <a:tcPr anchor="ctr"/>
-                </a:tc>
-                <a:tc>
-                  <a:txBody>
-                    <a:bodyPr/>
-                    <a:lstStyle/>
-                    <a:p>
-                      <a:pPr algn="ctr"/>
-                      <a:r>
-                        <a:rPr lang="en-US" dirty="0"/>
-                        <a:t>84</a:t>
-                      </a:r>
-                    </a:p>
-                  </a:txBody>
-                  <a:tcPr anchor="ctr"/>
-                </a:tc>
-                <a:tc>
-                  <a:txBody>
-                    <a:bodyPr/>
-                    <a:lstStyle/>
-                    <a:p>
-                      <a:pPr algn="ctr"/>
-                      <a:r>
-                        <a:rPr lang="en-US" dirty="0"/>
-                        <a:t>90</a:t>
-                      </a:r>
-                    </a:p>
-                  </a:txBody>
-                  <a:tcPr anchor="ctr"/>
-                </a:tc>
-                <a:extLst>
-                  <a:ext uri="{0D108BD9-81ED-4DB2-BD59-A6C34878D82A}">
-                    <a16:rowId xmlns:a16="http://schemas.microsoft.com/office/drawing/2014/main" val="10003"/>
-                  </a:ext>
-                </a:extLst>
-              </a:tr>
-            </a:tbl>
-          </a:graphicData>
-        </a:graphic>
-      </p:graphicFrame>
-    </p:spTree>
-    <p:extLst>
-      <p:ext uri="{BB962C8B-B14F-4D97-AF65-F5344CB8AC3E}">
-        <p14:creationId xmlns:p14="http://schemas.microsoft.com/office/powerpoint/2010/main" val="2341911148"/>
-      </p:ext>
-    </p:extLst>
-  </p:cSld>
-  <p:clrMapOvr>
-    <a:masterClrMapping/>
-  </p:clrMapOvr>
-  <mc:AlternateContent xmlns:mc="http://schemas.openxmlformats.org/markup-compatibility/2006" xmlns:p14="http://schemas.microsoft.com/office/powerpoint/2010/main">
-    <mc:Choice Requires="p14">
-      <p:transition spd="med" p14:dur="700">
-        <p:fade/>
-      </p:transition>
-    </mc:Choice>
-    <mc:Fallback xmlns="">
-      <p:transition spd="med">
-        <p:fade/>
-      </p:transition>
-    </mc:Fallback>
-  </mc:AlternateContent>
-</p:sld>
-</file>
-
-<file path=ppt/slides/slide32.xml><?xml version="1.0" encoding="utf-8"?>
-<p:sld xmlns:a="http://schemas.openxmlformats.org/drawingml/2006/main" xmlns:r="http://schemas.openxmlformats.org/officeDocument/2006/relationships" xmlns:p="http://schemas.openxmlformats.org/presentationml/2006/main">
-  <p:cSld>
-    <p:spTree>
-      <p:nvGrpSpPr>
-        <p:cNvPr id="1" name=""/>
-        <p:cNvGrpSpPr/>
-        <p:nvPr/>
-      </p:nvGrpSpPr>
-      <p:grpSpPr>
-        <a:xfrm>
-          <a:off x="0" y="0"/>
-          <a:ext cx="0" cy="0"/>
-          <a:chOff x="0" y="0"/>
-          <a:chExt cx="0" cy="0"/>
-        </a:xfrm>
-      </p:grpSpPr>
-      <p:sp>
-        <p:nvSpPr>
-          <p:cNvPr id="2" name="Title 1"/>
-          <p:cNvSpPr>
-            <a:spLocks noGrp="1"/>
-          </p:cNvSpPr>
-          <p:nvPr>
-            <p:ph type="title"/>
-          </p:nvPr>
-        </p:nvSpPr>
-        <p:spPr/>
-        <p:txBody>
-          <a:bodyPr/>
-          <a:lstStyle/>
-          <a:p>
-            <a:r>
-              <a:rPr lang="en-US" dirty="0"/>
-              <a:t>Two Content Layout with SmartArt</a:t>
-            </a:r>
-          </a:p>
-        </p:txBody>
-      </p:sp>
-      <p:sp>
-        <p:nvSpPr>
-          <p:cNvPr id="3" name="Content Placeholder 2"/>
-          <p:cNvSpPr>
-            <a:spLocks noGrp="1"/>
-          </p:cNvSpPr>
-          <p:nvPr>
-            <p:ph sz="half" idx="1"/>
-          </p:nvPr>
-        </p:nvSpPr>
-        <p:spPr/>
-        <p:txBody>
-          <a:bodyPr/>
-          <a:lstStyle/>
-          <a:p>
-            <a:r>
-              <a:rPr lang="en-US" dirty="0"/>
-              <a:t>First bullet point here</a:t>
-            </a:r>
-          </a:p>
-          <a:p>
-            <a:r>
-              <a:rPr lang="en-US" dirty="0"/>
-              <a:t>Second bullet point here</a:t>
-            </a:r>
-          </a:p>
-          <a:p>
-            <a:r>
-              <a:rPr lang="en-US" dirty="0"/>
-              <a:t>Third bullet point here</a:t>
-            </a:r>
-          </a:p>
-        </p:txBody>
-      </p:sp>
-      <p:graphicFrame>
-        <p:nvGraphicFramePr>
-          <p:cNvPr id="5" name="Content Placeholder 4" descr="Staggered process showing 3 tasks arranged one below the other and two downward pointing arrows are used to indicate progression from first task to second task and second task to third task."/>
-          <p:cNvGraphicFramePr>
-            <a:graphicFrameLocks noGrp="1"/>
-          </p:cNvGraphicFramePr>
-          <p:nvPr>
-            <p:ph sz="half" idx="2"/>
-            <p:extLst>
-              <p:ext uri="{D42A27DB-BD31-4B8C-83A1-F6EECF244321}">
-                <p14:modId xmlns:p14="http://schemas.microsoft.com/office/powerpoint/2010/main" val="2561100622"/>
-              </p:ext>
-            </p:extLst>
-          </p:nvPr>
-        </p:nvGraphicFramePr>
-        <p:xfrm>
-          <a:off x="6500813" y="1706563"/>
-          <a:ext cx="5078412" cy="4465637"/>
-        </p:xfrm>
-        <a:graphic>
-          <a:graphicData uri="http://schemas.openxmlformats.org/drawingml/2006/diagram">
-            <dgm:relIds xmlns:dgm="http://schemas.openxmlformats.org/drawingml/2006/diagram" xmlns:r="http://schemas.openxmlformats.org/officeDocument/2006/relationships" r:dm="rId3" r:lo="rId4" r:qs="rId5" r:cs="rId6"/>
-          </a:graphicData>
-        </a:graphic>
-      </p:graphicFrame>
-    </p:spTree>
-    <p:extLst>
-      <p:ext uri="{BB962C8B-B14F-4D97-AF65-F5344CB8AC3E}">
-        <p14:creationId xmlns:p14="http://schemas.microsoft.com/office/powerpoint/2010/main" val="4123189245"/>
-      </p:ext>
-    </p:extLst>
-  </p:cSld>
-  <p:clrMapOvr>
-    <a:masterClrMapping/>
-  </p:clrMapOvr>
-  <mc:AlternateContent xmlns:mc="http://schemas.openxmlformats.org/markup-compatibility/2006" xmlns:p14="http://schemas.microsoft.com/office/powerpoint/2010/main">
-    <mc:Choice Requires="p14">
-      <p:transition spd="med" p14:dur="700">
-        <p:fade/>
-      </p:transition>
-    </mc:Choice>
-    <mc:Fallback xmlns="">
-      <p:transition spd="med">
-        <p:fade/>
-      </p:transition>
-    </mc:Fallback>
-  </mc:AlternateContent>
-</p:sld>
-</file>
-
-<file path=ppt/slides/slide33.xml><?xml version="1.0" encoding="utf-8"?>
-<p:sld xmlns:a="http://schemas.openxmlformats.org/drawingml/2006/main" xmlns:r="http://schemas.openxmlformats.org/officeDocument/2006/relationships" xmlns:p="http://schemas.openxmlformats.org/presentationml/2006/main">
-  <p:cSld>
-    <p:spTree>
-      <p:nvGrpSpPr>
-        <p:cNvPr id="1" name=""/>
-        <p:cNvGrpSpPr/>
-        <p:nvPr/>
-      </p:nvGrpSpPr>
-      <p:grpSpPr>
-        <a:xfrm>
-          <a:off x="0" y="0"/>
-          <a:ext cx="0" cy="0"/>
-          <a:chOff x="0" y="0"/>
-          <a:chExt cx="0" cy="0"/>
-        </a:xfrm>
-      </p:grpSpPr>
-      <p:sp>
-        <p:nvSpPr>
-          <p:cNvPr id="7" name="Title 6"/>
-          <p:cNvSpPr>
-            <a:spLocks noGrp="1"/>
-          </p:cNvSpPr>
-          <p:nvPr>
-            <p:ph type="title"/>
-          </p:nvPr>
-        </p:nvSpPr>
-        <p:spPr/>
-        <p:txBody>
-          <a:bodyPr/>
-          <a:lstStyle/>
-          <a:p>
-            <a:r>
-              <a:rPr lang="en-US" dirty="0"/>
-              <a:t>Add a Slide Title - 2</a:t>
-            </a:r>
-          </a:p>
-        </p:txBody>
-      </p:sp>
-      <p:sp>
-        <p:nvSpPr>
-          <p:cNvPr id="8" name="Text Placeholder 7"/>
-          <p:cNvSpPr>
-            <a:spLocks noGrp="1"/>
-          </p:cNvSpPr>
-          <p:nvPr>
-            <p:ph type="body" idx="1"/>
-          </p:nvPr>
-        </p:nvSpPr>
-        <p:spPr/>
-        <p:txBody>
-          <a:bodyPr/>
-          <a:lstStyle/>
-          <a:p>
-            <a:endParaRPr lang="en-US" dirty="0"/>
-          </a:p>
-        </p:txBody>
-      </p:sp>
-      <p:sp>
-        <p:nvSpPr>
-          <p:cNvPr id="10" name="Content Placeholder 9"/>
-          <p:cNvSpPr>
-            <a:spLocks noGrp="1"/>
-          </p:cNvSpPr>
-          <p:nvPr>
-            <p:ph sz="half" idx="2"/>
-          </p:nvPr>
-        </p:nvSpPr>
-        <p:spPr/>
-        <p:txBody>
-          <a:bodyPr/>
-          <a:lstStyle/>
-          <a:p>
-            <a:endParaRPr lang="en-US" dirty="0"/>
-          </a:p>
-        </p:txBody>
-      </p:sp>
-      <p:sp>
-        <p:nvSpPr>
-          <p:cNvPr id="9" name="Text Placeholder 8"/>
-          <p:cNvSpPr>
-            <a:spLocks noGrp="1"/>
-          </p:cNvSpPr>
-          <p:nvPr>
-            <p:ph type="body" sz="quarter" idx="3"/>
-          </p:nvPr>
-        </p:nvSpPr>
-        <p:spPr/>
-        <p:txBody>
-          <a:bodyPr/>
-          <a:lstStyle/>
-          <a:p>
-            <a:endParaRPr lang="en-US" dirty="0"/>
-          </a:p>
-        </p:txBody>
-      </p:sp>
-      <p:sp>
-        <p:nvSpPr>
-          <p:cNvPr id="11" name="Content Placeholder 10"/>
-          <p:cNvSpPr>
-            <a:spLocks noGrp="1"/>
-          </p:cNvSpPr>
-          <p:nvPr>
-            <p:ph sz="quarter" idx="4"/>
-          </p:nvPr>
-        </p:nvSpPr>
-        <p:spPr/>
-        <p:txBody>
-          <a:bodyPr/>
-          <a:lstStyle/>
-          <a:p>
-            <a:endParaRPr lang="en-US" dirty="0"/>
-          </a:p>
-        </p:txBody>
-      </p:sp>
-    </p:spTree>
-    <p:extLst>
-      <p:ext uri="{BB962C8B-B14F-4D97-AF65-F5344CB8AC3E}">
-        <p14:creationId xmlns:p14="http://schemas.microsoft.com/office/powerpoint/2010/main" val="2672039197"/>
-      </p:ext>
-    </p:extLst>
-  </p:cSld>
-  <p:clrMapOvr>
-    <a:masterClrMapping/>
-  </p:clrMapOvr>
-  <mc:AlternateContent xmlns:mc="http://schemas.openxmlformats.org/markup-compatibility/2006" xmlns:p14="http://schemas.microsoft.com/office/powerpoint/2010/main">
-    <mc:Choice Requires="p14">
-      <p:transition spd="med" p14:dur="700">
-        <p:fade/>
-      </p:transition>
-    </mc:Choice>
-    <mc:Fallback xmlns="">
-      <p:transition spd="med">
-        <p:fade/>
-      </p:transition>
-    </mc:Fallback>
-  </mc:AlternateContent>
-</p:sld>
-</file>
-
-<file path=ppt/slides/slide34.xml><?xml version="1.0" encoding="utf-8"?>
-<p:sld xmlns:a="http://schemas.openxmlformats.org/drawingml/2006/main" xmlns:r="http://schemas.openxmlformats.org/officeDocument/2006/relationships" xmlns:p="http://schemas.openxmlformats.org/presentationml/2006/main">
-  <p:cSld>
-    <p:spTree>
-      <p:nvGrpSpPr>
-        <p:cNvPr id="1" name=""/>
-        <p:cNvGrpSpPr/>
-        <p:nvPr/>
-      </p:nvGrpSpPr>
-      <p:grpSpPr>
-        <a:xfrm>
-          <a:off x="0" y="0"/>
-          <a:ext cx="0" cy="0"/>
-          <a:chOff x="0" y="0"/>
-          <a:chExt cx="0" cy="0"/>
-        </a:xfrm>
-      </p:grpSpPr>
-      <p:sp>
-        <p:nvSpPr>
-          <p:cNvPr id="3" name="Title 2"/>
-          <p:cNvSpPr>
-            <a:spLocks noGrp="1"/>
-          </p:cNvSpPr>
-          <p:nvPr>
-            <p:ph type="title"/>
-          </p:nvPr>
-        </p:nvSpPr>
-        <p:spPr/>
-        <p:txBody>
-          <a:bodyPr/>
-          <a:lstStyle/>
-          <a:p>
-            <a:r>
-              <a:rPr lang="en-US" dirty="0"/>
-              <a:t>Add a Slide Title - 3</a:t>
-            </a:r>
-          </a:p>
-        </p:txBody>
-      </p:sp>
-    </p:spTree>
-    <p:extLst>
-      <p:ext uri="{BB962C8B-B14F-4D97-AF65-F5344CB8AC3E}">
-        <p14:creationId xmlns:p14="http://schemas.microsoft.com/office/powerpoint/2010/main" val="397710800"/>
       </p:ext>
     </p:extLst>
   </p:cSld>
@@ -25734,6 +20071,142 @@
 </file>
 
 <file path=customXml/item1.xml><?xml version="1.0" encoding="utf-8"?>
+<p:properties xmlns:p="http://schemas.microsoft.com/office/2006/metadata/properties" xmlns:xsi="http://www.w3.org/2001/XMLSchema-instance" xmlns:pc="http://schemas.microsoft.com/office/infopath/2007/PartnerControls">
+  <documentManagement>
+    <LocPublishedLinkedAssetsLookup xmlns="4873beb7-5857-4685-be1f-d57550cc96cc" xsi:nil="true"/>
+    <ApprovalStatus xmlns="4873beb7-5857-4685-be1f-d57550cc96cc">InProgress</ApprovalStatus>
+    <MarketSpecific xmlns="4873beb7-5857-4685-be1f-d57550cc96cc">false</MarketSpecific>
+    <LocComments xmlns="4873beb7-5857-4685-be1f-d57550cc96cc" xsi:nil="true"/>
+    <LocLastLocAttemptVersionTypeLookup xmlns="4873beb7-5857-4685-be1f-d57550cc96cc" xsi:nil="true"/>
+    <DirectSourceMarket xmlns="4873beb7-5857-4685-be1f-d57550cc96cc" xsi:nil="true"/>
+    <ThumbnailAssetId xmlns="4873beb7-5857-4685-be1f-d57550cc96cc" xsi:nil="true"/>
+    <PrimaryImageGen xmlns="4873beb7-5857-4685-be1f-d57550cc96cc">false</PrimaryImageGen>
+    <LocNewPublishedVersionLookup xmlns="4873beb7-5857-4685-be1f-d57550cc96cc" xsi:nil="true"/>
+    <LegacyData xmlns="4873beb7-5857-4685-be1f-d57550cc96cc" xsi:nil="true"/>
+    <LocRecommendedHandoff xmlns="4873beb7-5857-4685-be1f-d57550cc96cc" xsi:nil="true"/>
+    <BusinessGroup xmlns="4873beb7-5857-4685-be1f-d57550cc96cc" xsi:nil="true"/>
+    <BlockPublish xmlns="4873beb7-5857-4685-be1f-d57550cc96cc">false</BlockPublish>
+    <TPFriendlyName xmlns="4873beb7-5857-4685-be1f-d57550cc96cc" xsi:nil="true"/>
+    <LocOverallPublishStatusLookup xmlns="4873beb7-5857-4685-be1f-d57550cc96cc" xsi:nil="true"/>
+    <NumericId xmlns="4873beb7-5857-4685-be1f-d57550cc96cc" xsi:nil="true"/>
+    <APEditor xmlns="4873beb7-5857-4685-be1f-d57550cc96cc">
+      <UserInfo>
+        <DisplayName/>
+        <AccountId xsi:nil="true"/>
+        <AccountType/>
+      </UserInfo>
+    </APEditor>
+    <SourceTitle xmlns="4873beb7-5857-4685-be1f-d57550cc96cc" xsi:nil="true"/>
+    <OpenTemplate xmlns="4873beb7-5857-4685-be1f-d57550cc96cc">true</OpenTemplate>
+    <LocOverallLocStatusLookup xmlns="4873beb7-5857-4685-be1f-d57550cc96cc" xsi:nil="true"/>
+    <UALocComments xmlns="4873beb7-5857-4685-be1f-d57550cc96cc" xsi:nil="true"/>
+    <ParentAssetId xmlns="4873beb7-5857-4685-be1f-d57550cc96cc" xsi:nil="true"/>
+    <IntlLangReviewDate xmlns="4873beb7-5857-4685-be1f-d57550cc96cc" xsi:nil="true"/>
+    <FeatureTagsTaxHTField0 xmlns="4873beb7-5857-4685-be1f-d57550cc96cc">
+      <Terms xmlns="http://schemas.microsoft.com/office/infopath/2007/PartnerControls"/>
+    </FeatureTagsTaxHTField0>
+    <PublishStatusLookup xmlns="4873beb7-5857-4685-be1f-d57550cc96cc">
+      <Value>1345093</Value>
+    </PublishStatusLookup>
+    <Providers xmlns="4873beb7-5857-4685-be1f-d57550cc96cc" xsi:nil="true"/>
+    <MachineTranslated xmlns="4873beb7-5857-4685-be1f-d57550cc96cc">false</MachineTranslated>
+    <OriginalSourceMarket xmlns="4873beb7-5857-4685-be1f-d57550cc96cc" xsi:nil="true"/>
+    <APDescription xmlns="4873beb7-5857-4685-be1f-d57550cc96cc">This simple template design works for technology and  businesses, but it's versatile enough to use in other contexts.  It features multiple slide layouts designed for widescreen (16x9 resolution) and includes a sample SmartArt list and chart that are easily editable.</APDescription>
+    <ClipArtFilename xmlns="4873beb7-5857-4685-be1f-d57550cc96cc" xsi:nil="true"/>
+    <ContentItem xmlns="4873beb7-5857-4685-be1f-d57550cc96cc" xsi:nil="true"/>
+    <TPInstallLocation xmlns="4873beb7-5857-4685-be1f-d57550cc96cc" xsi:nil="true"/>
+    <PublishTargets xmlns="4873beb7-5857-4685-be1f-d57550cc96cc">OfficeOnlineVNext</PublishTargets>
+    <TimesCloned xmlns="4873beb7-5857-4685-be1f-d57550cc96cc" xsi:nil="true"/>
+    <AssetStart xmlns="4873beb7-5857-4685-be1f-d57550cc96cc">2011-11-26T00:30:00+00:00</AssetStart>
+    <Provider xmlns="4873beb7-5857-4685-be1f-d57550cc96cc" xsi:nil="true"/>
+    <AcquiredFrom xmlns="4873beb7-5857-4685-be1f-d57550cc96cc">Internal MS</AcquiredFrom>
+    <FriendlyTitle xmlns="4873beb7-5857-4685-be1f-d57550cc96cc" xsi:nil="true"/>
+    <LastHandOff xmlns="4873beb7-5857-4685-be1f-d57550cc96cc" xsi:nil="true"/>
+    <TPClientViewer xmlns="4873beb7-5857-4685-be1f-d57550cc96cc" xsi:nil="true"/>
+    <TemplateStatus xmlns="4873beb7-5857-4685-be1f-d57550cc96cc">Complete</TemplateStatus>
+    <Downloads xmlns="4873beb7-5857-4685-be1f-d57550cc96cc">0</Downloads>
+    <OOCacheId xmlns="4873beb7-5857-4685-be1f-d57550cc96cc" xsi:nil="true"/>
+    <IsDeleted xmlns="4873beb7-5857-4685-be1f-d57550cc96cc">false</IsDeleted>
+    <LocPublishedDependentAssetsLookup xmlns="4873beb7-5857-4685-be1f-d57550cc96cc" xsi:nil="true"/>
+    <TPExecutable xmlns="4873beb7-5857-4685-be1f-d57550cc96cc" xsi:nil="true"/>
+    <EditorialTags xmlns="4873beb7-5857-4685-be1f-d57550cc96cc" xsi:nil="true"/>
+    <SubmitterId xmlns="4873beb7-5857-4685-be1f-d57550cc96cc" xsi:nil="true"/>
+    <ApprovalLog xmlns="4873beb7-5857-4685-be1f-d57550cc96cc" xsi:nil="true"/>
+    <AssetType xmlns="4873beb7-5857-4685-be1f-d57550cc96cc">TP</AssetType>
+    <BugNumber xmlns="4873beb7-5857-4685-be1f-d57550cc96cc" xsi:nil="true"/>
+    <CSXSubmissionDate xmlns="4873beb7-5857-4685-be1f-d57550cc96cc" xsi:nil="true"/>
+    <CSXUpdate xmlns="4873beb7-5857-4685-be1f-d57550cc96cc">false</CSXUpdate>
+    <Milestone xmlns="4873beb7-5857-4685-be1f-d57550cc96cc" xsi:nil="true"/>
+    <RecommendationsModifier xmlns="4873beb7-5857-4685-be1f-d57550cc96cc" xsi:nil="true"/>
+    <OriginAsset xmlns="4873beb7-5857-4685-be1f-d57550cc96cc" xsi:nil="true"/>
+    <TPComponent xmlns="4873beb7-5857-4685-be1f-d57550cc96cc" xsi:nil="true"/>
+    <AssetId xmlns="4873beb7-5857-4685-be1f-d57550cc96cc">TP102787989</AssetId>
+    <IntlLocPriority xmlns="4873beb7-5857-4685-be1f-d57550cc96cc" xsi:nil="true"/>
+    <PolicheckWords xmlns="4873beb7-5857-4685-be1f-d57550cc96cc" xsi:nil="true"/>
+    <TPLaunchHelpLink xmlns="4873beb7-5857-4685-be1f-d57550cc96cc" xsi:nil="true"/>
+    <TPApplication xmlns="4873beb7-5857-4685-be1f-d57550cc96cc" xsi:nil="true"/>
+    <CrawlForDependencies xmlns="4873beb7-5857-4685-be1f-d57550cc96cc">false</CrawlForDependencies>
+    <HandoffToMSDN xmlns="4873beb7-5857-4685-be1f-d57550cc96cc" xsi:nil="true"/>
+    <PlannedPubDate xmlns="4873beb7-5857-4685-be1f-d57550cc96cc" xsi:nil="true"/>
+    <IntlLangReviewer xmlns="4873beb7-5857-4685-be1f-d57550cc96cc" xsi:nil="true"/>
+    <TrustLevel xmlns="4873beb7-5857-4685-be1f-d57550cc96cc">1 Microsoft Managed Content</TrustLevel>
+    <LocLastLocAttemptVersionLookup xmlns="4873beb7-5857-4685-be1f-d57550cc96cc">694266</LocLastLocAttemptVersionLookup>
+    <LocProcessedForHandoffsLookup xmlns="4873beb7-5857-4685-be1f-d57550cc96cc" xsi:nil="true"/>
+    <IsSearchable xmlns="4873beb7-5857-4685-be1f-d57550cc96cc">true</IsSearchable>
+    <TemplateTemplateType xmlns="4873beb7-5857-4685-be1f-d57550cc96cc">PowerPoint Presentation Template</TemplateTemplateType>
+    <CampaignTagsTaxHTField0 xmlns="4873beb7-5857-4685-be1f-d57550cc96cc">
+      <Terms xmlns="http://schemas.microsoft.com/office/infopath/2007/PartnerControls"/>
+    </CampaignTagsTaxHTField0>
+    <TPNamespace xmlns="4873beb7-5857-4685-be1f-d57550cc96cc" xsi:nil="true"/>
+    <LocOverallPreviewStatusLookup xmlns="4873beb7-5857-4685-be1f-d57550cc96cc" xsi:nil="true"/>
+    <TaxCatchAll xmlns="4873beb7-5857-4685-be1f-d57550cc96cc"/>
+    <Markets xmlns="4873beb7-5857-4685-be1f-d57550cc96cc"/>
+    <UAProjectedTotalWords xmlns="4873beb7-5857-4685-be1f-d57550cc96cc" xsi:nil="true"/>
+    <IntlLangReview xmlns="4873beb7-5857-4685-be1f-d57550cc96cc" xsi:nil="true"/>
+    <OutputCachingOn xmlns="4873beb7-5857-4685-be1f-d57550cc96cc">false</OutputCachingOn>
+    <AverageRating xmlns="4873beb7-5857-4685-be1f-d57550cc96cc" xsi:nil="true"/>
+    <APAuthor xmlns="4873beb7-5857-4685-be1f-d57550cc96cc">
+      <UserInfo>
+        <DisplayName>REDMOND\kristaa</DisplayName>
+        <AccountId>136</AccountId>
+        <AccountType/>
+      </UserInfo>
+    </APAuthor>
+    <LocManualTestRequired xmlns="4873beb7-5857-4685-be1f-d57550cc96cc">false</LocManualTestRequired>
+    <TPCommandLine xmlns="4873beb7-5857-4685-be1f-d57550cc96cc" xsi:nil="true"/>
+    <TPAppVersion xmlns="4873beb7-5857-4685-be1f-d57550cc96cc" xsi:nil="true"/>
+    <EditorialStatus xmlns="4873beb7-5857-4685-be1f-d57550cc96cc">Complete</EditorialStatus>
+    <LastModifiedDateTime xmlns="4873beb7-5857-4685-be1f-d57550cc96cc" xsi:nil="true"/>
+    <ScenarioTagsTaxHTField0 xmlns="4873beb7-5857-4685-be1f-d57550cc96cc">
+      <Terms xmlns="http://schemas.microsoft.com/office/infopath/2007/PartnerControls"/>
+    </ScenarioTagsTaxHTField0>
+    <LocProcessedForMarketsLookup xmlns="4873beb7-5857-4685-be1f-d57550cc96cc" xsi:nil="true"/>
+    <TPLaunchHelpLinkType xmlns="4873beb7-5857-4685-be1f-d57550cc96cc">Template</TPLaunchHelpLinkType>
+    <OriginalRelease xmlns="4873beb7-5857-4685-be1f-d57550cc96cc">15</OriginalRelease>
+    <LocalizationTagsTaxHTField0 xmlns="4873beb7-5857-4685-be1f-d57550cc96cc">
+      <Terms xmlns="http://schemas.microsoft.com/office/infopath/2007/PartnerControls"/>
+    </LocalizationTagsTaxHTField0>
+    <UACurrentWords xmlns="4873beb7-5857-4685-be1f-d57550cc96cc" xsi:nil="true"/>
+    <ArtSampleDocs xmlns="4873beb7-5857-4685-be1f-d57550cc96cc" xsi:nil="true"/>
+    <UALocRecommendation xmlns="4873beb7-5857-4685-be1f-d57550cc96cc">Localize</UALocRecommendation>
+    <Manager xmlns="4873beb7-5857-4685-be1f-d57550cc96cc" xsi:nil="true"/>
+    <LocOverallHandbackStatusLookup xmlns="4873beb7-5857-4685-be1f-d57550cc96cc" xsi:nil="true"/>
+    <ShowIn xmlns="4873beb7-5857-4685-be1f-d57550cc96cc">Show everywhere</ShowIn>
+    <UANotes xmlns="4873beb7-5857-4685-be1f-d57550cc96cc" xsi:nil="true"/>
+    <InternalTagsTaxHTField0 xmlns="4873beb7-5857-4685-be1f-d57550cc96cc">
+      <Terms xmlns="http://schemas.microsoft.com/office/infopath/2007/PartnerControls"/>
+    </InternalTagsTaxHTField0>
+    <CSXHash xmlns="4873beb7-5857-4685-be1f-d57550cc96cc" xsi:nil="true"/>
+    <VoteCount xmlns="4873beb7-5857-4685-be1f-d57550cc96cc" xsi:nil="true"/>
+    <AssetExpire xmlns="4873beb7-5857-4685-be1f-d57550cc96cc">2029-05-12T07:00:00+00:00</AssetExpire>
+    <DSATActionTaken xmlns="4873beb7-5857-4685-be1f-d57550cc96cc" xsi:nil="true"/>
+    <CSXSubmissionMarket xmlns="4873beb7-5857-4685-be1f-d57550cc96cc" xsi:nil="true"/>
+    <LocMarketGroupTiers2 xmlns="4873beb7-5857-4685-be1f-d57550cc96cc" xsi:nil="true"/>
+  </documentManagement>
+</p:properties>
+</file>
+
+<file path=customXml/item2.xml><?xml version="1.0" encoding="utf-8"?>
 <ct:contentTypeSchema xmlns:ct="http://schemas.microsoft.com/office/2006/metadata/contentType" xmlns:ma="http://schemas.microsoft.com/office/2006/metadata/properties/metaAttributes" ct:_="" ma:_="" ma:contentTypeName="TemplateFile" ma:contentTypeID="0x0101006EDDDB5EE6D98C44930B742096920B300400F5B6D36B3EF94B4E9A635CDF2A18F5B8" ma:contentTypeVersion="72" ma:contentTypeDescription="Create a new document." ma:contentTypeScope="" ma:versionID="a23e56308344d904b51738559c3d67c9">
   <xsd:schema xmlns:xsd="http://www.w3.org/2001/XMLSchema" xmlns:xs="http://www.w3.org/2001/XMLSchema" xmlns:p="http://schemas.microsoft.com/office/2006/metadata/properties" xmlns:ns2="4873beb7-5857-4685-be1f-d57550cc96cc" targetNamespace="http://schemas.microsoft.com/office/2006/metadata/properties" ma:root="true" ma:fieldsID="cd0908cc4600e77bf5da051303e00c8d" ns2:_="">
     <xsd:import namespace="4873beb7-5857-4685-be1f-d57550cc96cc"/>
@@ -26773,142 +21246,6 @@
 </ct:contentTypeSchema>
 </file>
 
-<file path=customXml/item2.xml><?xml version="1.0" encoding="utf-8"?>
-<p:properties xmlns:p="http://schemas.microsoft.com/office/2006/metadata/properties" xmlns:xsi="http://www.w3.org/2001/XMLSchema-instance" xmlns:pc="http://schemas.microsoft.com/office/infopath/2007/PartnerControls">
-  <documentManagement>
-    <LocPublishedLinkedAssetsLookup xmlns="4873beb7-5857-4685-be1f-d57550cc96cc" xsi:nil="true"/>
-    <ApprovalStatus xmlns="4873beb7-5857-4685-be1f-d57550cc96cc">InProgress</ApprovalStatus>
-    <MarketSpecific xmlns="4873beb7-5857-4685-be1f-d57550cc96cc">false</MarketSpecific>
-    <LocComments xmlns="4873beb7-5857-4685-be1f-d57550cc96cc" xsi:nil="true"/>
-    <LocLastLocAttemptVersionTypeLookup xmlns="4873beb7-5857-4685-be1f-d57550cc96cc" xsi:nil="true"/>
-    <DirectSourceMarket xmlns="4873beb7-5857-4685-be1f-d57550cc96cc" xsi:nil="true"/>
-    <ThumbnailAssetId xmlns="4873beb7-5857-4685-be1f-d57550cc96cc" xsi:nil="true"/>
-    <PrimaryImageGen xmlns="4873beb7-5857-4685-be1f-d57550cc96cc">false</PrimaryImageGen>
-    <LocNewPublishedVersionLookup xmlns="4873beb7-5857-4685-be1f-d57550cc96cc" xsi:nil="true"/>
-    <LegacyData xmlns="4873beb7-5857-4685-be1f-d57550cc96cc" xsi:nil="true"/>
-    <LocRecommendedHandoff xmlns="4873beb7-5857-4685-be1f-d57550cc96cc" xsi:nil="true"/>
-    <BusinessGroup xmlns="4873beb7-5857-4685-be1f-d57550cc96cc" xsi:nil="true"/>
-    <BlockPublish xmlns="4873beb7-5857-4685-be1f-d57550cc96cc">false</BlockPublish>
-    <TPFriendlyName xmlns="4873beb7-5857-4685-be1f-d57550cc96cc" xsi:nil="true"/>
-    <LocOverallPublishStatusLookup xmlns="4873beb7-5857-4685-be1f-d57550cc96cc" xsi:nil="true"/>
-    <NumericId xmlns="4873beb7-5857-4685-be1f-d57550cc96cc" xsi:nil="true"/>
-    <APEditor xmlns="4873beb7-5857-4685-be1f-d57550cc96cc">
-      <UserInfo>
-        <DisplayName/>
-        <AccountId xsi:nil="true"/>
-        <AccountType/>
-      </UserInfo>
-    </APEditor>
-    <SourceTitle xmlns="4873beb7-5857-4685-be1f-d57550cc96cc" xsi:nil="true"/>
-    <OpenTemplate xmlns="4873beb7-5857-4685-be1f-d57550cc96cc">true</OpenTemplate>
-    <LocOverallLocStatusLookup xmlns="4873beb7-5857-4685-be1f-d57550cc96cc" xsi:nil="true"/>
-    <UALocComments xmlns="4873beb7-5857-4685-be1f-d57550cc96cc" xsi:nil="true"/>
-    <ParentAssetId xmlns="4873beb7-5857-4685-be1f-d57550cc96cc" xsi:nil="true"/>
-    <IntlLangReviewDate xmlns="4873beb7-5857-4685-be1f-d57550cc96cc" xsi:nil="true"/>
-    <FeatureTagsTaxHTField0 xmlns="4873beb7-5857-4685-be1f-d57550cc96cc">
-      <Terms xmlns="http://schemas.microsoft.com/office/infopath/2007/PartnerControls"/>
-    </FeatureTagsTaxHTField0>
-    <PublishStatusLookup xmlns="4873beb7-5857-4685-be1f-d57550cc96cc">
-      <Value>1345093</Value>
-    </PublishStatusLookup>
-    <Providers xmlns="4873beb7-5857-4685-be1f-d57550cc96cc" xsi:nil="true"/>
-    <MachineTranslated xmlns="4873beb7-5857-4685-be1f-d57550cc96cc">false</MachineTranslated>
-    <OriginalSourceMarket xmlns="4873beb7-5857-4685-be1f-d57550cc96cc" xsi:nil="true"/>
-    <APDescription xmlns="4873beb7-5857-4685-be1f-d57550cc96cc">This simple template design works for technology and  businesses, but it's versatile enough to use in other contexts.  It features multiple slide layouts designed for widescreen (16x9 resolution) and includes a sample SmartArt list and chart that are easily editable.</APDescription>
-    <ClipArtFilename xmlns="4873beb7-5857-4685-be1f-d57550cc96cc" xsi:nil="true"/>
-    <ContentItem xmlns="4873beb7-5857-4685-be1f-d57550cc96cc" xsi:nil="true"/>
-    <TPInstallLocation xmlns="4873beb7-5857-4685-be1f-d57550cc96cc" xsi:nil="true"/>
-    <PublishTargets xmlns="4873beb7-5857-4685-be1f-d57550cc96cc">OfficeOnlineVNext</PublishTargets>
-    <TimesCloned xmlns="4873beb7-5857-4685-be1f-d57550cc96cc" xsi:nil="true"/>
-    <AssetStart xmlns="4873beb7-5857-4685-be1f-d57550cc96cc">2011-11-26T00:30:00+00:00</AssetStart>
-    <Provider xmlns="4873beb7-5857-4685-be1f-d57550cc96cc" xsi:nil="true"/>
-    <AcquiredFrom xmlns="4873beb7-5857-4685-be1f-d57550cc96cc">Internal MS</AcquiredFrom>
-    <FriendlyTitle xmlns="4873beb7-5857-4685-be1f-d57550cc96cc" xsi:nil="true"/>
-    <LastHandOff xmlns="4873beb7-5857-4685-be1f-d57550cc96cc" xsi:nil="true"/>
-    <TPClientViewer xmlns="4873beb7-5857-4685-be1f-d57550cc96cc" xsi:nil="true"/>
-    <TemplateStatus xmlns="4873beb7-5857-4685-be1f-d57550cc96cc">Complete</TemplateStatus>
-    <Downloads xmlns="4873beb7-5857-4685-be1f-d57550cc96cc">0</Downloads>
-    <OOCacheId xmlns="4873beb7-5857-4685-be1f-d57550cc96cc" xsi:nil="true"/>
-    <IsDeleted xmlns="4873beb7-5857-4685-be1f-d57550cc96cc">false</IsDeleted>
-    <LocPublishedDependentAssetsLookup xmlns="4873beb7-5857-4685-be1f-d57550cc96cc" xsi:nil="true"/>
-    <TPExecutable xmlns="4873beb7-5857-4685-be1f-d57550cc96cc" xsi:nil="true"/>
-    <EditorialTags xmlns="4873beb7-5857-4685-be1f-d57550cc96cc" xsi:nil="true"/>
-    <SubmitterId xmlns="4873beb7-5857-4685-be1f-d57550cc96cc" xsi:nil="true"/>
-    <ApprovalLog xmlns="4873beb7-5857-4685-be1f-d57550cc96cc" xsi:nil="true"/>
-    <AssetType xmlns="4873beb7-5857-4685-be1f-d57550cc96cc">TP</AssetType>
-    <BugNumber xmlns="4873beb7-5857-4685-be1f-d57550cc96cc" xsi:nil="true"/>
-    <CSXSubmissionDate xmlns="4873beb7-5857-4685-be1f-d57550cc96cc" xsi:nil="true"/>
-    <CSXUpdate xmlns="4873beb7-5857-4685-be1f-d57550cc96cc">false</CSXUpdate>
-    <Milestone xmlns="4873beb7-5857-4685-be1f-d57550cc96cc" xsi:nil="true"/>
-    <RecommendationsModifier xmlns="4873beb7-5857-4685-be1f-d57550cc96cc" xsi:nil="true"/>
-    <OriginAsset xmlns="4873beb7-5857-4685-be1f-d57550cc96cc" xsi:nil="true"/>
-    <TPComponent xmlns="4873beb7-5857-4685-be1f-d57550cc96cc" xsi:nil="true"/>
-    <AssetId xmlns="4873beb7-5857-4685-be1f-d57550cc96cc">TP102787989</AssetId>
-    <IntlLocPriority xmlns="4873beb7-5857-4685-be1f-d57550cc96cc" xsi:nil="true"/>
-    <PolicheckWords xmlns="4873beb7-5857-4685-be1f-d57550cc96cc" xsi:nil="true"/>
-    <TPLaunchHelpLink xmlns="4873beb7-5857-4685-be1f-d57550cc96cc" xsi:nil="true"/>
-    <TPApplication xmlns="4873beb7-5857-4685-be1f-d57550cc96cc" xsi:nil="true"/>
-    <CrawlForDependencies xmlns="4873beb7-5857-4685-be1f-d57550cc96cc">false</CrawlForDependencies>
-    <HandoffToMSDN xmlns="4873beb7-5857-4685-be1f-d57550cc96cc" xsi:nil="true"/>
-    <PlannedPubDate xmlns="4873beb7-5857-4685-be1f-d57550cc96cc" xsi:nil="true"/>
-    <IntlLangReviewer xmlns="4873beb7-5857-4685-be1f-d57550cc96cc" xsi:nil="true"/>
-    <TrustLevel xmlns="4873beb7-5857-4685-be1f-d57550cc96cc">1 Microsoft Managed Content</TrustLevel>
-    <LocLastLocAttemptVersionLookup xmlns="4873beb7-5857-4685-be1f-d57550cc96cc">694266</LocLastLocAttemptVersionLookup>
-    <LocProcessedForHandoffsLookup xmlns="4873beb7-5857-4685-be1f-d57550cc96cc" xsi:nil="true"/>
-    <IsSearchable xmlns="4873beb7-5857-4685-be1f-d57550cc96cc">true</IsSearchable>
-    <TemplateTemplateType xmlns="4873beb7-5857-4685-be1f-d57550cc96cc">PowerPoint Presentation Template</TemplateTemplateType>
-    <CampaignTagsTaxHTField0 xmlns="4873beb7-5857-4685-be1f-d57550cc96cc">
-      <Terms xmlns="http://schemas.microsoft.com/office/infopath/2007/PartnerControls"/>
-    </CampaignTagsTaxHTField0>
-    <TPNamespace xmlns="4873beb7-5857-4685-be1f-d57550cc96cc" xsi:nil="true"/>
-    <LocOverallPreviewStatusLookup xmlns="4873beb7-5857-4685-be1f-d57550cc96cc" xsi:nil="true"/>
-    <TaxCatchAll xmlns="4873beb7-5857-4685-be1f-d57550cc96cc"/>
-    <Markets xmlns="4873beb7-5857-4685-be1f-d57550cc96cc"/>
-    <UAProjectedTotalWords xmlns="4873beb7-5857-4685-be1f-d57550cc96cc" xsi:nil="true"/>
-    <IntlLangReview xmlns="4873beb7-5857-4685-be1f-d57550cc96cc" xsi:nil="true"/>
-    <OutputCachingOn xmlns="4873beb7-5857-4685-be1f-d57550cc96cc">false</OutputCachingOn>
-    <AverageRating xmlns="4873beb7-5857-4685-be1f-d57550cc96cc" xsi:nil="true"/>
-    <APAuthor xmlns="4873beb7-5857-4685-be1f-d57550cc96cc">
-      <UserInfo>
-        <DisplayName>REDMOND\kristaa</DisplayName>
-        <AccountId>136</AccountId>
-        <AccountType/>
-      </UserInfo>
-    </APAuthor>
-    <LocManualTestRequired xmlns="4873beb7-5857-4685-be1f-d57550cc96cc">false</LocManualTestRequired>
-    <TPCommandLine xmlns="4873beb7-5857-4685-be1f-d57550cc96cc" xsi:nil="true"/>
-    <TPAppVersion xmlns="4873beb7-5857-4685-be1f-d57550cc96cc" xsi:nil="true"/>
-    <EditorialStatus xmlns="4873beb7-5857-4685-be1f-d57550cc96cc">Complete</EditorialStatus>
-    <LastModifiedDateTime xmlns="4873beb7-5857-4685-be1f-d57550cc96cc" xsi:nil="true"/>
-    <ScenarioTagsTaxHTField0 xmlns="4873beb7-5857-4685-be1f-d57550cc96cc">
-      <Terms xmlns="http://schemas.microsoft.com/office/infopath/2007/PartnerControls"/>
-    </ScenarioTagsTaxHTField0>
-    <LocProcessedForMarketsLookup xmlns="4873beb7-5857-4685-be1f-d57550cc96cc" xsi:nil="true"/>
-    <TPLaunchHelpLinkType xmlns="4873beb7-5857-4685-be1f-d57550cc96cc">Template</TPLaunchHelpLinkType>
-    <OriginalRelease xmlns="4873beb7-5857-4685-be1f-d57550cc96cc">15</OriginalRelease>
-    <LocalizationTagsTaxHTField0 xmlns="4873beb7-5857-4685-be1f-d57550cc96cc">
-      <Terms xmlns="http://schemas.microsoft.com/office/infopath/2007/PartnerControls"/>
-    </LocalizationTagsTaxHTField0>
-    <UACurrentWords xmlns="4873beb7-5857-4685-be1f-d57550cc96cc" xsi:nil="true"/>
-    <ArtSampleDocs xmlns="4873beb7-5857-4685-be1f-d57550cc96cc" xsi:nil="true"/>
-    <UALocRecommendation xmlns="4873beb7-5857-4685-be1f-d57550cc96cc">Localize</UALocRecommendation>
-    <Manager xmlns="4873beb7-5857-4685-be1f-d57550cc96cc" xsi:nil="true"/>
-    <LocOverallHandbackStatusLookup xmlns="4873beb7-5857-4685-be1f-d57550cc96cc" xsi:nil="true"/>
-    <ShowIn xmlns="4873beb7-5857-4685-be1f-d57550cc96cc">Show everywhere</ShowIn>
-    <UANotes xmlns="4873beb7-5857-4685-be1f-d57550cc96cc" xsi:nil="true"/>
-    <InternalTagsTaxHTField0 xmlns="4873beb7-5857-4685-be1f-d57550cc96cc">
-      <Terms xmlns="http://schemas.microsoft.com/office/infopath/2007/PartnerControls"/>
-    </InternalTagsTaxHTField0>
-    <CSXHash xmlns="4873beb7-5857-4685-be1f-d57550cc96cc" xsi:nil="true"/>
-    <VoteCount xmlns="4873beb7-5857-4685-be1f-d57550cc96cc" xsi:nil="true"/>
-    <AssetExpire xmlns="4873beb7-5857-4685-be1f-d57550cc96cc">2029-05-12T07:00:00+00:00</AssetExpire>
-    <DSATActionTaken xmlns="4873beb7-5857-4685-be1f-d57550cc96cc" xsi:nil="true"/>
-    <CSXSubmissionMarket xmlns="4873beb7-5857-4685-be1f-d57550cc96cc" xsi:nil="true"/>
-    <LocMarketGroupTiers2 xmlns="4873beb7-5857-4685-be1f-d57550cc96cc" xsi:nil="true"/>
-  </documentManagement>
-</p:properties>
-</file>
-
 <file path=customXml/item3.xml><?xml version="1.0" encoding="utf-8"?>
 <?mso-contentType ?>
 <FormTemplates xmlns="http://schemas.microsoft.com/sharepoint/v3/contenttype/forms">
@@ -26919,6 +21256,22 @@
 </file>
 
 <file path=customXml/itemProps1.xml><?xml version="1.0" encoding="utf-8"?>
+<ds:datastoreItem xmlns:ds="http://schemas.openxmlformats.org/officeDocument/2006/customXml" ds:itemID="{60C67BEE-D13F-4BD2-98A5-34D8A0977F68}">
+  <ds:schemaRefs>
+    <ds:schemaRef ds:uri="http://purl.org/dc/elements/1.1/"/>
+    <ds:schemaRef ds:uri="http://schemas.microsoft.com/office/2006/metadata/properties"/>
+    <ds:schemaRef ds:uri="http://schemas.microsoft.com/office/2006/documentManagement/types"/>
+    <ds:schemaRef ds:uri="4873beb7-5857-4685-be1f-d57550cc96cc"/>
+    <ds:schemaRef ds:uri="http://purl.org/dc/terms/"/>
+    <ds:schemaRef ds:uri="http://schemas.openxmlformats.org/package/2006/metadata/core-properties"/>
+    <ds:schemaRef ds:uri="http://schemas.microsoft.com/office/infopath/2007/PartnerControls"/>
+    <ds:schemaRef ds:uri="http://purl.org/dc/dcmitype/"/>
+    <ds:schemaRef ds:uri="http://www.w3.org/XML/1998/namespace"/>
+  </ds:schemaRefs>
+</ds:datastoreItem>
+</file>
+
+<file path=customXml/itemProps2.xml><?xml version="1.0" encoding="utf-8"?>
 <ds:datastoreItem xmlns:ds="http://schemas.openxmlformats.org/officeDocument/2006/customXml" ds:itemID="{A09BF4D4-EF60-4196-BFC3-9462D607978C}">
   <ds:schemaRefs>
     <ds:schemaRef ds:uri="http://schemas.microsoft.com/office/2006/metadata/contentType"/>
@@ -26936,22 +21289,6 @@
 </ds:datastoreItem>
 </file>
 
-<file path=customXml/itemProps2.xml><?xml version="1.0" encoding="utf-8"?>
-<ds:datastoreItem xmlns:ds="http://schemas.openxmlformats.org/officeDocument/2006/customXml" ds:itemID="{60C67BEE-D13F-4BD2-98A5-34D8A0977F68}">
-  <ds:schemaRefs>
-    <ds:schemaRef ds:uri="http://purl.org/dc/elements/1.1/"/>
-    <ds:schemaRef ds:uri="http://schemas.microsoft.com/office/2006/metadata/properties"/>
-    <ds:schemaRef ds:uri="http://schemas.microsoft.com/office/2006/documentManagement/types"/>
-    <ds:schemaRef ds:uri="4873beb7-5857-4685-be1f-d57550cc96cc"/>
-    <ds:schemaRef ds:uri="http://purl.org/dc/terms/"/>
-    <ds:schemaRef ds:uri="http://schemas.openxmlformats.org/package/2006/metadata/core-properties"/>
-    <ds:schemaRef ds:uri="http://schemas.microsoft.com/office/infopath/2007/PartnerControls"/>
-    <ds:schemaRef ds:uri="http://purl.org/dc/dcmitype/"/>
-    <ds:schemaRef ds:uri="http://www.w3.org/XML/1998/namespace"/>
-  </ds:schemaRefs>
-</ds:datastoreItem>
-</file>
-
 <file path=customXml/itemProps3.xml><?xml version="1.0" encoding="utf-8"?>
 <ds:datastoreItem xmlns:ds="http://schemas.openxmlformats.org/officeDocument/2006/customXml" ds:itemID="{3836F65B-1B07-41EE-A0E8-BC6EF3855225}">
   <ds:schemaRefs>
